--- a/CISC3025-Project3-Presentation.pptx
+++ b/CISC3025-Project3-Presentation.pptx
@@ -5,7 +5,7 @@
     <p:sldMasterId id="2147483659" r:id="rId1"/>
   </p:sldMasterIdLst>
   <p:notesMasterIdLst>
-    <p:notesMasterId r:id="rId21"/>
+    <p:notesMasterId r:id="rId26"/>
   </p:notesMasterIdLst>
   <p:sldIdLst>
     <p:sldId id="256" r:id="rId2"/>
@@ -25,8 +25,13 @@
     <p:sldId id="270" r:id="rId16"/>
     <p:sldId id="271" r:id="rId17"/>
     <p:sldId id="272" r:id="rId18"/>
-    <p:sldId id="273" r:id="rId19"/>
-    <p:sldId id="274" r:id="rId20"/>
+    <p:sldId id="279" r:id="rId19"/>
+    <p:sldId id="277" r:id="rId20"/>
+    <p:sldId id="278" r:id="rId21"/>
+    <p:sldId id="280" r:id="rId22"/>
+    <p:sldId id="275" r:id="rId23"/>
+    <p:sldId id="273" r:id="rId24"/>
+    <p:sldId id="274" r:id="rId25"/>
   </p:sldIdLst>
   <p:sldSz cx="9144000" cy="5143500" type="screen16x9"/>
   <p:notesSz cx="6858000" cy="9144000"/>
@@ -259,6 +264,11 @@
       </a:defRPr>
     </a:lvl9pPr>
   </p:defaultTextStyle>
+  <p:extLst>
+    <p:ext uri="{EFAFB233-063F-42B5-8137-9DF3F51BA10A}">
+      <p15:sldGuideLst xmlns:p15="http://schemas.microsoft.com/office/powerpoint/2012/main"/>
+    </p:ext>
+  </p:extLst>
 </p:presentation>
 </file>
 
@@ -1564,7 +1574,7 @@
         </p:nvSpPr>
         <p:spPr>
           <a:xfrm>
-            <a:off x="381300" y="685800"/>
+            <a:off x="381000" y="685800"/>
             <a:ext cx="6096000" cy="3429000"/>
           </a:xfrm>
           <a:custGeom>
@@ -1640,6 +1650,374 @@
 </file>
 
 <file path=ppt/notesSlides/notesSlide18.xml><?xml version="1.0" encoding="utf-8"?>
+<p:notes xmlns:a="http://schemas.openxmlformats.org/drawingml/2006/main" xmlns:r="http://schemas.openxmlformats.org/officeDocument/2006/relationships" xmlns:p="http://schemas.openxmlformats.org/presentationml/2006/main">
+  <p:cSld>
+    <p:spTree>
+      <p:nvGrpSpPr>
+        <p:cNvPr id="1" name=""/>
+        <p:cNvGrpSpPr/>
+        <p:nvPr/>
+      </p:nvGrpSpPr>
+      <p:grpSpPr>
+        <a:xfrm>
+          <a:off x="0" y="0"/>
+          <a:ext cx="0" cy="0"/>
+          <a:chOff x="0" y="0"/>
+          <a:chExt cx="0" cy="0"/>
+        </a:xfrm>
+      </p:grpSpPr>
+      <p:sp>
+        <p:nvSpPr>
+          <p:cNvPr id="2" name="Slide Image Placeholder 1"/>
+          <p:cNvSpPr>
+            <a:spLocks noGrp="1" noRot="1" noChangeAspect="1"/>
+          </p:cNvSpPr>
+          <p:nvPr>
+            <p:ph type="sldImg"/>
+          </p:nvPr>
+        </p:nvSpPr>
+        <p:spPr>
+          <a:xfrm>
+            <a:off x="381000" y="685800"/>
+            <a:ext cx="6096000" cy="3429000"/>
+          </a:xfrm>
+        </p:spPr>
+      </p:sp>
+      <p:sp>
+        <p:nvSpPr>
+          <p:cNvPr id="3" name="Notes Placeholder 2"/>
+          <p:cNvSpPr>
+            <a:spLocks noGrp="1"/>
+          </p:cNvSpPr>
+          <p:nvPr>
+            <p:ph type="body" idx="1"/>
+          </p:nvPr>
+        </p:nvSpPr>
+        <p:spPr/>
+        <p:txBody>
+          <a:bodyPr/>
+          <a:lstStyle/>
+          <a:p>
+            <a:endParaRPr lang="en-CN"/>
+          </a:p>
+        </p:txBody>
+      </p:sp>
+    </p:spTree>
+    <p:extLst>
+      <p:ext uri="{BB962C8B-B14F-4D97-AF65-F5344CB8AC3E}">
+        <p14:creationId xmlns:p14="http://schemas.microsoft.com/office/powerpoint/2010/main" val="1609685617"/>
+      </p:ext>
+    </p:extLst>
+  </p:cSld>
+  <p:clrMapOvr>
+    <a:masterClrMapping/>
+  </p:clrMapOvr>
+</p:notes>
+</file>
+
+<file path=ppt/notesSlides/notesSlide19.xml><?xml version="1.0" encoding="utf-8"?>
+<p:notes xmlns:a="http://schemas.openxmlformats.org/drawingml/2006/main" xmlns:r="http://schemas.openxmlformats.org/officeDocument/2006/relationships" xmlns:p="http://schemas.openxmlformats.org/presentationml/2006/main">
+  <p:cSld>
+    <p:spTree>
+      <p:nvGrpSpPr>
+        <p:cNvPr id="1" name=""/>
+        <p:cNvGrpSpPr/>
+        <p:nvPr/>
+      </p:nvGrpSpPr>
+      <p:grpSpPr>
+        <a:xfrm>
+          <a:off x="0" y="0"/>
+          <a:ext cx="0" cy="0"/>
+          <a:chOff x="0" y="0"/>
+          <a:chExt cx="0" cy="0"/>
+        </a:xfrm>
+      </p:grpSpPr>
+      <p:sp>
+        <p:nvSpPr>
+          <p:cNvPr id="2" name="Slide Image Placeholder 1"/>
+          <p:cNvSpPr>
+            <a:spLocks noGrp="1" noRot="1" noChangeAspect="1"/>
+          </p:cNvSpPr>
+          <p:nvPr>
+            <p:ph type="sldImg"/>
+          </p:nvPr>
+        </p:nvSpPr>
+        <p:spPr>
+          <a:xfrm>
+            <a:off x="381000" y="685800"/>
+            <a:ext cx="6096000" cy="3429000"/>
+          </a:xfrm>
+        </p:spPr>
+      </p:sp>
+      <p:sp>
+        <p:nvSpPr>
+          <p:cNvPr id="3" name="Notes Placeholder 2"/>
+          <p:cNvSpPr>
+            <a:spLocks noGrp="1"/>
+          </p:cNvSpPr>
+          <p:nvPr>
+            <p:ph type="body" idx="1"/>
+          </p:nvPr>
+        </p:nvSpPr>
+        <p:spPr/>
+        <p:txBody>
+          <a:bodyPr/>
+          <a:lstStyle/>
+          <a:p>
+            <a:endParaRPr lang="en-CN"/>
+          </a:p>
+        </p:txBody>
+      </p:sp>
+    </p:spTree>
+    <p:extLst>
+      <p:ext uri="{BB962C8B-B14F-4D97-AF65-F5344CB8AC3E}">
+        <p14:creationId xmlns:p14="http://schemas.microsoft.com/office/powerpoint/2010/main" val="3323268585"/>
+      </p:ext>
+    </p:extLst>
+  </p:cSld>
+  <p:clrMapOvr>
+    <a:masterClrMapping/>
+  </p:clrMapOvr>
+</p:notes>
+</file>
+
+<file path=ppt/notesSlides/notesSlide2.xml><?xml version="1.0" encoding="utf-8"?>
+<p:notes xmlns:a="http://schemas.openxmlformats.org/drawingml/2006/main" xmlns:r="http://schemas.openxmlformats.org/officeDocument/2006/relationships" xmlns:p="http://schemas.openxmlformats.org/presentationml/2006/main" showMasterSp="0" showMasterPhAnim="0">
+  <p:cSld>
+    <p:spTree>
+      <p:nvGrpSpPr>
+        <p:cNvPr id="1" name="Shape 56"/>
+        <p:cNvGrpSpPr/>
+        <p:nvPr/>
+      </p:nvGrpSpPr>
+      <p:grpSpPr>
+        <a:xfrm>
+          <a:off x="0" y="0"/>
+          <a:ext cx="0" cy="0"/>
+          <a:chOff x="0" y="0"/>
+          <a:chExt cx="0" cy="0"/>
+        </a:xfrm>
+      </p:grpSpPr>
+      <p:sp>
+        <p:nvSpPr>
+          <p:cNvPr id="57" name="Google Shape;57;g2cd36fb9c42_0_29:notes"/>
+          <p:cNvSpPr>
+            <a:spLocks noGrp="1" noRot="1" noChangeAspect="1"/>
+          </p:cNvSpPr>
+          <p:nvPr>
+            <p:ph type="sldImg" idx="2"/>
+          </p:nvPr>
+        </p:nvSpPr>
+        <p:spPr>
+          <a:xfrm>
+            <a:off x="381000" y="685800"/>
+            <a:ext cx="6096000" cy="3429000"/>
+          </a:xfrm>
+          <a:custGeom>
+            <a:avLst/>
+            <a:gdLst/>
+            <a:ahLst/>
+            <a:cxnLst/>
+            <a:rect l="l" t="t" r="r" b="b"/>
+            <a:pathLst>
+              <a:path w="120000" h="120000" extrusionOk="0">
+                <a:moveTo>
+                  <a:pt x="0" y="0"/>
+                </a:moveTo>
+                <a:lnTo>
+                  <a:pt x="120000" y="0"/>
+                </a:lnTo>
+                <a:lnTo>
+                  <a:pt x="120000" y="120000"/>
+                </a:lnTo>
+                <a:lnTo>
+                  <a:pt x="0" y="120000"/>
+                </a:lnTo>
+                <a:close/>
+              </a:path>
+            </a:pathLst>
+          </a:custGeom>
+        </p:spPr>
+      </p:sp>
+      <p:sp>
+        <p:nvSpPr>
+          <p:cNvPr id="58" name="Google Shape;58;g2cd36fb9c42_0_29:notes"/>
+          <p:cNvSpPr txBox="1">
+            <a:spLocks noGrp="1"/>
+          </p:cNvSpPr>
+          <p:nvPr>
+            <p:ph type="body" idx="1"/>
+          </p:nvPr>
+        </p:nvSpPr>
+        <p:spPr>
+          <a:xfrm>
+            <a:off x="685800" y="4343400"/>
+            <a:ext cx="5486400" cy="4114800"/>
+          </a:xfrm>
+          <a:prstGeom prst="rect">
+            <a:avLst/>
+          </a:prstGeom>
+        </p:spPr>
+        <p:txBody>
+          <a:bodyPr spcFirstLastPara="1" wrap="square" lIns="91425" tIns="91425" rIns="91425" bIns="91425" anchor="t" anchorCtr="0">
+            <a:noAutofit/>
+          </a:bodyPr>
+          <a:lstStyle/>
+          <a:p>
+            <a:pPr marL="0" lvl="0" indent="0" algn="l" rtl="0">
+              <a:spcBef>
+                <a:spcPts val="0"/>
+              </a:spcBef>
+              <a:spcAft>
+                <a:spcPts val="0"/>
+              </a:spcAft>
+              <a:buNone/>
+            </a:pPr>
+            <a:endParaRPr dirty="0"/>
+          </a:p>
+        </p:txBody>
+      </p:sp>
+    </p:spTree>
+  </p:cSld>
+  <p:clrMapOvr>
+    <a:masterClrMapping/>
+  </p:clrMapOvr>
+</p:notes>
+</file>
+
+<file path=ppt/notesSlides/notesSlide20.xml><?xml version="1.0" encoding="utf-8"?>
+<p:notes xmlns:a="http://schemas.openxmlformats.org/drawingml/2006/main" xmlns:r="http://schemas.openxmlformats.org/officeDocument/2006/relationships" xmlns:p="http://schemas.openxmlformats.org/presentationml/2006/main">
+  <p:cSld>
+    <p:spTree>
+      <p:nvGrpSpPr>
+        <p:cNvPr id="1" name=""/>
+        <p:cNvGrpSpPr/>
+        <p:nvPr/>
+      </p:nvGrpSpPr>
+      <p:grpSpPr>
+        <a:xfrm>
+          <a:off x="0" y="0"/>
+          <a:ext cx="0" cy="0"/>
+          <a:chOff x="0" y="0"/>
+          <a:chExt cx="0" cy="0"/>
+        </a:xfrm>
+      </p:grpSpPr>
+      <p:sp>
+        <p:nvSpPr>
+          <p:cNvPr id="2" name="Slide Image Placeholder 1"/>
+          <p:cNvSpPr>
+            <a:spLocks noGrp="1" noRot="1" noChangeAspect="1"/>
+          </p:cNvSpPr>
+          <p:nvPr>
+            <p:ph type="sldImg"/>
+          </p:nvPr>
+        </p:nvSpPr>
+        <p:spPr>
+          <a:xfrm>
+            <a:off x="381000" y="685800"/>
+            <a:ext cx="6096000" cy="3429000"/>
+          </a:xfrm>
+        </p:spPr>
+      </p:sp>
+      <p:sp>
+        <p:nvSpPr>
+          <p:cNvPr id="3" name="Notes Placeholder 2"/>
+          <p:cNvSpPr>
+            <a:spLocks noGrp="1"/>
+          </p:cNvSpPr>
+          <p:nvPr>
+            <p:ph type="body" idx="1"/>
+          </p:nvPr>
+        </p:nvSpPr>
+        <p:spPr/>
+        <p:txBody>
+          <a:bodyPr/>
+          <a:lstStyle/>
+          <a:p>
+            <a:endParaRPr lang="en-CN"/>
+          </a:p>
+        </p:txBody>
+      </p:sp>
+    </p:spTree>
+    <p:extLst>
+      <p:ext uri="{BB962C8B-B14F-4D97-AF65-F5344CB8AC3E}">
+        <p14:creationId xmlns:p14="http://schemas.microsoft.com/office/powerpoint/2010/main" val="340114192"/>
+      </p:ext>
+    </p:extLst>
+  </p:cSld>
+  <p:clrMapOvr>
+    <a:masterClrMapping/>
+  </p:clrMapOvr>
+</p:notes>
+</file>
+
+<file path=ppt/notesSlides/notesSlide21.xml><?xml version="1.0" encoding="utf-8"?>
+<p:notes xmlns:a="http://schemas.openxmlformats.org/drawingml/2006/main" xmlns:r="http://schemas.openxmlformats.org/officeDocument/2006/relationships" xmlns:p="http://schemas.openxmlformats.org/presentationml/2006/main">
+  <p:cSld>
+    <p:spTree>
+      <p:nvGrpSpPr>
+        <p:cNvPr id="1" name=""/>
+        <p:cNvGrpSpPr/>
+        <p:nvPr/>
+      </p:nvGrpSpPr>
+      <p:grpSpPr>
+        <a:xfrm>
+          <a:off x="0" y="0"/>
+          <a:ext cx="0" cy="0"/>
+          <a:chOff x="0" y="0"/>
+          <a:chExt cx="0" cy="0"/>
+        </a:xfrm>
+      </p:grpSpPr>
+      <p:sp>
+        <p:nvSpPr>
+          <p:cNvPr id="2" name="Slide Image Placeholder 1"/>
+          <p:cNvSpPr>
+            <a:spLocks noGrp="1" noRot="1" noChangeAspect="1"/>
+          </p:cNvSpPr>
+          <p:nvPr>
+            <p:ph type="sldImg"/>
+          </p:nvPr>
+        </p:nvSpPr>
+        <p:spPr>
+          <a:xfrm>
+            <a:off x="381000" y="685800"/>
+            <a:ext cx="6096000" cy="3429000"/>
+          </a:xfrm>
+        </p:spPr>
+      </p:sp>
+      <p:sp>
+        <p:nvSpPr>
+          <p:cNvPr id="3" name="Notes Placeholder 2"/>
+          <p:cNvSpPr>
+            <a:spLocks noGrp="1"/>
+          </p:cNvSpPr>
+          <p:nvPr>
+            <p:ph type="body" idx="1"/>
+          </p:nvPr>
+        </p:nvSpPr>
+        <p:spPr/>
+        <p:txBody>
+          <a:bodyPr/>
+          <a:lstStyle/>
+          <a:p>
+            <a:endParaRPr lang="en-CN"/>
+          </a:p>
+        </p:txBody>
+      </p:sp>
+    </p:spTree>
+    <p:extLst>
+      <p:ext uri="{BB962C8B-B14F-4D97-AF65-F5344CB8AC3E}">
+        <p14:creationId xmlns:p14="http://schemas.microsoft.com/office/powerpoint/2010/main" val="1810213796"/>
+      </p:ext>
+    </p:extLst>
+  </p:cSld>
+  <p:clrMapOvr>
+    <a:masterClrMapping/>
+  </p:clrMapOvr>
+</p:notes>
+</file>
+
+<file path=ppt/notesSlides/notesSlide22.xml><?xml version="1.0" encoding="utf-8"?>
 <p:notes xmlns:a="http://schemas.openxmlformats.org/drawingml/2006/main" xmlns:r="http://schemas.openxmlformats.org/officeDocument/2006/relationships" xmlns:p="http://schemas.openxmlformats.org/presentationml/2006/main" showMasterSp="0" showMasterPhAnim="0">
   <p:cSld>
     <p:spTree>
@@ -1743,7 +2121,7 @@
 </p:notes>
 </file>
 
-<file path=ppt/notesSlides/notesSlide19.xml><?xml version="1.0" encoding="utf-8"?>
+<file path=ppt/notesSlides/notesSlide23.xml><?xml version="1.0" encoding="utf-8"?>
 <p:notes xmlns:a="http://schemas.openxmlformats.org/drawingml/2006/main" xmlns:r="http://schemas.openxmlformats.org/officeDocument/2006/relationships" xmlns:p="http://schemas.openxmlformats.org/presentationml/2006/main" showMasterSp="0" showMasterPhAnim="0">
   <p:cSld>
     <p:spTree>
@@ -1836,110 +2214,6 @@
               <a:buNone/>
             </a:pPr>
             <a:endParaRPr/>
-          </a:p>
-        </p:txBody>
-      </p:sp>
-    </p:spTree>
-  </p:cSld>
-  <p:clrMapOvr>
-    <a:masterClrMapping/>
-  </p:clrMapOvr>
-</p:notes>
-</file>
-
-<file path=ppt/notesSlides/notesSlide2.xml><?xml version="1.0" encoding="utf-8"?>
-<p:notes xmlns:a="http://schemas.openxmlformats.org/drawingml/2006/main" xmlns:r="http://schemas.openxmlformats.org/officeDocument/2006/relationships" xmlns:p="http://schemas.openxmlformats.org/presentationml/2006/main" showMasterSp="0" showMasterPhAnim="0">
-  <p:cSld>
-    <p:spTree>
-      <p:nvGrpSpPr>
-        <p:cNvPr id="1" name="Shape 56"/>
-        <p:cNvGrpSpPr/>
-        <p:nvPr/>
-      </p:nvGrpSpPr>
-      <p:grpSpPr>
-        <a:xfrm>
-          <a:off x="0" y="0"/>
-          <a:ext cx="0" cy="0"/>
-          <a:chOff x="0" y="0"/>
-          <a:chExt cx="0" cy="0"/>
-        </a:xfrm>
-      </p:grpSpPr>
-      <p:sp>
-        <p:nvSpPr>
-          <p:cNvPr id="57" name="Google Shape;57;g2cd36fb9c42_0_29:notes"/>
-          <p:cNvSpPr>
-            <a:spLocks noGrp="1" noRot="1" noChangeAspect="1"/>
-          </p:cNvSpPr>
-          <p:nvPr>
-            <p:ph type="sldImg" idx="2"/>
-          </p:nvPr>
-        </p:nvSpPr>
-        <p:spPr>
-          <a:xfrm>
-            <a:off x="381300" y="685800"/>
-            <a:ext cx="6096000" cy="3429000"/>
-          </a:xfrm>
-          <a:custGeom>
-            <a:avLst/>
-            <a:gdLst/>
-            <a:ahLst/>
-            <a:cxnLst/>
-            <a:rect l="l" t="t" r="r" b="b"/>
-            <a:pathLst>
-              <a:path w="120000" h="120000" extrusionOk="0">
-                <a:moveTo>
-                  <a:pt x="0" y="0"/>
-                </a:moveTo>
-                <a:lnTo>
-                  <a:pt x="120000" y="0"/>
-                </a:lnTo>
-                <a:lnTo>
-                  <a:pt x="120000" y="120000"/>
-                </a:lnTo>
-                <a:lnTo>
-                  <a:pt x="0" y="120000"/>
-                </a:lnTo>
-                <a:close/>
-              </a:path>
-            </a:pathLst>
-          </a:custGeom>
-        </p:spPr>
-      </p:sp>
-      <p:sp>
-        <p:nvSpPr>
-          <p:cNvPr id="58" name="Google Shape;58;g2cd36fb9c42_0_29:notes"/>
-          <p:cNvSpPr txBox="1">
-            <a:spLocks noGrp="1"/>
-          </p:cNvSpPr>
-          <p:nvPr>
-            <p:ph type="body" idx="1"/>
-          </p:nvPr>
-        </p:nvSpPr>
-        <p:spPr>
-          <a:xfrm>
-            <a:off x="685800" y="4343400"/>
-            <a:ext cx="5486400" cy="4114800"/>
-          </a:xfrm>
-          <a:prstGeom prst="rect">
-            <a:avLst/>
-          </a:prstGeom>
-        </p:spPr>
-        <p:txBody>
-          <a:bodyPr spcFirstLastPara="1" wrap="square" lIns="91425" tIns="91425" rIns="91425" bIns="91425" anchor="t" anchorCtr="0">
-            <a:noAutofit/>
-          </a:bodyPr>
-          <a:lstStyle/>
-          <a:p>
-            <a:pPr marL="0" lvl="0" indent="0" algn="l" rtl="0">
-              <a:spcBef>
-                <a:spcPts val="0"/>
-              </a:spcBef>
-              <a:spcAft>
-                <a:spcPts val="0"/>
-              </a:spcAft>
-              <a:buNone/>
-            </a:pPr>
-            <a:endParaRPr dirty="0"/>
           </a:p>
         </p:txBody>
       </p:sp>
@@ -8127,7 +8401,7 @@
         <p14:prism/>
       </p:transition>
     </mc:Choice>
-    <mc:Fallback xmlns:ahyp="http://schemas.microsoft.com/office/drawing/2018/hyperlinkcolor" xmlns:p15="http://schemas.microsoft.com/office/powerpoint/2012/main" xmlns:com="http://schemas.openxmlformats.org/drawingml/2006/compatibility" xmlns:pvml="urn:schemas-microsoft-com:office:powerpoint" xmlns:v="urn:schemas-microsoft-com:vml" xmlns:o="urn:schemas-microsoft-com:office:office" xmlns:dgm="http://schemas.openxmlformats.org/drawingml/2006/diagram" xmlns:c="http://schemas.openxmlformats.org/drawingml/2006/chart" xmlns:mv="urn:schemas-microsoft-com:mac:vml" xmlns="">
+    <mc:Fallback xmlns="" xmlns:mv="urn:schemas-microsoft-com:mac:vml" xmlns:c="http://schemas.openxmlformats.org/drawingml/2006/chart" xmlns:dgm="http://schemas.openxmlformats.org/drawingml/2006/diagram" xmlns:o="urn:schemas-microsoft-com:office:office" xmlns:v="urn:schemas-microsoft-com:vml" xmlns:pvml="urn:schemas-microsoft-com:office:powerpoint" xmlns:com="http://schemas.openxmlformats.org/drawingml/2006/compatibility" xmlns:p15="http://schemas.microsoft.com/office/powerpoint/2012/main" xmlns:ahyp="http://schemas.microsoft.com/office/drawing/2018/hyperlinkcolor">
       <p:transition spd="med">
         <p:fade/>
       </p:transition>
@@ -10125,7 +10399,7 @@
         <p14:prism/>
       </p:transition>
     </mc:Choice>
-    <mc:Fallback xmlns:ahyp="http://schemas.microsoft.com/office/drawing/2018/hyperlinkcolor" xmlns:p15="http://schemas.microsoft.com/office/powerpoint/2012/main" xmlns:com="http://schemas.openxmlformats.org/drawingml/2006/compatibility" xmlns:pvml="urn:schemas-microsoft-com:office:powerpoint" xmlns:v="urn:schemas-microsoft-com:vml" xmlns:o="urn:schemas-microsoft-com:office:office" xmlns:dgm="http://schemas.openxmlformats.org/drawingml/2006/diagram" xmlns:c="http://schemas.openxmlformats.org/drawingml/2006/chart" xmlns:mv="urn:schemas-microsoft-com:mac:vml" xmlns="">
+    <mc:Fallback xmlns="" xmlns:mv="urn:schemas-microsoft-com:mac:vml" xmlns:c="http://schemas.openxmlformats.org/drawingml/2006/chart" xmlns:dgm="http://schemas.openxmlformats.org/drawingml/2006/diagram" xmlns:o="urn:schemas-microsoft-com:office:office" xmlns:v="urn:schemas-microsoft-com:vml" xmlns:pvml="urn:schemas-microsoft-com:office:powerpoint" xmlns:com="http://schemas.openxmlformats.org/drawingml/2006/compatibility" xmlns:p15="http://schemas.microsoft.com/office/powerpoint/2012/main" xmlns:ahyp="http://schemas.microsoft.com/office/drawing/2018/hyperlinkcolor">
       <p:transition spd="med">
         <p:fade/>
       </p:transition>
@@ -10163,7 +10437,7 @@
         </p:nvSpPr>
         <p:spPr>
           <a:xfrm>
-            <a:off x="311700" y="478000"/>
+            <a:off x="311700" y="447520"/>
             <a:ext cx="8520600" cy="572700"/>
           </a:xfrm>
           <a:prstGeom prst="rect">
@@ -10295,6 +10569,22 @@
               <a:buNone/>
             </a:pPr>
             <a:r>
+              <a:rPr lang="en-US" altLang="zh-CN" sz="1300">
+                <a:solidFill>
+                  <a:schemeClr val="dk1"/>
+                </a:solidFill>
+              </a:rPr>
+              <a:t>Final</a:t>
+            </a:r>
+            <a:r>
+              <a:rPr lang="zh-CN" altLang="en-US" sz="1300">
+                <a:solidFill>
+                  <a:schemeClr val="dk1"/>
+                </a:solidFill>
+              </a:rPr>
+              <a:t> </a:t>
+            </a:r>
+            <a:r>
               <a:rPr lang="zh-CN" sz="1300">
                 <a:solidFill>
                   <a:schemeClr val="dk1"/>
@@ -10344,6 +10634,22 @@
               </a:spcAft>
               <a:buNone/>
             </a:pPr>
+            <a:r>
+              <a:rPr lang="en-US" altLang="zh-CN" sz="1300">
+                <a:solidFill>
+                  <a:schemeClr val="dk1"/>
+                </a:solidFill>
+              </a:rPr>
+              <a:t>Final</a:t>
+            </a:r>
+            <a:r>
+              <a:rPr lang="zh-CN" altLang="en-US" sz="1300">
+                <a:solidFill>
+                  <a:schemeClr val="dk1"/>
+                </a:solidFill>
+              </a:rPr>
+              <a:t> </a:t>
+            </a:r>
             <a:r>
               <a:rPr lang="zh-CN" sz="1300">
                 <a:solidFill>
@@ -10429,6 +10735,22 @@
               <a:buNone/>
             </a:pPr>
             <a:r>
+              <a:rPr lang="en-US" altLang="zh-CN" sz="1300">
+                <a:solidFill>
+                  <a:schemeClr val="dk1"/>
+                </a:solidFill>
+              </a:rPr>
+              <a:t>Final</a:t>
+            </a:r>
+            <a:r>
+              <a:rPr lang="zh-CN" altLang="en-US" sz="1300">
+                <a:solidFill>
+                  <a:schemeClr val="dk1"/>
+                </a:solidFill>
+              </a:rPr>
+              <a:t> </a:t>
+            </a:r>
+            <a:r>
               <a:rPr lang="zh-CN" sz="1300">
                 <a:solidFill>
                   <a:schemeClr val="dk1"/>
@@ -10592,7 +10914,7 @@
   <p:cSld>
     <p:spTree>
       <p:nvGrpSpPr>
-        <p:cNvPr id="1" name="Shape 235"/>
+        <p:cNvPr id="1" name=""/>
         <p:cNvGrpSpPr/>
         <p:nvPr/>
       </p:nvGrpSpPr>
@@ -10606,96 +10928,2195 @@
       </p:grpSpPr>
       <p:sp>
         <p:nvSpPr>
-          <p:cNvPr id="236" name="Google Shape;236;p30"/>
-          <p:cNvSpPr txBox="1">
+          <p:cNvPr id="2" name="Title 1">
+            <a:extLst>
+              <a:ext uri="{FF2B5EF4-FFF2-40B4-BE49-F238E27FC236}">
+                <a16:creationId xmlns:a16="http://schemas.microsoft.com/office/drawing/2014/main" id="{29648C70-99A1-C031-170B-8B1A5F2968F0}"/>
+              </a:ext>
+            </a:extLst>
+          </p:cNvPr>
+          <p:cNvSpPr>
             <a:spLocks noGrp="1"/>
           </p:cNvSpPr>
           <p:nvPr>
             <p:ph type="title"/>
           </p:nvPr>
         </p:nvSpPr>
-        <p:spPr>
-          <a:xfrm>
-            <a:off x="311700" y="478000"/>
-            <a:ext cx="8520600" cy="572700"/>
-          </a:xfrm>
-          <a:prstGeom prst="rect">
-            <a:avLst/>
-          </a:prstGeom>
-        </p:spPr>
+        <p:spPr/>
         <p:txBody>
-          <a:bodyPr spcFirstLastPara="1" wrap="square" lIns="91425" tIns="91425" rIns="91425" bIns="91425" anchor="t" anchorCtr="0">
+          <a:bodyPr>
             <a:normAutofit fontScale="90000"/>
           </a:bodyPr>
           <a:lstStyle/>
           <a:p>
-            <a:pPr marL="0" lvl="0" indent="0" algn="l" rtl="0">
-              <a:spcBef>
-                <a:spcPts val="0"/>
-              </a:spcBef>
-              <a:spcAft>
-                <a:spcPts val="0"/>
-              </a:spcAft>
-              <a:buNone/>
-            </a:pPr>
             <a:r>
               <a:rPr lang="zh-CN"/>
               <a:t>/ Evaluations and Demo / </a:t>
             </a:r>
-            <a:endParaRPr/>
+            <a:r>
+              <a:rPr lang="en-US" altLang="zh-CN"/>
+              <a:t>Eliminate</a:t>
+            </a:r>
+            <a:r>
+              <a:rPr lang="zh-CN" altLang="en-US"/>
+              <a:t> </a:t>
+            </a:r>
+            <a:r>
+              <a:rPr lang="en-US" altLang="zh-CN"/>
+              <a:t>Features</a:t>
+            </a:r>
+            <a:endParaRPr lang="en-CN"/>
           </a:p>
         </p:txBody>
       </p:sp>
-      <p:sp>
-        <p:nvSpPr>
-          <p:cNvPr id="237" name="Google Shape;237;p30"/>
-          <p:cNvSpPr txBox="1">
-            <a:spLocks noGrp="1"/>
-          </p:cNvSpPr>
+      <p:graphicFrame>
+        <p:nvGraphicFramePr>
+          <p:cNvPr id="5" name="Google Shape;134;p20">
+            <a:extLst>
+              <a:ext uri="{FF2B5EF4-FFF2-40B4-BE49-F238E27FC236}">
+                <a16:creationId xmlns:a16="http://schemas.microsoft.com/office/drawing/2014/main" id="{565E5C02-5FB8-BB46-0559-B3701302542C}"/>
+              </a:ext>
+            </a:extLst>
+          </p:cNvPr>
+          <p:cNvGraphicFramePr/>
           <p:nvPr>
-            <p:ph type="title"/>
+            <p:extLst>
+              <p:ext uri="{D42A27DB-BD31-4B8C-83A1-F6EECF244321}">
+                <p14:modId xmlns:p14="http://schemas.microsoft.com/office/powerpoint/2010/main" val="3372198151"/>
+              </p:ext>
+            </p:extLst>
           </p:nvPr>
-        </p:nvSpPr>
-        <p:spPr>
-          <a:xfrm>
-            <a:off x="311700" y="2150850"/>
-            <a:ext cx="8520600" cy="841800"/>
-          </a:xfrm>
-          <a:prstGeom prst="rect">
-            <a:avLst/>
-          </a:prstGeom>
-        </p:spPr>
-        <p:txBody>
-          <a:bodyPr spcFirstLastPara="1" wrap="square" lIns="91425" tIns="91425" rIns="91425" bIns="91425" anchor="ctr" anchorCtr="0">
-            <a:normAutofit/>
-          </a:bodyPr>
-          <a:lstStyle/>
-          <a:p>
-            <a:pPr marL="0" lvl="0" indent="0" algn="ctr" rtl="0">
-              <a:spcBef>
-                <a:spcPts val="0"/>
-              </a:spcBef>
-              <a:spcAft>
-                <a:spcPts val="0"/>
-              </a:spcAft>
-              <a:buNone/>
-            </a:pPr>
-            <a:r>
-              <a:rPr lang="zh-CN" b="1"/>
-              <a:t>Live Demo</a:t>
-            </a:r>
-            <a:endParaRPr b="1"/>
-          </a:p>
-        </p:txBody>
-      </p:sp>
+        </p:nvGraphicFramePr>
+        <p:xfrm>
+          <a:off x="311700" y="1288612"/>
+          <a:ext cx="4189180" cy="3051457"/>
+        </p:xfrm>
+        <a:graphic>
+          <a:graphicData uri="http://schemas.openxmlformats.org/drawingml/2006/table">
+            <a:tbl>
+              <a:tblPr>
+                <a:noFill/>
+                <a:tableStyleId>{076B918B-F72C-421A-9C17-FBE2FA8D0C79}</a:tableStyleId>
+              </a:tblPr>
+              <a:tblGrid>
+                <a:gridCol w="875987">
+                  <a:extLst>
+                    <a:ext uri="{9D8B030D-6E8A-4147-A177-3AD203B41FA5}">
+                      <a16:colId xmlns:a16="http://schemas.microsoft.com/office/drawing/2014/main" val="20000"/>
+                    </a:ext>
+                  </a:extLst>
+                </a:gridCol>
+                <a:gridCol w="1392953">
+                  <a:extLst>
+                    <a:ext uri="{9D8B030D-6E8A-4147-A177-3AD203B41FA5}">
+                      <a16:colId xmlns:a16="http://schemas.microsoft.com/office/drawing/2014/main" val="20001"/>
+                    </a:ext>
+                  </a:extLst>
+                </a:gridCol>
+                <a:gridCol w="1920240">
+                  <a:extLst>
+                    <a:ext uri="{9D8B030D-6E8A-4147-A177-3AD203B41FA5}">
+                      <a16:colId xmlns:a16="http://schemas.microsoft.com/office/drawing/2014/main" val="20002"/>
+                    </a:ext>
+                  </a:extLst>
+                </a:gridCol>
+              </a:tblGrid>
+              <a:tr h="288888">
+                <a:tc gridSpan="2">
+                  <a:txBody>
+                    <a:bodyPr/>
+                    <a:lstStyle/>
+                    <a:p>
+                      <a:pPr marL="0" lvl="0" indent="0" algn="ctr" rtl="0">
+                        <a:spcBef>
+                          <a:spcPts val="0"/>
+                        </a:spcBef>
+                        <a:spcAft>
+                          <a:spcPts val="0"/>
+                        </a:spcAft>
+                        <a:buNone/>
+                      </a:pPr>
+                      <a:r>
+                        <a:rPr lang="zh-CN" sz="1000" b="1">
+                          <a:solidFill>
+                            <a:schemeClr val="dk1"/>
+                          </a:solidFill>
+                        </a:rPr>
+                        <a:t>Feature Name</a:t>
+                      </a:r>
+                      <a:endParaRPr sz="1000" b="1">
+                        <a:solidFill>
+                          <a:schemeClr val="dk1"/>
+                        </a:solidFill>
+                      </a:endParaRPr>
+                    </a:p>
+                  </a:txBody>
+                  <a:tcPr marL="91425" marR="91425" marT="91425" marB="91425" anchor="ctr">
+                    <a:lnB w="19050" cap="flat" cmpd="sng">
+                      <a:solidFill>
+                        <a:schemeClr val="dk1"/>
+                      </a:solidFill>
+                      <a:prstDash val="solid"/>
+                      <a:round/>
+                      <a:headEnd type="none" w="sm" len="sm"/>
+                      <a:tailEnd type="none" w="sm" len="sm"/>
+                    </a:lnB>
+                  </a:tcPr>
+                </a:tc>
+                <a:tc hMerge="1">
+                  <a:txBody>
+                    <a:bodyPr/>
+                    <a:lstStyle/>
+                    <a:p>
+                      <a:endParaRPr lang="en-US"/>
+                    </a:p>
+                  </a:txBody>
+                  <a:tcPr/>
+                </a:tc>
+                <a:tc>
+                  <a:txBody>
+                    <a:bodyPr/>
+                    <a:lstStyle/>
+                    <a:p>
+                      <a:pPr marL="0" lvl="0" indent="0" algn="ctr" rtl="0">
+                        <a:spcBef>
+                          <a:spcPts val="0"/>
+                        </a:spcBef>
+                        <a:spcAft>
+                          <a:spcPts val="0"/>
+                        </a:spcAft>
+                        <a:buNone/>
+                      </a:pPr>
+                      <a:r>
+                        <a:rPr lang="zh-CN" sz="1000" b="1">
+                          <a:solidFill>
+                            <a:schemeClr val="dk1"/>
+                          </a:solidFill>
+                        </a:rPr>
+                        <a:t>Description</a:t>
+                      </a:r>
+                      <a:endParaRPr sz="1000" b="1">
+                        <a:solidFill>
+                          <a:schemeClr val="dk1"/>
+                        </a:solidFill>
+                      </a:endParaRPr>
+                    </a:p>
+                  </a:txBody>
+                  <a:tcPr marL="91425" marR="91425" marT="91425" marB="91425" anchor="ctr">
+                    <a:lnB w="19050" cap="flat" cmpd="sng">
+                      <a:solidFill>
+                        <a:schemeClr val="dk1"/>
+                      </a:solidFill>
+                      <a:prstDash val="solid"/>
+                      <a:round/>
+                      <a:headEnd type="none" w="sm" len="sm"/>
+                      <a:tailEnd type="none" w="sm" len="sm"/>
+                    </a:lnB>
+                  </a:tcPr>
+                </a:tc>
+                <a:extLst>
+                  <a:ext uri="{0D108BD9-81ED-4DB2-BD59-A6C34878D82A}">
+                    <a16:rowId xmlns:a16="http://schemas.microsoft.com/office/drawing/2014/main" val="10000"/>
+                  </a:ext>
+                </a:extLst>
+              </a:tr>
+              <a:tr h="630332">
+                <a:tc rowSpan="5">
+                  <a:txBody>
+                    <a:bodyPr/>
+                    <a:lstStyle/>
+                    <a:p>
+                      <a:pPr marL="0" lvl="0" indent="0" algn="ctr" rtl="0">
+                        <a:spcBef>
+                          <a:spcPts val="0"/>
+                        </a:spcBef>
+                        <a:spcAft>
+                          <a:spcPts val="0"/>
+                        </a:spcAft>
+                        <a:buNone/>
+                      </a:pPr>
+                      <a:r>
+                        <a:rPr lang="en-US" altLang="zh-CN" sz="800" b="1" i="0">
+                          <a:solidFill>
+                            <a:schemeClr val="dk1"/>
+                          </a:solidFill>
+                        </a:rPr>
+                        <a:t>Negative</a:t>
+                      </a:r>
+                      <a:r>
+                        <a:rPr lang="zh-CN" altLang="en-US" sz="800" b="1" i="0">
+                          <a:solidFill>
+                            <a:schemeClr val="dk1"/>
+                          </a:solidFill>
+                        </a:rPr>
+                        <a:t> </a:t>
+                      </a:r>
+                      <a:r>
+                        <a:rPr lang="en-US" altLang="zh-CN" sz="800" b="1" i="0">
+                          <a:solidFill>
+                            <a:schemeClr val="dk1"/>
+                          </a:solidFill>
+                        </a:rPr>
+                        <a:t>Internal</a:t>
+                      </a:r>
+                      <a:r>
+                        <a:rPr lang="zh-CN" altLang="en-US" sz="800" b="1" i="0">
+                          <a:solidFill>
+                            <a:schemeClr val="dk1"/>
+                          </a:solidFill>
+                        </a:rPr>
+                        <a:t> </a:t>
+                      </a:r>
+                      <a:r>
+                        <a:rPr lang="en-US" altLang="zh-CN" sz="800" b="1" i="0">
+                          <a:solidFill>
+                            <a:schemeClr val="dk1"/>
+                          </a:solidFill>
+                        </a:rPr>
+                        <a:t>Pattern</a:t>
+                      </a:r>
+                      <a:r>
+                        <a:rPr lang="zh-CN" altLang="en-US" sz="800" b="1" i="0">
+                          <a:solidFill>
+                            <a:schemeClr val="dk1"/>
+                          </a:solidFill>
+                        </a:rPr>
+                        <a:t> </a:t>
+                      </a:r>
+                      <a:r>
+                        <a:rPr lang="en-US" altLang="zh-CN" sz="800" b="1" i="0">
+                          <a:solidFill>
+                            <a:schemeClr val="dk1"/>
+                          </a:solidFill>
+                        </a:rPr>
+                        <a:t>Features</a:t>
+                      </a:r>
+                      <a:endParaRPr lang="en-CN" sz="800" b="1" i="0">
+                        <a:solidFill>
+                          <a:schemeClr val="dk1"/>
+                        </a:solidFill>
+                      </a:endParaRPr>
+                    </a:p>
+                  </a:txBody>
+                  <a:tcPr marL="91425" marR="91425" marT="91425" marB="91425" anchor="ctr">
+                    <a:lnT w="19050" cap="flat" cmpd="sng">
+                      <a:solidFill>
+                        <a:schemeClr val="dk1"/>
+                      </a:solidFill>
+                      <a:prstDash val="solid"/>
+                      <a:round/>
+                      <a:headEnd type="none" w="sm" len="sm"/>
+                      <a:tailEnd type="none" w="sm" len="sm"/>
+                    </a:lnT>
+                    <a:lnB w="12700" cap="flat" cmpd="sng" algn="ctr">
+                      <a:solidFill>
+                        <a:schemeClr val="tx1"/>
+                      </a:solidFill>
+                      <a:prstDash val="solid"/>
+                      <a:round/>
+                      <a:headEnd type="none" w="med" len="med"/>
+                      <a:tailEnd type="none" w="med" len="med"/>
+                    </a:lnB>
+                  </a:tcPr>
+                </a:tc>
+                <a:tc>
+                  <a:txBody>
+                    <a:bodyPr/>
+                    <a:lstStyle/>
+                    <a:p>
+                      <a:pPr marL="0" lvl="0" indent="0" algn="l" rtl="0">
+                        <a:spcBef>
+                          <a:spcPts val="0"/>
+                        </a:spcBef>
+                        <a:spcAft>
+                          <a:spcPts val="0"/>
+                        </a:spcAft>
+                        <a:buNone/>
+                      </a:pPr>
+                      <a:r>
+                        <a:rPr lang="en-US" altLang="zh-CN" sz="900" i="1">
+                          <a:solidFill>
+                            <a:schemeClr val="dk1"/>
+                          </a:solidFill>
+                        </a:rPr>
+                        <a:t>p_name_prefix</a:t>
+                      </a:r>
+                      <a:endParaRPr lang="en-CN" sz="900" i="1">
+                        <a:solidFill>
+                          <a:schemeClr val="dk1"/>
+                        </a:solidFill>
+                      </a:endParaRPr>
+                    </a:p>
+                  </a:txBody>
+                  <a:tcPr marL="91425" marR="91425" marT="91425" marB="91425" anchor="ctr">
+                    <a:lnT w="19050" cap="flat" cmpd="sng">
+                      <a:solidFill>
+                        <a:schemeClr val="dk1"/>
+                      </a:solidFill>
+                      <a:prstDash val="solid"/>
+                      <a:round/>
+                      <a:headEnd type="none" w="sm" len="sm"/>
+                      <a:tailEnd type="none" w="sm" len="sm"/>
+                    </a:lnT>
+                    <a:solidFill>
+                      <a:srgbClr val="2C1111"/>
+                    </a:solidFill>
+                  </a:tcPr>
+                </a:tc>
+                <a:tc>
+                  <a:txBody>
+                    <a:bodyPr/>
+                    <a:lstStyle/>
+                    <a:p>
+                      <a:pPr marL="0" lvl="0" indent="0" algn="l" rtl="0">
+                        <a:spcBef>
+                          <a:spcPts val="0"/>
+                        </a:spcBef>
+                        <a:spcAft>
+                          <a:spcPts val="0"/>
+                        </a:spcAft>
+                        <a:buNone/>
+                      </a:pPr>
+                      <a:r>
+                        <a:rPr lang="en-US" altLang="zh-CN" sz="900">
+                          <a:solidFill>
+                            <a:schemeClr val="dk1"/>
+                          </a:solidFill>
+                        </a:rPr>
+                        <a:t>Social</a:t>
+                      </a:r>
+                      <a:r>
+                        <a:rPr lang="zh-CN" altLang="en-US" sz="900">
+                          <a:solidFill>
+                            <a:schemeClr val="dk1"/>
+                          </a:solidFill>
+                        </a:rPr>
+                        <a:t> </a:t>
+                      </a:r>
+                      <a:r>
+                        <a:rPr lang="en-US" altLang="zh-CN" sz="900">
+                          <a:solidFill>
+                            <a:schemeClr val="dk1"/>
+                          </a:solidFill>
+                        </a:rPr>
+                        <a:t>Status</a:t>
+                      </a:r>
+                      <a:endParaRPr lang="en-CN" sz="900">
+                        <a:solidFill>
+                          <a:schemeClr val="dk1"/>
+                        </a:solidFill>
+                      </a:endParaRPr>
+                    </a:p>
+                  </a:txBody>
+                  <a:tcPr marL="91425" marR="91425" marT="91425" marB="91425">
+                    <a:lnT w="19050" cap="flat" cmpd="sng">
+                      <a:solidFill>
+                        <a:schemeClr val="dk1"/>
+                      </a:solidFill>
+                      <a:prstDash val="solid"/>
+                      <a:round/>
+                      <a:headEnd type="none" w="sm" len="sm"/>
+                      <a:tailEnd type="none" w="sm" len="sm"/>
+                    </a:lnT>
+                    <a:solidFill>
+                      <a:srgbClr val="2C1111"/>
+                    </a:solidFill>
+                  </a:tcPr>
+                </a:tc>
+                <a:extLst>
+                  <a:ext uri="{0D108BD9-81ED-4DB2-BD59-A6C34878D82A}">
+                    <a16:rowId xmlns:a16="http://schemas.microsoft.com/office/drawing/2014/main" val="10001"/>
+                  </a:ext>
+                </a:extLst>
+              </a:tr>
+              <a:tr h="485181">
+                <a:tc vMerge="1">
+                  <a:txBody>
+                    <a:bodyPr/>
+                    <a:lstStyle/>
+                    <a:p>
+                      <a:endParaRPr lang="en-US"/>
+                    </a:p>
+                  </a:txBody>
+                  <a:tcPr/>
+                </a:tc>
+                <a:tc>
+                  <a:txBody>
+                    <a:bodyPr/>
+                    <a:lstStyle/>
+                    <a:p>
+                      <a:pPr marL="0" lvl="0" indent="0" algn="l" rtl="0">
+                        <a:spcBef>
+                          <a:spcPts val="0"/>
+                        </a:spcBef>
+                        <a:spcAft>
+                          <a:spcPts val="0"/>
+                        </a:spcAft>
+                        <a:buNone/>
+                      </a:pPr>
+                      <a:r>
+                        <a:rPr lang="en-US" altLang="zh-CN" sz="900" i="1">
+                          <a:solidFill>
+                            <a:schemeClr val="dk1"/>
+                          </a:solidFill>
+                        </a:rPr>
+                        <a:t>p_possessive_like</a:t>
+                      </a:r>
+                      <a:endParaRPr lang="en-CN" sz="900" i="1">
+                        <a:solidFill>
+                          <a:schemeClr val="dk1"/>
+                        </a:solidFill>
+                      </a:endParaRPr>
+                    </a:p>
+                  </a:txBody>
+                  <a:tcPr marL="91425" marR="91425" marT="91425" marB="91425" anchor="ctr">
+                    <a:solidFill>
+                      <a:srgbClr val="2C1111"/>
+                    </a:solidFill>
+                  </a:tcPr>
+                </a:tc>
+                <a:tc>
+                  <a:txBody>
+                    <a:bodyPr/>
+                    <a:lstStyle/>
+                    <a:p>
+                      <a:pPr marL="0" lvl="0" indent="0" algn="l" rtl="0">
+                        <a:spcBef>
+                          <a:spcPts val="0"/>
+                        </a:spcBef>
+                        <a:spcAft>
+                          <a:spcPts val="0"/>
+                        </a:spcAft>
+                        <a:buNone/>
+                      </a:pPr>
+                      <a:r>
+                        <a:rPr lang="en-US" altLang="zh-CN" sz="900">
+                          <a:solidFill>
+                            <a:schemeClr val="dk1"/>
+                          </a:solidFill>
+                        </a:rPr>
+                        <a:t>Possessive</a:t>
+                      </a:r>
+                      <a:r>
+                        <a:rPr lang="zh-CN" altLang="en-US" sz="900">
+                          <a:solidFill>
+                            <a:schemeClr val="dk1"/>
+                          </a:solidFill>
+                        </a:rPr>
+                        <a:t> </a:t>
+                      </a:r>
+                      <a:r>
+                        <a:rPr lang="en-US" altLang="zh-CN" sz="900">
+                          <a:solidFill>
+                            <a:schemeClr val="dk1"/>
+                          </a:solidFill>
+                        </a:rPr>
+                        <a:t>case</a:t>
+                      </a:r>
+                      <a:r>
+                        <a:rPr lang="zh-CN" altLang="en-US" sz="900">
+                          <a:solidFill>
+                            <a:schemeClr val="dk1"/>
+                          </a:solidFill>
+                        </a:rPr>
+                        <a:t> </a:t>
+                      </a:r>
+                      <a:r>
+                        <a:rPr lang="en-US" altLang="zh-CN" sz="900">
+                          <a:solidFill>
+                            <a:schemeClr val="dk1"/>
+                          </a:solidFill>
+                        </a:rPr>
+                        <a:t>of</a:t>
+                      </a:r>
+                      <a:r>
+                        <a:rPr lang="zh-CN" altLang="en-US" sz="900">
+                          <a:solidFill>
+                            <a:schemeClr val="dk1"/>
+                          </a:solidFill>
+                        </a:rPr>
+                        <a:t> </a:t>
+                      </a:r>
+                      <a:r>
+                        <a:rPr lang="en-US" altLang="zh-CN" sz="900">
+                          <a:solidFill>
+                            <a:schemeClr val="dk1"/>
+                          </a:solidFill>
+                        </a:rPr>
+                        <a:t>a</a:t>
+                      </a:r>
+                      <a:r>
+                        <a:rPr lang="zh-CN" altLang="en-US" sz="900">
+                          <a:solidFill>
+                            <a:schemeClr val="dk1"/>
+                          </a:solidFill>
+                        </a:rPr>
+                        <a:t> </a:t>
+                      </a:r>
+                      <a:r>
+                        <a:rPr lang="en-US" altLang="zh-CN" sz="900">
+                          <a:solidFill>
+                            <a:schemeClr val="dk1"/>
+                          </a:solidFill>
+                        </a:rPr>
+                        <a:t>pronoun.</a:t>
+                      </a:r>
+                      <a:endParaRPr lang="en-CN" sz="900">
+                        <a:solidFill>
+                          <a:schemeClr val="dk1"/>
+                        </a:solidFill>
+                      </a:endParaRPr>
+                    </a:p>
+                  </a:txBody>
+                  <a:tcPr marL="91425" marR="91425" marT="91425" marB="91425">
+                    <a:solidFill>
+                      <a:srgbClr val="2C1111"/>
+                    </a:solidFill>
+                  </a:tcPr>
+                </a:tc>
+                <a:extLst>
+                  <a:ext uri="{0D108BD9-81ED-4DB2-BD59-A6C34878D82A}">
+                    <a16:rowId xmlns:a16="http://schemas.microsoft.com/office/drawing/2014/main" val="10002"/>
+                  </a:ext>
+                </a:extLst>
+              </a:tr>
+              <a:tr h="630332">
+                <a:tc vMerge="1">
+                  <a:txBody>
+                    <a:bodyPr/>
+                    <a:lstStyle/>
+                    <a:p>
+                      <a:endParaRPr lang="en-US"/>
+                    </a:p>
+                  </a:txBody>
+                  <a:tcPr/>
+                </a:tc>
+                <a:tc>
+                  <a:txBody>
+                    <a:bodyPr/>
+                    <a:lstStyle/>
+                    <a:p>
+                      <a:pPr marL="0" lvl="0" indent="0" algn="l" rtl="0">
+                        <a:spcBef>
+                          <a:spcPts val="0"/>
+                        </a:spcBef>
+                        <a:spcAft>
+                          <a:spcPts val="0"/>
+                        </a:spcAft>
+                        <a:buNone/>
+                      </a:pPr>
+                      <a:r>
+                        <a:rPr lang="en-US" altLang="zh-CN" sz="900" i="1">
+                          <a:solidFill>
+                            <a:schemeClr val="dk1"/>
+                          </a:solidFill>
+                        </a:rPr>
+                        <a:t>p_country_abbrev_like</a:t>
+                      </a:r>
+                      <a:endParaRPr lang="en-CN" sz="900" i="1">
+                        <a:solidFill>
+                          <a:schemeClr val="dk1"/>
+                        </a:solidFill>
+                      </a:endParaRPr>
+                    </a:p>
+                  </a:txBody>
+                  <a:tcPr marL="91425" marR="91425" marT="91425" marB="91425" anchor="ctr">
+                    <a:solidFill>
+                      <a:srgbClr val="2C1111"/>
+                    </a:solidFill>
+                  </a:tcPr>
+                </a:tc>
+                <a:tc>
+                  <a:txBody>
+                    <a:bodyPr/>
+                    <a:lstStyle/>
+                    <a:p>
+                      <a:pPr marL="0" lvl="0" indent="0" algn="l" rtl="0">
+                        <a:spcBef>
+                          <a:spcPts val="0"/>
+                        </a:spcBef>
+                        <a:spcAft>
+                          <a:spcPts val="0"/>
+                        </a:spcAft>
+                        <a:buNone/>
+                      </a:pPr>
+                      <a:r>
+                        <a:rPr lang="en-US" altLang="zh-CN" sz="900">
+                          <a:solidFill>
+                            <a:schemeClr val="dk1"/>
+                          </a:solidFill>
+                        </a:rPr>
+                        <a:t>Abbreviation</a:t>
+                      </a:r>
+                      <a:r>
+                        <a:rPr lang="zh-CN" altLang="en-US" sz="900">
+                          <a:solidFill>
+                            <a:schemeClr val="dk1"/>
+                          </a:solidFill>
+                        </a:rPr>
+                        <a:t> </a:t>
+                      </a:r>
+                      <a:r>
+                        <a:rPr lang="en-US" altLang="zh-CN" sz="900">
+                          <a:solidFill>
+                            <a:schemeClr val="dk1"/>
+                          </a:solidFill>
+                        </a:rPr>
+                        <a:t>of</a:t>
+                      </a:r>
+                      <a:r>
+                        <a:rPr lang="zh-CN" altLang="en-US" sz="900">
+                          <a:solidFill>
+                            <a:schemeClr val="dk1"/>
+                          </a:solidFill>
+                        </a:rPr>
+                        <a:t> </a:t>
+                      </a:r>
+                      <a:r>
+                        <a:rPr lang="en-US" altLang="zh-CN" sz="900">
+                          <a:solidFill>
+                            <a:schemeClr val="dk1"/>
+                          </a:solidFill>
+                        </a:rPr>
+                        <a:t>country</a:t>
+                      </a:r>
+                      <a:r>
+                        <a:rPr lang="zh-CN" altLang="en-US" sz="900">
+                          <a:solidFill>
+                            <a:schemeClr val="dk1"/>
+                          </a:solidFill>
+                        </a:rPr>
+                        <a:t> </a:t>
+                      </a:r>
+                      <a:r>
+                        <a:rPr lang="en-US" altLang="zh-CN" sz="900">
+                          <a:solidFill>
+                            <a:schemeClr val="dk1"/>
+                          </a:solidFill>
+                        </a:rPr>
+                        <a:t>names.</a:t>
+                      </a:r>
+                      <a:r>
+                        <a:rPr lang="zh-CN" altLang="en-US" sz="900">
+                          <a:solidFill>
+                            <a:schemeClr val="dk1"/>
+                          </a:solidFill>
+                        </a:rPr>
+                        <a:t> </a:t>
+                      </a:r>
+                      <a:r>
+                        <a:rPr lang="en-US" altLang="zh-CN" sz="900">
+                          <a:solidFill>
+                            <a:schemeClr val="dk1"/>
+                          </a:solidFill>
+                        </a:rPr>
+                        <a:t>Like</a:t>
+                      </a:r>
+                      <a:r>
+                        <a:rPr lang="zh-CN" altLang="en-US" sz="900">
+                          <a:solidFill>
+                            <a:schemeClr val="dk1"/>
+                          </a:solidFill>
+                        </a:rPr>
+                        <a:t> </a:t>
+                      </a:r>
+                      <a:r>
+                        <a:rPr lang="en-US" altLang="zh-CN" sz="900">
+                          <a:solidFill>
+                            <a:schemeClr val="dk1"/>
+                          </a:solidFill>
+                        </a:rPr>
+                        <a:t>U.K.</a:t>
+                      </a:r>
+                      <a:r>
+                        <a:rPr lang="zh-CN" altLang="en-US" sz="900">
+                          <a:solidFill>
+                            <a:schemeClr val="dk1"/>
+                          </a:solidFill>
+                        </a:rPr>
+                        <a:t> </a:t>
+                      </a:r>
+                      <a:r>
+                        <a:rPr lang="en-US" altLang="zh-CN" sz="900">
+                          <a:solidFill>
+                            <a:schemeClr val="dk1"/>
+                          </a:solidFill>
+                        </a:rPr>
+                        <a:t>or</a:t>
+                      </a:r>
+                      <a:r>
+                        <a:rPr lang="zh-CN" altLang="en-US" sz="900">
+                          <a:solidFill>
+                            <a:schemeClr val="dk1"/>
+                          </a:solidFill>
+                        </a:rPr>
+                        <a:t> </a:t>
+                      </a:r>
+                      <a:r>
+                        <a:rPr lang="en-US" altLang="zh-CN" sz="900">
+                          <a:solidFill>
+                            <a:schemeClr val="dk1"/>
+                          </a:solidFill>
+                        </a:rPr>
+                        <a:t>U.S.</a:t>
+                      </a:r>
+                      <a:endParaRPr lang="en-CN" sz="900">
+                        <a:solidFill>
+                          <a:schemeClr val="dk1"/>
+                        </a:solidFill>
+                      </a:endParaRPr>
+                    </a:p>
+                  </a:txBody>
+                  <a:tcPr marL="91425" marR="91425" marT="91425" marB="91425">
+                    <a:solidFill>
+                      <a:srgbClr val="2C1111"/>
+                    </a:solidFill>
+                  </a:tcPr>
+                </a:tc>
+                <a:extLst>
+                  <a:ext uri="{0D108BD9-81ED-4DB2-BD59-A6C34878D82A}">
+                    <a16:rowId xmlns:a16="http://schemas.microsoft.com/office/drawing/2014/main" val="10003"/>
+                  </a:ext>
+                </a:extLst>
+              </a:tr>
+              <a:tr h="485181">
+                <a:tc vMerge="1">
+                  <a:txBody>
+                    <a:bodyPr/>
+                    <a:lstStyle/>
+                    <a:p>
+                      <a:pPr marL="0" lvl="0" indent="0" algn="ctr" rtl="0">
+                        <a:spcBef>
+                          <a:spcPts val="0"/>
+                        </a:spcBef>
+                        <a:spcAft>
+                          <a:spcPts val="0"/>
+                        </a:spcAft>
+                        <a:buNone/>
+                      </a:pPr>
+                      <a:endParaRPr lang="en-CN" sz="800" b="1" i="0">
+                        <a:solidFill>
+                          <a:schemeClr val="dk1"/>
+                        </a:solidFill>
+                      </a:endParaRPr>
+                    </a:p>
+                  </a:txBody>
+                  <a:tcPr marL="91425" marR="91425" marT="91425" marB="91425" anchor="ctr">
+                    <a:lnT w="19050" cap="flat" cmpd="sng">
+                      <a:solidFill>
+                        <a:schemeClr val="dk1"/>
+                      </a:solidFill>
+                      <a:prstDash val="solid"/>
+                      <a:round/>
+                      <a:headEnd type="none" w="sm" len="sm"/>
+                      <a:tailEnd type="none" w="sm" len="sm"/>
+                    </a:lnT>
+                    <a:lnB w="12700" cap="flat" cmpd="sng" algn="ctr">
+                      <a:solidFill>
+                        <a:schemeClr val="tx1"/>
+                      </a:solidFill>
+                      <a:prstDash val="solid"/>
+                      <a:round/>
+                      <a:headEnd type="none" w="med" len="med"/>
+                      <a:tailEnd type="none" w="med" len="med"/>
+                    </a:lnB>
+                  </a:tcPr>
+                </a:tc>
+                <a:tc>
+                  <a:txBody>
+                    <a:bodyPr/>
+                    <a:lstStyle/>
+                    <a:p>
+                      <a:pPr marL="0" lvl="0" indent="0" algn="l" rtl="0">
+                        <a:spcBef>
+                          <a:spcPts val="0"/>
+                        </a:spcBef>
+                        <a:spcAft>
+                          <a:spcPts val="0"/>
+                        </a:spcAft>
+                        <a:buNone/>
+                      </a:pPr>
+                      <a:r>
+                        <a:rPr lang="en-US" altLang="zh-CN" sz="900" b="0" i="1">
+                          <a:solidFill>
+                            <a:schemeClr val="dk1"/>
+                          </a:solidFill>
+                        </a:rPr>
+                        <a:t>p_num_slash</a:t>
+                      </a:r>
+                      <a:endParaRPr lang="en-CN" sz="900" b="0" i="1">
+                        <a:solidFill>
+                          <a:schemeClr val="dk1"/>
+                        </a:solidFill>
+                      </a:endParaRPr>
+                    </a:p>
+                  </a:txBody>
+                  <a:tcPr marL="91425" marR="91425" marT="91425" marB="91425" anchor="ctr">
+                    <a:solidFill>
+                      <a:srgbClr val="2C1111"/>
+                    </a:solidFill>
+                  </a:tcPr>
+                </a:tc>
+                <a:tc>
+                  <a:txBody>
+                    <a:bodyPr/>
+                    <a:lstStyle/>
+                    <a:p>
+                      <a:pPr marL="0" lvl="0" indent="0" algn="l" rtl="0">
+                        <a:spcBef>
+                          <a:spcPts val="0"/>
+                        </a:spcBef>
+                        <a:spcAft>
+                          <a:spcPts val="0"/>
+                        </a:spcAft>
+                        <a:buNone/>
+                      </a:pPr>
+                      <a:r>
+                        <a:rPr lang="en-US" altLang="zh-CN" sz="900">
+                          <a:solidFill>
+                            <a:schemeClr val="dk1"/>
+                          </a:solidFill>
+                        </a:rPr>
+                        <a:t>A</a:t>
+                      </a:r>
+                      <a:r>
+                        <a:rPr lang="zh-CN" altLang="en-US" sz="900">
+                          <a:solidFill>
+                            <a:schemeClr val="dk1"/>
+                          </a:solidFill>
+                        </a:rPr>
+                        <a:t> </a:t>
+                      </a:r>
+                      <a:r>
+                        <a:rPr lang="en-US" altLang="zh-CN" sz="900">
+                          <a:solidFill>
+                            <a:schemeClr val="dk1"/>
+                          </a:solidFill>
+                        </a:rPr>
+                        <a:t>set</a:t>
+                      </a:r>
+                      <a:r>
+                        <a:rPr lang="zh-CN" altLang="en-US" sz="900">
+                          <a:solidFill>
+                            <a:schemeClr val="dk1"/>
+                          </a:solidFill>
+                        </a:rPr>
+                        <a:t> </a:t>
+                      </a:r>
+                      <a:r>
+                        <a:rPr lang="en-US" altLang="zh-CN" sz="900">
+                          <a:solidFill>
+                            <a:schemeClr val="dk1"/>
+                          </a:solidFill>
+                        </a:rPr>
+                        <a:t>of</a:t>
+                      </a:r>
+                      <a:r>
+                        <a:rPr lang="zh-CN" altLang="en-US" sz="900">
+                          <a:solidFill>
+                            <a:schemeClr val="dk1"/>
+                          </a:solidFill>
+                        </a:rPr>
+                        <a:t> </a:t>
+                      </a:r>
+                      <a:r>
+                        <a:rPr lang="en-US" altLang="zh-CN" sz="900">
+                          <a:solidFill>
+                            <a:schemeClr val="dk1"/>
+                          </a:solidFill>
+                        </a:rPr>
+                        <a:t>numeric</a:t>
+                      </a:r>
+                      <a:r>
+                        <a:rPr lang="zh-CN" altLang="en-US" sz="900">
+                          <a:solidFill>
+                            <a:schemeClr val="dk1"/>
+                          </a:solidFill>
+                        </a:rPr>
+                        <a:t> </a:t>
+                      </a:r>
+                      <a:r>
+                        <a:rPr lang="en-US" altLang="zh-CN" sz="900">
+                          <a:solidFill>
+                            <a:schemeClr val="dk1"/>
+                          </a:solidFill>
+                        </a:rPr>
+                        <a:t>descriptions.</a:t>
+                      </a:r>
+                      <a:r>
+                        <a:rPr lang="zh-CN" altLang="en-US" sz="900">
+                          <a:solidFill>
+                            <a:schemeClr val="dk1"/>
+                          </a:solidFill>
+                        </a:rPr>
+                        <a:t> </a:t>
+                      </a:r>
+                      <a:r>
+                        <a:rPr lang="en-US" altLang="zh-CN" sz="900">
+                          <a:solidFill>
+                            <a:schemeClr val="dk1"/>
+                          </a:solidFill>
+                        </a:rPr>
+                        <a:t>For</a:t>
+                      </a:r>
+                      <a:r>
+                        <a:rPr lang="zh-CN" altLang="en-US" sz="900">
+                          <a:solidFill>
+                            <a:schemeClr val="dk1"/>
+                          </a:solidFill>
+                        </a:rPr>
+                        <a:t> </a:t>
+                      </a:r>
+                      <a:r>
+                        <a:rPr lang="en-US" altLang="zh-CN" sz="900">
+                          <a:solidFill>
+                            <a:schemeClr val="dk1"/>
+                          </a:solidFill>
+                        </a:rPr>
+                        <a:t>instance,</a:t>
+                      </a:r>
+                      <a:r>
+                        <a:rPr lang="zh-CN" altLang="en-US" sz="900">
+                          <a:solidFill>
+                            <a:schemeClr val="dk1"/>
+                          </a:solidFill>
+                        </a:rPr>
+                        <a:t> </a:t>
+                      </a:r>
+                      <a:r>
+                        <a:rPr lang="en-US" altLang="zh-CN" sz="900">
+                          <a:solidFill>
+                            <a:schemeClr val="dk1"/>
+                          </a:solidFill>
+                        </a:rPr>
+                        <a:t>12-20</a:t>
+                      </a:r>
+                      <a:endParaRPr lang="en-CN" sz="900">
+                        <a:solidFill>
+                          <a:schemeClr val="dk1"/>
+                        </a:solidFill>
+                      </a:endParaRPr>
+                    </a:p>
+                  </a:txBody>
+                  <a:tcPr marL="91425" marR="91425" marT="91425" marB="91425">
+                    <a:solidFill>
+                      <a:srgbClr val="2C1111"/>
+                    </a:solidFill>
+                  </a:tcPr>
+                </a:tc>
+                <a:extLst>
+                  <a:ext uri="{0D108BD9-81ED-4DB2-BD59-A6C34878D82A}">
+                    <a16:rowId xmlns:a16="http://schemas.microsoft.com/office/drawing/2014/main" val="707161129"/>
+                  </a:ext>
+                </a:extLst>
+              </a:tr>
+              <a:tr h="485181">
+                <a:tc vMerge="1">
+                  <a:txBody>
+                    <a:bodyPr/>
+                    <a:lstStyle/>
+                    <a:p>
+                      <a:pPr marL="0" lvl="0" indent="0" algn="ctr" rtl="0">
+                        <a:spcBef>
+                          <a:spcPts val="0"/>
+                        </a:spcBef>
+                        <a:spcAft>
+                          <a:spcPts val="0"/>
+                        </a:spcAft>
+                        <a:buNone/>
+                      </a:pPr>
+                      <a:endParaRPr lang="en-CN" sz="800" b="1" i="0">
+                        <a:solidFill>
+                          <a:schemeClr val="dk1"/>
+                        </a:solidFill>
+                      </a:endParaRPr>
+                    </a:p>
+                  </a:txBody>
+                  <a:tcPr marL="91425" marR="91425" marT="91425" marB="91425" anchor="ctr">
+                    <a:lnT w="19050" cap="flat" cmpd="sng">
+                      <a:solidFill>
+                        <a:schemeClr val="dk1"/>
+                      </a:solidFill>
+                      <a:prstDash val="solid"/>
+                      <a:round/>
+                      <a:headEnd type="none" w="sm" len="sm"/>
+                      <a:tailEnd type="none" w="sm" len="sm"/>
+                    </a:lnT>
+                    <a:lnB w="19050" cap="flat" cmpd="sng" algn="ctr">
+                      <a:solidFill>
+                        <a:schemeClr val="dk1"/>
+                      </a:solidFill>
+                      <a:prstDash val="solid"/>
+                      <a:round/>
+                      <a:headEnd type="none" w="sm" len="sm"/>
+                      <a:tailEnd type="none" w="sm" len="sm"/>
+                    </a:lnB>
+                  </a:tcPr>
+                </a:tc>
+                <a:tc>
+                  <a:txBody>
+                    <a:bodyPr/>
+                    <a:lstStyle/>
+                    <a:p>
+                      <a:pPr marL="0" lvl="0" indent="0" algn="l" rtl="0">
+                        <a:spcBef>
+                          <a:spcPts val="0"/>
+                        </a:spcBef>
+                        <a:spcAft>
+                          <a:spcPts val="0"/>
+                        </a:spcAft>
+                        <a:buNone/>
+                      </a:pPr>
+                      <a:r>
+                        <a:rPr lang="en-US" altLang="zh-CN" sz="900" b="0" i="1">
+                          <a:solidFill>
+                            <a:schemeClr val="dk1"/>
+                          </a:solidFill>
+                        </a:rPr>
+                        <a:t>is_posessive</a:t>
+                      </a:r>
+                      <a:endParaRPr lang="en-CN" sz="900" b="0" i="1">
+                        <a:solidFill>
+                          <a:schemeClr val="dk1"/>
+                        </a:solidFill>
+                      </a:endParaRPr>
+                    </a:p>
+                  </a:txBody>
+                  <a:tcPr marL="91425" marR="91425" marT="91425" marB="91425" anchor="ctr">
+                    <a:solidFill>
+                      <a:srgbClr val="2C1111"/>
+                    </a:solidFill>
+                  </a:tcPr>
+                </a:tc>
+                <a:tc>
+                  <a:txBody>
+                    <a:bodyPr/>
+                    <a:lstStyle/>
+                    <a:p>
+                      <a:pPr marL="0" lvl="0" indent="0" algn="l" rtl="0">
+                        <a:spcBef>
+                          <a:spcPts val="0"/>
+                        </a:spcBef>
+                        <a:spcAft>
+                          <a:spcPts val="0"/>
+                        </a:spcAft>
+                        <a:buNone/>
+                      </a:pPr>
+                      <a:r>
+                        <a:rPr lang="en-US" altLang="zh-CN" sz="900">
+                          <a:solidFill>
+                            <a:schemeClr val="dk1"/>
+                          </a:solidFill>
+                        </a:rPr>
+                        <a:t>Is</a:t>
+                      </a:r>
+                      <a:r>
+                        <a:rPr lang="zh-CN" altLang="en-US" sz="900">
+                          <a:solidFill>
+                            <a:schemeClr val="dk1"/>
+                          </a:solidFill>
+                        </a:rPr>
+                        <a:t> </a:t>
+                      </a:r>
+                      <a:r>
+                        <a:rPr lang="en-US" altLang="zh-CN" sz="900">
+                          <a:solidFill>
+                            <a:schemeClr val="dk1"/>
+                          </a:solidFill>
+                        </a:rPr>
+                        <a:t>before</a:t>
+                      </a:r>
+                      <a:r>
+                        <a:rPr lang="zh-CN" altLang="en-US" sz="900">
+                          <a:solidFill>
+                            <a:schemeClr val="dk1"/>
+                          </a:solidFill>
+                        </a:rPr>
+                        <a:t> </a:t>
+                      </a:r>
+                      <a:r>
+                        <a:rPr lang="en-US" altLang="zh-CN" sz="900">
+                          <a:solidFill>
+                            <a:schemeClr val="dk1"/>
+                          </a:solidFill>
+                        </a:rPr>
+                        <a:t>the</a:t>
+                      </a:r>
+                      <a:r>
+                        <a:rPr lang="zh-CN" altLang="en-US" sz="900">
+                          <a:solidFill>
+                            <a:schemeClr val="dk1"/>
+                          </a:solidFill>
+                        </a:rPr>
+                        <a:t> </a:t>
+                      </a:r>
+                      <a:r>
+                        <a:rPr lang="en-US" altLang="zh-CN" sz="900">
+                          <a:solidFill>
+                            <a:schemeClr val="dk1"/>
+                          </a:solidFill>
+                        </a:rPr>
+                        <a:t>entity</a:t>
+                      </a:r>
+                      <a:r>
+                        <a:rPr lang="zh-CN" altLang="en-US" sz="900">
+                          <a:solidFill>
+                            <a:schemeClr val="dk1"/>
+                          </a:solidFill>
+                        </a:rPr>
+                        <a:t> </a:t>
+                      </a:r>
+                      <a:r>
+                        <a:rPr lang="en-US" altLang="zh-CN" sz="900">
+                          <a:solidFill>
+                            <a:schemeClr val="dk1"/>
+                          </a:solidFill>
+                        </a:rPr>
+                        <a:t>“’s”.</a:t>
+                      </a:r>
+                      <a:endParaRPr lang="en-CN" sz="900">
+                        <a:solidFill>
+                          <a:schemeClr val="dk1"/>
+                        </a:solidFill>
+                      </a:endParaRPr>
+                    </a:p>
+                  </a:txBody>
+                  <a:tcPr marL="91425" marR="91425" marT="91425" marB="91425">
+                    <a:solidFill>
+                      <a:srgbClr val="2C1111"/>
+                    </a:solidFill>
+                  </a:tcPr>
+                </a:tc>
+                <a:extLst>
+                  <a:ext uri="{0D108BD9-81ED-4DB2-BD59-A6C34878D82A}">
+                    <a16:rowId xmlns:a16="http://schemas.microsoft.com/office/drawing/2014/main" val="539285757"/>
+                  </a:ext>
+                </a:extLst>
+              </a:tr>
+            </a:tbl>
+          </a:graphicData>
+        </a:graphic>
+      </p:graphicFrame>
+      <p:graphicFrame>
+        <p:nvGraphicFramePr>
+          <p:cNvPr id="6" name="Google Shape;134;p20">
+            <a:extLst>
+              <a:ext uri="{FF2B5EF4-FFF2-40B4-BE49-F238E27FC236}">
+                <a16:creationId xmlns:a16="http://schemas.microsoft.com/office/drawing/2014/main" id="{D4D270EC-A40A-7B5D-11D8-75A90BD53F4B}"/>
+              </a:ext>
+            </a:extLst>
+          </p:cNvPr>
+          <p:cNvGraphicFramePr/>
+          <p:nvPr/>
+        </p:nvGraphicFramePr>
+        <p:xfrm>
+          <a:off x="4643122" y="1288612"/>
+          <a:ext cx="4189180" cy="3051457"/>
+        </p:xfrm>
+        <a:graphic>
+          <a:graphicData uri="http://schemas.openxmlformats.org/drawingml/2006/table">
+            <a:tbl>
+              <a:tblPr>
+                <a:noFill/>
+                <a:tableStyleId>{076B918B-F72C-421A-9C17-FBE2FA8D0C79}</a:tableStyleId>
+              </a:tblPr>
+              <a:tblGrid>
+                <a:gridCol w="875987">
+                  <a:extLst>
+                    <a:ext uri="{9D8B030D-6E8A-4147-A177-3AD203B41FA5}">
+                      <a16:colId xmlns:a16="http://schemas.microsoft.com/office/drawing/2014/main" val="20000"/>
+                    </a:ext>
+                  </a:extLst>
+                </a:gridCol>
+                <a:gridCol w="1392953">
+                  <a:extLst>
+                    <a:ext uri="{9D8B030D-6E8A-4147-A177-3AD203B41FA5}">
+                      <a16:colId xmlns:a16="http://schemas.microsoft.com/office/drawing/2014/main" val="20001"/>
+                    </a:ext>
+                  </a:extLst>
+                </a:gridCol>
+                <a:gridCol w="1920240">
+                  <a:extLst>
+                    <a:ext uri="{9D8B030D-6E8A-4147-A177-3AD203B41FA5}">
+                      <a16:colId xmlns:a16="http://schemas.microsoft.com/office/drawing/2014/main" val="20002"/>
+                    </a:ext>
+                  </a:extLst>
+                </a:gridCol>
+              </a:tblGrid>
+              <a:tr h="288888">
+                <a:tc gridSpan="2">
+                  <a:txBody>
+                    <a:bodyPr/>
+                    <a:lstStyle/>
+                    <a:p>
+                      <a:pPr marL="0" lvl="0" indent="0" algn="ctr" rtl="0">
+                        <a:spcBef>
+                          <a:spcPts val="0"/>
+                        </a:spcBef>
+                        <a:spcAft>
+                          <a:spcPts val="0"/>
+                        </a:spcAft>
+                        <a:buNone/>
+                      </a:pPr>
+                      <a:r>
+                        <a:rPr lang="zh-CN" sz="1000" b="1">
+                          <a:solidFill>
+                            <a:schemeClr val="dk1"/>
+                          </a:solidFill>
+                        </a:rPr>
+                        <a:t>Feature Name</a:t>
+                      </a:r>
+                      <a:endParaRPr sz="1000" b="1">
+                        <a:solidFill>
+                          <a:schemeClr val="dk1"/>
+                        </a:solidFill>
+                      </a:endParaRPr>
+                    </a:p>
+                  </a:txBody>
+                  <a:tcPr marL="91425" marR="91425" marT="91425" marB="91425" anchor="ctr">
+                    <a:lnB w="19050" cap="flat" cmpd="sng">
+                      <a:solidFill>
+                        <a:schemeClr val="dk1"/>
+                      </a:solidFill>
+                      <a:prstDash val="solid"/>
+                      <a:round/>
+                      <a:headEnd type="none" w="sm" len="sm"/>
+                      <a:tailEnd type="none" w="sm" len="sm"/>
+                    </a:lnB>
+                  </a:tcPr>
+                </a:tc>
+                <a:tc hMerge="1">
+                  <a:txBody>
+                    <a:bodyPr/>
+                    <a:lstStyle/>
+                    <a:p>
+                      <a:endParaRPr lang="en-US"/>
+                    </a:p>
+                  </a:txBody>
+                  <a:tcPr/>
+                </a:tc>
+                <a:tc>
+                  <a:txBody>
+                    <a:bodyPr/>
+                    <a:lstStyle/>
+                    <a:p>
+                      <a:pPr marL="0" lvl="0" indent="0" algn="ctr" rtl="0">
+                        <a:spcBef>
+                          <a:spcPts val="0"/>
+                        </a:spcBef>
+                        <a:spcAft>
+                          <a:spcPts val="0"/>
+                        </a:spcAft>
+                        <a:buNone/>
+                      </a:pPr>
+                      <a:r>
+                        <a:rPr lang="zh-CN" sz="1000" b="1">
+                          <a:solidFill>
+                            <a:schemeClr val="dk1"/>
+                          </a:solidFill>
+                        </a:rPr>
+                        <a:t>Description</a:t>
+                      </a:r>
+                      <a:endParaRPr sz="1000" b="1">
+                        <a:solidFill>
+                          <a:schemeClr val="dk1"/>
+                        </a:solidFill>
+                      </a:endParaRPr>
+                    </a:p>
+                  </a:txBody>
+                  <a:tcPr marL="91425" marR="91425" marT="91425" marB="91425" anchor="ctr">
+                    <a:lnB w="19050" cap="flat" cmpd="sng">
+                      <a:solidFill>
+                        <a:schemeClr val="dk1"/>
+                      </a:solidFill>
+                      <a:prstDash val="solid"/>
+                      <a:round/>
+                      <a:headEnd type="none" w="sm" len="sm"/>
+                      <a:tailEnd type="none" w="sm" len="sm"/>
+                    </a:lnB>
+                  </a:tcPr>
+                </a:tc>
+                <a:extLst>
+                  <a:ext uri="{0D108BD9-81ED-4DB2-BD59-A6C34878D82A}">
+                    <a16:rowId xmlns:a16="http://schemas.microsoft.com/office/drawing/2014/main" val="10000"/>
+                  </a:ext>
+                </a:extLst>
+              </a:tr>
+              <a:tr h="630332">
+                <a:tc rowSpan="5">
+                  <a:txBody>
+                    <a:bodyPr/>
+                    <a:lstStyle/>
+                    <a:p>
+                      <a:pPr marL="0" lvl="0" indent="0" algn="ctr" rtl="0">
+                        <a:spcBef>
+                          <a:spcPts val="0"/>
+                        </a:spcBef>
+                        <a:spcAft>
+                          <a:spcPts val="0"/>
+                        </a:spcAft>
+                        <a:buNone/>
+                      </a:pPr>
+                      <a:r>
+                        <a:rPr lang="en-US" altLang="zh-CN" sz="800" b="1" i="0">
+                          <a:solidFill>
+                            <a:schemeClr val="dk1"/>
+                          </a:solidFill>
+                        </a:rPr>
+                        <a:t>Negative</a:t>
+                      </a:r>
+                      <a:r>
+                        <a:rPr lang="zh-CN" altLang="en-US" sz="800" b="1" i="0">
+                          <a:solidFill>
+                            <a:schemeClr val="dk1"/>
+                          </a:solidFill>
+                        </a:rPr>
+                        <a:t> </a:t>
+                      </a:r>
+                      <a:r>
+                        <a:rPr lang="en-US" altLang="zh-CN" sz="800" b="1" i="0">
+                          <a:solidFill>
+                            <a:schemeClr val="dk1"/>
+                          </a:solidFill>
+                        </a:rPr>
+                        <a:t>Contextual</a:t>
+                      </a:r>
+                      <a:r>
+                        <a:rPr lang="zh-CN" altLang="en-US" sz="800" b="1" i="0">
+                          <a:solidFill>
+                            <a:schemeClr val="dk1"/>
+                          </a:solidFill>
+                        </a:rPr>
+                        <a:t> </a:t>
+                      </a:r>
+                      <a:r>
+                        <a:rPr lang="en-US" altLang="zh-CN" sz="800" b="1" i="0">
+                          <a:solidFill>
+                            <a:schemeClr val="dk1"/>
+                          </a:solidFill>
+                        </a:rPr>
+                        <a:t>Features</a:t>
+                      </a:r>
+                      <a:endParaRPr lang="en-CN" sz="800" b="1" i="0">
+                        <a:solidFill>
+                          <a:schemeClr val="dk1"/>
+                        </a:solidFill>
+                      </a:endParaRPr>
+                    </a:p>
+                  </a:txBody>
+                  <a:tcPr marL="91425" marR="91425" marT="91425" marB="91425" anchor="ctr">
+                    <a:lnT w="19050" cap="flat" cmpd="sng">
+                      <a:solidFill>
+                        <a:schemeClr val="dk1"/>
+                      </a:solidFill>
+                      <a:prstDash val="solid"/>
+                      <a:round/>
+                      <a:headEnd type="none" w="sm" len="sm"/>
+                      <a:tailEnd type="none" w="sm" len="sm"/>
+                    </a:lnT>
+                    <a:lnB w="12700" cap="flat" cmpd="sng" algn="ctr">
+                      <a:solidFill>
+                        <a:schemeClr val="tx1"/>
+                      </a:solidFill>
+                      <a:prstDash val="solid"/>
+                      <a:round/>
+                      <a:headEnd type="none" w="med" len="med"/>
+                      <a:tailEnd type="none" w="med" len="med"/>
+                    </a:lnB>
+                  </a:tcPr>
+                </a:tc>
+                <a:tc>
+                  <a:txBody>
+                    <a:bodyPr/>
+                    <a:lstStyle/>
+                    <a:p>
+                      <a:pPr marL="0" lvl="0" indent="0" algn="l" rtl="0">
+                        <a:spcBef>
+                          <a:spcPts val="0"/>
+                        </a:spcBef>
+                        <a:spcAft>
+                          <a:spcPts val="0"/>
+                        </a:spcAft>
+                        <a:buNone/>
+                      </a:pPr>
+                      <a:r>
+                        <a:rPr lang="en-US" altLang="zh-CN" sz="900" i="1">
+                          <a:solidFill>
+                            <a:schemeClr val="dk1"/>
+                          </a:solidFill>
+                        </a:rPr>
+                        <a:t>is_around_first</a:t>
+                      </a:r>
+                      <a:endParaRPr lang="en-CN" sz="900" i="1">
+                        <a:solidFill>
+                          <a:schemeClr val="dk1"/>
+                        </a:solidFill>
+                      </a:endParaRPr>
+                    </a:p>
+                  </a:txBody>
+                  <a:tcPr marL="91425" marR="91425" marT="91425" marB="91425" anchor="ctr">
+                    <a:lnT w="19050" cap="flat" cmpd="sng">
+                      <a:solidFill>
+                        <a:schemeClr val="dk1"/>
+                      </a:solidFill>
+                      <a:prstDash val="solid"/>
+                      <a:round/>
+                      <a:headEnd type="none" w="sm" len="sm"/>
+                      <a:tailEnd type="none" w="sm" len="sm"/>
+                    </a:lnT>
+                    <a:solidFill>
+                      <a:srgbClr val="2C1111"/>
+                    </a:solidFill>
+                  </a:tcPr>
+                </a:tc>
+                <a:tc>
+                  <a:txBody>
+                    <a:bodyPr/>
+                    <a:lstStyle/>
+                    <a:p>
+                      <a:pPr marL="0" lvl="0" indent="0" algn="l" rtl="0">
+                        <a:spcBef>
+                          <a:spcPts val="0"/>
+                        </a:spcBef>
+                        <a:spcAft>
+                          <a:spcPts val="0"/>
+                        </a:spcAft>
+                        <a:buNone/>
+                      </a:pPr>
+                      <a:r>
+                        <a:rPr lang="en-US" altLang="zh-CN" sz="900">
+                          <a:solidFill>
+                            <a:schemeClr val="dk1"/>
+                          </a:solidFill>
+                        </a:rPr>
+                        <a:t>Social</a:t>
+                      </a:r>
+                      <a:r>
+                        <a:rPr lang="zh-CN" altLang="en-US" sz="900">
+                          <a:solidFill>
+                            <a:schemeClr val="dk1"/>
+                          </a:solidFill>
+                        </a:rPr>
+                        <a:t> </a:t>
+                      </a:r>
+                      <a:r>
+                        <a:rPr lang="en-US" altLang="zh-CN" sz="900">
+                          <a:solidFill>
+                            <a:schemeClr val="dk1"/>
+                          </a:solidFill>
+                        </a:rPr>
+                        <a:t>Status</a:t>
+                      </a:r>
+                      <a:endParaRPr lang="en-CN" sz="900">
+                        <a:solidFill>
+                          <a:schemeClr val="dk1"/>
+                        </a:solidFill>
+                      </a:endParaRPr>
+                    </a:p>
+                  </a:txBody>
+                  <a:tcPr marL="91425" marR="91425" marT="91425" marB="91425">
+                    <a:lnT w="19050" cap="flat" cmpd="sng">
+                      <a:solidFill>
+                        <a:schemeClr val="dk1"/>
+                      </a:solidFill>
+                      <a:prstDash val="solid"/>
+                      <a:round/>
+                      <a:headEnd type="none" w="sm" len="sm"/>
+                      <a:tailEnd type="none" w="sm" len="sm"/>
+                    </a:lnT>
+                    <a:solidFill>
+                      <a:srgbClr val="2C1111"/>
+                    </a:solidFill>
+                  </a:tcPr>
+                </a:tc>
+                <a:extLst>
+                  <a:ext uri="{0D108BD9-81ED-4DB2-BD59-A6C34878D82A}">
+                    <a16:rowId xmlns:a16="http://schemas.microsoft.com/office/drawing/2014/main" val="10001"/>
+                  </a:ext>
+                </a:extLst>
+              </a:tr>
+              <a:tr h="485181">
+                <a:tc vMerge="1">
+                  <a:txBody>
+                    <a:bodyPr/>
+                    <a:lstStyle/>
+                    <a:p>
+                      <a:endParaRPr lang="en-US"/>
+                    </a:p>
+                  </a:txBody>
+                  <a:tcPr/>
+                </a:tc>
+                <a:tc>
+                  <a:txBody>
+                    <a:bodyPr/>
+                    <a:lstStyle/>
+                    <a:p>
+                      <a:pPr marL="0" lvl="0" indent="0" algn="l" rtl="0">
+                        <a:spcBef>
+                          <a:spcPts val="0"/>
+                        </a:spcBef>
+                        <a:spcAft>
+                          <a:spcPts val="0"/>
+                        </a:spcAft>
+                        <a:buNone/>
+                      </a:pPr>
+                      <a:r>
+                        <a:rPr lang="en-US" altLang="zh-CN" sz="900" i="1">
+                          <a:solidFill>
+                            <a:schemeClr val="dk1"/>
+                          </a:solidFill>
+                        </a:rPr>
+                        <a:t>is_last_word</a:t>
+                      </a:r>
+                      <a:endParaRPr lang="en-CN" sz="900" i="1">
+                        <a:solidFill>
+                          <a:schemeClr val="dk1"/>
+                        </a:solidFill>
+                      </a:endParaRPr>
+                    </a:p>
+                  </a:txBody>
+                  <a:tcPr marL="91425" marR="91425" marT="91425" marB="91425" anchor="ctr">
+                    <a:solidFill>
+                      <a:srgbClr val="2C1111"/>
+                    </a:solidFill>
+                  </a:tcPr>
+                </a:tc>
+                <a:tc>
+                  <a:txBody>
+                    <a:bodyPr/>
+                    <a:lstStyle/>
+                    <a:p>
+                      <a:pPr marL="0" lvl="0" indent="0" algn="l" rtl="0">
+                        <a:spcBef>
+                          <a:spcPts val="0"/>
+                        </a:spcBef>
+                        <a:spcAft>
+                          <a:spcPts val="0"/>
+                        </a:spcAft>
+                        <a:buNone/>
+                      </a:pPr>
+                      <a:r>
+                        <a:rPr lang="en-US" altLang="zh-CN" sz="900">
+                          <a:solidFill>
+                            <a:schemeClr val="dk1"/>
+                          </a:solidFill>
+                        </a:rPr>
+                        <a:t>Last</a:t>
+                      </a:r>
+                      <a:r>
+                        <a:rPr lang="zh-CN" altLang="en-US" sz="900">
+                          <a:solidFill>
+                            <a:schemeClr val="dk1"/>
+                          </a:solidFill>
+                        </a:rPr>
+                        <a:t> </a:t>
+                      </a:r>
+                      <a:r>
+                        <a:rPr lang="en-US" altLang="zh-CN" sz="900">
+                          <a:solidFill>
+                            <a:schemeClr val="dk1"/>
+                          </a:solidFill>
+                        </a:rPr>
+                        <a:t>word</a:t>
+                      </a:r>
+                      <a:r>
+                        <a:rPr lang="zh-CN" altLang="en-US" sz="900">
+                          <a:solidFill>
+                            <a:schemeClr val="dk1"/>
+                          </a:solidFill>
+                        </a:rPr>
+                        <a:t> </a:t>
+                      </a:r>
+                      <a:r>
+                        <a:rPr lang="en-US" altLang="zh-CN" sz="900">
+                          <a:solidFill>
+                            <a:schemeClr val="dk1"/>
+                          </a:solidFill>
+                        </a:rPr>
+                        <a:t>in</a:t>
+                      </a:r>
+                      <a:r>
+                        <a:rPr lang="zh-CN" altLang="en-US" sz="900">
+                          <a:solidFill>
+                            <a:schemeClr val="dk1"/>
+                          </a:solidFill>
+                        </a:rPr>
+                        <a:t> </a:t>
+                      </a:r>
+                      <a:r>
+                        <a:rPr lang="en-US" altLang="zh-CN" sz="900">
+                          <a:solidFill>
+                            <a:schemeClr val="dk1"/>
+                          </a:solidFill>
+                        </a:rPr>
+                        <a:t>sentence</a:t>
+                      </a:r>
+                      <a:endParaRPr lang="en-CN" sz="900">
+                        <a:solidFill>
+                          <a:schemeClr val="dk1"/>
+                        </a:solidFill>
+                      </a:endParaRPr>
+                    </a:p>
+                  </a:txBody>
+                  <a:tcPr marL="91425" marR="91425" marT="91425" marB="91425">
+                    <a:solidFill>
+                      <a:srgbClr val="2C1111"/>
+                    </a:solidFill>
+                  </a:tcPr>
+                </a:tc>
+                <a:extLst>
+                  <a:ext uri="{0D108BD9-81ED-4DB2-BD59-A6C34878D82A}">
+                    <a16:rowId xmlns:a16="http://schemas.microsoft.com/office/drawing/2014/main" val="10002"/>
+                  </a:ext>
+                </a:extLst>
+              </a:tr>
+              <a:tr h="630332">
+                <a:tc vMerge="1">
+                  <a:txBody>
+                    <a:bodyPr/>
+                    <a:lstStyle/>
+                    <a:p>
+                      <a:endParaRPr lang="en-US"/>
+                    </a:p>
+                  </a:txBody>
+                  <a:tcPr/>
+                </a:tc>
+                <a:tc>
+                  <a:txBody>
+                    <a:bodyPr/>
+                    <a:lstStyle/>
+                    <a:p>
+                      <a:pPr marL="0" lvl="0" indent="0" algn="l" rtl="0">
+                        <a:spcBef>
+                          <a:spcPts val="0"/>
+                        </a:spcBef>
+                        <a:spcAft>
+                          <a:spcPts val="0"/>
+                        </a:spcAft>
+                        <a:buNone/>
+                      </a:pPr>
+                      <a:r>
+                        <a:rPr lang="en-US" altLang="zh-CN" sz="900" i="1">
+                          <a:solidFill>
+                            <a:schemeClr val="dk1"/>
+                          </a:solidFill>
+                        </a:rPr>
+                        <a:t>is_after_name_prefix</a:t>
+                      </a:r>
+                      <a:endParaRPr lang="en-CN" sz="900" i="1">
+                        <a:solidFill>
+                          <a:schemeClr val="dk1"/>
+                        </a:solidFill>
+                      </a:endParaRPr>
+                    </a:p>
+                  </a:txBody>
+                  <a:tcPr marL="91425" marR="91425" marT="91425" marB="91425" anchor="ctr">
+                    <a:solidFill>
+                      <a:srgbClr val="2C1111"/>
+                    </a:solidFill>
+                  </a:tcPr>
+                </a:tc>
+                <a:tc>
+                  <a:txBody>
+                    <a:bodyPr/>
+                    <a:lstStyle/>
+                    <a:p>
+                      <a:pPr marL="0" lvl="0" indent="0" algn="l" rtl="0">
+                        <a:spcBef>
+                          <a:spcPts val="0"/>
+                        </a:spcBef>
+                        <a:spcAft>
+                          <a:spcPts val="0"/>
+                        </a:spcAft>
+                        <a:buNone/>
+                      </a:pPr>
+                      <a:r>
+                        <a:rPr lang="en-US" altLang="zh-CN" sz="900">
+                          <a:solidFill>
+                            <a:schemeClr val="dk1"/>
+                          </a:solidFill>
+                        </a:rPr>
+                        <a:t>After</a:t>
+                      </a:r>
+                      <a:r>
+                        <a:rPr lang="zh-CN" altLang="en-US" sz="900">
+                          <a:solidFill>
+                            <a:schemeClr val="dk1"/>
+                          </a:solidFill>
+                        </a:rPr>
+                        <a:t> </a:t>
+                      </a:r>
+                      <a:r>
+                        <a:rPr lang="en-US" altLang="zh-CN" sz="900">
+                          <a:solidFill>
+                            <a:schemeClr val="dk1"/>
+                          </a:solidFill>
+                        </a:rPr>
+                        <a:t>social</a:t>
+                      </a:r>
+                      <a:r>
+                        <a:rPr lang="zh-CN" altLang="en-US" sz="900">
+                          <a:solidFill>
+                            <a:schemeClr val="dk1"/>
+                          </a:solidFill>
+                        </a:rPr>
+                        <a:t> </a:t>
+                      </a:r>
+                      <a:r>
+                        <a:rPr lang="en-US" altLang="zh-CN" sz="900">
+                          <a:solidFill>
+                            <a:schemeClr val="dk1"/>
+                          </a:solidFill>
+                        </a:rPr>
+                        <a:t>statuses,</a:t>
+                      </a:r>
+                      <a:r>
+                        <a:rPr lang="zh-CN" altLang="en-US" sz="900">
+                          <a:solidFill>
+                            <a:schemeClr val="dk1"/>
+                          </a:solidFill>
+                        </a:rPr>
+                        <a:t> </a:t>
+                      </a:r>
+                      <a:r>
+                        <a:rPr lang="en-US" altLang="zh-CN" sz="900">
+                          <a:solidFill>
+                            <a:schemeClr val="dk1"/>
+                          </a:solidFill>
+                        </a:rPr>
+                        <a:t>like</a:t>
+                      </a:r>
+                      <a:r>
+                        <a:rPr lang="zh-CN" altLang="en-US" sz="900">
+                          <a:solidFill>
+                            <a:schemeClr val="dk1"/>
+                          </a:solidFill>
+                        </a:rPr>
+                        <a:t> </a:t>
+                      </a:r>
+                      <a:r>
+                        <a:rPr lang="en-US" altLang="zh-CN" sz="900">
+                          <a:solidFill>
+                            <a:schemeClr val="dk1"/>
+                          </a:solidFill>
+                        </a:rPr>
+                        <a:t>Mr.,</a:t>
+                      </a:r>
+                      <a:r>
+                        <a:rPr lang="zh-CN" altLang="en-US" sz="900">
+                          <a:solidFill>
+                            <a:schemeClr val="dk1"/>
+                          </a:solidFill>
+                        </a:rPr>
+                        <a:t> </a:t>
+                      </a:r>
+                      <a:r>
+                        <a:rPr lang="en-US" altLang="zh-CN" sz="900">
+                          <a:solidFill>
+                            <a:schemeClr val="dk1"/>
+                          </a:solidFill>
+                        </a:rPr>
+                        <a:t>Ms.</a:t>
+                      </a:r>
+                      <a:endParaRPr lang="en-CN" sz="900">
+                        <a:solidFill>
+                          <a:schemeClr val="dk1"/>
+                        </a:solidFill>
+                      </a:endParaRPr>
+                    </a:p>
+                  </a:txBody>
+                  <a:tcPr marL="91425" marR="91425" marT="91425" marB="91425">
+                    <a:solidFill>
+                      <a:srgbClr val="2C1111"/>
+                    </a:solidFill>
+                  </a:tcPr>
+                </a:tc>
+                <a:extLst>
+                  <a:ext uri="{0D108BD9-81ED-4DB2-BD59-A6C34878D82A}">
+                    <a16:rowId xmlns:a16="http://schemas.microsoft.com/office/drawing/2014/main" val="10003"/>
+                  </a:ext>
+                </a:extLst>
+              </a:tr>
+              <a:tr h="485181">
+                <a:tc vMerge="1">
+                  <a:txBody>
+                    <a:bodyPr/>
+                    <a:lstStyle/>
+                    <a:p>
+                      <a:pPr marL="0" lvl="0" indent="0" algn="ctr" rtl="0">
+                        <a:spcBef>
+                          <a:spcPts val="0"/>
+                        </a:spcBef>
+                        <a:spcAft>
+                          <a:spcPts val="0"/>
+                        </a:spcAft>
+                        <a:buNone/>
+                      </a:pPr>
+                      <a:endParaRPr lang="en-CN" sz="800" b="1" i="0">
+                        <a:solidFill>
+                          <a:schemeClr val="dk1"/>
+                        </a:solidFill>
+                      </a:endParaRPr>
+                    </a:p>
+                  </a:txBody>
+                  <a:tcPr marL="91425" marR="91425" marT="91425" marB="91425" anchor="ctr">
+                    <a:lnT w="19050" cap="flat" cmpd="sng">
+                      <a:solidFill>
+                        <a:schemeClr val="dk1"/>
+                      </a:solidFill>
+                      <a:prstDash val="solid"/>
+                      <a:round/>
+                      <a:headEnd type="none" w="sm" len="sm"/>
+                      <a:tailEnd type="none" w="sm" len="sm"/>
+                    </a:lnT>
+                    <a:lnB w="12700" cap="flat" cmpd="sng" algn="ctr">
+                      <a:solidFill>
+                        <a:schemeClr val="tx1"/>
+                      </a:solidFill>
+                      <a:prstDash val="solid"/>
+                      <a:round/>
+                      <a:headEnd type="none" w="med" len="med"/>
+                      <a:tailEnd type="none" w="med" len="med"/>
+                    </a:lnB>
+                  </a:tcPr>
+                </a:tc>
+                <a:tc>
+                  <a:txBody>
+                    <a:bodyPr/>
+                    <a:lstStyle/>
+                    <a:p>
+                      <a:pPr marL="0" lvl="0" indent="0" algn="l" rtl="0">
+                        <a:spcBef>
+                          <a:spcPts val="0"/>
+                        </a:spcBef>
+                        <a:spcAft>
+                          <a:spcPts val="0"/>
+                        </a:spcAft>
+                        <a:buNone/>
+                      </a:pPr>
+                      <a:r>
+                        <a:rPr lang="en-US" altLang="zh-CN" sz="900" b="0" i="1">
+                          <a:solidFill>
+                            <a:schemeClr val="dk1"/>
+                          </a:solidFill>
+                        </a:rPr>
+                        <a:t>is_posessive</a:t>
+                      </a:r>
+                      <a:endParaRPr lang="en-CN" sz="900" b="0" i="1">
+                        <a:solidFill>
+                          <a:schemeClr val="dk1"/>
+                        </a:solidFill>
+                      </a:endParaRPr>
+                    </a:p>
+                  </a:txBody>
+                  <a:tcPr marL="91425" marR="91425" marT="91425" marB="91425" anchor="ctr">
+                    <a:solidFill>
+                      <a:srgbClr val="2C1111"/>
+                    </a:solidFill>
+                  </a:tcPr>
+                </a:tc>
+                <a:tc>
+                  <a:txBody>
+                    <a:bodyPr/>
+                    <a:lstStyle/>
+                    <a:p>
+                      <a:pPr marL="0" lvl="0" indent="0" algn="l" rtl="0">
+                        <a:spcBef>
+                          <a:spcPts val="0"/>
+                        </a:spcBef>
+                        <a:spcAft>
+                          <a:spcPts val="0"/>
+                        </a:spcAft>
+                        <a:buNone/>
+                      </a:pPr>
+                      <a:r>
+                        <a:rPr lang="en-US" altLang="zh-CN" sz="900">
+                          <a:solidFill>
+                            <a:schemeClr val="dk1"/>
+                          </a:solidFill>
+                        </a:rPr>
+                        <a:t>Is</a:t>
+                      </a:r>
+                      <a:r>
+                        <a:rPr lang="zh-CN" altLang="en-US" sz="900">
+                          <a:solidFill>
+                            <a:schemeClr val="dk1"/>
+                          </a:solidFill>
+                        </a:rPr>
+                        <a:t> </a:t>
+                      </a:r>
+                      <a:r>
+                        <a:rPr lang="en-US" altLang="zh-CN" sz="900">
+                          <a:solidFill>
+                            <a:schemeClr val="dk1"/>
+                          </a:solidFill>
+                        </a:rPr>
+                        <a:t>before</a:t>
+                      </a:r>
+                      <a:r>
+                        <a:rPr lang="zh-CN" altLang="en-US" sz="900">
+                          <a:solidFill>
+                            <a:schemeClr val="dk1"/>
+                          </a:solidFill>
+                        </a:rPr>
+                        <a:t> </a:t>
+                      </a:r>
+                      <a:r>
+                        <a:rPr lang="en-US" altLang="zh-CN" sz="900">
+                          <a:solidFill>
+                            <a:schemeClr val="dk1"/>
+                          </a:solidFill>
+                        </a:rPr>
+                        <a:t>the</a:t>
+                      </a:r>
+                      <a:r>
+                        <a:rPr lang="zh-CN" altLang="en-US" sz="900">
+                          <a:solidFill>
+                            <a:schemeClr val="dk1"/>
+                          </a:solidFill>
+                        </a:rPr>
+                        <a:t> </a:t>
+                      </a:r>
+                      <a:r>
+                        <a:rPr lang="en-US" altLang="zh-CN" sz="900">
+                          <a:solidFill>
+                            <a:schemeClr val="dk1"/>
+                          </a:solidFill>
+                        </a:rPr>
+                        <a:t>entity</a:t>
+                      </a:r>
+                      <a:r>
+                        <a:rPr lang="zh-CN" altLang="en-US" sz="900">
+                          <a:solidFill>
+                            <a:schemeClr val="dk1"/>
+                          </a:solidFill>
+                        </a:rPr>
+                        <a:t> </a:t>
+                      </a:r>
+                      <a:r>
+                        <a:rPr lang="en-US" altLang="zh-CN" sz="900">
+                          <a:solidFill>
+                            <a:schemeClr val="dk1"/>
+                          </a:solidFill>
+                        </a:rPr>
+                        <a:t>“’s”.</a:t>
+                      </a:r>
+                      <a:endParaRPr lang="en-CN" sz="900">
+                        <a:solidFill>
+                          <a:schemeClr val="dk1"/>
+                        </a:solidFill>
+                      </a:endParaRPr>
+                    </a:p>
+                  </a:txBody>
+                  <a:tcPr marL="91425" marR="91425" marT="91425" marB="91425">
+                    <a:solidFill>
+                      <a:srgbClr val="2C1111"/>
+                    </a:solidFill>
+                  </a:tcPr>
+                </a:tc>
+                <a:extLst>
+                  <a:ext uri="{0D108BD9-81ED-4DB2-BD59-A6C34878D82A}">
+                    <a16:rowId xmlns:a16="http://schemas.microsoft.com/office/drawing/2014/main" val="707161129"/>
+                  </a:ext>
+                </a:extLst>
+              </a:tr>
+              <a:tr h="485181">
+                <a:tc vMerge="1">
+                  <a:txBody>
+                    <a:bodyPr/>
+                    <a:lstStyle/>
+                    <a:p>
+                      <a:pPr marL="0" lvl="0" indent="0" algn="ctr" rtl="0">
+                        <a:spcBef>
+                          <a:spcPts val="0"/>
+                        </a:spcBef>
+                        <a:spcAft>
+                          <a:spcPts val="0"/>
+                        </a:spcAft>
+                        <a:buNone/>
+                      </a:pPr>
+                      <a:endParaRPr lang="en-CN" sz="800" b="1" i="0">
+                        <a:solidFill>
+                          <a:schemeClr val="dk1"/>
+                        </a:solidFill>
+                      </a:endParaRPr>
+                    </a:p>
+                  </a:txBody>
+                  <a:tcPr marL="91425" marR="91425" marT="91425" marB="91425" anchor="ctr">
+                    <a:lnT w="19050" cap="flat" cmpd="sng">
+                      <a:solidFill>
+                        <a:schemeClr val="dk1"/>
+                      </a:solidFill>
+                      <a:prstDash val="solid"/>
+                      <a:round/>
+                      <a:headEnd type="none" w="sm" len="sm"/>
+                      <a:tailEnd type="none" w="sm" len="sm"/>
+                    </a:lnT>
+                    <a:lnB w="12700" cap="flat" cmpd="sng" algn="ctr">
+                      <a:solidFill>
+                        <a:schemeClr val="tx1"/>
+                      </a:solidFill>
+                      <a:prstDash val="solid"/>
+                      <a:round/>
+                      <a:headEnd type="none" w="med" len="med"/>
+                      <a:tailEnd type="none" w="med" len="med"/>
+                    </a:lnB>
+                  </a:tcPr>
+                </a:tc>
+                <a:tc>
+                  <a:txBody>
+                    <a:bodyPr/>
+                    <a:lstStyle/>
+                    <a:p>
+                      <a:pPr marL="0" lvl="0" indent="0" algn="l" rtl="0">
+                        <a:spcBef>
+                          <a:spcPts val="0"/>
+                        </a:spcBef>
+                        <a:spcAft>
+                          <a:spcPts val="0"/>
+                        </a:spcAft>
+                        <a:buNone/>
+                      </a:pPr>
+                      <a:r>
+                        <a:rPr lang="en-US" altLang="zh-CN" sz="900" b="0" i="1">
+                          <a:solidFill>
+                            <a:schemeClr val="dk1"/>
+                          </a:solidFill>
+                        </a:rPr>
+                        <a:t>is_after_verb</a:t>
+                      </a:r>
+                      <a:endParaRPr lang="en-CN" sz="900" b="0" i="1">
+                        <a:solidFill>
+                          <a:schemeClr val="dk1"/>
+                        </a:solidFill>
+                      </a:endParaRPr>
+                    </a:p>
+                  </a:txBody>
+                  <a:tcPr marL="91425" marR="91425" marT="91425" marB="91425" anchor="ctr">
+                    <a:solidFill>
+                      <a:srgbClr val="2C1111"/>
+                    </a:solidFill>
+                  </a:tcPr>
+                </a:tc>
+                <a:tc>
+                  <a:txBody>
+                    <a:bodyPr/>
+                    <a:lstStyle/>
+                    <a:p>
+                      <a:pPr marL="0" lvl="0" indent="0" algn="l" rtl="0">
+                        <a:spcBef>
+                          <a:spcPts val="0"/>
+                        </a:spcBef>
+                        <a:spcAft>
+                          <a:spcPts val="0"/>
+                        </a:spcAft>
+                        <a:buNone/>
+                      </a:pPr>
+                      <a:r>
+                        <a:rPr lang="en-US" altLang="zh-CN" sz="900">
+                          <a:solidFill>
+                            <a:schemeClr val="dk1"/>
+                          </a:solidFill>
+                        </a:rPr>
+                        <a:t>A</a:t>
+                      </a:r>
+                      <a:r>
+                        <a:rPr lang="zh-CN" altLang="en-US" sz="900">
+                          <a:solidFill>
+                            <a:schemeClr val="dk1"/>
+                          </a:solidFill>
+                        </a:rPr>
+                        <a:t> </a:t>
+                      </a:r>
+                      <a:r>
+                        <a:rPr lang="en-US" altLang="zh-CN" sz="900">
+                          <a:solidFill>
+                            <a:schemeClr val="dk1"/>
+                          </a:solidFill>
+                        </a:rPr>
+                        <a:t>verb</a:t>
+                      </a:r>
+                      <a:r>
+                        <a:rPr lang="zh-CN" altLang="en-US" sz="900">
+                          <a:solidFill>
+                            <a:schemeClr val="dk1"/>
+                          </a:solidFill>
+                        </a:rPr>
+                        <a:t> </a:t>
+                      </a:r>
+                      <a:r>
+                        <a:rPr lang="en-US" altLang="zh-CN" sz="900">
+                          <a:solidFill>
+                            <a:schemeClr val="dk1"/>
+                          </a:solidFill>
+                        </a:rPr>
+                        <a:t>is</a:t>
+                      </a:r>
+                      <a:r>
+                        <a:rPr lang="zh-CN" altLang="en-US" sz="900">
+                          <a:solidFill>
+                            <a:schemeClr val="dk1"/>
+                          </a:solidFill>
+                        </a:rPr>
+                        <a:t> </a:t>
+                      </a:r>
+                      <a:r>
+                        <a:rPr lang="en-US" altLang="zh-CN" sz="900">
+                          <a:solidFill>
+                            <a:schemeClr val="dk1"/>
+                          </a:solidFill>
+                        </a:rPr>
+                        <a:t>after</a:t>
+                      </a:r>
+                      <a:r>
+                        <a:rPr lang="zh-CN" altLang="en-US" sz="900">
+                          <a:solidFill>
+                            <a:schemeClr val="dk1"/>
+                          </a:solidFill>
+                        </a:rPr>
+                        <a:t> </a:t>
+                      </a:r>
+                      <a:r>
+                        <a:rPr lang="en-US" altLang="zh-CN" sz="900">
+                          <a:solidFill>
+                            <a:schemeClr val="dk1"/>
+                          </a:solidFill>
+                        </a:rPr>
+                        <a:t>it.</a:t>
+                      </a:r>
+                      <a:endParaRPr lang="en-CN" sz="900">
+                        <a:solidFill>
+                          <a:schemeClr val="dk1"/>
+                        </a:solidFill>
+                      </a:endParaRPr>
+                    </a:p>
+                  </a:txBody>
+                  <a:tcPr marL="91425" marR="91425" marT="91425" marB="91425">
+                    <a:solidFill>
+                      <a:srgbClr val="2C1111"/>
+                    </a:solidFill>
+                  </a:tcPr>
+                </a:tc>
+                <a:extLst>
+                  <a:ext uri="{0D108BD9-81ED-4DB2-BD59-A6C34878D82A}">
+                    <a16:rowId xmlns:a16="http://schemas.microsoft.com/office/drawing/2014/main" val="3068600277"/>
+                  </a:ext>
+                </a:extLst>
+              </a:tr>
+            </a:tbl>
+          </a:graphicData>
+        </a:graphic>
+      </p:graphicFrame>
     </p:spTree>
+    <p:extLst>
+      <p:ext uri="{BB962C8B-B14F-4D97-AF65-F5344CB8AC3E}">
+        <p14:creationId xmlns:p14="http://schemas.microsoft.com/office/powerpoint/2010/main" val="1299591285"/>
+      </p:ext>
+    </p:extLst>
   </p:cSld>
   <p:clrMapOvr>
     <a:masterClrMapping/>
   </p:clrMapOvr>
-  <p:transition spd="slow">
-    <p:push dir="u"/>
-  </p:transition>
 </p:sld>
 </file>
 
@@ -10704,7 +13125,7 @@
   <p:cSld>
     <p:spTree>
       <p:nvGrpSpPr>
-        <p:cNvPr id="1" name="Shape 241"/>
+        <p:cNvPr id="1" name=""/>
         <p:cNvGrpSpPr/>
         <p:nvPr/>
       </p:nvGrpSpPr>
@@ -10718,63 +13139,585 @@
       </p:grpSpPr>
       <p:sp>
         <p:nvSpPr>
-          <p:cNvPr id="242" name="Google Shape;242;p31"/>
-          <p:cNvSpPr txBox="1">
+          <p:cNvPr id="2" name="Title 1">
+            <a:extLst>
+              <a:ext uri="{FF2B5EF4-FFF2-40B4-BE49-F238E27FC236}">
+                <a16:creationId xmlns:a16="http://schemas.microsoft.com/office/drawing/2014/main" id="{29648C70-99A1-C031-170B-8B1A5F2968F0}"/>
+              </a:ext>
+            </a:extLst>
+          </p:cNvPr>
+          <p:cNvSpPr>
             <a:spLocks noGrp="1"/>
           </p:cNvSpPr>
           <p:nvPr>
             <p:ph type="title"/>
           </p:nvPr>
         </p:nvSpPr>
+        <p:spPr/>
+        <p:txBody>
+          <a:bodyPr>
+            <a:normAutofit fontScale="90000"/>
+          </a:bodyPr>
+          <a:lstStyle/>
+          <a:p>
+            <a:r>
+              <a:rPr lang="zh-CN"/>
+              <a:t>/ Evaluations and Demo / </a:t>
+            </a:r>
+            <a:r>
+              <a:rPr lang="en-US" altLang="zh-CN"/>
+              <a:t>Eliminate</a:t>
+            </a:r>
+            <a:r>
+              <a:rPr lang="zh-CN" altLang="en-US"/>
+              <a:t> </a:t>
+            </a:r>
+            <a:r>
+              <a:rPr lang="en-US" altLang="zh-CN"/>
+              <a:t>Features</a:t>
+            </a:r>
+            <a:endParaRPr lang="en-CN"/>
+          </a:p>
+        </p:txBody>
+      </p:sp>
+      <p:sp>
+        <p:nvSpPr>
+          <p:cNvPr id="4" name="Google Shape;179;p25">
+            <a:extLst>
+              <a:ext uri="{FF2B5EF4-FFF2-40B4-BE49-F238E27FC236}">
+                <a16:creationId xmlns:a16="http://schemas.microsoft.com/office/drawing/2014/main" id="{8E6F6120-1DF0-02F9-ABB7-B81676C6CD56}"/>
+              </a:ext>
+            </a:extLst>
+          </p:cNvPr>
+          <p:cNvSpPr txBox="1">
+            <a:spLocks/>
+          </p:cNvSpPr>
+          <p:nvPr/>
+        </p:nvSpPr>
         <p:spPr>
           <a:xfrm>
-            <a:off x="311700" y="2150850"/>
-            <a:ext cx="8520600" cy="841800"/>
+            <a:off x="311600" y="1152475"/>
+            <a:ext cx="8520600" cy="3416400"/>
           </a:xfrm>
           <a:prstGeom prst="rect">
             <a:avLst/>
           </a:prstGeom>
+          <a:noFill/>
+          <a:ln>
+            <a:noFill/>
+          </a:ln>
         </p:spPr>
         <p:txBody>
-          <a:bodyPr spcFirstLastPara="1" wrap="square" lIns="91425" tIns="91425" rIns="91425" bIns="91425" anchor="ctr" anchorCtr="0">
+          <a:bodyPr spcFirstLastPara="1" wrap="square" lIns="91425" tIns="91425" rIns="91425" bIns="91425" anchor="t" anchorCtr="0">
             <a:normAutofit/>
           </a:bodyPr>
-          <a:lstStyle/>
+          <a:lstStyle>
+            <a:defPPr marR="0" lvl="0" algn="l" rtl="0">
+              <a:lnSpc>
+                <a:spcPct val="100000"/>
+              </a:lnSpc>
+              <a:spcBef>
+                <a:spcPts val="0"/>
+              </a:spcBef>
+              <a:spcAft>
+                <a:spcPts val="0"/>
+              </a:spcAft>
+            </a:defPPr>
+            <a:lvl1pPr marL="457200" marR="0" lvl="0" indent="-342900" algn="l" rtl="0">
+              <a:lnSpc>
+                <a:spcPct val="115000"/>
+              </a:lnSpc>
+              <a:spcBef>
+                <a:spcPts val="0"/>
+              </a:spcBef>
+              <a:spcAft>
+                <a:spcPts val="0"/>
+              </a:spcAft>
+              <a:buClr>
+                <a:schemeClr val="lt2"/>
+              </a:buClr>
+              <a:buSzPts val="1800"/>
+              <a:buFont typeface="Arial"/>
+              <a:buChar char="●"/>
+              <a:defRPr sz="1800" b="0" i="0" u="none" strike="noStrike" cap="none">
+                <a:solidFill>
+                  <a:schemeClr val="lt2"/>
+                </a:solidFill>
+                <a:latin typeface="Arial"/>
+                <a:ea typeface="Arial"/>
+                <a:cs typeface="Arial"/>
+                <a:sym typeface="Arial"/>
+              </a:defRPr>
+            </a:lvl1pPr>
+            <a:lvl2pPr marL="914400" marR="0" lvl="1" indent="-317500" algn="l" rtl="0">
+              <a:lnSpc>
+                <a:spcPct val="115000"/>
+              </a:lnSpc>
+              <a:spcBef>
+                <a:spcPts val="0"/>
+              </a:spcBef>
+              <a:spcAft>
+                <a:spcPts val="0"/>
+              </a:spcAft>
+              <a:buClr>
+                <a:schemeClr val="lt2"/>
+              </a:buClr>
+              <a:buSzPts val="1400"/>
+              <a:buFont typeface="Arial"/>
+              <a:buChar char="○"/>
+              <a:defRPr sz="1400" b="0" i="0" u="none" strike="noStrike" cap="none">
+                <a:solidFill>
+                  <a:schemeClr val="lt2"/>
+                </a:solidFill>
+                <a:latin typeface="Arial"/>
+                <a:ea typeface="Arial"/>
+                <a:cs typeface="Arial"/>
+                <a:sym typeface="Arial"/>
+              </a:defRPr>
+            </a:lvl2pPr>
+            <a:lvl3pPr marL="1371600" marR="0" lvl="2" indent="-317500" algn="l" rtl="0">
+              <a:lnSpc>
+                <a:spcPct val="115000"/>
+              </a:lnSpc>
+              <a:spcBef>
+                <a:spcPts val="0"/>
+              </a:spcBef>
+              <a:spcAft>
+                <a:spcPts val="0"/>
+              </a:spcAft>
+              <a:buClr>
+                <a:schemeClr val="lt2"/>
+              </a:buClr>
+              <a:buSzPts val="1400"/>
+              <a:buFont typeface="Arial"/>
+              <a:buChar char="■"/>
+              <a:defRPr sz="1400" b="0" i="0" u="none" strike="noStrike" cap="none">
+                <a:solidFill>
+                  <a:schemeClr val="lt2"/>
+                </a:solidFill>
+                <a:latin typeface="Arial"/>
+                <a:ea typeface="Arial"/>
+                <a:cs typeface="Arial"/>
+                <a:sym typeface="Arial"/>
+              </a:defRPr>
+            </a:lvl3pPr>
+            <a:lvl4pPr marL="1828800" marR="0" lvl="3" indent="-317500" algn="l" rtl="0">
+              <a:lnSpc>
+                <a:spcPct val="115000"/>
+              </a:lnSpc>
+              <a:spcBef>
+                <a:spcPts val="0"/>
+              </a:spcBef>
+              <a:spcAft>
+                <a:spcPts val="0"/>
+              </a:spcAft>
+              <a:buClr>
+                <a:schemeClr val="lt2"/>
+              </a:buClr>
+              <a:buSzPts val="1400"/>
+              <a:buFont typeface="Arial"/>
+              <a:buChar char="●"/>
+              <a:defRPr sz="1400" b="0" i="0" u="none" strike="noStrike" cap="none">
+                <a:solidFill>
+                  <a:schemeClr val="lt2"/>
+                </a:solidFill>
+                <a:latin typeface="Arial"/>
+                <a:ea typeface="Arial"/>
+                <a:cs typeface="Arial"/>
+                <a:sym typeface="Arial"/>
+              </a:defRPr>
+            </a:lvl4pPr>
+            <a:lvl5pPr marL="2286000" marR="0" lvl="4" indent="-317500" algn="l" rtl="0">
+              <a:lnSpc>
+                <a:spcPct val="115000"/>
+              </a:lnSpc>
+              <a:spcBef>
+                <a:spcPts val="0"/>
+              </a:spcBef>
+              <a:spcAft>
+                <a:spcPts val="0"/>
+              </a:spcAft>
+              <a:buClr>
+                <a:schemeClr val="lt2"/>
+              </a:buClr>
+              <a:buSzPts val="1400"/>
+              <a:buFont typeface="Arial"/>
+              <a:buChar char="○"/>
+              <a:defRPr sz="1400" b="0" i="0" u="none" strike="noStrike" cap="none">
+                <a:solidFill>
+                  <a:schemeClr val="lt2"/>
+                </a:solidFill>
+                <a:latin typeface="Arial"/>
+                <a:ea typeface="Arial"/>
+                <a:cs typeface="Arial"/>
+                <a:sym typeface="Arial"/>
+              </a:defRPr>
+            </a:lvl5pPr>
+            <a:lvl6pPr marL="2743200" marR="0" lvl="5" indent="-317500" algn="l" rtl="0">
+              <a:lnSpc>
+                <a:spcPct val="115000"/>
+              </a:lnSpc>
+              <a:spcBef>
+                <a:spcPts val="0"/>
+              </a:spcBef>
+              <a:spcAft>
+                <a:spcPts val="0"/>
+              </a:spcAft>
+              <a:buClr>
+                <a:schemeClr val="lt2"/>
+              </a:buClr>
+              <a:buSzPts val="1400"/>
+              <a:buFont typeface="Arial"/>
+              <a:buChar char="■"/>
+              <a:defRPr sz="1400" b="0" i="0" u="none" strike="noStrike" cap="none">
+                <a:solidFill>
+                  <a:schemeClr val="lt2"/>
+                </a:solidFill>
+                <a:latin typeface="Arial"/>
+                <a:ea typeface="Arial"/>
+                <a:cs typeface="Arial"/>
+                <a:sym typeface="Arial"/>
+              </a:defRPr>
+            </a:lvl6pPr>
+            <a:lvl7pPr marL="3200400" marR="0" lvl="6" indent="-317500" algn="l" rtl="0">
+              <a:lnSpc>
+                <a:spcPct val="115000"/>
+              </a:lnSpc>
+              <a:spcBef>
+                <a:spcPts val="0"/>
+              </a:spcBef>
+              <a:spcAft>
+                <a:spcPts val="0"/>
+              </a:spcAft>
+              <a:buClr>
+                <a:schemeClr val="lt2"/>
+              </a:buClr>
+              <a:buSzPts val="1400"/>
+              <a:buFont typeface="Arial"/>
+              <a:buChar char="●"/>
+              <a:defRPr sz="1400" b="0" i="0" u="none" strike="noStrike" cap="none">
+                <a:solidFill>
+                  <a:schemeClr val="lt2"/>
+                </a:solidFill>
+                <a:latin typeface="Arial"/>
+                <a:ea typeface="Arial"/>
+                <a:cs typeface="Arial"/>
+                <a:sym typeface="Arial"/>
+              </a:defRPr>
+            </a:lvl7pPr>
+            <a:lvl8pPr marL="3657600" marR="0" lvl="7" indent="-317500" algn="l" rtl="0">
+              <a:lnSpc>
+                <a:spcPct val="115000"/>
+              </a:lnSpc>
+              <a:spcBef>
+                <a:spcPts val="0"/>
+              </a:spcBef>
+              <a:spcAft>
+                <a:spcPts val="0"/>
+              </a:spcAft>
+              <a:buClr>
+                <a:schemeClr val="lt2"/>
+              </a:buClr>
+              <a:buSzPts val="1400"/>
+              <a:buFont typeface="Arial"/>
+              <a:buChar char="○"/>
+              <a:defRPr sz="1400" b="0" i="0" u="none" strike="noStrike" cap="none">
+                <a:solidFill>
+                  <a:schemeClr val="lt2"/>
+                </a:solidFill>
+                <a:latin typeface="Arial"/>
+                <a:ea typeface="Arial"/>
+                <a:cs typeface="Arial"/>
+                <a:sym typeface="Arial"/>
+              </a:defRPr>
+            </a:lvl8pPr>
+            <a:lvl9pPr marL="4114800" marR="0" lvl="8" indent="-317500" algn="l" rtl="0">
+              <a:lnSpc>
+                <a:spcPct val="115000"/>
+              </a:lnSpc>
+              <a:spcBef>
+                <a:spcPts val="0"/>
+              </a:spcBef>
+              <a:spcAft>
+                <a:spcPts val="0"/>
+              </a:spcAft>
+              <a:buClr>
+                <a:schemeClr val="lt2"/>
+              </a:buClr>
+              <a:buSzPts val="1400"/>
+              <a:buFont typeface="Arial"/>
+              <a:buChar char="■"/>
+              <a:defRPr sz="1400" b="0" i="0" u="none" strike="noStrike" cap="none">
+                <a:solidFill>
+                  <a:schemeClr val="lt2"/>
+                </a:solidFill>
+                <a:latin typeface="Arial"/>
+                <a:ea typeface="Arial"/>
+                <a:cs typeface="Arial"/>
+                <a:sym typeface="Arial"/>
+              </a:defRPr>
+            </a:lvl9pPr>
+          </a:lstStyle>
           <a:p>
-            <a:pPr marL="0" lvl="0" indent="0" algn="ctr" rtl="0">
-              <a:spcBef>
-                <a:spcPts val="0"/>
-              </a:spcBef>
-              <a:spcAft>
-                <a:spcPts val="0"/>
-              </a:spcAft>
+            <a:pPr marL="0" indent="0">
+              <a:buFont typeface="Arial"/>
               <a:buNone/>
             </a:pPr>
             <a:r>
-              <a:rPr lang="zh-CN" b="1"/>
-              <a:t>Thanks for Listening!</a:t>
-            </a:r>
-            <a:endParaRPr b="1"/>
+              <a:rPr lang="en-US" altLang="zh-CN"/>
+              <a:t>Too</a:t>
+            </a:r>
+            <a:r>
+              <a:rPr lang="zh-CN" altLang="en-US"/>
+              <a:t> </a:t>
+            </a:r>
+            <a:r>
+              <a:rPr lang="en-US" altLang="zh-CN"/>
+              <a:t>much</a:t>
+            </a:r>
+            <a:r>
+              <a:rPr lang="zh-CN" altLang="en-US"/>
+              <a:t> </a:t>
+            </a:r>
+            <a:r>
+              <a:rPr lang="en-US" altLang="zh-CN"/>
+              <a:t>Negative</a:t>
+            </a:r>
+            <a:r>
+              <a:rPr lang="zh-CN" altLang="en-US"/>
+              <a:t> </a:t>
+            </a:r>
+            <a:r>
+              <a:rPr lang="en-US" altLang="zh-CN"/>
+              <a:t>Internal</a:t>
+            </a:r>
+            <a:r>
+              <a:rPr lang="zh-CN" altLang="en-US"/>
+              <a:t> </a:t>
+            </a:r>
+            <a:r>
+              <a:rPr lang="en-US" altLang="zh-CN"/>
+              <a:t>Pattern</a:t>
+            </a:r>
+            <a:r>
+              <a:rPr lang="zh-CN" altLang="en-US"/>
+              <a:t> </a:t>
+            </a:r>
+            <a:r>
+              <a:rPr lang="en-US" altLang="zh-CN"/>
+              <a:t>Features.</a:t>
+            </a:r>
+          </a:p>
+          <a:p>
+            <a:pPr marL="285750" indent="-285750">
+              <a:buFontTx/>
+              <a:buChar char="-"/>
+            </a:pPr>
+            <a:r>
+              <a:rPr lang="en-US" altLang="zh-CN"/>
+              <a:t>Helps</a:t>
+            </a:r>
+            <a:r>
+              <a:rPr lang="zh-CN" altLang="en-US"/>
+              <a:t> </a:t>
+            </a:r>
+            <a:r>
+              <a:rPr lang="en-US" altLang="zh-CN"/>
+              <a:t>to</a:t>
+            </a:r>
+            <a:r>
+              <a:rPr lang="zh-CN" altLang="en-US"/>
+              <a:t> </a:t>
+            </a:r>
+            <a:r>
+              <a:rPr lang="en-US" altLang="zh-CN"/>
+              <a:t>improve</a:t>
+            </a:r>
+            <a:r>
+              <a:rPr lang="zh-CN" altLang="en-US"/>
+              <a:t> </a:t>
+            </a:r>
+            <a:r>
+              <a:rPr lang="en-US" altLang="zh-CN"/>
+              <a:t>F-Score,</a:t>
+            </a:r>
+            <a:r>
+              <a:rPr lang="zh-CN" altLang="en-US"/>
+              <a:t> </a:t>
+            </a:r>
+            <a:r>
+              <a:rPr lang="en-US" altLang="zh-CN"/>
+              <a:t>especially</a:t>
+            </a:r>
+            <a:r>
+              <a:rPr lang="zh-CN" altLang="en-US"/>
+              <a:t> </a:t>
+            </a:r>
+            <a:r>
+              <a:rPr lang="en-US" altLang="zh-CN"/>
+              <a:t>recall</a:t>
+            </a:r>
+          </a:p>
+          <a:p>
+            <a:pPr marL="285750" indent="-285750">
+              <a:buFontTx/>
+              <a:buChar char="-"/>
+            </a:pPr>
+            <a:r>
+              <a:rPr lang="en-US" altLang="zh-CN"/>
+              <a:t>However,</a:t>
+            </a:r>
+            <a:r>
+              <a:rPr lang="zh-CN" altLang="en-US"/>
+              <a:t> </a:t>
+            </a:r>
+            <a:r>
+              <a:rPr lang="en-US" altLang="zh-CN"/>
+              <a:t>causes</a:t>
+            </a:r>
+            <a:r>
+              <a:rPr lang="zh-CN" altLang="en-US"/>
+              <a:t> </a:t>
+            </a:r>
+            <a:r>
+              <a:rPr lang="en-US" altLang="zh-CN"/>
+              <a:t>over-fitting.</a:t>
+            </a:r>
+            <a:r>
+              <a:rPr lang="zh-CN" altLang="en-US"/>
+              <a:t> </a:t>
+            </a:r>
+            <a:endParaRPr lang="en-US" altLang="zh-CN"/>
+          </a:p>
+          <a:p>
+            <a:pPr marL="285750" indent="-285750">
+              <a:buFontTx/>
+              <a:buChar char="-"/>
+            </a:pPr>
+            <a:r>
+              <a:rPr lang="en-US" altLang="zh-CN"/>
+              <a:t>Disencourage</a:t>
+            </a:r>
+            <a:r>
+              <a:rPr lang="zh-CN" altLang="en-US"/>
+              <a:t> </a:t>
+            </a:r>
+            <a:r>
+              <a:rPr lang="en-US" altLang="zh-CN"/>
+              <a:t>innovation.</a:t>
+            </a:r>
+          </a:p>
+          <a:p>
+            <a:pPr marL="285750" indent="-285750">
+              <a:buFontTx/>
+              <a:buChar char="-"/>
+            </a:pPr>
+            <a:r>
+              <a:rPr lang="en-US" altLang="zh-CN"/>
+              <a:t>Synonym:</a:t>
+            </a:r>
+            <a:r>
+              <a:rPr lang="zh-CN" altLang="en-US"/>
+              <a:t> </a:t>
+            </a:r>
+            <a:r>
+              <a:rPr lang="en-US" altLang="zh-CN"/>
+              <a:t>You</a:t>
+            </a:r>
+            <a:r>
+              <a:rPr lang="zh-CN" altLang="en-US"/>
+              <a:t> </a:t>
+            </a:r>
+            <a:r>
+              <a:rPr lang="en-US" altLang="zh-CN"/>
+              <a:t>can’t</a:t>
+            </a:r>
+            <a:r>
+              <a:rPr lang="zh-CN" altLang="en-US"/>
+              <a:t> </a:t>
+            </a:r>
+            <a:r>
+              <a:rPr lang="en-US" altLang="zh-CN"/>
+              <a:t>make</a:t>
+            </a:r>
+            <a:r>
+              <a:rPr lang="zh-CN" altLang="en-US"/>
+              <a:t> </a:t>
+            </a:r>
+            <a:r>
+              <a:rPr lang="en-US" altLang="zh-CN"/>
+              <a:t>a</a:t>
+            </a:r>
+            <a:r>
+              <a:rPr lang="zh-CN" altLang="en-US"/>
+              <a:t> </a:t>
+            </a:r>
+            <a:r>
+              <a:rPr lang="en-US" altLang="zh-CN"/>
+              <a:t>child</a:t>
+            </a:r>
+            <a:r>
+              <a:rPr lang="zh-CN" altLang="en-US"/>
+              <a:t> </a:t>
+            </a:r>
+            <a:r>
+              <a:rPr lang="en-US" altLang="zh-CN"/>
+              <a:t>successful</a:t>
+            </a:r>
+            <a:r>
+              <a:rPr lang="zh-CN" altLang="en-US"/>
+              <a:t> </a:t>
+            </a:r>
+            <a:r>
+              <a:rPr lang="en-US" altLang="zh-CN"/>
+              <a:t>by</a:t>
+            </a:r>
+            <a:r>
+              <a:rPr lang="zh-CN" altLang="en-US"/>
+              <a:t> </a:t>
+            </a:r>
+            <a:r>
+              <a:rPr lang="en-US" altLang="zh-CN"/>
+              <a:t>regulating</a:t>
+            </a:r>
+            <a:r>
+              <a:rPr lang="zh-CN" altLang="en-US"/>
+              <a:t> </a:t>
+            </a:r>
+            <a:r>
+              <a:rPr lang="en-US" altLang="zh-CN"/>
+              <a:t>him</a:t>
+            </a:r>
+            <a:r>
+              <a:rPr lang="zh-CN" altLang="en-US"/>
+              <a:t> </a:t>
+            </a:r>
+            <a:r>
+              <a:rPr lang="en-US" altLang="zh-CN"/>
+              <a:t>too</a:t>
+            </a:r>
+            <a:r>
+              <a:rPr lang="zh-CN" altLang="en-US"/>
+              <a:t> </a:t>
+            </a:r>
+            <a:r>
+              <a:rPr lang="en-US" altLang="zh-CN"/>
+              <a:t>much.</a:t>
+            </a:r>
+            <a:endParaRPr lang="en-US"/>
           </a:p>
         </p:txBody>
       </p:sp>
     </p:spTree>
+    <p:extLst>
+      <p:ext uri="{BB962C8B-B14F-4D97-AF65-F5344CB8AC3E}">
+        <p14:creationId xmlns:p14="http://schemas.microsoft.com/office/powerpoint/2010/main" val="3904861656"/>
+      </p:ext>
+    </p:extLst>
   </p:cSld>
   <p:clrMapOvr>
     <a:masterClrMapping/>
   </p:clrMapOvr>
-  <mc:AlternateContent xmlns:mc="http://schemas.openxmlformats.org/markup-compatibility/2006">
-    <mc:Choice xmlns:p14="http://schemas.microsoft.com/office/powerpoint/2010/main" Requires="p14">
-      <p:transition spd="slow">
-        <p14:flash/>
-      </p:transition>
-    </mc:Choice>
-    <mc:Fallback>
-      <p:transition spd="slow">
-        <p:fade/>
-      </p:transition>
-    </mc:Fallback>
-  </mc:AlternateContent>
 </p:sld>
 </file>
 
@@ -10829,6 +13772,14 @@
               </a:spcAft>
               <a:buNone/>
             </a:pPr>
+            <a:r>
+              <a:rPr lang="en-US" altLang="zh-CN"/>
+              <a:t>Introduction:</a:t>
+            </a:r>
+            <a:r>
+              <a:rPr lang="zh-CN" altLang="en-US"/>
+              <a:t> </a:t>
+            </a:r>
             <a:r>
               <a:rPr lang="zh-CN"/>
               <a:t>To build a MaxEnt Model</a:t>
@@ -11400,13 +14351,13 @@
   <p:clrMapOvr>
     <a:masterClrMapping/>
   </p:clrMapOvr>
-  <mc:AlternateContent xmlns:mc="http://schemas.openxmlformats.org/markup-compatibility/2006">
-    <mc:Choice xmlns:p15="http://schemas.microsoft.com/office/powerpoint/2012/main" Requires="p15">
+  <mc:AlternateContent xmlns:mc="http://schemas.openxmlformats.org/markup-compatibility/2006" xmlns:p15="http://schemas.microsoft.com/office/powerpoint/2012/main">
+    <mc:Choice Requires="p15">
       <p:transition xmlns:p14="http://schemas.microsoft.com/office/powerpoint/2010/main" spd="slow" p14:dur="3000">
         <p15:prstTrans prst="curtains"/>
       </p:transition>
     </mc:Choice>
-    <mc:Fallback>
+    <mc:Fallback xmlns="">
       <p:transition spd="slow">
         <p:fade/>
       </p:transition>
@@ -11495,6 +14446,5005 @@
       </p:par>
     </p:tnLst>
   </p:timing>
+</p:sld>
+</file>
+
+<file path=ppt/slides/slide20.xml><?xml version="1.0" encoding="utf-8"?>
+<p:sld xmlns:a="http://schemas.openxmlformats.org/drawingml/2006/main" xmlns:r="http://schemas.openxmlformats.org/officeDocument/2006/relationships" xmlns:p="http://schemas.openxmlformats.org/presentationml/2006/main">
+  <p:cSld>
+    <p:spTree>
+      <p:nvGrpSpPr>
+        <p:cNvPr id="1" name=""/>
+        <p:cNvGrpSpPr/>
+        <p:nvPr/>
+      </p:nvGrpSpPr>
+      <p:grpSpPr>
+        <a:xfrm>
+          <a:off x="0" y="0"/>
+          <a:ext cx="0" cy="0"/>
+          <a:chOff x="0" y="0"/>
+          <a:chExt cx="0" cy="0"/>
+        </a:xfrm>
+      </p:grpSpPr>
+      <p:sp>
+        <p:nvSpPr>
+          <p:cNvPr id="2" name="Title 1">
+            <a:extLst>
+              <a:ext uri="{FF2B5EF4-FFF2-40B4-BE49-F238E27FC236}">
+                <a16:creationId xmlns:a16="http://schemas.microsoft.com/office/drawing/2014/main" id="{29648C70-99A1-C031-170B-8B1A5F2968F0}"/>
+              </a:ext>
+            </a:extLst>
+          </p:cNvPr>
+          <p:cNvSpPr>
+            <a:spLocks noGrp="1"/>
+          </p:cNvSpPr>
+          <p:nvPr>
+            <p:ph type="title"/>
+          </p:nvPr>
+        </p:nvSpPr>
+        <p:spPr/>
+        <p:txBody>
+          <a:bodyPr>
+            <a:normAutofit fontScale="90000"/>
+          </a:bodyPr>
+          <a:lstStyle/>
+          <a:p>
+            <a:r>
+              <a:rPr lang="zh-CN"/>
+              <a:t>/ Evaluations and Demo / </a:t>
+            </a:r>
+            <a:r>
+              <a:rPr lang="en-US" altLang="zh-CN"/>
+              <a:t>Merge</a:t>
+            </a:r>
+            <a:r>
+              <a:rPr lang="zh-CN" altLang="en-US"/>
+              <a:t> </a:t>
+            </a:r>
+            <a:r>
+              <a:rPr lang="en-US" altLang="zh-CN"/>
+              <a:t>Library</a:t>
+            </a:r>
+            <a:r>
+              <a:rPr lang="zh-CN" altLang="en-US"/>
+              <a:t> </a:t>
+            </a:r>
+            <a:r>
+              <a:rPr lang="en-US" altLang="zh-CN"/>
+              <a:t>Features</a:t>
+            </a:r>
+            <a:endParaRPr lang="en-CN"/>
+          </a:p>
+        </p:txBody>
+      </p:sp>
+      <p:sp>
+        <p:nvSpPr>
+          <p:cNvPr id="4" name="Google Shape;179;p25">
+            <a:extLst>
+              <a:ext uri="{FF2B5EF4-FFF2-40B4-BE49-F238E27FC236}">
+                <a16:creationId xmlns:a16="http://schemas.microsoft.com/office/drawing/2014/main" id="{8E6F6120-1DF0-02F9-ABB7-B81676C6CD56}"/>
+              </a:ext>
+            </a:extLst>
+          </p:cNvPr>
+          <p:cNvSpPr txBox="1">
+            <a:spLocks/>
+          </p:cNvSpPr>
+          <p:nvPr/>
+        </p:nvSpPr>
+        <p:spPr>
+          <a:xfrm>
+            <a:off x="4572000" y="1152475"/>
+            <a:ext cx="4260200" cy="3416400"/>
+          </a:xfrm>
+          <a:prstGeom prst="rect">
+            <a:avLst/>
+          </a:prstGeom>
+          <a:noFill/>
+          <a:ln>
+            <a:noFill/>
+          </a:ln>
+        </p:spPr>
+        <p:txBody>
+          <a:bodyPr spcFirstLastPara="1" wrap="square" lIns="91425" tIns="91425" rIns="91425" bIns="91425" anchor="t" anchorCtr="0">
+            <a:normAutofit/>
+          </a:bodyPr>
+          <a:lstStyle>
+            <a:defPPr marR="0" lvl="0" algn="l" rtl="0">
+              <a:lnSpc>
+                <a:spcPct val="100000"/>
+              </a:lnSpc>
+              <a:spcBef>
+                <a:spcPts val="0"/>
+              </a:spcBef>
+              <a:spcAft>
+                <a:spcPts val="0"/>
+              </a:spcAft>
+            </a:defPPr>
+            <a:lvl1pPr marL="457200" marR="0" lvl="0" indent="-342900" algn="l" rtl="0">
+              <a:lnSpc>
+                <a:spcPct val="115000"/>
+              </a:lnSpc>
+              <a:spcBef>
+                <a:spcPts val="0"/>
+              </a:spcBef>
+              <a:spcAft>
+                <a:spcPts val="0"/>
+              </a:spcAft>
+              <a:buClr>
+                <a:schemeClr val="lt2"/>
+              </a:buClr>
+              <a:buSzPts val="1800"/>
+              <a:buFont typeface="Arial"/>
+              <a:buChar char="●"/>
+              <a:defRPr sz="1800" b="0" i="0" u="none" strike="noStrike" cap="none">
+                <a:solidFill>
+                  <a:schemeClr val="lt2"/>
+                </a:solidFill>
+                <a:latin typeface="Arial"/>
+                <a:ea typeface="Arial"/>
+                <a:cs typeface="Arial"/>
+                <a:sym typeface="Arial"/>
+              </a:defRPr>
+            </a:lvl1pPr>
+            <a:lvl2pPr marL="914400" marR="0" lvl="1" indent="-317500" algn="l" rtl="0">
+              <a:lnSpc>
+                <a:spcPct val="115000"/>
+              </a:lnSpc>
+              <a:spcBef>
+                <a:spcPts val="0"/>
+              </a:spcBef>
+              <a:spcAft>
+                <a:spcPts val="0"/>
+              </a:spcAft>
+              <a:buClr>
+                <a:schemeClr val="lt2"/>
+              </a:buClr>
+              <a:buSzPts val="1400"/>
+              <a:buFont typeface="Arial"/>
+              <a:buChar char="○"/>
+              <a:defRPr sz="1400" b="0" i="0" u="none" strike="noStrike" cap="none">
+                <a:solidFill>
+                  <a:schemeClr val="lt2"/>
+                </a:solidFill>
+                <a:latin typeface="Arial"/>
+                <a:ea typeface="Arial"/>
+                <a:cs typeface="Arial"/>
+                <a:sym typeface="Arial"/>
+              </a:defRPr>
+            </a:lvl2pPr>
+            <a:lvl3pPr marL="1371600" marR="0" lvl="2" indent="-317500" algn="l" rtl="0">
+              <a:lnSpc>
+                <a:spcPct val="115000"/>
+              </a:lnSpc>
+              <a:spcBef>
+                <a:spcPts val="0"/>
+              </a:spcBef>
+              <a:spcAft>
+                <a:spcPts val="0"/>
+              </a:spcAft>
+              <a:buClr>
+                <a:schemeClr val="lt2"/>
+              </a:buClr>
+              <a:buSzPts val="1400"/>
+              <a:buFont typeface="Arial"/>
+              <a:buChar char="■"/>
+              <a:defRPr sz="1400" b="0" i="0" u="none" strike="noStrike" cap="none">
+                <a:solidFill>
+                  <a:schemeClr val="lt2"/>
+                </a:solidFill>
+                <a:latin typeface="Arial"/>
+                <a:ea typeface="Arial"/>
+                <a:cs typeface="Arial"/>
+                <a:sym typeface="Arial"/>
+              </a:defRPr>
+            </a:lvl3pPr>
+            <a:lvl4pPr marL="1828800" marR="0" lvl="3" indent="-317500" algn="l" rtl="0">
+              <a:lnSpc>
+                <a:spcPct val="115000"/>
+              </a:lnSpc>
+              <a:spcBef>
+                <a:spcPts val="0"/>
+              </a:spcBef>
+              <a:spcAft>
+                <a:spcPts val="0"/>
+              </a:spcAft>
+              <a:buClr>
+                <a:schemeClr val="lt2"/>
+              </a:buClr>
+              <a:buSzPts val="1400"/>
+              <a:buFont typeface="Arial"/>
+              <a:buChar char="●"/>
+              <a:defRPr sz="1400" b="0" i="0" u="none" strike="noStrike" cap="none">
+                <a:solidFill>
+                  <a:schemeClr val="lt2"/>
+                </a:solidFill>
+                <a:latin typeface="Arial"/>
+                <a:ea typeface="Arial"/>
+                <a:cs typeface="Arial"/>
+                <a:sym typeface="Arial"/>
+              </a:defRPr>
+            </a:lvl4pPr>
+            <a:lvl5pPr marL="2286000" marR="0" lvl="4" indent="-317500" algn="l" rtl="0">
+              <a:lnSpc>
+                <a:spcPct val="115000"/>
+              </a:lnSpc>
+              <a:spcBef>
+                <a:spcPts val="0"/>
+              </a:spcBef>
+              <a:spcAft>
+                <a:spcPts val="0"/>
+              </a:spcAft>
+              <a:buClr>
+                <a:schemeClr val="lt2"/>
+              </a:buClr>
+              <a:buSzPts val="1400"/>
+              <a:buFont typeface="Arial"/>
+              <a:buChar char="○"/>
+              <a:defRPr sz="1400" b="0" i="0" u="none" strike="noStrike" cap="none">
+                <a:solidFill>
+                  <a:schemeClr val="lt2"/>
+                </a:solidFill>
+                <a:latin typeface="Arial"/>
+                <a:ea typeface="Arial"/>
+                <a:cs typeface="Arial"/>
+                <a:sym typeface="Arial"/>
+              </a:defRPr>
+            </a:lvl5pPr>
+            <a:lvl6pPr marL="2743200" marR="0" lvl="5" indent="-317500" algn="l" rtl="0">
+              <a:lnSpc>
+                <a:spcPct val="115000"/>
+              </a:lnSpc>
+              <a:spcBef>
+                <a:spcPts val="0"/>
+              </a:spcBef>
+              <a:spcAft>
+                <a:spcPts val="0"/>
+              </a:spcAft>
+              <a:buClr>
+                <a:schemeClr val="lt2"/>
+              </a:buClr>
+              <a:buSzPts val="1400"/>
+              <a:buFont typeface="Arial"/>
+              <a:buChar char="■"/>
+              <a:defRPr sz="1400" b="0" i="0" u="none" strike="noStrike" cap="none">
+                <a:solidFill>
+                  <a:schemeClr val="lt2"/>
+                </a:solidFill>
+                <a:latin typeface="Arial"/>
+                <a:ea typeface="Arial"/>
+                <a:cs typeface="Arial"/>
+                <a:sym typeface="Arial"/>
+              </a:defRPr>
+            </a:lvl6pPr>
+            <a:lvl7pPr marL="3200400" marR="0" lvl="6" indent="-317500" algn="l" rtl="0">
+              <a:lnSpc>
+                <a:spcPct val="115000"/>
+              </a:lnSpc>
+              <a:spcBef>
+                <a:spcPts val="0"/>
+              </a:spcBef>
+              <a:spcAft>
+                <a:spcPts val="0"/>
+              </a:spcAft>
+              <a:buClr>
+                <a:schemeClr val="lt2"/>
+              </a:buClr>
+              <a:buSzPts val="1400"/>
+              <a:buFont typeface="Arial"/>
+              <a:buChar char="●"/>
+              <a:defRPr sz="1400" b="0" i="0" u="none" strike="noStrike" cap="none">
+                <a:solidFill>
+                  <a:schemeClr val="lt2"/>
+                </a:solidFill>
+                <a:latin typeface="Arial"/>
+                <a:ea typeface="Arial"/>
+                <a:cs typeface="Arial"/>
+                <a:sym typeface="Arial"/>
+              </a:defRPr>
+            </a:lvl7pPr>
+            <a:lvl8pPr marL="3657600" marR="0" lvl="7" indent="-317500" algn="l" rtl="0">
+              <a:lnSpc>
+                <a:spcPct val="115000"/>
+              </a:lnSpc>
+              <a:spcBef>
+                <a:spcPts val="0"/>
+              </a:spcBef>
+              <a:spcAft>
+                <a:spcPts val="0"/>
+              </a:spcAft>
+              <a:buClr>
+                <a:schemeClr val="lt2"/>
+              </a:buClr>
+              <a:buSzPts val="1400"/>
+              <a:buFont typeface="Arial"/>
+              <a:buChar char="○"/>
+              <a:defRPr sz="1400" b="0" i="0" u="none" strike="noStrike" cap="none">
+                <a:solidFill>
+                  <a:schemeClr val="lt2"/>
+                </a:solidFill>
+                <a:latin typeface="Arial"/>
+                <a:ea typeface="Arial"/>
+                <a:cs typeface="Arial"/>
+                <a:sym typeface="Arial"/>
+              </a:defRPr>
+            </a:lvl8pPr>
+            <a:lvl9pPr marL="4114800" marR="0" lvl="8" indent="-317500" algn="l" rtl="0">
+              <a:lnSpc>
+                <a:spcPct val="115000"/>
+              </a:lnSpc>
+              <a:spcBef>
+                <a:spcPts val="0"/>
+              </a:spcBef>
+              <a:spcAft>
+                <a:spcPts val="0"/>
+              </a:spcAft>
+              <a:buClr>
+                <a:schemeClr val="lt2"/>
+              </a:buClr>
+              <a:buSzPts val="1400"/>
+              <a:buFont typeface="Arial"/>
+              <a:buChar char="■"/>
+              <a:defRPr sz="1400" b="0" i="0" u="none" strike="noStrike" cap="none">
+                <a:solidFill>
+                  <a:schemeClr val="lt2"/>
+                </a:solidFill>
+                <a:latin typeface="Arial"/>
+                <a:ea typeface="Arial"/>
+                <a:cs typeface="Arial"/>
+                <a:sym typeface="Arial"/>
+              </a:defRPr>
+            </a:lvl9pPr>
+          </a:lstStyle>
+          <a:p>
+            <a:pPr marL="0" indent="0">
+              <a:buFont typeface="Arial"/>
+              <a:buNone/>
+            </a:pPr>
+            <a:r>
+              <a:rPr lang="en-US" altLang="zh-CN"/>
+              <a:t>Library</a:t>
+            </a:r>
+            <a:r>
+              <a:rPr lang="zh-CN" altLang="en-US"/>
+              <a:t> </a:t>
+            </a:r>
+            <a:r>
+              <a:rPr lang="en-US" altLang="zh-CN"/>
+              <a:t>Features</a:t>
+            </a:r>
+            <a:r>
+              <a:rPr lang="zh-CN" altLang="en-US"/>
+              <a:t> </a:t>
+            </a:r>
+            <a:r>
+              <a:rPr lang="en-US" altLang="zh-CN"/>
+              <a:t>were</a:t>
+            </a:r>
+            <a:r>
+              <a:rPr lang="zh-CN" altLang="en-US"/>
+              <a:t> </a:t>
+            </a:r>
+            <a:r>
+              <a:rPr lang="en-US" altLang="zh-CN"/>
+              <a:t>dispersed</a:t>
+            </a:r>
+            <a:r>
+              <a:rPr lang="zh-CN" altLang="en-US"/>
+              <a:t> </a:t>
+            </a:r>
+            <a:r>
+              <a:rPr lang="en-US" altLang="zh-CN"/>
+              <a:t>at</a:t>
+            </a:r>
+            <a:r>
+              <a:rPr lang="zh-CN" altLang="en-US"/>
+              <a:t> </a:t>
+            </a:r>
+            <a:r>
+              <a:rPr lang="en-US" altLang="zh-CN"/>
+              <a:t>first</a:t>
+            </a:r>
+          </a:p>
+          <a:p>
+            <a:pPr marL="285750" indent="-285750">
+              <a:buFontTx/>
+              <a:buChar char="-"/>
+            </a:pPr>
+            <a:r>
+              <a:rPr lang="en-US" altLang="zh-CN"/>
+              <a:t>That</a:t>
+            </a:r>
+            <a:r>
+              <a:rPr lang="zh-CN" altLang="en-US"/>
+              <a:t> </a:t>
+            </a:r>
+            <a:r>
+              <a:rPr lang="en-US" altLang="zh-CN"/>
+              <a:t>is,</a:t>
+            </a:r>
+            <a:r>
+              <a:rPr lang="zh-CN" altLang="en-US"/>
+              <a:t> </a:t>
+            </a:r>
+            <a:r>
+              <a:rPr lang="en-US" altLang="zh-CN"/>
+              <a:t>one</a:t>
+            </a:r>
+            <a:r>
+              <a:rPr lang="zh-CN" altLang="en-US"/>
+              <a:t> </a:t>
+            </a:r>
+            <a:r>
+              <a:rPr lang="en-US" altLang="zh-CN"/>
+              <a:t>library</a:t>
+            </a:r>
+            <a:r>
+              <a:rPr lang="zh-CN" altLang="en-US"/>
+              <a:t> </a:t>
+            </a:r>
+            <a:r>
+              <a:rPr lang="en-US" altLang="zh-CN"/>
+              <a:t>matches</a:t>
+            </a:r>
+            <a:r>
+              <a:rPr lang="zh-CN" altLang="en-US"/>
+              <a:t> </a:t>
+            </a:r>
+            <a:r>
+              <a:rPr lang="en-US" altLang="zh-CN"/>
+              <a:t>to</a:t>
+            </a:r>
+            <a:r>
+              <a:rPr lang="zh-CN" altLang="en-US"/>
+              <a:t> </a:t>
+            </a:r>
+            <a:r>
+              <a:rPr lang="en-US" altLang="zh-CN"/>
+              <a:t>one</a:t>
+            </a:r>
+            <a:r>
+              <a:rPr lang="zh-CN" altLang="en-US"/>
+              <a:t> </a:t>
+            </a:r>
+            <a:r>
+              <a:rPr lang="en-US" altLang="zh-CN"/>
+              <a:t>feature</a:t>
+            </a:r>
+          </a:p>
+          <a:p>
+            <a:pPr marL="285750" indent="-285750">
+              <a:buFontTx/>
+              <a:buChar char="-"/>
+            </a:pPr>
+            <a:r>
+              <a:rPr lang="en-US" altLang="zh-CN"/>
+              <a:t>However,</a:t>
+            </a:r>
+            <a:r>
+              <a:rPr lang="zh-CN" altLang="en-US"/>
+              <a:t> </a:t>
+            </a:r>
+            <a:r>
+              <a:rPr lang="en-US" altLang="zh-CN"/>
+              <a:t>again,</a:t>
+            </a:r>
+            <a:r>
+              <a:rPr lang="zh-CN" altLang="en-US"/>
+              <a:t> </a:t>
+            </a:r>
+            <a:r>
+              <a:rPr lang="en-US" altLang="zh-CN"/>
+              <a:t>we</a:t>
+            </a:r>
+            <a:r>
+              <a:rPr lang="zh-CN" altLang="en-US"/>
+              <a:t> </a:t>
+            </a:r>
+            <a:r>
+              <a:rPr lang="en-US" altLang="zh-CN"/>
+              <a:t>don’t</a:t>
+            </a:r>
+            <a:r>
+              <a:rPr lang="zh-CN" altLang="en-US"/>
+              <a:t> </a:t>
+            </a:r>
+            <a:r>
+              <a:rPr lang="en-US" altLang="zh-CN"/>
+              <a:t>want</a:t>
+            </a:r>
+            <a:r>
+              <a:rPr lang="zh-CN" altLang="en-US"/>
+              <a:t> </a:t>
+            </a:r>
+            <a:r>
+              <a:rPr lang="en-US" altLang="zh-CN"/>
+              <a:t>to</a:t>
+            </a:r>
+            <a:r>
+              <a:rPr lang="zh-CN" altLang="en-US"/>
+              <a:t> </a:t>
+            </a:r>
+            <a:r>
+              <a:rPr lang="en-US" altLang="zh-CN"/>
+              <a:t>tell</a:t>
+            </a:r>
+            <a:r>
+              <a:rPr lang="zh-CN" altLang="en-US"/>
+              <a:t> </a:t>
+            </a:r>
+            <a:r>
+              <a:rPr lang="en-US" altLang="zh-CN"/>
+              <a:t>the</a:t>
+            </a:r>
+            <a:r>
+              <a:rPr lang="zh-CN" altLang="en-US"/>
+              <a:t> </a:t>
+            </a:r>
+            <a:r>
+              <a:rPr lang="en-US" altLang="zh-CN"/>
+              <a:t>model</a:t>
+            </a:r>
+            <a:r>
+              <a:rPr lang="zh-CN" altLang="en-US"/>
+              <a:t> </a:t>
+            </a:r>
+            <a:r>
+              <a:rPr lang="en-US" altLang="zh-CN"/>
+              <a:t>too</a:t>
+            </a:r>
+            <a:r>
+              <a:rPr lang="zh-CN" altLang="en-US"/>
+              <a:t> </a:t>
+            </a:r>
+            <a:r>
+              <a:rPr lang="en-US" altLang="zh-CN"/>
+              <a:t>much</a:t>
+            </a:r>
+            <a:r>
+              <a:rPr lang="zh-CN" altLang="en-US"/>
+              <a:t> </a:t>
+            </a:r>
+            <a:r>
+              <a:rPr lang="en-US" altLang="zh-CN"/>
+              <a:t>about</a:t>
+            </a:r>
+            <a:r>
+              <a:rPr lang="zh-CN" altLang="en-US"/>
+              <a:t> </a:t>
+            </a:r>
+            <a:r>
+              <a:rPr lang="en-US" altLang="zh-CN"/>
+              <a:t>“what</a:t>
+            </a:r>
+            <a:r>
+              <a:rPr lang="zh-CN" altLang="en-US"/>
+              <a:t> </a:t>
+            </a:r>
+            <a:r>
+              <a:rPr lang="en-US" altLang="zh-CN"/>
+              <a:t>not</a:t>
+            </a:r>
+            <a:r>
+              <a:rPr lang="zh-CN" altLang="en-US"/>
+              <a:t> </a:t>
+            </a:r>
+            <a:r>
+              <a:rPr lang="en-US" altLang="zh-CN"/>
+              <a:t>to</a:t>
+            </a:r>
+            <a:r>
+              <a:rPr lang="zh-CN" altLang="en-US"/>
+              <a:t> </a:t>
+            </a:r>
+            <a:r>
+              <a:rPr lang="en-US" altLang="zh-CN"/>
+              <a:t>do”,</a:t>
+            </a:r>
+            <a:r>
+              <a:rPr lang="zh-CN" altLang="en-US"/>
+              <a:t> </a:t>
+            </a:r>
+            <a:r>
+              <a:rPr lang="en-US" altLang="zh-CN"/>
+              <a:t>instead</a:t>
+            </a:r>
+            <a:r>
+              <a:rPr lang="zh-CN" altLang="en-US"/>
+              <a:t> </a:t>
+            </a:r>
+            <a:r>
+              <a:rPr lang="en-US" altLang="zh-CN"/>
+              <a:t>of</a:t>
+            </a:r>
+            <a:r>
+              <a:rPr lang="zh-CN" altLang="en-US"/>
+              <a:t> </a:t>
+            </a:r>
+            <a:r>
+              <a:rPr lang="en-US" altLang="zh-CN"/>
+              <a:t>what</a:t>
+            </a:r>
+            <a:r>
+              <a:rPr lang="zh-CN" altLang="en-US"/>
+              <a:t> </a:t>
+            </a:r>
+            <a:r>
+              <a:rPr lang="en-US" altLang="zh-CN"/>
+              <a:t>to</a:t>
+            </a:r>
+            <a:r>
+              <a:rPr lang="zh-CN" altLang="en-US"/>
+              <a:t> </a:t>
+            </a:r>
+            <a:r>
+              <a:rPr lang="en-US" altLang="zh-CN"/>
+              <a:t>do.</a:t>
+            </a:r>
+          </a:p>
+          <a:p>
+            <a:pPr marL="285750" indent="-285750">
+              <a:buFontTx/>
+              <a:buChar char="-"/>
+            </a:pPr>
+            <a:r>
+              <a:rPr lang="en-US" altLang="zh-CN"/>
+              <a:t>Therefore,</a:t>
+            </a:r>
+            <a:r>
+              <a:rPr lang="zh-CN" altLang="en-US"/>
+              <a:t> </a:t>
+            </a:r>
+            <a:r>
+              <a:rPr lang="en-US" altLang="zh-CN"/>
+              <a:t>these</a:t>
+            </a:r>
+            <a:r>
+              <a:rPr lang="zh-CN" altLang="en-US"/>
+              <a:t> </a:t>
+            </a:r>
+            <a:r>
+              <a:rPr lang="en-US" altLang="zh-CN"/>
+              <a:t>features</a:t>
+            </a:r>
+            <a:r>
+              <a:rPr lang="zh-CN" altLang="en-US"/>
+              <a:t> </a:t>
+            </a:r>
+            <a:r>
+              <a:rPr lang="en-US" altLang="zh-CN"/>
+              <a:t>are</a:t>
+            </a:r>
+            <a:r>
+              <a:rPr lang="zh-CN" altLang="en-US"/>
+              <a:t> </a:t>
+            </a:r>
+            <a:r>
+              <a:rPr lang="en-US" altLang="zh-CN"/>
+              <a:t>merged</a:t>
+            </a:r>
+            <a:r>
+              <a:rPr lang="zh-CN" altLang="en-US"/>
+              <a:t> </a:t>
+            </a:r>
+            <a:r>
+              <a:rPr lang="en-US" altLang="zh-CN"/>
+              <a:t>into</a:t>
+            </a:r>
+            <a:r>
+              <a:rPr lang="zh-CN" altLang="en-US"/>
+              <a:t> </a:t>
+            </a:r>
+            <a:r>
+              <a:rPr lang="en-US" altLang="zh-CN"/>
+              <a:t>one.</a:t>
+            </a:r>
+            <a:endParaRPr lang="en-US"/>
+          </a:p>
+        </p:txBody>
+      </p:sp>
+      <mc:AlternateContent xmlns:mc="http://schemas.openxmlformats.org/markup-compatibility/2006">
+        <mc:Choice xmlns:a14="http://schemas.microsoft.com/office/drawing/2010/main" Requires="a14">
+          <p:sp>
+            <p:nvSpPr>
+              <p:cNvPr id="3" name="Rounded Rectangle 2">
+                <a:extLst>
+                  <a:ext uri="{FF2B5EF4-FFF2-40B4-BE49-F238E27FC236}">
+                    <a16:creationId xmlns:a16="http://schemas.microsoft.com/office/drawing/2014/main" id="{929A71C0-BC33-2743-FC7F-7299F7E60CDE}"/>
+                  </a:ext>
+                </a:extLst>
+              </p:cNvPr>
+              <p:cNvSpPr/>
+              <p:nvPr/>
+            </p:nvSpPr>
+            <p:spPr>
+              <a:xfrm>
+                <a:off x="311700" y="1248428"/>
+                <a:ext cx="1476460" cy="429368"/>
+              </a:xfrm>
+              <a:prstGeom prst="roundRect">
+                <a:avLst/>
+              </a:prstGeom>
+              <a:solidFill>
+                <a:srgbClr val="B7D7A8"/>
+              </a:solidFill>
+              <a:ln>
+                <a:solidFill>
+                  <a:srgbClr val="3F613D"/>
+                </a:solidFill>
+              </a:ln>
+            </p:spPr>
+            <p:style>
+              <a:lnRef idx="2">
+                <a:schemeClr val="accent1">
+                  <a:shade val="15000"/>
+                </a:schemeClr>
+              </a:lnRef>
+              <a:fillRef idx="1">
+                <a:schemeClr val="accent1"/>
+              </a:fillRef>
+              <a:effectRef idx="0">
+                <a:schemeClr val="accent1"/>
+              </a:effectRef>
+              <a:fontRef idx="minor">
+                <a:schemeClr val="lt1"/>
+              </a:fontRef>
+            </p:style>
+            <p:txBody>
+              <a:bodyPr rtlCol="0" anchor="ctr"/>
+              <a:lstStyle/>
+              <a:p>
+                <a:pPr algn="ctr"/>
+                <a:r>
+                  <a:rPr lang="en-US" altLang="zh-CN"/>
+                  <a:t>w</a:t>
+                </a:r>
+                <a:r>
+                  <a:rPr lang="zh-CN" altLang="en-US"/>
+                  <a:t> </a:t>
+                </a:r>
+                <a14:m>
+                  <m:oMath xmlns:m="http://schemas.openxmlformats.org/officeDocument/2006/math">
+                    <m:r>
+                      <a:rPr lang="zh-CN" altLang="en-US" i="1">
+                        <a:latin typeface="Cambria Math" panose="02040503050406030204" pitchFamily="18" charset="0"/>
+                      </a:rPr>
+                      <m:t>∈</m:t>
+                    </m:r>
+                  </m:oMath>
+                </a14:m>
+                <a:r>
+                  <a:rPr lang="zh-CN" altLang="en-US"/>
+                  <a:t> </a:t>
+                </a:r>
+                <a:r>
+                  <a:rPr lang="en-US" altLang="zh-CN"/>
+                  <a:t>names</a:t>
+                </a:r>
+                <a:endParaRPr lang="en-CN"/>
+              </a:p>
+            </p:txBody>
+          </p:sp>
+        </mc:Choice>
+        <mc:Fallback>
+          <p:sp>
+            <p:nvSpPr>
+              <p:cNvPr id="3" name="Rounded Rectangle 2">
+                <a:extLst>
+                  <a:ext uri="{FF2B5EF4-FFF2-40B4-BE49-F238E27FC236}">
+                    <a16:creationId xmlns:a16="http://schemas.microsoft.com/office/drawing/2014/main" id="{929A71C0-BC33-2743-FC7F-7299F7E60CDE}"/>
+                  </a:ext>
+                </a:extLst>
+              </p:cNvPr>
+              <p:cNvSpPr>
+                <a:spLocks noRot="1" noChangeAspect="1" noMove="1" noResize="1" noEditPoints="1" noAdjustHandles="1" noChangeArrowheads="1" noChangeShapeType="1" noTextEdit="1"/>
+              </p:cNvSpPr>
+              <p:nvPr/>
+            </p:nvSpPr>
+            <p:spPr>
+              <a:xfrm>
+                <a:off x="311700" y="1248428"/>
+                <a:ext cx="1476460" cy="429368"/>
+              </a:xfrm>
+              <a:prstGeom prst="roundRect">
+                <a:avLst/>
+              </a:prstGeom>
+              <a:blipFill>
+                <a:blip r:embed="rId3"/>
+                <a:stretch>
+                  <a:fillRect/>
+                </a:stretch>
+              </a:blipFill>
+              <a:ln>
+                <a:solidFill>
+                  <a:srgbClr val="3F613D"/>
+                </a:solidFill>
+              </a:ln>
+            </p:spPr>
+            <p:txBody>
+              <a:bodyPr/>
+              <a:lstStyle/>
+              <a:p>
+                <a:r>
+                  <a:rPr lang="en-CN">
+                    <a:noFill/>
+                  </a:rPr>
+                  <a:t> </a:t>
+                </a:r>
+              </a:p>
+            </p:txBody>
+          </p:sp>
+        </mc:Fallback>
+      </mc:AlternateContent>
+      <p:sp>
+        <p:nvSpPr>
+          <p:cNvPr id="6" name="Rounded Rectangle 5">
+            <a:extLst>
+              <a:ext uri="{FF2B5EF4-FFF2-40B4-BE49-F238E27FC236}">
+                <a16:creationId xmlns:a16="http://schemas.microsoft.com/office/drawing/2014/main" id="{735B0B9E-2EE4-812B-94A5-C355EDB6F427}"/>
+              </a:ext>
+            </a:extLst>
+          </p:cNvPr>
+          <p:cNvSpPr/>
+          <p:nvPr/>
+        </p:nvSpPr>
+        <p:spPr>
+          <a:xfrm>
+            <a:off x="2167639" y="1248428"/>
+            <a:ext cx="1476460" cy="429368"/>
+          </a:xfrm>
+          <a:prstGeom prst="roundRect">
+            <a:avLst/>
+          </a:prstGeom>
+          <a:solidFill>
+            <a:srgbClr val="B7D7A8"/>
+          </a:solidFill>
+          <a:ln>
+            <a:solidFill>
+              <a:srgbClr val="3F613D"/>
+            </a:solidFill>
+          </a:ln>
+        </p:spPr>
+        <p:style>
+          <a:lnRef idx="2">
+            <a:schemeClr val="accent1">
+              <a:shade val="15000"/>
+            </a:schemeClr>
+          </a:lnRef>
+          <a:fillRef idx="1">
+            <a:schemeClr val="accent1"/>
+          </a:fillRef>
+          <a:effectRef idx="0">
+            <a:schemeClr val="accent1"/>
+          </a:effectRef>
+          <a:fontRef idx="minor">
+            <a:schemeClr val="lt1"/>
+          </a:fontRef>
+        </p:style>
+        <p:txBody>
+          <a:bodyPr rtlCol="0" anchor="ctr"/>
+          <a:lstStyle/>
+          <a:p>
+            <a:pPr algn="ctr"/>
+            <a:r>
+              <a:rPr lang="en-US" altLang="zh-CN"/>
+              <a:t>is_in_name</a:t>
+            </a:r>
+            <a:endParaRPr lang="en-CN"/>
+          </a:p>
+        </p:txBody>
+      </p:sp>
+      <p:cxnSp>
+        <p:nvCxnSpPr>
+          <p:cNvPr id="8" name="Straight Arrow Connector 7">
+            <a:extLst>
+              <a:ext uri="{FF2B5EF4-FFF2-40B4-BE49-F238E27FC236}">
+                <a16:creationId xmlns:a16="http://schemas.microsoft.com/office/drawing/2014/main" id="{DEB74416-1BB6-BEA5-AA15-DEC36FB0B55A}"/>
+              </a:ext>
+            </a:extLst>
+          </p:cNvPr>
+          <p:cNvCxnSpPr>
+            <a:stCxn id="3" idx="3"/>
+            <a:endCxn id="6" idx="1"/>
+          </p:cNvCxnSpPr>
+          <p:nvPr/>
+        </p:nvCxnSpPr>
+        <p:spPr>
+          <a:xfrm>
+            <a:off x="1788160" y="1463112"/>
+            <a:ext cx="379479" cy="0"/>
+          </a:xfrm>
+          <a:prstGeom prst="straightConnector1">
+            <a:avLst/>
+          </a:prstGeom>
+          <a:ln>
+            <a:solidFill>
+              <a:srgbClr val="B7D7A8"/>
+            </a:solidFill>
+            <a:tailEnd type="triangle"/>
+          </a:ln>
+        </p:spPr>
+        <p:style>
+          <a:lnRef idx="1">
+            <a:schemeClr val="accent1"/>
+          </a:lnRef>
+          <a:fillRef idx="0">
+            <a:schemeClr val="accent1"/>
+          </a:fillRef>
+          <a:effectRef idx="0">
+            <a:schemeClr val="accent1"/>
+          </a:effectRef>
+          <a:fontRef idx="minor">
+            <a:schemeClr val="tx1"/>
+          </a:fontRef>
+        </p:style>
+      </p:cxnSp>
+      <mc:AlternateContent xmlns:mc="http://schemas.openxmlformats.org/markup-compatibility/2006">
+        <mc:Choice xmlns:a14="http://schemas.microsoft.com/office/drawing/2010/main" Requires="a14">
+          <p:sp>
+            <p:nvSpPr>
+              <p:cNvPr id="9" name="Rounded Rectangle 8">
+                <a:extLst>
+                  <a:ext uri="{FF2B5EF4-FFF2-40B4-BE49-F238E27FC236}">
+                    <a16:creationId xmlns:a16="http://schemas.microsoft.com/office/drawing/2014/main" id="{C6666231-B722-2ED4-23C2-43140A880A81}"/>
+                  </a:ext>
+                </a:extLst>
+              </p:cNvPr>
+              <p:cNvSpPr/>
+              <p:nvPr/>
+            </p:nvSpPr>
+            <p:spPr>
+              <a:xfrm>
+                <a:off x="311700" y="2018062"/>
+                <a:ext cx="1476460" cy="429368"/>
+              </a:xfrm>
+              <a:prstGeom prst="roundRect">
+                <a:avLst/>
+              </a:prstGeom>
+              <a:solidFill>
+                <a:srgbClr val="DEB0A4"/>
+              </a:solidFill>
+              <a:ln>
+                <a:solidFill>
+                  <a:srgbClr val="9E515D"/>
+                </a:solidFill>
+              </a:ln>
+            </p:spPr>
+            <p:style>
+              <a:lnRef idx="2">
+                <a:schemeClr val="accent1">
+                  <a:shade val="15000"/>
+                </a:schemeClr>
+              </a:lnRef>
+              <a:fillRef idx="1">
+                <a:schemeClr val="accent1"/>
+              </a:fillRef>
+              <a:effectRef idx="0">
+                <a:schemeClr val="accent1"/>
+              </a:effectRef>
+              <a:fontRef idx="minor">
+                <a:schemeClr val="lt1"/>
+              </a:fontRef>
+            </p:style>
+            <p:txBody>
+              <a:bodyPr rtlCol="0" anchor="ctr"/>
+              <a:lstStyle/>
+              <a:p>
+                <a:pPr algn="ctr"/>
+                <a:r>
+                  <a:rPr lang="en-US" altLang="zh-CN"/>
+                  <a:t>w</a:t>
+                </a:r>
+                <a:r>
+                  <a:rPr lang="zh-CN" altLang="en-US"/>
+                  <a:t> </a:t>
+                </a:r>
+                <a14:m>
+                  <m:oMath xmlns:m="http://schemas.openxmlformats.org/officeDocument/2006/math">
+                    <m:r>
+                      <a:rPr lang="zh-CN" altLang="en-US" i="1">
+                        <a:latin typeface="Cambria Math" panose="02040503050406030204" pitchFamily="18" charset="0"/>
+                      </a:rPr>
+                      <m:t>∈</m:t>
+                    </m:r>
+                  </m:oMath>
+                </a14:m>
+                <a:r>
+                  <a:rPr lang="zh-CN" altLang="en-US"/>
+                  <a:t> </a:t>
+                </a:r>
+                <a:r>
+                  <a:rPr lang="en-US" altLang="zh-CN"/>
+                  <a:t>Months</a:t>
+                </a:r>
+                <a:endParaRPr lang="en-CN"/>
+              </a:p>
+            </p:txBody>
+          </p:sp>
+        </mc:Choice>
+        <mc:Fallback>
+          <p:sp>
+            <p:nvSpPr>
+              <p:cNvPr id="9" name="Rounded Rectangle 8">
+                <a:extLst>
+                  <a:ext uri="{FF2B5EF4-FFF2-40B4-BE49-F238E27FC236}">
+                    <a16:creationId xmlns:a16="http://schemas.microsoft.com/office/drawing/2014/main" id="{C6666231-B722-2ED4-23C2-43140A880A81}"/>
+                  </a:ext>
+                </a:extLst>
+              </p:cNvPr>
+              <p:cNvSpPr>
+                <a:spLocks noRot="1" noChangeAspect="1" noMove="1" noResize="1" noEditPoints="1" noAdjustHandles="1" noChangeArrowheads="1" noChangeShapeType="1" noTextEdit="1"/>
+              </p:cNvSpPr>
+              <p:nvPr/>
+            </p:nvSpPr>
+            <p:spPr>
+              <a:xfrm>
+                <a:off x="311700" y="2018062"/>
+                <a:ext cx="1476460" cy="429368"/>
+              </a:xfrm>
+              <a:prstGeom prst="roundRect">
+                <a:avLst/>
+              </a:prstGeom>
+              <a:blipFill>
+                <a:blip r:embed="rId4"/>
+                <a:stretch>
+                  <a:fillRect/>
+                </a:stretch>
+              </a:blipFill>
+              <a:ln>
+                <a:solidFill>
+                  <a:srgbClr val="9E515D"/>
+                </a:solidFill>
+              </a:ln>
+            </p:spPr>
+            <p:txBody>
+              <a:bodyPr/>
+              <a:lstStyle/>
+              <a:p>
+                <a:r>
+                  <a:rPr lang="en-CN">
+                    <a:noFill/>
+                  </a:rPr>
+                  <a:t> </a:t>
+                </a:r>
+              </a:p>
+            </p:txBody>
+          </p:sp>
+        </mc:Fallback>
+      </mc:AlternateContent>
+      <p:sp>
+        <p:nvSpPr>
+          <p:cNvPr id="10" name="Rounded Rectangle 9">
+            <a:extLst>
+              <a:ext uri="{FF2B5EF4-FFF2-40B4-BE49-F238E27FC236}">
+                <a16:creationId xmlns:a16="http://schemas.microsoft.com/office/drawing/2014/main" id="{0F19F793-A2ED-05B3-2151-8BEDCC50D77C}"/>
+              </a:ext>
+            </a:extLst>
+          </p:cNvPr>
+          <p:cNvSpPr/>
+          <p:nvPr/>
+        </p:nvSpPr>
+        <p:spPr>
+          <a:xfrm>
+            <a:off x="2167639" y="2022395"/>
+            <a:ext cx="1476460" cy="429368"/>
+          </a:xfrm>
+          <a:prstGeom prst="roundRect">
+            <a:avLst/>
+          </a:prstGeom>
+          <a:solidFill>
+            <a:srgbClr val="DEB0A4"/>
+          </a:solidFill>
+          <a:ln>
+            <a:solidFill>
+              <a:srgbClr val="9E515D"/>
+            </a:solidFill>
+          </a:ln>
+        </p:spPr>
+        <p:style>
+          <a:lnRef idx="2">
+            <a:schemeClr val="accent1">
+              <a:shade val="15000"/>
+            </a:schemeClr>
+          </a:lnRef>
+          <a:fillRef idx="1">
+            <a:schemeClr val="accent1"/>
+          </a:fillRef>
+          <a:effectRef idx="0">
+            <a:schemeClr val="accent1"/>
+          </a:effectRef>
+          <a:fontRef idx="minor">
+            <a:schemeClr val="lt1"/>
+          </a:fontRef>
+        </p:style>
+        <p:txBody>
+          <a:bodyPr rtlCol="0" anchor="ctr"/>
+          <a:lstStyle/>
+          <a:p>
+            <a:pPr algn="ctr"/>
+            <a:r>
+              <a:rPr lang="en-US" altLang="zh-CN"/>
+              <a:t>is_month</a:t>
+            </a:r>
+            <a:endParaRPr lang="en-CN"/>
+          </a:p>
+        </p:txBody>
+      </p:sp>
+      <p:cxnSp>
+        <p:nvCxnSpPr>
+          <p:cNvPr id="12" name="Straight Arrow Connector 11">
+            <a:extLst>
+              <a:ext uri="{FF2B5EF4-FFF2-40B4-BE49-F238E27FC236}">
+                <a16:creationId xmlns:a16="http://schemas.microsoft.com/office/drawing/2014/main" id="{71874F7A-F49F-1748-A948-0CDADEEDFFF8}"/>
+              </a:ext>
+            </a:extLst>
+          </p:cNvPr>
+          <p:cNvCxnSpPr>
+            <a:stCxn id="9" idx="3"/>
+            <a:endCxn id="10" idx="1"/>
+          </p:cNvCxnSpPr>
+          <p:nvPr/>
+        </p:nvCxnSpPr>
+        <p:spPr>
+          <a:xfrm>
+            <a:off x="1788160" y="2232746"/>
+            <a:ext cx="379479" cy="4333"/>
+          </a:xfrm>
+          <a:prstGeom prst="straightConnector1">
+            <a:avLst/>
+          </a:prstGeom>
+          <a:ln>
+            <a:solidFill>
+              <a:srgbClr val="DEB0A4"/>
+            </a:solidFill>
+            <a:tailEnd type="triangle"/>
+          </a:ln>
+        </p:spPr>
+        <p:style>
+          <a:lnRef idx="1">
+            <a:schemeClr val="accent1"/>
+          </a:lnRef>
+          <a:fillRef idx="0">
+            <a:schemeClr val="accent1"/>
+          </a:fillRef>
+          <a:effectRef idx="0">
+            <a:schemeClr val="accent1"/>
+          </a:effectRef>
+          <a:fontRef idx="minor">
+            <a:schemeClr val="tx1"/>
+          </a:fontRef>
+        </p:style>
+      </p:cxnSp>
+      <mc:AlternateContent xmlns:mc="http://schemas.openxmlformats.org/markup-compatibility/2006">
+        <mc:Choice xmlns:a14="http://schemas.microsoft.com/office/drawing/2010/main" Requires="a14">
+          <p:sp>
+            <p:nvSpPr>
+              <p:cNvPr id="16" name="Rounded Rectangle 15">
+                <a:extLst>
+                  <a:ext uri="{FF2B5EF4-FFF2-40B4-BE49-F238E27FC236}">
+                    <a16:creationId xmlns:a16="http://schemas.microsoft.com/office/drawing/2014/main" id="{DA91DC44-60B6-5C0B-EF61-85365692E60D}"/>
+                  </a:ext>
+                </a:extLst>
+              </p:cNvPr>
+              <p:cNvSpPr/>
+              <p:nvPr/>
+            </p:nvSpPr>
+            <p:spPr>
+              <a:xfrm>
+                <a:off x="311700" y="2585156"/>
+                <a:ext cx="1476460" cy="429368"/>
+              </a:xfrm>
+              <a:prstGeom prst="roundRect">
+                <a:avLst/>
+              </a:prstGeom>
+              <a:solidFill>
+                <a:srgbClr val="DEB0A4"/>
+              </a:solidFill>
+              <a:ln>
+                <a:solidFill>
+                  <a:srgbClr val="9E515D"/>
+                </a:solidFill>
+              </a:ln>
+            </p:spPr>
+            <p:style>
+              <a:lnRef idx="2">
+                <a:schemeClr val="accent1">
+                  <a:shade val="15000"/>
+                </a:schemeClr>
+              </a:lnRef>
+              <a:fillRef idx="1">
+                <a:schemeClr val="accent1"/>
+              </a:fillRef>
+              <a:effectRef idx="0">
+                <a:schemeClr val="accent1"/>
+              </a:effectRef>
+              <a:fontRef idx="minor">
+                <a:schemeClr val="lt1"/>
+              </a:fontRef>
+            </p:style>
+            <p:txBody>
+              <a:bodyPr rtlCol="0" anchor="ctr"/>
+              <a:lstStyle/>
+              <a:p>
+                <a:pPr algn="ctr"/>
+                <a:r>
+                  <a:rPr lang="en-US" altLang="zh-CN"/>
+                  <a:t>w</a:t>
+                </a:r>
+                <a:r>
+                  <a:rPr lang="zh-CN" altLang="en-US"/>
+                  <a:t> </a:t>
+                </a:r>
+                <a14:m>
+                  <m:oMath xmlns:m="http://schemas.openxmlformats.org/officeDocument/2006/math">
+                    <m:r>
+                      <a:rPr lang="zh-CN" altLang="en-US" i="1">
+                        <a:latin typeface="Cambria Math" panose="02040503050406030204" pitchFamily="18" charset="0"/>
+                      </a:rPr>
+                      <m:t>∈</m:t>
+                    </m:r>
+                  </m:oMath>
+                </a14:m>
+                <a:r>
+                  <a:rPr lang="zh-CN" altLang="en-US"/>
+                  <a:t> </a:t>
+                </a:r>
+                <a:r>
+                  <a:rPr lang="en-US" altLang="zh-CN"/>
+                  <a:t>Week</a:t>
+                </a:r>
+                <a:endParaRPr lang="en-CN"/>
+              </a:p>
+            </p:txBody>
+          </p:sp>
+        </mc:Choice>
+        <mc:Fallback>
+          <p:sp>
+            <p:nvSpPr>
+              <p:cNvPr id="16" name="Rounded Rectangle 15">
+                <a:extLst>
+                  <a:ext uri="{FF2B5EF4-FFF2-40B4-BE49-F238E27FC236}">
+                    <a16:creationId xmlns:a16="http://schemas.microsoft.com/office/drawing/2014/main" id="{DA91DC44-60B6-5C0B-EF61-85365692E60D}"/>
+                  </a:ext>
+                </a:extLst>
+              </p:cNvPr>
+              <p:cNvSpPr>
+                <a:spLocks noRot="1" noChangeAspect="1" noMove="1" noResize="1" noEditPoints="1" noAdjustHandles="1" noChangeArrowheads="1" noChangeShapeType="1" noTextEdit="1"/>
+              </p:cNvSpPr>
+              <p:nvPr/>
+            </p:nvSpPr>
+            <p:spPr>
+              <a:xfrm>
+                <a:off x="311700" y="2585156"/>
+                <a:ext cx="1476460" cy="429368"/>
+              </a:xfrm>
+              <a:prstGeom prst="roundRect">
+                <a:avLst/>
+              </a:prstGeom>
+              <a:blipFill>
+                <a:blip r:embed="rId5"/>
+                <a:stretch>
+                  <a:fillRect/>
+                </a:stretch>
+              </a:blipFill>
+              <a:ln>
+                <a:solidFill>
+                  <a:srgbClr val="9E515D"/>
+                </a:solidFill>
+              </a:ln>
+            </p:spPr>
+            <p:txBody>
+              <a:bodyPr/>
+              <a:lstStyle/>
+              <a:p>
+                <a:r>
+                  <a:rPr lang="en-CN">
+                    <a:noFill/>
+                  </a:rPr>
+                  <a:t> </a:t>
+                </a:r>
+              </a:p>
+            </p:txBody>
+          </p:sp>
+        </mc:Fallback>
+      </mc:AlternateContent>
+      <p:sp>
+        <p:nvSpPr>
+          <p:cNvPr id="17" name="Rounded Rectangle 16">
+            <a:extLst>
+              <a:ext uri="{FF2B5EF4-FFF2-40B4-BE49-F238E27FC236}">
+                <a16:creationId xmlns:a16="http://schemas.microsoft.com/office/drawing/2014/main" id="{95CBAA8C-9C65-0673-E96F-3209F67CA4E3}"/>
+              </a:ext>
+            </a:extLst>
+          </p:cNvPr>
+          <p:cNvSpPr/>
+          <p:nvPr/>
+        </p:nvSpPr>
+        <p:spPr>
+          <a:xfrm>
+            <a:off x="2167639" y="2589489"/>
+            <a:ext cx="1476460" cy="429368"/>
+          </a:xfrm>
+          <a:prstGeom prst="roundRect">
+            <a:avLst/>
+          </a:prstGeom>
+          <a:solidFill>
+            <a:srgbClr val="DEB0A4"/>
+          </a:solidFill>
+          <a:ln>
+            <a:solidFill>
+              <a:srgbClr val="9E515D"/>
+            </a:solidFill>
+          </a:ln>
+        </p:spPr>
+        <p:style>
+          <a:lnRef idx="2">
+            <a:schemeClr val="accent1">
+              <a:shade val="15000"/>
+            </a:schemeClr>
+          </a:lnRef>
+          <a:fillRef idx="1">
+            <a:schemeClr val="accent1"/>
+          </a:fillRef>
+          <a:effectRef idx="0">
+            <a:schemeClr val="accent1"/>
+          </a:effectRef>
+          <a:fontRef idx="minor">
+            <a:schemeClr val="lt1"/>
+          </a:fontRef>
+        </p:style>
+        <p:txBody>
+          <a:bodyPr rtlCol="0" anchor="ctr"/>
+          <a:lstStyle/>
+          <a:p>
+            <a:pPr algn="ctr"/>
+            <a:r>
+              <a:rPr lang="en-US" altLang="zh-CN"/>
+              <a:t>is_week</a:t>
+            </a:r>
+            <a:endParaRPr lang="en-CN"/>
+          </a:p>
+        </p:txBody>
+      </p:sp>
+      <p:cxnSp>
+        <p:nvCxnSpPr>
+          <p:cNvPr id="18" name="Straight Arrow Connector 17">
+            <a:extLst>
+              <a:ext uri="{FF2B5EF4-FFF2-40B4-BE49-F238E27FC236}">
+                <a16:creationId xmlns:a16="http://schemas.microsoft.com/office/drawing/2014/main" id="{78BA0B65-89D1-18DA-75D3-3CF6F8041705}"/>
+              </a:ext>
+            </a:extLst>
+          </p:cNvPr>
+          <p:cNvCxnSpPr>
+            <a:stCxn id="16" idx="3"/>
+            <a:endCxn id="17" idx="1"/>
+          </p:cNvCxnSpPr>
+          <p:nvPr/>
+        </p:nvCxnSpPr>
+        <p:spPr>
+          <a:xfrm>
+            <a:off x="1788160" y="2799840"/>
+            <a:ext cx="379479" cy="4333"/>
+          </a:xfrm>
+          <a:prstGeom prst="straightConnector1">
+            <a:avLst/>
+          </a:prstGeom>
+          <a:ln>
+            <a:solidFill>
+              <a:srgbClr val="DEB0A4"/>
+            </a:solidFill>
+            <a:tailEnd type="triangle"/>
+          </a:ln>
+        </p:spPr>
+        <p:style>
+          <a:lnRef idx="1">
+            <a:schemeClr val="accent1"/>
+          </a:lnRef>
+          <a:fillRef idx="0">
+            <a:schemeClr val="accent1"/>
+          </a:fillRef>
+          <a:effectRef idx="0">
+            <a:schemeClr val="accent1"/>
+          </a:effectRef>
+          <a:fontRef idx="minor">
+            <a:schemeClr val="tx1"/>
+          </a:fontRef>
+        </p:style>
+      </p:cxnSp>
+      <mc:AlternateContent xmlns:mc="http://schemas.openxmlformats.org/markup-compatibility/2006">
+        <mc:Choice xmlns:a14="http://schemas.microsoft.com/office/drawing/2010/main" Requires="a14">
+          <p:sp>
+            <p:nvSpPr>
+              <p:cNvPr id="19" name="Rounded Rectangle 18">
+                <a:extLst>
+                  <a:ext uri="{FF2B5EF4-FFF2-40B4-BE49-F238E27FC236}">
+                    <a16:creationId xmlns:a16="http://schemas.microsoft.com/office/drawing/2014/main" id="{9ECF49FD-E107-211C-B28E-FF40A5967454}"/>
+                  </a:ext>
+                </a:extLst>
+              </p:cNvPr>
+              <p:cNvSpPr/>
+              <p:nvPr/>
+            </p:nvSpPr>
+            <p:spPr>
+              <a:xfrm>
+                <a:off x="311700" y="3147918"/>
+                <a:ext cx="1476460" cy="429368"/>
+              </a:xfrm>
+              <a:prstGeom prst="roundRect">
+                <a:avLst/>
+              </a:prstGeom>
+              <a:solidFill>
+                <a:srgbClr val="DEB0A4"/>
+              </a:solidFill>
+              <a:ln>
+                <a:solidFill>
+                  <a:srgbClr val="9E515D"/>
+                </a:solidFill>
+              </a:ln>
+            </p:spPr>
+            <p:style>
+              <a:lnRef idx="2">
+                <a:schemeClr val="accent1">
+                  <a:shade val="15000"/>
+                </a:schemeClr>
+              </a:lnRef>
+              <a:fillRef idx="1">
+                <a:schemeClr val="accent1"/>
+              </a:fillRef>
+              <a:effectRef idx="0">
+                <a:schemeClr val="accent1"/>
+              </a:effectRef>
+              <a:fontRef idx="minor">
+                <a:schemeClr val="lt1"/>
+              </a:fontRef>
+            </p:style>
+            <p:txBody>
+              <a:bodyPr rtlCol="0" anchor="ctr"/>
+              <a:lstStyle/>
+              <a:p>
+                <a:pPr algn="ctr"/>
+                <a:r>
+                  <a:rPr lang="en-US" altLang="zh-CN"/>
+                  <a:t>w</a:t>
+                </a:r>
+                <a:r>
+                  <a:rPr lang="zh-CN" altLang="en-US"/>
+                  <a:t> </a:t>
+                </a:r>
+                <a14:m>
+                  <m:oMath xmlns:m="http://schemas.openxmlformats.org/officeDocument/2006/math">
+                    <m:r>
+                      <a:rPr lang="zh-CN" altLang="en-US" i="1">
+                        <a:latin typeface="Cambria Math" panose="02040503050406030204" pitchFamily="18" charset="0"/>
+                      </a:rPr>
+                      <m:t>∈</m:t>
+                    </m:r>
+                  </m:oMath>
+                </a14:m>
+                <a:r>
+                  <a:rPr lang="zh-CN" altLang="en-US"/>
+                  <a:t> </a:t>
+                </a:r>
+                <a:r>
+                  <a:rPr lang="en-US" altLang="zh-CN"/>
+                  <a:t>Country</a:t>
+                </a:r>
+                <a:endParaRPr lang="en-CN"/>
+              </a:p>
+            </p:txBody>
+          </p:sp>
+        </mc:Choice>
+        <mc:Fallback>
+          <p:sp>
+            <p:nvSpPr>
+              <p:cNvPr id="19" name="Rounded Rectangle 18">
+                <a:extLst>
+                  <a:ext uri="{FF2B5EF4-FFF2-40B4-BE49-F238E27FC236}">
+                    <a16:creationId xmlns:a16="http://schemas.microsoft.com/office/drawing/2014/main" id="{9ECF49FD-E107-211C-B28E-FF40A5967454}"/>
+                  </a:ext>
+                </a:extLst>
+              </p:cNvPr>
+              <p:cNvSpPr>
+                <a:spLocks noRot="1" noChangeAspect="1" noMove="1" noResize="1" noEditPoints="1" noAdjustHandles="1" noChangeArrowheads="1" noChangeShapeType="1" noTextEdit="1"/>
+              </p:cNvSpPr>
+              <p:nvPr/>
+            </p:nvSpPr>
+            <p:spPr>
+              <a:xfrm>
+                <a:off x="311700" y="3147918"/>
+                <a:ext cx="1476460" cy="429368"/>
+              </a:xfrm>
+              <a:prstGeom prst="roundRect">
+                <a:avLst/>
+              </a:prstGeom>
+              <a:blipFill>
+                <a:blip r:embed="rId6"/>
+                <a:stretch>
+                  <a:fillRect/>
+                </a:stretch>
+              </a:blipFill>
+              <a:ln>
+                <a:solidFill>
+                  <a:srgbClr val="9E515D"/>
+                </a:solidFill>
+              </a:ln>
+            </p:spPr>
+            <p:txBody>
+              <a:bodyPr/>
+              <a:lstStyle/>
+              <a:p>
+                <a:r>
+                  <a:rPr lang="en-CN">
+                    <a:noFill/>
+                  </a:rPr>
+                  <a:t> </a:t>
+                </a:r>
+              </a:p>
+            </p:txBody>
+          </p:sp>
+        </mc:Fallback>
+      </mc:AlternateContent>
+      <p:sp>
+        <p:nvSpPr>
+          <p:cNvPr id="20" name="Rounded Rectangle 19">
+            <a:extLst>
+              <a:ext uri="{FF2B5EF4-FFF2-40B4-BE49-F238E27FC236}">
+                <a16:creationId xmlns:a16="http://schemas.microsoft.com/office/drawing/2014/main" id="{CA8B2444-A5A9-0DDA-C455-6C382DBED01F}"/>
+              </a:ext>
+            </a:extLst>
+          </p:cNvPr>
+          <p:cNvSpPr/>
+          <p:nvPr/>
+        </p:nvSpPr>
+        <p:spPr>
+          <a:xfrm>
+            <a:off x="2167639" y="3152250"/>
+            <a:ext cx="1476460" cy="429368"/>
+          </a:xfrm>
+          <a:prstGeom prst="roundRect">
+            <a:avLst/>
+          </a:prstGeom>
+          <a:solidFill>
+            <a:srgbClr val="DEB0A4"/>
+          </a:solidFill>
+          <a:ln>
+            <a:solidFill>
+              <a:srgbClr val="9E515D"/>
+            </a:solidFill>
+          </a:ln>
+        </p:spPr>
+        <p:style>
+          <a:lnRef idx="2">
+            <a:schemeClr val="accent1">
+              <a:shade val="15000"/>
+            </a:schemeClr>
+          </a:lnRef>
+          <a:fillRef idx="1">
+            <a:schemeClr val="accent1"/>
+          </a:fillRef>
+          <a:effectRef idx="0">
+            <a:schemeClr val="accent1"/>
+          </a:effectRef>
+          <a:fontRef idx="minor">
+            <a:schemeClr val="lt1"/>
+          </a:fontRef>
+        </p:style>
+        <p:txBody>
+          <a:bodyPr rtlCol="0" anchor="ctr"/>
+          <a:lstStyle/>
+          <a:p>
+            <a:pPr algn="ctr"/>
+            <a:r>
+              <a:rPr lang="en-US" altLang="zh-CN"/>
+              <a:t>is_country</a:t>
+            </a:r>
+            <a:endParaRPr lang="en-CN"/>
+          </a:p>
+        </p:txBody>
+      </p:sp>
+      <p:cxnSp>
+        <p:nvCxnSpPr>
+          <p:cNvPr id="21" name="Straight Arrow Connector 20">
+            <a:extLst>
+              <a:ext uri="{FF2B5EF4-FFF2-40B4-BE49-F238E27FC236}">
+                <a16:creationId xmlns:a16="http://schemas.microsoft.com/office/drawing/2014/main" id="{19A3BC85-F063-E772-7276-3F122A164FB1}"/>
+              </a:ext>
+            </a:extLst>
+          </p:cNvPr>
+          <p:cNvCxnSpPr>
+            <a:stCxn id="19" idx="3"/>
+            <a:endCxn id="20" idx="1"/>
+          </p:cNvCxnSpPr>
+          <p:nvPr/>
+        </p:nvCxnSpPr>
+        <p:spPr>
+          <a:xfrm>
+            <a:off x="1788160" y="3362602"/>
+            <a:ext cx="379479" cy="4333"/>
+          </a:xfrm>
+          <a:prstGeom prst="straightConnector1">
+            <a:avLst/>
+          </a:prstGeom>
+          <a:ln>
+            <a:solidFill>
+              <a:srgbClr val="DEB0A4"/>
+            </a:solidFill>
+            <a:tailEnd type="triangle"/>
+          </a:ln>
+        </p:spPr>
+        <p:style>
+          <a:lnRef idx="1">
+            <a:schemeClr val="accent1"/>
+          </a:lnRef>
+          <a:fillRef idx="0">
+            <a:schemeClr val="accent1"/>
+          </a:fillRef>
+          <a:effectRef idx="0">
+            <a:schemeClr val="accent1"/>
+          </a:effectRef>
+          <a:fontRef idx="minor">
+            <a:schemeClr val="tx1"/>
+          </a:fontRef>
+        </p:style>
+      </p:cxnSp>
+      <mc:AlternateContent xmlns:mc="http://schemas.openxmlformats.org/markup-compatibility/2006">
+        <mc:Choice xmlns:a14="http://schemas.microsoft.com/office/drawing/2010/main" Requires="a14">
+          <p:sp>
+            <p:nvSpPr>
+              <p:cNvPr id="22" name="Rounded Rectangle 21">
+                <a:extLst>
+                  <a:ext uri="{FF2B5EF4-FFF2-40B4-BE49-F238E27FC236}">
+                    <a16:creationId xmlns:a16="http://schemas.microsoft.com/office/drawing/2014/main" id="{083399CC-A663-5DA7-5ADF-81F540AB6E5D}"/>
+                  </a:ext>
+                </a:extLst>
+              </p:cNvPr>
+              <p:cNvSpPr/>
+              <p:nvPr/>
+            </p:nvSpPr>
+            <p:spPr>
+              <a:xfrm>
+                <a:off x="311700" y="3706346"/>
+                <a:ext cx="1476460" cy="429368"/>
+              </a:xfrm>
+              <a:prstGeom prst="roundRect">
+                <a:avLst/>
+              </a:prstGeom>
+              <a:solidFill>
+                <a:srgbClr val="DEB0A4"/>
+              </a:solidFill>
+              <a:ln>
+                <a:solidFill>
+                  <a:srgbClr val="9E515D"/>
+                </a:solidFill>
+              </a:ln>
+            </p:spPr>
+            <p:style>
+              <a:lnRef idx="2">
+                <a:schemeClr val="accent1">
+                  <a:shade val="15000"/>
+                </a:schemeClr>
+              </a:lnRef>
+              <a:fillRef idx="1">
+                <a:schemeClr val="accent1"/>
+              </a:fillRef>
+              <a:effectRef idx="0">
+                <a:schemeClr val="accent1"/>
+              </a:effectRef>
+              <a:fontRef idx="minor">
+                <a:schemeClr val="lt1"/>
+              </a:fontRef>
+            </p:style>
+            <p:txBody>
+              <a:bodyPr rtlCol="0" anchor="ctr"/>
+              <a:lstStyle/>
+              <a:p>
+                <a:pPr algn="ctr"/>
+                <a:r>
+                  <a:rPr lang="en-US" altLang="zh-CN"/>
+                  <a:t>w</a:t>
+                </a:r>
+                <a:r>
+                  <a:rPr lang="zh-CN" altLang="en-US"/>
+                  <a:t> </a:t>
+                </a:r>
+                <a14:m>
+                  <m:oMath xmlns:m="http://schemas.openxmlformats.org/officeDocument/2006/math">
+                    <m:r>
+                      <a:rPr lang="zh-CN" altLang="en-US" i="1">
+                        <a:latin typeface="Cambria Math" panose="02040503050406030204" pitchFamily="18" charset="0"/>
+                      </a:rPr>
+                      <m:t>∈</m:t>
+                    </m:r>
+                  </m:oMath>
+                </a14:m>
+                <a:r>
+                  <a:rPr lang="zh-CN" altLang="en-US"/>
+                  <a:t> </a:t>
+                </a:r>
+                <a:r>
+                  <a:rPr lang="en-US" altLang="zh-CN"/>
+                  <a:t>City</a:t>
+                </a:r>
+                <a:endParaRPr lang="en-CN"/>
+              </a:p>
+            </p:txBody>
+          </p:sp>
+        </mc:Choice>
+        <mc:Fallback>
+          <p:sp>
+            <p:nvSpPr>
+              <p:cNvPr id="22" name="Rounded Rectangle 21">
+                <a:extLst>
+                  <a:ext uri="{FF2B5EF4-FFF2-40B4-BE49-F238E27FC236}">
+                    <a16:creationId xmlns:a16="http://schemas.microsoft.com/office/drawing/2014/main" id="{083399CC-A663-5DA7-5ADF-81F540AB6E5D}"/>
+                  </a:ext>
+                </a:extLst>
+              </p:cNvPr>
+              <p:cNvSpPr>
+                <a:spLocks noRot="1" noChangeAspect="1" noMove="1" noResize="1" noEditPoints="1" noAdjustHandles="1" noChangeArrowheads="1" noChangeShapeType="1" noTextEdit="1"/>
+              </p:cNvSpPr>
+              <p:nvPr/>
+            </p:nvSpPr>
+            <p:spPr>
+              <a:xfrm>
+                <a:off x="311700" y="3706346"/>
+                <a:ext cx="1476460" cy="429368"/>
+              </a:xfrm>
+              <a:prstGeom prst="roundRect">
+                <a:avLst/>
+              </a:prstGeom>
+              <a:blipFill>
+                <a:blip r:embed="rId7"/>
+                <a:stretch>
+                  <a:fillRect/>
+                </a:stretch>
+              </a:blipFill>
+              <a:ln>
+                <a:solidFill>
+                  <a:srgbClr val="9E515D"/>
+                </a:solidFill>
+              </a:ln>
+            </p:spPr>
+            <p:txBody>
+              <a:bodyPr/>
+              <a:lstStyle/>
+              <a:p>
+                <a:r>
+                  <a:rPr lang="en-CN">
+                    <a:noFill/>
+                  </a:rPr>
+                  <a:t> </a:t>
+                </a:r>
+              </a:p>
+            </p:txBody>
+          </p:sp>
+        </mc:Fallback>
+      </mc:AlternateContent>
+      <p:sp>
+        <p:nvSpPr>
+          <p:cNvPr id="23" name="Rounded Rectangle 22">
+            <a:extLst>
+              <a:ext uri="{FF2B5EF4-FFF2-40B4-BE49-F238E27FC236}">
+                <a16:creationId xmlns:a16="http://schemas.microsoft.com/office/drawing/2014/main" id="{93746431-BF02-6C79-0127-ABAD2A8F7C60}"/>
+              </a:ext>
+            </a:extLst>
+          </p:cNvPr>
+          <p:cNvSpPr/>
+          <p:nvPr/>
+        </p:nvSpPr>
+        <p:spPr>
+          <a:xfrm>
+            <a:off x="2167639" y="3710679"/>
+            <a:ext cx="1476460" cy="429368"/>
+          </a:xfrm>
+          <a:prstGeom prst="roundRect">
+            <a:avLst/>
+          </a:prstGeom>
+          <a:solidFill>
+            <a:srgbClr val="DEB0A4"/>
+          </a:solidFill>
+          <a:ln>
+            <a:solidFill>
+              <a:srgbClr val="9E515D"/>
+            </a:solidFill>
+          </a:ln>
+        </p:spPr>
+        <p:style>
+          <a:lnRef idx="2">
+            <a:schemeClr val="accent1">
+              <a:shade val="15000"/>
+            </a:schemeClr>
+          </a:lnRef>
+          <a:fillRef idx="1">
+            <a:schemeClr val="accent1"/>
+          </a:fillRef>
+          <a:effectRef idx="0">
+            <a:schemeClr val="accent1"/>
+          </a:effectRef>
+          <a:fontRef idx="minor">
+            <a:schemeClr val="lt1"/>
+          </a:fontRef>
+        </p:style>
+        <p:txBody>
+          <a:bodyPr rtlCol="0" anchor="ctr"/>
+          <a:lstStyle/>
+          <a:p>
+            <a:pPr algn="ctr"/>
+            <a:r>
+              <a:rPr lang="en-US" altLang="zh-CN"/>
+              <a:t>is_city</a:t>
+            </a:r>
+            <a:endParaRPr lang="en-CN"/>
+          </a:p>
+        </p:txBody>
+      </p:sp>
+      <p:cxnSp>
+        <p:nvCxnSpPr>
+          <p:cNvPr id="24" name="Straight Arrow Connector 23">
+            <a:extLst>
+              <a:ext uri="{FF2B5EF4-FFF2-40B4-BE49-F238E27FC236}">
+                <a16:creationId xmlns:a16="http://schemas.microsoft.com/office/drawing/2014/main" id="{FD9EFC21-53DD-AF1C-9DF8-A403AE854AA7}"/>
+              </a:ext>
+            </a:extLst>
+          </p:cNvPr>
+          <p:cNvCxnSpPr>
+            <a:stCxn id="22" idx="3"/>
+            <a:endCxn id="23" idx="1"/>
+          </p:cNvCxnSpPr>
+          <p:nvPr/>
+        </p:nvCxnSpPr>
+        <p:spPr>
+          <a:xfrm>
+            <a:off x="1788160" y="3921030"/>
+            <a:ext cx="379479" cy="4333"/>
+          </a:xfrm>
+          <a:prstGeom prst="straightConnector1">
+            <a:avLst/>
+          </a:prstGeom>
+          <a:ln>
+            <a:solidFill>
+              <a:srgbClr val="DEB0A4"/>
+            </a:solidFill>
+            <a:tailEnd type="triangle"/>
+          </a:ln>
+        </p:spPr>
+        <p:style>
+          <a:lnRef idx="1">
+            <a:schemeClr val="accent1"/>
+          </a:lnRef>
+          <a:fillRef idx="0">
+            <a:schemeClr val="accent1"/>
+          </a:fillRef>
+          <a:effectRef idx="0">
+            <a:schemeClr val="accent1"/>
+          </a:effectRef>
+          <a:fontRef idx="minor">
+            <a:schemeClr val="tx1"/>
+          </a:fontRef>
+        </p:style>
+      </p:cxnSp>
+      <mc:AlternateContent xmlns:mc="http://schemas.openxmlformats.org/markup-compatibility/2006">
+        <mc:Choice xmlns:a14="http://schemas.microsoft.com/office/drawing/2010/main" Requires="a14">
+          <p:sp>
+            <p:nvSpPr>
+              <p:cNvPr id="26" name="Rounded Rectangle 25">
+                <a:extLst>
+                  <a:ext uri="{FF2B5EF4-FFF2-40B4-BE49-F238E27FC236}">
+                    <a16:creationId xmlns:a16="http://schemas.microsoft.com/office/drawing/2014/main" id="{AACC5EC8-EE51-1863-5D45-75968B208F74}"/>
+                  </a:ext>
+                </a:extLst>
+              </p:cNvPr>
+              <p:cNvSpPr/>
+              <p:nvPr/>
+            </p:nvSpPr>
+            <p:spPr>
+              <a:xfrm>
+                <a:off x="311700" y="4264774"/>
+                <a:ext cx="1476460" cy="429368"/>
+              </a:xfrm>
+              <a:prstGeom prst="roundRect">
+                <a:avLst/>
+              </a:prstGeom>
+              <a:solidFill>
+                <a:srgbClr val="DEB0A4"/>
+              </a:solidFill>
+              <a:ln>
+                <a:solidFill>
+                  <a:srgbClr val="9E515D"/>
+                </a:solidFill>
+              </a:ln>
+            </p:spPr>
+            <p:style>
+              <a:lnRef idx="2">
+                <a:schemeClr val="accent1">
+                  <a:shade val="15000"/>
+                </a:schemeClr>
+              </a:lnRef>
+              <a:fillRef idx="1">
+                <a:schemeClr val="accent1"/>
+              </a:fillRef>
+              <a:effectRef idx="0">
+                <a:schemeClr val="accent1"/>
+              </a:effectRef>
+              <a:fontRef idx="minor">
+                <a:schemeClr val="lt1"/>
+              </a:fontRef>
+            </p:style>
+            <p:txBody>
+              <a:bodyPr rtlCol="0" anchor="ctr"/>
+              <a:lstStyle/>
+              <a:p>
+                <a:pPr algn="ctr"/>
+                <a:r>
+                  <a:rPr lang="en-US" altLang="zh-CN"/>
+                  <a:t>w</a:t>
+                </a:r>
+                <a:r>
+                  <a:rPr lang="zh-CN" altLang="en-US"/>
+                  <a:t> </a:t>
+                </a:r>
+                <a14:m>
+                  <m:oMath xmlns:m="http://schemas.openxmlformats.org/officeDocument/2006/math">
+                    <m:r>
+                      <a:rPr lang="zh-CN" altLang="en-US" i="1">
+                        <a:latin typeface="Cambria Math" panose="02040503050406030204" pitchFamily="18" charset="0"/>
+                      </a:rPr>
+                      <m:t>∈</m:t>
+                    </m:r>
+                  </m:oMath>
+                </a14:m>
+                <a:r>
+                  <a:rPr lang="zh-CN" altLang="en-US"/>
+                  <a:t> </a:t>
+                </a:r>
+                <a:r>
+                  <a:rPr lang="en-US" altLang="zh-CN"/>
+                  <a:t>StopWords</a:t>
+                </a:r>
+                <a:endParaRPr lang="en-CN"/>
+              </a:p>
+            </p:txBody>
+          </p:sp>
+        </mc:Choice>
+        <mc:Fallback>
+          <p:sp>
+            <p:nvSpPr>
+              <p:cNvPr id="26" name="Rounded Rectangle 25">
+                <a:extLst>
+                  <a:ext uri="{FF2B5EF4-FFF2-40B4-BE49-F238E27FC236}">
+                    <a16:creationId xmlns:a16="http://schemas.microsoft.com/office/drawing/2014/main" id="{AACC5EC8-EE51-1863-5D45-75968B208F74}"/>
+                  </a:ext>
+                </a:extLst>
+              </p:cNvPr>
+              <p:cNvSpPr>
+                <a:spLocks noRot="1" noChangeAspect="1" noMove="1" noResize="1" noEditPoints="1" noAdjustHandles="1" noChangeArrowheads="1" noChangeShapeType="1" noTextEdit="1"/>
+              </p:cNvSpPr>
+              <p:nvPr/>
+            </p:nvSpPr>
+            <p:spPr>
+              <a:xfrm>
+                <a:off x="311700" y="4264774"/>
+                <a:ext cx="1476460" cy="429368"/>
+              </a:xfrm>
+              <a:prstGeom prst="roundRect">
+                <a:avLst/>
+              </a:prstGeom>
+              <a:blipFill>
+                <a:blip r:embed="rId8"/>
+                <a:stretch>
+                  <a:fillRect/>
+                </a:stretch>
+              </a:blipFill>
+              <a:ln>
+                <a:solidFill>
+                  <a:srgbClr val="9E515D"/>
+                </a:solidFill>
+              </a:ln>
+            </p:spPr>
+            <p:txBody>
+              <a:bodyPr/>
+              <a:lstStyle/>
+              <a:p>
+                <a:r>
+                  <a:rPr lang="en-CN">
+                    <a:noFill/>
+                  </a:rPr>
+                  <a:t> </a:t>
+                </a:r>
+              </a:p>
+            </p:txBody>
+          </p:sp>
+        </mc:Fallback>
+      </mc:AlternateContent>
+      <p:sp>
+        <p:nvSpPr>
+          <p:cNvPr id="27" name="Rounded Rectangle 26">
+            <a:extLst>
+              <a:ext uri="{FF2B5EF4-FFF2-40B4-BE49-F238E27FC236}">
+                <a16:creationId xmlns:a16="http://schemas.microsoft.com/office/drawing/2014/main" id="{C2DA6C34-9366-FEB9-76C9-8FAC709B7993}"/>
+              </a:ext>
+            </a:extLst>
+          </p:cNvPr>
+          <p:cNvSpPr/>
+          <p:nvPr/>
+        </p:nvSpPr>
+        <p:spPr>
+          <a:xfrm>
+            <a:off x="2167639" y="4269107"/>
+            <a:ext cx="1476460" cy="429368"/>
+          </a:xfrm>
+          <a:prstGeom prst="roundRect">
+            <a:avLst/>
+          </a:prstGeom>
+          <a:solidFill>
+            <a:srgbClr val="DEB0A4"/>
+          </a:solidFill>
+          <a:ln>
+            <a:solidFill>
+              <a:srgbClr val="9E515D"/>
+            </a:solidFill>
+          </a:ln>
+        </p:spPr>
+        <p:style>
+          <a:lnRef idx="2">
+            <a:schemeClr val="accent1">
+              <a:shade val="15000"/>
+            </a:schemeClr>
+          </a:lnRef>
+          <a:fillRef idx="1">
+            <a:schemeClr val="accent1"/>
+          </a:fillRef>
+          <a:effectRef idx="0">
+            <a:schemeClr val="accent1"/>
+          </a:effectRef>
+          <a:fontRef idx="minor">
+            <a:schemeClr val="lt1"/>
+          </a:fontRef>
+        </p:style>
+        <p:txBody>
+          <a:bodyPr rtlCol="0" anchor="ctr"/>
+          <a:lstStyle/>
+          <a:p>
+            <a:pPr algn="ctr"/>
+            <a:r>
+              <a:rPr lang="en-US" altLang="zh-CN"/>
+              <a:t>is_stopwords</a:t>
+            </a:r>
+            <a:endParaRPr lang="en-CN"/>
+          </a:p>
+        </p:txBody>
+      </p:sp>
+      <p:cxnSp>
+        <p:nvCxnSpPr>
+          <p:cNvPr id="28" name="Straight Arrow Connector 27">
+            <a:extLst>
+              <a:ext uri="{FF2B5EF4-FFF2-40B4-BE49-F238E27FC236}">
+                <a16:creationId xmlns:a16="http://schemas.microsoft.com/office/drawing/2014/main" id="{645D5C27-FE3F-4D19-8981-FFEEC19369ED}"/>
+              </a:ext>
+            </a:extLst>
+          </p:cNvPr>
+          <p:cNvCxnSpPr>
+            <a:stCxn id="26" idx="3"/>
+            <a:endCxn id="27" idx="1"/>
+          </p:cNvCxnSpPr>
+          <p:nvPr/>
+        </p:nvCxnSpPr>
+        <p:spPr>
+          <a:xfrm>
+            <a:off x="1788160" y="4479458"/>
+            <a:ext cx="379479" cy="4333"/>
+          </a:xfrm>
+          <a:prstGeom prst="straightConnector1">
+            <a:avLst/>
+          </a:prstGeom>
+          <a:ln>
+            <a:solidFill>
+              <a:srgbClr val="DEB0A4"/>
+            </a:solidFill>
+            <a:tailEnd type="triangle"/>
+          </a:ln>
+        </p:spPr>
+        <p:style>
+          <a:lnRef idx="1">
+            <a:schemeClr val="accent1"/>
+          </a:lnRef>
+          <a:fillRef idx="0">
+            <a:schemeClr val="accent1"/>
+          </a:fillRef>
+          <a:effectRef idx="0">
+            <a:schemeClr val="accent1"/>
+          </a:effectRef>
+          <a:fontRef idx="minor">
+            <a:schemeClr val="tx1"/>
+          </a:fontRef>
+        </p:style>
+      </p:cxnSp>
+    </p:spTree>
+    <p:extLst>
+      <p:ext uri="{BB962C8B-B14F-4D97-AF65-F5344CB8AC3E}">
+        <p14:creationId xmlns:p14="http://schemas.microsoft.com/office/powerpoint/2010/main" val="3613551429"/>
+      </p:ext>
+    </p:extLst>
+  </p:cSld>
+  <p:clrMapOvr>
+    <a:masterClrMapping/>
+  </p:clrMapOvr>
+</p:sld>
+</file>
+
+<file path=ppt/slides/slide21.xml><?xml version="1.0" encoding="utf-8"?>
+<p:sld xmlns:a="http://schemas.openxmlformats.org/drawingml/2006/main" xmlns:r="http://schemas.openxmlformats.org/officeDocument/2006/relationships" xmlns:p="http://schemas.openxmlformats.org/presentationml/2006/main">
+  <p:cSld>
+    <p:spTree>
+      <p:nvGrpSpPr>
+        <p:cNvPr id="1" name=""/>
+        <p:cNvGrpSpPr/>
+        <p:nvPr/>
+      </p:nvGrpSpPr>
+      <p:grpSpPr>
+        <a:xfrm>
+          <a:off x="0" y="0"/>
+          <a:ext cx="0" cy="0"/>
+          <a:chOff x="0" y="0"/>
+          <a:chExt cx="0" cy="0"/>
+        </a:xfrm>
+      </p:grpSpPr>
+      <p:sp>
+        <p:nvSpPr>
+          <p:cNvPr id="2" name="Title 1">
+            <a:extLst>
+              <a:ext uri="{FF2B5EF4-FFF2-40B4-BE49-F238E27FC236}">
+                <a16:creationId xmlns:a16="http://schemas.microsoft.com/office/drawing/2014/main" id="{29648C70-99A1-C031-170B-8B1A5F2968F0}"/>
+              </a:ext>
+            </a:extLst>
+          </p:cNvPr>
+          <p:cNvSpPr>
+            <a:spLocks noGrp="1"/>
+          </p:cNvSpPr>
+          <p:nvPr>
+            <p:ph type="title"/>
+          </p:nvPr>
+        </p:nvSpPr>
+        <p:spPr/>
+        <p:txBody>
+          <a:bodyPr>
+            <a:normAutofit fontScale="90000"/>
+          </a:bodyPr>
+          <a:lstStyle/>
+          <a:p>
+            <a:r>
+              <a:rPr lang="zh-CN"/>
+              <a:t>/ Evaluations and Demo / </a:t>
+            </a:r>
+            <a:r>
+              <a:rPr lang="en-US" altLang="zh-CN"/>
+              <a:t>Merge</a:t>
+            </a:r>
+            <a:r>
+              <a:rPr lang="zh-CN" altLang="en-US"/>
+              <a:t> </a:t>
+            </a:r>
+            <a:r>
+              <a:rPr lang="en-US" altLang="zh-CN"/>
+              <a:t>Library</a:t>
+            </a:r>
+            <a:r>
+              <a:rPr lang="zh-CN" altLang="en-US"/>
+              <a:t> </a:t>
+            </a:r>
+            <a:r>
+              <a:rPr lang="en-US" altLang="zh-CN"/>
+              <a:t>Features</a:t>
+            </a:r>
+            <a:endParaRPr lang="en-CN"/>
+          </a:p>
+        </p:txBody>
+      </p:sp>
+      <p:sp>
+        <p:nvSpPr>
+          <p:cNvPr id="4" name="Google Shape;179;p25">
+            <a:extLst>
+              <a:ext uri="{FF2B5EF4-FFF2-40B4-BE49-F238E27FC236}">
+                <a16:creationId xmlns:a16="http://schemas.microsoft.com/office/drawing/2014/main" id="{8E6F6120-1DF0-02F9-ABB7-B81676C6CD56}"/>
+              </a:ext>
+            </a:extLst>
+          </p:cNvPr>
+          <p:cNvSpPr txBox="1">
+            <a:spLocks/>
+          </p:cNvSpPr>
+          <p:nvPr/>
+        </p:nvSpPr>
+        <p:spPr>
+          <a:xfrm>
+            <a:off x="4572000" y="1152475"/>
+            <a:ext cx="4260200" cy="3416400"/>
+          </a:xfrm>
+          <a:prstGeom prst="rect">
+            <a:avLst/>
+          </a:prstGeom>
+          <a:noFill/>
+          <a:ln>
+            <a:noFill/>
+          </a:ln>
+        </p:spPr>
+        <p:txBody>
+          <a:bodyPr spcFirstLastPara="1" wrap="square" lIns="91425" tIns="91425" rIns="91425" bIns="91425" anchor="t" anchorCtr="0">
+            <a:normAutofit/>
+          </a:bodyPr>
+          <a:lstStyle>
+            <a:defPPr marR="0" lvl="0" algn="l" rtl="0">
+              <a:lnSpc>
+                <a:spcPct val="100000"/>
+              </a:lnSpc>
+              <a:spcBef>
+                <a:spcPts val="0"/>
+              </a:spcBef>
+              <a:spcAft>
+                <a:spcPts val="0"/>
+              </a:spcAft>
+            </a:defPPr>
+            <a:lvl1pPr marL="457200" marR="0" lvl="0" indent="-342900" algn="l" rtl="0">
+              <a:lnSpc>
+                <a:spcPct val="115000"/>
+              </a:lnSpc>
+              <a:spcBef>
+                <a:spcPts val="0"/>
+              </a:spcBef>
+              <a:spcAft>
+                <a:spcPts val="0"/>
+              </a:spcAft>
+              <a:buClr>
+                <a:schemeClr val="lt2"/>
+              </a:buClr>
+              <a:buSzPts val="1800"/>
+              <a:buFont typeface="Arial"/>
+              <a:buChar char="●"/>
+              <a:defRPr sz="1800" b="0" i="0" u="none" strike="noStrike" cap="none">
+                <a:solidFill>
+                  <a:schemeClr val="lt2"/>
+                </a:solidFill>
+                <a:latin typeface="Arial"/>
+                <a:ea typeface="Arial"/>
+                <a:cs typeface="Arial"/>
+                <a:sym typeface="Arial"/>
+              </a:defRPr>
+            </a:lvl1pPr>
+            <a:lvl2pPr marL="914400" marR="0" lvl="1" indent="-317500" algn="l" rtl="0">
+              <a:lnSpc>
+                <a:spcPct val="115000"/>
+              </a:lnSpc>
+              <a:spcBef>
+                <a:spcPts val="0"/>
+              </a:spcBef>
+              <a:spcAft>
+                <a:spcPts val="0"/>
+              </a:spcAft>
+              <a:buClr>
+                <a:schemeClr val="lt2"/>
+              </a:buClr>
+              <a:buSzPts val="1400"/>
+              <a:buFont typeface="Arial"/>
+              <a:buChar char="○"/>
+              <a:defRPr sz="1400" b="0" i="0" u="none" strike="noStrike" cap="none">
+                <a:solidFill>
+                  <a:schemeClr val="lt2"/>
+                </a:solidFill>
+                <a:latin typeface="Arial"/>
+                <a:ea typeface="Arial"/>
+                <a:cs typeface="Arial"/>
+                <a:sym typeface="Arial"/>
+              </a:defRPr>
+            </a:lvl2pPr>
+            <a:lvl3pPr marL="1371600" marR="0" lvl="2" indent="-317500" algn="l" rtl="0">
+              <a:lnSpc>
+                <a:spcPct val="115000"/>
+              </a:lnSpc>
+              <a:spcBef>
+                <a:spcPts val="0"/>
+              </a:spcBef>
+              <a:spcAft>
+                <a:spcPts val="0"/>
+              </a:spcAft>
+              <a:buClr>
+                <a:schemeClr val="lt2"/>
+              </a:buClr>
+              <a:buSzPts val="1400"/>
+              <a:buFont typeface="Arial"/>
+              <a:buChar char="■"/>
+              <a:defRPr sz="1400" b="0" i="0" u="none" strike="noStrike" cap="none">
+                <a:solidFill>
+                  <a:schemeClr val="lt2"/>
+                </a:solidFill>
+                <a:latin typeface="Arial"/>
+                <a:ea typeface="Arial"/>
+                <a:cs typeface="Arial"/>
+                <a:sym typeface="Arial"/>
+              </a:defRPr>
+            </a:lvl3pPr>
+            <a:lvl4pPr marL="1828800" marR="0" lvl="3" indent="-317500" algn="l" rtl="0">
+              <a:lnSpc>
+                <a:spcPct val="115000"/>
+              </a:lnSpc>
+              <a:spcBef>
+                <a:spcPts val="0"/>
+              </a:spcBef>
+              <a:spcAft>
+                <a:spcPts val="0"/>
+              </a:spcAft>
+              <a:buClr>
+                <a:schemeClr val="lt2"/>
+              </a:buClr>
+              <a:buSzPts val="1400"/>
+              <a:buFont typeface="Arial"/>
+              <a:buChar char="●"/>
+              <a:defRPr sz="1400" b="0" i="0" u="none" strike="noStrike" cap="none">
+                <a:solidFill>
+                  <a:schemeClr val="lt2"/>
+                </a:solidFill>
+                <a:latin typeface="Arial"/>
+                <a:ea typeface="Arial"/>
+                <a:cs typeface="Arial"/>
+                <a:sym typeface="Arial"/>
+              </a:defRPr>
+            </a:lvl4pPr>
+            <a:lvl5pPr marL="2286000" marR="0" lvl="4" indent="-317500" algn="l" rtl="0">
+              <a:lnSpc>
+                <a:spcPct val="115000"/>
+              </a:lnSpc>
+              <a:spcBef>
+                <a:spcPts val="0"/>
+              </a:spcBef>
+              <a:spcAft>
+                <a:spcPts val="0"/>
+              </a:spcAft>
+              <a:buClr>
+                <a:schemeClr val="lt2"/>
+              </a:buClr>
+              <a:buSzPts val="1400"/>
+              <a:buFont typeface="Arial"/>
+              <a:buChar char="○"/>
+              <a:defRPr sz="1400" b="0" i="0" u="none" strike="noStrike" cap="none">
+                <a:solidFill>
+                  <a:schemeClr val="lt2"/>
+                </a:solidFill>
+                <a:latin typeface="Arial"/>
+                <a:ea typeface="Arial"/>
+                <a:cs typeface="Arial"/>
+                <a:sym typeface="Arial"/>
+              </a:defRPr>
+            </a:lvl5pPr>
+            <a:lvl6pPr marL="2743200" marR="0" lvl="5" indent="-317500" algn="l" rtl="0">
+              <a:lnSpc>
+                <a:spcPct val="115000"/>
+              </a:lnSpc>
+              <a:spcBef>
+                <a:spcPts val="0"/>
+              </a:spcBef>
+              <a:spcAft>
+                <a:spcPts val="0"/>
+              </a:spcAft>
+              <a:buClr>
+                <a:schemeClr val="lt2"/>
+              </a:buClr>
+              <a:buSzPts val="1400"/>
+              <a:buFont typeface="Arial"/>
+              <a:buChar char="■"/>
+              <a:defRPr sz="1400" b="0" i="0" u="none" strike="noStrike" cap="none">
+                <a:solidFill>
+                  <a:schemeClr val="lt2"/>
+                </a:solidFill>
+                <a:latin typeface="Arial"/>
+                <a:ea typeface="Arial"/>
+                <a:cs typeface="Arial"/>
+                <a:sym typeface="Arial"/>
+              </a:defRPr>
+            </a:lvl6pPr>
+            <a:lvl7pPr marL="3200400" marR="0" lvl="6" indent="-317500" algn="l" rtl="0">
+              <a:lnSpc>
+                <a:spcPct val="115000"/>
+              </a:lnSpc>
+              <a:spcBef>
+                <a:spcPts val="0"/>
+              </a:spcBef>
+              <a:spcAft>
+                <a:spcPts val="0"/>
+              </a:spcAft>
+              <a:buClr>
+                <a:schemeClr val="lt2"/>
+              </a:buClr>
+              <a:buSzPts val="1400"/>
+              <a:buFont typeface="Arial"/>
+              <a:buChar char="●"/>
+              <a:defRPr sz="1400" b="0" i="0" u="none" strike="noStrike" cap="none">
+                <a:solidFill>
+                  <a:schemeClr val="lt2"/>
+                </a:solidFill>
+                <a:latin typeface="Arial"/>
+                <a:ea typeface="Arial"/>
+                <a:cs typeface="Arial"/>
+                <a:sym typeface="Arial"/>
+              </a:defRPr>
+            </a:lvl7pPr>
+            <a:lvl8pPr marL="3657600" marR="0" lvl="7" indent="-317500" algn="l" rtl="0">
+              <a:lnSpc>
+                <a:spcPct val="115000"/>
+              </a:lnSpc>
+              <a:spcBef>
+                <a:spcPts val="0"/>
+              </a:spcBef>
+              <a:spcAft>
+                <a:spcPts val="0"/>
+              </a:spcAft>
+              <a:buClr>
+                <a:schemeClr val="lt2"/>
+              </a:buClr>
+              <a:buSzPts val="1400"/>
+              <a:buFont typeface="Arial"/>
+              <a:buChar char="○"/>
+              <a:defRPr sz="1400" b="0" i="0" u="none" strike="noStrike" cap="none">
+                <a:solidFill>
+                  <a:schemeClr val="lt2"/>
+                </a:solidFill>
+                <a:latin typeface="Arial"/>
+                <a:ea typeface="Arial"/>
+                <a:cs typeface="Arial"/>
+                <a:sym typeface="Arial"/>
+              </a:defRPr>
+            </a:lvl8pPr>
+            <a:lvl9pPr marL="4114800" marR="0" lvl="8" indent="-317500" algn="l" rtl="0">
+              <a:lnSpc>
+                <a:spcPct val="115000"/>
+              </a:lnSpc>
+              <a:spcBef>
+                <a:spcPts val="0"/>
+              </a:spcBef>
+              <a:spcAft>
+                <a:spcPts val="0"/>
+              </a:spcAft>
+              <a:buClr>
+                <a:schemeClr val="lt2"/>
+              </a:buClr>
+              <a:buSzPts val="1400"/>
+              <a:buFont typeface="Arial"/>
+              <a:buChar char="■"/>
+              <a:defRPr sz="1400" b="0" i="0" u="none" strike="noStrike" cap="none">
+                <a:solidFill>
+                  <a:schemeClr val="lt2"/>
+                </a:solidFill>
+                <a:latin typeface="Arial"/>
+                <a:ea typeface="Arial"/>
+                <a:cs typeface="Arial"/>
+                <a:sym typeface="Arial"/>
+              </a:defRPr>
+            </a:lvl9pPr>
+          </a:lstStyle>
+          <a:p>
+            <a:pPr marL="0" indent="0">
+              <a:buFont typeface="Arial"/>
+              <a:buNone/>
+            </a:pPr>
+            <a:r>
+              <a:rPr lang="en-US" altLang="zh-CN"/>
+              <a:t>Library</a:t>
+            </a:r>
+            <a:r>
+              <a:rPr lang="zh-CN" altLang="en-US"/>
+              <a:t> </a:t>
+            </a:r>
+            <a:r>
+              <a:rPr lang="en-US" altLang="zh-CN"/>
+              <a:t>Features</a:t>
+            </a:r>
+            <a:r>
+              <a:rPr lang="zh-CN" altLang="en-US"/>
+              <a:t> </a:t>
+            </a:r>
+            <a:r>
+              <a:rPr lang="en-US" altLang="zh-CN"/>
+              <a:t>were</a:t>
+            </a:r>
+            <a:r>
+              <a:rPr lang="zh-CN" altLang="en-US"/>
+              <a:t> </a:t>
+            </a:r>
+            <a:r>
+              <a:rPr lang="en-US" altLang="zh-CN"/>
+              <a:t>dispersed</a:t>
+            </a:r>
+            <a:r>
+              <a:rPr lang="zh-CN" altLang="en-US"/>
+              <a:t> </a:t>
+            </a:r>
+            <a:r>
+              <a:rPr lang="en-US" altLang="zh-CN"/>
+              <a:t>at</a:t>
+            </a:r>
+            <a:r>
+              <a:rPr lang="zh-CN" altLang="en-US"/>
+              <a:t> </a:t>
+            </a:r>
+            <a:r>
+              <a:rPr lang="en-US" altLang="zh-CN"/>
+              <a:t>first</a:t>
+            </a:r>
+          </a:p>
+          <a:p>
+            <a:pPr marL="285750" indent="-285750">
+              <a:buFontTx/>
+              <a:buChar char="-"/>
+            </a:pPr>
+            <a:r>
+              <a:rPr lang="en-US" altLang="zh-CN"/>
+              <a:t>That</a:t>
+            </a:r>
+            <a:r>
+              <a:rPr lang="zh-CN" altLang="en-US"/>
+              <a:t> </a:t>
+            </a:r>
+            <a:r>
+              <a:rPr lang="en-US" altLang="zh-CN"/>
+              <a:t>is,</a:t>
+            </a:r>
+            <a:r>
+              <a:rPr lang="zh-CN" altLang="en-US"/>
+              <a:t> </a:t>
+            </a:r>
+            <a:r>
+              <a:rPr lang="en-US" altLang="zh-CN"/>
+              <a:t>one</a:t>
+            </a:r>
+            <a:r>
+              <a:rPr lang="zh-CN" altLang="en-US"/>
+              <a:t> </a:t>
+            </a:r>
+            <a:r>
+              <a:rPr lang="en-US" altLang="zh-CN"/>
+              <a:t>library</a:t>
+            </a:r>
+            <a:r>
+              <a:rPr lang="zh-CN" altLang="en-US"/>
+              <a:t> </a:t>
+            </a:r>
+            <a:r>
+              <a:rPr lang="en-US" altLang="zh-CN"/>
+              <a:t>matches</a:t>
+            </a:r>
+            <a:r>
+              <a:rPr lang="zh-CN" altLang="en-US"/>
+              <a:t> </a:t>
+            </a:r>
+            <a:r>
+              <a:rPr lang="en-US" altLang="zh-CN"/>
+              <a:t>to</a:t>
+            </a:r>
+            <a:r>
+              <a:rPr lang="zh-CN" altLang="en-US"/>
+              <a:t> </a:t>
+            </a:r>
+            <a:r>
+              <a:rPr lang="en-US" altLang="zh-CN"/>
+              <a:t>one</a:t>
+            </a:r>
+            <a:r>
+              <a:rPr lang="zh-CN" altLang="en-US"/>
+              <a:t> </a:t>
+            </a:r>
+            <a:r>
+              <a:rPr lang="en-US" altLang="zh-CN"/>
+              <a:t>feature</a:t>
+            </a:r>
+          </a:p>
+          <a:p>
+            <a:pPr marL="285750" indent="-285750">
+              <a:buFontTx/>
+              <a:buChar char="-"/>
+            </a:pPr>
+            <a:r>
+              <a:rPr lang="en-US" altLang="zh-CN"/>
+              <a:t>However,</a:t>
+            </a:r>
+            <a:r>
+              <a:rPr lang="zh-CN" altLang="en-US"/>
+              <a:t> </a:t>
+            </a:r>
+            <a:r>
+              <a:rPr lang="en-US" altLang="zh-CN"/>
+              <a:t>again,</a:t>
+            </a:r>
+            <a:r>
+              <a:rPr lang="zh-CN" altLang="en-US"/>
+              <a:t> </a:t>
+            </a:r>
+            <a:r>
+              <a:rPr lang="en-US" altLang="zh-CN"/>
+              <a:t>we</a:t>
+            </a:r>
+            <a:r>
+              <a:rPr lang="zh-CN" altLang="en-US"/>
+              <a:t> </a:t>
+            </a:r>
+            <a:r>
+              <a:rPr lang="en-US" altLang="zh-CN"/>
+              <a:t>don’t</a:t>
+            </a:r>
+            <a:r>
+              <a:rPr lang="zh-CN" altLang="en-US"/>
+              <a:t> </a:t>
+            </a:r>
+            <a:r>
+              <a:rPr lang="en-US" altLang="zh-CN"/>
+              <a:t>want</a:t>
+            </a:r>
+            <a:r>
+              <a:rPr lang="zh-CN" altLang="en-US"/>
+              <a:t> </a:t>
+            </a:r>
+            <a:r>
+              <a:rPr lang="en-US" altLang="zh-CN"/>
+              <a:t>to</a:t>
+            </a:r>
+            <a:r>
+              <a:rPr lang="zh-CN" altLang="en-US"/>
+              <a:t> </a:t>
+            </a:r>
+            <a:r>
+              <a:rPr lang="en-US" altLang="zh-CN"/>
+              <a:t>tell</a:t>
+            </a:r>
+            <a:r>
+              <a:rPr lang="zh-CN" altLang="en-US"/>
+              <a:t> </a:t>
+            </a:r>
+            <a:r>
+              <a:rPr lang="en-US" altLang="zh-CN"/>
+              <a:t>the</a:t>
+            </a:r>
+            <a:r>
+              <a:rPr lang="zh-CN" altLang="en-US"/>
+              <a:t> </a:t>
+            </a:r>
+            <a:r>
+              <a:rPr lang="en-US" altLang="zh-CN"/>
+              <a:t>model</a:t>
+            </a:r>
+            <a:r>
+              <a:rPr lang="zh-CN" altLang="en-US"/>
+              <a:t> </a:t>
+            </a:r>
+            <a:r>
+              <a:rPr lang="en-US" altLang="zh-CN"/>
+              <a:t>too</a:t>
+            </a:r>
+            <a:r>
+              <a:rPr lang="zh-CN" altLang="en-US"/>
+              <a:t> </a:t>
+            </a:r>
+            <a:r>
+              <a:rPr lang="en-US" altLang="zh-CN"/>
+              <a:t>much</a:t>
+            </a:r>
+            <a:r>
+              <a:rPr lang="zh-CN" altLang="en-US"/>
+              <a:t> </a:t>
+            </a:r>
+            <a:r>
+              <a:rPr lang="en-US" altLang="zh-CN"/>
+              <a:t>about</a:t>
+            </a:r>
+            <a:r>
+              <a:rPr lang="zh-CN" altLang="en-US"/>
+              <a:t> </a:t>
+            </a:r>
+            <a:r>
+              <a:rPr lang="en-US" altLang="zh-CN"/>
+              <a:t>“what</a:t>
+            </a:r>
+            <a:r>
+              <a:rPr lang="zh-CN" altLang="en-US"/>
+              <a:t> </a:t>
+            </a:r>
+            <a:r>
+              <a:rPr lang="en-US" altLang="zh-CN"/>
+              <a:t>not</a:t>
+            </a:r>
+            <a:r>
+              <a:rPr lang="zh-CN" altLang="en-US"/>
+              <a:t> </a:t>
+            </a:r>
+            <a:r>
+              <a:rPr lang="en-US" altLang="zh-CN"/>
+              <a:t>to</a:t>
+            </a:r>
+            <a:r>
+              <a:rPr lang="zh-CN" altLang="en-US"/>
+              <a:t> </a:t>
+            </a:r>
+            <a:r>
+              <a:rPr lang="en-US" altLang="zh-CN"/>
+              <a:t>do”,</a:t>
+            </a:r>
+            <a:r>
+              <a:rPr lang="zh-CN" altLang="en-US"/>
+              <a:t> </a:t>
+            </a:r>
+            <a:r>
+              <a:rPr lang="en-US" altLang="zh-CN"/>
+              <a:t>instead</a:t>
+            </a:r>
+            <a:r>
+              <a:rPr lang="zh-CN" altLang="en-US"/>
+              <a:t> </a:t>
+            </a:r>
+            <a:r>
+              <a:rPr lang="en-US" altLang="zh-CN"/>
+              <a:t>of</a:t>
+            </a:r>
+            <a:r>
+              <a:rPr lang="zh-CN" altLang="en-US"/>
+              <a:t> </a:t>
+            </a:r>
+            <a:r>
+              <a:rPr lang="en-US" altLang="zh-CN"/>
+              <a:t>what</a:t>
+            </a:r>
+            <a:r>
+              <a:rPr lang="zh-CN" altLang="en-US"/>
+              <a:t> </a:t>
+            </a:r>
+            <a:r>
+              <a:rPr lang="en-US" altLang="zh-CN"/>
+              <a:t>to</a:t>
+            </a:r>
+            <a:r>
+              <a:rPr lang="zh-CN" altLang="en-US"/>
+              <a:t> </a:t>
+            </a:r>
+            <a:r>
+              <a:rPr lang="en-US" altLang="zh-CN"/>
+              <a:t>do.</a:t>
+            </a:r>
+          </a:p>
+          <a:p>
+            <a:pPr marL="285750" indent="-285750">
+              <a:buFontTx/>
+              <a:buChar char="-"/>
+            </a:pPr>
+            <a:r>
+              <a:rPr lang="en-US" altLang="zh-CN"/>
+              <a:t>Therefore,</a:t>
+            </a:r>
+            <a:r>
+              <a:rPr lang="zh-CN" altLang="en-US"/>
+              <a:t> </a:t>
+            </a:r>
+            <a:r>
+              <a:rPr lang="en-US" altLang="zh-CN"/>
+              <a:t>these</a:t>
+            </a:r>
+            <a:r>
+              <a:rPr lang="zh-CN" altLang="en-US"/>
+              <a:t> </a:t>
+            </a:r>
+            <a:r>
+              <a:rPr lang="en-US" altLang="zh-CN"/>
+              <a:t>features</a:t>
+            </a:r>
+            <a:r>
+              <a:rPr lang="zh-CN" altLang="en-US"/>
+              <a:t> </a:t>
+            </a:r>
+            <a:r>
+              <a:rPr lang="en-US" altLang="zh-CN"/>
+              <a:t>are</a:t>
+            </a:r>
+            <a:r>
+              <a:rPr lang="zh-CN" altLang="en-US"/>
+              <a:t> </a:t>
+            </a:r>
+            <a:r>
+              <a:rPr lang="en-US" altLang="zh-CN"/>
+              <a:t>merged</a:t>
+            </a:r>
+            <a:r>
+              <a:rPr lang="zh-CN" altLang="en-US"/>
+              <a:t> </a:t>
+            </a:r>
+            <a:r>
+              <a:rPr lang="en-US" altLang="zh-CN"/>
+              <a:t>into</a:t>
+            </a:r>
+            <a:r>
+              <a:rPr lang="zh-CN" altLang="en-US"/>
+              <a:t> </a:t>
+            </a:r>
+            <a:r>
+              <a:rPr lang="en-US" altLang="zh-CN"/>
+              <a:t>one.</a:t>
+            </a:r>
+            <a:endParaRPr lang="en-US"/>
+          </a:p>
+        </p:txBody>
+      </p:sp>
+      <mc:AlternateContent xmlns:mc="http://schemas.openxmlformats.org/markup-compatibility/2006">
+        <mc:Choice xmlns:a14="http://schemas.microsoft.com/office/drawing/2010/main" Requires="a14">
+          <p:sp>
+            <p:nvSpPr>
+              <p:cNvPr id="3" name="Rounded Rectangle 2">
+                <a:extLst>
+                  <a:ext uri="{FF2B5EF4-FFF2-40B4-BE49-F238E27FC236}">
+                    <a16:creationId xmlns:a16="http://schemas.microsoft.com/office/drawing/2014/main" id="{929A71C0-BC33-2743-FC7F-7299F7E60CDE}"/>
+                  </a:ext>
+                </a:extLst>
+              </p:cNvPr>
+              <p:cNvSpPr/>
+              <p:nvPr/>
+            </p:nvSpPr>
+            <p:spPr>
+              <a:xfrm>
+                <a:off x="311700" y="1248428"/>
+                <a:ext cx="1476460" cy="429368"/>
+              </a:xfrm>
+              <a:prstGeom prst="roundRect">
+                <a:avLst/>
+              </a:prstGeom>
+              <a:solidFill>
+                <a:srgbClr val="B7D7A8"/>
+              </a:solidFill>
+              <a:ln>
+                <a:solidFill>
+                  <a:srgbClr val="3F613D"/>
+                </a:solidFill>
+              </a:ln>
+            </p:spPr>
+            <p:style>
+              <a:lnRef idx="2">
+                <a:schemeClr val="accent1">
+                  <a:shade val="15000"/>
+                </a:schemeClr>
+              </a:lnRef>
+              <a:fillRef idx="1">
+                <a:schemeClr val="accent1"/>
+              </a:fillRef>
+              <a:effectRef idx="0">
+                <a:schemeClr val="accent1"/>
+              </a:effectRef>
+              <a:fontRef idx="minor">
+                <a:schemeClr val="lt1"/>
+              </a:fontRef>
+            </p:style>
+            <p:txBody>
+              <a:bodyPr rtlCol="0" anchor="ctr"/>
+              <a:lstStyle/>
+              <a:p>
+                <a:pPr algn="ctr"/>
+                <a:r>
+                  <a:rPr lang="en-US" altLang="zh-CN"/>
+                  <a:t>w</a:t>
+                </a:r>
+                <a:r>
+                  <a:rPr lang="zh-CN" altLang="en-US"/>
+                  <a:t> </a:t>
+                </a:r>
+                <a14:m>
+                  <m:oMath xmlns:m="http://schemas.openxmlformats.org/officeDocument/2006/math">
+                    <m:r>
+                      <a:rPr lang="zh-CN" altLang="en-US" i="1">
+                        <a:latin typeface="Cambria Math" panose="02040503050406030204" pitchFamily="18" charset="0"/>
+                      </a:rPr>
+                      <m:t>∈</m:t>
+                    </m:r>
+                  </m:oMath>
+                </a14:m>
+                <a:r>
+                  <a:rPr lang="zh-CN" altLang="en-US"/>
+                  <a:t> </a:t>
+                </a:r>
+                <a:r>
+                  <a:rPr lang="en-US" altLang="zh-CN"/>
+                  <a:t>names</a:t>
+                </a:r>
+                <a:endParaRPr lang="en-CN"/>
+              </a:p>
+            </p:txBody>
+          </p:sp>
+        </mc:Choice>
+        <mc:Fallback>
+          <p:sp>
+            <p:nvSpPr>
+              <p:cNvPr id="3" name="Rounded Rectangle 2">
+                <a:extLst>
+                  <a:ext uri="{FF2B5EF4-FFF2-40B4-BE49-F238E27FC236}">
+                    <a16:creationId xmlns:a16="http://schemas.microsoft.com/office/drawing/2014/main" id="{929A71C0-BC33-2743-FC7F-7299F7E60CDE}"/>
+                  </a:ext>
+                </a:extLst>
+              </p:cNvPr>
+              <p:cNvSpPr>
+                <a:spLocks noRot="1" noChangeAspect="1" noMove="1" noResize="1" noEditPoints="1" noAdjustHandles="1" noChangeArrowheads="1" noChangeShapeType="1" noTextEdit="1"/>
+              </p:cNvSpPr>
+              <p:nvPr/>
+            </p:nvSpPr>
+            <p:spPr>
+              <a:xfrm>
+                <a:off x="311700" y="1248428"/>
+                <a:ext cx="1476460" cy="429368"/>
+              </a:xfrm>
+              <a:prstGeom prst="roundRect">
+                <a:avLst/>
+              </a:prstGeom>
+              <a:blipFill>
+                <a:blip r:embed="rId3"/>
+                <a:stretch>
+                  <a:fillRect/>
+                </a:stretch>
+              </a:blipFill>
+              <a:ln>
+                <a:solidFill>
+                  <a:srgbClr val="3F613D"/>
+                </a:solidFill>
+              </a:ln>
+            </p:spPr>
+            <p:txBody>
+              <a:bodyPr/>
+              <a:lstStyle/>
+              <a:p>
+                <a:r>
+                  <a:rPr lang="en-CN">
+                    <a:noFill/>
+                  </a:rPr>
+                  <a:t> </a:t>
+                </a:r>
+              </a:p>
+            </p:txBody>
+          </p:sp>
+        </mc:Fallback>
+      </mc:AlternateContent>
+      <p:sp>
+        <p:nvSpPr>
+          <p:cNvPr id="6" name="Rounded Rectangle 5">
+            <a:extLst>
+              <a:ext uri="{FF2B5EF4-FFF2-40B4-BE49-F238E27FC236}">
+                <a16:creationId xmlns:a16="http://schemas.microsoft.com/office/drawing/2014/main" id="{735B0B9E-2EE4-812B-94A5-C355EDB6F427}"/>
+              </a:ext>
+            </a:extLst>
+          </p:cNvPr>
+          <p:cNvSpPr/>
+          <p:nvPr/>
+        </p:nvSpPr>
+        <p:spPr>
+          <a:xfrm>
+            <a:off x="2167639" y="1248428"/>
+            <a:ext cx="1476460" cy="429368"/>
+          </a:xfrm>
+          <a:prstGeom prst="roundRect">
+            <a:avLst/>
+          </a:prstGeom>
+          <a:solidFill>
+            <a:srgbClr val="B7D7A8"/>
+          </a:solidFill>
+          <a:ln>
+            <a:solidFill>
+              <a:srgbClr val="3F613D"/>
+            </a:solidFill>
+          </a:ln>
+        </p:spPr>
+        <p:style>
+          <a:lnRef idx="2">
+            <a:schemeClr val="accent1">
+              <a:shade val="15000"/>
+            </a:schemeClr>
+          </a:lnRef>
+          <a:fillRef idx="1">
+            <a:schemeClr val="accent1"/>
+          </a:fillRef>
+          <a:effectRef idx="0">
+            <a:schemeClr val="accent1"/>
+          </a:effectRef>
+          <a:fontRef idx="minor">
+            <a:schemeClr val="lt1"/>
+          </a:fontRef>
+        </p:style>
+        <p:txBody>
+          <a:bodyPr rtlCol="0" anchor="ctr"/>
+          <a:lstStyle/>
+          <a:p>
+            <a:pPr algn="ctr"/>
+            <a:r>
+              <a:rPr lang="en-US" altLang="zh-CN"/>
+              <a:t>is_in_name</a:t>
+            </a:r>
+            <a:endParaRPr lang="en-CN"/>
+          </a:p>
+        </p:txBody>
+      </p:sp>
+      <p:cxnSp>
+        <p:nvCxnSpPr>
+          <p:cNvPr id="8" name="Straight Arrow Connector 7">
+            <a:extLst>
+              <a:ext uri="{FF2B5EF4-FFF2-40B4-BE49-F238E27FC236}">
+                <a16:creationId xmlns:a16="http://schemas.microsoft.com/office/drawing/2014/main" id="{DEB74416-1BB6-BEA5-AA15-DEC36FB0B55A}"/>
+              </a:ext>
+            </a:extLst>
+          </p:cNvPr>
+          <p:cNvCxnSpPr>
+            <a:stCxn id="3" idx="3"/>
+            <a:endCxn id="6" idx="1"/>
+          </p:cNvCxnSpPr>
+          <p:nvPr/>
+        </p:nvCxnSpPr>
+        <p:spPr>
+          <a:xfrm>
+            <a:off x="1788160" y="1463112"/>
+            <a:ext cx="379479" cy="0"/>
+          </a:xfrm>
+          <a:prstGeom prst="straightConnector1">
+            <a:avLst/>
+          </a:prstGeom>
+          <a:ln>
+            <a:solidFill>
+              <a:srgbClr val="B7D7A8"/>
+            </a:solidFill>
+            <a:tailEnd type="triangle"/>
+          </a:ln>
+        </p:spPr>
+        <p:style>
+          <a:lnRef idx="1">
+            <a:schemeClr val="accent1"/>
+          </a:lnRef>
+          <a:fillRef idx="0">
+            <a:schemeClr val="accent1"/>
+          </a:fillRef>
+          <a:effectRef idx="0">
+            <a:schemeClr val="accent1"/>
+          </a:effectRef>
+          <a:fontRef idx="minor">
+            <a:schemeClr val="tx1"/>
+          </a:fontRef>
+        </p:style>
+      </p:cxnSp>
+      <mc:AlternateContent xmlns:mc="http://schemas.openxmlformats.org/markup-compatibility/2006">
+        <mc:Choice xmlns:a14="http://schemas.microsoft.com/office/drawing/2010/main" Requires="a14">
+          <p:sp>
+            <p:nvSpPr>
+              <p:cNvPr id="9" name="Rounded Rectangle 8">
+                <a:extLst>
+                  <a:ext uri="{FF2B5EF4-FFF2-40B4-BE49-F238E27FC236}">
+                    <a16:creationId xmlns:a16="http://schemas.microsoft.com/office/drawing/2014/main" id="{C6666231-B722-2ED4-23C2-43140A880A81}"/>
+                  </a:ext>
+                </a:extLst>
+              </p:cNvPr>
+              <p:cNvSpPr/>
+              <p:nvPr/>
+            </p:nvSpPr>
+            <p:spPr>
+              <a:xfrm>
+                <a:off x="311700" y="2018062"/>
+                <a:ext cx="1476460" cy="429368"/>
+              </a:xfrm>
+              <a:prstGeom prst="roundRect">
+                <a:avLst/>
+              </a:prstGeom>
+              <a:solidFill>
+                <a:srgbClr val="DEB0A4"/>
+              </a:solidFill>
+              <a:ln>
+                <a:solidFill>
+                  <a:srgbClr val="9E515D"/>
+                </a:solidFill>
+              </a:ln>
+            </p:spPr>
+            <p:style>
+              <a:lnRef idx="2">
+                <a:schemeClr val="accent1">
+                  <a:shade val="15000"/>
+                </a:schemeClr>
+              </a:lnRef>
+              <a:fillRef idx="1">
+                <a:schemeClr val="accent1"/>
+              </a:fillRef>
+              <a:effectRef idx="0">
+                <a:schemeClr val="accent1"/>
+              </a:effectRef>
+              <a:fontRef idx="minor">
+                <a:schemeClr val="lt1"/>
+              </a:fontRef>
+            </p:style>
+            <p:txBody>
+              <a:bodyPr rtlCol="0" anchor="ctr"/>
+              <a:lstStyle/>
+              <a:p>
+                <a:pPr algn="ctr"/>
+                <a:r>
+                  <a:rPr lang="en-US" altLang="zh-CN"/>
+                  <a:t>w</a:t>
+                </a:r>
+                <a:r>
+                  <a:rPr lang="zh-CN" altLang="en-US"/>
+                  <a:t> </a:t>
+                </a:r>
+                <a14:m>
+                  <m:oMath xmlns:m="http://schemas.openxmlformats.org/officeDocument/2006/math">
+                    <m:r>
+                      <a:rPr lang="zh-CN" altLang="en-US" i="1">
+                        <a:latin typeface="Cambria Math" panose="02040503050406030204" pitchFamily="18" charset="0"/>
+                      </a:rPr>
+                      <m:t>∈</m:t>
+                    </m:r>
+                  </m:oMath>
+                </a14:m>
+                <a:r>
+                  <a:rPr lang="zh-CN" altLang="en-US"/>
+                  <a:t> </a:t>
+                </a:r>
+                <a:r>
+                  <a:rPr lang="en-US" altLang="zh-CN"/>
+                  <a:t>Months</a:t>
+                </a:r>
+                <a:endParaRPr lang="en-CN"/>
+              </a:p>
+            </p:txBody>
+          </p:sp>
+        </mc:Choice>
+        <mc:Fallback>
+          <p:sp>
+            <p:nvSpPr>
+              <p:cNvPr id="9" name="Rounded Rectangle 8">
+                <a:extLst>
+                  <a:ext uri="{FF2B5EF4-FFF2-40B4-BE49-F238E27FC236}">
+                    <a16:creationId xmlns:a16="http://schemas.microsoft.com/office/drawing/2014/main" id="{C6666231-B722-2ED4-23C2-43140A880A81}"/>
+                  </a:ext>
+                </a:extLst>
+              </p:cNvPr>
+              <p:cNvSpPr>
+                <a:spLocks noRot="1" noChangeAspect="1" noMove="1" noResize="1" noEditPoints="1" noAdjustHandles="1" noChangeArrowheads="1" noChangeShapeType="1" noTextEdit="1"/>
+              </p:cNvSpPr>
+              <p:nvPr/>
+            </p:nvSpPr>
+            <p:spPr>
+              <a:xfrm>
+                <a:off x="311700" y="2018062"/>
+                <a:ext cx="1476460" cy="429368"/>
+              </a:xfrm>
+              <a:prstGeom prst="roundRect">
+                <a:avLst/>
+              </a:prstGeom>
+              <a:blipFill>
+                <a:blip r:embed="rId4"/>
+                <a:stretch>
+                  <a:fillRect/>
+                </a:stretch>
+              </a:blipFill>
+              <a:ln>
+                <a:solidFill>
+                  <a:srgbClr val="9E515D"/>
+                </a:solidFill>
+              </a:ln>
+            </p:spPr>
+            <p:txBody>
+              <a:bodyPr/>
+              <a:lstStyle/>
+              <a:p>
+                <a:r>
+                  <a:rPr lang="en-CN">
+                    <a:noFill/>
+                  </a:rPr>
+                  <a:t> </a:t>
+                </a:r>
+              </a:p>
+            </p:txBody>
+          </p:sp>
+        </mc:Fallback>
+      </mc:AlternateContent>
+      <p:cxnSp>
+        <p:nvCxnSpPr>
+          <p:cNvPr id="12" name="Straight Arrow Connector 11">
+            <a:extLst>
+              <a:ext uri="{FF2B5EF4-FFF2-40B4-BE49-F238E27FC236}">
+                <a16:creationId xmlns:a16="http://schemas.microsoft.com/office/drawing/2014/main" id="{71874F7A-F49F-1748-A948-0CDADEEDFFF8}"/>
+              </a:ext>
+            </a:extLst>
+          </p:cNvPr>
+          <p:cNvCxnSpPr>
+            <a:cxnSpLocks/>
+            <a:stCxn id="9" idx="3"/>
+            <a:endCxn id="20" idx="1"/>
+          </p:cNvCxnSpPr>
+          <p:nvPr/>
+        </p:nvCxnSpPr>
+        <p:spPr>
+          <a:xfrm>
+            <a:off x="1788160" y="2232746"/>
+            <a:ext cx="379479" cy="1134188"/>
+          </a:xfrm>
+          <a:prstGeom prst="straightConnector1">
+            <a:avLst/>
+          </a:prstGeom>
+          <a:ln>
+            <a:solidFill>
+              <a:srgbClr val="DEB0A4"/>
+            </a:solidFill>
+            <a:tailEnd type="triangle"/>
+          </a:ln>
+        </p:spPr>
+        <p:style>
+          <a:lnRef idx="1">
+            <a:schemeClr val="accent1"/>
+          </a:lnRef>
+          <a:fillRef idx="0">
+            <a:schemeClr val="accent1"/>
+          </a:fillRef>
+          <a:effectRef idx="0">
+            <a:schemeClr val="accent1"/>
+          </a:effectRef>
+          <a:fontRef idx="minor">
+            <a:schemeClr val="tx1"/>
+          </a:fontRef>
+        </p:style>
+      </p:cxnSp>
+      <mc:AlternateContent xmlns:mc="http://schemas.openxmlformats.org/markup-compatibility/2006">
+        <mc:Choice xmlns:a14="http://schemas.microsoft.com/office/drawing/2010/main" Requires="a14">
+          <p:sp>
+            <p:nvSpPr>
+              <p:cNvPr id="16" name="Rounded Rectangle 15">
+                <a:extLst>
+                  <a:ext uri="{FF2B5EF4-FFF2-40B4-BE49-F238E27FC236}">
+                    <a16:creationId xmlns:a16="http://schemas.microsoft.com/office/drawing/2014/main" id="{DA91DC44-60B6-5C0B-EF61-85365692E60D}"/>
+                  </a:ext>
+                </a:extLst>
+              </p:cNvPr>
+              <p:cNvSpPr/>
+              <p:nvPr/>
+            </p:nvSpPr>
+            <p:spPr>
+              <a:xfrm>
+                <a:off x="311700" y="2585156"/>
+                <a:ext cx="1476460" cy="429368"/>
+              </a:xfrm>
+              <a:prstGeom prst="roundRect">
+                <a:avLst/>
+              </a:prstGeom>
+              <a:solidFill>
+                <a:srgbClr val="DEB0A4"/>
+              </a:solidFill>
+              <a:ln>
+                <a:solidFill>
+                  <a:srgbClr val="9E515D"/>
+                </a:solidFill>
+              </a:ln>
+            </p:spPr>
+            <p:style>
+              <a:lnRef idx="2">
+                <a:schemeClr val="accent1">
+                  <a:shade val="15000"/>
+                </a:schemeClr>
+              </a:lnRef>
+              <a:fillRef idx="1">
+                <a:schemeClr val="accent1"/>
+              </a:fillRef>
+              <a:effectRef idx="0">
+                <a:schemeClr val="accent1"/>
+              </a:effectRef>
+              <a:fontRef idx="minor">
+                <a:schemeClr val="lt1"/>
+              </a:fontRef>
+            </p:style>
+            <p:txBody>
+              <a:bodyPr rtlCol="0" anchor="ctr"/>
+              <a:lstStyle/>
+              <a:p>
+                <a:pPr algn="ctr"/>
+                <a:r>
+                  <a:rPr lang="en-US" altLang="zh-CN"/>
+                  <a:t>w</a:t>
+                </a:r>
+                <a:r>
+                  <a:rPr lang="zh-CN" altLang="en-US"/>
+                  <a:t> </a:t>
+                </a:r>
+                <a14:m>
+                  <m:oMath xmlns:m="http://schemas.openxmlformats.org/officeDocument/2006/math">
+                    <m:r>
+                      <a:rPr lang="zh-CN" altLang="en-US" i="1">
+                        <a:latin typeface="Cambria Math" panose="02040503050406030204" pitchFamily="18" charset="0"/>
+                      </a:rPr>
+                      <m:t>∈</m:t>
+                    </m:r>
+                  </m:oMath>
+                </a14:m>
+                <a:r>
+                  <a:rPr lang="zh-CN" altLang="en-US"/>
+                  <a:t> </a:t>
+                </a:r>
+                <a:r>
+                  <a:rPr lang="en-US" altLang="zh-CN"/>
+                  <a:t>Week</a:t>
+                </a:r>
+                <a:endParaRPr lang="en-CN"/>
+              </a:p>
+            </p:txBody>
+          </p:sp>
+        </mc:Choice>
+        <mc:Fallback>
+          <p:sp>
+            <p:nvSpPr>
+              <p:cNvPr id="16" name="Rounded Rectangle 15">
+                <a:extLst>
+                  <a:ext uri="{FF2B5EF4-FFF2-40B4-BE49-F238E27FC236}">
+                    <a16:creationId xmlns:a16="http://schemas.microsoft.com/office/drawing/2014/main" id="{DA91DC44-60B6-5C0B-EF61-85365692E60D}"/>
+                  </a:ext>
+                </a:extLst>
+              </p:cNvPr>
+              <p:cNvSpPr>
+                <a:spLocks noRot="1" noChangeAspect="1" noMove="1" noResize="1" noEditPoints="1" noAdjustHandles="1" noChangeArrowheads="1" noChangeShapeType="1" noTextEdit="1"/>
+              </p:cNvSpPr>
+              <p:nvPr/>
+            </p:nvSpPr>
+            <p:spPr>
+              <a:xfrm>
+                <a:off x="311700" y="2585156"/>
+                <a:ext cx="1476460" cy="429368"/>
+              </a:xfrm>
+              <a:prstGeom prst="roundRect">
+                <a:avLst/>
+              </a:prstGeom>
+              <a:blipFill>
+                <a:blip r:embed="rId5"/>
+                <a:stretch>
+                  <a:fillRect/>
+                </a:stretch>
+              </a:blipFill>
+              <a:ln>
+                <a:solidFill>
+                  <a:srgbClr val="9E515D"/>
+                </a:solidFill>
+              </a:ln>
+            </p:spPr>
+            <p:txBody>
+              <a:bodyPr/>
+              <a:lstStyle/>
+              <a:p>
+                <a:r>
+                  <a:rPr lang="en-CN">
+                    <a:noFill/>
+                  </a:rPr>
+                  <a:t> </a:t>
+                </a:r>
+              </a:p>
+            </p:txBody>
+          </p:sp>
+        </mc:Fallback>
+      </mc:AlternateContent>
+      <p:cxnSp>
+        <p:nvCxnSpPr>
+          <p:cNvPr id="18" name="Straight Arrow Connector 17">
+            <a:extLst>
+              <a:ext uri="{FF2B5EF4-FFF2-40B4-BE49-F238E27FC236}">
+                <a16:creationId xmlns:a16="http://schemas.microsoft.com/office/drawing/2014/main" id="{78BA0B65-89D1-18DA-75D3-3CF6F8041705}"/>
+              </a:ext>
+            </a:extLst>
+          </p:cNvPr>
+          <p:cNvCxnSpPr>
+            <a:cxnSpLocks/>
+            <a:stCxn id="16" idx="3"/>
+            <a:endCxn id="20" idx="1"/>
+          </p:cNvCxnSpPr>
+          <p:nvPr/>
+        </p:nvCxnSpPr>
+        <p:spPr>
+          <a:xfrm>
+            <a:off x="1788160" y="2799840"/>
+            <a:ext cx="379479" cy="567094"/>
+          </a:xfrm>
+          <a:prstGeom prst="straightConnector1">
+            <a:avLst/>
+          </a:prstGeom>
+          <a:ln>
+            <a:solidFill>
+              <a:srgbClr val="DEB0A4"/>
+            </a:solidFill>
+            <a:tailEnd type="triangle"/>
+          </a:ln>
+        </p:spPr>
+        <p:style>
+          <a:lnRef idx="1">
+            <a:schemeClr val="accent1"/>
+          </a:lnRef>
+          <a:fillRef idx="0">
+            <a:schemeClr val="accent1"/>
+          </a:fillRef>
+          <a:effectRef idx="0">
+            <a:schemeClr val="accent1"/>
+          </a:effectRef>
+          <a:fontRef idx="minor">
+            <a:schemeClr val="tx1"/>
+          </a:fontRef>
+        </p:style>
+      </p:cxnSp>
+      <mc:AlternateContent xmlns:mc="http://schemas.openxmlformats.org/markup-compatibility/2006">
+        <mc:Choice xmlns:a14="http://schemas.microsoft.com/office/drawing/2010/main" Requires="a14">
+          <p:sp>
+            <p:nvSpPr>
+              <p:cNvPr id="19" name="Rounded Rectangle 18">
+                <a:extLst>
+                  <a:ext uri="{FF2B5EF4-FFF2-40B4-BE49-F238E27FC236}">
+                    <a16:creationId xmlns:a16="http://schemas.microsoft.com/office/drawing/2014/main" id="{9ECF49FD-E107-211C-B28E-FF40A5967454}"/>
+                  </a:ext>
+                </a:extLst>
+              </p:cNvPr>
+              <p:cNvSpPr/>
+              <p:nvPr/>
+            </p:nvSpPr>
+            <p:spPr>
+              <a:xfrm>
+                <a:off x="311700" y="3147918"/>
+                <a:ext cx="1476460" cy="429368"/>
+              </a:xfrm>
+              <a:prstGeom prst="roundRect">
+                <a:avLst/>
+              </a:prstGeom>
+              <a:solidFill>
+                <a:srgbClr val="DEB0A4"/>
+              </a:solidFill>
+              <a:ln>
+                <a:solidFill>
+                  <a:srgbClr val="9E515D"/>
+                </a:solidFill>
+              </a:ln>
+            </p:spPr>
+            <p:style>
+              <a:lnRef idx="2">
+                <a:schemeClr val="accent1">
+                  <a:shade val="15000"/>
+                </a:schemeClr>
+              </a:lnRef>
+              <a:fillRef idx="1">
+                <a:schemeClr val="accent1"/>
+              </a:fillRef>
+              <a:effectRef idx="0">
+                <a:schemeClr val="accent1"/>
+              </a:effectRef>
+              <a:fontRef idx="minor">
+                <a:schemeClr val="lt1"/>
+              </a:fontRef>
+            </p:style>
+            <p:txBody>
+              <a:bodyPr rtlCol="0" anchor="ctr"/>
+              <a:lstStyle/>
+              <a:p>
+                <a:pPr algn="ctr"/>
+                <a:r>
+                  <a:rPr lang="en-US" altLang="zh-CN"/>
+                  <a:t>w</a:t>
+                </a:r>
+                <a:r>
+                  <a:rPr lang="zh-CN" altLang="en-US"/>
+                  <a:t> </a:t>
+                </a:r>
+                <a14:m>
+                  <m:oMath xmlns:m="http://schemas.openxmlformats.org/officeDocument/2006/math">
+                    <m:r>
+                      <a:rPr lang="zh-CN" altLang="en-US" i="1">
+                        <a:latin typeface="Cambria Math" panose="02040503050406030204" pitchFamily="18" charset="0"/>
+                      </a:rPr>
+                      <m:t>∈</m:t>
+                    </m:r>
+                  </m:oMath>
+                </a14:m>
+                <a:r>
+                  <a:rPr lang="zh-CN" altLang="en-US"/>
+                  <a:t> </a:t>
+                </a:r>
+                <a:r>
+                  <a:rPr lang="en-US" altLang="zh-CN"/>
+                  <a:t>Country</a:t>
+                </a:r>
+                <a:endParaRPr lang="en-CN"/>
+              </a:p>
+            </p:txBody>
+          </p:sp>
+        </mc:Choice>
+        <mc:Fallback>
+          <p:sp>
+            <p:nvSpPr>
+              <p:cNvPr id="19" name="Rounded Rectangle 18">
+                <a:extLst>
+                  <a:ext uri="{FF2B5EF4-FFF2-40B4-BE49-F238E27FC236}">
+                    <a16:creationId xmlns:a16="http://schemas.microsoft.com/office/drawing/2014/main" id="{9ECF49FD-E107-211C-B28E-FF40A5967454}"/>
+                  </a:ext>
+                </a:extLst>
+              </p:cNvPr>
+              <p:cNvSpPr>
+                <a:spLocks noRot="1" noChangeAspect="1" noMove="1" noResize="1" noEditPoints="1" noAdjustHandles="1" noChangeArrowheads="1" noChangeShapeType="1" noTextEdit="1"/>
+              </p:cNvSpPr>
+              <p:nvPr/>
+            </p:nvSpPr>
+            <p:spPr>
+              <a:xfrm>
+                <a:off x="311700" y="3147918"/>
+                <a:ext cx="1476460" cy="429368"/>
+              </a:xfrm>
+              <a:prstGeom prst="roundRect">
+                <a:avLst/>
+              </a:prstGeom>
+              <a:blipFill>
+                <a:blip r:embed="rId6"/>
+                <a:stretch>
+                  <a:fillRect/>
+                </a:stretch>
+              </a:blipFill>
+              <a:ln>
+                <a:solidFill>
+                  <a:srgbClr val="9E515D"/>
+                </a:solidFill>
+              </a:ln>
+            </p:spPr>
+            <p:txBody>
+              <a:bodyPr/>
+              <a:lstStyle/>
+              <a:p>
+                <a:r>
+                  <a:rPr lang="en-CN">
+                    <a:noFill/>
+                  </a:rPr>
+                  <a:t> </a:t>
+                </a:r>
+              </a:p>
+            </p:txBody>
+          </p:sp>
+        </mc:Fallback>
+      </mc:AlternateContent>
+      <p:sp>
+        <p:nvSpPr>
+          <p:cNvPr id="20" name="Rounded Rectangle 19">
+            <a:extLst>
+              <a:ext uri="{FF2B5EF4-FFF2-40B4-BE49-F238E27FC236}">
+                <a16:creationId xmlns:a16="http://schemas.microsoft.com/office/drawing/2014/main" id="{CA8B2444-A5A9-0DDA-C455-6C382DBED01F}"/>
+              </a:ext>
+            </a:extLst>
+          </p:cNvPr>
+          <p:cNvSpPr/>
+          <p:nvPr/>
+        </p:nvSpPr>
+        <p:spPr>
+          <a:xfrm>
+            <a:off x="2167639" y="3152250"/>
+            <a:ext cx="1476460" cy="429368"/>
+          </a:xfrm>
+          <a:prstGeom prst="roundRect">
+            <a:avLst/>
+          </a:prstGeom>
+          <a:solidFill>
+            <a:srgbClr val="DEB0A4"/>
+          </a:solidFill>
+          <a:ln>
+            <a:solidFill>
+              <a:srgbClr val="9E515D"/>
+            </a:solidFill>
+          </a:ln>
+        </p:spPr>
+        <p:style>
+          <a:lnRef idx="2">
+            <a:schemeClr val="accent1">
+              <a:shade val="15000"/>
+            </a:schemeClr>
+          </a:lnRef>
+          <a:fillRef idx="1">
+            <a:schemeClr val="accent1"/>
+          </a:fillRef>
+          <a:effectRef idx="0">
+            <a:schemeClr val="accent1"/>
+          </a:effectRef>
+          <a:fontRef idx="minor">
+            <a:schemeClr val="lt1"/>
+          </a:fontRef>
+        </p:style>
+        <p:txBody>
+          <a:bodyPr rtlCol="0" anchor="ctr"/>
+          <a:lstStyle/>
+          <a:p>
+            <a:pPr algn="ctr"/>
+            <a:r>
+              <a:rPr lang="en-US" altLang="zh-CN" sz="1100"/>
+              <a:t>is_not_likely_name</a:t>
+            </a:r>
+            <a:endParaRPr lang="en-CN" sz="1100"/>
+          </a:p>
+        </p:txBody>
+      </p:sp>
+      <p:cxnSp>
+        <p:nvCxnSpPr>
+          <p:cNvPr id="21" name="Straight Arrow Connector 20">
+            <a:extLst>
+              <a:ext uri="{FF2B5EF4-FFF2-40B4-BE49-F238E27FC236}">
+                <a16:creationId xmlns:a16="http://schemas.microsoft.com/office/drawing/2014/main" id="{19A3BC85-F063-E772-7276-3F122A164FB1}"/>
+              </a:ext>
+            </a:extLst>
+          </p:cNvPr>
+          <p:cNvCxnSpPr>
+            <a:cxnSpLocks/>
+            <a:stCxn id="19" idx="3"/>
+            <a:endCxn id="20" idx="1"/>
+          </p:cNvCxnSpPr>
+          <p:nvPr/>
+        </p:nvCxnSpPr>
+        <p:spPr>
+          <a:xfrm>
+            <a:off x="1788160" y="3362602"/>
+            <a:ext cx="379479" cy="4333"/>
+          </a:xfrm>
+          <a:prstGeom prst="straightConnector1">
+            <a:avLst/>
+          </a:prstGeom>
+          <a:ln>
+            <a:solidFill>
+              <a:srgbClr val="DEB0A4"/>
+            </a:solidFill>
+            <a:tailEnd type="triangle"/>
+          </a:ln>
+        </p:spPr>
+        <p:style>
+          <a:lnRef idx="1">
+            <a:schemeClr val="accent1"/>
+          </a:lnRef>
+          <a:fillRef idx="0">
+            <a:schemeClr val="accent1"/>
+          </a:fillRef>
+          <a:effectRef idx="0">
+            <a:schemeClr val="accent1"/>
+          </a:effectRef>
+          <a:fontRef idx="minor">
+            <a:schemeClr val="tx1"/>
+          </a:fontRef>
+        </p:style>
+      </p:cxnSp>
+      <mc:AlternateContent xmlns:mc="http://schemas.openxmlformats.org/markup-compatibility/2006">
+        <mc:Choice xmlns:a14="http://schemas.microsoft.com/office/drawing/2010/main" Requires="a14">
+          <p:sp>
+            <p:nvSpPr>
+              <p:cNvPr id="22" name="Rounded Rectangle 21">
+                <a:extLst>
+                  <a:ext uri="{FF2B5EF4-FFF2-40B4-BE49-F238E27FC236}">
+                    <a16:creationId xmlns:a16="http://schemas.microsoft.com/office/drawing/2014/main" id="{083399CC-A663-5DA7-5ADF-81F540AB6E5D}"/>
+                  </a:ext>
+                </a:extLst>
+              </p:cNvPr>
+              <p:cNvSpPr/>
+              <p:nvPr/>
+            </p:nvSpPr>
+            <p:spPr>
+              <a:xfrm>
+                <a:off x="311700" y="3706346"/>
+                <a:ext cx="1476460" cy="429368"/>
+              </a:xfrm>
+              <a:prstGeom prst="roundRect">
+                <a:avLst/>
+              </a:prstGeom>
+              <a:solidFill>
+                <a:srgbClr val="DEB0A4"/>
+              </a:solidFill>
+              <a:ln>
+                <a:solidFill>
+                  <a:srgbClr val="9E515D"/>
+                </a:solidFill>
+              </a:ln>
+            </p:spPr>
+            <p:style>
+              <a:lnRef idx="2">
+                <a:schemeClr val="accent1">
+                  <a:shade val="15000"/>
+                </a:schemeClr>
+              </a:lnRef>
+              <a:fillRef idx="1">
+                <a:schemeClr val="accent1"/>
+              </a:fillRef>
+              <a:effectRef idx="0">
+                <a:schemeClr val="accent1"/>
+              </a:effectRef>
+              <a:fontRef idx="minor">
+                <a:schemeClr val="lt1"/>
+              </a:fontRef>
+            </p:style>
+            <p:txBody>
+              <a:bodyPr rtlCol="0" anchor="ctr"/>
+              <a:lstStyle/>
+              <a:p>
+                <a:pPr algn="ctr"/>
+                <a:r>
+                  <a:rPr lang="en-US" altLang="zh-CN"/>
+                  <a:t>w</a:t>
+                </a:r>
+                <a:r>
+                  <a:rPr lang="zh-CN" altLang="en-US"/>
+                  <a:t> </a:t>
+                </a:r>
+                <a14:m>
+                  <m:oMath xmlns:m="http://schemas.openxmlformats.org/officeDocument/2006/math">
+                    <m:r>
+                      <a:rPr lang="zh-CN" altLang="en-US" i="1">
+                        <a:latin typeface="Cambria Math" panose="02040503050406030204" pitchFamily="18" charset="0"/>
+                      </a:rPr>
+                      <m:t>∈</m:t>
+                    </m:r>
+                  </m:oMath>
+                </a14:m>
+                <a:r>
+                  <a:rPr lang="zh-CN" altLang="en-US"/>
+                  <a:t> </a:t>
+                </a:r>
+                <a:r>
+                  <a:rPr lang="en-US" altLang="zh-CN"/>
+                  <a:t>City</a:t>
+                </a:r>
+                <a:endParaRPr lang="en-CN"/>
+              </a:p>
+            </p:txBody>
+          </p:sp>
+        </mc:Choice>
+        <mc:Fallback>
+          <p:sp>
+            <p:nvSpPr>
+              <p:cNvPr id="22" name="Rounded Rectangle 21">
+                <a:extLst>
+                  <a:ext uri="{FF2B5EF4-FFF2-40B4-BE49-F238E27FC236}">
+                    <a16:creationId xmlns:a16="http://schemas.microsoft.com/office/drawing/2014/main" id="{083399CC-A663-5DA7-5ADF-81F540AB6E5D}"/>
+                  </a:ext>
+                </a:extLst>
+              </p:cNvPr>
+              <p:cNvSpPr>
+                <a:spLocks noRot="1" noChangeAspect="1" noMove="1" noResize="1" noEditPoints="1" noAdjustHandles="1" noChangeArrowheads="1" noChangeShapeType="1" noTextEdit="1"/>
+              </p:cNvSpPr>
+              <p:nvPr/>
+            </p:nvSpPr>
+            <p:spPr>
+              <a:xfrm>
+                <a:off x="311700" y="3706346"/>
+                <a:ext cx="1476460" cy="429368"/>
+              </a:xfrm>
+              <a:prstGeom prst="roundRect">
+                <a:avLst/>
+              </a:prstGeom>
+              <a:blipFill>
+                <a:blip r:embed="rId7"/>
+                <a:stretch>
+                  <a:fillRect/>
+                </a:stretch>
+              </a:blipFill>
+              <a:ln>
+                <a:solidFill>
+                  <a:srgbClr val="9E515D"/>
+                </a:solidFill>
+              </a:ln>
+            </p:spPr>
+            <p:txBody>
+              <a:bodyPr/>
+              <a:lstStyle/>
+              <a:p>
+                <a:r>
+                  <a:rPr lang="en-CN">
+                    <a:noFill/>
+                  </a:rPr>
+                  <a:t> </a:t>
+                </a:r>
+              </a:p>
+            </p:txBody>
+          </p:sp>
+        </mc:Fallback>
+      </mc:AlternateContent>
+      <p:cxnSp>
+        <p:nvCxnSpPr>
+          <p:cNvPr id="24" name="Straight Arrow Connector 23">
+            <a:extLst>
+              <a:ext uri="{FF2B5EF4-FFF2-40B4-BE49-F238E27FC236}">
+                <a16:creationId xmlns:a16="http://schemas.microsoft.com/office/drawing/2014/main" id="{FD9EFC21-53DD-AF1C-9DF8-A403AE854AA7}"/>
+              </a:ext>
+            </a:extLst>
+          </p:cNvPr>
+          <p:cNvCxnSpPr>
+            <a:cxnSpLocks/>
+            <a:stCxn id="22" idx="3"/>
+            <a:endCxn id="20" idx="1"/>
+          </p:cNvCxnSpPr>
+          <p:nvPr/>
+        </p:nvCxnSpPr>
+        <p:spPr>
+          <a:xfrm flipV="1">
+            <a:off x="1788160" y="3366934"/>
+            <a:ext cx="379479" cy="554096"/>
+          </a:xfrm>
+          <a:prstGeom prst="straightConnector1">
+            <a:avLst/>
+          </a:prstGeom>
+          <a:ln>
+            <a:solidFill>
+              <a:srgbClr val="DEB0A4"/>
+            </a:solidFill>
+            <a:tailEnd type="triangle"/>
+          </a:ln>
+        </p:spPr>
+        <p:style>
+          <a:lnRef idx="1">
+            <a:schemeClr val="accent1"/>
+          </a:lnRef>
+          <a:fillRef idx="0">
+            <a:schemeClr val="accent1"/>
+          </a:fillRef>
+          <a:effectRef idx="0">
+            <a:schemeClr val="accent1"/>
+          </a:effectRef>
+          <a:fontRef idx="minor">
+            <a:schemeClr val="tx1"/>
+          </a:fontRef>
+        </p:style>
+      </p:cxnSp>
+      <mc:AlternateContent xmlns:mc="http://schemas.openxmlformats.org/markup-compatibility/2006">
+        <mc:Choice xmlns:a14="http://schemas.microsoft.com/office/drawing/2010/main" Requires="a14">
+          <p:sp>
+            <p:nvSpPr>
+              <p:cNvPr id="26" name="Rounded Rectangle 25">
+                <a:extLst>
+                  <a:ext uri="{FF2B5EF4-FFF2-40B4-BE49-F238E27FC236}">
+                    <a16:creationId xmlns:a16="http://schemas.microsoft.com/office/drawing/2014/main" id="{AACC5EC8-EE51-1863-5D45-75968B208F74}"/>
+                  </a:ext>
+                </a:extLst>
+              </p:cNvPr>
+              <p:cNvSpPr/>
+              <p:nvPr/>
+            </p:nvSpPr>
+            <p:spPr>
+              <a:xfrm>
+                <a:off x="311700" y="4264774"/>
+                <a:ext cx="1476460" cy="429368"/>
+              </a:xfrm>
+              <a:prstGeom prst="roundRect">
+                <a:avLst/>
+              </a:prstGeom>
+              <a:solidFill>
+                <a:srgbClr val="DEB0A4"/>
+              </a:solidFill>
+              <a:ln>
+                <a:solidFill>
+                  <a:srgbClr val="9E515D"/>
+                </a:solidFill>
+              </a:ln>
+            </p:spPr>
+            <p:style>
+              <a:lnRef idx="2">
+                <a:schemeClr val="accent1">
+                  <a:shade val="15000"/>
+                </a:schemeClr>
+              </a:lnRef>
+              <a:fillRef idx="1">
+                <a:schemeClr val="accent1"/>
+              </a:fillRef>
+              <a:effectRef idx="0">
+                <a:schemeClr val="accent1"/>
+              </a:effectRef>
+              <a:fontRef idx="minor">
+                <a:schemeClr val="lt1"/>
+              </a:fontRef>
+            </p:style>
+            <p:txBody>
+              <a:bodyPr rtlCol="0" anchor="ctr"/>
+              <a:lstStyle/>
+              <a:p>
+                <a:pPr algn="ctr"/>
+                <a:r>
+                  <a:rPr lang="en-US" altLang="zh-CN"/>
+                  <a:t>w</a:t>
+                </a:r>
+                <a:r>
+                  <a:rPr lang="zh-CN" altLang="en-US"/>
+                  <a:t> </a:t>
+                </a:r>
+                <a14:m>
+                  <m:oMath xmlns:m="http://schemas.openxmlformats.org/officeDocument/2006/math">
+                    <m:r>
+                      <a:rPr lang="zh-CN" altLang="en-US" i="1">
+                        <a:latin typeface="Cambria Math" panose="02040503050406030204" pitchFamily="18" charset="0"/>
+                      </a:rPr>
+                      <m:t>∈</m:t>
+                    </m:r>
+                  </m:oMath>
+                </a14:m>
+                <a:r>
+                  <a:rPr lang="zh-CN" altLang="en-US"/>
+                  <a:t> </a:t>
+                </a:r>
+                <a:r>
+                  <a:rPr lang="en-US" altLang="zh-CN"/>
+                  <a:t>StopWords</a:t>
+                </a:r>
+                <a:endParaRPr lang="en-CN"/>
+              </a:p>
+            </p:txBody>
+          </p:sp>
+        </mc:Choice>
+        <mc:Fallback>
+          <p:sp>
+            <p:nvSpPr>
+              <p:cNvPr id="26" name="Rounded Rectangle 25">
+                <a:extLst>
+                  <a:ext uri="{FF2B5EF4-FFF2-40B4-BE49-F238E27FC236}">
+                    <a16:creationId xmlns:a16="http://schemas.microsoft.com/office/drawing/2014/main" id="{AACC5EC8-EE51-1863-5D45-75968B208F74}"/>
+                  </a:ext>
+                </a:extLst>
+              </p:cNvPr>
+              <p:cNvSpPr>
+                <a:spLocks noRot="1" noChangeAspect="1" noMove="1" noResize="1" noEditPoints="1" noAdjustHandles="1" noChangeArrowheads="1" noChangeShapeType="1" noTextEdit="1"/>
+              </p:cNvSpPr>
+              <p:nvPr/>
+            </p:nvSpPr>
+            <p:spPr>
+              <a:xfrm>
+                <a:off x="311700" y="4264774"/>
+                <a:ext cx="1476460" cy="429368"/>
+              </a:xfrm>
+              <a:prstGeom prst="roundRect">
+                <a:avLst/>
+              </a:prstGeom>
+              <a:blipFill>
+                <a:blip r:embed="rId8"/>
+                <a:stretch>
+                  <a:fillRect/>
+                </a:stretch>
+              </a:blipFill>
+              <a:ln>
+                <a:solidFill>
+                  <a:srgbClr val="9E515D"/>
+                </a:solidFill>
+              </a:ln>
+            </p:spPr>
+            <p:txBody>
+              <a:bodyPr/>
+              <a:lstStyle/>
+              <a:p>
+                <a:r>
+                  <a:rPr lang="en-CN">
+                    <a:noFill/>
+                  </a:rPr>
+                  <a:t> </a:t>
+                </a:r>
+              </a:p>
+            </p:txBody>
+          </p:sp>
+        </mc:Fallback>
+      </mc:AlternateContent>
+      <p:cxnSp>
+        <p:nvCxnSpPr>
+          <p:cNvPr id="28" name="Straight Arrow Connector 27">
+            <a:extLst>
+              <a:ext uri="{FF2B5EF4-FFF2-40B4-BE49-F238E27FC236}">
+                <a16:creationId xmlns:a16="http://schemas.microsoft.com/office/drawing/2014/main" id="{645D5C27-FE3F-4D19-8981-FFEEC19369ED}"/>
+              </a:ext>
+            </a:extLst>
+          </p:cNvPr>
+          <p:cNvCxnSpPr>
+            <a:cxnSpLocks/>
+            <a:stCxn id="26" idx="3"/>
+            <a:endCxn id="20" idx="1"/>
+          </p:cNvCxnSpPr>
+          <p:nvPr/>
+        </p:nvCxnSpPr>
+        <p:spPr>
+          <a:xfrm flipV="1">
+            <a:off x="1788160" y="3366934"/>
+            <a:ext cx="379479" cy="1112524"/>
+          </a:xfrm>
+          <a:prstGeom prst="straightConnector1">
+            <a:avLst/>
+          </a:prstGeom>
+          <a:ln>
+            <a:solidFill>
+              <a:srgbClr val="DEB0A4"/>
+            </a:solidFill>
+            <a:tailEnd type="triangle"/>
+          </a:ln>
+        </p:spPr>
+        <p:style>
+          <a:lnRef idx="1">
+            <a:schemeClr val="accent1"/>
+          </a:lnRef>
+          <a:fillRef idx="0">
+            <a:schemeClr val="accent1"/>
+          </a:fillRef>
+          <a:effectRef idx="0">
+            <a:schemeClr val="accent1"/>
+          </a:effectRef>
+          <a:fontRef idx="minor">
+            <a:schemeClr val="tx1"/>
+          </a:fontRef>
+        </p:style>
+      </p:cxnSp>
+    </p:spTree>
+    <p:extLst>
+      <p:ext uri="{BB962C8B-B14F-4D97-AF65-F5344CB8AC3E}">
+        <p14:creationId xmlns:p14="http://schemas.microsoft.com/office/powerpoint/2010/main" val="4204520117"/>
+      </p:ext>
+    </p:extLst>
+  </p:cSld>
+  <p:clrMapOvr>
+    <a:masterClrMapping/>
+  </p:clrMapOvr>
+  <mc:AlternateContent xmlns:mc="http://schemas.openxmlformats.org/markup-compatibility/2006">
+    <mc:Choice xmlns:p159="http://schemas.microsoft.com/office/powerpoint/2015/09/main" Requires="p159">
+      <p:transition xmlns:p14="http://schemas.microsoft.com/office/powerpoint/2010/main" spd="slow" p14:dur="2000">
+        <p159:morph option="byObject"/>
+      </p:transition>
+    </mc:Choice>
+    <mc:Fallback>
+      <p:transition spd="slow">
+        <p:fade/>
+      </p:transition>
+    </mc:Fallback>
+  </mc:AlternateContent>
+</p:sld>
+</file>
+
+<file path=ppt/slides/slide22.xml><?xml version="1.0" encoding="utf-8"?>
+<p:sld xmlns:a="http://schemas.openxmlformats.org/drawingml/2006/main" xmlns:r="http://schemas.openxmlformats.org/officeDocument/2006/relationships" xmlns:p="http://schemas.openxmlformats.org/presentationml/2006/main">
+  <p:cSld>
+    <p:spTree>
+      <p:nvGrpSpPr>
+        <p:cNvPr id="1" name=""/>
+        <p:cNvGrpSpPr/>
+        <p:nvPr/>
+      </p:nvGrpSpPr>
+      <p:grpSpPr>
+        <a:xfrm>
+          <a:off x="0" y="0"/>
+          <a:ext cx="0" cy="0"/>
+          <a:chOff x="0" y="0"/>
+          <a:chExt cx="0" cy="0"/>
+        </a:xfrm>
+      </p:grpSpPr>
+      <p:sp>
+        <p:nvSpPr>
+          <p:cNvPr id="2" name="Title 1">
+            <a:extLst>
+              <a:ext uri="{FF2B5EF4-FFF2-40B4-BE49-F238E27FC236}">
+                <a16:creationId xmlns:a16="http://schemas.microsoft.com/office/drawing/2014/main" id="{1800E544-D98C-5694-2075-4925813314B0}"/>
+              </a:ext>
+            </a:extLst>
+          </p:cNvPr>
+          <p:cNvSpPr>
+            <a:spLocks noGrp="1"/>
+          </p:cNvSpPr>
+          <p:nvPr>
+            <p:ph type="title"/>
+          </p:nvPr>
+        </p:nvSpPr>
+        <p:spPr/>
+        <p:txBody>
+          <a:bodyPr>
+            <a:normAutofit fontScale="90000"/>
+          </a:bodyPr>
+          <a:lstStyle/>
+          <a:p>
+            <a:r>
+              <a:rPr lang="zh-CN"/>
+              <a:t>/ Evaluations and Demo / </a:t>
+            </a:r>
+            <a:r>
+              <a:rPr lang="en-US" altLang="zh-CN"/>
+              <a:t>Future</a:t>
+            </a:r>
+            <a:r>
+              <a:rPr lang="zh-CN" altLang="en-US"/>
+              <a:t> </a:t>
+            </a:r>
+            <a:r>
+              <a:rPr lang="en-US" altLang="zh-CN"/>
+              <a:t>Improvements</a:t>
+            </a:r>
+            <a:endParaRPr lang="en-CN"/>
+          </a:p>
+        </p:txBody>
+      </p:sp>
+      <p:grpSp>
+        <p:nvGrpSpPr>
+          <p:cNvPr id="11" name="Group 10">
+            <a:extLst>
+              <a:ext uri="{FF2B5EF4-FFF2-40B4-BE49-F238E27FC236}">
+                <a16:creationId xmlns:a16="http://schemas.microsoft.com/office/drawing/2014/main" id="{B3FD4376-2D7D-22E1-8F47-FD0CE6477FA1}"/>
+              </a:ext>
+            </a:extLst>
+          </p:cNvPr>
+          <p:cNvGrpSpPr/>
+          <p:nvPr/>
+        </p:nvGrpSpPr>
+        <p:grpSpPr>
+          <a:xfrm>
+            <a:off x="2108112" y="1560260"/>
+            <a:ext cx="4927775" cy="2554842"/>
+            <a:chOff x="2199480" y="1550100"/>
+            <a:chExt cx="4927775" cy="2554842"/>
+          </a:xfrm>
+        </p:grpSpPr>
+        <p:grpSp>
+          <p:nvGrpSpPr>
+            <p:cNvPr id="8" name="Group 7">
+              <a:extLst>
+                <a:ext uri="{FF2B5EF4-FFF2-40B4-BE49-F238E27FC236}">
+                  <a16:creationId xmlns:a16="http://schemas.microsoft.com/office/drawing/2014/main" id="{DB73112C-3EE8-261C-E9CB-733EDA781B29}"/>
+                </a:ext>
+              </a:extLst>
+            </p:cNvPr>
+            <p:cNvGrpSpPr/>
+            <p:nvPr/>
+          </p:nvGrpSpPr>
+          <p:grpSpPr>
+            <a:xfrm>
+              <a:off x="2199480" y="1550100"/>
+              <a:ext cx="2098200" cy="2554842"/>
+              <a:chOff x="693325" y="1550100"/>
+              <a:chExt cx="2098200" cy="2554842"/>
+            </a:xfrm>
+          </p:grpSpPr>
+          <p:sp>
+            <p:nvSpPr>
+              <p:cNvPr id="3" name="Google Shape;114;p18">
+                <a:extLst>
+                  <a:ext uri="{FF2B5EF4-FFF2-40B4-BE49-F238E27FC236}">
+                    <a16:creationId xmlns:a16="http://schemas.microsoft.com/office/drawing/2014/main" id="{BAD91CAD-5D7E-4F7B-A0D6-830C75182910}"/>
+                  </a:ext>
+                </a:extLst>
+              </p:cNvPr>
+              <p:cNvSpPr txBox="1"/>
+              <p:nvPr/>
+            </p:nvSpPr>
+            <p:spPr>
+              <a:xfrm>
+                <a:off x="693325" y="2843088"/>
+                <a:ext cx="2098200" cy="1261854"/>
+              </a:xfrm>
+              <a:prstGeom prst="rect">
+                <a:avLst/>
+              </a:prstGeom>
+              <a:noFill/>
+              <a:ln>
+                <a:noFill/>
+              </a:ln>
+            </p:spPr>
+            <p:txBody>
+              <a:bodyPr spcFirstLastPara="1" wrap="square" lIns="91425" tIns="91425" rIns="91425" bIns="91425" anchor="t" anchorCtr="0">
+                <a:spAutoFit/>
+              </a:bodyPr>
+              <a:lstStyle/>
+              <a:p>
+                <a:pPr marL="0" lvl="0" indent="0" algn="ctr" rtl="0">
+                  <a:spcBef>
+                    <a:spcPts val="0"/>
+                  </a:spcBef>
+                  <a:spcAft>
+                    <a:spcPts val="0"/>
+                  </a:spcAft>
+                  <a:buNone/>
+                </a:pPr>
+                <a:r>
+                  <a:rPr lang="en-US" altLang="zh-CN" sz="1800" b="1">
+                    <a:solidFill>
+                      <a:schemeClr val="dk1"/>
+                    </a:solidFill>
+                  </a:rPr>
+                  <a:t>POS</a:t>
+                </a:r>
+                <a:r>
+                  <a:rPr lang="zh-CN" altLang="en-US" sz="1800" b="1">
+                    <a:solidFill>
+                      <a:schemeClr val="dk1"/>
+                    </a:solidFill>
+                  </a:rPr>
+                  <a:t> </a:t>
+                </a:r>
+                <a:r>
+                  <a:rPr lang="en-US" altLang="zh-CN" sz="1800" b="1">
+                    <a:solidFill>
+                      <a:schemeClr val="dk1"/>
+                    </a:solidFill>
+                  </a:rPr>
+                  <a:t>Features</a:t>
+                </a:r>
+              </a:p>
+              <a:p>
+                <a:pPr marL="0" lvl="0" indent="0" rtl="0">
+                  <a:spcBef>
+                    <a:spcPts val="0"/>
+                  </a:spcBef>
+                  <a:spcAft>
+                    <a:spcPts val="0"/>
+                  </a:spcAft>
+                  <a:buNone/>
+                </a:pPr>
+                <a:r>
+                  <a:rPr lang="en-US" altLang="zh-CN" sz="1300">
+                    <a:solidFill>
+                      <a:schemeClr val="dk1"/>
+                    </a:solidFill>
+                  </a:rPr>
+                  <a:t>Part</a:t>
+                </a:r>
+                <a:r>
+                  <a:rPr lang="zh-CN" altLang="en-US" sz="1300">
+                    <a:solidFill>
+                      <a:schemeClr val="dk1"/>
+                    </a:solidFill>
+                  </a:rPr>
+                  <a:t> </a:t>
+                </a:r>
+                <a:r>
+                  <a:rPr lang="en-US" altLang="zh-CN" sz="1300">
+                    <a:solidFill>
+                      <a:schemeClr val="dk1"/>
+                    </a:solidFill>
+                  </a:rPr>
+                  <a:t>of</a:t>
+                </a:r>
+                <a:r>
+                  <a:rPr lang="zh-CN" altLang="en-US" sz="1300">
+                    <a:solidFill>
+                      <a:schemeClr val="dk1"/>
+                    </a:solidFill>
+                  </a:rPr>
+                  <a:t> </a:t>
+                </a:r>
+                <a:r>
+                  <a:rPr lang="en-US" altLang="zh-CN" sz="1300">
+                    <a:solidFill>
+                      <a:schemeClr val="dk1"/>
+                    </a:solidFill>
+                  </a:rPr>
+                  <a:t>Speech</a:t>
+                </a:r>
+                <a:r>
+                  <a:rPr lang="zh-CN" altLang="en-US" sz="1300">
+                    <a:solidFill>
+                      <a:schemeClr val="dk1"/>
+                    </a:solidFill>
+                  </a:rPr>
+                  <a:t> </a:t>
+                </a:r>
+                <a:r>
+                  <a:rPr lang="en-US" altLang="zh-CN" sz="1300">
+                    <a:solidFill>
+                      <a:schemeClr val="dk1"/>
+                    </a:solidFill>
+                  </a:rPr>
+                  <a:t>Features</a:t>
+                </a:r>
+                <a:r>
+                  <a:rPr lang="zh-CN" altLang="en-US" sz="1300">
+                    <a:solidFill>
+                      <a:schemeClr val="dk1"/>
+                    </a:solidFill>
+                  </a:rPr>
+                  <a:t> </a:t>
+                </a:r>
+                <a:r>
+                  <a:rPr lang="en-US" altLang="zh-CN" sz="1300">
+                    <a:solidFill>
+                      <a:schemeClr val="dk1"/>
+                    </a:solidFill>
+                  </a:rPr>
+                  <a:t>are</a:t>
+                </a:r>
+                <a:r>
+                  <a:rPr lang="zh-CN" altLang="en-US" sz="1300">
+                    <a:solidFill>
+                      <a:schemeClr val="dk1"/>
+                    </a:solidFill>
+                  </a:rPr>
+                  <a:t> </a:t>
+                </a:r>
+                <a:r>
+                  <a:rPr lang="en-US" altLang="zh-CN" sz="1300">
+                    <a:solidFill>
+                      <a:schemeClr val="dk1"/>
+                    </a:solidFill>
+                  </a:rPr>
+                  <a:t>quite</a:t>
+                </a:r>
+                <a:r>
+                  <a:rPr lang="zh-CN" altLang="en-US" sz="1300">
+                    <a:solidFill>
+                      <a:schemeClr val="dk1"/>
+                    </a:solidFill>
+                  </a:rPr>
+                  <a:t> </a:t>
+                </a:r>
+                <a:r>
+                  <a:rPr lang="en-US" altLang="zh-CN" sz="1300">
+                    <a:solidFill>
+                      <a:schemeClr val="dk1"/>
+                    </a:solidFill>
+                  </a:rPr>
+                  <a:t>effective</a:t>
+                </a:r>
+                <a:r>
+                  <a:rPr lang="zh-CN" altLang="en-US" sz="1300">
+                    <a:solidFill>
+                      <a:schemeClr val="dk1"/>
+                    </a:solidFill>
+                  </a:rPr>
+                  <a:t> </a:t>
+                </a:r>
+                <a:r>
+                  <a:rPr lang="en-US" altLang="zh-CN" sz="1300">
+                    <a:solidFill>
+                      <a:schemeClr val="dk1"/>
+                    </a:solidFill>
+                  </a:rPr>
+                  <a:t>for</a:t>
+                </a:r>
+                <a:r>
+                  <a:rPr lang="zh-CN" altLang="en-US" sz="1300">
+                    <a:solidFill>
+                      <a:schemeClr val="dk1"/>
+                    </a:solidFill>
+                  </a:rPr>
+                  <a:t> </a:t>
+                </a:r>
+                <a:r>
+                  <a:rPr lang="en-US" altLang="zh-CN" sz="1300">
+                    <a:solidFill>
+                      <a:schemeClr val="dk1"/>
+                    </a:solidFill>
+                  </a:rPr>
+                  <a:t>discriminating</a:t>
+                </a:r>
+                <a:r>
+                  <a:rPr lang="zh-CN" altLang="en-US" sz="1300">
+                    <a:solidFill>
+                      <a:schemeClr val="dk1"/>
+                    </a:solidFill>
+                  </a:rPr>
+                  <a:t> </a:t>
+                </a:r>
+                <a:r>
+                  <a:rPr lang="en-US" altLang="zh-CN" sz="1300">
+                    <a:solidFill>
+                      <a:schemeClr val="dk1"/>
+                    </a:solidFill>
+                  </a:rPr>
+                  <a:t>entity</a:t>
+                </a:r>
+                <a:r>
+                  <a:rPr lang="zh-CN" altLang="en-US" sz="1300">
+                    <a:solidFill>
+                      <a:schemeClr val="dk1"/>
+                    </a:solidFill>
+                  </a:rPr>
+                  <a:t> </a:t>
+                </a:r>
+                <a:r>
+                  <a:rPr lang="en-US" altLang="zh-CN" sz="1300">
+                    <a:solidFill>
+                      <a:schemeClr val="dk1"/>
+                    </a:solidFill>
+                  </a:rPr>
+                  <a:t>classes</a:t>
+                </a:r>
+                <a:r>
+                  <a:rPr lang="zh-CN" altLang="en-US" sz="1300">
+                    <a:solidFill>
+                      <a:schemeClr val="dk1"/>
+                    </a:solidFill>
+                  </a:rPr>
+                  <a:t> </a:t>
+                </a:r>
+                <a:r>
+                  <a:rPr lang="en-US" altLang="zh-CN" sz="1300">
+                    <a:solidFill>
+                      <a:schemeClr val="dk1"/>
+                    </a:solidFill>
+                  </a:rPr>
+                  <a:t>.</a:t>
+                </a:r>
+                <a:endParaRPr sz="1300">
+                  <a:solidFill>
+                    <a:schemeClr val="dk1"/>
+                  </a:solidFill>
+                </a:endParaRPr>
+              </a:p>
+            </p:txBody>
+          </p:sp>
+          <p:sp>
+            <p:nvSpPr>
+              <p:cNvPr id="4" name="Google Shape;117;p18">
+                <a:extLst>
+                  <a:ext uri="{FF2B5EF4-FFF2-40B4-BE49-F238E27FC236}">
+                    <a16:creationId xmlns:a16="http://schemas.microsoft.com/office/drawing/2014/main" id="{BFCA5301-7380-91CA-68B2-374C0B515498}"/>
+                  </a:ext>
+                </a:extLst>
+              </p:cNvPr>
+              <p:cNvSpPr/>
+              <p:nvPr/>
+            </p:nvSpPr>
+            <p:spPr>
+              <a:xfrm>
+                <a:off x="693325" y="1550100"/>
+                <a:ext cx="2098200" cy="1234200"/>
+              </a:xfrm>
+              <a:prstGeom prst="wedgeEllipseCallout">
+                <a:avLst>
+                  <a:gd name="adj1" fmla="val -38494"/>
+                  <a:gd name="adj2" fmla="val 53352"/>
+                </a:avLst>
+              </a:prstGeom>
+              <a:solidFill>
+                <a:srgbClr val="434343"/>
+              </a:solidFill>
+              <a:ln>
+                <a:noFill/>
+              </a:ln>
+            </p:spPr>
+            <p:txBody>
+              <a:bodyPr spcFirstLastPara="1" wrap="square" lIns="91425" tIns="91425" rIns="91425" bIns="91425" anchor="ctr" anchorCtr="0">
+                <a:noAutofit/>
+              </a:bodyPr>
+              <a:lstStyle/>
+              <a:p>
+                <a:pPr marL="0" lvl="0" indent="0" algn="ctr" rtl="0">
+                  <a:spcBef>
+                    <a:spcPts val="0"/>
+                  </a:spcBef>
+                  <a:spcAft>
+                    <a:spcPts val="0"/>
+                  </a:spcAft>
+                  <a:buNone/>
+                </a:pPr>
+                <a:r>
+                  <a:rPr lang="en-US" altLang="zh-CN" sz="1800" b="1">
+                    <a:solidFill>
+                      <a:schemeClr val="dk1"/>
+                    </a:solidFill>
+                  </a:rPr>
+                  <a:t>POS</a:t>
+                </a:r>
+                <a:endParaRPr/>
+              </a:p>
+            </p:txBody>
+          </p:sp>
+        </p:grpSp>
+        <p:grpSp>
+          <p:nvGrpSpPr>
+            <p:cNvPr id="10" name="Group 9">
+              <a:extLst>
+                <a:ext uri="{FF2B5EF4-FFF2-40B4-BE49-F238E27FC236}">
+                  <a16:creationId xmlns:a16="http://schemas.microsoft.com/office/drawing/2014/main" id="{292CB646-23EB-B8BA-C96E-7709F7927812}"/>
+                </a:ext>
+              </a:extLst>
+            </p:cNvPr>
+            <p:cNvGrpSpPr/>
+            <p:nvPr/>
+          </p:nvGrpSpPr>
+          <p:grpSpPr>
+            <a:xfrm>
+              <a:off x="5029055" y="1550100"/>
+              <a:ext cx="2098200" cy="2354787"/>
+              <a:chOff x="3522900" y="1550100"/>
+              <a:chExt cx="2098200" cy="2354787"/>
+            </a:xfrm>
+          </p:grpSpPr>
+          <p:sp>
+            <p:nvSpPr>
+              <p:cNvPr id="5" name="Google Shape;114;p18">
+                <a:extLst>
+                  <a:ext uri="{FF2B5EF4-FFF2-40B4-BE49-F238E27FC236}">
+                    <a16:creationId xmlns:a16="http://schemas.microsoft.com/office/drawing/2014/main" id="{77FC509D-BB27-9EC3-3706-8EF14D1E2B9E}"/>
+                  </a:ext>
+                </a:extLst>
+              </p:cNvPr>
+              <p:cNvSpPr txBox="1"/>
+              <p:nvPr/>
+            </p:nvSpPr>
+            <p:spPr>
+              <a:xfrm>
+                <a:off x="3522900" y="2843088"/>
+                <a:ext cx="2098200" cy="1061799"/>
+              </a:xfrm>
+              <a:prstGeom prst="rect">
+                <a:avLst/>
+              </a:prstGeom>
+              <a:noFill/>
+              <a:ln>
+                <a:noFill/>
+              </a:ln>
+            </p:spPr>
+            <p:txBody>
+              <a:bodyPr spcFirstLastPara="1" wrap="square" lIns="91425" tIns="91425" rIns="91425" bIns="91425" anchor="t" anchorCtr="0">
+                <a:spAutoFit/>
+              </a:bodyPr>
+              <a:lstStyle/>
+              <a:p>
+                <a:pPr marL="0" lvl="0" indent="0" algn="ctr" rtl="0">
+                  <a:spcBef>
+                    <a:spcPts val="0"/>
+                  </a:spcBef>
+                  <a:spcAft>
+                    <a:spcPts val="0"/>
+                  </a:spcAft>
+                  <a:buNone/>
+                </a:pPr>
+                <a:r>
+                  <a:rPr lang="en-US" altLang="zh-CN" sz="1800" b="1">
+                    <a:solidFill>
+                      <a:schemeClr val="dk1"/>
+                    </a:solidFill>
+                  </a:rPr>
+                  <a:t>Pre-Processing</a:t>
+                </a:r>
+              </a:p>
+              <a:p>
+                <a:pPr marL="0" lvl="0" indent="0" rtl="0">
+                  <a:spcBef>
+                    <a:spcPts val="0"/>
+                  </a:spcBef>
+                  <a:spcAft>
+                    <a:spcPts val="0"/>
+                  </a:spcAft>
+                  <a:buNone/>
+                </a:pPr>
+                <a:r>
+                  <a:rPr lang="en-US" altLang="zh-CN" sz="1300">
+                    <a:solidFill>
+                      <a:schemeClr val="dk1"/>
+                    </a:solidFill>
+                  </a:rPr>
+                  <a:t>Pre-process</a:t>
+                </a:r>
+                <a:r>
+                  <a:rPr lang="zh-CN" altLang="en-US" sz="1300">
+                    <a:solidFill>
+                      <a:schemeClr val="dk1"/>
+                    </a:solidFill>
+                  </a:rPr>
+                  <a:t> </a:t>
+                </a:r>
+                <a:r>
+                  <a:rPr lang="en-US" altLang="zh-CN" sz="1300">
+                    <a:solidFill>
+                      <a:schemeClr val="dk1"/>
+                    </a:solidFill>
+                  </a:rPr>
+                  <a:t>training</a:t>
+                </a:r>
+                <a:r>
+                  <a:rPr lang="zh-CN" altLang="en-US" sz="1300">
+                    <a:solidFill>
+                      <a:schemeClr val="dk1"/>
+                    </a:solidFill>
+                  </a:rPr>
+                  <a:t> </a:t>
+                </a:r>
+                <a:r>
+                  <a:rPr lang="en-US" altLang="zh-CN" sz="1300">
+                    <a:solidFill>
+                      <a:schemeClr val="dk1"/>
+                    </a:solidFill>
+                  </a:rPr>
+                  <a:t>data</a:t>
+                </a:r>
+                <a:r>
+                  <a:rPr lang="zh-CN" altLang="en-US" sz="1300">
+                    <a:solidFill>
+                      <a:schemeClr val="dk1"/>
+                    </a:solidFill>
+                  </a:rPr>
+                  <a:t> </a:t>
+                </a:r>
+                <a:r>
+                  <a:rPr lang="en-US" altLang="zh-CN" sz="1300">
+                    <a:solidFill>
+                      <a:schemeClr val="dk1"/>
+                    </a:solidFill>
+                  </a:rPr>
+                  <a:t>to</a:t>
+                </a:r>
+                <a:r>
+                  <a:rPr lang="zh-CN" altLang="en-US" sz="1300">
+                    <a:solidFill>
+                      <a:schemeClr val="dk1"/>
+                    </a:solidFill>
+                  </a:rPr>
+                  <a:t> </a:t>
+                </a:r>
+                <a:r>
+                  <a:rPr lang="en-US" altLang="zh-CN" sz="1300">
+                    <a:solidFill>
+                      <a:schemeClr val="dk1"/>
+                    </a:solidFill>
+                  </a:rPr>
+                  <a:t>eliminate</a:t>
+                </a:r>
+                <a:r>
+                  <a:rPr lang="zh-CN" altLang="en-US" sz="1300">
+                    <a:solidFill>
+                      <a:schemeClr val="dk1"/>
+                    </a:solidFill>
+                  </a:rPr>
+                  <a:t> </a:t>
+                </a:r>
+                <a:r>
+                  <a:rPr lang="en-US" altLang="zh-CN" sz="1300">
+                    <a:solidFill>
+                      <a:schemeClr val="dk1"/>
+                    </a:solidFill>
+                  </a:rPr>
+                  <a:t>noise,</a:t>
+                </a:r>
+                <a:r>
+                  <a:rPr lang="zh-CN" altLang="en-US" sz="1300">
+                    <a:solidFill>
+                      <a:schemeClr val="dk1"/>
+                    </a:solidFill>
+                  </a:rPr>
+                  <a:t> </a:t>
+                </a:r>
+                <a:r>
+                  <a:rPr lang="en-US" altLang="zh-CN" sz="1300">
+                    <a:solidFill>
+                      <a:schemeClr val="dk1"/>
+                    </a:solidFill>
+                  </a:rPr>
+                  <a:t>using</a:t>
+                </a:r>
+                <a:r>
+                  <a:rPr lang="zh-CN" altLang="en-US" sz="1300">
+                    <a:solidFill>
+                      <a:schemeClr val="dk1"/>
+                    </a:solidFill>
+                  </a:rPr>
+                  <a:t> </a:t>
+                </a:r>
+                <a:r>
+                  <a:rPr lang="en-US" altLang="zh-CN" sz="1300">
+                    <a:solidFill>
+                      <a:schemeClr val="dk1"/>
+                    </a:solidFill>
+                  </a:rPr>
+                  <a:t>Support</a:t>
+                </a:r>
+                <a:r>
+                  <a:rPr lang="zh-CN" altLang="en-US" sz="1300">
+                    <a:solidFill>
+                      <a:schemeClr val="dk1"/>
+                    </a:solidFill>
+                  </a:rPr>
+                  <a:t> </a:t>
+                </a:r>
+                <a:r>
+                  <a:rPr lang="en-US" altLang="zh-CN" sz="1300">
+                    <a:solidFill>
+                      <a:schemeClr val="dk1"/>
+                    </a:solidFill>
+                  </a:rPr>
+                  <a:t>Vector</a:t>
+                </a:r>
+                <a:r>
+                  <a:rPr lang="zh-CN" altLang="en-US" sz="1300">
+                    <a:solidFill>
+                      <a:schemeClr val="dk1"/>
+                    </a:solidFill>
+                  </a:rPr>
+                  <a:t> </a:t>
+                </a:r>
+                <a:r>
+                  <a:rPr lang="en-US" altLang="zh-CN" sz="1300">
+                    <a:solidFill>
+                      <a:schemeClr val="dk1"/>
+                    </a:solidFill>
+                  </a:rPr>
+                  <a:t>Machine.</a:t>
+                </a:r>
+                <a:endParaRPr sz="1300">
+                  <a:solidFill>
+                    <a:schemeClr val="dk1"/>
+                  </a:solidFill>
+                </a:endParaRPr>
+              </a:p>
+            </p:txBody>
+          </p:sp>
+          <p:grpSp>
+            <p:nvGrpSpPr>
+              <p:cNvPr id="9" name="Group 8">
+                <a:extLst>
+                  <a:ext uri="{FF2B5EF4-FFF2-40B4-BE49-F238E27FC236}">
+                    <a16:creationId xmlns:a16="http://schemas.microsoft.com/office/drawing/2014/main" id="{61449050-D9A1-4A56-3438-6B1B83E754DF}"/>
+                  </a:ext>
+                </a:extLst>
+              </p:cNvPr>
+              <p:cNvGrpSpPr/>
+              <p:nvPr/>
+            </p:nvGrpSpPr>
+            <p:grpSpPr>
+              <a:xfrm>
+                <a:off x="3522900" y="1550100"/>
+                <a:ext cx="2098200" cy="1234200"/>
+                <a:chOff x="3522900" y="1550100"/>
+                <a:chExt cx="2098200" cy="1234200"/>
+              </a:xfrm>
+            </p:grpSpPr>
+            <p:sp>
+              <p:nvSpPr>
+                <p:cNvPr id="7" name="Google Shape;117;p18">
+                  <a:extLst>
+                    <a:ext uri="{FF2B5EF4-FFF2-40B4-BE49-F238E27FC236}">
+                      <a16:creationId xmlns:a16="http://schemas.microsoft.com/office/drawing/2014/main" id="{0A78C199-F51D-0748-1B4E-283B878A5D1E}"/>
+                    </a:ext>
+                  </a:extLst>
+                </p:cNvPr>
+                <p:cNvSpPr/>
+                <p:nvPr/>
+              </p:nvSpPr>
+              <p:spPr>
+                <a:xfrm>
+                  <a:off x="3522900" y="1550100"/>
+                  <a:ext cx="2098200" cy="1234200"/>
+                </a:xfrm>
+                <a:prstGeom prst="wedgeEllipseCallout">
+                  <a:avLst>
+                    <a:gd name="adj1" fmla="val -38494"/>
+                    <a:gd name="adj2" fmla="val 53352"/>
+                  </a:avLst>
+                </a:prstGeom>
+                <a:solidFill>
+                  <a:srgbClr val="434343"/>
+                </a:solidFill>
+                <a:ln>
+                  <a:noFill/>
+                </a:ln>
+              </p:spPr>
+              <p:txBody>
+                <a:bodyPr spcFirstLastPara="1" wrap="square" lIns="91425" tIns="91425" rIns="91425" bIns="91425" anchor="ctr" anchorCtr="0">
+                  <a:noAutofit/>
+                </a:bodyPr>
+                <a:lstStyle/>
+                <a:p>
+                  <a:pPr marL="0" lvl="0" indent="0" algn="ctr" rtl="0">
+                    <a:spcBef>
+                      <a:spcPts val="0"/>
+                    </a:spcBef>
+                    <a:spcAft>
+                      <a:spcPts val="0"/>
+                    </a:spcAft>
+                    <a:buNone/>
+                  </a:pPr>
+                  <a:endParaRPr/>
+                </a:p>
+              </p:txBody>
+            </p:sp>
+            <p:pic>
+              <p:nvPicPr>
+                <p:cNvPr id="6" name="Picture 5">
+                  <a:extLst>
+                    <a:ext uri="{FF2B5EF4-FFF2-40B4-BE49-F238E27FC236}">
+                      <a16:creationId xmlns:a16="http://schemas.microsoft.com/office/drawing/2014/main" id="{6D9B725B-0406-A68E-E25D-0315F4DB2B8A}"/>
+                    </a:ext>
+                  </a:extLst>
+                </p:cNvPr>
+                <p:cNvPicPr>
+                  <a:picLocks noChangeAspect="1"/>
+                </p:cNvPicPr>
+                <p:nvPr/>
+              </p:nvPicPr>
+              <p:blipFill>
+                <a:blip r:embed="rId2"/>
+                <a:stretch>
+                  <a:fillRect/>
+                </a:stretch>
+              </p:blipFill>
+              <p:spPr>
+                <a:xfrm>
+                  <a:off x="4087495" y="1700639"/>
+                  <a:ext cx="969010" cy="933121"/>
+                </a:xfrm>
+                <a:prstGeom prst="rect">
+                  <a:avLst/>
+                </a:prstGeom>
+              </p:spPr>
+            </p:pic>
+          </p:grpSp>
+        </p:grpSp>
+      </p:grpSp>
+    </p:spTree>
+    <p:extLst>
+      <p:ext uri="{BB962C8B-B14F-4D97-AF65-F5344CB8AC3E}">
+        <p14:creationId xmlns:p14="http://schemas.microsoft.com/office/powerpoint/2010/main" val="290130123"/>
+      </p:ext>
+    </p:extLst>
+  </p:cSld>
+  <p:clrMapOvr>
+    <a:masterClrMapping/>
+  </p:clrMapOvr>
+</p:sld>
+</file>
+
+<file path=ppt/slides/slide23.xml><?xml version="1.0" encoding="utf-8"?>
+<p:sld xmlns:a="http://schemas.openxmlformats.org/drawingml/2006/main" xmlns:r="http://schemas.openxmlformats.org/officeDocument/2006/relationships" xmlns:p="http://schemas.openxmlformats.org/presentationml/2006/main">
+  <p:cSld>
+    <p:spTree>
+      <p:nvGrpSpPr>
+        <p:cNvPr id="1" name="Shape 235"/>
+        <p:cNvGrpSpPr/>
+        <p:nvPr/>
+      </p:nvGrpSpPr>
+      <p:grpSpPr>
+        <a:xfrm>
+          <a:off x="0" y="0"/>
+          <a:ext cx="0" cy="0"/>
+          <a:chOff x="0" y="0"/>
+          <a:chExt cx="0" cy="0"/>
+        </a:xfrm>
+      </p:grpSpPr>
+      <p:sp>
+        <p:nvSpPr>
+          <p:cNvPr id="236" name="Google Shape;236;p30"/>
+          <p:cNvSpPr txBox="1">
+            <a:spLocks noGrp="1"/>
+          </p:cNvSpPr>
+          <p:nvPr>
+            <p:ph type="title"/>
+          </p:nvPr>
+        </p:nvSpPr>
+        <p:spPr>
+          <a:xfrm>
+            <a:off x="311700" y="478000"/>
+            <a:ext cx="8520600" cy="572700"/>
+          </a:xfrm>
+          <a:prstGeom prst="rect">
+            <a:avLst/>
+          </a:prstGeom>
+        </p:spPr>
+        <p:txBody>
+          <a:bodyPr spcFirstLastPara="1" wrap="square" lIns="91425" tIns="91425" rIns="91425" bIns="91425" anchor="t" anchorCtr="0">
+            <a:normAutofit fontScale="90000"/>
+          </a:bodyPr>
+          <a:lstStyle/>
+          <a:p>
+            <a:pPr marL="0" lvl="0" indent="0" algn="l" rtl="0">
+              <a:spcBef>
+                <a:spcPts val="0"/>
+              </a:spcBef>
+              <a:spcAft>
+                <a:spcPts val="0"/>
+              </a:spcAft>
+              <a:buNone/>
+            </a:pPr>
+            <a:r>
+              <a:rPr lang="zh-CN"/>
+              <a:t>/ Evaluations and Demo / </a:t>
+            </a:r>
+            <a:endParaRPr/>
+          </a:p>
+        </p:txBody>
+      </p:sp>
+      <p:sp>
+        <p:nvSpPr>
+          <p:cNvPr id="237" name="Google Shape;237;p30"/>
+          <p:cNvSpPr txBox="1">
+            <a:spLocks noGrp="1"/>
+          </p:cNvSpPr>
+          <p:nvPr>
+            <p:ph type="title"/>
+          </p:nvPr>
+        </p:nvSpPr>
+        <p:spPr>
+          <a:xfrm>
+            <a:off x="311700" y="2150850"/>
+            <a:ext cx="8520600" cy="841800"/>
+          </a:xfrm>
+          <a:prstGeom prst="rect">
+            <a:avLst/>
+          </a:prstGeom>
+        </p:spPr>
+        <p:txBody>
+          <a:bodyPr spcFirstLastPara="1" wrap="square" lIns="91425" tIns="91425" rIns="91425" bIns="91425" anchor="ctr" anchorCtr="0">
+            <a:normAutofit/>
+          </a:bodyPr>
+          <a:lstStyle/>
+          <a:p>
+            <a:pPr marL="0" lvl="0" indent="0" algn="ctr" rtl="0">
+              <a:spcBef>
+                <a:spcPts val="0"/>
+              </a:spcBef>
+              <a:spcAft>
+                <a:spcPts val="0"/>
+              </a:spcAft>
+              <a:buNone/>
+            </a:pPr>
+            <a:r>
+              <a:rPr lang="zh-CN" b="1"/>
+              <a:t>Live Demo</a:t>
+            </a:r>
+            <a:endParaRPr b="1"/>
+          </a:p>
+        </p:txBody>
+      </p:sp>
+    </p:spTree>
+  </p:cSld>
+  <p:clrMapOvr>
+    <a:masterClrMapping/>
+  </p:clrMapOvr>
+  <p:transition spd="slow">
+    <p:push dir="u"/>
+  </p:transition>
+</p:sld>
+</file>
+
+<file path=ppt/slides/slide24.xml><?xml version="1.0" encoding="utf-8"?>
+<p:sld xmlns:a="http://schemas.openxmlformats.org/drawingml/2006/main" xmlns:r="http://schemas.openxmlformats.org/officeDocument/2006/relationships" xmlns:p="http://schemas.openxmlformats.org/presentationml/2006/main">
+  <p:cSld>
+    <p:spTree>
+      <p:nvGrpSpPr>
+        <p:cNvPr id="1" name="Shape 241"/>
+        <p:cNvGrpSpPr/>
+        <p:nvPr/>
+      </p:nvGrpSpPr>
+      <p:grpSpPr>
+        <a:xfrm>
+          <a:off x="0" y="0"/>
+          <a:ext cx="0" cy="0"/>
+          <a:chOff x="0" y="0"/>
+          <a:chExt cx="0" cy="0"/>
+        </a:xfrm>
+      </p:grpSpPr>
+      <p:sp>
+        <p:nvSpPr>
+          <p:cNvPr id="242" name="Google Shape;242;p31"/>
+          <p:cNvSpPr txBox="1">
+            <a:spLocks noGrp="1"/>
+          </p:cNvSpPr>
+          <p:nvPr>
+            <p:ph type="title"/>
+          </p:nvPr>
+        </p:nvSpPr>
+        <p:spPr>
+          <a:xfrm>
+            <a:off x="311700" y="2150850"/>
+            <a:ext cx="8520600" cy="841800"/>
+          </a:xfrm>
+          <a:prstGeom prst="rect">
+            <a:avLst/>
+          </a:prstGeom>
+        </p:spPr>
+        <p:txBody>
+          <a:bodyPr spcFirstLastPara="1" wrap="square" lIns="91425" tIns="91425" rIns="91425" bIns="91425" anchor="ctr" anchorCtr="0">
+            <a:normAutofit/>
+          </a:bodyPr>
+          <a:lstStyle/>
+          <a:p>
+            <a:pPr marL="0" lvl="0" indent="0" algn="ctr" rtl="0">
+              <a:spcBef>
+                <a:spcPts val="0"/>
+              </a:spcBef>
+              <a:spcAft>
+                <a:spcPts val="0"/>
+              </a:spcAft>
+              <a:buNone/>
+            </a:pPr>
+            <a:r>
+              <a:rPr lang="zh-CN" b="1"/>
+              <a:t>Thanks for Listening!</a:t>
+            </a:r>
+            <a:endParaRPr b="1"/>
+          </a:p>
+        </p:txBody>
+      </p:sp>
+    </p:spTree>
+  </p:cSld>
+  <p:clrMapOvr>
+    <a:masterClrMapping/>
+  </p:clrMapOvr>
+  <mc:AlternateContent xmlns:mc="http://schemas.openxmlformats.org/markup-compatibility/2006" xmlns:p14="http://schemas.microsoft.com/office/powerpoint/2010/main">
+    <mc:Choice Requires="p14">
+      <p:transition spd="slow">
+        <p14:flash/>
+      </p:transition>
+    </mc:Choice>
+    <mc:Fallback xmlns="">
+      <p:transition spd="slow">
+        <p:fade/>
+      </p:transition>
+    </mc:Fallback>
+  </mc:AlternateContent>
 </p:sld>
 </file>
 
@@ -11805,7 +19755,7 @@
         <p14:prism/>
       </p:transition>
     </mc:Choice>
-    <mc:Fallback xmlns:ahyp="http://schemas.microsoft.com/office/drawing/2018/hyperlinkcolor" xmlns:p15="http://schemas.microsoft.com/office/powerpoint/2012/main" xmlns:com="http://schemas.openxmlformats.org/drawingml/2006/compatibility" xmlns:pvml="urn:schemas-microsoft-com:office:powerpoint" xmlns:v="urn:schemas-microsoft-com:vml" xmlns:o="urn:schemas-microsoft-com:office:office" xmlns:dgm="http://schemas.openxmlformats.org/drawingml/2006/diagram" xmlns:c="http://schemas.openxmlformats.org/drawingml/2006/chart" xmlns:mv="urn:schemas-microsoft-com:mac:vml" xmlns="">
+    <mc:Fallback xmlns="" xmlns:mv="urn:schemas-microsoft-com:mac:vml" xmlns:c="http://schemas.openxmlformats.org/drawingml/2006/chart" xmlns:dgm="http://schemas.openxmlformats.org/drawingml/2006/diagram" xmlns:o="urn:schemas-microsoft-com:office:office" xmlns:v="urn:schemas-microsoft-com:vml" xmlns:pvml="urn:schemas-microsoft-com:office:powerpoint" xmlns:com="http://schemas.openxmlformats.org/drawingml/2006/compatibility" xmlns:p15="http://schemas.microsoft.com/office/powerpoint/2012/main" xmlns:ahyp="http://schemas.microsoft.com/office/drawing/2018/hyperlinkcolor">
       <p:transition spd="med">
         <p:fade/>
       </p:transition>
@@ -11935,7 +19885,7 @@
         <p14:prism/>
       </p:transition>
     </mc:Choice>
-    <mc:Fallback xmlns:ahyp="http://schemas.microsoft.com/office/drawing/2018/hyperlinkcolor" xmlns:p15="http://schemas.microsoft.com/office/powerpoint/2012/main" xmlns:com="http://schemas.openxmlformats.org/drawingml/2006/compatibility" xmlns:pvml="urn:schemas-microsoft-com:office:powerpoint" xmlns:v="urn:schemas-microsoft-com:vml" xmlns:o="urn:schemas-microsoft-com:office:office" xmlns:dgm="http://schemas.openxmlformats.org/drawingml/2006/diagram" xmlns:c="http://schemas.openxmlformats.org/drawingml/2006/chart" xmlns:mv="urn:schemas-microsoft-com:mac:vml" xmlns="">
+    <mc:Fallback xmlns="" xmlns:mv="urn:schemas-microsoft-com:mac:vml" xmlns:c="http://schemas.openxmlformats.org/drawingml/2006/chart" xmlns:dgm="http://schemas.openxmlformats.org/drawingml/2006/diagram" xmlns:o="urn:schemas-microsoft-com:office:office" xmlns:v="urn:schemas-microsoft-com:vml" xmlns:pvml="urn:schemas-microsoft-com:office:powerpoint" xmlns:com="http://schemas.openxmlformats.org/drawingml/2006/compatibility" xmlns:p15="http://schemas.microsoft.com/office/powerpoint/2012/main" xmlns:ahyp="http://schemas.microsoft.com/office/drawing/2018/hyperlinkcolor">
       <p:transition spd="med">
         <p:fade/>
       </p:transition>
@@ -16094,14 +24044,153 @@
           </a:p>
         </p:txBody>
       </p:sp>
+      <p:sp>
+        <p:nvSpPr>
+          <p:cNvPr id="126" name="Google Shape;126;p19"/>
+          <p:cNvSpPr/>
+          <p:nvPr/>
+        </p:nvSpPr>
+        <p:spPr>
+          <a:xfrm>
+            <a:off x="693325" y="1550100"/>
+            <a:ext cx="2098200" cy="1234200"/>
+          </a:xfrm>
+          <a:prstGeom prst="wedgeEllipseCallout">
+            <a:avLst>
+              <a:gd name="adj1" fmla="val -38494"/>
+              <a:gd name="adj2" fmla="val 53352"/>
+            </a:avLst>
+          </a:prstGeom>
+          <a:solidFill>
+            <a:srgbClr val="434343"/>
+          </a:solidFill>
+          <a:ln>
+            <a:noFill/>
+          </a:ln>
+        </p:spPr>
+        <p:txBody>
+          <a:bodyPr spcFirstLastPara="1" wrap="square" lIns="91425" tIns="91425" rIns="91425" bIns="91425" anchor="ctr" anchorCtr="0">
+            <a:noAutofit/>
+          </a:bodyPr>
+          <a:lstStyle/>
+          <a:p>
+            <a:pPr marL="0" lvl="0" indent="0" algn="ctr" rtl="0">
+              <a:spcBef>
+                <a:spcPts val="0"/>
+              </a:spcBef>
+              <a:spcAft>
+                <a:spcPts val="0"/>
+              </a:spcAft>
+              <a:buNone/>
+            </a:pPr>
+            <a:r>
+              <a:rPr lang="zh-CN" sz="1800">
+                <a:solidFill>
+                  <a:schemeClr val="dk1"/>
+                </a:solidFill>
+              </a:rPr>
+              <a:t>January</a:t>
+            </a:r>
+            <a:endParaRPr sz="1800">
+              <a:solidFill>
+                <a:schemeClr val="dk1"/>
+              </a:solidFill>
+            </a:endParaRPr>
+          </a:p>
+          <a:p>
+            <a:pPr marL="0" lvl="0" indent="0" algn="ctr" rtl="0">
+              <a:spcBef>
+                <a:spcPts val="0"/>
+              </a:spcBef>
+              <a:spcAft>
+                <a:spcPts val="0"/>
+              </a:spcAft>
+              <a:buNone/>
+            </a:pPr>
+            <a:r>
+              <a:rPr lang="zh-CN" sz="1800">
+                <a:solidFill>
+                  <a:schemeClr val="dk1"/>
+                </a:solidFill>
+              </a:rPr>
+              <a:t>Tuesday</a:t>
+            </a:r>
+            <a:endParaRPr sz="1800">
+              <a:solidFill>
+                <a:schemeClr val="dk1"/>
+              </a:solidFill>
+            </a:endParaRPr>
+          </a:p>
+          <a:p>
+            <a:pPr marL="0" lvl="0" indent="0" algn="ctr" rtl="0">
+              <a:spcBef>
+                <a:spcPts val="0"/>
+              </a:spcBef>
+              <a:spcAft>
+                <a:spcPts val="0"/>
+              </a:spcAft>
+              <a:buNone/>
+            </a:pPr>
+            <a:r>
+              <a:rPr lang="zh-CN" sz="1800">
+                <a:solidFill>
+                  <a:schemeClr val="dk1"/>
+                </a:solidFill>
+              </a:rPr>
+              <a:t>China</a:t>
+            </a:r>
+            <a:endParaRPr sz="1800">
+              <a:solidFill>
+                <a:schemeClr val="dk1"/>
+              </a:solidFill>
+            </a:endParaRPr>
+          </a:p>
+          <a:p>
+            <a:pPr marL="0" lvl="0" indent="0" algn="ctr" rtl="0">
+              <a:spcBef>
+                <a:spcPts val="0"/>
+              </a:spcBef>
+              <a:spcAft>
+                <a:spcPts val="0"/>
+              </a:spcAft>
+              <a:buNone/>
+            </a:pPr>
+            <a:r>
+              <a:rPr lang="zh-CN" sz="1800">
+                <a:solidFill>
+                  <a:schemeClr val="dk1"/>
+                </a:solidFill>
+              </a:rPr>
+              <a:t>She</a:t>
+            </a:r>
+            <a:endParaRPr sz="1800" b="1">
+              <a:solidFill>
+                <a:schemeClr val="dk1"/>
+              </a:solidFill>
+            </a:endParaRPr>
+          </a:p>
+        </p:txBody>
+      </p:sp>
       <p:graphicFrame>
         <p:nvGraphicFramePr>
-          <p:cNvPr id="125" name="Google Shape;125;p19"/>
+          <p:cNvPr id="2" name="Google Shape;125;p19">
+            <a:extLst>
+              <a:ext uri="{FF2B5EF4-FFF2-40B4-BE49-F238E27FC236}">
+                <a16:creationId xmlns:a16="http://schemas.microsoft.com/office/drawing/2014/main" id="{C167B64B-DE54-1056-C94A-43DF1855BB04}"/>
+              </a:ext>
+            </a:extLst>
+          </p:cNvPr>
           <p:cNvGraphicFramePr/>
-          <p:nvPr/>
+          <p:nvPr>
+            <p:extLst>
+              <p:ext uri="{D42A27DB-BD31-4B8C-83A1-F6EECF244321}">
+                <p14:modId xmlns:p14="http://schemas.microsoft.com/office/powerpoint/2010/main" val="2361024894"/>
+              </p:ext>
+            </p:extLst>
+          </p:nvPr>
         </p:nvGraphicFramePr>
         <p:xfrm>
-          <a:off x="3174925" y="1127525"/>
+          <a:off x="3174875" y="1127525"/>
           <a:ext cx="5657400" cy="2698190"/>
         </p:xfrm>
         <a:graphic>
@@ -17277,133 +25366,6 @@
           </a:graphicData>
         </a:graphic>
       </p:graphicFrame>
-      <p:sp>
-        <p:nvSpPr>
-          <p:cNvPr id="126" name="Google Shape;126;p19"/>
-          <p:cNvSpPr/>
-          <p:nvPr/>
-        </p:nvSpPr>
-        <p:spPr>
-          <a:xfrm>
-            <a:off x="693325" y="1550100"/>
-            <a:ext cx="2098200" cy="1234200"/>
-          </a:xfrm>
-          <a:prstGeom prst="wedgeEllipseCallout">
-            <a:avLst>
-              <a:gd name="adj1" fmla="val -38494"/>
-              <a:gd name="adj2" fmla="val 53352"/>
-            </a:avLst>
-          </a:prstGeom>
-          <a:solidFill>
-            <a:srgbClr val="434343"/>
-          </a:solidFill>
-          <a:ln>
-            <a:noFill/>
-          </a:ln>
-        </p:spPr>
-        <p:txBody>
-          <a:bodyPr spcFirstLastPara="1" wrap="square" lIns="91425" tIns="91425" rIns="91425" bIns="91425" anchor="ctr" anchorCtr="0">
-            <a:noAutofit/>
-          </a:bodyPr>
-          <a:lstStyle/>
-          <a:p>
-            <a:pPr marL="0" lvl="0" indent="0" algn="ctr" rtl="0">
-              <a:spcBef>
-                <a:spcPts val="0"/>
-              </a:spcBef>
-              <a:spcAft>
-                <a:spcPts val="0"/>
-              </a:spcAft>
-              <a:buNone/>
-            </a:pPr>
-            <a:r>
-              <a:rPr lang="zh-CN" sz="1800">
-                <a:solidFill>
-                  <a:schemeClr val="dk1"/>
-                </a:solidFill>
-              </a:rPr>
-              <a:t>January</a:t>
-            </a:r>
-            <a:endParaRPr sz="1800">
-              <a:solidFill>
-                <a:schemeClr val="dk1"/>
-              </a:solidFill>
-            </a:endParaRPr>
-          </a:p>
-          <a:p>
-            <a:pPr marL="0" lvl="0" indent="0" algn="ctr" rtl="0">
-              <a:spcBef>
-                <a:spcPts val="0"/>
-              </a:spcBef>
-              <a:spcAft>
-                <a:spcPts val="0"/>
-              </a:spcAft>
-              <a:buNone/>
-            </a:pPr>
-            <a:r>
-              <a:rPr lang="zh-CN" sz="1800">
-                <a:solidFill>
-                  <a:schemeClr val="dk1"/>
-                </a:solidFill>
-              </a:rPr>
-              <a:t>Tuesday</a:t>
-            </a:r>
-            <a:endParaRPr sz="1800">
-              <a:solidFill>
-                <a:schemeClr val="dk1"/>
-              </a:solidFill>
-            </a:endParaRPr>
-          </a:p>
-          <a:p>
-            <a:pPr marL="0" lvl="0" indent="0" algn="ctr" rtl="0">
-              <a:spcBef>
-                <a:spcPts val="0"/>
-              </a:spcBef>
-              <a:spcAft>
-                <a:spcPts val="0"/>
-              </a:spcAft>
-              <a:buNone/>
-            </a:pPr>
-            <a:r>
-              <a:rPr lang="zh-CN" sz="1800">
-                <a:solidFill>
-                  <a:schemeClr val="dk1"/>
-                </a:solidFill>
-              </a:rPr>
-              <a:t>China</a:t>
-            </a:r>
-            <a:endParaRPr sz="1800">
-              <a:solidFill>
-                <a:schemeClr val="dk1"/>
-              </a:solidFill>
-            </a:endParaRPr>
-          </a:p>
-          <a:p>
-            <a:pPr marL="0" lvl="0" indent="0" algn="ctr" rtl="0">
-              <a:spcBef>
-                <a:spcPts val="0"/>
-              </a:spcBef>
-              <a:spcAft>
-                <a:spcPts val="0"/>
-              </a:spcAft>
-              <a:buNone/>
-            </a:pPr>
-            <a:r>
-              <a:rPr lang="zh-CN" sz="1800">
-                <a:solidFill>
-                  <a:schemeClr val="dk1"/>
-                </a:solidFill>
-              </a:rPr>
-              <a:t>She</a:t>
-            </a:r>
-            <a:endParaRPr sz="1800" b="1">
-              <a:solidFill>
-                <a:schemeClr val="dk1"/>
-              </a:solidFill>
-            </a:endParaRPr>
-          </a:p>
-        </p:txBody>
-      </p:sp>
     </p:spTree>
   </p:cSld>
   <p:clrMapOvr>

--- a/CISC3025-Project3-Presentation.pptx
+++ b/CISC3025-Project3-Presentation.pptx
@@ -8401,7 +8401,7 @@
         <p14:prism/>
       </p:transition>
     </mc:Choice>
-    <mc:Fallback xmlns="" xmlns:mv="urn:schemas-microsoft-com:mac:vml" xmlns:c="http://schemas.openxmlformats.org/drawingml/2006/chart" xmlns:dgm="http://schemas.openxmlformats.org/drawingml/2006/diagram" xmlns:o="urn:schemas-microsoft-com:office:office" xmlns:v="urn:schemas-microsoft-com:vml" xmlns:pvml="urn:schemas-microsoft-com:office:powerpoint" xmlns:com="http://schemas.openxmlformats.org/drawingml/2006/compatibility" xmlns:p15="http://schemas.microsoft.com/office/powerpoint/2012/main" xmlns:ahyp="http://schemas.microsoft.com/office/drawing/2018/hyperlinkcolor">
+    <mc:Fallback xmlns:ahyp="http://schemas.microsoft.com/office/drawing/2018/hyperlinkcolor" xmlns:p15="http://schemas.microsoft.com/office/powerpoint/2012/main" xmlns:com="http://schemas.openxmlformats.org/drawingml/2006/compatibility" xmlns:pvml="urn:schemas-microsoft-com:office:powerpoint" xmlns:v="urn:schemas-microsoft-com:vml" xmlns:o="urn:schemas-microsoft-com:office:office" xmlns:dgm="http://schemas.openxmlformats.org/drawingml/2006/diagram" xmlns:c="http://schemas.openxmlformats.org/drawingml/2006/chart" xmlns:mv="urn:schemas-microsoft-com:mac:vml" xmlns="">
       <p:transition spd="med">
         <p:fade/>
       </p:transition>
@@ -10399,7 +10399,7 @@
         <p14:prism/>
       </p:transition>
     </mc:Choice>
-    <mc:Fallback xmlns="" xmlns:mv="urn:schemas-microsoft-com:mac:vml" xmlns:c="http://schemas.openxmlformats.org/drawingml/2006/chart" xmlns:dgm="http://schemas.openxmlformats.org/drawingml/2006/diagram" xmlns:o="urn:schemas-microsoft-com:office:office" xmlns:v="urn:schemas-microsoft-com:vml" xmlns:pvml="urn:schemas-microsoft-com:office:powerpoint" xmlns:com="http://schemas.openxmlformats.org/drawingml/2006/compatibility" xmlns:p15="http://schemas.microsoft.com/office/powerpoint/2012/main" xmlns:ahyp="http://schemas.microsoft.com/office/drawing/2018/hyperlinkcolor">
+    <mc:Fallback xmlns:ahyp="http://schemas.microsoft.com/office/drawing/2018/hyperlinkcolor" xmlns:p15="http://schemas.microsoft.com/office/powerpoint/2012/main" xmlns:com="http://schemas.openxmlformats.org/drawingml/2006/compatibility" xmlns:pvml="urn:schemas-microsoft-com:office:powerpoint" xmlns:v="urn:schemas-microsoft-com:vml" xmlns:o="urn:schemas-microsoft-com:office:office" xmlns:dgm="http://schemas.openxmlformats.org/drawingml/2006/diagram" xmlns:c="http://schemas.openxmlformats.org/drawingml/2006/chart" xmlns:mv="urn:schemas-microsoft-com:mac:vml" xmlns="">
       <p:transition spd="med">
         <p:fade/>
       </p:transition>
@@ -15142,8 +15142,8 @@
           </a:p>
         </p:txBody>
       </p:sp>
-      <mc:AlternateContent xmlns:mc="http://schemas.openxmlformats.org/markup-compatibility/2006">
-        <mc:Choice xmlns:a14="http://schemas.microsoft.com/office/drawing/2010/main" Requires="a14">
+      <mc:AlternateContent xmlns:mc="http://schemas.openxmlformats.org/markup-compatibility/2006" xmlns:a14="http://schemas.microsoft.com/office/drawing/2010/main">
+        <mc:Choice Requires="a14">
           <p:sp>
             <p:nvSpPr>
               <p:cNvPr id="3" name="Rounded Rectangle 2">
@@ -15225,7 +15225,7 @@
             </p:txBody>
           </p:sp>
         </mc:Choice>
-        <mc:Fallback>
+        <mc:Fallback xmlns="">
           <p:sp>
             <p:nvSpPr>
               <p:cNvPr id="3" name="Rounded Rectangle 2">
@@ -15378,8 +15378,8 @@
           </a:fontRef>
         </p:style>
       </p:cxnSp>
-      <mc:AlternateContent xmlns:mc="http://schemas.openxmlformats.org/markup-compatibility/2006">
-        <mc:Choice xmlns:a14="http://schemas.microsoft.com/office/drawing/2010/main" Requires="a14">
+      <mc:AlternateContent xmlns:mc="http://schemas.openxmlformats.org/markup-compatibility/2006" xmlns:a14="http://schemas.microsoft.com/office/drawing/2010/main">
+        <mc:Choice Requires="a14">
           <p:sp>
             <p:nvSpPr>
               <p:cNvPr id="9" name="Rounded Rectangle 8">
@@ -15461,7 +15461,7 @@
             </p:txBody>
           </p:sp>
         </mc:Choice>
-        <mc:Fallback>
+        <mc:Fallback xmlns="">
           <p:sp>
             <p:nvSpPr>
               <p:cNvPr id="9" name="Rounded Rectangle 8">
@@ -15614,8 +15614,8 @@
           </a:fontRef>
         </p:style>
       </p:cxnSp>
-      <mc:AlternateContent xmlns:mc="http://schemas.openxmlformats.org/markup-compatibility/2006">
-        <mc:Choice xmlns:a14="http://schemas.microsoft.com/office/drawing/2010/main" Requires="a14">
+      <mc:AlternateContent xmlns:mc="http://schemas.openxmlformats.org/markup-compatibility/2006" xmlns:a14="http://schemas.microsoft.com/office/drawing/2010/main">
+        <mc:Choice Requires="a14">
           <p:sp>
             <p:nvSpPr>
               <p:cNvPr id="16" name="Rounded Rectangle 15">
@@ -15697,7 +15697,7 @@
             </p:txBody>
           </p:sp>
         </mc:Choice>
-        <mc:Fallback>
+        <mc:Fallback xmlns="">
           <p:sp>
             <p:nvSpPr>
               <p:cNvPr id="16" name="Rounded Rectangle 15">
@@ -15850,8 +15850,8 @@
           </a:fontRef>
         </p:style>
       </p:cxnSp>
-      <mc:AlternateContent xmlns:mc="http://schemas.openxmlformats.org/markup-compatibility/2006">
-        <mc:Choice xmlns:a14="http://schemas.microsoft.com/office/drawing/2010/main" Requires="a14">
+      <mc:AlternateContent xmlns:mc="http://schemas.openxmlformats.org/markup-compatibility/2006" xmlns:a14="http://schemas.microsoft.com/office/drawing/2010/main">
+        <mc:Choice Requires="a14">
           <p:sp>
             <p:nvSpPr>
               <p:cNvPr id="19" name="Rounded Rectangle 18">
@@ -15933,7 +15933,7 @@
             </p:txBody>
           </p:sp>
         </mc:Choice>
-        <mc:Fallback>
+        <mc:Fallback xmlns="">
           <p:sp>
             <p:nvSpPr>
               <p:cNvPr id="19" name="Rounded Rectangle 18">
@@ -16086,8 +16086,8 @@
           </a:fontRef>
         </p:style>
       </p:cxnSp>
-      <mc:AlternateContent xmlns:mc="http://schemas.openxmlformats.org/markup-compatibility/2006">
-        <mc:Choice xmlns:a14="http://schemas.microsoft.com/office/drawing/2010/main" Requires="a14">
+      <mc:AlternateContent xmlns:mc="http://schemas.openxmlformats.org/markup-compatibility/2006" xmlns:a14="http://schemas.microsoft.com/office/drawing/2010/main">
+        <mc:Choice Requires="a14">
           <p:sp>
             <p:nvSpPr>
               <p:cNvPr id="22" name="Rounded Rectangle 21">
@@ -16169,7 +16169,7 @@
             </p:txBody>
           </p:sp>
         </mc:Choice>
-        <mc:Fallback>
+        <mc:Fallback xmlns="">
           <p:sp>
             <p:nvSpPr>
               <p:cNvPr id="22" name="Rounded Rectangle 21">
@@ -16322,8 +16322,8 @@
           </a:fontRef>
         </p:style>
       </p:cxnSp>
-      <mc:AlternateContent xmlns:mc="http://schemas.openxmlformats.org/markup-compatibility/2006">
-        <mc:Choice xmlns:a14="http://schemas.microsoft.com/office/drawing/2010/main" Requires="a14">
+      <mc:AlternateContent xmlns:mc="http://schemas.openxmlformats.org/markup-compatibility/2006" xmlns:a14="http://schemas.microsoft.com/office/drawing/2010/main">
+        <mc:Choice Requires="a14">
           <p:sp>
             <p:nvSpPr>
               <p:cNvPr id="26" name="Rounded Rectangle 25">
@@ -16405,7 +16405,7 @@
             </p:txBody>
           </p:sp>
         </mc:Choice>
-        <mc:Fallback>
+        <mc:Fallback xmlns="">
           <p:sp>
             <p:nvSpPr>
               <p:cNvPr id="26" name="Rounded Rectangle 25">
@@ -17264,8 +17264,8 @@
           </a:p>
         </p:txBody>
       </p:sp>
-      <mc:AlternateContent xmlns:mc="http://schemas.openxmlformats.org/markup-compatibility/2006">
-        <mc:Choice xmlns:a14="http://schemas.microsoft.com/office/drawing/2010/main" Requires="a14">
+      <mc:AlternateContent xmlns:mc="http://schemas.openxmlformats.org/markup-compatibility/2006" xmlns:a14="http://schemas.microsoft.com/office/drawing/2010/main">
+        <mc:Choice Requires="a14">
           <p:sp>
             <p:nvSpPr>
               <p:cNvPr id="3" name="Rounded Rectangle 2">
@@ -17347,7 +17347,7 @@
             </p:txBody>
           </p:sp>
         </mc:Choice>
-        <mc:Fallback>
+        <mc:Fallback xmlns="">
           <p:sp>
             <p:nvSpPr>
               <p:cNvPr id="3" name="Rounded Rectangle 2">
@@ -17500,8 +17500,8 @@
           </a:fontRef>
         </p:style>
       </p:cxnSp>
-      <mc:AlternateContent xmlns:mc="http://schemas.openxmlformats.org/markup-compatibility/2006">
-        <mc:Choice xmlns:a14="http://schemas.microsoft.com/office/drawing/2010/main" Requires="a14">
+      <mc:AlternateContent xmlns:mc="http://schemas.openxmlformats.org/markup-compatibility/2006" xmlns:a14="http://schemas.microsoft.com/office/drawing/2010/main">
+        <mc:Choice Requires="a14">
           <p:sp>
             <p:nvSpPr>
               <p:cNvPr id="9" name="Rounded Rectangle 8">
@@ -17583,7 +17583,7 @@
             </p:txBody>
           </p:sp>
         </mc:Choice>
-        <mc:Fallback>
+        <mc:Fallback xmlns="">
           <p:sp>
             <p:nvSpPr>
               <p:cNvPr id="9" name="Rounded Rectangle 8">
@@ -17679,8 +17679,8 @@
           </a:fontRef>
         </p:style>
       </p:cxnSp>
-      <mc:AlternateContent xmlns:mc="http://schemas.openxmlformats.org/markup-compatibility/2006">
-        <mc:Choice xmlns:a14="http://schemas.microsoft.com/office/drawing/2010/main" Requires="a14">
+      <mc:AlternateContent xmlns:mc="http://schemas.openxmlformats.org/markup-compatibility/2006" xmlns:a14="http://schemas.microsoft.com/office/drawing/2010/main">
+        <mc:Choice Requires="a14">
           <p:sp>
             <p:nvSpPr>
               <p:cNvPr id="16" name="Rounded Rectangle 15">
@@ -17762,7 +17762,7 @@
             </p:txBody>
           </p:sp>
         </mc:Choice>
-        <mc:Fallback>
+        <mc:Fallback xmlns="">
           <p:sp>
             <p:nvSpPr>
               <p:cNvPr id="16" name="Rounded Rectangle 15">
@@ -17858,8 +17858,8 @@
           </a:fontRef>
         </p:style>
       </p:cxnSp>
-      <mc:AlternateContent xmlns:mc="http://schemas.openxmlformats.org/markup-compatibility/2006">
-        <mc:Choice xmlns:a14="http://schemas.microsoft.com/office/drawing/2010/main" Requires="a14">
+      <mc:AlternateContent xmlns:mc="http://schemas.openxmlformats.org/markup-compatibility/2006" xmlns:a14="http://schemas.microsoft.com/office/drawing/2010/main">
+        <mc:Choice Requires="a14">
           <p:sp>
             <p:nvSpPr>
               <p:cNvPr id="19" name="Rounded Rectangle 18">
@@ -17941,7 +17941,7 @@
             </p:txBody>
           </p:sp>
         </mc:Choice>
-        <mc:Fallback>
+        <mc:Fallback xmlns="">
           <p:sp>
             <p:nvSpPr>
               <p:cNvPr id="19" name="Rounded Rectangle 18">
@@ -18095,8 +18095,8 @@
           </a:fontRef>
         </p:style>
       </p:cxnSp>
-      <mc:AlternateContent xmlns:mc="http://schemas.openxmlformats.org/markup-compatibility/2006">
-        <mc:Choice xmlns:a14="http://schemas.microsoft.com/office/drawing/2010/main" Requires="a14">
+      <mc:AlternateContent xmlns:mc="http://schemas.openxmlformats.org/markup-compatibility/2006" xmlns:a14="http://schemas.microsoft.com/office/drawing/2010/main">
+        <mc:Choice Requires="a14">
           <p:sp>
             <p:nvSpPr>
               <p:cNvPr id="22" name="Rounded Rectangle 21">
@@ -18178,7 +18178,7 @@
             </p:txBody>
           </p:sp>
         </mc:Choice>
-        <mc:Fallback>
+        <mc:Fallback xmlns="">
           <p:sp>
             <p:nvSpPr>
               <p:cNvPr id="22" name="Rounded Rectangle 21">
@@ -18274,8 +18274,8 @@
           </a:fontRef>
         </p:style>
       </p:cxnSp>
-      <mc:AlternateContent xmlns:mc="http://schemas.openxmlformats.org/markup-compatibility/2006">
-        <mc:Choice xmlns:a14="http://schemas.microsoft.com/office/drawing/2010/main" Requires="a14">
+      <mc:AlternateContent xmlns:mc="http://schemas.openxmlformats.org/markup-compatibility/2006" xmlns:a14="http://schemas.microsoft.com/office/drawing/2010/main">
+        <mc:Choice Requires="a14">
           <p:sp>
             <p:nvSpPr>
               <p:cNvPr id="26" name="Rounded Rectangle 25">
@@ -18357,7 +18357,7 @@
             </p:txBody>
           </p:sp>
         </mc:Choice>
-        <mc:Fallback>
+        <mc:Fallback xmlns="">
           <p:sp>
             <p:nvSpPr>
               <p:cNvPr id="26" name="Rounded Rectangle 25">
@@ -18463,13 +18463,13 @@
   <p:clrMapOvr>
     <a:masterClrMapping/>
   </p:clrMapOvr>
-  <mc:AlternateContent xmlns:mc="http://schemas.openxmlformats.org/markup-compatibility/2006">
-    <mc:Choice xmlns:p159="http://schemas.microsoft.com/office/powerpoint/2015/09/main" Requires="p159">
+  <mc:AlternateContent xmlns:mc="http://schemas.openxmlformats.org/markup-compatibility/2006" xmlns:p159="http://schemas.microsoft.com/office/powerpoint/2015/09/main">
+    <mc:Choice Requires="p159">
       <p:transition xmlns:p14="http://schemas.microsoft.com/office/powerpoint/2010/main" spd="slow" p14:dur="2000">
         <p159:morph option="byObject"/>
       </p:transition>
     </mc:Choice>
-    <mc:Fallback>
+    <mc:Fallback xmlns="">
       <p:transition spd="slow">
         <p:fade/>
       </p:transition>
@@ -19755,7 +19755,7 @@
         <p14:prism/>
       </p:transition>
     </mc:Choice>
-    <mc:Fallback xmlns="" xmlns:mv="urn:schemas-microsoft-com:mac:vml" xmlns:c="http://schemas.openxmlformats.org/drawingml/2006/chart" xmlns:dgm="http://schemas.openxmlformats.org/drawingml/2006/diagram" xmlns:o="urn:schemas-microsoft-com:office:office" xmlns:v="urn:schemas-microsoft-com:vml" xmlns:pvml="urn:schemas-microsoft-com:office:powerpoint" xmlns:com="http://schemas.openxmlformats.org/drawingml/2006/compatibility" xmlns:p15="http://schemas.microsoft.com/office/powerpoint/2012/main" xmlns:ahyp="http://schemas.microsoft.com/office/drawing/2018/hyperlinkcolor">
+    <mc:Fallback xmlns:ahyp="http://schemas.microsoft.com/office/drawing/2018/hyperlinkcolor" xmlns:p15="http://schemas.microsoft.com/office/powerpoint/2012/main" xmlns:com="http://schemas.openxmlformats.org/drawingml/2006/compatibility" xmlns:pvml="urn:schemas-microsoft-com:office:powerpoint" xmlns:v="urn:schemas-microsoft-com:vml" xmlns:o="urn:schemas-microsoft-com:office:office" xmlns:dgm="http://schemas.openxmlformats.org/drawingml/2006/diagram" xmlns:c="http://schemas.openxmlformats.org/drawingml/2006/chart" xmlns:mv="urn:schemas-microsoft-com:mac:vml" xmlns="">
       <p:transition spd="med">
         <p:fade/>
       </p:transition>
@@ -19885,7 +19885,7 @@
         <p14:prism/>
       </p:transition>
     </mc:Choice>
-    <mc:Fallback xmlns="" xmlns:mv="urn:schemas-microsoft-com:mac:vml" xmlns:c="http://schemas.openxmlformats.org/drawingml/2006/chart" xmlns:dgm="http://schemas.openxmlformats.org/drawingml/2006/diagram" xmlns:o="urn:schemas-microsoft-com:office:office" xmlns:v="urn:schemas-microsoft-com:vml" xmlns:pvml="urn:schemas-microsoft-com:office:powerpoint" xmlns:com="http://schemas.openxmlformats.org/drawingml/2006/compatibility" xmlns:p15="http://schemas.microsoft.com/office/powerpoint/2012/main" xmlns:ahyp="http://schemas.microsoft.com/office/drawing/2018/hyperlinkcolor">
+    <mc:Fallback xmlns:ahyp="http://schemas.microsoft.com/office/drawing/2018/hyperlinkcolor" xmlns:p15="http://schemas.microsoft.com/office/powerpoint/2012/main" xmlns:com="http://schemas.openxmlformats.org/drawingml/2006/compatibility" xmlns:pvml="urn:schemas-microsoft-com:office:powerpoint" xmlns:v="urn:schemas-microsoft-com:vml" xmlns:o="urn:schemas-microsoft-com:office:office" xmlns:dgm="http://schemas.openxmlformats.org/drawingml/2006/diagram" xmlns:c="http://schemas.openxmlformats.org/drawingml/2006/chart" xmlns:mv="urn:schemas-microsoft-com:mac:vml" xmlns="">
       <p:transition spd="med">
         <p:fade/>
       </p:transition>

--- a/CISC3025-Project3-Presentation.pptx
+++ b/CISC3025-Project3-Presentation.pptx
@@ -11278,7 +11278,7 @@
                         <a:buNone/>
                       </a:pPr>
                       <a:r>
-                        <a:rPr lang="en-US" altLang="zh-CN" sz="900">
+                        <a:rPr lang="en-US" altLang="zh-CN" sz="900" dirty="0">
                           <a:solidFill>
                             <a:schemeClr val="dk1"/>
                           </a:solidFill>
@@ -11286,7 +11286,7 @@
                         <a:t>Social</a:t>
                       </a:r>
                       <a:r>
-                        <a:rPr lang="zh-CN" altLang="en-US" sz="900">
+                        <a:rPr lang="zh-CN" altLang="en-US" sz="900" dirty="0">
                           <a:solidFill>
                             <a:schemeClr val="dk1"/>
                           </a:solidFill>
@@ -11294,14 +11294,14 @@
                         <a:t> </a:t>
                       </a:r>
                       <a:r>
-                        <a:rPr lang="en-US" altLang="zh-CN" sz="900">
+                        <a:rPr lang="en-US" altLang="zh-CN" sz="900" dirty="0">
                           <a:solidFill>
                             <a:schemeClr val="dk1"/>
                           </a:solidFill>
                         </a:rPr>
                         <a:t>Status</a:t>
                       </a:r>
-                      <a:endParaRPr lang="en-CN" sz="900">
+                      <a:endParaRPr lang="en-CN" sz="900" dirty="0">
                         <a:solidFill>
                           <a:schemeClr val="dk1"/>
                         </a:solidFill>
@@ -12003,7 +12003,7 @@
                         <a:buNone/>
                       </a:pPr>
                       <a:r>
-                        <a:rPr lang="en-US" altLang="zh-CN" sz="900">
+                        <a:rPr lang="en-US" altLang="zh-CN" sz="900" dirty="0">
                           <a:solidFill>
                             <a:schemeClr val="dk1"/>
                           </a:solidFill>
@@ -12011,7 +12011,7 @@
                         <a:t>Is</a:t>
                       </a:r>
                       <a:r>
-                        <a:rPr lang="zh-CN" altLang="en-US" sz="900">
+                        <a:rPr lang="zh-CN" altLang="en-US" sz="900" dirty="0">
                           <a:solidFill>
                             <a:schemeClr val="dk1"/>
                           </a:solidFill>
@@ -12019,7 +12019,7 @@
                         <a:t> </a:t>
                       </a:r>
                       <a:r>
-                        <a:rPr lang="en-US" altLang="zh-CN" sz="900">
+                        <a:rPr lang="en-US" altLang="zh-CN" sz="900" dirty="0">
                           <a:solidFill>
                             <a:schemeClr val="dk1"/>
                           </a:solidFill>
@@ -12027,7 +12027,7 @@
                         <a:t>before</a:t>
                       </a:r>
                       <a:r>
-                        <a:rPr lang="zh-CN" altLang="en-US" sz="900">
+                        <a:rPr lang="zh-CN" altLang="en-US" sz="900" dirty="0">
                           <a:solidFill>
                             <a:schemeClr val="dk1"/>
                           </a:solidFill>
@@ -12035,7 +12035,7 @@
                         <a:t> </a:t>
                       </a:r>
                       <a:r>
-                        <a:rPr lang="en-US" altLang="zh-CN" sz="900">
+                        <a:rPr lang="en-US" altLang="zh-CN" sz="900" dirty="0">
                           <a:solidFill>
                             <a:schemeClr val="dk1"/>
                           </a:solidFill>
@@ -12043,7 +12043,7 @@
                         <a:t>the</a:t>
                       </a:r>
                       <a:r>
-                        <a:rPr lang="zh-CN" altLang="en-US" sz="900">
+                        <a:rPr lang="zh-CN" altLang="en-US" sz="900" dirty="0">
                           <a:solidFill>
                             <a:schemeClr val="dk1"/>
                           </a:solidFill>
@@ -12051,7 +12051,7 @@
                         <a:t> </a:t>
                       </a:r>
                       <a:r>
-                        <a:rPr lang="en-US" altLang="zh-CN" sz="900">
+                        <a:rPr lang="en-US" altLang="zh-CN" sz="900" dirty="0">
                           <a:solidFill>
                             <a:schemeClr val="dk1"/>
                           </a:solidFill>
@@ -12059,7 +12059,7 @@
                         <a:t>entity</a:t>
                       </a:r>
                       <a:r>
-                        <a:rPr lang="zh-CN" altLang="en-US" sz="900">
+                        <a:rPr lang="zh-CN" altLang="en-US" sz="900" dirty="0">
                           <a:solidFill>
                             <a:schemeClr val="dk1"/>
                           </a:solidFill>
@@ -12067,14 +12067,14 @@
                         <a:t> </a:t>
                       </a:r>
                       <a:r>
-                        <a:rPr lang="en-US" altLang="zh-CN" sz="900">
+                        <a:rPr lang="en-US" altLang="zh-CN" sz="900" dirty="0">
                           <a:solidFill>
                             <a:schemeClr val="dk1"/>
                           </a:solidFill>
                         </a:rPr>
                         <a:t>“’s”.</a:t>
                       </a:r>
-                      <a:endParaRPr lang="en-CN" sz="900">
+                      <a:endParaRPr lang="en-CN" sz="900" dirty="0">
                         <a:solidFill>
                           <a:schemeClr val="dk1"/>
                         </a:solidFill>
@@ -12384,7 +12384,7 @@
                         <a:buNone/>
                       </a:pPr>
                       <a:r>
-                        <a:rPr lang="en-US" altLang="zh-CN" sz="900">
+                        <a:rPr lang="en-US" altLang="zh-CN" sz="900" dirty="0">
                           <a:solidFill>
                             <a:schemeClr val="dk1"/>
                           </a:solidFill>
@@ -12392,7 +12392,7 @@
                         <a:t>Social</a:t>
                       </a:r>
                       <a:r>
-                        <a:rPr lang="zh-CN" altLang="en-US" sz="900">
+                        <a:rPr lang="zh-CN" altLang="en-US" sz="900" dirty="0">
                           <a:solidFill>
                             <a:schemeClr val="dk1"/>
                           </a:solidFill>
@@ -12400,14 +12400,14 @@
                         <a:t> </a:t>
                       </a:r>
                       <a:r>
-                        <a:rPr lang="en-US" altLang="zh-CN" sz="900">
+                        <a:rPr lang="en-US" altLang="zh-CN" sz="900" dirty="0">
                           <a:solidFill>
                             <a:schemeClr val="dk1"/>
                           </a:solidFill>
                         </a:rPr>
                         <a:t>Status</a:t>
                       </a:r>
-                      <a:endParaRPr lang="en-CN" sz="900">
+                      <a:endParaRPr lang="en-CN" sz="900" dirty="0">
                         <a:solidFill>
                           <a:schemeClr val="dk1"/>
                         </a:solidFill>
@@ -13013,7 +13013,7 @@
                         <a:buNone/>
                       </a:pPr>
                       <a:r>
-                        <a:rPr lang="en-US" altLang="zh-CN" sz="900">
+                        <a:rPr lang="en-US" altLang="zh-CN" sz="900" dirty="0">
                           <a:solidFill>
                             <a:schemeClr val="dk1"/>
                           </a:solidFill>
@@ -13021,7 +13021,7 @@
                         <a:t>A</a:t>
                       </a:r>
                       <a:r>
-                        <a:rPr lang="zh-CN" altLang="en-US" sz="900">
+                        <a:rPr lang="zh-CN" altLang="en-US" sz="900" dirty="0">
                           <a:solidFill>
                             <a:schemeClr val="dk1"/>
                           </a:solidFill>
@@ -13029,7 +13029,7 @@
                         <a:t> </a:t>
                       </a:r>
                       <a:r>
-                        <a:rPr lang="en-US" altLang="zh-CN" sz="900">
+                        <a:rPr lang="en-US" altLang="zh-CN" sz="900" dirty="0">
                           <a:solidFill>
                             <a:schemeClr val="dk1"/>
                           </a:solidFill>
@@ -13037,7 +13037,7 @@
                         <a:t>verb</a:t>
                       </a:r>
                       <a:r>
-                        <a:rPr lang="zh-CN" altLang="en-US" sz="900">
+                        <a:rPr lang="zh-CN" altLang="en-US" sz="900" dirty="0">
                           <a:solidFill>
                             <a:schemeClr val="dk1"/>
                           </a:solidFill>
@@ -13045,7 +13045,7 @@
                         <a:t> </a:t>
                       </a:r>
                       <a:r>
-                        <a:rPr lang="en-US" altLang="zh-CN" sz="900">
+                        <a:rPr lang="en-US" altLang="zh-CN" sz="900" dirty="0">
                           <a:solidFill>
                             <a:schemeClr val="dk1"/>
                           </a:solidFill>
@@ -13053,7 +13053,7 @@
                         <a:t>is</a:t>
                       </a:r>
                       <a:r>
-                        <a:rPr lang="zh-CN" altLang="en-US" sz="900">
+                        <a:rPr lang="zh-CN" altLang="en-US" sz="900" dirty="0">
                           <a:solidFill>
                             <a:schemeClr val="dk1"/>
                           </a:solidFill>
@@ -13061,7 +13061,7 @@
                         <a:t> </a:t>
                       </a:r>
                       <a:r>
-                        <a:rPr lang="en-US" altLang="zh-CN" sz="900">
+                        <a:rPr lang="en-US" altLang="zh-CN" sz="900" dirty="0">
                           <a:solidFill>
                             <a:schemeClr val="dk1"/>
                           </a:solidFill>
@@ -13069,7 +13069,7 @@
                         <a:t>after</a:t>
                       </a:r>
                       <a:r>
-                        <a:rPr lang="zh-CN" altLang="en-US" sz="900">
+                        <a:rPr lang="zh-CN" altLang="en-US" sz="900" dirty="0">
                           <a:solidFill>
                             <a:schemeClr val="dk1"/>
                           </a:solidFill>
@@ -13077,14 +13077,14 @@
                         <a:t> </a:t>
                       </a:r>
                       <a:r>
-                        <a:rPr lang="en-US" altLang="zh-CN" sz="900">
+                        <a:rPr lang="en-US" altLang="zh-CN" sz="900" dirty="0">
                           <a:solidFill>
                             <a:schemeClr val="dk1"/>
                           </a:solidFill>
                         </a:rPr>
                         <a:t>it.</a:t>
                       </a:r>
-                      <a:endParaRPr lang="en-CN" sz="900">
+                      <a:endParaRPr lang="en-CN" sz="900" dirty="0">
                         <a:solidFill>
                           <a:schemeClr val="dk1"/>
                         </a:solidFill>
@@ -18891,14 +18891,14 @@
                   <a:buNone/>
                 </a:pPr>
                 <a:r>
-                  <a:rPr lang="en-US" altLang="zh-CN" sz="1800" b="1">
+                  <a:rPr lang="en-US" altLang="zh-CN" sz="1800" b="1" dirty="0">
                     <a:solidFill>
                       <a:schemeClr val="dk1"/>
                     </a:solidFill>
                   </a:rPr>
                   <a:t>POS</a:t>
                 </a:r>
-                <a:endParaRPr/>
+                <a:endParaRPr dirty="0"/>
               </a:p>
             </p:txBody>
           </p:sp>
@@ -18964,7 +18964,7 @@
                   <a:buNone/>
                 </a:pPr>
                 <a:r>
-                  <a:rPr lang="en-US" altLang="zh-CN" sz="1800" b="1">
+                  <a:rPr lang="en-US" altLang="zh-CN" sz="1800" b="1" dirty="0">
                     <a:solidFill>
                       <a:schemeClr val="dk1"/>
                     </a:solidFill>
@@ -18983,7 +18983,7 @@
                   <a:buNone/>
                 </a:pPr>
                 <a:r>
-                  <a:rPr lang="en-US" altLang="zh-CN" sz="1300">
+                  <a:rPr lang="en-US" altLang="zh-CN" sz="1300" dirty="0">
                     <a:solidFill>
                       <a:schemeClr val="dk1"/>
                     </a:solidFill>
@@ -18991,7 +18991,7 @@
                   <a:t>Pre-process</a:t>
                 </a:r>
                 <a:r>
-                  <a:rPr lang="zh-CN" altLang="en-US" sz="1300">
+                  <a:rPr lang="zh-CN" altLang="en-US" sz="1300" dirty="0">
                     <a:solidFill>
                       <a:schemeClr val="dk1"/>
                     </a:solidFill>
@@ -18999,7 +18999,7 @@
                   <a:t> </a:t>
                 </a:r>
                 <a:r>
-                  <a:rPr lang="en-US" altLang="zh-CN" sz="1300">
+                  <a:rPr lang="en-US" altLang="zh-CN" sz="1300" dirty="0">
                     <a:solidFill>
                       <a:schemeClr val="dk1"/>
                     </a:solidFill>
@@ -19007,7 +19007,7 @@
                   <a:t>training</a:t>
                 </a:r>
                 <a:r>
-                  <a:rPr lang="zh-CN" altLang="en-US" sz="1300">
+                  <a:rPr lang="zh-CN" altLang="en-US" sz="1300" dirty="0">
                     <a:solidFill>
                       <a:schemeClr val="dk1"/>
                     </a:solidFill>
@@ -19015,7 +19015,7 @@
                   <a:t> </a:t>
                 </a:r>
                 <a:r>
-                  <a:rPr lang="en-US" altLang="zh-CN" sz="1300">
+                  <a:rPr lang="en-US" altLang="zh-CN" sz="1300" dirty="0">
                     <a:solidFill>
                       <a:schemeClr val="dk1"/>
                     </a:solidFill>
@@ -19023,7 +19023,7 @@
                   <a:t>data</a:t>
                 </a:r>
                 <a:r>
-                  <a:rPr lang="zh-CN" altLang="en-US" sz="1300">
+                  <a:rPr lang="zh-CN" altLang="en-US" sz="1300" dirty="0">
                     <a:solidFill>
                       <a:schemeClr val="dk1"/>
                     </a:solidFill>
@@ -19031,7 +19031,7 @@
                   <a:t> </a:t>
                 </a:r>
                 <a:r>
-                  <a:rPr lang="en-US" altLang="zh-CN" sz="1300">
+                  <a:rPr lang="en-US" altLang="zh-CN" sz="1300" dirty="0">
                     <a:solidFill>
                       <a:schemeClr val="dk1"/>
                     </a:solidFill>
@@ -19039,7 +19039,7 @@
                   <a:t>to</a:t>
                 </a:r>
                 <a:r>
-                  <a:rPr lang="zh-CN" altLang="en-US" sz="1300">
+                  <a:rPr lang="zh-CN" altLang="en-US" sz="1300" dirty="0">
                     <a:solidFill>
                       <a:schemeClr val="dk1"/>
                     </a:solidFill>
@@ -19047,7 +19047,7 @@
                   <a:t> </a:t>
                 </a:r>
                 <a:r>
-                  <a:rPr lang="en-US" altLang="zh-CN" sz="1300">
+                  <a:rPr lang="en-US" altLang="zh-CN" sz="1300" dirty="0">
                     <a:solidFill>
                       <a:schemeClr val="dk1"/>
                     </a:solidFill>
@@ -19055,7 +19055,7 @@
                   <a:t>eliminate</a:t>
                 </a:r>
                 <a:r>
-                  <a:rPr lang="zh-CN" altLang="en-US" sz="1300">
+                  <a:rPr lang="zh-CN" altLang="en-US" sz="1300" dirty="0">
                     <a:solidFill>
                       <a:schemeClr val="dk1"/>
                     </a:solidFill>
@@ -19063,7 +19063,7 @@
                   <a:t> </a:t>
                 </a:r>
                 <a:r>
-                  <a:rPr lang="en-US" altLang="zh-CN" sz="1300">
+                  <a:rPr lang="en-US" altLang="zh-CN" sz="1300" dirty="0">
                     <a:solidFill>
                       <a:schemeClr val="dk1"/>
                     </a:solidFill>
@@ -19071,7 +19071,7 @@
                   <a:t>noise,</a:t>
                 </a:r>
                 <a:r>
-                  <a:rPr lang="zh-CN" altLang="en-US" sz="1300">
+                  <a:rPr lang="zh-CN" altLang="en-US" sz="1300" dirty="0">
                     <a:solidFill>
                       <a:schemeClr val="dk1"/>
                     </a:solidFill>
@@ -19079,7 +19079,7 @@
                   <a:t> </a:t>
                 </a:r>
                 <a:r>
-                  <a:rPr lang="en-US" altLang="zh-CN" sz="1300">
+                  <a:rPr lang="en-US" altLang="zh-CN" sz="1300" dirty="0">
                     <a:solidFill>
                       <a:schemeClr val="dk1"/>
                     </a:solidFill>
@@ -19087,7 +19087,7 @@
                   <a:t>using</a:t>
                 </a:r>
                 <a:r>
-                  <a:rPr lang="zh-CN" altLang="en-US" sz="1300">
+                  <a:rPr lang="zh-CN" altLang="en-US" sz="1300" dirty="0">
                     <a:solidFill>
                       <a:schemeClr val="dk1"/>
                     </a:solidFill>
@@ -19095,7 +19095,7 @@
                   <a:t> </a:t>
                 </a:r>
                 <a:r>
-                  <a:rPr lang="en-US" altLang="zh-CN" sz="1300">
+                  <a:rPr lang="en-US" altLang="zh-CN" sz="1300" dirty="0">
                     <a:solidFill>
                       <a:schemeClr val="dk1"/>
                     </a:solidFill>
@@ -19103,7 +19103,7 @@
                   <a:t>Support</a:t>
                 </a:r>
                 <a:r>
-                  <a:rPr lang="zh-CN" altLang="en-US" sz="1300">
+                  <a:rPr lang="zh-CN" altLang="en-US" sz="1300" dirty="0">
                     <a:solidFill>
                       <a:schemeClr val="dk1"/>
                     </a:solidFill>
@@ -19111,7 +19111,7 @@
                   <a:t> </a:t>
                 </a:r>
                 <a:r>
-                  <a:rPr lang="en-US" altLang="zh-CN" sz="1300">
+                  <a:rPr lang="en-US" altLang="zh-CN" sz="1300" dirty="0">
                     <a:solidFill>
                       <a:schemeClr val="dk1"/>
                     </a:solidFill>
@@ -19119,7 +19119,7 @@
                   <a:t>Vector</a:t>
                 </a:r>
                 <a:r>
-                  <a:rPr lang="zh-CN" altLang="en-US" sz="1300">
+                  <a:rPr lang="zh-CN" altLang="en-US" sz="1300" dirty="0">
                     <a:solidFill>
                       <a:schemeClr val="dk1"/>
                     </a:solidFill>
@@ -19127,14 +19127,14 @@
                   <a:t> </a:t>
                 </a:r>
                 <a:r>
-                  <a:rPr lang="en-US" altLang="zh-CN" sz="1300">
+                  <a:rPr lang="en-US" altLang="zh-CN" sz="1300" dirty="0">
                     <a:solidFill>
                       <a:schemeClr val="dk1"/>
                     </a:solidFill>
                   </a:rPr>
                   <a:t>Machine.</a:t>
                 </a:r>
-                <a:endParaRPr sz="1300">
+                <a:endParaRPr sz="1300" dirty="0">
                   <a:solidFill>
                     <a:schemeClr val="dk1"/>
                   </a:solidFill>
@@ -22186,14 +22186,14 @@
                         <a:buNone/>
                       </a:pPr>
                       <a:r>
-                        <a:rPr lang="zh-CN" sz="900">
+                        <a:rPr lang="zh-CN" sz="900" dirty="0">
                           <a:solidFill>
                             <a:schemeClr val="dk1"/>
                           </a:solidFill>
                         </a:rPr>
                         <a:t>Assumes that some specific pattern could distinguish names</a:t>
                       </a:r>
-                      <a:endParaRPr sz="900">
+                      <a:endParaRPr sz="900" dirty="0">
                         <a:solidFill>
                           <a:schemeClr val="dk1"/>
                         </a:solidFill>
@@ -22738,14 +22738,14 @@
                         <a:buNone/>
                       </a:pPr>
                       <a:r>
-                        <a:rPr lang="zh-CN" sz="900">
+                        <a:rPr lang="zh-CN" sz="900" dirty="0">
                           <a:solidFill>
                             <a:schemeClr val="dk1"/>
                           </a:solidFill>
                         </a:rPr>
                         <a:t>Jonathan, Jason</a:t>
                       </a:r>
-                      <a:endParaRPr sz="900">
+                      <a:endParaRPr sz="900" dirty="0">
                         <a:solidFill>
                           <a:schemeClr val="dk1"/>
                         </a:solidFill>
@@ -22761,7 +22761,7 @@
                         </a:spcAft>
                         <a:buNone/>
                       </a:pPr>
-                      <a:endParaRPr sz="900">
+                      <a:endParaRPr sz="900" dirty="0">
                         <a:solidFill>
                           <a:schemeClr val="dk1"/>
                         </a:solidFill>
@@ -22778,14 +22778,14 @@
                         <a:buNone/>
                       </a:pPr>
                       <a:r>
-                        <a:rPr lang="zh-CN" sz="900">
+                        <a:rPr lang="zh-CN" sz="900" dirty="0">
                           <a:solidFill>
                             <a:schemeClr val="dk1"/>
                           </a:solidFill>
                         </a:rPr>
                         <a:t>MacArthur, McDonald</a:t>
                       </a:r>
-                      <a:endParaRPr sz="900">
+                      <a:endParaRPr sz="900" dirty="0">
                         <a:solidFill>
                           <a:schemeClr val="dk1"/>
                         </a:solidFill>
@@ -22801,7 +22801,7 @@
                         </a:spcAft>
                         <a:buNone/>
                       </a:pPr>
-                      <a:endParaRPr sz="900">
+                      <a:endParaRPr sz="900" dirty="0">
                         <a:solidFill>
                           <a:schemeClr val="dk1"/>
                         </a:solidFill>
@@ -22818,14 +22818,14 @@
                         <a:buNone/>
                       </a:pPr>
                       <a:r>
-                        <a:rPr lang="zh-CN" sz="900">
+                        <a:rPr lang="zh-CN" sz="900" dirty="0">
                           <a:solidFill>
                             <a:schemeClr val="dk1"/>
                           </a:solidFill>
                         </a:rPr>
                         <a:t>O’Brien</a:t>
                       </a:r>
-                      <a:endParaRPr sz="900">
+                      <a:endParaRPr sz="900" dirty="0">
                         <a:solidFill>
                           <a:schemeClr val="dk1"/>
                         </a:solidFill>
@@ -23331,14 +23331,14 @@
                         <a:buNone/>
                       </a:pPr>
                       <a:r>
-                        <a:rPr lang="zh-CN" sz="900">
+                        <a:rPr lang="zh-CN" sz="900" dirty="0">
                           <a:solidFill>
                             <a:schemeClr val="dk1"/>
                           </a:solidFill>
                         </a:rPr>
                         <a:t>movement, </a:t>
                       </a:r>
-                      <a:endParaRPr sz="900">
+                      <a:endParaRPr sz="900" dirty="0">
                         <a:solidFill>
                           <a:schemeClr val="dk1"/>
                         </a:solidFill>
@@ -23355,14 +23355,14 @@
                         <a:buNone/>
                       </a:pPr>
                       <a:r>
-                        <a:rPr lang="zh-CN" sz="900">
+                        <a:rPr lang="zh-CN" sz="900" dirty="0">
                           <a:solidFill>
                             <a:schemeClr val="dk1"/>
                           </a:solidFill>
                         </a:rPr>
                         <a:t>action, </a:t>
                       </a:r>
-                      <a:endParaRPr sz="900">
+                      <a:endParaRPr sz="900" dirty="0">
                         <a:solidFill>
                           <a:schemeClr val="dk1"/>
                         </a:solidFill>
@@ -23379,14 +23379,14 @@
                         <a:buNone/>
                       </a:pPr>
                       <a:r>
-                        <a:rPr lang="zh-CN" sz="900">
+                        <a:rPr lang="zh-CN" sz="900" dirty="0">
                           <a:solidFill>
                             <a:schemeClr val="dk1"/>
                           </a:solidFill>
                         </a:rPr>
                         <a:t>correctness, membership,</a:t>
                       </a:r>
-                      <a:endParaRPr sz="900">
+                      <a:endParaRPr sz="900" dirty="0">
                         <a:solidFill>
                           <a:schemeClr val="dk1"/>
                         </a:solidFill>
@@ -23403,14 +23403,14 @@
                         <a:buNone/>
                       </a:pPr>
                       <a:r>
-                        <a:rPr lang="zh-CN" sz="900">
+                        <a:rPr lang="zh-CN" sz="900" dirty="0">
                           <a:solidFill>
                             <a:schemeClr val="dk1"/>
                           </a:solidFill>
                         </a:rPr>
                         <a:t>likelihood, </a:t>
                       </a:r>
-                      <a:endParaRPr sz="900">
+                      <a:endParaRPr sz="900" dirty="0">
                         <a:solidFill>
                           <a:schemeClr val="dk1"/>
                         </a:solidFill>
@@ -23427,14 +23427,14 @@
                         <a:buNone/>
                       </a:pPr>
                       <a:r>
-                        <a:rPr lang="zh-CN" sz="900">
+                        <a:rPr lang="zh-CN" sz="900" dirty="0">
                           <a:solidFill>
                             <a:schemeClr val="dk1"/>
                           </a:solidFill>
                         </a:rPr>
                         <a:t>usage, </a:t>
                       </a:r>
-                      <a:endParaRPr sz="900">
+                      <a:endParaRPr sz="900" dirty="0">
                         <a:solidFill>
                           <a:schemeClr val="dk1"/>
                         </a:solidFill>
@@ -23451,14 +23451,14 @@
                         <a:buNone/>
                       </a:pPr>
                       <a:r>
-                        <a:rPr lang="zh-CN" sz="900">
+                        <a:rPr lang="zh-CN" sz="900" dirty="0">
                           <a:solidFill>
                             <a:schemeClr val="dk1"/>
                           </a:solidFill>
                         </a:rPr>
                         <a:t>allowance</a:t>
                       </a:r>
-                      <a:endParaRPr sz="900">
+                      <a:endParaRPr sz="900" dirty="0">
                         <a:solidFill>
                           <a:schemeClr val="dk1"/>
                         </a:solidFill>

--- a/CISC3025-Project3-Presentation.pptx
+++ b/CISC3025-Project3-Presentation.pptx
@@ -5,7 +5,7 @@
     <p:sldMasterId id="2147483659" r:id="rId1"/>
   </p:sldMasterIdLst>
   <p:notesMasterIdLst>
-    <p:notesMasterId r:id="rId26"/>
+    <p:notesMasterId r:id="rId25"/>
   </p:notesMasterIdLst>
   <p:sldIdLst>
     <p:sldId id="256" r:id="rId2"/>
@@ -29,9 +29,8 @@
     <p:sldId id="277" r:id="rId20"/>
     <p:sldId id="278" r:id="rId21"/>
     <p:sldId id="280" r:id="rId22"/>
-    <p:sldId id="275" r:id="rId23"/>
-    <p:sldId id="273" r:id="rId24"/>
-    <p:sldId id="274" r:id="rId25"/>
+    <p:sldId id="273" r:id="rId23"/>
+    <p:sldId id="274" r:id="rId24"/>
   </p:sldIdLst>
   <p:sldSz cx="9144000" cy="5143500" type="screen16x9"/>
   <p:notesSz cx="6858000" cy="9144000"/>
@@ -8401,7 +8400,7 @@
         <p14:prism/>
       </p:transition>
     </mc:Choice>
-    <mc:Fallback xmlns:ahyp="http://schemas.microsoft.com/office/drawing/2018/hyperlinkcolor" xmlns:p15="http://schemas.microsoft.com/office/powerpoint/2012/main" xmlns:com="http://schemas.openxmlformats.org/drawingml/2006/compatibility" xmlns:pvml="urn:schemas-microsoft-com:office:powerpoint" xmlns:v="urn:schemas-microsoft-com:vml" xmlns:o="urn:schemas-microsoft-com:office:office" xmlns:dgm="http://schemas.openxmlformats.org/drawingml/2006/diagram" xmlns:c="http://schemas.openxmlformats.org/drawingml/2006/chart" xmlns:mv="urn:schemas-microsoft-com:mac:vml" xmlns="">
+    <mc:Fallback xmlns="" xmlns:mv="urn:schemas-microsoft-com:mac:vml" xmlns:c="http://schemas.openxmlformats.org/drawingml/2006/chart" xmlns:dgm="http://schemas.openxmlformats.org/drawingml/2006/diagram" xmlns:o="urn:schemas-microsoft-com:office:office" xmlns:v="urn:schemas-microsoft-com:vml" xmlns:pvml="urn:schemas-microsoft-com:office:powerpoint" xmlns:com="http://schemas.openxmlformats.org/drawingml/2006/compatibility" xmlns:p15="http://schemas.microsoft.com/office/powerpoint/2012/main" xmlns:ahyp="http://schemas.microsoft.com/office/drawing/2018/hyperlinkcolor">
       <p:transition spd="med">
         <p:fade/>
       </p:transition>
@@ -10399,7 +10398,7 @@
         <p14:prism/>
       </p:transition>
     </mc:Choice>
-    <mc:Fallback xmlns:ahyp="http://schemas.microsoft.com/office/drawing/2018/hyperlinkcolor" xmlns:p15="http://schemas.microsoft.com/office/powerpoint/2012/main" xmlns:com="http://schemas.openxmlformats.org/drawingml/2006/compatibility" xmlns:pvml="urn:schemas-microsoft-com:office:powerpoint" xmlns:v="urn:schemas-microsoft-com:vml" xmlns:o="urn:schemas-microsoft-com:office:office" xmlns:dgm="http://schemas.openxmlformats.org/drawingml/2006/diagram" xmlns:c="http://schemas.openxmlformats.org/drawingml/2006/chart" xmlns:mv="urn:schemas-microsoft-com:mac:vml" xmlns="">
+    <mc:Fallback xmlns="" xmlns:mv="urn:schemas-microsoft-com:mac:vml" xmlns:c="http://schemas.openxmlformats.org/drawingml/2006/chart" xmlns:dgm="http://schemas.openxmlformats.org/drawingml/2006/diagram" xmlns:o="urn:schemas-microsoft-com:office:office" xmlns:v="urn:schemas-microsoft-com:vml" xmlns:pvml="urn:schemas-microsoft-com:office:powerpoint" xmlns:com="http://schemas.openxmlformats.org/drawingml/2006/compatibility" xmlns:p15="http://schemas.microsoft.com/office/powerpoint/2012/main" xmlns:ahyp="http://schemas.microsoft.com/office/drawing/2018/hyperlinkcolor">
       <p:transition spd="med">
         <p:fade/>
       </p:transition>
@@ -18483,785 +18482,6 @@
   <p:cSld>
     <p:spTree>
       <p:nvGrpSpPr>
-        <p:cNvPr id="1" name=""/>
-        <p:cNvGrpSpPr/>
-        <p:nvPr/>
-      </p:nvGrpSpPr>
-      <p:grpSpPr>
-        <a:xfrm>
-          <a:off x="0" y="0"/>
-          <a:ext cx="0" cy="0"/>
-          <a:chOff x="0" y="0"/>
-          <a:chExt cx="0" cy="0"/>
-        </a:xfrm>
-      </p:grpSpPr>
-      <p:sp>
-        <p:nvSpPr>
-          <p:cNvPr id="2" name="Title 1">
-            <a:extLst>
-              <a:ext uri="{FF2B5EF4-FFF2-40B4-BE49-F238E27FC236}">
-                <a16:creationId xmlns:a16="http://schemas.microsoft.com/office/drawing/2014/main" id="{1800E544-D98C-5694-2075-4925813314B0}"/>
-              </a:ext>
-            </a:extLst>
-          </p:cNvPr>
-          <p:cNvSpPr>
-            <a:spLocks noGrp="1"/>
-          </p:cNvSpPr>
-          <p:nvPr>
-            <p:ph type="title"/>
-          </p:nvPr>
-        </p:nvSpPr>
-        <p:spPr/>
-        <p:txBody>
-          <a:bodyPr>
-            <a:normAutofit fontScale="90000"/>
-          </a:bodyPr>
-          <a:lstStyle/>
-          <a:p>
-            <a:r>
-              <a:rPr lang="zh-CN"/>
-              <a:t>/ Evaluations and Demo / </a:t>
-            </a:r>
-            <a:r>
-              <a:rPr lang="en-US" altLang="zh-CN"/>
-              <a:t>Future</a:t>
-            </a:r>
-            <a:r>
-              <a:rPr lang="zh-CN" altLang="en-US"/>
-              <a:t> </a:t>
-            </a:r>
-            <a:r>
-              <a:rPr lang="en-US" altLang="zh-CN"/>
-              <a:t>Improvements</a:t>
-            </a:r>
-            <a:endParaRPr lang="en-CN"/>
-          </a:p>
-        </p:txBody>
-      </p:sp>
-      <p:grpSp>
-        <p:nvGrpSpPr>
-          <p:cNvPr id="11" name="Group 10">
-            <a:extLst>
-              <a:ext uri="{FF2B5EF4-FFF2-40B4-BE49-F238E27FC236}">
-                <a16:creationId xmlns:a16="http://schemas.microsoft.com/office/drawing/2014/main" id="{B3FD4376-2D7D-22E1-8F47-FD0CE6477FA1}"/>
-              </a:ext>
-            </a:extLst>
-          </p:cNvPr>
-          <p:cNvGrpSpPr/>
-          <p:nvPr/>
-        </p:nvGrpSpPr>
-        <p:grpSpPr>
-          <a:xfrm>
-            <a:off x="2108112" y="1560260"/>
-            <a:ext cx="4927775" cy="2554842"/>
-            <a:chOff x="2199480" y="1550100"/>
-            <a:chExt cx="4927775" cy="2554842"/>
-          </a:xfrm>
-        </p:grpSpPr>
-        <p:grpSp>
-          <p:nvGrpSpPr>
-            <p:cNvPr id="8" name="Group 7">
-              <a:extLst>
-                <a:ext uri="{FF2B5EF4-FFF2-40B4-BE49-F238E27FC236}">
-                  <a16:creationId xmlns:a16="http://schemas.microsoft.com/office/drawing/2014/main" id="{DB73112C-3EE8-261C-E9CB-733EDA781B29}"/>
-                </a:ext>
-              </a:extLst>
-            </p:cNvPr>
-            <p:cNvGrpSpPr/>
-            <p:nvPr/>
-          </p:nvGrpSpPr>
-          <p:grpSpPr>
-            <a:xfrm>
-              <a:off x="2199480" y="1550100"/>
-              <a:ext cx="2098200" cy="2554842"/>
-              <a:chOff x="693325" y="1550100"/>
-              <a:chExt cx="2098200" cy="2554842"/>
-            </a:xfrm>
-          </p:grpSpPr>
-          <p:sp>
-            <p:nvSpPr>
-              <p:cNvPr id="3" name="Google Shape;114;p18">
-                <a:extLst>
-                  <a:ext uri="{FF2B5EF4-FFF2-40B4-BE49-F238E27FC236}">
-                    <a16:creationId xmlns:a16="http://schemas.microsoft.com/office/drawing/2014/main" id="{BAD91CAD-5D7E-4F7B-A0D6-830C75182910}"/>
-                  </a:ext>
-                </a:extLst>
-              </p:cNvPr>
-              <p:cNvSpPr txBox="1"/>
-              <p:nvPr/>
-            </p:nvSpPr>
-            <p:spPr>
-              <a:xfrm>
-                <a:off x="693325" y="2843088"/>
-                <a:ext cx="2098200" cy="1261854"/>
-              </a:xfrm>
-              <a:prstGeom prst="rect">
-                <a:avLst/>
-              </a:prstGeom>
-              <a:noFill/>
-              <a:ln>
-                <a:noFill/>
-              </a:ln>
-            </p:spPr>
-            <p:txBody>
-              <a:bodyPr spcFirstLastPara="1" wrap="square" lIns="91425" tIns="91425" rIns="91425" bIns="91425" anchor="t" anchorCtr="0">
-                <a:spAutoFit/>
-              </a:bodyPr>
-              <a:lstStyle/>
-              <a:p>
-                <a:pPr marL="0" lvl="0" indent="0" algn="ctr" rtl="0">
-                  <a:spcBef>
-                    <a:spcPts val="0"/>
-                  </a:spcBef>
-                  <a:spcAft>
-                    <a:spcPts val="0"/>
-                  </a:spcAft>
-                  <a:buNone/>
-                </a:pPr>
-                <a:r>
-                  <a:rPr lang="en-US" altLang="zh-CN" sz="1800" b="1">
-                    <a:solidFill>
-                      <a:schemeClr val="dk1"/>
-                    </a:solidFill>
-                  </a:rPr>
-                  <a:t>POS</a:t>
-                </a:r>
-                <a:r>
-                  <a:rPr lang="zh-CN" altLang="en-US" sz="1800" b="1">
-                    <a:solidFill>
-                      <a:schemeClr val="dk1"/>
-                    </a:solidFill>
-                  </a:rPr>
-                  <a:t> </a:t>
-                </a:r>
-                <a:r>
-                  <a:rPr lang="en-US" altLang="zh-CN" sz="1800" b="1">
-                    <a:solidFill>
-                      <a:schemeClr val="dk1"/>
-                    </a:solidFill>
-                  </a:rPr>
-                  <a:t>Features</a:t>
-                </a:r>
-              </a:p>
-              <a:p>
-                <a:pPr marL="0" lvl="0" indent="0" rtl="0">
-                  <a:spcBef>
-                    <a:spcPts val="0"/>
-                  </a:spcBef>
-                  <a:spcAft>
-                    <a:spcPts val="0"/>
-                  </a:spcAft>
-                  <a:buNone/>
-                </a:pPr>
-                <a:r>
-                  <a:rPr lang="en-US" altLang="zh-CN" sz="1300">
-                    <a:solidFill>
-                      <a:schemeClr val="dk1"/>
-                    </a:solidFill>
-                  </a:rPr>
-                  <a:t>Part</a:t>
-                </a:r>
-                <a:r>
-                  <a:rPr lang="zh-CN" altLang="en-US" sz="1300">
-                    <a:solidFill>
-                      <a:schemeClr val="dk1"/>
-                    </a:solidFill>
-                  </a:rPr>
-                  <a:t> </a:t>
-                </a:r>
-                <a:r>
-                  <a:rPr lang="en-US" altLang="zh-CN" sz="1300">
-                    <a:solidFill>
-                      <a:schemeClr val="dk1"/>
-                    </a:solidFill>
-                  </a:rPr>
-                  <a:t>of</a:t>
-                </a:r>
-                <a:r>
-                  <a:rPr lang="zh-CN" altLang="en-US" sz="1300">
-                    <a:solidFill>
-                      <a:schemeClr val="dk1"/>
-                    </a:solidFill>
-                  </a:rPr>
-                  <a:t> </a:t>
-                </a:r>
-                <a:r>
-                  <a:rPr lang="en-US" altLang="zh-CN" sz="1300">
-                    <a:solidFill>
-                      <a:schemeClr val="dk1"/>
-                    </a:solidFill>
-                  </a:rPr>
-                  <a:t>Speech</a:t>
-                </a:r>
-                <a:r>
-                  <a:rPr lang="zh-CN" altLang="en-US" sz="1300">
-                    <a:solidFill>
-                      <a:schemeClr val="dk1"/>
-                    </a:solidFill>
-                  </a:rPr>
-                  <a:t> </a:t>
-                </a:r>
-                <a:r>
-                  <a:rPr lang="en-US" altLang="zh-CN" sz="1300">
-                    <a:solidFill>
-                      <a:schemeClr val="dk1"/>
-                    </a:solidFill>
-                  </a:rPr>
-                  <a:t>Features</a:t>
-                </a:r>
-                <a:r>
-                  <a:rPr lang="zh-CN" altLang="en-US" sz="1300">
-                    <a:solidFill>
-                      <a:schemeClr val="dk1"/>
-                    </a:solidFill>
-                  </a:rPr>
-                  <a:t> </a:t>
-                </a:r>
-                <a:r>
-                  <a:rPr lang="en-US" altLang="zh-CN" sz="1300">
-                    <a:solidFill>
-                      <a:schemeClr val="dk1"/>
-                    </a:solidFill>
-                  </a:rPr>
-                  <a:t>are</a:t>
-                </a:r>
-                <a:r>
-                  <a:rPr lang="zh-CN" altLang="en-US" sz="1300">
-                    <a:solidFill>
-                      <a:schemeClr val="dk1"/>
-                    </a:solidFill>
-                  </a:rPr>
-                  <a:t> </a:t>
-                </a:r>
-                <a:r>
-                  <a:rPr lang="en-US" altLang="zh-CN" sz="1300">
-                    <a:solidFill>
-                      <a:schemeClr val="dk1"/>
-                    </a:solidFill>
-                  </a:rPr>
-                  <a:t>quite</a:t>
-                </a:r>
-                <a:r>
-                  <a:rPr lang="zh-CN" altLang="en-US" sz="1300">
-                    <a:solidFill>
-                      <a:schemeClr val="dk1"/>
-                    </a:solidFill>
-                  </a:rPr>
-                  <a:t> </a:t>
-                </a:r>
-                <a:r>
-                  <a:rPr lang="en-US" altLang="zh-CN" sz="1300">
-                    <a:solidFill>
-                      <a:schemeClr val="dk1"/>
-                    </a:solidFill>
-                  </a:rPr>
-                  <a:t>effective</a:t>
-                </a:r>
-                <a:r>
-                  <a:rPr lang="zh-CN" altLang="en-US" sz="1300">
-                    <a:solidFill>
-                      <a:schemeClr val="dk1"/>
-                    </a:solidFill>
-                  </a:rPr>
-                  <a:t> </a:t>
-                </a:r>
-                <a:r>
-                  <a:rPr lang="en-US" altLang="zh-CN" sz="1300">
-                    <a:solidFill>
-                      <a:schemeClr val="dk1"/>
-                    </a:solidFill>
-                  </a:rPr>
-                  <a:t>for</a:t>
-                </a:r>
-                <a:r>
-                  <a:rPr lang="zh-CN" altLang="en-US" sz="1300">
-                    <a:solidFill>
-                      <a:schemeClr val="dk1"/>
-                    </a:solidFill>
-                  </a:rPr>
-                  <a:t> </a:t>
-                </a:r>
-                <a:r>
-                  <a:rPr lang="en-US" altLang="zh-CN" sz="1300">
-                    <a:solidFill>
-                      <a:schemeClr val="dk1"/>
-                    </a:solidFill>
-                  </a:rPr>
-                  <a:t>discriminating</a:t>
-                </a:r>
-                <a:r>
-                  <a:rPr lang="zh-CN" altLang="en-US" sz="1300">
-                    <a:solidFill>
-                      <a:schemeClr val="dk1"/>
-                    </a:solidFill>
-                  </a:rPr>
-                  <a:t> </a:t>
-                </a:r>
-                <a:r>
-                  <a:rPr lang="en-US" altLang="zh-CN" sz="1300">
-                    <a:solidFill>
-                      <a:schemeClr val="dk1"/>
-                    </a:solidFill>
-                  </a:rPr>
-                  <a:t>entity</a:t>
-                </a:r>
-                <a:r>
-                  <a:rPr lang="zh-CN" altLang="en-US" sz="1300">
-                    <a:solidFill>
-                      <a:schemeClr val="dk1"/>
-                    </a:solidFill>
-                  </a:rPr>
-                  <a:t> </a:t>
-                </a:r>
-                <a:r>
-                  <a:rPr lang="en-US" altLang="zh-CN" sz="1300">
-                    <a:solidFill>
-                      <a:schemeClr val="dk1"/>
-                    </a:solidFill>
-                  </a:rPr>
-                  <a:t>classes</a:t>
-                </a:r>
-                <a:r>
-                  <a:rPr lang="zh-CN" altLang="en-US" sz="1300">
-                    <a:solidFill>
-                      <a:schemeClr val="dk1"/>
-                    </a:solidFill>
-                  </a:rPr>
-                  <a:t> </a:t>
-                </a:r>
-                <a:r>
-                  <a:rPr lang="en-US" altLang="zh-CN" sz="1300">
-                    <a:solidFill>
-                      <a:schemeClr val="dk1"/>
-                    </a:solidFill>
-                  </a:rPr>
-                  <a:t>.</a:t>
-                </a:r>
-                <a:endParaRPr sz="1300">
-                  <a:solidFill>
-                    <a:schemeClr val="dk1"/>
-                  </a:solidFill>
-                </a:endParaRPr>
-              </a:p>
-            </p:txBody>
-          </p:sp>
-          <p:sp>
-            <p:nvSpPr>
-              <p:cNvPr id="4" name="Google Shape;117;p18">
-                <a:extLst>
-                  <a:ext uri="{FF2B5EF4-FFF2-40B4-BE49-F238E27FC236}">
-                    <a16:creationId xmlns:a16="http://schemas.microsoft.com/office/drawing/2014/main" id="{BFCA5301-7380-91CA-68B2-374C0B515498}"/>
-                  </a:ext>
-                </a:extLst>
-              </p:cNvPr>
-              <p:cNvSpPr/>
-              <p:nvPr/>
-            </p:nvSpPr>
-            <p:spPr>
-              <a:xfrm>
-                <a:off x="693325" y="1550100"/>
-                <a:ext cx="2098200" cy="1234200"/>
-              </a:xfrm>
-              <a:prstGeom prst="wedgeEllipseCallout">
-                <a:avLst>
-                  <a:gd name="adj1" fmla="val -38494"/>
-                  <a:gd name="adj2" fmla="val 53352"/>
-                </a:avLst>
-              </a:prstGeom>
-              <a:solidFill>
-                <a:srgbClr val="434343"/>
-              </a:solidFill>
-              <a:ln>
-                <a:noFill/>
-              </a:ln>
-            </p:spPr>
-            <p:txBody>
-              <a:bodyPr spcFirstLastPara="1" wrap="square" lIns="91425" tIns="91425" rIns="91425" bIns="91425" anchor="ctr" anchorCtr="0">
-                <a:noAutofit/>
-              </a:bodyPr>
-              <a:lstStyle/>
-              <a:p>
-                <a:pPr marL="0" lvl="0" indent="0" algn="ctr" rtl="0">
-                  <a:spcBef>
-                    <a:spcPts val="0"/>
-                  </a:spcBef>
-                  <a:spcAft>
-                    <a:spcPts val="0"/>
-                  </a:spcAft>
-                  <a:buNone/>
-                </a:pPr>
-                <a:r>
-                  <a:rPr lang="en-US" altLang="zh-CN" sz="1800" b="1" dirty="0">
-                    <a:solidFill>
-                      <a:schemeClr val="dk1"/>
-                    </a:solidFill>
-                  </a:rPr>
-                  <a:t>POS</a:t>
-                </a:r>
-                <a:endParaRPr dirty="0"/>
-              </a:p>
-            </p:txBody>
-          </p:sp>
-        </p:grpSp>
-        <p:grpSp>
-          <p:nvGrpSpPr>
-            <p:cNvPr id="10" name="Group 9">
-              <a:extLst>
-                <a:ext uri="{FF2B5EF4-FFF2-40B4-BE49-F238E27FC236}">
-                  <a16:creationId xmlns:a16="http://schemas.microsoft.com/office/drawing/2014/main" id="{292CB646-23EB-B8BA-C96E-7709F7927812}"/>
-                </a:ext>
-              </a:extLst>
-            </p:cNvPr>
-            <p:cNvGrpSpPr/>
-            <p:nvPr/>
-          </p:nvGrpSpPr>
-          <p:grpSpPr>
-            <a:xfrm>
-              <a:off x="5029055" y="1550100"/>
-              <a:ext cx="2098200" cy="2354787"/>
-              <a:chOff x="3522900" y="1550100"/>
-              <a:chExt cx="2098200" cy="2354787"/>
-            </a:xfrm>
-          </p:grpSpPr>
-          <p:sp>
-            <p:nvSpPr>
-              <p:cNvPr id="5" name="Google Shape;114;p18">
-                <a:extLst>
-                  <a:ext uri="{FF2B5EF4-FFF2-40B4-BE49-F238E27FC236}">
-                    <a16:creationId xmlns:a16="http://schemas.microsoft.com/office/drawing/2014/main" id="{77FC509D-BB27-9EC3-3706-8EF14D1E2B9E}"/>
-                  </a:ext>
-                </a:extLst>
-              </p:cNvPr>
-              <p:cNvSpPr txBox="1"/>
-              <p:nvPr/>
-            </p:nvSpPr>
-            <p:spPr>
-              <a:xfrm>
-                <a:off x="3522900" y="2843088"/>
-                <a:ext cx="2098200" cy="1061799"/>
-              </a:xfrm>
-              <a:prstGeom prst="rect">
-                <a:avLst/>
-              </a:prstGeom>
-              <a:noFill/>
-              <a:ln>
-                <a:noFill/>
-              </a:ln>
-            </p:spPr>
-            <p:txBody>
-              <a:bodyPr spcFirstLastPara="1" wrap="square" lIns="91425" tIns="91425" rIns="91425" bIns="91425" anchor="t" anchorCtr="0">
-                <a:spAutoFit/>
-              </a:bodyPr>
-              <a:lstStyle/>
-              <a:p>
-                <a:pPr marL="0" lvl="0" indent="0" algn="ctr" rtl="0">
-                  <a:spcBef>
-                    <a:spcPts val="0"/>
-                  </a:spcBef>
-                  <a:spcAft>
-                    <a:spcPts val="0"/>
-                  </a:spcAft>
-                  <a:buNone/>
-                </a:pPr>
-                <a:r>
-                  <a:rPr lang="en-US" altLang="zh-CN" sz="1800" b="1" dirty="0">
-                    <a:solidFill>
-                      <a:schemeClr val="dk1"/>
-                    </a:solidFill>
-                  </a:rPr>
-                  <a:t>Pre-Processing</a:t>
-                </a:r>
-              </a:p>
-              <a:p>
-                <a:pPr marL="0" lvl="0" indent="0" rtl="0">
-                  <a:spcBef>
-                    <a:spcPts val="0"/>
-                  </a:spcBef>
-                  <a:spcAft>
-                    <a:spcPts val="0"/>
-                  </a:spcAft>
-                  <a:buNone/>
-                </a:pPr>
-                <a:r>
-                  <a:rPr lang="en-US" altLang="zh-CN" sz="1300" dirty="0">
-                    <a:solidFill>
-                      <a:schemeClr val="dk1"/>
-                    </a:solidFill>
-                  </a:rPr>
-                  <a:t>Pre-process</a:t>
-                </a:r>
-                <a:r>
-                  <a:rPr lang="zh-CN" altLang="en-US" sz="1300" dirty="0">
-                    <a:solidFill>
-                      <a:schemeClr val="dk1"/>
-                    </a:solidFill>
-                  </a:rPr>
-                  <a:t> </a:t>
-                </a:r>
-                <a:r>
-                  <a:rPr lang="en-US" altLang="zh-CN" sz="1300" dirty="0">
-                    <a:solidFill>
-                      <a:schemeClr val="dk1"/>
-                    </a:solidFill>
-                  </a:rPr>
-                  <a:t>training</a:t>
-                </a:r>
-                <a:r>
-                  <a:rPr lang="zh-CN" altLang="en-US" sz="1300" dirty="0">
-                    <a:solidFill>
-                      <a:schemeClr val="dk1"/>
-                    </a:solidFill>
-                  </a:rPr>
-                  <a:t> </a:t>
-                </a:r>
-                <a:r>
-                  <a:rPr lang="en-US" altLang="zh-CN" sz="1300" dirty="0">
-                    <a:solidFill>
-                      <a:schemeClr val="dk1"/>
-                    </a:solidFill>
-                  </a:rPr>
-                  <a:t>data</a:t>
-                </a:r>
-                <a:r>
-                  <a:rPr lang="zh-CN" altLang="en-US" sz="1300" dirty="0">
-                    <a:solidFill>
-                      <a:schemeClr val="dk1"/>
-                    </a:solidFill>
-                  </a:rPr>
-                  <a:t> </a:t>
-                </a:r>
-                <a:r>
-                  <a:rPr lang="en-US" altLang="zh-CN" sz="1300" dirty="0">
-                    <a:solidFill>
-                      <a:schemeClr val="dk1"/>
-                    </a:solidFill>
-                  </a:rPr>
-                  <a:t>to</a:t>
-                </a:r>
-                <a:r>
-                  <a:rPr lang="zh-CN" altLang="en-US" sz="1300" dirty="0">
-                    <a:solidFill>
-                      <a:schemeClr val="dk1"/>
-                    </a:solidFill>
-                  </a:rPr>
-                  <a:t> </a:t>
-                </a:r>
-                <a:r>
-                  <a:rPr lang="en-US" altLang="zh-CN" sz="1300" dirty="0">
-                    <a:solidFill>
-                      <a:schemeClr val="dk1"/>
-                    </a:solidFill>
-                  </a:rPr>
-                  <a:t>eliminate</a:t>
-                </a:r>
-                <a:r>
-                  <a:rPr lang="zh-CN" altLang="en-US" sz="1300" dirty="0">
-                    <a:solidFill>
-                      <a:schemeClr val="dk1"/>
-                    </a:solidFill>
-                  </a:rPr>
-                  <a:t> </a:t>
-                </a:r>
-                <a:r>
-                  <a:rPr lang="en-US" altLang="zh-CN" sz="1300" dirty="0">
-                    <a:solidFill>
-                      <a:schemeClr val="dk1"/>
-                    </a:solidFill>
-                  </a:rPr>
-                  <a:t>noise,</a:t>
-                </a:r>
-                <a:r>
-                  <a:rPr lang="zh-CN" altLang="en-US" sz="1300" dirty="0">
-                    <a:solidFill>
-                      <a:schemeClr val="dk1"/>
-                    </a:solidFill>
-                  </a:rPr>
-                  <a:t> </a:t>
-                </a:r>
-                <a:r>
-                  <a:rPr lang="en-US" altLang="zh-CN" sz="1300" dirty="0">
-                    <a:solidFill>
-                      <a:schemeClr val="dk1"/>
-                    </a:solidFill>
-                  </a:rPr>
-                  <a:t>using</a:t>
-                </a:r>
-                <a:r>
-                  <a:rPr lang="zh-CN" altLang="en-US" sz="1300" dirty="0">
-                    <a:solidFill>
-                      <a:schemeClr val="dk1"/>
-                    </a:solidFill>
-                  </a:rPr>
-                  <a:t> </a:t>
-                </a:r>
-                <a:r>
-                  <a:rPr lang="en-US" altLang="zh-CN" sz="1300" dirty="0">
-                    <a:solidFill>
-                      <a:schemeClr val="dk1"/>
-                    </a:solidFill>
-                  </a:rPr>
-                  <a:t>Support</a:t>
-                </a:r>
-                <a:r>
-                  <a:rPr lang="zh-CN" altLang="en-US" sz="1300" dirty="0">
-                    <a:solidFill>
-                      <a:schemeClr val="dk1"/>
-                    </a:solidFill>
-                  </a:rPr>
-                  <a:t> </a:t>
-                </a:r>
-                <a:r>
-                  <a:rPr lang="en-US" altLang="zh-CN" sz="1300" dirty="0">
-                    <a:solidFill>
-                      <a:schemeClr val="dk1"/>
-                    </a:solidFill>
-                  </a:rPr>
-                  <a:t>Vector</a:t>
-                </a:r>
-                <a:r>
-                  <a:rPr lang="zh-CN" altLang="en-US" sz="1300" dirty="0">
-                    <a:solidFill>
-                      <a:schemeClr val="dk1"/>
-                    </a:solidFill>
-                  </a:rPr>
-                  <a:t> </a:t>
-                </a:r>
-                <a:r>
-                  <a:rPr lang="en-US" altLang="zh-CN" sz="1300" dirty="0">
-                    <a:solidFill>
-                      <a:schemeClr val="dk1"/>
-                    </a:solidFill>
-                  </a:rPr>
-                  <a:t>Machine.</a:t>
-                </a:r>
-                <a:endParaRPr sz="1300" dirty="0">
-                  <a:solidFill>
-                    <a:schemeClr val="dk1"/>
-                  </a:solidFill>
-                </a:endParaRPr>
-              </a:p>
-            </p:txBody>
-          </p:sp>
-          <p:grpSp>
-            <p:nvGrpSpPr>
-              <p:cNvPr id="9" name="Group 8">
-                <a:extLst>
-                  <a:ext uri="{FF2B5EF4-FFF2-40B4-BE49-F238E27FC236}">
-                    <a16:creationId xmlns:a16="http://schemas.microsoft.com/office/drawing/2014/main" id="{61449050-D9A1-4A56-3438-6B1B83E754DF}"/>
-                  </a:ext>
-                </a:extLst>
-              </p:cNvPr>
-              <p:cNvGrpSpPr/>
-              <p:nvPr/>
-            </p:nvGrpSpPr>
-            <p:grpSpPr>
-              <a:xfrm>
-                <a:off x="3522900" y="1550100"/>
-                <a:ext cx="2098200" cy="1234200"/>
-                <a:chOff x="3522900" y="1550100"/>
-                <a:chExt cx="2098200" cy="1234200"/>
-              </a:xfrm>
-            </p:grpSpPr>
-            <p:sp>
-              <p:nvSpPr>
-                <p:cNvPr id="7" name="Google Shape;117;p18">
-                  <a:extLst>
-                    <a:ext uri="{FF2B5EF4-FFF2-40B4-BE49-F238E27FC236}">
-                      <a16:creationId xmlns:a16="http://schemas.microsoft.com/office/drawing/2014/main" id="{0A78C199-F51D-0748-1B4E-283B878A5D1E}"/>
-                    </a:ext>
-                  </a:extLst>
-                </p:cNvPr>
-                <p:cNvSpPr/>
-                <p:nvPr/>
-              </p:nvSpPr>
-              <p:spPr>
-                <a:xfrm>
-                  <a:off x="3522900" y="1550100"/>
-                  <a:ext cx="2098200" cy="1234200"/>
-                </a:xfrm>
-                <a:prstGeom prst="wedgeEllipseCallout">
-                  <a:avLst>
-                    <a:gd name="adj1" fmla="val -38494"/>
-                    <a:gd name="adj2" fmla="val 53352"/>
-                  </a:avLst>
-                </a:prstGeom>
-                <a:solidFill>
-                  <a:srgbClr val="434343"/>
-                </a:solidFill>
-                <a:ln>
-                  <a:noFill/>
-                </a:ln>
-              </p:spPr>
-              <p:txBody>
-                <a:bodyPr spcFirstLastPara="1" wrap="square" lIns="91425" tIns="91425" rIns="91425" bIns="91425" anchor="ctr" anchorCtr="0">
-                  <a:noAutofit/>
-                </a:bodyPr>
-                <a:lstStyle/>
-                <a:p>
-                  <a:pPr marL="0" lvl="0" indent="0" algn="ctr" rtl="0">
-                    <a:spcBef>
-                      <a:spcPts val="0"/>
-                    </a:spcBef>
-                    <a:spcAft>
-                      <a:spcPts val="0"/>
-                    </a:spcAft>
-                    <a:buNone/>
-                  </a:pPr>
-                  <a:endParaRPr/>
-                </a:p>
-              </p:txBody>
-            </p:sp>
-            <p:pic>
-              <p:nvPicPr>
-                <p:cNvPr id="6" name="Picture 5">
-                  <a:extLst>
-                    <a:ext uri="{FF2B5EF4-FFF2-40B4-BE49-F238E27FC236}">
-                      <a16:creationId xmlns:a16="http://schemas.microsoft.com/office/drawing/2014/main" id="{6D9B725B-0406-A68E-E25D-0315F4DB2B8A}"/>
-                    </a:ext>
-                  </a:extLst>
-                </p:cNvPr>
-                <p:cNvPicPr>
-                  <a:picLocks noChangeAspect="1"/>
-                </p:cNvPicPr>
-                <p:nvPr/>
-              </p:nvPicPr>
-              <p:blipFill>
-                <a:blip r:embed="rId2"/>
-                <a:stretch>
-                  <a:fillRect/>
-                </a:stretch>
-              </p:blipFill>
-              <p:spPr>
-                <a:xfrm>
-                  <a:off x="4087495" y="1700639"/>
-                  <a:ext cx="969010" cy="933121"/>
-                </a:xfrm>
-                <a:prstGeom prst="rect">
-                  <a:avLst/>
-                </a:prstGeom>
-              </p:spPr>
-            </p:pic>
-          </p:grpSp>
-        </p:grpSp>
-      </p:grpSp>
-    </p:spTree>
-    <p:extLst>
-      <p:ext uri="{BB962C8B-B14F-4D97-AF65-F5344CB8AC3E}">
-        <p14:creationId xmlns:p14="http://schemas.microsoft.com/office/powerpoint/2010/main" val="290130123"/>
-      </p:ext>
-    </p:extLst>
-  </p:cSld>
-  <p:clrMapOvr>
-    <a:masterClrMapping/>
-  </p:clrMapOvr>
-</p:sld>
-</file>
-
-<file path=ppt/slides/slide23.xml><?xml version="1.0" encoding="utf-8"?>
-<p:sld xmlns:a="http://schemas.openxmlformats.org/drawingml/2006/main" xmlns:r="http://schemas.openxmlformats.org/officeDocument/2006/relationships" xmlns:p="http://schemas.openxmlformats.org/presentationml/2006/main">
-  <p:cSld>
-    <p:spTree>
-      <p:nvGrpSpPr>
         <p:cNvPr id="1" name="Shape 235"/>
         <p:cNvGrpSpPr/>
         <p:nvPr/>
@@ -19369,7 +18589,7 @@
 </p:sld>
 </file>
 
-<file path=ppt/slides/slide24.xml><?xml version="1.0" encoding="utf-8"?>
+<file path=ppt/slides/slide23.xml><?xml version="1.0" encoding="utf-8"?>
 <p:sld xmlns:a="http://schemas.openxmlformats.org/drawingml/2006/main" xmlns:r="http://schemas.openxmlformats.org/officeDocument/2006/relationships" xmlns:p="http://schemas.openxmlformats.org/presentationml/2006/main">
   <p:cSld>
     <p:spTree>
@@ -19755,7 +18975,7 @@
         <p14:prism/>
       </p:transition>
     </mc:Choice>
-    <mc:Fallback xmlns:ahyp="http://schemas.microsoft.com/office/drawing/2018/hyperlinkcolor" xmlns:p15="http://schemas.microsoft.com/office/powerpoint/2012/main" xmlns:com="http://schemas.openxmlformats.org/drawingml/2006/compatibility" xmlns:pvml="urn:schemas-microsoft-com:office:powerpoint" xmlns:v="urn:schemas-microsoft-com:vml" xmlns:o="urn:schemas-microsoft-com:office:office" xmlns:dgm="http://schemas.openxmlformats.org/drawingml/2006/diagram" xmlns:c="http://schemas.openxmlformats.org/drawingml/2006/chart" xmlns:mv="urn:schemas-microsoft-com:mac:vml" xmlns="">
+    <mc:Fallback xmlns="" xmlns:mv="urn:schemas-microsoft-com:mac:vml" xmlns:c="http://schemas.openxmlformats.org/drawingml/2006/chart" xmlns:dgm="http://schemas.openxmlformats.org/drawingml/2006/diagram" xmlns:o="urn:schemas-microsoft-com:office:office" xmlns:v="urn:schemas-microsoft-com:vml" xmlns:pvml="urn:schemas-microsoft-com:office:powerpoint" xmlns:com="http://schemas.openxmlformats.org/drawingml/2006/compatibility" xmlns:p15="http://schemas.microsoft.com/office/powerpoint/2012/main" xmlns:ahyp="http://schemas.microsoft.com/office/drawing/2018/hyperlinkcolor">
       <p:transition spd="med">
         <p:fade/>
       </p:transition>
@@ -19885,7 +19105,7 @@
         <p14:prism/>
       </p:transition>
     </mc:Choice>
-    <mc:Fallback xmlns:ahyp="http://schemas.microsoft.com/office/drawing/2018/hyperlinkcolor" xmlns:p15="http://schemas.microsoft.com/office/powerpoint/2012/main" xmlns:com="http://schemas.openxmlformats.org/drawingml/2006/compatibility" xmlns:pvml="urn:schemas-microsoft-com:office:powerpoint" xmlns:v="urn:schemas-microsoft-com:vml" xmlns:o="urn:schemas-microsoft-com:office:office" xmlns:dgm="http://schemas.openxmlformats.org/drawingml/2006/diagram" xmlns:c="http://schemas.openxmlformats.org/drawingml/2006/chart" xmlns:mv="urn:schemas-microsoft-com:mac:vml" xmlns="">
+    <mc:Fallback xmlns="" xmlns:mv="urn:schemas-microsoft-com:mac:vml" xmlns:c="http://schemas.openxmlformats.org/drawingml/2006/chart" xmlns:dgm="http://schemas.openxmlformats.org/drawingml/2006/diagram" xmlns:o="urn:schemas-microsoft-com:office:office" xmlns:v="urn:schemas-microsoft-com:vml" xmlns:pvml="urn:schemas-microsoft-com:office:powerpoint" xmlns:com="http://schemas.openxmlformats.org/drawingml/2006/compatibility" xmlns:p15="http://schemas.microsoft.com/office/powerpoint/2012/main" xmlns:ahyp="http://schemas.microsoft.com/office/drawing/2018/hyperlinkcolor">
       <p:transition spd="med">
         <p:fade/>
       </p:transition>

--- a/CISC3025-Project3-Presentation.pptx
+++ b/CISC3025-Project3-Presentation.pptx
@@ -5,7 +5,7 @@
     <p:sldMasterId id="2147483659" r:id="rId1"/>
   </p:sldMasterIdLst>
   <p:notesMasterIdLst>
-    <p:notesMasterId r:id="rId25"/>
+    <p:notesMasterId r:id="rId26"/>
   </p:notesMasterIdLst>
   <p:sldIdLst>
     <p:sldId id="256" r:id="rId2"/>
@@ -17,20 +17,21 @@
     <p:sldId id="262" r:id="rId8"/>
     <p:sldId id="263" r:id="rId9"/>
     <p:sldId id="264" r:id="rId10"/>
-    <p:sldId id="265" r:id="rId11"/>
-    <p:sldId id="266" r:id="rId12"/>
-    <p:sldId id="267" r:id="rId13"/>
-    <p:sldId id="268" r:id="rId14"/>
-    <p:sldId id="269" r:id="rId15"/>
-    <p:sldId id="270" r:id="rId16"/>
-    <p:sldId id="271" r:id="rId17"/>
-    <p:sldId id="272" r:id="rId18"/>
-    <p:sldId id="279" r:id="rId19"/>
-    <p:sldId id="277" r:id="rId20"/>
-    <p:sldId id="278" r:id="rId21"/>
-    <p:sldId id="280" r:id="rId22"/>
-    <p:sldId id="273" r:id="rId23"/>
-    <p:sldId id="274" r:id="rId24"/>
+    <p:sldId id="279" r:id="rId11"/>
+    <p:sldId id="278" r:id="rId12"/>
+    <p:sldId id="280" r:id="rId13"/>
+    <p:sldId id="265" r:id="rId14"/>
+    <p:sldId id="266" r:id="rId15"/>
+    <p:sldId id="267" r:id="rId16"/>
+    <p:sldId id="268" r:id="rId17"/>
+    <p:sldId id="269" r:id="rId18"/>
+    <p:sldId id="270" r:id="rId19"/>
+    <p:sldId id="271" r:id="rId20"/>
+    <p:sldId id="281" r:id="rId21"/>
+    <p:sldId id="282" r:id="rId22"/>
+    <p:sldId id="277" r:id="rId23"/>
+    <p:sldId id="273" r:id="rId24"/>
+    <p:sldId id="274" r:id="rId25"/>
   </p:sldIdLst>
   <p:sldSz cx="9144000" cy="5143500" type="screen16x9"/>
   <p:notesSz cx="6858000" cy="9144000"/>
@@ -795,16 +796,122 @@
           </a:bodyPr>
           <a:lstStyle/>
           <a:p>
-            <a:pPr marL="0" lvl="0" indent="0" algn="l" rtl="0">
-              <a:spcBef>
-                <a:spcPts val="0"/>
-              </a:spcBef>
-              <a:spcAft>
-                <a:spcPts val="0"/>
-              </a:spcAft>
-              <a:buNone/>
+            <a:pPr rtl="0">
+              <a:spcBef>
+                <a:spcPts val="0"/>
+              </a:spcBef>
+              <a:spcAft>
+                <a:spcPts val="0"/>
+              </a:spcAft>
             </a:pPr>
-            <a:endParaRPr/>
+            <a:r>
+              <a:rPr lang="en-GB" sz="1800" b="0" i="0" u="none" strike="noStrike" dirty="0">
+                <a:solidFill>
+                  <a:srgbClr val="000000"/>
+                </a:solidFill>
+                <a:effectLst/>
+                <a:latin typeface="Arial" panose="020B0604020202020204" pitchFamily="34" charset="0"/>
+              </a:rPr>
+              <a:t>There are three essential steps to build a maxent model.</a:t>
+            </a:r>
+            <a:endParaRPr lang="en-GB" b="0" dirty="0">
+              <a:effectLst/>
+            </a:endParaRPr>
+          </a:p>
+          <a:p>
+            <a:pPr rtl="0">
+              <a:spcBef>
+                <a:spcPts val="0"/>
+              </a:spcBef>
+              <a:spcAft>
+                <a:spcPts val="0"/>
+              </a:spcAft>
+            </a:pPr>
+            <a:r>
+              <a:rPr lang="en-GB" sz="1800" b="0" i="0" u="none" strike="noStrike" dirty="0">
+                <a:solidFill>
+                  <a:srgbClr val="000000"/>
+                </a:solidFill>
+                <a:effectLst/>
+                <a:latin typeface="Arial" panose="020B0604020202020204" pitchFamily="34" charset="0"/>
+              </a:rPr>
+              <a:t>First, we need to select </a:t>
+            </a:r>
+            <a:r>
+              <a:rPr lang="en-GB" sz="1800" b="0" i="0" u="none" strike="noStrike" dirty="0" err="1">
+                <a:solidFill>
+                  <a:srgbClr val="000000"/>
+                </a:solidFill>
+                <a:effectLst/>
+                <a:latin typeface="Arial" panose="020B0604020202020204" pitchFamily="34" charset="0"/>
+              </a:rPr>
+              <a:t>observatble</a:t>
+            </a:r>
+            <a:r>
+              <a:rPr lang="en-GB" sz="1800" b="0" i="0" u="none" strike="noStrike" dirty="0">
+                <a:solidFill>
+                  <a:srgbClr val="000000"/>
+                </a:solidFill>
+                <a:effectLst/>
+                <a:latin typeface="Arial" panose="020B0604020202020204" pitchFamily="34" charset="0"/>
+              </a:rPr>
+              <a:t> features with respects to each data points.</a:t>
+            </a:r>
+            <a:endParaRPr lang="en-GB" b="0" dirty="0">
+              <a:effectLst/>
+            </a:endParaRPr>
+          </a:p>
+          <a:p>
+            <a:pPr rtl="0">
+              <a:spcBef>
+                <a:spcPts val="0"/>
+              </a:spcBef>
+              <a:spcAft>
+                <a:spcPts val="0"/>
+              </a:spcAft>
+            </a:pPr>
+            <a:r>
+              <a:rPr lang="en-GB" sz="1800" b="0" i="0" u="none" strike="noStrike" dirty="0">
+                <a:solidFill>
+                  <a:srgbClr val="000000"/>
+                </a:solidFill>
+                <a:effectLst/>
+                <a:latin typeface="Arial" panose="020B0604020202020204" pitchFamily="34" charset="0"/>
+              </a:rPr>
+              <a:t>Then, we will weight the features using machine learning for discriminating the classes.</a:t>
+            </a:r>
+            <a:endParaRPr lang="en-GB" b="0" dirty="0">
+              <a:effectLst/>
+            </a:endParaRPr>
+          </a:p>
+          <a:p>
+            <a:pPr rtl="0">
+              <a:spcBef>
+                <a:spcPts val="0"/>
+              </a:spcBef>
+              <a:spcAft>
+                <a:spcPts val="0"/>
+              </a:spcAft>
+            </a:pPr>
+            <a:r>
+              <a:rPr lang="en-GB" sz="1800" b="0" i="0" u="none" strike="noStrike" dirty="0">
+                <a:solidFill>
+                  <a:srgbClr val="000000"/>
+                </a:solidFill>
+                <a:effectLst/>
+                <a:latin typeface="Arial" panose="020B0604020202020204" pitchFamily="34" charset="0"/>
+              </a:rPr>
+              <a:t>Lastly, we will evaluate the performance of the model, and see how the feature selected goes for doing </a:t>
+            </a:r>
+            <a:endParaRPr lang="en-GB" b="0" dirty="0">
+              <a:effectLst/>
+            </a:endParaRPr>
+          </a:p>
+          <a:p>
+            <a:br>
+              <a:rPr lang="en-GB" dirty="0"/>
+            </a:br>
+            <a:endParaRPr dirty="0"/>
           </a:p>
         </p:txBody>
       </p:sp>
@@ -817,6 +924,204 @@
 </file>
 
 <file path=ppt/notesSlides/notesSlide10.xml><?xml version="1.0" encoding="utf-8"?>
+<p:notes xmlns:a="http://schemas.openxmlformats.org/drawingml/2006/main" xmlns:r="http://schemas.openxmlformats.org/officeDocument/2006/relationships" xmlns:p="http://schemas.openxmlformats.org/presentationml/2006/main">
+  <p:cSld>
+    <p:spTree>
+      <p:nvGrpSpPr>
+        <p:cNvPr id="1" name=""/>
+        <p:cNvGrpSpPr/>
+        <p:nvPr/>
+      </p:nvGrpSpPr>
+      <p:grpSpPr>
+        <a:xfrm>
+          <a:off x="0" y="0"/>
+          <a:ext cx="0" cy="0"/>
+          <a:chOff x="0" y="0"/>
+          <a:chExt cx="0" cy="0"/>
+        </a:xfrm>
+      </p:grpSpPr>
+      <p:sp>
+        <p:nvSpPr>
+          <p:cNvPr id="2" name="Slide Image Placeholder 1"/>
+          <p:cNvSpPr>
+            <a:spLocks noGrp="1" noRot="1" noChangeAspect="1"/>
+          </p:cNvSpPr>
+          <p:nvPr>
+            <p:ph type="sldImg"/>
+          </p:nvPr>
+        </p:nvSpPr>
+        <p:spPr>
+          <a:xfrm>
+            <a:off x="381000" y="685800"/>
+            <a:ext cx="6096000" cy="3429000"/>
+          </a:xfrm>
+        </p:spPr>
+      </p:sp>
+      <p:sp>
+        <p:nvSpPr>
+          <p:cNvPr id="3" name="Notes Placeholder 2"/>
+          <p:cNvSpPr>
+            <a:spLocks noGrp="1"/>
+          </p:cNvSpPr>
+          <p:nvPr>
+            <p:ph type="body" idx="1"/>
+          </p:nvPr>
+        </p:nvSpPr>
+        <p:spPr/>
+        <p:txBody>
+          <a:bodyPr/>
+          <a:lstStyle/>
+          <a:p>
+            <a:endParaRPr lang="en-CN" dirty="0"/>
+          </a:p>
+        </p:txBody>
+      </p:sp>
+    </p:spTree>
+    <p:extLst>
+      <p:ext uri="{BB962C8B-B14F-4D97-AF65-F5344CB8AC3E}">
+        <p14:creationId xmlns:p14="http://schemas.microsoft.com/office/powerpoint/2010/main" val="1609685617"/>
+      </p:ext>
+    </p:extLst>
+  </p:cSld>
+  <p:clrMapOvr>
+    <a:masterClrMapping/>
+  </p:clrMapOvr>
+</p:notes>
+</file>
+
+<file path=ppt/notesSlides/notesSlide11.xml><?xml version="1.0" encoding="utf-8"?>
+<p:notes xmlns:a="http://schemas.openxmlformats.org/drawingml/2006/main" xmlns:r="http://schemas.openxmlformats.org/officeDocument/2006/relationships" xmlns:p="http://schemas.openxmlformats.org/presentationml/2006/main">
+  <p:cSld>
+    <p:spTree>
+      <p:nvGrpSpPr>
+        <p:cNvPr id="1" name=""/>
+        <p:cNvGrpSpPr/>
+        <p:nvPr/>
+      </p:nvGrpSpPr>
+      <p:grpSpPr>
+        <a:xfrm>
+          <a:off x="0" y="0"/>
+          <a:ext cx="0" cy="0"/>
+          <a:chOff x="0" y="0"/>
+          <a:chExt cx="0" cy="0"/>
+        </a:xfrm>
+      </p:grpSpPr>
+      <p:sp>
+        <p:nvSpPr>
+          <p:cNvPr id="2" name="Slide Image Placeholder 1"/>
+          <p:cNvSpPr>
+            <a:spLocks noGrp="1" noRot="1" noChangeAspect="1"/>
+          </p:cNvSpPr>
+          <p:nvPr>
+            <p:ph type="sldImg"/>
+          </p:nvPr>
+        </p:nvSpPr>
+        <p:spPr>
+          <a:xfrm>
+            <a:off x="381000" y="685800"/>
+            <a:ext cx="6096000" cy="3429000"/>
+          </a:xfrm>
+        </p:spPr>
+      </p:sp>
+      <p:sp>
+        <p:nvSpPr>
+          <p:cNvPr id="3" name="Notes Placeholder 2"/>
+          <p:cNvSpPr>
+            <a:spLocks noGrp="1"/>
+          </p:cNvSpPr>
+          <p:nvPr>
+            <p:ph type="body" idx="1"/>
+          </p:nvPr>
+        </p:nvSpPr>
+        <p:spPr/>
+        <p:txBody>
+          <a:bodyPr/>
+          <a:lstStyle/>
+          <a:p>
+            <a:endParaRPr lang="en-CN"/>
+          </a:p>
+        </p:txBody>
+      </p:sp>
+    </p:spTree>
+    <p:extLst>
+      <p:ext uri="{BB962C8B-B14F-4D97-AF65-F5344CB8AC3E}">
+        <p14:creationId xmlns:p14="http://schemas.microsoft.com/office/powerpoint/2010/main" val="340114192"/>
+      </p:ext>
+    </p:extLst>
+  </p:cSld>
+  <p:clrMapOvr>
+    <a:masterClrMapping/>
+  </p:clrMapOvr>
+</p:notes>
+</file>
+
+<file path=ppt/notesSlides/notesSlide12.xml><?xml version="1.0" encoding="utf-8"?>
+<p:notes xmlns:a="http://schemas.openxmlformats.org/drawingml/2006/main" xmlns:r="http://schemas.openxmlformats.org/officeDocument/2006/relationships" xmlns:p="http://schemas.openxmlformats.org/presentationml/2006/main">
+  <p:cSld>
+    <p:spTree>
+      <p:nvGrpSpPr>
+        <p:cNvPr id="1" name=""/>
+        <p:cNvGrpSpPr/>
+        <p:nvPr/>
+      </p:nvGrpSpPr>
+      <p:grpSpPr>
+        <a:xfrm>
+          <a:off x="0" y="0"/>
+          <a:ext cx="0" cy="0"/>
+          <a:chOff x="0" y="0"/>
+          <a:chExt cx="0" cy="0"/>
+        </a:xfrm>
+      </p:grpSpPr>
+      <p:sp>
+        <p:nvSpPr>
+          <p:cNvPr id="2" name="Slide Image Placeholder 1"/>
+          <p:cNvSpPr>
+            <a:spLocks noGrp="1" noRot="1" noChangeAspect="1"/>
+          </p:cNvSpPr>
+          <p:nvPr>
+            <p:ph type="sldImg"/>
+          </p:nvPr>
+        </p:nvSpPr>
+        <p:spPr>
+          <a:xfrm>
+            <a:off x="381000" y="685800"/>
+            <a:ext cx="6096000" cy="3429000"/>
+          </a:xfrm>
+        </p:spPr>
+      </p:sp>
+      <p:sp>
+        <p:nvSpPr>
+          <p:cNvPr id="3" name="Notes Placeholder 2"/>
+          <p:cNvSpPr>
+            <a:spLocks noGrp="1"/>
+          </p:cNvSpPr>
+          <p:nvPr>
+            <p:ph type="body" idx="1"/>
+          </p:nvPr>
+        </p:nvSpPr>
+        <p:spPr/>
+        <p:txBody>
+          <a:bodyPr/>
+          <a:lstStyle/>
+          <a:p>
+            <a:endParaRPr lang="en-CN"/>
+          </a:p>
+        </p:txBody>
+      </p:sp>
+    </p:spTree>
+    <p:extLst>
+      <p:ext uri="{BB962C8B-B14F-4D97-AF65-F5344CB8AC3E}">
+        <p14:creationId xmlns:p14="http://schemas.microsoft.com/office/powerpoint/2010/main" val="1810213796"/>
+      </p:ext>
+    </p:extLst>
+  </p:cSld>
+  <p:clrMapOvr>
+    <a:masterClrMapping/>
+  </p:clrMapOvr>
+</p:notes>
+</file>
+
+<file path=ppt/notesSlides/notesSlide13.xml><?xml version="1.0" encoding="utf-8"?>
 <p:notes xmlns:a="http://schemas.openxmlformats.org/drawingml/2006/main" xmlns:r="http://schemas.openxmlformats.org/officeDocument/2006/relationships" xmlns:p="http://schemas.openxmlformats.org/presentationml/2006/main" showMasterSp="0" showMasterPhAnim="0">
   <p:cSld>
     <p:spTree>
@@ -920,7 +1225,7 @@
 </p:notes>
 </file>
 
-<file path=ppt/notesSlides/notesSlide11.xml><?xml version="1.0" encoding="utf-8"?>
+<file path=ppt/notesSlides/notesSlide14.xml><?xml version="1.0" encoding="utf-8"?>
 <p:notes xmlns:a="http://schemas.openxmlformats.org/drawingml/2006/main" xmlns:r="http://schemas.openxmlformats.org/officeDocument/2006/relationships" xmlns:p="http://schemas.openxmlformats.org/presentationml/2006/main" showMasterSp="0" showMasterPhAnim="0">
   <p:cSld>
     <p:spTree>
@@ -949,7 +1254,7 @@
         </p:nvSpPr>
         <p:spPr>
           <a:xfrm>
-            <a:off x="381300" y="685800"/>
+            <a:off x="381000" y="685800"/>
             <a:ext cx="6096000" cy="3429000"/>
           </a:xfrm>
           <a:custGeom>
@@ -1024,7 +1329,7 @@
 </p:notes>
 </file>
 
-<file path=ppt/notesSlides/notesSlide12.xml><?xml version="1.0" encoding="utf-8"?>
+<file path=ppt/notesSlides/notesSlide15.xml><?xml version="1.0" encoding="utf-8"?>
 <p:notes xmlns:a="http://schemas.openxmlformats.org/drawingml/2006/main" xmlns:r="http://schemas.openxmlformats.org/officeDocument/2006/relationships" xmlns:p="http://schemas.openxmlformats.org/presentationml/2006/main" showMasterSp="0" showMasterPhAnim="0">
   <p:cSld>
     <p:spTree>
@@ -1053,7 +1358,7 @@
         </p:nvSpPr>
         <p:spPr>
           <a:xfrm>
-            <a:off x="381300" y="685800"/>
+            <a:off x="381000" y="685800"/>
             <a:ext cx="6096000" cy="3429000"/>
           </a:xfrm>
           <a:custGeom>
@@ -1128,7 +1433,7 @@
 </p:notes>
 </file>
 
-<file path=ppt/notesSlides/notesSlide13.xml><?xml version="1.0" encoding="utf-8"?>
+<file path=ppt/notesSlides/notesSlide16.xml><?xml version="1.0" encoding="utf-8"?>
 <p:notes xmlns:a="http://schemas.openxmlformats.org/drawingml/2006/main" xmlns:r="http://schemas.openxmlformats.org/officeDocument/2006/relationships" xmlns:p="http://schemas.openxmlformats.org/presentationml/2006/main" showMasterSp="0" showMasterPhAnim="0">
   <p:cSld>
     <p:spTree>
@@ -1232,7 +1537,7 @@
 </p:notes>
 </file>
 
-<file path=ppt/notesSlides/notesSlide14.xml><?xml version="1.0" encoding="utf-8"?>
+<file path=ppt/notesSlides/notesSlide17.xml><?xml version="1.0" encoding="utf-8"?>
 <p:notes xmlns:a="http://schemas.openxmlformats.org/drawingml/2006/main" xmlns:r="http://schemas.openxmlformats.org/officeDocument/2006/relationships" xmlns:p="http://schemas.openxmlformats.org/presentationml/2006/main" showMasterSp="0" showMasterPhAnim="0">
   <p:cSld>
     <p:spTree>
@@ -1336,7 +1641,7 @@
 </p:notes>
 </file>
 
-<file path=ppt/notesSlides/notesSlide15.xml><?xml version="1.0" encoding="utf-8"?>
+<file path=ppt/notesSlides/notesSlide18.xml><?xml version="1.0" encoding="utf-8"?>
 <p:notes xmlns:a="http://schemas.openxmlformats.org/drawingml/2006/main" xmlns:r="http://schemas.openxmlformats.org/officeDocument/2006/relationships" xmlns:p="http://schemas.openxmlformats.org/presentationml/2006/main" showMasterSp="0" showMasterPhAnim="0">
   <p:cSld>
     <p:spTree>
@@ -1440,7 +1745,7 @@
 </p:notes>
 </file>
 
-<file path=ppt/notesSlides/notesSlide16.xml><?xml version="1.0" encoding="utf-8"?>
+<file path=ppt/notesSlides/notesSlide19.xml><?xml version="1.0" encoding="utf-8"?>
 <p:notes xmlns:a="http://schemas.openxmlformats.org/drawingml/2006/main" xmlns:r="http://schemas.openxmlformats.org/officeDocument/2006/relationships" xmlns:p="http://schemas.openxmlformats.org/presentationml/2006/main" showMasterSp="0" showMasterPhAnim="0">
   <p:cSld>
     <p:spTree>
@@ -1537,242 +1842,6 @@
         </p:txBody>
       </p:sp>
     </p:spTree>
-  </p:cSld>
-  <p:clrMapOvr>
-    <a:masterClrMapping/>
-  </p:clrMapOvr>
-</p:notes>
-</file>
-
-<file path=ppt/notesSlides/notesSlide17.xml><?xml version="1.0" encoding="utf-8"?>
-<p:notes xmlns:a="http://schemas.openxmlformats.org/drawingml/2006/main" xmlns:r="http://schemas.openxmlformats.org/officeDocument/2006/relationships" xmlns:p="http://schemas.openxmlformats.org/presentationml/2006/main" showMasterSp="0" showMasterPhAnim="0">
-  <p:cSld>
-    <p:spTree>
-      <p:nvGrpSpPr>
-        <p:cNvPr id="1" name="Shape 219"/>
-        <p:cNvGrpSpPr/>
-        <p:nvPr/>
-      </p:nvGrpSpPr>
-      <p:grpSpPr>
-        <a:xfrm>
-          <a:off x="0" y="0"/>
-          <a:ext cx="0" cy="0"/>
-          <a:chOff x="0" y="0"/>
-          <a:chExt cx="0" cy="0"/>
-        </a:xfrm>
-      </p:grpSpPr>
-      <p:sp>
-        <p:nvSpPr>
-          <p:cNvPr id="220" name="Google Shape;220;g2cd36fb9c42_0_0:notes"/>
-          <p:cNvSpPr>
-            <a:spLocks noGrp="1" noRot="1" noChangeAspect="1"/>
-          </p:cNvSpPr>
-          <p:nvPr>
-            <p:ph type="sldImg" idx="2"/>
-          </p:nvPr>
-        </p:nvSpPr>
-        <p:spPr>
-          <a:xfrm>
-            <a:off x="381000" y="685800"/>
-            <a:ext cx="6096000" cy="3429000"/>
-          </a:xfrm>
-          <a:custGeom>
-            <a:avLst/>
-            <a:gdLst/>
-            <a:ahLst/>
-            <a:cxnLst/>
-            <a:rect l="l" t="t" r="r" b="b"/>
-            <a:pathLst>
-              <a:path w="120000" h="120000" extrusionOk="0">
-                <a:moveTo>
-                  <a:pt x="0" y="0"/>
-                </a:moveTo>
-                <a:lnTo>
-                  <a:pt x="120000" y="0"/>
-                </a:lnTo>
-                <a:lnTo>
-                  <a:pt x="120000" y="120000"/>
-                </a:lnTo>
-                <a:lnTo>
-                  <a:pt x="0" y="120000"/>
-                </a:lnTo>
-                <a:close/>
-              </a:path>
-            </a:pathLst>
-          </a:custGeom>
-        </p:spPr>
-      </p:sp>
-      <p:sp>
-        <p:nvSpPr>
-          <p:cNvPr id="221" name="Google Shape;221;g2cd36fb9c42_0_0:notes"/>
-          <p:cNvSpPr txBox="1">
-            <a:spLocks noGrp="1"/>
-          </p:cNvSpPr>
-          <p:nvPr>
-            <p:ph type="body" idx="1"/>
-          </p:nvPr>
-        </p:nvSpPr>
-        <p:spPr>
-          <a:xfrm>
-            <a:off x="685800" y="4343400"/>
-            <a:ext cx="5486400" cy="4114800"/>
-          </a:xfrm>
-          <a:prstGeom prst="rect">
-            <a:avLst/>
-          </a:prstGeom>
-        </p:spPr>
-        <p:txBody>
-          <a:bodyPr spcFirstLastPara="1" wrap="square" lIns="91425" tIns="91425" rIns="91425" bIns="91425" anchor="t" anchorCtr="0">
-            <a:noAutofit/>
-          </a:bodyPr>
-          <a:lstStyle/>
-          <a:p>
-            <a:pPr marL="0" lvl="0" indent="0" algn="l" rtl="0">
-              <a:spcBef>
-                <a:spcPts val="0"/>
-              </a:spcBef>
-              <a:spcAft>
-                <a:spcPts val="0"/>
-              </a:spcAft>
-              <a:buNone/>
-            </a:pPr>
-            <a:endParaRPr dirty="0"/>
-          </a:p>
-        </p:txBody>
-      </p:sp>
-    </p:spTree>
-  </p:cSld>
-  <p:clrMapOvr>
-    <a:masterClrMapping/>
-  </p:clrMapOvr>
-</p:notes>
-</file>
-
-<file path=ppt/notesSlides/notesSlide18.xml><?xml version="1.0" encoding="utf-8"?>
-<p:notes xmlns:a="http://schemas.openxmlformats.org/drawingml/2006/main" xmlns:r="http://schemas.openxmlformats.org/officeDocument/2006/relationships" xmlns:p="http://schemas.openxmlformats.org/presentationml/2006/main">
-  <p:cSld>
-    <p:spTree>
-      <p:nvGrpSpPr>
-        <p:cNvPr id="1" name=""/>
-        <p:cNvGrpSpPr/>
-        <p:nvPr/>
-      </p:nvGrpSpPr>
-      <p:grpSpPr>
-        <a:xfrm>
-          <a:off x="0" y="0"/>
-          <a:ext cx="0" cy="0"/>
-          <a:chOff x="0" y="0"/>
-          <a:chExt cx="0" cy="0"/>
-        </a:xfrm>
-      </p:grpSpPr>
-      <p:sp>
-        <p:nvSpPr>
-          <p:cNvPr id="2" name="Slide Image Placeholder 1"/>
-          <p:cNvSpPr>
-            <a:spLocks noGrp="1" noRot="1" noChangeAspect="1"/>
-          </p:cNvSpPr>
-          <p:nvPr>
-            <p:ph type="sldImg"/>
-          </p:nvPr>
-        </p:nvSpPr>
-        <p:spPr>
-          <a:xfrm>
-            <a:off x="381000" y="685800"/>
-            <a:ext cx="6096000" cy="3429000"/>
-          </a:xfrm>
-        </p:spPr>
-      </p:sp>
-      <p:sp>
-        <p:nvSpPr>
-          <p:cNvPr id="3" name="Notes Placeholder 2"/>
-          <p:cNvSpPr>
-            <a:spLocks noGrp="1"/>
-          </p:cNvSpPr>
-          <p:nvPr>
-            <p:ph type="body" idx="1"/>
-          </p:nvPr>
-        </p:nvSpPr>
-        <p:spPr/>
-        <p:txBody>
-          <a:bodyPr/>
-          <a:lstStyle/>
-          <a:p>
-            <a:endParaRPr lang="en-CN"/>
-          </a:p>
-        </p:txBody>
-      </p:sp>
-    </p:spTree>
-    <p:extLst>
-      <p:ext uri="{BB962C8B-B14F-4D97-AF65-F5344CB8AC3E}">
-        <p14:creationId xmlns:p14="http://schemas.microsoft.com/office/powerpoint/2010/main" val="1609685617"/>
-      </p:ext>
-    </p:extLst>
-  </p:cSld>
-  <p:clrMapOvr>
-    <a:masterClrMapping/>
-  </p:clrMapOvr>
-</p:notes>
-</file>
-
-<file path=ppt/notesSlides/notesSlide19.xml><?xml version="1.0" encoding="utf-8"?>
-<p:notes xmlns:a="http://schemas.openxmlformats.org/drawingml/2006/main" xmlns:r="http://schemas.openxmlformats.org/officeDocument/2006/relationships" xmlns:p="http://schemas.openxmlformats.org/presentationml/2006/main">
-  <p:cSld>
-    <p:spTree>
-      <p:nvGrpSpPr>
-        <p:cNvPr id="1" name=""/>
-        <p:cNvGrpSpPr/>
-        <p:nvPr/>
-      </p:nvGrpSpPr>
-      <p:grpSpPr>
-        <a:xfrm>
-          <a:off x="0" y="0"/>
-          <a:ext cx="0" cy="0"/>
-          <a:chOff x="0" y="0"/>
-          <a:chExt cx="0" cy="0"/>
-        </a:xfrm>
-      </p:grpSpPr>
-      <p:sp>
-        <p:nvSpPr>
-          <p:cNvPr id="2" name="Slide Image Placeholder 1"/>
-          <p:cNvSpPr>
-            <a:spLocks noGrp="1" noRot="1" noChangeAspect="1"/>
-          </p:cNvSpPr>
-          <p:nvPr>
-            <p:ph type="sldImg"/>
-          </p:nvPr>
-        </p:nvSpPr>
-        <p:spPr>
-          <a:xfrm>
-            <a:off x="381000" y="685800"/>
-            <a:ext cx="6096000" cy="3429000"/>
-          </a:xfrm>
-        </p:spPr>
-      </p:sp>
-      <p:sp>
-        <p:nvSpPr>
-          <p:cNvPr id="3" name="Notes Placeholder 2"/>
-          <p:cNvSpPr>
-            <a:spLocks noGrp="1"/>
-          </p:cNvSpPr>
-          <p:nvPr>
-            <p:ph type="body" idx="1"/>
-          </p:nvPr>
-        </p:nvSpPr>
-        <p:spPr/>
-        <p:txBody>
-          <a:bodyPr/>
-          <a:lstStyle/>
-          <a:p>
-            <a:endParaRPr lang="en-CN"/>
-          </a:p>
-        </p:txBody>
-      </p:sp>
-    </p:spTree>
-    <p:extLst>
-      <p:ext uri="{BB962C8B-B14F-4D97-AF65-F5344CB8AC3E}">
-        <p14:creationId xmlns:p14="http://schemas.microsoft.com/office/powerpoint/2010/main" val="3323268585"/>
-      </p:ext>
-    </p:extLst>
   </p:cSld>
   <p:clrMapOvr>
     <a:masterClrMapping/>
@@ -1940,7 +2009,7 @@
     </p:spTree>
     <p:extLst>
       <p:ext uri="{BB962C8B-B14F-4D97-AF65-F5344CB8AC3E}">
-        <p14:creationId xmlns:p14="http://schemas.microsoft.com/office/powerpoint/2010/main" val="340114192"/>
+        <p14:creationId xmlns:p14="http://schemas.microsoft.com/office/powerpoint/2010/main" val="3323268585"/>
       </p:ext>
     </p:extLst>
   </p:cSld>
@@ -1951,72 +2020,6 @@
 </file>
 
 <file path=ppt/notesSlides/notesSlide21.xml><?xml version="1.0" encoding="utf-8"?>
-<p:notes xmlns:a="http://schemas.openxmlformats.org/drawingml/2006/main" xmlns:r="http://schemas.openxmlformats.org/officeDocument/2006/relationships" xmlns:p="http://schemas.openxmlformats.org/presentationml/2006/main">
-  <p:cSld>
-    <p:spTree>
-      <p:nvGrpSpPr>
-        <p:cNvPr id="1" name=""/>
-        <p:cNvGrpSpPr/>
-        <p:nvPr/>
-      </p:nvGrpSpPr>
-      <p:grpSpPr>
-        <a:xfrm>
-          <a:off x="0" y="0"/>
-          <a:ext cx="0" cy="0"/>
-          <a:chOff x="0" y="0"/>
-          <a:chExt cx="0" cy="0"/>
-        </a:xfrm>
-      </p:grpSpPr>
-      <p:sp>
-        <p:nvSpPr>
-          <p:cNvPr id="2" name="Slide Image Placeholder 1"/>
-          <p:cNvSpPr>
-            <a:spLocks noGrp="1" noRot="1" noChangeAspect="1"/>
-          </p:cNvSpPr>
-          <p:nvPr>
-            <p:ph type="sldImg"/>
-          </p:nvPr>
-        </p:nvSpPr>
-        <p:spPr>
-          <a:xfrm>
-            <a:off x="381000" y="685800"/>
-            <a:ext cx="6096000" cy="3429000"/>
-          </a:xfrm>
-        </p:spPr>
-      </p:sp>
-      <p:sp>
-        <p:nvSpPr>
-          <p:cNvPr id="3" name="Notes Placeholder 2"/>
-          <p:cNvSpPr>
-            <a:spLocks noGrp="1"/>
-          </p:cNvSpPr>
-          <p:nvPr>
-            <p:ph type="body" idx="1"/>
-          </p:nvPr>
-        </p:nvSpPr>
-        <p:spPr/>
-        <p:txBody>
-          <a:bodyPr/>
-          <a:lstStyle/>
-          <a:p>
-            <a:endParaRPr lang="en-CN"/>
-          </a:p>
-        </p:txBody>
-      </p:sp>
-    </p:spTree>
-    <p:extLst>
-      <p:ext uri="{BB962C8B-B14F-4D97-AF65-F5344CB8AC3E}">
-        <p14:creationId xmlns:p14="http://schemas.microsoft.com/office/powerpoint/2010/main" val="1810213796"/>
-      </p:ext>
-    </p:extLst>
-  </p:cSld>
-  <p:clrMapOvr>
-    <a:masterClrMapping/>
-  </p:clrMapOvr>
-</p:notes>
-</file>
-
-<file path=ppt/notesSlides/notesSlide22.xml><?xml version="1.0" encoding="utf-8"?>
 <p:notes xmlns:a="http://schemas.openxmlformats.org/drawingml/2006/main" xmlns:r="http://schemas.openxmlformats.org/officeDocument/2006/relationships" xmlns:p="http://schemas.openxmlformats.org/presentationml/2006/main" showMasterSp="0" showMasterPhAnim="0">
   <p:cSld>
     <p:spTree>
@@ -2120,7 +2123,7 @@
 </p:notes>
 </file>
 
-<file path=ppt/notesSlides/notesSlide23.xml><?xml version="1.0" encoding="utf-8"?>
+<file path=ppt/notesSlides/notesSlide22.xml><?xml version="1.0" encoding="utf-8"?>
 <p:notes xmlns:a="http://schemas.openxmlformats.org/drawingml/2006/main" xmlns:r="http://schemas.openxmlformats.org/officeDocument/2006/relationships" xmlns:p="http://schemas.openxmlformats.org/presentationml/2006/main" showMasterSp="0" showMasterPhAnim="0">
   <p:cSld>
     <p:spTree>
@@ -8284,2635 +8287,6 @@
   <p:cSld>
     <p:spTree>
       <p:nvGrpSpPr>
-        <p:cNvPr id="1" name="Shape 149"/>
-        <p:cNvGrpSpPr/>
-        <p:nvPr/>
-      </p:nvGrpSpPr>
-      <p:grpSpPr>
-        <a:xfrm>
-          <a:off x="0" y="0"/>
-          <a:ext cx="0" cy="0"/>
-          <a:chOff x="0" y="0"/>
-          <a:chExt cx="0" cy="0"/>
-        </a:xfrm>
-      </p:grpSpPr>
-      <p:grpSp>
-        <p:nvGrpSpPr>
-          <p:cNvPr id="150" name="Google Shape;150;p22"/>
-          <p:cNvGrpSpPr/>
-          <p:nvPr/>
-        </p:nvGrpSpPr>
-        <p:grpSpPr>
-          <a:xfrm>
-            <a:off x="3583700" y="1922175"/>
-            <a:ext cx="2033700" cy="1596600"/>
-            <a:chOff x="3555150" y="1914800"/>
-            <a:chExt cx="2033700" cy="1596600"/>
-          </a:xfrm>
-        </p:grpSpPr>
-        <p:pic>
-          <p:nvPicPr>
-            <p:cNvPr id="151" name="Google Shape;151;p22"/>
-            <p:cNvPicPr preferRelativeResize="0"/>
-            <p:nvPr/>
-          </p:nvPicPr>
-          <p:blipFill>
-            <a:blip r:embed="rId3">
-              <a:alphaModFix/>
-            </a:blip>
-            <a:stretch>
-              <a:fillRect/>
-            </a:stretch>
-          </p:blipFill>
-          <p:spPr>
-            <a:xfrm>
-              <a:off x="3887525" y="1914800"/>
-              <a:ext cx="1368950" cy="898375"/>
-            </a:xfrm>
-            <a:prstGeom prst="rect">
-              <a:avLst/>
-            </a:prstGeom>
-            <a:noFill/>
-            <a:ln>
-              <a:noFill/>
-            </a:ln>
-          </p:spPr>
-        </p:pic>
-        <p:sp>
-          <p:nvSpPr>
-            <p:cNvPr id="152" name="Google Shape;152;p22"/>
-            <p:cNvSpPr txBox="1"/>
-            <p:nvPr/>
-          </p:nvSpPr>
-          <p:spPr>
-            <a:xfrm>
-              <a:off x="3555150" y="2864900"/>
-              <a:ext cx="2033700" cy="646500"/>
-            </a:xfrm>
-            <a:prstGeom prst="rect">
-              <a:avLst/>
-            </a:prstGeom>
-            <a:noFill/>
-            <a:ln>
-              <a:noFill/>
-            </a:ln>
-          </p:spPr>
-          <p:txBody>
-            <a:bodyPr spcFirstLastPara="1" wrap="square" lIns="91425" tIns="91425" rIns="91425" bIns="91425" anchor="t" anchorCtr="0">
-              <a:spAutoFit/>
-            </a:bodyPr>
-            <a:lstStyle/>
-            <a:p>
-              <a:pPr marL="0" lvl="0" indent="0" algn="ctr" rtl="0">
-                <a:spcBef>
-                  <a:spcPts val="0"/>
-                </a:spcBef>
-                <a:spcAft>
-                  <a:spcPts val="0"/>
-                </a:spcAft>
-                <a:buNone/>
-              </a:pPr>
-              <a:r>
-                <a:rPr lang="zh-CN" sz="1500" b="1">
-                  <a:solidFill>
-                    <a:schemeClr val="dk1"/>
-                  </a:solidFill>
-                </a:rPr>
-                <a:t>Frontend-Server Model</a:t>
-              </a:r>
-              <a:endParaRPr sz="1500" b="1">
-                <a:solidFill>
-                  <a:schemeClr val="dk1"/>
-                </a:solidFill>
-              </a:endParaRPr>
-            </a:p>
-          </p:txBody>
-        </p:sp>
-      </p:grpSp>
-    </p:spTree>
-  </p:cSld>
-  <p:clrMapOvr>
-    <a:masterClrMapping/>
-  </p:clrMapOvr>
-  <mc:AlternateContent xmlns:mc="http://schemas.openxmlformats.org/markup-compatibility/2006" xmlns:p14="http://schemas.microsoft.com/office/powerpoint/2010/main">
-    <mc:Choice Requires="p14">
-      <p:transition spd="med">
-        <p14:prism/>
-      </p:transition>
-    </mc:Choice>
-    <mc:Fallback xmlns="" xmlns:mv="urn:schemas-microsoft-com:mac:vml" xmlns:c="http://schemas.openxmlformats.org/drawingml/2006/chart" xmlns:dgm="http://schemas.openxmlformats.org/drawingml/2006/diagram" xmlns:o="urn:schemas-microsoft-com:office:office" xmlns:v="urn:schemas-microsoft-com:vml" xmlns:pvml="urn:schemas-microsoft-com:office:powerpoint" xmlns:com="http://schemas.openxmlformats.org/drawingml/2006/compatibility" xmlns:p15="http://schemas.microsoft.com/office/powerpoint/2012/main" xmlns:ahyp="http://schemas.microsoft.com/office/drawing/2018/hyperlinkcolor">
-      <p:transition spd="med">
-        <p:fade/>
-      </p:transition>
-    </mc:Fallback>
-  </mc:AlternateContent>
-</p:sld>
-</file>
-
-<file path=ppt/slides/slide11.xml><?xml version="1.0" encoding="utf-8"?>
-<p:sld xmlns:a="http://schemas.openxmlformats.org/drawingml/2006/main" xmlns:r="http://schemas.openxmlformats.org/officeDocument/2006/relationships" xmlns:p="http://schemas.openxmlformats.org/presentationml/2006/main">
-  <p:cSld>
-    <p:spTree>
-      <p:nvGrpSpPr>
-        <p:cNvPr id="1" name="Shape 156"/>
-        <p:cNvGrpSpPr/>
-        <p:nvPr/>
-      </p:nvGrpSpPr>
-      <p:grpSpPr>
-        <a:xfrm>
-          <a:off x="0" y="0"/>
-          <a:ext cx="0" cy="0"/>
-          <a:chOff x="0" y="0"/>
-          <a:chExt cx="0" cy="0"/>
-        </a:xfrm>
-      </p:grpSpPr>
-      <p:sp>
-        <p:nvSpPr>
-          <p:cNvPr id="157" name="Google Shape;157;p23"/>
-          <p:cNvSpPr txBox="1">
-            <a:spLocks noGrp="1"/>
-          </p:cNvSpPr>
-          <p:nvPr>
-            <p:ph type="title"/>
-          </p:nvPr>
-        </p:nvSpPr>
-        <p:spPr>
-          <a:xfrm>
-            <a:off x="311700" y="445025"/>
-            <a:ext cx="8520600" cy="572700"/>
-          </a:xfrm>
-          <a:prstGeom prst="rect">
-            <a:avLst/>
-          </a:prstGeom>
-        </p:spPr>
-        <p:txBody>
-          <a:bodyPr spcFirstLastPara="1" wrap="square" lIns="91425" tIns="91425" rIns="91425" bIns="91425" anchor="t" anchorCtr="0">
-            <a:normAutofit fontScale="90000"/>
-          </a:bodyPr>
-          <a:lstStyle/>
-          <a:p>
-            <a:pPr marL="0" lvl="0" indent="0" algn="l" rtl="0">
-              <a:spcBef>
-                <a:spcPts val="0"/>
-              </a:spcBef>
-              <a:spcAft>
-                <a:spcPts val="0"/>
-              </a:spcAft>
-              <a:buNone/>
-            </a:pPr>
-            <a:r>
-              <a:rPr lang="zh-CN"/>
-              <a:t>/ Frontend-Server Model</a:t>
-            </a:r>
-            <a:endParaRPr/>
-          </a:p>
-        </p:txBody>
-      </p:sp>
-      <p:sp>
-        <p:nvSpPr>
-          <p:cNvPr id="158" name="Google Shape;158;p23"/>
-          <p:cNvSpPr txBox="1"/>
-          <p:nvPr/>
-        </p:nvSpPr>
-        <p:spPr>
-          <a:xfrm>
-            <a:off x="1332088" y="3160588"/>
-            <a:ext cx="2098200" cy="523200"/>
-          </a:xfrm>
-          <a:prstGeom prst="rect">
-            <a:avLst/>
-          </a:prstGeom>
-          <a:noFill/>
-          <a:ln>
-            <a:noFill/>
-          </a:ln>
-        </p:spPr>
-        <p:txBody>
-          <a:bodyPr spcFirstLastPara="1" wrap="square" lIns="91425" tIns="91425" rIns="91425" bIns="91425" anchor="t" anchorCtr="0">
-            <a:spAutoFit/>
-          </a:bodyPr>
-          <a:lstStyle/>
-          <a:p>
-            <a:pPr marL="0" lvl="0" indent="0" algn="ctr" rtl="0">
-              <a:spcBef>
-                <a:spcPts val="0"/>
-              </a:spcBef>
-              <a:spcAft>
-                <a:spcPts val="0"/>
-              </a:spcAft>
-              <a:buNone/>
-            </a:pPr>
-            <a:r>
-              <a:rPr lang="zh-CN" sz="1300" b="1">
-                <a:solidFill>
-                  <a:schemeClr val="dk1"/>
-                </a:solidFill>
-              </a:rPr>
-              <a:t>Frontend Framework</a:t>
-            </a:r>
-            <a:endParaRPr sz="1300" b="1">
-              <a:solidFill>
-                <a:schemeClr val="dk1"/>
-              </a:solidFill>
-            </a:endParaRPr>
-          </a:p>
-          <a:p>
-            <a:pPr marL="0" lvl="0" indent="0" algn="ctr" rtl="0">
-              <a:spcBef>
-                <a:spcPts val="0"/>
-              </a:spcBef>
-              <a:spcAft>
-                <a:spcPts val="0"/>
-              </a:spcAft>
-              <a:buNone/>
-            </a:pPr>
-            <a:r>
-              <a:rPr lang="zh-CN" sz="900">
-                <a:solidFill>
-                  <a:schemeClr val="dk1"/>
-                </a:solidFill>
-              </a:rPr>
-              <a:t>HTML + CSS + JS</a:t>
-            </a:r>
-            <a:endParaRPr sz="900">
-              <a:solidFill>
-                <a:schemeClr val="dk1"/>
-              </a:solidFill>
-            </a:endParaRPr>
-          </a:p>
-        </p:txBody>
-      </p:sp>
-      <p:pic>
-        <p:nvPicPr>
-          <p:cNvPr id="159" name="Google Shape;159;p23"/>
-          <p:cNvPicPr preferRelativeResize="0"/>
-          <p:nvPr/>
-        </p:nvPicPr>
-        <p:blipFill>
-          <a:blip r:embed="rId3">
-            <a:alphaModFix/>
-          </a:blip>
-          <a:stretch>
-            <a:fillRect/>
-          </a:stretch>
-        </p:blipFill>
-        <p:spPr>
-          <a:xfrm>
-            <a:off x="1308150" y="1554200"/>
-            <a:ext cx="2146074" cy="1606400"/>
-          </a:xfrm>
-          <a:prstGeom prst="rect">
-            <a:avLst/>
-          </a:prstGeom>
-          <a:noFill/>
-          <a:ln>
-            <a:noFill/>
-          </a:ln>
-        </p:spPr>
-      </p:pic>
-      <p:sp>
-        <p:nvSpPr>
-          <p:cNvPr id="160" name="Google Shape;160;p23"/>
-          <p:cNvSpPr txBox="1"/>
-          <p:nvPr/>
-        </p:nvSpPr>
-        <p:spPr>
-          <a:xfrm>
-            <a:off x="5737650" y="3160588"/>
-            <a:ext cx="2098200" cy="523200"/>
-          </a:xfrm>
-          <a:prstGeom prst="rect">
-            <a:avLst/>
-          </a:prstGeom>
-          <a:noFill/>
-          <a:ln>
-            <a:noFill/>
-          </a:ln>
-        </p:spPr>
-        <p:txBody>
-          <a:bodyPr spcFirstLastPara="1" wrap="square" lIns="91425" tIns="91425" rIns="91425" bIns="91425" anchor="t" anchorCtr="0">
-            <a:spAutoFit/>
-          </a:bodyPr>
-          <a:lstStyle/>
-          <a:p>
-            <a:pPr marL="0" lvl="0" indent="0" algn="ctr" rtl="0">
-              <a:spcBef>
-                <a:spcPts val="0"/>
-              </a:spcBef>
-              <a:spcAft>
-                <a:spcPts val="0"/>
-              </a:spcAft>
-              <a:buNone/>
-            </a:pPr>
-            <a:r>
-              <a:rPr lang="zh-CN" sz="1300" b="1">
-                <a:solidFill>
-                  <a:schemeClr val="dk1"/>
-                </a:solidFill>
-              </a:rPr>
-              <a:t>Backend Framework</a:t>
-            </a:r>
-            <a:endParaRPr sz="1300" b="1">
-              <a:solidFill>
-                <a:schemeClr val="dk1"/>
-              </a:solidFill>
-            </a:endParaRPr>
-          </a:p>
-          <a:p>
-            <a:pPr marL="0" lvl="0" indent="0" algn="ctr" rtl="0">
-              <a:spcBef>
-                <a:spcPts val="0"/>
-              </a:spcBef>
-              <a:spcAft>
-                <a:spcPts val="0"/>
-              </a:spcAft>
-              <a:buNone/>
-            </a:pPr>
-            <a:r>
-              <a:rPr lang="zh-CN" sz="900">
-                <a:solidFill>
-                  <a:schemeClr val="dk1"/>
-                </a:solidFill>
-              </a:rPr>
-              <a:t>Django + Python</a:t>
-            </a:r>
-            <a:endParaRPr sz="900">
-              <a:solidFill>
-                <a:schemeClr val="dk1"/>
-              </a:solidFill>
-            </a:endParaRPr>
-          </a:p>
-        </p:txBody>
-      </p:sp>
-      <p:pic>
-        <p:nvPicPr>
-          <p:cNvPr id="161" name="Google Shape;161;p23"/>
-          <p:cNvPicPr preferRelativeResize="0"/>
-          <p:nvPr/>
-        </p:nvPicPr>
-        <p:blipFill>
-          <a:blip r:embed="rId4">
-            <a:alphaModFix/>
-          </a:blip>
-          <a:stretch>
-            <a:fillRect/>
-          </a:stretch>
-        </p:blipFill>
-        <p:spPr>
-          <a:xfrm>
-            <a:off x="5908474" y="1808471"/>
-            <a:ext cx="1756575" cy="1097875"/>
-          </a:xfrm>
-          <a:prstGeom prst="rect">
-            <a:avLst/>
-          </a:prstGeom>
-          <a:noFill/>
-          <a:ln>
-            <a:noFill/>
-          </a:ln>
-        </p:spPr>
-      </p:pic>
-    </p:spTree>
-  </p:cSld>
-  <p:clrMapOvr>
-    <a:masterClrMapping/>
-  </p:clrMapOvr>
-  <p:transition spd="slow">
-    <p:push dir="u"/>
-  </p:transition>
-</p:sld>
-</file>
-
-<file path=ppt/slides/slide12.xml><?xml version="1.0" encoding="utf-8"?>
-<p:sld xmlns:a="http://schemas.openxmlformats.org/drawingml/2006/main" xmlns:r="http://schemas.openxmlformats.org/officeDocument/2006/relationships" xmlns:p="http://schemas.openxmlformats.org/presentationml/2006/main">
-  <p:cSld>
-    <p:spTree>
-      <p:nvGrpSpPr>
-        <p:cNvPr id="1" name="Shape 165"/>
-        <p:cNvGrpSpPr/>
-        <p:nvPr/>
-      </p:nvGrpSpPr>
-      <p:grpSpPr>
-        <a:xfrm>
-          <a:off x="0" y="0"/>
-          <a:ext cx="0" cy="0"/>
-          <a:chOff x="0" y="0"/>
-          <a:chExt cx="0" cy="0"/>
-        </a:xfrm>
-      </p:grpSpPr>
-      <p:sp>
-        <p:nvSpPr>
-          <p:cNvPr id="166" name="Google Shape;166;p24"/>
-          <p:cNvSpPr txBox="1">
-            <a:spLocks noGrp="1"/>
-          </p:cNvSpPr>
-          <p:nvPr>
-            <p:ph type="title"/>
-          </p:nvPr>
-        </p:nvSpPr>
-        <p:spPr>
-          <a:xfrm>
-            <a:off x="311700" y="445025"/>
-            <a:ext cx="8520600" cy="572700"/>
-          </a:xfrm>
-          <a:prstGeom prst="rect">
-            <a:avLst/>
-          </a:prstGeom>
-        </p:spPr>
-        <p:txBody>
-          <a:bodyPr spcFirstLastPara="1" wrap="square" lIns="91425" tIns="91425" rIns="91425" bIns="91425" anchor="t" anchorCtr="0">
-            <a:normAutofit fontScale="90000"/>
-          </a:bodyPr>
-          <a:lstStyle/>
-          <a:p>
-            <a:pPr marL="0" lvl="0" indent="0" algn="l" rtl="0">
-              <a:spcBef>
-                <a:spcPts val="0"/>
-              </a:spcBef>
-              <a:spcAft>
-                <a:spcPts val="0"/>
-              </a:spcAft>
-              <a:buNone/>
-            </a:pPr>
-            <a:r>
-              <a:rPr lang="zh-CN"/>
-              <a:t>/ Frontend-Server Model / Frontend Framework</a:t>
-            </a:r>
-            <a:endParaRPr/>
-          </a:p>
-        </p:txBody>
-      </p:sp>
-      <p:grpSp>
-        <p:nvGrpSpPr>
-          <p:cNvPr id="167" name="Google Shape;167;p24"/>
-          <p:cNvGrpSpPr/>
-          <p:nvPr/>
-        </p:nvGrpSpPr>
-        <p:grpSpPr>
-          <a:xfrm>
-            <a:off x="311700" y="1506950"/>
-            <a:ext cx="2146074" cy="2129587"/>
-            <a:chOff x="1308150" y="1554200"/>
-            <a:chExt cx="2146074" cy="2129587"/>
-          </a:xfrm>
-        </p:grpSpPr>
-        <p:sp>
-          <p:nvSpPr>
-            <p:cNvPr id="168" name="Google Shape;168;p24"/>
-            <p:cNvSpPr txBox="1"/>
-            <p:nvPr/>
-          </p:nvSpPr>
-          <p:spPr>
-            <a:xfrm>
-              <a:off x="1332088" y="3160588"/>
-              <a:ext cx="2098200" cy="523200"/>
-            </a:xfrm>
-            <a:prstGeom prst="rect">
-              <a:avLst/>
-            </a:prstGeom>
-            <a:noFill/>
-            <a:ln>
-              <a:noFill/>
-            </a:ln>
-          </p:spPr>
-          <p:txBody>
-            <a:bodyPr spcFirstLastPara="1" wrap="square" lIns="91425" tIns="91425" rIns="91425" bIns="91425" anchor="t" anchorCtr="0">
-              <a:spAutoFit/>
-            </a:bodyPr>
-            <a:lstStyle/>
-            <a:p>
-              <a:pPr marL="0" lvl="0" indent="0" algn="ctr" rtl="0">
-                <a:spcBef>
-                  <a:spcPts val="0"/>
-                </a:spcBef>
-                <a:spcAft>
-                  <a:spcPts val="0"/>
-                </a:spcAft>
-                <a:buNone/>
-              </a:pPr>
-              <a:r>
-                <a:rPr lang="zh-CN" sz="1300" b="1">
-                  <a:solidFill>
-                    <a:schemeClr val="dk1"/>
-                  </a:solidFill>
-                </a:rPr>
-                <a:t>Frontend Framework</a:t>
-              </a:r>
-              <a:endParaRPr sz="1300" b="1">
-                <a:solidFill>
-                  <a:schemeClr val="dk1"/>
-                </a:solidFill>
-              </a:endParaRPr>
-            </a:p>
-            <a:p>
-              <a:pPr marL="0" lvl="0" indent="0" algn="ctr" rtl="0">
-                <a:spcBef>
-                  <a:spcPts val="0"/>
-                </a:spcBef>
-                <a:spcAft>
-                  <a:spcPts val="0"/>
-                </a:spcAft>
-                <a:buNone/>
-              </a:pPr>
-              <a:r>
-                <a:rPr lang="zh-CN" sz="900">
-                  <a:solidFill>
-                    <a:schemeClr val="dk1"/>
-                  </a:solidFill>
-                </a:rPr>
-                <a:t>HTML + CSS + JS</a:t>
-              </a:r>
-              <a:endParaRPr sz="900">
-                <a:solidFill>
-                  <a:schemeClr val="dk1"/>
-                </a:solidFill>
-              </a:endParaRPr>
-            </a:p>
-          </p:txBody>
-        </p:sp>
-        <p:pic>
-          <p:nvPicPr>
-            <p:cNvPr id="169" name="Google Shape;169;p24"/>
-            <p:cNvPicPr preferRelativeResize="0"/>
-            <p:nvPr/>
-          </p:nvPicPr>
-          <p:blipFill>
-            <a:blip r:embed="rId3">
-              <a:alphaModFix/>
-            </a:blip>
-            <a:stretch>
-              <a:fillRect/>
-            </a:stretch>
-          </p:blipFill>
-          <p:spPr>
-            <a:xfrm>
-              <a:off x="1308150" y="1554200"/>
-              <a:ext cx="2146074" cy="1606400"/>
-            </a:xfrm>
-            <a:prstGeom prst="rect">
-              <a:avLst/>
-            </a:prstGeom>
-            <a:noFill/>
-            <a:ln>
-              <a:noFill/>
-            </a:ln>
-          </p:spPr>
-        </p:pic>
-      </p:grpSp>
-      <p:sp>
-        <p:nvSpPr>
-          <p:cNvPr id="170" name="Google Shape;170;p24"/>
-          <p:cNvSpPr txBox="1">
-            <a:spLocks noGrp="1"/>
-          </p:cNvSpPr>
-          <p:nvPr>
-            <p:ph type="body" idx="4294967295"/>
-          </p:nvPr>
-        </p:nvSpPr>
-        <p:spPr>
-          <a:xfrm>
-            <a:off x="2864300" y="1152475"/>
-            <a:ext cx="5967900" cy="3416400"/>
-          </a:xfrm>
-          <a:prstGeom prst="rect">
-            <a:avLst/>
-          </a:prstGeom>
-        </p:spPr>
-        <p:txBody>
-          <a:bodyPr spcFirstLastPara="1" wrap="square" lIns="91425" tIns="91425" rIns="91425" bIns="91425" anchor="t" anchorCtr="0">
-            <a:normAutofit/>
-          </a:bodyPr>
-          <a:lstStyle/>
-          <a:p>
-            <a:pPr marL="0" lvl="0" indent="0" algn="l" rtl="0">
-              <a:spcBef>
-                <a:spcPts val="0"/>
-              </a:spcBef>
-              <a:spcAft>
-                <a:spcPts val="0"/>
-              </a:spcAft>
-              <a:buNone/>
-            </a:pPr>
-            <a:r>
-              <a:rPr lang="zh-CN" b="1">
-                <a:solidFill>
-                  <a:schemeClr val="dk1"/>
-                </a:solidFill>
-              </a:rPr>
-              <a:t>HTML + CSS: </a:t>
-            </a:r>
-            <a:endParaRPr b="1">
-              <a:solidFill>
-                <a:schemeClr val="dk1"/>
-              </a:solidFill>
-            </a:endParaRPr>
-          </a:p>
-          <a:p>
-            <a:pPr marL="457200" lvl="0" indent="-342900" algn="l" rtl="0">
-              <a:spcBef>
-                <a:spcPts val="1200"/>
-              </a:spcBef>
-              <a:spcAft>
-                <a:spcPts val="0"/>
-              </a:spcAft>
-              <a:buClr>
-                <a:srgbClr val="9E9E9E"/>
-              </a:buClr>
-              <a:buSzPts val="1800"/>
-              <a:buChar char="-"/>
-            </a:pPr>
-            <a:r>
-              <a:rPr lang="zh-CN">
-                <a:solidFill>
-                  <a:srgbClr val="9E9E9E"/>
-                </a:solidFill>
-              </a:rPr>
-              <a:t>Structure &amp; Style of website.</a:t>
-            </a:r>
-            <a:endParaRPr>
-              <a:solidFill>
-                <a:srgbClr val="9E9E9E"/>
-              </a:solidFill>
-            </a:endParaRPr>
-          </a:p>
-          <a:p>
-            <a:pPr marL="0" lvl="0" indent="0" algn="l" rtl="0">
-              <a:spcBef>
-                <a:spcPts val="1200"/>
-              </a:spcBef>
-              <a:spcAft>
-                <a:spcPts val="0"/>
-              </a:spcAft>
-              <a:buNone/>
-            </a:pPr>
-            <a:r>
-              <a:rPr lang="zh-CN" b="1">
-                <a:solidFill>
-                  <a:schemeClr val="dk1"/>
-                </a:solidFill>
-              </a:rPr>
-              <a:t>JavaScript: </a:t>
-            </a:r>
-            <a:endParaRPr b="1">
-              <a:solidFill>
-                <a:schemeClr val="dk1"/>
-              </a:solidFill>
-            </a:endParaRPr>
-          </a:p>
-          <a:p>
-            <a:pPr marL="457200" lvl="0" indent="-342900" algn="l" rtl="0">
-              <a:spcBef>
-                <a:spcPts val="1200"/>
-              </a:spcBef>
-              <a:spcAft>
-                <a:spcPts val="0"/>
-              </a:spcAft>
-              <a:buClr>
-                <a:srgbClr val="9E9E9E"/>
-              </a:buClr>
-              <a:buSzPts val="1800"/>
-              <a:buChar char="-"/>
-            </a:pPr>
-            <a:r>
-              <a:rPr lang="zh-CN">
-                <a:solidFill>
-                  <a:srgbClr val="9E9E9E"/>
-                </a:solidFill>
-              </a:rPr>
-              <a:t>Defines how the input query is submitted to the backend (XMLHTTPRequest, etc).</a:t>
-            </a:r>
-            <a:endParaRPr>
-              <a:solidFill>
-                <a:srgbClr val="9E9E9E"/>
-              </a:solidFill>
-            </a:endParaRPr>
-          </a:p>
-          <a:p>
-            <a:pPr marL="457200" lvl="0" indent="-342900" algn="l" rtl="0">
-              <a:spcBef>
-                <a:spcPts val="0"/>
-              </a:spcBef>
-              <a:spcAft>
-                <a:spcPts val="0"/>
-              </a:spcAft>
-              <a:buClr>
-                <a:srgbClr val="9E9E9E"/>
-              </a:buClr>
-              <a:buSzPts val="1800"/>
-              <a:buChar char="-"/>
-            </a:pPr>
-            <a:r>
-              <a:rPr lang="zh-CN">
-                <a:solidFill>
-                  <a:srgbClr val="9E9E9E"/>
-                </a:solidFill>
-              </a:rPr>
-              <a:t>Define how the response from the server is handled.</a:t>
-            </a:r>
-            <a:endParaRPr>
-              <a:solidFill>
-                <a:srgbClr val="9E9E9E"/>
-              </a:solidFill>
-            </a:endParaRPr>
-          </a:p>
-        </p:txBody>
-      </p:sp>
-    </p:spTree>
-  </p:cSld>
-  <p:clrMapOvr>
-    <a:masterClrMapping/>
-  </p:clrMapOvr>
-  <p:transition spd="slow">
-    <p:push dir="u"/>
-  </p:transition>
-</p:sld>
-</file>
-
-<file path=ppt/slides/slide13.xml><?xml version="1.0" encoding="utf-8"?>
-<p:sld xmlns:a="http://schemas.openxmlformats.org/drawingml/2006/main" xmlns:r="http://schemas.openxmlformats.org/officeDocument/2006/relationships" xmlns:p="http://schemas.openxmlformats.org/presentationml/2006/main">
-  <p:cSld>
-    <p:spTree>
-      <p:nvGrpSpPr>
-        <p:cNvPr id="1" name="Shape 174"/>
-        <p:cNvGrpSpPr/>
-        <p:nvPr/>
-      </p:nvGrpSpPr>
-      <p:grpSpPr>
-        <a:xfrm>
-          <a:off x="0" y="0"/>
-          <a:ext cx="0" cy="0"/>
-          <a:chOff x="0" y="0"/>
-          <a:chExt cx="0" cy="0"/>
-        </a:xfrm>
-      </p:grpSpPr>
-      <p:sp>
-        <p:nvSpPr>
-          <p:cNvPr id="175" name="Google Shape;175;p25"/>
-          <p:cNvSpPr txBox="1">
-            <a:spLocks noGrp="1"/>
-          </p:cNvSpPr>
-          <p:nvPr>
-            <p:ph type="title"/>
-          </p:nvPr>
-        </p:nvSpPr>
-        <p:spPr>
-          <a:xfrm>
-            <a:off x="311700" y="445025"/>
-            <a:ext cx="8520600" cy="572700"/>
-          </a:xfrm>
-          <a:prstGeom prst="rect">
-            <a:avLst/>
-          </a:prstGeom>
-        </p:spPr>
-        <p:txBody>
-          <a:bodyPr spcFirstLastPara="1" wrap="square" lIns="91425" tIns="91425" rIns="91425" bIns="91425" anchor="t" anchorCtr="0">
-            <a:normAutofit fontScale="90000"/>
-          </a:bodyPr>
-          <a:lstStyle/>
-          <a:p>
-            <a:pPr marL="0" lvl="0" indent="0" algn="l" rtl="0">
-              <a:spcBef>
-                <a:spcPts val="0"/>
-              </a:spcBef>
-              <a:spcAft>
-                <a:spcPts val="0"/>
-              </a:spcAft>
-              <a:buNone/>
-            </a:pPr>
-            <a:r>
-              <a:rPr lang="zh-CN"/>
-              <a:t>/ Frontend-Server Model / Backend Framework</a:t>
-            </a:r>
-            <a:endParaRPr/>
-          </a:p>
-        </p:txBody>
-      </p:sp>
-      <p:grpSp>
-        <p:nvGrpSpPr>
-          <p:cNvPr id="176" name="Google Shape;176;p25"/>
-          <p:cNvGrpSpPr/>
-          <p:nvPr/>
-        </p:nvGrpSpPr>
-        <p:grpSpPr>
-          <a:xfrm>
-            <a:off x="335638" y="1761208"/>
-            <a:ext cx="2098200" cy="1875329"/>
-            <a:chOff x="1332100" y="1808458"/>
-            <a:chExt cx="2098200" cy="1875329"/>
-          </a:xfrm>
-        </p:grpSpPr>
-        <p:pic>
-          <p:nvPicPr>
-            <p:cNvPr id="177" name="Google Shape;177;p25"/>
-            <p:cNvPicPr preferRelativeResize="0"/>
-            <p:nvPr/>
-          </p:nvPicPr>
-          <p:blipFill>
-            <a:blip r:embed="rId3">
-              <a:alphaModFix/>
-            </a:blip>
-            <a:stretch>
-              <a:fillRect/>
-            </a:stretch>
-          </p:blipFill>
-          <p:spPr>
-            <a:xfrm>
-              <a:off x="1502912" y="1808458"/>
-              <a:ext cx="1756575" cy="1097875"/>
-            </a:xfrm>
-            <a:prstGeom prst="rect">
-              <a:avLst/>
-            </a:prstGeom>
-            <a:noFill/>
-            <a:ln>
-              <a:noFill/>
-            </a:ln>
-          </p:spPr>
-        </p:pic>
-        <p:sp>
-          <p:nvSpPr>
-            <p:cNvPr id="178" name="Google Shape;178;p25"/>
-            <p:cNvSpPr txBox="1"/>
-            <p:nvPr/>
-          </p:nvSpPr>
-          <p:spPr>
-            <a:xfrm>
-              <a:off x="1332100" y="3160588"/>
-              <a:ext cx="2098200" cy="523200"/>
-            </a:xfrm>
-            <a:prstGeom prst="rect">
-              <a:avLst/>
-            </a:prstGeom>
-            <a:noFill/>
-            <a:ln>
-              <a:noFill/>
-            </a:ln>
-          </p:spPr>
-          <p:txBody>
-            <a:bodyPr spcFirstLastPara="1" wrap="square" lIns="91425" tIns="91425" rIns="91425" bIns="91425" anchor="t" anchorCtr="0">
-              <a:spAutoFit/>
-            </a:bodyPr>
-            <a:lstStyle/>
-            <a:p>
-              <a:pPr marL="0" lvl="0" indent="0" algn="ctr" rtl="0">
-                <a:spcBef>
-                  <a:spcPts val="0"/>
-                </a:spcBef>
-                <a:spcAft>
-                  <a:spcPts val="0"/>
-                </a:spcAft>
-                <a:buNone/>
-              </a:pPr>
-              <a:r>
-                <a:rPr lang="zh-CN" sz="1300" b="1">
-                  <a:solidFill>
-                    <a:schemeClr val="dk1"/>
-                  </a:solidFill>
-                </a:rPr>
-                <a:t>Backend Framework</a:t>
-              </a:r>
-              <a:endParaRPr sz="1300" b="1">
-                <a:solidFill>
-                  <a:schemeClr val="dk1"/>
-                </a:solidFill>
-              </a:endParaRPr>
-            </a:p>
-            <a:p>
-              <a:pPr marL="0" lvl="0" indent="0" algn="ctr" rtl="0">
-                <a:spcBef>
-                  <a:spcPts val="0"/>
-                </a:spcBef>
-                <a:spcAft>
-                  <a:spcPts val="0"/>
-                </a:spcAft>
-                <a:buNone/>
-              </a:pPr>
-              <a:r>
-                <a:rPr lang="zh-CN" sz="900">
-                  <a:solidFill>
-                    <a:schemeClr val="dk1"/>
-                  </a:solidFill>
-                </a:rPr>
-                <a:t>Django + Python</a:t>
-              </a:r>
-              <a:endParaRPr sz="900">
-                <a:solidFill>
-                  <a:schemeClr val="dk1"/>
-                </a:solidFill>
-              </a:endParaRPr>
-            </a:p>
-          </p:txBody>
-        </p:sp>
-      </p:grpSp>
-      <p:sp>
-        <p:nvSpPr>
-          <p:cNvPr id="179" name="Google Shape;179;p25"/>
-          <p:cNvSpPr txBox="1">
-            <a:spLocks noGrp="1"/>
-          </p:cNvSpPr>
-          <p:nvPr>
-            <p:ph type="body" idx="4294967295"/>
-          </p:nvPr>
-        </p:nvSpPr>
-        <p:spPr>
-          <a:xfrm>
-            <a:off x="2864300" y="1152475"/>
-            <a:ext cx="5967900" cy="3416400"/>
-          </a:xfrm>
-          <a:prstGeom prst="rect">
-            <a:avLst/>
-          </a:prstGeom>
-        </p:spPr>
-        <p:txBody>
-          <a:bodyPr spcFirstLastPara="1" wrap="square" lIns="91425" tIns="91425" rIns="91425" bIns="91425" anchor="t" anchorCtr="0">
-            <a:normAutofit/>
-          </a:bodyPr>
-          <a:lstStyle/>
-          <a:p>
-            <a:pPr marL="0" lvl="0" indent="0" algn="l" rtl="0">
-              <a:spcBef>
-                <a:spcPts val="0"/>
-              </a:spcBef>
-              <a:spcAft>
-                <a:spcPts val="0"/>
-              </a:spcAft>
-              <a:buNone/>
-            </a:pPr>
-            <a:r>
-              <a:rPr lang="zh-CN"/>
-              <a:t>Django: Model-Template-View Framework</a:t>
-            </a:r>
-            <a:endParaRPr/>
-          </a:p>
-          <a:p>
-            <a:pPr marL="0" lvl="0" indent="0" algn="l" rtl="0">
-              <a:spcBef>
-                <a:spcPts val="1200"/>
-              </a:spcBef>
-              <a:spcAft>
-                <a:spcPts val="0"/>
-              </a:spcAft>
-              <a:buNone/>
-            </a:pPr>
-            <a:r>
-              <a:rPr lang="zh-CN"/>
-              <a:t>View: Defines how the backend respond to the frontend, facing some specific requests.</a:t>
-            </a:r>
-            <a:endParaRPr/>
-          </a:p>
-          <a:p>
-            <a:pPr marL="0" lvl="0" indent="0" algn="l" rtl="0">
-              <a:spcBef>
-                <a:spcPts val="1200"/>
-              </a:spcBef>
-              <a:spcAft>
-                <a:spcPts val="0"/>
-              </a:spcAft>
-              <a:buNone/>
-            </a:pPr>
-            <a:r>
-              <a:rPr lang="zh-CN"/>
-              <a:t>In this case: </a:t>
-            </a:r>
-            <a:endParaRPr/>
-          </a:p>
-          <a:p>
-            <a:pPr marL="457200" lvl="0" indent="-342900" algn="l" rtl="0">
-              <a:spcBef>
-                <a:spcPts val="1200"/>
-              </a:spcBef>
-              <a:spcAft>
-                <a:spcPts val="0"/>
-              </a:spcAft>
-              <a:buSzPts val="1800"/>
-              <a:buChar char="●"/>
-            </a:pPr>
-            <a:r>
-              <a:rPr lang="zh-CN"/>
-              <a:t>The predicted query of the MaxEnt Model is the response from the backend. </a:t>
-            </a:r>
-            <a:endParaRPr/>
-          </a:p>
-          <a:p>
-            <a:pPr marL="457200" lvl="0" indent="-342900" algn="l" rtl="0">
-              <a:spcBef>
-                <a:spcPts val="0"/>
-              </a:spcBef>
-              <a:spcAft>
-                <a:spcPts val="0"/>
-              </a:spcAft>
-              <a:buSzPts val="1800"/>
-              <a:buChar char="●"/>
-            </a:pPr>
-            <a:r>
-              <a:rPr lang="zh-CN"/>
-              <a:t>The backend responds the frontend in JSON format.</a:t>
-            </a:r>
-            <a:endParaRPr/>
-          </a:p>
-        </p:txBody>
-      </p:sp>
-    </p:spTree>
-  </p:cSld>
-  <p:clrMapOvr>
-    <a:masterClrMapping/>
-  </p:clrMapOvr>
-  <p:transition spd="slow">
-    <p:push dir="u"/>
-  </p:transition>
-</p:sld>
-</file>
-
-<file path=ppt/slides/slide14.xml><?xml version="1.0" encoding="utf-8"?>
-<p:sld xmlns:a="http://schemas.openxmlformats.org/drawingml/2006/main" xmlns:r="http://schemas.openxmlformats.org/officeDocument/2006/relationships" xmlns:p="http://schemas.openxmlformats.org/presentationml/2006/main">
-  <p:cSld>
-    <p:spTree>
-      <p:nvGrpSpPr>
-        <p:cNvPr id="1" name="Shape 183"/>
-        <p:cNvGrpSpPr/>
-        <p:nvPr/>
-      </p:nvGrpSpPr>
-      <p:grpSpPr>
-        <a:xfrm>
-          <a:off x="0" y="0"/>
-          <a:ext cx="0" cy="0"/>
-          <a:chOff x="0" y="0"/>
-          <a:chExt cx="0" cy="0"/>
-        </a:xfrm>
-      </p:grpSpPr>
-      <p:sp>
-        <p:nvSpPr>
-          <p:cNvPr id="184" name="Google Shape;184;p26"/>
-          <p:cNvSpPr txBox="1">
-            <a:spLocks noGrp="1"/>
-          </p:cNvSpPr>
-          <p:nvPr>
-            <p:ph type="title"/>
-          </p:nvPr>
-        </p:nvSpPr>
-        <p:spPr>
-          <a:xfrm>
-            <a:off x="311700" y="445025"/>
-            <a:ext cx="8520600" cy="572700"/>
-          </a:xfrm>
-          <a:prstGeom prst="rect">
-            <a:avLst/>
-          </a:prstGeom>
-        </p:spPr>
-        <p:txBody>
-          <a:bodyPr spcFirstLastPara="1" wrap="square" lIns="91425" tIns="91425" rIns="91425" bIns="91425" anchor="t" anchorCtr="0">
-            <a:normAutofit fontScale="90000"/>
-          </a:bodyPr>
-          <a:lstStyle/>
-          <a:p>
-            <a:pPr marL="0" lvl="0" indent="0" algn="l" rtl="0">
-              <a:spcBef>
-                <a:spcPts val="0"/>
-              </a:spcBef>
-              <a:spcAft>
-                <a:spcPts val="0"/>
-              </a:spcAft>
-              <a:buNone/>
-            </a:pPr>
-            <a:r>
-              <a:rPr lang="zh-CN"/>
-              <a:t>/ Frontend-Server Model / Backend Framework</a:t>
-            </a:r>
-            <a:endParaRPr/>
-          </a:p>
-        </p:txBody>
-      </p:sp>
-      <p:pic>
-        <p:nvPicPr>
-          <p:cNvPr id="185" name="Google Shape;185;p26"/>
-          <p:cNvPicPr preferRelativeResize="0"/>
-          <p:nvPr/>
-        </p:nvPicPr>
-        <p:blipFill>
-          <a:blip r:embed="rId3">
-            <a:alphaModFix/>
-          </a:blip>
-          <a:stretch>
-            <a:fillRect/>
-          </a:stretch>
-        </p:blipFill>
-        <p:spPr>
-          <a:xfrm>
-            <a:off x="2849175" y="1075438"/>
-            <a:ext cx="1532538" cy="3410250"/>
-          </a:xfrm>
-          <a:prstGeom prst="rect">
-            <a:avLst/>
-          </a:prstGeom>
-          <a:noFill/>
-          <a:ln>
-            <a:noFill/>
-          </a:ln>
-        </p:spPr>
-      </p:pic>
-      <p:grpSp>
-        <p:nvGrpSpPr>
-          <p:cNvPr id="186" name="Google Shape;186;p26"/>
-          <p:cNvGrpSpPr/>
-          <p:nvPr/>
-        </p:nvGrpSpPr>
-        <p:grpSpPr>
-          <a:xfrm>
-            <a:off x="335638" y="1761208"/>
-            <a:ext cx="2098200" cy="1875329"/>
-            <a:chOff x="1332100" y="1808458"/>
-            <a:chExt cx="2098200" cy="1875329"/>
-          </a:xfrm>
-        </p:grpSpPr>
-        <p:pic>
-          <p:nvPicPr>
-            <p:cNvPr id="187" name="Google Shape;187;p26"/>
-            <p:cNvPicPr preferRelativeResize="0"/>
-            <p:nvPr/>
-          </p:nvPicPr>
-          <p:blipFill>
-            <a:blip r:embed="rId4">
-              <a:alphaModFix/>
-            </a:blip>
-            <a:stretch>
-              <a:fillRect/>
-            </a:stretch>
-          </p:blipFill>
-          <p:spPr>
-            <a:xfrm>
-              <a:off x="1502912" y="1808458"/>
-              <a:ext cx="1756575" cy="1097875"/>
-            </a:xfrm>
-            <a:prstGeom prst="rect">
-              <a:avLst/>
-            </a:prstGeom>
-            <a:noFill/>
-            <a:ln>
-              <a:noFill/>
-            </a:ln>
-          </p:spPr>
-        </p:pic>
-        <p:sp>
-          <p:nvSpPr>
-            <p:cNvPr id="188" name="Google Shape;188;p26"/>
-            <p:cNvSpPr txBox="1"/>
-            <p:nvPr/>
-          </p:nvSpPr>
-          <p:spPr>
-            <a:xfrm>
-              <a:off x="1332100" y="3160588"/>
-              <a:ext cx="2098200" cy="523200"/>
-            </a:xfrm>
-            <a:prstGeom prst="rect">
-              <a:avLst/>
-            </a:prstGeom>
-            <a:noFill/>
-            <a:ln>
-              <a:noFill/>
-            </a:ln>
-          </p:spPr>
-          <p:txBody>
-            <a:bodyPr spcFirstLastPara="1" wrap="square" lIns="91425" tIns="91425" rIns="91425" bIns="91425" anchor="t" anchorCtr="0">
-              <a:spAutoFit/>
-            </a:bodyPr>
-            <a:lstStyle/>
-            <a:p>
-              <a:pPr marL="0" lvl="0" indent="0" algn="ctr" rtl="0">
-                <a:spcBef>
-                  <a:spcPts val="0"/>
-                </a:spcBef>
-                <a:spcAft>
-                  <a:spcPts val="0"/>
-                </a:spcAft>
-                <a:buNone/>
-              </a:pPr>
-              <a:r>
-                <a:rPr lang="zh-CN" sz="1300" b="1">
-                  <a:solidFill>
-                    <a:schemeClr val="dk1"/>
-                  </a:solidFill>
-                </a:rPr>
-                <a:t>Backend Framework</a:t>
-              </a:r>
-              <a:endParaRPr sz="1300" b="1">
-                <a:solidFill>
-                  <a:schemeClr val="dk1"/>
-                </a:solidFill>
-              </a:endParaRPr>
-            </a:p>
-            <a:p>
-              <a:pPr marL="0" lvl="0" indent="0" algn="ctr" rtl="0">
-                <a:spcBef>
-                  <a:spcPts val="0"/>
-                </a:spcBef>
-                <a:spcAft>
-                  <a:spcPts val="0"/>
-                </a:spcAft>
-                <a:buNone/>
-              </a:pPr>
-              <a:r>
-                <a:rPr lang="zh-CN" sz="900">
-                  <a:solidFill>
-                    <a:schemeClr val="dk1"/>
-                  </a:solidFill>
-                </a:rPr>
-                <a:t>Django + Python</a:t>
-              </a:r>
-              <a:endParaRPr sz="900">
-                <a:solidFill>
-                  <a:schemeClr val="dk1"/>
-                </a:solidFill>
-              </a:endParaRPr>
-            </a:p>
-          </p:txBody>
-        </p:sp>
-      </p:grpSp>
-      <p:pic>
-        <p:nvPicPr>
-          <p:cNvPr id="189" name="Google Shape;189;p26"/>
-          <p:cNvPicPr preferRelativeResize="0"/>
-          <p:nvPr/>
-        </p:nvPicPr>
-        <p:blipFill>
-          <a:blip r:embed="rId5">
-            <a:alphaModFix/>
-          </a:blip>
-          <a:stretch>
-            <a:fillRect/>
-          </a:stretch>
-        </p:blipFill>
-        <p:spPr>
-          <a:xfrm>
-            <a:off x="4658475" y="1761198"/>
-            <a:ext cx="4173849" cy="2038727"/>
-          </a:xfrm>
-          <a:prstGeom prst="rect">
-            <a:avLst/>
-          </a:prstGeom>
-          <a:noFill/>
-          <a:ln w="9525" cap="flat" cmpd="sng">
-            <a:solidFill>
-              <a:srgbClr val="666666"/>
-            </a:solidFill>
-            <a:prstDash val="solid"/>
-            <a:round/>
-            <a:headEnd type="none" w="sm" len="sm"/>
-            <a:tailEnd type="none" w="sm" len="sm"/>
-          </a:ln>
-        </p:spPr>
-      </p:pic>
-      <p:sp>
-        <p:nvSpPr>
-          <p:cNvPr id="190" name="Google Shape;190;p26"/>
-          <p:cNvSpPr/>
-          <p:nvPr/>
-        </p:nvSpPr>
-        <p:spPr>
-          <a:xfrm>
-            <a:off x="4797050" y="2650125"/>
-            <a:ext cx="2818200" cy="823500"/>
-          </a:xfrm>
-          <a:prstGeom prst="roundRect">
-            <a:avLst>
-              <a:gd name="adj" fmla="val 1961"/>
-            </a:avLst>
-          </a:prstGeom>
-          <a:noFill/>
-          <a:ln w="9525" cap="flat" cmpd="sng">
-            <a:solidFill>
-              <a:srgbClr val="B6D7A8"/>
-            </a:solidFill>
-            <a:prstDash val="solid"/>
-            <a:round/>
-            <a:headEnd type="none" w="sm" len="sm"/>
-            <a:tailEnd type="none" w="sm" len="sm"/>
-          </a:ln>
-        </p:spPr>
-        <p:txBody>
-          <a:bodyPr spcFirstLastPara="1" wrap="square" lIns="91425" tIns="91425" rIns="91425" bIns="91425" anchor="ctr" anchorCtr="0">
-            <a:noAutofit/>
-          </a:bodyPr>
-          <a:lstStyle/>
-          <a:p>
-            <a:pPr marL="0" lvl="0" indent="0" algn="ctr" rtl="0">
-              <a:spcBef>
-                <a:spcPts val="0"/>
-              </a:spcBef>
-              <a:spcAft>
-                <a:spcPts val="0"/>
-              </a:spcAft>
-              <a:buNone/>
-            </a:pPr>
-            <a:endParaRPr/>
-          </a:p>
-        </p:txBody>
-      </p:sp>
-      <p:sp>
-        <p:nvSpPr>
-          <p:cNvPr id="191" name="Google Shape;191;p26"/>
-          <p:cNvSpPr txBox="1"/>
-          <p:nvPr/>
-        </p:nvSpPr>
-        <p:spPr>
-          <a:xfrm>
-            <a:off x="7615250" y="3119625"/>
-            <a:ext cx="1190400" cy="354000"/>
-          </a:xfrm>
-          <a:prstGeom prst="rect">
-            <a:avLst/>
-          </a:prstGeom>
-          <a:noFill/>
-          <a:ln>
-            <a:noFill/>
-          </a:ln>
-        </p:spPr>
-        <p:txBody>
-          <a:bodyPr spcFirstLastPara="1" wrap="square" lIns="91425" tIns="91425" rIns="91425" bIns="91425" anchor="t" anchorCtr="0">
-            <a:spAutoFit/>
-          </a:bodyPr>
-          <a:lstStyle/>
-          <a:p>
-            <a:pPr marL="0" lvl="0" indent="0" algn="ctr" rtl="0">
-              <a:spcBef>
-                <a:spcPts val="0"/>
-              </a:spcBef>
-              <a:spcAft>
-                <a:spcPts val="0"/>
-              </a:spcAft>
-              <a:buNone/>
-            </a:pPr>
-            <a:r>
-              <a:rPr lang="zh-CN" sz="1100" b="1">
-                <a:solidFill>
-                  <a:srgbClr val="B6D7A8"/>
-                </a:solidFill>
-              </a:rPr>
-              <a:t>Invoke Model</a:t>
-            </a:r>
-            <a:endParaRPr sz="1100" b="1">
-              <a:solidFill>
-                <a:srgbClr val="B6D7A8"/>
-              </a:solidFill>
-            </a:endParaRPr>
-          </a:p>
-        </p:txBody>
-      </p:sp>
-      <p:pic>
-        <p:nvPicPr>
-          <p:cNvPr id="192" name="Google Shape;192;p26"/>
-          <p:cNvPicPr preferRelativeResize="0"/>
-          <p:nvPr/>
-        </p:nvPicPr>
-        <p:blipFill>
-          <a:blip r:embed="rId6">
-            <a:alphaModFix/>
-          </a:blip>
-          <a:stretch>
-            <a:fillRect/>
-          </a:stretch>
-        </p:blipFill>
-        <p:spPr>
-          <a:xfrm>
-            <a:off x="4658475" y="1062750"/>
-            <a:ext cx="3116714" cy="572700"/>
-          </a:xfrm>
-          <a:prstGeom prst="rect">
-            <a:avLst/>
-          </a:prstGeom>
-          <a:noFill/>
-          <a:ln w="9525" cap="flat" cmpd="sng">
-            <a:solidFill>
-              <a:srgbClr val="666666"/>
-            </a:solidFill>
-            <a:prstDash val="solid"/>
-            <a:round/>
-            <a:headEnd type="none" w="sm" len="sm"/>
-            <a:tailEnd type="none" w="sm" len="sm"/>
-          </a:ln>
-        </p:spPr>
-      </p:pic>
-      <p:pic>
-        <p:nvPicPr>
-          <p:cNvPr id="193" name="Google Shape;193;p26"/>
-          <p:cNvPicPr preferRelativeResize="0"/>
-          <p:nvPr/>
-        </p:nvPicPr>
-        <p:blipFill>
-          <a:blip r:embed="rId7">
-            <a:alphaModFix/>
-          </a:blip>
-          <a:stretch>
-            <a:fillRect/>
-          </a:stretch>
-        </p:blipFill>
-        <p:spPr>
-          <a:xfrm>
-            <a:off x="4658473" y="3879949"/>
-            <a:ext cx="3250425" cy="1005575"/>
-          </a:xfrm>
-          <a:prstGeom prst="rect">
-            <a:avLst/>
-          </a:prstGeom>
-          <a:noFill/>
-          <a:ln w="9525" cap="flat" cmpd="sng">
-            <a:solidFill>
-              <a:srgbClr val="666666"/>
-            </a:solidFill>
-            <a:prstDash val="solid"/>
-            <a:round/>
-            <a:headEnd type="none" w="sm" len="sm"/>
-            <a:tailEnd type="none" w="sm" len="sm"/>
-          </a:ln>
-        </p:spPr>
-      </p:pic>
-      <p:sp>
-        <p:nvSpPr>
-          <p:cNvPr id="194" name="Google Shape;194;p26"/>
-          <p:cNvSpPr txBox="1"/>
-          <p:nvPr/>
-        </p:nvSpPr>
-        <p:spPr>
-          <a:xfrm>
-            <a:off x="4314375" y="1149000"/>
-            <a:ext cx="344100" cy="400200"/>
-          </a:xfrm>
-          <a:prstGeom prst="rect">
-            <a:avLst/>
-          </a:prstGeom>
-          <a:noFill/>
-          <a:ln>
-            <a:noFill/>
-          </a:ln>
-        </p:spPr>
-        <p:txBody>
-          <a:bodyPr spcFirstLastPara="1" wrap="square" lIns="91425" tIns="91425" rIns="91425" bIns="91425" anchor="t" anchorCtr="0">
-            <a:spAutoFit/>
-          </a:bodyPr>
-          <a:lstStyle/>
-          <a:p>
-            <a:pPr marL="0" lvl="0" indent="0" algn="r" rtl="0">
-              <a:spcBef>
-                <a:spcPts val="0"/>
-              </a:spcBef>
-              <a:spcAft>
-                <a:spcPts val="0"/>
-              </a:spcAft>
-              <a:buNone/>
-            </a:pPr>
-            <a:r>
-              <a:rPr lang="zh-CN" b="1">
-                <a:solidFill>
-                  <a:srgbClr val="B6D7A8"/>
-                </a:solidFill>
-              </a:rPr>
-              <a:t>1</a:t>
-            </a:r>
-            <a:endParaRPr b="1">
-              <a:solidFill>
-                <a:srgbClr val="B6D7A8"/>
-              </a:solidFill>
-            </a:endParaRPr>
-          </a:p>
-        </p:txBody>
-      </p:sp>
-      <p:sp>
-        <p:nvSpPr>
-          <p:cNvPr id="195" name="Google Shape;195;p26"/>
-          <p:cNvSpPr txBox="1"/>
-          <p:nvPr/>
-        </p:nvSpPr>
-        <p:spPr>
-          <a:xfrm>
-            <a:off x="4314375" y="2580463"/>
-            <a:ext cx="344100" cy="400200"/>
-          </a:xfrm>
-          <a:prstGeom prst="rect">
-            <a:avLst/>
-          </a:prstGeom>
-          <a:noFill/>
-          <a:ln>
-            <a:noFill/>
-          </a:ln>
-        </p:spPr>
-        <p:txBody>
-          <a:bodyPr spcFirstLastPara="1" wrap="square" lIns="91425" tIns="91425" rIns="91425" bIns="91425" anchor="t" anchorCtr="0">
-            <a:spAutoFit/>
-          </a:bodyPr>
-          <a:lstStyle/>
-          <a:p>
-            <a:pPr marL="0" lvl="0" indent="0" algn="r" rtl="0">
-              <a:spcBef>
-                <a:spcPts val="0"/>
-              </a:spcBef>
-              <a:spcAft>
-                <a:spcPts val="0"/>
-              </a:spcAft>
-              <a:buNone/>
-            </a:pPr>
-            <a:r>
-              <a:rPr lang="zh-CN" b="1">
-                <a:solidFill>
-                  <a:srgbClr val="B6D7A8"/>
-                </a:solidFill>
-              </a:rPr>
-              <a:t>2</a:t>
-            </a:r>
-            <a:endParaRPr b="1">
-              <a:solidFill>
-                <a:srgbClr val="B6D7A8"/>
-              </a:solidFill>
-            </a:endParaRPr>
-          </a:p>
-        </p:txBody>
-      </p:sp>
-      <p:sp>
-        <p:nvSpPr>
-          <p:cNvPr id="196" name="Google Shape;196;p26"/>
-          <p:cNvSpPr txBox="1"/>
-          <p:nvPr/>
-        </p:nvSpPr>
-        <p:spPr>
-          <a:xfrm>
-            <a:off x="4314375" y="4182625"/>
-            <a:ext cx="344100" cy="400200"/>
-          </a:xfrm>
-          <a:prstGeom prst="rect">
-            <a:avLst/>
-          </a:prstGeom>
-          <a:noFill/>
-          <a:ln>
-            <a:noFill/>
-          </a:ln>
-        </p:spPr>
-        <p:txBody>
-          <a:bodyPr spcFirstLastPara="1" wrap="square" lIns="91425" tIns="91425" rIns="91425" bIns="91425" anchor="t" anchorCtr="0">
-            <a:spAutoFit/>
-          </a:bodyPr>
-          <a:lstStyle/>
-          <a:p>
-            <a:pPr marL="0" lvl="0" indent="0" algn="r" rtl="0">
-              <a:spcBef>
-                <a:spcPts val="0"/>
-              </a:spcBef>
-              <a:spcAft>
-                <a:spcPts val="0"/>
-              </a:spcAft>
-              <a:buNone/>
-            </a:pPr>
-            <a:r>
-              <a:rPr lang="zh-CN" b="1">
-                <a:solidFill>
-                  <a:srgbClr val="B6D7A8"/>
-                </a:solidFill>
-              </a:rPr>
-              <a:t>3</a:t>
-            </a:r>
-            <a:endParaRPr b="1">
-              <a:solidFill>
-                <a:srgbClr val="B6D7A8"/>
-              </a:solidFill>
-            </a:endParaRPr>
-          </a:p>
-        </p:txBody>
-      </p:sp>
-      <p:cxnSp>
-        <p:nvCxnSpPr>
-          <p:cNvPr id="197" name="Google Shape;197;p26"/>
-          <p:cNvCxnSpPr>
-            <a:stCxn id="192" idx="2"/>
-          </p:cNvCxnSpPr>
-          <p:nvPr/>
-        </p:nvCxnSpPr>
-        <p:spPr>
-          <a:xfrm flipH="1">
-            <a:off x="5395431" y="1635449"/>
-            <a:ext cx="821400" cy="327300"/>
-          </a:xfrm>
-          <a:prstGeom prst="straightConnector1">
-            <a:avLst/>
-          </a:prstGeom>
-          <a:noFill/>
-          <a:ln w="9525" cap="flat" cmpd="sng">
-            <a:solidFill>
-              <a:srgbClr val="B6D7A8"/>
-            </a:solidFill>
-            <a:prstDash val="solid"/>
-            <a:round/>
-            <a:headEnd type="none" w="med" len="med"/>
-            <a:tailEnd type="triangle" w="med" len="med"/>
-          </a:ln>
-        </p:spPr>
-      </p:cxnSp>
-      <p:cxnSp>
-        <p:nvCxnSpPr>
-          <p:cNvPr id="198" name="Google Shape;198;p26"/>
-          <p:cNvCxnSpPr/>
-          <p:nvPr/>
-        </p:nvCxnSpPr>
-        <p:spPr>
-          <a:xfrm flipH="1">
-            <a:off x="5355375" y="3779650"/>
-            <a:ext cx="768600" cy="520200"/>
-          </a:xfrm>
-          <a:prstGeom prst="straightConnector1">
-            <a:avLst/>
-          </a:prstGeom>
-          <a:noFill/>
-          <a:ln w="9525" cap="flat" cmpd="sng">
-            <a:solidFill>
-              <a:srgbClr val="B6D7A8"/>
-            </a:solidFill>
-            <a:prstDash val="solid"/>
-            <a:round/>
-            <a:headEnd type="none" w="med" len="med"/>
-            <a:tailEnd type="triangle" w="med" len="med"/>
-          </a:ln>
-        </p:spPr>
-      </p:cxnSp>
-      <p:cxnSp>
-        <p:nvCxnSpPr>
-          <p:cNvPr id="199" name="Google Shape;199;p26"/>
-          <p:cNvCxnSpPr>
-            <a:endCxn id="194" idx="3"/>
-          </p:cNvCxnSpPr>
-          <p:nvPr/>
-        </p:nvCxnSpPr>
-        <p:spPr>
-          <a:xfrm rot="10800000" flipH="1">
-            <a:off x="3914775" y="1349100"/>
-            <a:ext cx="743700" cy="1377300"/>
-          </a:xfrm>
-          <a:prstGeom prst="straightConnector1">
-            <a:avLst/>
-          </a:prstGeom>
-          <a:noFill/>
-          <a:ln w="9525" cap="flat" cmpd="sng">
-            <a:solidFill>
-              <a:srgbClr val="434343"/>
-            </a:solidFill>
-            <a:prstDash val="solid"/>
-            <a:round/>
-            <a:headEnd type="none" w="med" len="med"/>
-            <a:tailEnd type="none" w="med" len="med"/>
-          </a:ln>
-        </p:spPr>
-      </p:cxnSp>
-      <p:cxnSp>
-        <p:nvCxnSpPr>
-          <p:cNvPr id="200" name="Google Shape;200;p26"/>
-          <p:cNvCxnSpPr>
-            <a:endCxn id="195" idx="3"/>
-          </p:cNvCxnSpPr>
-          <p:nvPr/>
-        </p:nvCxnSpPr>
-        <p:spPr>
-          <a:xfrm rot="10800000" flipH="1">
-            <a:off x="3601875" y="2780563"/>
-            <a:ext cx="1056600" cy="762000"/>
-          </a:xfrm>
-          <a:prstGeom prst="straightConnector1">
-            <a:avLst/>
-          </a:prstGeom>
-          <a:noFill/>
-          <a:ln w="9525" cap="flat" cmpd="sng">
-            <a:solidFill>
-              <a:srgbClr val="434343"/>
-            </a:solidFill>
-            <a:prstDash val="solid"/>
-            <a:round/>
-            <a:headEnd type="none" w="med" len="med"/>
-            <a:tailEnd type="none" w="med" len="med"/>
-          </a:ln>
-        </p:spPr>
-      </p:cxnSp>
-      <p:cxnSp>
-        <p:nvCxnSpPr>
-          <p:cNvPr id="201" name="Google Shape;201;p26"/>
-          <p:cNvCxnSpPr>
-            <a:endCxn id="196" idx="3"/>
-          </p:cNvCxnSpPr>
-          <p:nvPr/>
-        </p:nvCxnSpPr>
-        <p:spPr>
-          <a:xfrm>
-            <a:off x="3917475" y="2722225"/>
-            <a:ext cx="741000" cy="1660500"/>
-          </a:xfrm>
-          <a:prstGeom prst="straightConnector1">
-            <a:avLst/>
-          </a:prstGeom>
-          <a:noFill/>
-          <a:ln w="9525" cap="flat" cmpd="sng">
-            <a:solidFill>
-              <a:srgbClr val="434343"/>
-            </a:solidFill>
-            <a:prstDash val="solid"/>
-            <a:round/>
-            <a:headEnd type="none" w="med" len="med"/>
-            <a:tailEnd type="none" w="med" len="med"/>
-          </a:ln>
-        </p:spPr>
-      </p:cxnSp>
-    </p:spTree>
-  </p:cSld>
-  <p:clrMapOvr>
-    <a:masterClrMapping/>
-  </p:clrMapOvr>
-  <p:transition spd="slow">
-    <p:push dir="u"/>
-  </p:transition>
-</p:sld>
-</file>
-
-<file path=ppt/slides/slide15.xml><?xml version="1.0" encoding="utf-8"?>
-<p:sld xmlns:a="http://schemas.openxmlformats.org/drawingml/2006/main" xmlns:r="http://schemas.openxmlformats.org/officeDocument/2006/relationships" xmlns:p="http://schemas.openxmlformats.org/presentationml/2006/main">
-  <p:cSld>
-    <p:spTree>
-      <p:nvGrpSpPr>
-        <p:cNvPr id="1" name="Shape 205"/>
-        <p:cNvGrpSpPr/>
-        <p:nvPr/>
-      </p:nvGrpSpPr>
-      <p:grpSpPr>
-        <a:xfrm>
-          <a:off x="0" y="0"/>
-          <a:ext cx="0" cy="0"/>
-          <a:chOff x="0" y="0"/>
-          <a:chExt cx="0" cy="0"/>
-        </a:xfrm>
-      </p:grpSpPr>
-      <p:sp>
-        <p:nvSpPr>
-          <p:cNvPr id="206" name="Google Shape;206;p27"/>
-          <p:cNvSpPr txBox="1">
-            <a:spLocks noGrp="1"/>
-          </p:cNvSpPr>
-          <p:nvPr>
-            <p:ph type="title"/>
-          </p:nvPr>
-        </p:nvSpPr>
-        <p:spPr>
-          <a:xfrm>
-            <a:off x="311700" y="445025"/>
-            <a:ext cx="8520600" cy="572700"/>
-          </a:xfrm>
-          <a:prstGeom prst="rect">
-            <a:avLst/>
-          </a:prstGeom>
-        </p:spPr>
-        <p:txBody>
-          <a:bodyPr spcFirstLastPara="1" wrap="square" lIns="91425" tIns="91425" rIns="91425" bIns="91425" anchor="t" anchorCtr="0">
-            <a:normAutofit fontScale="90000"/>
-          </a:bodyPr>
-          <a:lstStyle/>
-          <a:p>
-            <a:pPr marL="0" lvl="0" indent="0" algn="l" rtl="0">
-              <a:spcBef>
-                <a:spcPts val="0"/>
-              </a:spcBef>
-              <a:spcAft>
-                <a:spcPts val="0"/>
-              </a:spcAft>
-              <a:buNone/>
-            </a:pPr>
-            <a:r>
-              <a:rPr lang="zh-CN"/>
-              <a:t>/ Frontend-Server Model / Backend Framework</a:t>
-            </a:r>
-            <a:endParaRPr/>
-          </a:p>
-        </p:txBody>
-      </p:sp>
-      <p:grpSp>
-        <p:nvGrpSpPr>
-          <p:cNvPr id="207" name="Google Shape;207;p27"/>
-          <p:cNvGrpSpPr/>
-          <p:nvPr/>
-        </p:nvGrpSpPr>
-        <p:grpSpPr>
-          <a:xfrm>
-            <a:off x="335638" y="1761208"/>
-            <a:ext cx="2098200" cy="1875329"/>
-            <a:chOff x="1332100" y="1808458"/>
-            <a:chExt cx="2098200" cy="1875329"/>
-          </a:xfrm>
-        </p:grpSpPr>
-        <p:pic>
-          <p:nvPicPr>
-            <p:cNvPr id="208" name="Google Shape;208;p27"/>
-            <p:cNvPicPr preferRelativeResize="0"/>
-            <p:nvPr/>
-          </p:nvPicPr>
-          <p:blipFill>
-            <a:blip r:embed="rId3">
-              <a:alphaModFix/>
-            </a:blip>
-            <a:stretch>
-              <a:fillRect/>
-            </a:stretch>
-          </p:blipFill>
-          <p:spPr>
-            <a:xfrm>
-              <a:off x="1502912" y="1808458"/>
-              <a:ext cx="1756575" cy="1097875"/>
-            </a:xfrm>
-            <a:prstGeom prst="rect">
-              <a:avLst/>
-            </a:prstGeom>
-            <a:noFill/>
-            <a:ln>
-              <a:noFill/>
-            </a:ln>
-          </p:spPr>
-        </p:pic>
-        <p:sp>
-          <p:nvSpPr>
-            <p:cNvPr id="209" name="Google Shape;209;p27"/>
-            <p:cNvSpPr txBox="1"/>
-            <p:nvPr/>
-          </p:nvSpPr>
-          <p:spPr>
-            <a:xfrm>
-              <a:off x="1332100" y="3160588"/>
-              <a:ext cx="2098200" cy="523200"/>
-            </a:xfrm>
-            <a:prstGeom prst="rect">
-              <a:avLst/>
-            </a:prstGeom>
-            <a:noFill/>
-            <a:ln>
-              <a:noFill/>
-            </a:ln>
-          </p:spPr>
-          <p:txBody>
-            <a:bodyPr spcFirstLastPara="1" wrap="square" lIns="91425" tIns="91425" rIns="91425" bIns="91425" anchor="t" anchorCtr="0">
-              <a:spAutoFit/>
-            </a:bodyPr>
-            <a:lstStyle/>
-            <a:p>
-              <a:pPr marL="0" lvl="0" indent="0" algn="ctr" rtl="0">
-                <a:spcBef>
-                  <a:spcPts val="0"/>
-                </a:spcBef>
-                <a:spcAft>
-                  <a:spcPts val="0"/>
-                </a:spcAft>
-                <a:buNone/>
-              </a:pPr>
-              <a:r>
-                <a:rPr lang="zh-CN" sz="1300" b="1">
-                  <a:solidFill>
-                    <a:schemeClr val="dk1"/>
-                  </a:solidFill>
-                </a:rPr>
-                <a:t>Backend Framework</a:t>
-              </a:r>
-              <a:endParaRPr sz="1300" b="1">
-                <a:solidFill>
-                  <a:schemeClr val="dk1"/>
-                </a:solidFill>
-              </a:endParaRPr>
-            </a:p>
-            <a:p>
-              <a:pPr marL="0" lvl="0" indent="0" algn="ctr" rtl="0">
-                <a:spcBef>
-                  <a:spcPts val="0"/>
-                </a:spcBef>
-                <a:spcAft>
-                  <a:spcPts val="0"/>
-                </a:spcAft>
-                <a:buNone/>
-              </a:pPr>
-              <a:r>
-                <a:rPr lang="zh-CN" sz="900">
-                  <a:solidFill>
-                    <a:schemeClr val="dk1"/>
-                  </a:solidFill>
-                </a:rPr>
-                <a:t>Django + Python</a:t>
-              </a:r>
-              <a:endParaRPr sz="900">
-                <a:solidFill>
-                  <a:schemeClr val="dk1"/>
-                </a:solidFill>
-              </a:endParaRPr>
-            </a:p>
-          </p:txBody>
-        </p:sp>
-      </p:grpSp>
-      <p:sp>
-        <p:nvSpPr>
-          <p:cNvPr id="210" name="Google Shape;210;p27"/>
-          <p:cNvSpPr txBox="1">
-            <a:spLocks noGrp="1"/>
-          </p:cNvSpPr>
-          <p:nvPr>
-            <p:ph type="body" idx="4294967295"/>
-          </p:nvPr>
-        </p:nvSpPr>
-        <p:spPr>
-          <a:xfrm>
-            <a:off x="2864300" y="1152475"/>
-            <a:ext cx="5967900" cy="3416400"/>
-          </a:xfrm>
-          <a:prstGeom prst="rect">
-            <a:avLst/>
-          </a:prstGeom>
-        </p:spPr>
-        <p:txBody>
-          <a:bodyPr spcFirstLastPara="1" wrap="square" lIns="91425" tIns="91425" rIns="91425" bIns="91425" anchor="t" anchorCtr="0">
-            <a:normAutofit/>
-          </a:bodyPr>
-          <a:lstStyle/>
-          <a:p>
-            <a:pPr marL="0" lvl="0" indent="0" algn="l" rtl="0">
-              <a:spcBef>
-                <a:spcPts val="0"/>
-              </a:spcBef>
-              <a:spcAft>
-                <a:spcPts val="1200"/>
-              </a:spcAft>
-              <a:buNone/>
-            </a:pPr>
-            <a:endParaRPr/>
-          </a:p>
-        </p:txBody>
-      </p:sp>
-      <p:pic>
-        <p:nvPicPr>
-          <p:cNvPr id="211" name="Google Shape;211;p27"/>
-          <p:cNvPicPr preferRelativeResize="0"/>
-          <p:nvPr/>
-        </p:nvPicPr>
-        <p:blipFill>
-          <a:blip r:embed="rId4">
-            <a:alphaModFix/>
-          </a:blip>
-          <a:stretch>
-            <a:fillRect/>
-          </a:stretch>
-        </p:blipFill>
-        <p:spPr>
-          <a:xfrm>
-            <a:off x="3516618" y="1152475"/>
-            <a:ext cx="4663268" cy="3416401"/>
-          </a:xfrm>
-          <a:prstGeom prst="rect">
-            <a:avLst/>
-          </a:prstGeom>
-          <a:noFill/>
-          <a:ln>
-            <a:noFill/>
-          </a:ln>
-        </p:spPr>
-      </p:pic>
-    </p:spTree>
-  </p:cSld>
-  <p:clrMapOvr>
-    <a:masterClrMapping/>
-  </p:clrMapOvr>
-  <p:transition spd="slow">
-    <p:push dir="u"/>
-  </p:transition>
-</p:sld>
-</file>
-
-<file path=ppt/slides/slide16.xml><?xml version="1.0" encoding="utf-8"?>
-<p:sld xmlns:a="http://schemas.openxmlformats.org/drawingml/2006/main" xmlns:r="http://schemas.openxmlformats.org/officeDocument/2006/relationships" xmlns:p="http://schemas.openxmlformats.org/presentationml/2006/main">
-  <p:cSld>
-    <p:spTree>
-      <p:nvGrpSpPr>
-        <p:cNvPr id="1" name="Shape 215"/>
-        <p:cNvGrpSpPr/>
-        <p:nvPr/>
-      </p:nvGrpSpPr>
-      <p:grpSpPr>
-        <a:xfrm>
-          <a:off x="0" y="0"/>
-          <a:ext cx="0" cy="0"/>
-          <a:chOff x="0" y="0"/>
-          <a:chExt cx="0" cy="0"/>
-        </a:xfrm>
-      </p:grpSpPr>
-      <p:grpSp>
-        <p:nvGrpSpPr>
-          <p:cNvPr id="216" name="Google Shape;216;p28"/>
-          <p:cNvGrpSpPr/>
-          <p:nvPr/>
-        </p:nvGrpSpPr>
-        <p:grpSpPr>
-          <a:xfrm>
-            <a:off x="3555150" y="1799313"/>
-            <a:ext cx="2033700" cy="1544875"/>
-            <a:chOff x="6103750" y="1914800"/>
-            <a:chExt cx="2033700" cy="1544875"/>
-          </a:xfrm>
-        </p:grpSpPr>
-        <p:pic>
-          <p:nvPicPr>
-            <p:cNvPr id="217" name="Google Shape;217;p28"/>
-            <p:cNvPicPr preferRelativeResize="0"/>
-            <p:nvPr/>
-          </p:nvPicPr>
-          <p:blipFill>
-            <a:blip r:embed="rId3">
-              <a:alphaModFix/>
-            </a:blip>
-            <a:stretch>
-              <a:fillRect/>
-            </a:stretch>
-          </p:blipFill>
-          <p:spPr>
-            <a:xfrm>
-              <a:off x="6715863" y="1914800"/>
-              <a:ext cx="809473" cy="898375"/>
-            </a:xfrm>
-            <a:prstGeom prst="rect">
-              <a:avLst/>
-            </a:prstGeom>
-            <a:noFill/>
-            <a:ln>
-              <a:noFill/>
-            </a:ln>
-          </p:spPr>
-        </p:pic>
-        <p:sp>
-          <p:nvSpPr>
-            <p:cNvPr id="218" name="Google Shape;218;p28"/>
-            <p:cNvSpPr txBox="1"/>
-            <p:nvPr/>
-          </p:nvSpPr>
-          <p:spPr>
-            <a:xfrm>
-              <a:off x="6103750" y="2813175"/>
-              <a:ext cx="2033700" cy="646500"/>
-            </a:xfrm>
-            <a:prstGeom prst="rect">
-              <a:avLst/>
-            </a:prstGeom>
-            <a:noFill/>
-            <a:ln>
-              <a:noFill/>
-            </a:ln>
-          </p:spPr>
-          <p:txBody>
-            <a:bodyPr spcFirstLastPara="1" wrap="square" lIns="91425" tIns="91425" rIns="91425" bIns="91425" anchor="t" anchorCtr="0">
-              <a:spAutoFit/>
-            </a:bodyPr>
-            <a:lstStyle/>
-            <a:p>
-              <a:pPr marL="0" lvl="0" indent="0" algn="ctr" rtl="0">
-                <a:spcBef>
-                  <a:spcPts val="0"/>
-                </a:spcBef>
-                <a:spcAft>
-                  <a:spcPts val="0"/>
-                </a:spcAft>
-                <a:buNone/>
-              </a:pPr>
-              <a:r>
-                <a:rPr lang="zh-CN" sz="1500" b="1">
-                  <a:solidFill>
-                    <a:schemeClr val="dk1"/>
-                  </a:solidFill>
-                </a:rPr>
-                <a:t>Evaluations and Demo</a:t>
-              </a:r>
-              <a:endParaRPr sz="1500" b="1">
-                <a:solidFill>
-                  <a:schemeClr val="dk1"/>
-                </a:solidFill>
-              </a:endParaRPr>
-            </a:p>
-          </p:txBody>
-        </p:sp>
-      </p:grpSp>
-    </p:spTree>
-  </p:cSld>
-  <p:clrMapOvr>
-    <a:masterClrMapping/>
-  </p:clrMapOvr>
-  <mc:AlternateContent xmlns:mc="http://schemas.openxmlformats.org/markup-compatibility/2006" xmlns:p14="http://schemas.microsoft.com/office/powerpoint/2010/main">
-    <mc:Choice Requires="p14">
-      <p:transition spd="med">
-        <p14:prism/>
-      </p:transition>
-    </mc:Choice>
-    <mc:Fallback xmlns="" xmlns:mv="urn:schemas-microsoft-com:mac:vml" xmlns:c="http://schemas.openxmlformats.org/drawingml/2006/chart" xmlns:dgm="http://schemas.openxmlformats.org/drawingml/2006/diagram" xmlns:o="urn:schemas-microsoft-com:office:office" xmlns:v="urn:schemas-microsoft-com:vml" xmlns:pvml="urn:schemas-microsoft-com:office:powerpoint" xmlns:com="http://schemas.openxmlformats.org/drawingml/2006/compatibility" xmlns:p15="http://schemas.microsoft.com/office/powerpoint/2012/main" xmlns:ahyp="http://schemas.microsoft.com/office/drawing/2018/hyperlinkcolor">
-      <p:transition spd="med">
-        <p:fade/>
-      </p:transition>
-    </mc:Fallback>
-  </mc:AlternateContent>
-</p:sld>
-</file>
-
-<file path=ppt/slides/slide17.xml><?xml version="1.0" encoding="utf-8"?>
-<p:sld xmlns:a="http://schemas.openxmlformats.org/drawingml/2006/main" xmlns:r="http://schemas.openxmlformats.org/officeDocument/2006/relationships" xmlns:p="http://schemas.openxmlformats.org/presentationml/2006/main">
-  <p:cSld>
-    <p:spTree>
-      <p:nvGrpSpPr>
-        <p:cNvPr id="1" name="Shape 222"/>
-        <p:cNvGrpSpPr/>
-        <p:nvPr/>
-      </p:nvGrpSpPr>
-      <p:grpSpPr>
-        <a:xfrm>
-          <a:off x="0" y="0"/>
-          <a:ext cx="0" cy="0"/>
-          <a:chOff x="0" y="0"/>
-          <a:chExt cx="0" cy="0"/>
-        </a:xfrm>
-      </p:grpSpPr>
-      <p:sp>
-        <p:nvSpPr>
-          <p:cNvPr id="223" name="Google Shape;223;p29"/>
-          <p:cNvSpPr txBox="1">
-            <a:spLocks noGrp="1"/>
-          </p:cNvSpPr>
-          <p:nvPr>
-            <p:ph type="title"/>
-          </p:nvPr>
-        </p:nvSpPr>
-        <p:spPr>
-          <a:xfrm>
-            <a:off x="311700" y="447520"/>
-            <a:ext cx="8520600" cy="572700"/>
-          </a:xfrm>
-          <a:prstGeom prst="rect">
-            <a:avLst/>
-          </a:prstGeom>
-        </p:spPr>
-        <p:txBody>
-          <a:bodyPr spcFirstLastPara="1" wrap="square" lIns="91425" tIns="91425" rIns="91425" bIns="91425" anchor="t" anchorCtr="0">
-            <a:normAutofit fontScale="90000"/>
-          </a:bodyPr>
-          <a:lstStyle/>
-          <a:p>
-            <a:pPr marL="0" lvl="0" indent="0" algn="l" rtl="0">
-              <a:spcBef>
-                <a:spcPts val="0"/>
-              </a:spcBef>
-              <a:spcAft>
-                <a:spcPts val="0"/>
-              </a:spcAft>
-              <a:buNone/>
-            </a:pPr>
-            <a:r>
-              <a:rPr lang="zh-CN"/>
-              <a:t>/ Evaluations and Demo / </a:t>
-            </a:r>
-            <a:endParaRPr/>
-          </a:p>
-        </p:txBody>
-      </p:sp>
-      <p:pic>
-        <p:nvPicPr>
-          <p:cNvPr id="224" name="Google Shape;224;p29"/>
-          <p:cNvPicPr preferRelativeResize="0"/>
-          <p:nvPr/>
-        </p:nvPicPr>
-        <p:blipFill>
-          <a:blip r:embed="rId3">
-            <a:alphaModFix/>
-          </a:blip>
-          <a:stretch>
-            <a:fillRect/>
-          </a:stretch>
-        </p:blipFill>
-        <p:spPr>
-          <a:xfrm>
-            <a:off x="311700" y="1622200"/>
-            <a:ext cx="3128849" cy="1532575"/>
-          </a:xfrm>
-          <a:prstGeom prst="rect">
-            <a:avLst/>
-          </a:prstGeom>
-          <a:noFill/>
-          <a:ln w="9525" cap="flat" cmpd="sng">
-            <a:solidFill>
-              <a:srgbClr val="666666"/>
-            </a:solidFill>
-            <a:prstDash val="solid"/>
-            <a:round/>
-            <a:headEnd type="none" w="sm" len="sm"/>
-            <a:tailEnd type="none" w="sm" len="sm"/>
-          </a:ln>
-        </p:spPr>
-      </p:pic>
-      <p:pic>
-        <p:nvPicPr>
-          <p:cNvPr id="225" name="Google Shape;225;p29"/>
-          <p:cNvPicPr preferRelativeResize="0"/>
-          <p:nvPr/>
-        </p:nvPicPr>
-        <p:blipFill rotWithShape="1">
-          <a:blip r:embed="rId4">
-            <a:alphaModFix/>
-          </a:blip>
-          <a:srcRect t="3938"/>
-          <a:stretch/>
-        </p:blipFill>
-        <p:spPr>
-          <a:xfrm>
-            <a:off x="311700" y="3652100"/>
-            <a:ext cx="3128850" cy="904275"/>
-          </a:xfrm>
-          <a:prstGeom prst="rect">
-            <a:avLst/>
-          </a:prstGeom>
-          <a:noFill/>
-          <a:ln w="9525" cap="flat" cmpd="sng">
-            <a:solidFill>
-              <a:srgbClr val="666666"/>
-            </a:solidFill>
-            <a:prstDash val="solid"/>
-            <a:round/>
-            <a:headEnd type="none" w="sm" len="sm"/>
-            <a:tailEnd type="none" w="sm" len="sm"/>
-          </a:ln>
-        </p:spPr>
-      </p:pic>
-      <p:sp>
-        <p:nvSpPr>
-          <p:cNvPr id="226" name="Google Shape;226;p29"/>
-          <p:cNvSpPr txBox="1"/>
-          <p:nvPr/>
-        </p:nvSpPr>
-        <p:spPr>
-          <a:xfrm>
-            <a:off x="311700" y="1237288"/>
-            <a:ext cx="2098200" cy="384900"/>
-          </a:xfrm>
-          <a:prstGeom prst="rect">
-            <a:avLst/>
-          </a:prstGeom>
-          <a:noFill/>
-          <a:ln>
-            <a:noFill/>
-          </a:ln>
-        </p:spPr>
-        <p:txBody>
-          <a:bodyPr spcFirstLastPara="1" wrap="square" lIns="91425" tIns="91425" rIns="91425" bIns="91425" anchor="t" anchorCtr="0">
-            <a:spAutoFit/>
-          </a:bodyPr>
-          <a:lstStyle/>
-          <a:p>
-            <a:pPr marL="0" lvl="0" indent="0" algn="l" rtl="0">
-              <a:spcBef>
-                <a:spcPts val="0"/>
-              </a:spcBef>
-              <a:spcAft>
-                <a:spcPts val="0"/>
-              </a:spcAft>
-              <a:buNone/>
-            </a:pPr>
-            <a:r>
-              <a:rPr lang="en-US" altLang="zh-CN" sz="1300">
-                <a:solidFill>
-                  <a:schemeClr val="dk1"/>
-                </a:solidFill>
-              </a:rPr>
-              <a:t>Final</a:t>
-            </a:r>
-            <a:r>
-              <a:rPr lang="zh-CN" altLang="en-US" sz="1300">
-                <a:solidFill>
-                  <a:schemeClr val="dk1"/>
-                </a:solidFill>
-              </a:rPr>
-              <a:t> </a:t>
-            </a:r>
-            <a:r>
-              <a:rPr lang="zh-CN" sz="1300">
-                <a:solidFill>
-                  <a:schemeClr val="dk1"/>
-                </a:solidFill>
-              </a:rPr>
-              <a:t>Training Result</a:t>
-            </a:r>
-            <a:endParaRPr sz="1300">
-              <a:solidFill>
-                <a:schemeClr val="dk1"/>
-              </a:solidFill>
-            </a:endParaRPr>
-          </a:p>
-        </p:txBody>
-      </p:sp>
-      <p:sp>
-        <p:nvSpPr>
-          <p:cNvPr id="227" name="Google Shape;227;p29"/>
-          <p:cNvSpPr txBox="1"/>
-          <p:nvPr/>
-        </p:nvSpPr>
-        <p:spPr>
-          <a:xfrm>
-            <a:off x="311700" y="3267188"/>
-            <a:ext cx="2098200" cy="384900"/>
-          </a:xfrm>
-          <a:prstGeom prst="rect">
-            <a:avLst/>
-          </a:prstGeom>
-          <a:noFill/>
-          <a:ln>
-            <a:noFill/>
-          </a:ln>
-        </p:spPr>
-        <p:txBody>
-          <a:bodyPr spcFirstLastPara="1" wrap="square" lIns="91425" tIns="91425" rIns="91425" bIns="91425" anchor="t" anchorCtr="0">
-            <a:spAutoFit/>
-          </a:bodyPr>
-          <a:lstStyle/>
-          <a:p>
-            <a:pPr marL="0" lvl="0" indent="0" algn="l" rtl="0">
-              <a:spcBef>
-                <a:spcPts val="0"/>
-              </a:spcBef>
-              <a:spcAft>
-                <a:spcPts val="0"/>
-              </a:spcAft>
-              <a:buNone/>
-            </a:pPr>
-            <a:r>
-              <a:rPr lang="en-US" altLang="zh-CN" sz="1300">
-                <a:solidFill>
-                  <a:schemeClr val="dk1"/>
-                </a:solidFill>
-              </a:rPr>
-              <a:t>Final</a:t>
-            </a:r>
-            <a:r>
-              <a:rPr lang="zh-CN" altLang="en-US" sz="1300">
-                <a:solidFill>
-                  <a:schemeClr val="dk1"/>
-                </a:solidFill>
-              </a:rPr>
-              <a:t> </a:t>
-            </a:r>
-            <a:r>
-              <a:rPr lang="zh-CN" sz="1300">
-                <a:solidFill>
-                  <a:schemeClr val="dk1"/>
-                </a:solidFill>
-              </a:rPr>
-              <a:t>Testing Result</a:t>
-            </a:r>
-            <a:endParaRPr sz="1300">
-              <a:solidFill>
-                <a:schemeClr val="dk1"/>
-              </a:solidFill>
-            </a:endParaRPr>
-          </a:p>
-        </p:txBody>
-      </p:sp>
-      <p:pic>
-        <p:nvPicPr>
-          <p:cNvPr id="228" name="Google Shape;228;p29"/>
-          <p:cNvPicPr preferRelativeResize="0"/>
-          <p:nvPr/>
-        </p:nvPicPr>
-        <p:blipFill>
-          <a:blip r:embed="rId5">
-            <a:alphaModFix/>
-          </a:blip>
-          <a:stretch>
-            <a:fillRect/>
-          </a:stretch>
-        </p:blipFill>
-        <p:spPr>
-          <a:xfrm>
-            <a:off x="4056350" y="1572775"/>
-            <a:ext cx="1807475" cy="2983601"/>
-          </a:xfrm>
-          <a:prstGeom prst="rect">
-            <a:avLst/>
-          </a:prstGeom>
-          <a:noFill/>
-          <a:ln w="9525" cap="flat" cmpd="sng">
-            <a:solidFill>
-              <a:srgbClr val="666666"/>
-            </a:solidFill>
-            <a:prstDash val="solid"/>
-            <a:round/>
-            <a:headEnd type="none" w="sm" len="sm"/>
-            <a:tailEnd type="none" w="sm" len="sm"/>
-          </a:ln>
-        </p:spPr>
-      </p:pic>
-      <p:sp>
-        <p:nvSpPr>
-          <p:cNvPr id="229" name="Google Shape;229;p29"/>
-          <p:cNvSpPr txBox="1"/>
-          <p:nvPr/>
-        </p:nvSpPr>
-        <p:spPr>
-          <a:xfrm>
-            <a:off x="4056350" y="1187863"/>
-            <a:ext cx="2098200" cy="384900"/>
-          </a:xfrm>
-          <a:prstGeom prst="rect">
-            <a:avLst/>
-          </a:prstGeom>
-          <a:noFill/>
-          <a:ln>
-            <a:noFill/>
-          </a:ln>
-        </p:spPr>
-        <p:txBody>
-          <a:bodyPr spcFirstLastPara="1" wrap="square" lIns="91425" tIns="91425" rIns="91425" bIns="91425" anchor="t" anchorCtr="0">
-            <a:spAutoFit/>
-          </a:bodyPr>
-          <a:lstStyle/>
-          <a:p>
-            <a:pPr marL="0" lvl="0" indent="0" algn="l" rtl="0">
-              <a:spcBef>
-                <a:spcPts val="0"/>
-              </a:spcBef>
-              <a:spcAft>
-                <a:spcPts val="0"/>
-              </a:spcAft>
-              <a:buNone/>
-            </a:pPr>
-            <a:r>
-              <a:rPr lang="en-US" altLang="zh-CN" sz="1300">
-                <a:solidFill>
-                  <a:schemeClr val="dk1"/>
-                </a:solidFill>
-              </a:rPr>
-              <a:t>Final</a:t>
-            </a:r>
-            <a:r>
-              <a:rPr lang="zh-CN" altLang="en-US" sz="1300">
-                <a:solidFill>
-                  <a:schemeClr val="dk1"/>
-                </a:solidFill>
-              </a:rPr>
-              <a:t> </a:t>
-            </a:r>
-            <a:r>
-              <a:rPr lang="zh-CN" sz="1300">
-                <a:solidFill>
-                  <a:schemeClr val="dk1"/>
-                </a:solidFill>
-              </a:rPr>
-              <a:t>Show Examples</a:t>
-            </a:r>
-            <a:endParaRPr sz="1300">
-              <a:solidFill>
-                <a:schemeClr val="dk1"/>
-              </a:solidFill>
-            </a:endParaRPr>
-          </a:p>
-        </p:txBody>
-      </p:sp>
-      <p:sp>
-        <p:nvSpPr>
-          <p:cNvPr id="230" name="Google Shape;230;p29"/>
-          <p:cNvSpPr txBox="1"/>
-          <p:nvPr/>
-        </p:nvSpPr>
-        <p:spPr>
-          <a:xfrm>
-            <a:off x="6539850" y="1622200"/>
-            <a:ext cx="2465400" cy="785100"/>
-          </a:xfrm>
-          <a:prstGeom prst="rect">
-            <a:avLst/>
-          </a:prstGeom>
-          <a:noFill/>
-          <a:ln>
-            <a:noFill/>
-          </a:ln>
-        </p:spPr>
-        <p:txBody>
-          <a:bodyPr spcFirstLastPara="1" wrap="square" lIns="91425" tIns="91425" rIns="91425" bIns="91425" anchor="t" anchorCtr="0">
-            <a:spAutoFit/>
-          </a:bodyPr>
-          <a:lstStyle/>
-          <a:p>
-            <a:pPr marL="457200" lvl="0" indent="-311150" algn="l" rtl="0">
-              <a:spcBef>
-                <a:spcPts val="0"/>
-              </a:spcBef>
-              <a:spcAft>
-                <a:spcPts val="0"/>
-              </a:spcAft>
-              <a:buClr>
-                <a:schemeClr val="lt2"/>
-              </a:buClr>
-              <a:buSzPts val="1300"/>
-              <a:buChar char="-"/>
-            </a:pPr>
-            <a:r>
-              <a:rPr lang="zh-CN" sz="1300">
-                <a:solidFill>
-                  <a:schemeClr val="lt2"/>
-                </a:solidFill>
-              </a:rPr>
-              <a:t>Unbelievably “Good”</a:t>
-            </a:r>
-            <a:endParaRPr sz="1300">
-              <a:solidFill>
-                <a:schemeClr val="lt2"/>
-              </a:solidFill>
-            </a:endParaRPr>
-          </a:p>
-          <a:p>
-            <a:pPr marL="457200" lvl="0" indent="-311150" algn="l" rtl="0">
-              <a:spcBef>
-                <a:spcPts val="0"/>
-              </a:spcBef>
-              <a:spcAft>
-                <a:spcPts val="0"/>
-              </a:spcAft>
-              <a:buClr>
-                <a:schemeClr val="lt2"/>
-              </a:buClr>
-              <a:buSzPts val="1300"/>
-              <a:buChar char="-"/>
-            </a:pPr>
-            <a:r>
-              <a:rPr lang="zh-CN" sz="1300">
-                <a:solidFill>
-                  <a:schemeClr val="lt2"/>
-                </a:solidFill>
-              </a:rPr>
-              <a:t>Recall too high, may indicate more overfitting</a:t>
-            </a:r>
-            <a:endParaRPr sz="1300">
-              <a:solidFill>
-                <a:schemeClr val="lt2"/>
-              </a:solidFill>
-            </a:endParaRPr>
-          </a:p>
-        </p:txBody>
-      </p:sp>
-      <p:sp>
-        <p:nvSpPr>
-          <p:cNvPr id="231" name="Google Shape;231;p29"/>
-          <p:cNvSpPr txBox="1"/>
-          <p:nvPr/>
-        </p:nvSpPr>
-        <p:spPr>
-          <a:xfrm>
-            <a:off x="6806925" y="1237300"/>
-            <a:ext cx="2025300" cy="384900"/>
-          </a:xfrm>
-          <a:prstGeom prst="rect">
-            <a:avLst/>
-          </a:prstGeom>
-          <a:noFill/>
-          <a:ln>
-            <a:noFill/>
-          </a:ln>
-        </p:spPr>
-        <p:txBody>
-          <a:bodyPr spcFirstLastPara="1" wrap="square" lIns="91425" tIns="91425" rIns="91425" bIns="91425" anchor="t" anchorCtr="0">
-            <a:spAutoFit/>
-          </a:bodyPr>
-          <a:lstStyle/>
-          <a:p>
-            <a:pPr marL="0" lvl="0" indent="0" algn="l" rtl="0">
-              <a:spcBef>
-                <a:spcPts val="0"/>
-              </a:spcBef>
-              <a:spcAft>
-                <a:spcPts val="0"/>
-              </a:spcAft>
-              <a:buNone/>
-            </a:pPr>
-            <a:r>
-              <a:rPr lang="zh-CN" sz="1300">
-                <a:solidFill>
-                  <a:schemeClr val="dk1"/>
-                </a:solidFill>
-              </a:rPr>
-              <a:t>What we think</a:t>
-            </a:r>
-            <a:endParaRPr sz="1300">
-              <a:solidFill>
-                <a:schemeClr val="dk1"/>
-              </a:solidFill>
-            </a:endParaRPr>
-          </a:p>
-        </p:txBody>
-      </p:sp>
-    </p:spTree>
-  </p:cSld>
-  <p:clrMapOvr>
-    <a:masterClrMapping/>
-  </p:clrMapOvr>
-  <p:transition spd="slow">
-    <p:push dir="u"/>
-  </p:transition>
-</p:sld>
-</file>
-
-<file path=ppt/slides/slide18.xml><?xml version="1.0" encoding="utf-8"?>
-<p:sld xmlns:a="http://schemas.openxmlformats.org/drawingml/2006/main" xmlns:r="http://schemas.openxmlformats.org/officeDocument/2006/relationships" xmlns:p="http://schemas.openxmlformats.org/presentationml/2006/main">
-  <p:cSld>
-    <p:spTree>
-      <p:nvGrpSpPr>
         <p:cNvPr id="1" name=""/>
         <p:cNvGrpSpPr/>
         <p:nvPr/>
@@ -10949,22 +8323,30 @@
           <a:lstStyle/>
           <a:p>
             <a:r>
-              <a:rPr lang="zh-CN"/>
-              <a:t>/ Evaluations and Demo / </a:t>
-            </a:r>
-            <a:r>
-              <a:rPr lang="en-US" altLang="zh-CN"/>
+              <a:rPr lang="zh-CN" dirty="0"/>
+              <a:t>/ </a:t>
+            </a:r>
+            <a:r>
+              <a:rPr lang="en-GB" altLang="zh-CN" dirty="0"/>
+              <a:t>Feature Selection / Improvements </a:t>
+            </a:r>
+            <a:r>
+              <a:rPr lang="zh-CN" dirty="0"/>
+              <a:t>/ </a:t>
+            </a:r>
+            <a:r>
+              <a:rPr lang="en-US" altLang="zh-CN" dirty="0"/>
               <a:t>Eliminate</a:t>
             </a:r>
             <a:r>
-              <a:rPr lang="zh-CN" altLang="en-US"/>
+              <a:rPr lang="zh-CN" altLang="en-US" dirty="0"/>
               <a:t> </a:t>
             </a:r>
             <a:r>
-              <a:rPr lang="en-US" altLang="zh-CN"/>
+              <a:rPr lang="en-US" altLang="zh-CN" dirty="0"/>
               <a:t>Features</a:t>
             </a:r>
-            <a:endParaRPr lang="en-CN"/>
+            <a:endParaRPr lang="en-CN" dirty="0"/>
           </a:p>
         </p:txBody>
       </p:sp>
@@ -13119,7 +10501,7 @@
 </p:sld>
 </file>
 
-<file path=ppt/slides/slide19.xml><?xml version="1.0" encoding="utf-8"?>
+<file path=ppt/slides/slide11.xml><?xml version="1.0" encoding="utf-8"?>
 <p:sld xmlns:a="http://schemas.openxmlformats.org/drawingml/2006/main" xmlns:r="http://schemas.openxmlformats.org/officeDocument/2006/relationships" xmlns:p="http://schemas.openxmlformats.org/presentationml/2006/main">
   <p:cSld>
     <p:spTree>
@@ -13136,1386 +10518,6 @@
           <a:chExt cx="0" cy="0"/>
         </a:xfrm>
       </p:grpSpPr>
-      <p:sp>
-        <p:nvSpPr>
-          <p:cNvPr id="2" name="Title 1">
-            <a:extLst>
-              <a:ext uri="{FF2B5EF4-FFF2-40B4-BE49-F238E27FC236}">
-                <a16:creationId xmlns:a16="http://schemas.microsoft.com/office/drawing/2014/main" id="{29648C70-99A1-C031-170B-8B1A5F2968F0}"/>
-              </a:ext>
-            </a:extLst>
-          </p:cNvPr>
-          <p:cNvSpPr>
-            <a:spLocks noGrp="1"/>
-          </p:cNvSpPr>
-          <p:nvPr>
-            <p:ph type="title"/>
-          </p:nvPr>
-        </p:nvSpPr>
-        <p:spPr/>
-        <p:txBody>
-          <a:bodyPr>
-            <a:normAutofit fontScale="90000"/>
-          </a:bodyPr>
-          <a:lstStyle/>
-          <a:p>
-            <a:r>
-              <a:rPr lang="zh-CN"/>
-              <a:t>/ Evaluations and Demo / </a:t>
-            </a:r>
-            <a:r>
-              <a:rPr lang="en-US" altLang="zh-CN"/>
-              <a:t>Eliminate</a:t>
-            </a:r>
-            <a:r>
-              <a:rPr lang="zh-CN" altLang="en-US"/>
-              <a:t> </a:t>
-            </a:r>
-            <a:r>
-              <a:rPr lang="en-US" altLang="zh-CN"/>
-              <a:t>Features</a:t>
-            </a:r>
-            <a:endParaRPr lang="en-CN"/>
-          </a:p>
-        </p:txBody>
-      </p:sp>
-      <p:sp>
-        <p:nvSpPr>
-          <p:cNvPr id="4" name="Google Shape;179;p25">
-            <a:extLst>
-              <a:ext uri="{FF2B5EF4-FFF2-40B4-BE49-F238E27FC236}">
-                <a16:creationId xmlns:a16="http://schemas.microsoft.com/office/drawing/2014/main" id="{8E6F6120-1DF0-02F9-ABB7-B81676C6CD56}"/>
-              </a:ext>
-            </a:extLst>
-          </p:cNvPr>
-          <p:cNvSpPr txBox="1">
-            <a:spLocks/>
-          </p:cNvSpPr>
-          <p:nvPr/>
-        </p:nvSpPr>
-        <p:spPr>
-          <a:xfrm>
-            <a:off x="311600" y="1152475"/>
-            <a:ext cx="8520600" cy="3416400"/>
-          </a:xfrm>
-          <a:prstGeom prst="rect">
-            <a:avLst/>
-          </a:prstGeom>
-          <a:noFill/>
-          <a:ln>
-            <a:noFill/>
-          </a:ln>
-        </p:spPr>
-        <p:txBody>
-          <a:bodyPr spcFirstLastPara="1" wrap="square" lIns="91425" tIns="91425" rIns="91425" bIns="91425" anchor="t" anchorCtr="0">
-            <a:normAutofit/>
-          </a:bodyPr>
-          <a:lstStyle>
-            <a:defPPr marR="0" lvl="0" algn="l" rtl="0">
-              <a:lnSpc>
-                <a:spcPct val="100000"/>
-              </a:lnSpc>
-              <a:spcBef>
-                <a:spcPts val="0"/>
-              </a:spcBef>
-              <a:spcAft>
-                <a:spcPts val="0"/>
-              </a:spcAft>
-            </a:defPPr>
-            <a:lvl1pPr marL="457200" marR="0" lvl="0" indent="-342900" algn="l" rtl="0">
-              <a:lnSpc>
-                <a:spcPct val="115000"/>
-              </a:lnSpc>
-              <a:spcBef>
-                <a:spcPts val="0"/>
-              </a:spcBef>
-              <a:spcAft>
-                <a:spcPts val="0"/>
-              </a:spcAft>
-              <a:buClr>
-                <a:schemeClr val="lt2"/>
-              </a:buClr>
-              <a:buSzPts val="1800"/>
-              <a:buFont typeface="Arial"/>
-              <a:buChar char="●"/>
-              <a:defRPr sz="1800" b="0" i="0" u="none" strike="noStrike" cap="none">
-                <a:solidFill>
-                  <a:schemeClr val="lt2"/>
-                </a:solidFill>
-                <a:latin typeface="Arial"/>
-                <a:ea typeface="Arial"/>
-                <a:cs typeface="Arial"/>
-                <a:sym typeface="Arial"/>
-              </a:defRPr>
-            </a:lvl1pPr>
-            <a:lvl2pPr marL="914400" marR="0" lvl="1" indent="-317500" algn="l" rtl="0">
-              <a:lnSpc>
-                <a:spcPct val="115000"/>
-              </a:lnSpc>
-              <a:spcBef>
-                <a:spcPts val="0"/>
-              </a:spcBef>
-              <a:spcAft>
-                <a:spcPts val="0"/>
-              </a:spcAft>
-              <a:buClr>
-                <a:schemeClr val="lt2"/>
-              </a:buClr>
-              <a:buSzPts val="1400"/>
-              <a:buFont typeface="Arial"/>
-              <a:buChar char="○"/>
-              <a:defRPr sz="1400" b="0" i="0" u="none" strike="noStrike" cap="none">
-                <a:solidFill>
-                  <a:schemeClr val="lt2"/>
-                </a:solidFill>
-                <a:latin typeface="Arial"/>
-                <a:ea typeface="Arial"/>
-                <a:cs typeface="Arial"/>
-                <a:sym typeface="Arial"/>
-              </a:defRPr>
-            </a:lvl2pPr>
-            <a:lvl3pPr marL="1371600" marR="0" lvl="2" indent="-317500" algn="l" rtl="0">
-              <a:lnSpc>
-                <a:spcPct val="115000"/>
-              </a:lnSpc>
-              <a:spcBef>
-                <a:spcPts val="0"/>
-              </a:spcBef>
-              <a:spcAft>
-                <a:spcPts val="0"/>
-              </a:spcAft>
-              <a:buClr>
-                <a:schemeClr val="lt2"/>
-              </a:buClr>
-              <a:buSzPts val="1400"/>
-              <a:buFont typeface="Arial"/>
-              <a:buChar char="■"/>
-              <a:defRPr sz="1400" b="0" i="0" u="none" strike="noStrike" cap="none">
-                <a:solidFill>
-                  <a:schemeClr val="lt2"/>
-                </a:solidFill>
-                <a:latin typeface="Arial"/>
-                <a:ea typeface="Arial"/>
-                <a:cs typeface="Arial"/>
-                <a:sym typeface="Arial"/>
-              </a:defRPr>
-            </a:lvl3pPr>
-            <a:lvl4pPr marL="1828800" marR="0" lvl="3" indent="-317500" algn="l" rtl="0">
-              <a:lnSpc>
-                <a:spcPct val="115000"/>
-              </a:lnSpc>
-              <a:spcBef>
-                <a:spcPts val="0"/>
-              </a:spcBef>
-              <a:spcAft>
-                <a:spcPts val="0"/>
-              </a:spcAft>
-              <a:buClr>
-                <a:schemeClr val="lt2"/>
-              </a:buClr>
-              <a:buSzPts val="1400"/>
-              <a:buFont typeface="Arial"/>
-              <a:buChar char="●"/>
-              <a:defRPr sz="1400" b="0" i="0" u="none" strike="noStrike" cap="none">
-                <a:solidFill>
-                  <a:schemeClr val="lt2"/>
-                </a:solidFill>
-                <a:latin typeface="Arial"/>
-                <a:ea typeface="Arial"/>
-                <a:cs typeface="Arial"/>
-                <a:sym typeface="Arial"/>
-              </a:defRPr>
-            </a:lvl4pPr>
-            <a:lvl5pPr marL="2286000" marR="0" lvl="4" indent="-317500" algn="l" rtl="0">
-              <a:lnSpc>
-                <a:spcPct val="115000"/>
-              </a:lnSpc>
-              <a:spcBef>
-                <a:spcPts val="0"/>
-              </a:spcBef>
-              <a:spcAft>
-                <a:spcPts val="0"/>
-              </a:spcAft>
-              <a:buClr>
-                <a:schemeClr val="lt2"/>
-              </a:buClr>
-              <a:buSzPts val="1400"/>
-              <a:buFont typeface="Arial"/>
-              <a:buChar char="○"/>
-              <a:defRPr sz="1400" b="0" i="0" u="none" strike="noStrike" cap="none">
-                <a:solidFill>
-                  <a:schemeClr val="lt2"/>
-                </a:solidFill>
-                <a:latin typeface="Arial"/>
-                <a:ea typeface="Arial"/>
-                <a:cs typeface="Arial"/>
-                <a:sym typeface="Arial"/>
-              </a:defRPr>
-            </a:lvl5pPr>
-            <a:lvl6pPr marL="2743200" marR="0" lvl="5" indent="-317500" algn="l" rtl="0">
-              <a:lnSpc>
-                <a:spcPct val="115000"/>
-              </a:lnSpc>
-              <a:spcBef>
-                <a:spcPts val="0"/>
-              </a:spcBef>
-              <a:spcAft>
-                <a:spcPts val="0"/>
-              </a:spcAft>
-              <a:buClr>
-                <a:schemeClr val="lt2"/>
-              </a:buClr>
-              <a:buSzPts val="1400"/>
-              <a:buFont typeface="Arial"/>
-              <a:buChar char="■"/>
-              <a:defRPr sz="1400" b="0" i="0" u="none" strike="noStrike" cap="none">
-                <a:solidFill>
-                  <a:schemeClr val="lt2"/>
-                </a:solidFill>
-                <a:latin typeface="Arial"/>
-                <a:ea typeface="Arial"/>
-                <a:cs typeface="Arial"/>
-                <a:sym typeface="Arial"/>
-              </a:defRPr>
-            </a:lvl6pPr>
-            <a:lvl7pPr marL="3200400" marR="0" lvl="6" indent="-317500" algn="l" rtl="0">
-              <a:lnSpc>
-                <a:spcPct val="115000"/>
-              </a:lnSpc>
-              <a:spcBef>
-                <a:spcPts val="0"/>
-              </a:spcBef>
-              <a:spcAft>
-                <a:spcPts val="0"/>
-              </a:spcAft>
-              <a:buClr>
-                <a:schemeClr val="lt2"/>
-              </a:buClr>
-              <a:buSzPts val="1400"/>
-              <a:buFont typeface="Arial"/>
-              <a:buChar char="●"/>
-              <a:defRPr sz="1400" b="0" i="0" u="none" strike="noStrike" cap="none">
-                <a:solidFill>
-                  <a:schemeClr val="lt2"/>
-                </a:solidFill>
-                <a:latin typeface="Arial"/>
-                <a:ea typeface="Arial"/>
-                <a:cs typeface="Arial"/>
-                <a:sym typeface="Arial"/>
-              </a:defRPr>
-            </a:lvl7pPr>
-            <a:lvl8pPr marL="3657600" marR="0" lvl="7" indent="-317500" algn="l" rtl="0">
-              <a:lnSpc>
-                <a:spcPct val="115000"/>
-              </a:lnSpc>
-              <a:spcBef>
-                <a:spcPts val="0"/>
-              </a:spcBef>
-              <a:spcAft>
-                <a:spcPts val="0"/>
-              </a:spcAft>
-              <a:buClr>
-                <a:schemeClr val="lt2"/>
-              </a:buClr>
-              <a:buSzPts val="1400"/>
-              <a:buFont typeface="Arial"/>
-              <a:buChar char="○"/>
-              <a:defRPr sz="1400" b="0" i="0" u="none" strike="noStrike" cap="none">
-                <a:solidFill>
-                  <a:schemeClr val="lt2"/>
-                </a:solidFill>
-                <a:latin typeface="Arial"/>
-                <a:ea typeface="Arial"/>
-                <a:cs typeface="Arial"/>
-                <a:sym typeface="Arial"/>
-              </a:defRPr>
-            </a:lvl8pPr>
-            <a:lvl9pPr marL="4114800" marR="0" lvl="8" indent="-317500" algn="l" rtl="0">
-              <a:lnSpc>
-                <a:spcPct val="115000"/>
-              </a:lnSpc>
-              <a:spcBef>
-                <a:spcPts val="0"/>
-              </a:spcBef>
-              <a:spcAft>
-                <a:spcPts val="0"/>
-              </a:spcAft>
-              <a:buClr>
-                <a:schemeClr val="lt2"/>
-              </a:buClr>
-              <a:buSzPts val="1400"/>
-              <a:buFont typeface="Arial"/>
-              <a:buChar char="■"/>
-              <a:defRPr sz="1400" b="0" i="0" u="none" strike="noStrike" cap="none">
-                <a:solidFill>
-                  <a:schemeClr val="lt2"/>
-                </a:solidFill>
-                <a:latin typeface="Arial"/>
-                <a:ea typeface="Arial"/>
-                <a:cs typeface="Arial"/>
-                <a:sym typeface="Arial"/>
-              </a:defRPr>
-            </a:lvl9pPr>
-          </a:lstStyle>
-          <a:p>
-            <a:pPr marL="0" indent="0">
-              <a:buFont typeface="Arial"/>
-              <a:buNone/>
-            </a:pPr>
-            <a:r>
-              <a:rPr lang="en-US" altLang="zh-CN"/>
-              <a:t>Too</a:t>
-            </a:r>
-            <a:r>
-              <a:rPr lang="zh-CN" altLang="en-US"/>
-              <a:t> </a:t>
-            </a:r>
-            <a:r>
-              <a:rPr lang="en-US" altLang="zh-CN"/>
-              <a:t>much</a:t>
-            </a:r>
-            <a:r>
-              <a:rPr lang="zh-CN" altLang="en-US"/>
-              <a:t> </a:t>
-            </a:r>
-            <a:r>
-              <a:rPr lang="en-US" altLang="zh-CN"/>
-              <a:t>Negative</a:t>
-            </a:r>
-            <a:r>
-              <a:rPr lang="zh-CN" altLang="en-US"/>
-              <a:t> </a:t>
-            </a:r>
-            <a:r>
-              <a:rPr lang="en-US" altLang="zh-CN"/>
-              <a:t>Internal</a:t>
-            </a:r>
-            <a:r>
-              <a:rPr lang="zh-CN" altLang="en-US"/>
-              <a:t> </a:t>
-            </a:r>
-            <a:r>
-              <a:rPr lang="en-US" altLang="zh-CN"/>
-              <a:t>Pattern</a:t>
-            </a:r>
-            <a:r>
-              <a:rPr lang="zh-CN" altLang="en-US"/>
-              <a:t> </a:t>
-            </a:r>
-            <a:r>
-              <a:rPr lang="en-US" altLang="zh-CN"/>
-              <a:t>Features.</a:t>
-            </a:r>
-          </a:p>
-          <a:p>
-            <a:pPr marL="285750" indent="-285750">
-              <a:buFontTx/>
-              <a:buChar char="-"/>
-            </a:pPr>
-            <a:r>
-              <a:rPr lang="en-US" altLang="zh-CN"/>
-              <a:t>Helps</a:t>
-            </a:r>
-            <a:r>
-              <a:rPr lang="zh-CN" altLang="en-US"/>
-              <a:t> </a:t>
-            </a:r>
-            <a:r>
-              <a:rPr lang="en-US" altLang="zh-CN"/>
-              <a:t>to</a:t>
-            </a:r>
-            <a:r>
-              <a:rPr lang="zh-CN" altLang="en-US"/>
-              <a:t> </a:t>
-            </a:r>
-            <a:r>
-              <a:rPr lang="en-US" altLang="zh-CN"/>
-              <a:t>improve</a:t>
-            </a:r>
-            <a:r>
-              <a:rPr lang="zh-CN" altLang="en-US"/>
-              <a:t> </a:t>
-            </a:r>
-            <a:r>
-              <a:rPr lang="en-US" altLang="zh-CN"/>
-              <a:t>F-Score,</a:t>
-            </a:r>
-            <a:r>
-              <a:rPr lang="zh-CN" altLang="en-US"/>
-              <a:t> </a:t>
-            </a:r>
-            <a:r>
-              <a:rPr lang="en-US" altLang="zh-CN"/>
-              <a:t>especially</a:t>
-            </a:r>
-            <a:r>
-              <a:rPr lang="zh-CN" altLang="en-US"/>
-              <a:t> </a:t>
-            </a:r>
-            <a:r>
-              <a:rPr lang="en-US" altLang="zh-CN"/>
-              <a:t>recall</a:t>
-            </a:r>
-          </a:p>
-          <a:p>
-            <a:pPr marL="285750" indent="-285750">
-              <a:buFontTx/>
-              <a:buChar char="-"/>
-            </a:pPr>
-            <a:r>
-              <a:rPr lang="en-US" altLang="zh-CN"/>
-              <a:t>However,</a:t>
-            </a:r>
-            <a:r>
-              <a:rPr lang="zh-CN" altLang="en-US"/>
-              <a:t> </a:t>
-            </a:r>
-            <a:r>
-              <a:rPr lang="en-US" altLang="zh-CN"/>
-              <a:t>causes</a:t>
-            </a:r>
-            <a:r>
-              <a:rPr lang="zh-CN" altLang="en-US"/>
-              <a:t> </a:t>
-            </a:r>
-            <a:r>
-              <a:rPr lang="en-US" altLang="zh-CN"/>
-              <a:t>over-fitting.</a:t>
-            </a:r>
-            <a:r>
-              <a:rPr lang="zh-CN" altLang="en-US"/>
-              <a:t> </a:t>
-            </a:r>
-            <a:endParaRPr lang="en-US" altLang="zh-CN"/>
-          </a:p>
-          <a:p>
-            <a:pPr marL="285750" indent="-285750">
-              <a:buFontTx/>
-              <a:buChar char="-"/>
-            </a:pPr>
-            <a:r>
-              <a:rPr lang="en-US" altLang="zh-CN"/>
-              <a:t>Disencourage</a:t>
-            </a:r>
-            <a:r>
-              <a:rPr lang="zh-CN" altLang="en-US"/>
-              <a:t> </a:t>
-            </a:r>
-            <a:r>
-              <a:rPr lang="en-US" altLang="zh-CN"/>
-              <a:t>innovation.</a:t>
-            </a:r>
-          </a:p>
-          <a:p>
-            <a:pPr marL="285750" indent="-285750">
-              <a:buFontTx/>
-              <a:buChar char="-"/>
-            </a:pPr>
-            <a:r>
-              <a:rPr lang="en-US" altLang="zh-CN"/>
-              <a:t>Synonym:</a:t>
-            </a:r>
-            <a:r>
-              <a:rPr lang="zh-CN" altLang="en-US"/>
-              <a:t> </a:t>
-            </a:r>
-            <a:r>
-              <a:rPr lang="en-US" altLang="zh-CN"/>
-              <a:t>You</a:t>
-            </a:r>
-            <a:r>
-              <a:rPr lang="zh-CN" altLang="en-US"/>
-              <a:t> </a:t>
-            </a:r>
-            <a:r>
-              <a:rPr lang="en-US" altLang="zh-CN"/>
-              <a:t>can’t</a:t>
-            </a:r>
-            <a:r>
-              <a:rPr lang="zh-CN" altLang="en-US"/>
-              <a:t> </a:t>
-            </a:r>
-            <a:r>
-              <a:rPr lang="en-US" altLang="zh-CN"/>
-              <a:t>make</a:t>
-            </a:r>
-            <a:r>
-              <a:rPr lang="zh-CN" altLang="en-US"/>
-              <a:t> </a:t>
-            </a:r>
-            <a:r>
-              <a:rPr lang="en-US" altLang="zh-CN"/>
-              <a:t>a</a:t>
-            </a:r>
-            <a:r>
-              <a:rPr lang="zh-CN" altLang="en-US"/>
-              <a:t> </a:t>
-            </a:r>
-            <a:r>
-              <a:rPr lang="en-US" altLang="zh-CN"/>
-              <a:t>child</a:t>
-            </a:r>
-            <a:r>
-              <a:rPr lang="zh-CN" altLang="en-US"/>
-              <a:t> </a:t>
-            </a:r>
-            <a:r>
-              <a:rPr lang="en-US" altLang="zh-CN"/>
-              <a:t>successful</a:t>
-            </a:r>
-            <a:r>
-              <a:rPr lang="zh-CN" altLang="en-US"/>
-              <a:t> </a:t>
-            </a:r>
-            <a:r>
-              <a:rPr lang="en-US" altLang="zh-CN"/>
-              <a:t>by</a:t>
-            </a:r>
-            <a:r>
-              <a:rPr lang="zh-CN" altLang="en-US"/>
-              <a:t> </a:t>
-            </a:r>
-            <a:r>
-              <a:rPr lang="en-US" altLang="zh-CN"/>
-              <a:t>regulating</a:t>
-            </a:r>
-            <a:r>
-              <a:rPr lang="zh-CN" altLang="en-US"/>
-              <a:t> </a:t>
-            </a:r>
-            <a:r>
-              <a:rPr lang="en-US" altLang="zh-CN"/>
-              <a:t>him</a:t>
-            </a:r>
-            <a:r>
-              <a:rPr lang="zh-CN" altLang="en-US"/>
-              <a:t> </a:t>
-            </a:r>
-            <a:r>
-              <a:rPr lang="en-US" altLang="zh-CN"/>
-              <a:t>too</a:t>
-            </a:r>
-            <a:r>
-              <a:rPr lang="zh-CN" altLang="en-US"/>
-              <a:t> </a:t>
-            </a:r>
-            <a:r>
-              <a:rPr lang="en-US" altLang="zh-CN"/>
-              <a:t>much.</a:t>
-            </a:r>
-            <a:endParaRPr lang="en-US"/>
-          </a:p>
-        </p:txBody>
-      </p:sp>
-    </p:spTree>
-    <p:extLst>
-      <p:ext uri="{BB962C8B-B14F-4D97-AF65-F5344CB8AC3E}">
-        <p14:creationId xmlns:p14="http://schemas.microsoft.com/office/powerpoint/2010/main" val="3904861656"/>
-      </p:ext>
-    </p:extLst>
-  </p:cSld>
-  <p:clrMapOvr>
-    <a:masterClrMapping/>
-  </p:clrMapOvr>
-</p:sld>
-</file>
-
-<file path=ppt/slides/slide2.xml><?xml version="1.0" encoding="utf-8"?>
-<p:sld xmlns:a="http://schemas.openxmlformats.org/drawingml/2006/main" xmlns:r="http://schemas.openxmlformats.org/officeDocument/2006/relationships" xmlns:p="http://schemas.openxmlformats.org/presentationml/2006/main">
-  <p:cSld>
-    <p:spTree>
-      <p:nvGrpSpPr>
-        <p:cNvPr id="1" name="Shape 59"/>
-        <p:cNvGrpSpPr/>
-        <p:nvPr/>
-      </p:nvGrpSpPr>
-      <p:grpSpPr>
-        <a:xfrm>
-          <a:off x="0" y="0"/>
-          <a:ext cx="0" cy="0"/>
-          <a:chOff x="0" y="0"/>
-          <a:chExt cx="0" cy="0"/>
-        </a:xfrm>
-      </p:grpSpPr>
-      <p:sp>
-        <p:nvSpPr>
-          <p:cNvPr id="60" name="Google Shape;60;p14"/>
-          <p:cNvSpPr txBox="1">
-            <a:spLocks noGrp="1"/>
-          </p:cNvSpPr>
-          <p:nvPr>
-            <p:ph type="title"/>
-          </p:nvPr>
-        </p:nvSpPr>
-        <p:spPr>
-          <a:xfrm>
-            <a:off x="311700" y="445025"/>
-            <a:ext cx="8520600" cy="572700"/>
-          </a:xfrm>
-          <a:prstGeom prst="rect">
-            <a:avLst/>
-          </a:prstGeom>
-        </p:spPr>
-        <p:txBody>
-          <a:bodyPr spcFirstLastPara="1" wrap="square" lIns="91425" tIns="91425" rIns="91425" bIns="91425" anchor="t" anchorCtr="0">
-            <a:normAutofit fontScale="90000"/>
-          </a:bodyPr>
-          <a:lstStyle/>
-          <a:p>
-            <a:pPr marL="0" lvl="0" indent="0" algn="l" rtl="0">
-              <a:spcBef>
-                <a:spcPts val="0"/>
-              </a:spcBef>
-              <a:spcAft>
-                <a:spcPts val="0"/>
-              </a:spcAft>
-              <a:buNone/>
-            </a:pPr>
-            <a:r>
-              <a:rPr lang="en-US" altLang="zh-CN"/>
-              <a:t>Introduction:</a:t>
-            </a:r>
-            <a:r>
-              <a:rPr lang="zh-CN" altLang="en-US"/>
-              <a:t> </a:t>
-            </a:r>
-            <a:r>
-              <a:rPr lang="zh-CN"/>
-              <a:t>To build a MaxEnt Model</a:t>
-            </a:r>
-            <a:endParaRPr/>
-          </a:p>
-        </p:txBody>
-      </p:sp>
-      <p:grpSp>
-        <p:nvGrpSpPr>
-          <p:cNvPr id="61" name="Google Shape;61;p14"/>
-          <p:cNvGrpSpPr/>
-          <p:nvPr/>
-        </p:nvGrpSpPr>
-        <p:grpSpPr>
-          <a:xfrm>
-            <a:off x="731450" y="1587325"/>
-            <a:ext cx="2361300" cy="2301950"/>
-            <a:chOff x="377975" y="1577850"/>
-            <a:chExt cx="2361300" cy="2301950"/>
-          </a:xfrm>
-        </p:grpSpPr>
-        <p:sp>
-          <p:nvSpPr>
-            <p:cNvPr id="62" name="Google Shape;62;p14"/>
-            <p:cNvSpPr/>
-            <p:nvPr/>
-          </p:nvSpPr>
-          <p:spPr>
-            <a:xfrm>
-              <a:off x="377975" y="1577850"/>
-              <a:ext cx="2361300" cy="1987800"/>
-            </a:xfrm>
-            <a:prstGeom prst="roundRect">
-              <a:avLst>
-                <a:gd name="adj" fmla="val 4951"/>
-              </a:avLst>
-            </a:prstGeom>
-            <a:solidFill>
-              <a:srgbClr val="434343"/>
-            </a:solidFill>
-            <a:ln w="9525" cap="flat" cmpd="sng">
-              <a:solidFill>
-                <a:schemeClr val="dk2"/>
-              </a:solidFill>
-              <a:prstDash val="solid"/>
-              <a:round/>
-              <a:headEnd type="none" w="sm" len="sm"/>
-              <a:tailEnd type="none" w="sm" len="sm"/>
-            </a:ln>
-          </p:spPr>
-          <p:txBody>
-            <a:bodyPr spcFirstLastPara="1" wrap="square" lIns="91425" tIns="91425" rIns="91425" bIns="91425" anchor="t" anchorCtr="0">
-              <a:noAutofit/>
-            </a:bodyPr>
-            <a:lstStyle/>
-            <a:p>
-              <a:pPr marL="0" lvl="0" indent="0" algn="ctr" rtl="0">
-                <a:spcBef>
-                  <a:spcPts val="0"/>
-                </a:spcBef>
-                <a:spcAft>
-                  <a:spcPts val="0"/>
-                </a:spcAft>
-                <a:buNone/>
-              </a:pPr>
-              <a:r>
-                <a:rPr lang="zh-CN" sz="1800" b="1">
-                  <a:solidFill>
-                    <a:schemeClr val="dk1"/>
-                  </a:solidFill>
-                </a:rPr>
-                <a:t>Feature Selection</a:t>
-              </a:r>
-              <a:endParaRPr sz="1800" b="1">
-                <a:solidFill>
-                  <a:schemeClr val="dk1"/>
-                </a:solidFill>
-              </a:endParaRPr>
-            </a:p>
-            <a:p>
-              <a:pPr marL="0" lvl="0" indent="0" algn="ctr" rtl="0">
-                <a:spcBef>
-                  <a:spcPts val="0"/>
-                </a:spcBef>
-                <a:spcAft>
-                  <a:spcPts val="0"/>
-                </a:spcAft>
-                <a:buNone/>
-              </a:pPr>
-              <a:endParaRPr sz="800" b="1">
-                <a:solidFill>
-                  <a:schemeClr val="dk1"/>
-                </a:solidFill>
-              </a:endParaRPr>
-            </a:p>
-            <a:p>
-              <a:pPr marL="0" lvl="0" indent="0" algn="l" rtl="0">
-                <a:spcBef>
-                  <a:spcPts val="0"/>
-                </a:spcBef>
-                <a:spcAft>
-                  <a:spcPts val="0"/>
-                </a:spcAft>
-                <a:buNone/>
-              </a:pPr>
-              <a:r>
-                <a:rPr lang="zh-CN">
-                  <a:solidFill>
-                    <a:schemeClr val="dk1"/>
-                  </a:solidFill>
-                </a:rPr>
-                <a:t>    Select proper and precise features that can best help to distinguish a word entity from “others” and “name”.</a:t>
-              </a:r>
-              <a:endParaRPr>
-                <a:solidFill>
-                  <a:schemeClr val="dk1"/>
-                </a:solidFill>
-              </a:endParaRPr>
-            </a:p>
-          </p:txBody>
-        </p:sp>
-        <p:sp>
-          <p:nvSpPr>
-            <p:cNvPr id="63" name="Google Shape;63;p14"/>
-            <p:cNvSpPr txBox="1"/>
-            <p:nvPr/>
-          </p:nvSpPr>
-          <p:spPr>
-            <a:xfrm>
-              <a:off x="2063975" y="3171800"/>
-              <a:ext cx="675300" cy="708000"/>
-            </a:xfrm>
-            <a:prstGeom prst="rect">
-              <a:avLst/>
-            </a:prstGeom>
-            <a:noFill/>
-            <a:ln>
-              <a:noFill/>
-            </a:ln>
-            <a:effectLst>
-              <a:outerShdw blurRad="328613" dist="19050" dir="5400000" algn="bl" rotWithShape="0">
-                <a:srgbClr val="000000">
-                  <a:alpha val="50000"/>
-                </a:srgbClr>
-              </a:outerShdw>
-            </a:effectLst>
-          </p:spPr>
-          <p:txBody>
-            <a:bodyPr spcFirstLastPara="1" wrap="square" lIns="91425" tIns="91425" rIns="91425" bIns="91425" anchor="t" anchorCtr="0">
-              <a:spAutoFit/>
-            </a:bodyPr>
-            <a:lstStyle/>
-            <a:p>
-              <a:pPr marL="0" lvl="0" indent="0" algn="ctr" rtl="0">
-                <a:spcBef>
-                  <a:spcPts val="0"/>
-                </a:spcBef>
-                <a:spcAft>
-                  <a:spcPts val="0"/>
-                </a:spcAft>
-                <a:buNone/>
-              </a:pPr>
-              <a:r>
-                <a:rPr lang="zh-CN" sz="3400" b="1" i="1">
-                  <a:solidFill>
-                    <a:schemeClr val="dk1"/>
-                  </a:solidFill>
-                </a:rPr>
-                <a:t>1</a:t>
-              </a:r>
-              <a:endParaRPr sz="3400" b="1" i="1">
-                <a:solidFill>
-                  <a:schemeClr val="dk1"/>
-                </a:solidFill>
-              </a:endParaRPr>
-            </a:p>
-          </p:txBody>
-        </p:sp>
-      </p:grpSp>
-      <p:grpSp>
-        <p:nvGrpSpPr>
-          <p:cNvPr id="64" name="Google Shape;64;p14"/>
-          <p:cNvGrpSpPr/>
-          <p:nvPr/>
-        </p:nvGrpSpPr>
-        <p:grpSpPr>
-          <a:xfrm>
-            <a:off x="3391350" y="1587325"/>
-            <a:ext cx="2361300" cy="2301950"/>
-            <a:chOff x="3037875" y="1577850"/>
-            <a:chExt cx="2361300" cy="2301950"/>
-          </a:xfrm>
-        </p:grpSpPr>
-        <p:sp>
-          <p:nvSpPr>
-            <p:cNvPr id="65" name="Google Shape;65;p14"/>
-            <p:cNvSpPr/>
-            <p:nvPr/>
-          </p:nvSpPr>
-          <p:spPr>
-            <a:xfrm>
-              <a:off x="3037875" y="1577850"/>
-              <a:ext cx="2361300" cy="1987800"/>
-            </a:xfrm>
-            <a:prstGeom prst="roundRect">
-              <a:avLst>
-                <a:gd name="adj" fmla="val 4951"/>
-              </a:avLst>
-            </a:prstGeom>
-            <a:solidFill>
-              <a:srgbClr val="434343"/>
-            </a:solidFill>
-            <a:ln w="9525" cap="flat" cmpd="sng">
-              <a:solidFill>
-                <a:schemeClr val="dk2"/>
-              </a:solidFill>
-              <a:prstDash val="solid"/>
-              <a:round/>
-              <a:headEnd type="none" w="sm" len="sm"/>
-              <a:tailEnd type="none" w="sm" len="sm"/>
-            </a:ln>
-          </p:spPr>
-          <p:txBody>
-            <a:bodyPr spcFirstLastPara="1" wrap="square" lIns="91425" tIns="91425" rIns="91425" bIns="91425" anchor="t" anchorCtr="0">
-              <a:noAutofit/>
-            </a:bodyPr>
-            <a:lstStyle/>
-            <a:p>
-              <a:pPr marL="0" lvl="0" indent="0" algn="ctr" rtl="0">
-                <a:spcBef>
-                  <a:spcPts val="0"/>
-                </a:spcBef>
-                <a:spcAft>
-                  <a:spcPts val="0"/>
-                </a:spcAft>
-                <a:buNone/>
-              </a:pPr>
-              <a:r>
-                <a:rPr lang="zh-CN" sz="1800" b="1">
-                  <a:solidFill>
-                    <a:schemeClr val="dk1"/>
-                  </a:solidFill>
-                </a:rPr>
-                <a:t>Feature Weighting</a:t>
-              </a:r>
-              <a:endParaRPr sz="1800" b="1">
-                <a:solidFill>
-                  <a:schemeClr val="dk1"/>
-                </a:solidFill>
-              </a:endParaRPr>
-            </a:p>
-            <a:p>
-              <a:pPr marL="0" lvl="0" indent="0" algn="ctr" rtl="0">
-                <a:spcBef>
-                  <a:spcPts val="0"/>
-                </a:spcBef>
-                <a:spcAft>
-                  <a:spcPts val="0"/>
-                </a:spcAft>
-                <a:buNone/>
-              </a:pPr>
-              <a:endParaRPr sz="800" b="1">
-                <a:solidFill>
-                  <a:schemeClr val="dk1"/>
-                </a:solidFill>
-              </a:endParaRPr>
-            </a:p>
-            <a:p>
-              <a:pPr marL="0" lvl="0" indent="0" algn="l" rtl="0">
-                <a:spcBef>
-                  <a:spcPts val="0"/>
-                </a:spcBef>
-                <a:spcAft>
-                  <a:spcPts val="0"/>
-                </a:spcAft>
-                <a:buNone/>
-              </a:pPr>
-              <a:r>
-                <a:rPr lang="zh-CN">
-                  <a:solidFill>
-                    <a:schemeClr val="dk1"/>
-                  </a:solidFill>
-                </a:rPr>
-                <a:t>    Use the training methods to assign each feature an importance weight for further prediction.</a:t>
-              </a:r>
-              <a:endParaRPr>
-                <a:solidFill>
-                  <a:schemeClr val="dk1"/>
-                </a:solidFill>
-              </a:endParaRPr>
-            </a:p>
-          </p:txBody>
-        </p:sp>
-        <p:sp>
-          <p:nvSpPr>
-            <p:cNvPr id="66" name="Google Shape;66;p14"/>
-            <p:cNvSpPr txBox="1"/>
-            <p:nvPr/>
-          </p:nvSpPr>
-          <p:spPr>
-            <a:xfrm>
-              <a:off x="4723875" y="3171800"/>
-              <a:ext cx="675300" cy="708000"/>
-            </a:xfrm>
-            <a:prstGeom prst="rect">
-              <a:avLst/>
-            </a:prstGeom>
-            <a:noFill/>
-            <a:ln>
-              <a:noFill/>
-            </a:ln>
-            <a:effectLst>
-              <a:outerShdw blurRad="328613" dist="19050" dir="5400000" algn="bl" rotWithShape="0">
-                <a:srgbClr val="000000">
-                  <a:alpha val="50000"/>
-                </a:srgbClr>
-              </a:outerShdw>
-            </a:effectLst>
-          </p:spPr>
-          <p:txBody>
-            <a:bodyPr spcFirstLastPara="1" wrap="square" lIns="91425" tIns="91425" rIns="91425" bIns="91425" anchor="t" anchorCtr="0">
-              <a:spAutoFit/>
-            </a:bodyPr>
-            <a:lstStyle/>
-            <a:p>
-              <a:pPr marL="0" lvl="0" indent="0" algn="ctr" rtl="0">
-                <a:spcBef>
-                  <a:spcPts val="0"/>
-                </a:spcBef>
-                <a:spcAft>
-                  <a:spcPts val="0"/>
-                </a:spcAft>
-                <a:buNone/>
-              </a:pPr>
-              <a:r>
-                <a:rPr lang="zh-CN" sz="3400" b="1" i="1">
-                  <a:solidFill>
-                    <a:schemeClr val="dk1"/>
-                  </a:solidFill>
-                </a:rPr>
-                <a:t>2</a:t>
-              </a:r>
-              <a:endParaRPr sz="3400" b="1" i="1">
-                <a:solidFill>
-                  <a:schemeClr val="dk1"/>
-                </a:solidFill>
-              </a:endParaRPr>
-            </a:p>
-          </p:txBody>
-        </p:sp>
-      </p:grpSp>
-      <p:grpSp>
-        <p:nvGrpSpPr>
-          <p:cNvPr id="67" name="Google Shape;67;p14"/>
-          <p:cNvGrpSpPr/>
-          <p:nvPr/>
-        </p:nvGrpSpPr>
-        <p:grpSpPr>
-          <a:xfrm>
-            <a:off x="6051250" y="1587325"/>
-            <a:ext cx="2361300" cy="2301950"/>
-            <a:chOff x="5697775" y="1577850"/>
-            <a:chExt cx="2361300" cy="2301950"/>
-          </a:xfrm>
-        </p:grpSpPr>
-        <p:sp>
-          <p:nvSpPr>
-            <p:cNvPr id="68" name="Google Shape;68;p14"/>
-            <p:cNvSpPr/>
-            <p:nvPr/>
-          </p:nvSpPr>
-          <p:spPr>
-            <a:xfrm>
-              <a:off x="5697775" y="1577850"/>
-              <a:ext cx="2361300" cy="1987800"/>
-            </a:xfrm>
-            <a:prstGeom prst="roundRect">
-              <a:avLst>
-                <a:gd name="adj" fmla="val 4951"/>
-              </a:avLst>
-            </a:prstGeom>
-            <a:solidFill>
-              <a:srgbClr val="434343"/>
-            </a:solidFill>
-            <a:ln w="9525" cap="flat" cmpd="sng">
-              <a:solidFill>
-                <a:schemeClr val="dk2"/>
-              </a:solidFill>
-              <a:prstDash val="solid"/>
-              <a:round/>
-              <a:headEnd type="none" w="sm" len="sm"/>
-              <a:tailEnd type="none" w="sm" len="sm"/>
-            </a:ln>
-          </p:spPr>
-          <p:txBody>
-            <a:bodyPr spcFirstLastPara="1" wrap="square" lIns="91425" tIns="91425" rIns="91425" bIns="91425" anchor="t" anchorCtr="0">
-              <a:noAutofit/>
-            </a:bodyPr>
-            <a:lstStyle/>
-            <a:p>
-              <a:pPr marL="0" lvl="0" indent="0" algn="ctr" rtl="0">
-                <a:spcBef>
-                  <a:spcPts val="0"/>
-                </a:spcBef>
-                <a:spcAft>
-                  <a:spcPts val="0"/>
-                </a:spcAft>
-                <a:buNone/>
-              </a:pPr>
-              <a:r>
-                <a:rPr lang="zh-CN" sz="1800" b="1">
-                  <a:solidFill>
-                    <a:schemeClr val="dk1"/>
-                  </a:solidFill>
-                </a:rPr>
-                <a:t>Model Evaluation</a:t>
-              </a:r>
-              <a:endParaRPr sz="1800" b="1">
-                <a:solidFill>
-                  <a:schemeClr val="dk1"/>
-                </a:solidFill>
-              </a:endParaRPr>
-            </a:p>
-            <a:p>
-              <a:pPr marL="0" lvl="0" indent="0" algn="ctr" rtl="0">
-                <a:spcBef>
-                  <a:spcPts val="0"/>
-                </a:spcBef>
-                <a:spcAft>
-                  <a:spcPts val="0"/>
-                </a:spcAft>
-                <a:buNone/>
-              </a:pPr>
-              <a:endParaRPr sz="800" b="1">
-                <a:solidFill>
-                  <a:schemeClr val="dk1"/>
-                </a:solidFill>
-              </a:endParaRPr>
-            </a:p>
-            <a:p>
-              <a:pPr marL="0" lvl="0" indent="0" algn="l" rtl="0">
-                <a:spcBef>
-                  <a:spcPts val="0"/>
-                </a:spcBef>
-                <a:spcAft>
-                  <a:spcPts val="0"/>
-                </a:spcAft>
-                <a:buNone/>
-              </a:pPr>
-              <a:r>
-                <a:rPr lang="zh-CN">
-                  <a:solidFill>
-                    <a:schemeClr val="dk1"/>
-                  </a:solidFill>
-                </a:rPr>
-                <a:t>    The assigned values of weights determines the behavior of the model. The model predicts each word entity with the observed features and weights.</a:t>
-              </a:r>
-              <a:endParaRPr>
-                <a:solidFill>
-                  <a:schemeClr val="dk1"/>
-                </a:solidFill>
-              </a:endParaRPr>
-            </a:p>
-          </p:txBody>
-        </p:sp>
-        <p:sp>
-          <p:nvSpPr>
-            <p:cNvPr id="69" name="Google Shape;69;p14"/>
-            <p:cNvSpPr txBox="1"/>
-            <p:nvPr/>
-          </p:nvSpPr>
-          <p:spPr>
-            <a:xfrm>
-              <a:off x="7383775" y="3171800"/>
-              <a:ext cx="675300" cy="708000"/>
-            </a:xfrm>
-            <a:prstGeom prst="rect">
-              <a:avLst/>
-            </a:prstGeom>
-            <a:noFill/>
-            <a:ln>
-              <a:noFill/>
-            </a:ln>
-            <a:effectLst>
-              <a:outerShdw blurRad="328613" dist="19050" dir="5400000" algn="bl" rotWithShape="0">
-                <a:srgbClr val="000000">
-                  <a:alpha val="50000"/>
-                </a:srgbClr>
-              </a:outerShdw>
-            </a:effectLst>
-          </p:spPr>
-          <p:txBody>
-            <a:bodyPr spcFirstLastPara="1" wrap="square" lIns="91425" tIns="91425" rIns="91425" bIns="91425" anchor="t" anchorCtr="0">
-              <a:spAutoFit/>
-            </a:bodyPr>
-            <a:lstStyle/>
-            <a:p>
-              <a:pPr marL="0" lvl="0" indent="0" algn="ctr" rtl="0">
-                <a:spcBef>
-                  <a:spcPts val="0"/>
-                </a:spcBef>
-                <a:spcAft>
-                  <a:spcPts val="0"/>
-                </a:spcAft>
-                <a:buNone/>
-              </a:pPr>
-              <a:r>
-                <a:rPr lang="zh-CN" sz="3400" b="1" i="1">
-                  <a:solidFill>
-                    <a:schemeClr val="dk1"/>
-                  </a:solidFill>
-                </a:rPr>
-                <a:t>3</a:t>
-              </a:r>
-              <a:endParaRPr sz="3400" b="1" i="1">
-                <a:solidFill>
-                  <a:schemeClr val="dk1"/>
-                </a:solidFill>
-              </a:endParaRPr>
-            </a:p>
-          </p:txBody>
-        </p:sp>
-      </p:grpSp>
-      <p:sp>
-        <p:nvSpPr>
-          <p:cNvPr id="70" name="Google Shape;70;p14"/>
-          <p:cNvSpPr/>
-          <p:nvPr/>
-        </p:nvSpPr>
-        <p:spPr>
-          <a:xfrm>
-            <a:off x="3326250" y="1446425"/>
-            <a:ext cx="2514300" cy="2442900"/>
-          </a:xfrm>
-          <a:prstGeom prst="rect">
-            <a:avLst/>
-          </a:prstGeom>
-          <a:solidFill>
-            <a:srgbClr val="212121">
-              <a:alpha val="60380"/>
-            </a:srgbClr>
-          </a:solidFill>
-          <a:ln>
-            <a:noFill/>
-          </a:ln>
-        </p:spPr>
-        <p:txBody>
-          <a:bodyPr spcFirstLastPara="1" wrap="square" lIns="91425" tIns="91425" rIns="91425" bIns="91425" anchor="ctr" anchorCtr="0">
-            <a:noAutofit/>
-          </a:bodyPr>
-          <a:lstStyle/>
-          <a:p>
-            <a:pPr marL="0" lvl="0" indent="0" algn="ctr" rtl="0">
-              <a:spcBef>
-                <a:spcPts val="0"/>
-              </a:spcBef>
-              <a:spcAft>
-                <a:spcPts val="0"/>
-              </a:spcAft>
-              <a:buNone/>
-            </a:pPr>
-            <a:endParaRPr/>
-          </a:p>
-        </p:txBody>
-      </p:sp>
-    </p:spTree>
-  </p:cSld>
-  <p:clrMapOvr>
-    <a:masterClrMapping/>
-  </p:clrMapOvr>
-  <mc:AlternateContent xmlns:mc="http://schemas.openxmlformats.org/markup-compatibility/2006" xmlns:p15="http://schemas.microsoft.com/office/powerpoint/2012/main">
-    <mc:Choice Requires="p15">
-      <p:transition xmlns:p14="http://schemas.microsoft.com/office/powerpoint/2010/main" spd="slow" p14:dur="3000">
-        <p15:prstTrans prst="curtains"/>
-      </p:transition>
-    </mc:Choice>
-    <mc:Fallback xmlns="">
-      <p:transition spd="slow">
-        <p:fade/>
-      </p:transition>
-    </mc:Fallback>
-  </mc:AlternateContent>
-  <p:timing>
-    <p:tnLst>
-      <p:par>
-        <p:cTn id="1" dur="indefinite" restart="never" nodeType="tmRoot">
-          <p:childTnLst>
-            <p:seq concurrent="1" nextAc="seek">
-              <p:cTn id="2" dur="indefinite" nodeType="mainSeq">
-                <p:childTnLst>
-                  <p:par>
-                    <p:cTn id="3" fill="hold">
-                      <p:stCondLst>
-                        <p:cond delay="indefinite"/>
-                      </p:stCondLst>
-                      <p:childTnLst>
-                        <p:par>
-                          <p:cTn id="4" fill="hold">
-                            <p:stCondLst>
-                              <p:cond delay="0"/>
-                            </p:stCondLst>
-                            <p:childTnLst>
-                              <p:par>
-                                <p:cTn id="5" presetID="10" presetClass="entr" presetSubtype="0" fill="hold" nodeType="clickEffect">
-                                  <p:stCondLst>
-                                    <p:cond delay="0"/>
-                                  </p:stCondLst>
-                                  <p:childTnLst>
-                                    <p:set>
-                                      <p:cBhvr>
-                                        <p:cTn id="6" dur="1" fill="hold">
-                                          <p:stCondLst>
-                                            <p:cond delay="0"/>
-                                          </p:stCondLst>
-                                        </p:cTn>
-                                        <p:tgtEl>
-                                          <p:spTgt spid="70"/>
-                                        </p:tgtEl>
-                                        <p:attrNameLst>
-                                          <p:attrName>style.visibility</p:attrName>
-                                        </p:attrNameLst>
-                                      </p:cBhvr>
-                                      <p:to>
-                                        <p:strVal val="visible"/>
-                                      </p:to>
-                                    </p:set>
-                                    <p:animEffect transition="in" filter="fade">
-                                      <p:cBhvr>
-                                        <p:cTn id="7" dur="400"/>
-                                        <p:tgtEl>
-                                          <p:spTgt spid="70"/>
-                                        </p:tgtEl>
-                                      </p:cBhvr>
-                                    </p:animEffect>
-                                  </p:childTnLst>
-                                </p:cTn>
-                              </p:par>
-                            </p:childTnLst>
-                          </p:cTn>
-                        </p:par>
-                      </p:childTnLst>
-                    </p:cTn>
-                  </p:par>
-                </p:childTnLst>
-              </p:cTn>
-              <p:prevCondLst>
-                <p:cond evt="onPrev" delay="0">
-                  <p:tgtEl>
-                    <p:sldTgt/>
-                  </p:tgtEl>
-                </p:cond>
-              </p:prevCondLst>
-              <p:nextCondLst>
-                <p:cond evt="onNext" delay="0">
-                  <p:tgtEl>
-                    <p:sldTgt/>
-                  </p:tgtEl>
-                </p:cond>
-              </p:nextCondLst>
-            </p:seq>
-          </p:childTnLst>
-        </p:cTn>
-      </p:par>
-    </p:tnLst>
-  </p:timing>
-</p:sld>
-</file>
-
-<file path=ppt/slides/slide20.xml><?xml version="1.0" encoding="utf-8"?>
-<p:sld xmlns:a="http://schemas.openxmlformats.org/drawingml/2006/main" xmlns:r="http://schemas.openxmlformats.org/officeDocument/2006/relationships" xmlns:p="http://schemas.openxmlformats.org/presentationml/2006/main">
-  <p:cSld>
-    <p:spTree>
-      <p:nvGrpSpPr>
-        <p:cNvPr id="1" name=""/>
-        <p:cNvGrpSpPr/>
-        <p:nvPr/>
-      </p:nvGrpSpPr>
-      <p:grpSpPr>
-        <a:xfrm>
-          <a:off x="0" y="0"/>
-          <a:ext cx="0" cy="0"/>
-          <a:chOff x="0" y="0"/>
-          <a:chExt cx="0" cy="0"/>
-        </a:xfrm>
-      </p:grpSpPr>
-      <p:sp>
-        <p:nvSpPr>
-          <p:cNvPr id="2" name="Title 1">
-            <a:extLst>
-              <a:ext uri="{FF2B5EF4-FFF2-40B4-BE49-F238E27FC236}">
-                <a16:creationId xmlns:a16="http://schemas.microsoft.com/office/drawing/2014/main" id="{29648C70-99A1-C031-170B-8B1A5F2968F0}"/>
-              </a:ext>
-            </a:extLst>
-          </p:cNvPr>
-          <p:cNvSpPr>
-            <a:spLocks noGrp="1"/>
-          </p:cNvSpPr>
-          <p:nvPr>
-            <p:ph type="title"/>
-          </p:nvPr>
-        </p:nvSpPr>
-        <p:spPr/>
-        <p:txBody>
-          <a:bodyPr>
-            <a:normAutofit fontScale="90000"/>
-          </a:bodyPr>
-          <a:lstStyle/>
-          <a:p>
-            <a:r>
-              <a:rPr lang="zh-CN"/>
-              <a:t>/ Evaluations and Demo / </a:t>
-            </a:r>
-            <a:r>
-              <a:rPr lang="en-US" altLang="zh-CN"/>
-              <a:t>Merge</a:t>
-            </a:r>
-            <a:r>
-              <a:rPr lang="zh-CN" altLang="en-US"/>
-              <a:t> </a:t>
-            </a:r>
-            <a:r>
-              <a:rPr lang="en-US" altLang="zh-CN"/>
-              <a:t>Library</a:t>
-            </a:r>
-            <a:r>
-              <a:rPr lang="zh-CN" altLang="en-US"/>
-              <a:t> </a:t>
-            </a:r>
-            <a:r>
-              <a:rPr lang="en-US" altLang="zh-CN"/>
-              <a:t>Features</a:t>
-            </a:r>
-            <a:endParaRPr lang="en-CN"/>
-          </a:p>
-        </p:txBody>
-      </p:sp>
       <p:sp>
         <p:nvSpPr>
           <p:cNvPr id="4" name="Google Shape;179;p25">
@@ -14800,47 +10802,47 @@
               <a:buNone/>
             </a:pPr>
             <a:r>
-              <a:rPr lang="en-US" altLang="zh-CN"/>
+              <a:rPr lang="en-US" altLang="zh-CN" dirty="0"/>
               <a:t>Library</a:t>
             </a:r>
             <a:r>
-              <a:rPr lang="zh-CN" altLang="en-US"/>
+              <a:rPr lang="zh-CN" altLang="en-US" dirty="0"/>
               <a:t> </a:t>
             </a:r>
             <a:r>
-              <a:rPr lang="en-US" altLang="zh-CN"/>
+              <a:rPr lang="en-US" altLang="zh-CN" dirty="0"/>
               <a:t>Features</a:t>
             </a:r>
             <a:r>
-              <a:rPr lang="zh-CN" altLang="en-US"/>
+              <a:rPr lang="zh-CN" altLang="en-US" dirty="0"/>
               <a:t> </a:t>
             </a:r>
             <a:r>
-              <a:rPr lang="en-US" altLang="zh-CN"/>
+              <a:rPr lang="en-US" altLang="zh-CN" dirty="0"/>
               <a:t>were</a:t>
             </a:r>
             <a:r>
-              <a:rPr lang="zh-CN" altLang="en-US"/>
+              <a:rPr lang="zh-CN" altLang="en-US" dirty="0"/>
               <a:t> </a:t>
             </a:r>
             <a:r>
-              <a:rPr lang="en-US" altLang="zh-CN"/>
+              <a:rPr lang="en-US" altLang="zh-CN" dirty="0"/>
               <a:t>dispersed</a:t>
             </a:r>
             <a:r>
-              <a:rPr lang="zh-CN" altLang="en-US"/>
+              <a:rPr lang="zh-CN" altLang="en-US" dirty="0"/>
               <a:t> </a:t>
             </a:r>
             <a:r>
-              <a:rPr lang="en-US" altLang="zh-CN"/>
+              <a:rPr lang="en-US" altLang="zh-CN" dirty="0"/>
               <a:t>at</a:t>
             </a:r>
             <a:r>
-              <a:rPr lang="zh-CN" altLang="en-US"/>
+              <a:rPr lang="zh-CN" altLang="en-US" dirty="0"/>
               <a:t> </a:t>
             </a:r>
             <a:r>
-              <a:rPr lang="en-US" altLang="zh-CN"/>
+              <a:rPr lang="en-US" altLang="zh-CN" dirty="0"/>
               <a:t>first</a:t>
             </a:r>
           </a:p>
@@ -14850,63 +10852,63 @@
               <a:buChar char="-"/>
             </a:pPr>
             <a:r>
-              <a:rPr lang="en-US" altLang="zh-CN"/>
+              <a:rPr lang="en-US" altLang="zh-CN" dirty="0"/>
               <a:t>That</a:t>
             </a:r>
             <a:r>
-              <a:rPr lang="zh-CN" altLang="en-US"/>
+              <a:rPr lang="zh-CN" altLang="en-US" dirty="0"/>
               <a:t> </a:t>
             </a:r>
             <a:r>
-              <a:rPr lang="en-US" altLang="zh-CN"/>
+              <a:rPr lang="en-US" altLang="zh-CN" dirty="0"/>
               <a:t>is,</a:t>
             </a:r>
             <a:r>
-              <a:rPr lang="zh-CN" altLang="en-US"/>
+              <a:rPr lang="zh-CN" altLang="en-US" dirty="0"/>
               <a:t> </a:t>
             </a:r>
             <a:r>
-              <a:rPr lang="en-US" altLang="zh-CN"/>
+              <a:rPr lang="en-US" altLang="zh-CN" dirty="0"/>
               <a:t>one</a:t>
             </a:r>
             <a:r>
-              <a:rPr lang="zh-CN" altLang="en-US"/>
+              <a:rPr lang="zh-CN" altLang="en-US" dirty="0"/>
               <a:t> </a:t>
             </a:r>
             <a:r>
-              <a:rPr lang="en-US" altLang="zh-CN"/>
+              <a:rPr lang="en-US" altLang="zh-CN" dirty="0"/>
               <a:t>library</a:t>
             </a:r>
             <a:r>
-              <a:rPr lang="zh-CN" altLang="en-US"/>
+              <a:rPr lang="zh-CN" altLang="en-US" dirty="0"/>
               <a:t> </a:t>
             </a:r>
             <a:r>
-              <a:rPr lang="en-US" altLang="zh-CN"/>
+              <a:rPr lang="en-US" altLang="zh-CN" dirty="0"/>
               <a:t>matches</a:t>
             </a:r>
             <a:r>
-              <a:rPr lang="zh-CN" altLang="en-US"/>
+              <a:rPr lang="zh-CN" altLang="en-US" dirty="0"/>
               <a:t> </a:t>
             </a:r>
             <a:r>
-              <a:rPr lang="en-US" altLang="zh-CN"/>
+              <a:rPr lang="en-US" altLang="zh-CN" dirty="0"/>
               <a:t>to</a:t>
             </a:r>
             <a:r>
-              <a:rPr lang="zh-CN" altLang="en-US"/>
+              <a:rPr lang="zh-CN" altLang="en-US" dirty="0"/>
               <a:t> </a:t>
             </a:r>
             <a:r>
-              <a:rPr lang="en-US" altLang="zh-CN"/>
+              <a:rPr lang="en-US" altLang="zh-CN" dirty="0"/>
               <a:t>one</a:t>
             </a:r>
             <a:r>
-              <a:rPr lang="zh-CN" altLang="en-US"/>
+              <a:rPr lang="zh-CN" altLang="en-US" dirty="0"/>
               <a:t> </a:t>
             </a:r>
             <a:r>
-              <a:rPr lang="en-US" altLang="zh-CN"/>
+              <a:rPr lang="en-US" altLang="zh-CN" dirty="0"/>
               <a:t>feature</a:t>
             </a:r>
           </a:p>
@@ -14916,167 +10918,167 @@
               <a:buChar char="-"/>
             </a:pPr>
             <a:r>
-              <a:rPr lang="en-US" altLang="zh-CN"/>
+              <a:rPr lang="en-US" altLang="zh-CN" dirty="0"/>
               <a:t>However,</a:t>
             </a:r>
             <a:r>
-              <a:rPr lang="zh-CN" altLang="en-US"/>
+              <a:rPr lang="zh-CN" altLang="en-US" dirty="0"/>
               <a:t> </a:t>
             </a:r>
             <a:r>
-              <a:rPr lang="en-US" altLang="zh-CN"/>
+              <a:rPr lang="en-US" altLang="zh-CN" dirty="0"/>
               <a:t>again,</a:t>
             </a:r>
             <a:r>
-              <a:rPr lang="zh-CN" altLang="en-US"/>
+              <a:rPr lang="zh-CN" altLang="en-US" dirty="0"/>
               <a:t> </a:t>
             </a:r>
             <a:r>
-              <a:rPr lang="en-US" altLang="zh-CN"/>
+              <a:rPr lang="en-US" altLang="zh-CN" dirty="0"/>
               <a:t>we</a:t>
             </a:r>
             <a:r>
-              <a:rPr lang="zh-CN" altLang="en-US"/>
+              <a:rPr lang="zh-CN" altLang="en-US" dirty="0"/>
               <a:t> </a:t>
             </a:r>
             <a:r>
-              <a:rPr lang="en-US" altLang="zh-CN"/>
+              <a:rPr lang="en-US" altLang="zh-CN" dirty="0"/>
               <a:t>don’t</a:t>
             </a:r>
             <a:r>
-              <a:rPr lang="zh-CN" altLang="en-US"/>
+              <a:rPr lang="zh-CN" altLang="en-US" dirty="0"/>
               <a:t> </a:t>
             </a:r>
             <a:r>
-              <a:rPr lang="en-US" altLang="zh-CN"/>
+              <a:rPr lang="en-US" altLang="zh-CN" dirty="0"/>
               <a:t>want</a:t>
             </a:r>
             <a:r>
-              <a:rPr lang="zh-CN" altLang="en-US"/>
+              <a:rPr lang="zh-CN" altLang="en-US" dirty="0"/>
               <a:t> </a:t>
             </a:r>
             <a:r>
-              <a:rPr lang="en-US" altLang="zh-CN"/>
+              <a:rPr lang="en-US" altLang="zh-CN" dirty="0"/>
               <a:t>to</a:t>
             </a:r>
             <a:r>
-              <a:rPr lang="zh-CN" altLang="en-US"/>
+              <a:rPr lang="zh-CN" altLang="en-US" dirty="0"/>
               <a:t> </a:t>
             </a:r>
             <a:r>
-              <a:rPr lang="en-US" altLang="zh-CN"/>
+              <a:rPr lang="en-US" altLang="zh-CN" dirty="0"/>
               <a:t>tell</a:t>
             </a:r>
             <a:r>
-              <a:rPr lang="zh-CN" altLang="en-US"/>
+              <a:rPr lang="zh-CN" altLang="en-US" dirty="0"/>
               <a:t> </a:t>
             </a:r>
             <a:r>
-              <a:rPr lang="en-US" altLang="zh-CN"/>
+              <a:rPr lang="en-US" altLang="zh-CN" dirty="0"/>
               <a:t>the</a:t>
             </a:r>
             <a:r>
-              <a:rPr lang="zh-CN" altLang="en-US"/>
+              <a:rPr lang="zh-CN" altLang="en-US" dirty="0"/>
               <a:t> </a:t>
             </a:r>
             <a:r>
-              <a:rPr lang="en-US" altLang="zh-CN"/>
+              <a:rPr lang="en-US" altLang="zh-CN" dirty="0"/>
               <a:t>model</a:t>
             </a:r>
             <a:r>
-              <a:rPr lang="zh-CN" altLang="en-US"/>
+              <a:rPr lang="zh-CN" altLang="en-US" dirty="0"/>
               <a:t> </a:t>
             </a:r>
             <a:r>
-              <a:rPr lang="en-US" altLang="zh-CN"/>
+              <a:rPr lang="en-US" altLang="zh-CN" dirty="0"/>
               <a:t>too</a:t>
             </a:r>
             <a:r>
-              <a:rPr lang="zh-CN" altLang="en-US"/>
+              <a:rPr lang="zh-CN" altLang="en-US" dirty="0"/>
               <a:t> </a:t>
             </a:r>
             <a:r>
-              <a:rPr lang="en-US" altLang="zh-CN"/>
+              <a:rPr lang="en-US" altLang="zh-CN" dirty="0"/>
               <a:t>much</a:t>
             </a:r>
             <a:r>
-              <a:rPr lang="zh-CN" altLang="en-US"/>
+              <a:rPr lang="zh-CN" altLang="en-US" dirty="0"/>
               <a:t> </a:t>
             </a:r>
             <a:r>
-              <a:rPr lang="en-US" altLang="zh-CN"/>
+              <a:rPr lang="en-US" altLang="zh-CN" dirty="0"/>
               <a:t>about</a:t>
             </a:r>
             <a:r>
-              <a:rPr lang="zh-CN" altLang="en-US"/>
+              <a:rPr lang="zh-CN" altLang="en-US" dirty="0"/>
               <a:t> </a:t>
             </a:r>
             <a:r>
-              <a:rPr lang="en-US" altLang="zh-CN"/>
+              <a:rPr lang="en-US" altLang="zh-CN" dirty="0"/>
               <a:t>“what</a:t>
             </a:r>
             <a:r>
-              <a:rPr lang="zh-CN" altLang="en-US"/>
+              <a:rPr lang="zh-CN" altLang="en-US" dirty="0"/>
               <a:t> </a:t>
             </a:r>
             <a:r>
-              <a:rPr lang="en-US" altLang="zh-CN"/>
+              <a:rPr lang="en-US" altLang="zh-CN" dirty="0"/>
               <a:t>not</a:t>
             </a:r>
             <a:r>
-              <a:rPr lang="zh-CN" altLang="en-US"/>
+              <a:rPr lang="zh-CN" altLang="en-US" dirty="0"/>
               <a:t> </a:t>
             </a:r>
             <a:r>
-              <a:rPr lang="en-US" altLang="zh-CN"/>
+              <a:rPr lang="en-US" altLang="zh-CN" dirty="0"/>
               <a:t>to</a:t>
             </a:r>
             <a:r>
-              <a:rPr lang="zh-CN" altLang="en-US"/>
+              <a:rPr lang="zh-CN" altLang="en-US" dirty="0"/>
               <a:t> </a:t>
             </a:r>
             <a:r>
-              <a:rPr lang="en-US" altLang="zh-CN"/>
+              <a:rPr lang="en-US" altLang="zh-CN" dirty="0"/>
               <a:t>do”,</a:t>
             </a:r>
             <a:r>
-              <a:rPr lang="zh-CN" altLang="en-US"/>
+              <a:rPr lang="zh-CN" altLang="en-US" dirty="0"/>
               <a:t> </a:t>
             </a:r>
             <a:r>
-              <a:rPr lang="en-US" altLang="zh-CN"/>
+              <a:rPr lang="en-US" altLang="zh-CN" dirty="0"/>
               <a:t>instead</a:t>
             </a:r>
             <a:r>
-              <a:rPr lang="zh-CN" altLang="en-US"/>
+              <a:rPr lang="zh-CN" altLang="en-US" dirty="0"/>
               <a:t> </a:t>
             </a:r>
             <a:r>
-              <a:rPr lang="en-US" altLang="zh-CN"/>
+              <a:rPr lang="en-US" altLang="zh-CN" dirty="0"/>
               <a:t>of</a:t>
             </a:r>
             <a:r>
-              <a:rPr lang="zh-CN" altLang="en-US"/>
+              <a:rPr lang="zh-CN" altLang="en-US" dirty="0"/>
               <a:t> </a:t>
             </a:r>
             <a:r>
-              <a:rPr lang="en-US" altLang="zh-CN"/>
+              <a:rPr lang="en-US" altLang="zh-CN" dirty="0"/>
               <a:t>what</a:t>
             </a:r>
             <a:r>
-              <a:rPr lang="zh-CN" altLang="en-US"/>
+              <a:rPr lang="zh-CN" altLang="en-US" dirty="0"/>
               <a:t> </a:t>
             </a:r>
             <a:r>
-              <a:rPr lang="en-US" altLang="zh-CN"/>
+              <a:rPr lang="en-US" altLang="zh-CN" dirty="0"/>
               <a:t>to</a:t>
             </a:r>
             <a:r>
-              <a:rPr lang="zh-CN" altLang="en-US"/>
+              <a:rPr lang="zh-CN" altLang="en-US" dirty="0"/>
               <a:t> </a:t>
             </a:r>
             <a:r>
-              <a:rPr lang="en-US" altLang="zh-CN"/>
+              <a:rPr lang="en-US" altLang="zh-CN" dirty="0"/>
               <a:t>do.</a:t>
             </a:r>
           </a:p>
@@ -15086,58 +11088,58 @@
               <a:buChar char="-"/>
             </a:pPr>
             <a:r>
-              <a:rPr lang="en-US" altLang="zh-CN"/>
+              <a:rPr lang="en-US" altLang="zh-CN" dirty="0"/>
               <a:t>Therefore,</a:t>
             </a:r>
             <a:r>
-              <a:rPr lang="zh-CN" altLang="en-US"/>
+              <a:rPr lang="zh-CN" altLang="en-US" dirty="0"/>
               <a:t> </a:t>
             </a:r>
             <a:r>
-              <a:rPr lang="en-US" altLang="zh-CN"/>
+              <a:rPr lang="en-US" altLang="zh-CN" dirty="0"/>
               <a:t>these</a:t>
             </a:r>
             <a:r>
-              <a:rPr lang="zh-CN" altLang="en-US"/>
+              <a:rPr lang="zh-CN" altLang="en-US" dirty="0"/>
               <a:t> </a:t>
             </a:r>
             <a:r>
-              <a:rPr lang="en-US" altLang="zh-CN"/>
+              <a:rPr lang="en-US" altLang="zh-CN" dirty="0"/>
               <a:t>features</a:t>
             </a:r>
             <a:r>
-              <a:rPr lang="zh-CN" altLang="en-US"/>
+              <a:rPr lang="zh-CN" altLang="en-US" dirty="0"/>
               <a:t> </a:t>
             </a:r>
             <a:r>
-              <a:rPr lang="en-US" altLang="zh-CN"/>
+              <a:rPr lang="en-US" altLang="zh-CN" dirty="0"/>
               <a:t>are</a:t>
             </a:r>
             <a:r>
-              <a:rPr lang="zh-CN" altLang="en-US"/>
+              <a:rPr lang="zh-CN" altLang="en-US" dirty="0"/>
               <a:t> </a:t>
             </a:r>
             <a:r>
-              <a:rPr lang="en-US" altLang="zh-CN"/>
+              <a:rPr lang="en-US" altLang="zh-CN" dirty="0"/>
               <a:t>merged</a:t>
             </a:r>
             <a:r>
-              <a:rPr lang="zh-CN" altLang="en-US"/>
+              <a:rPr lang="zh-CN" altLang="en-US" dirty="0"/>
               <a:t> </a:t>
             </a:r>
             <a:r>
-              <a:rPr lang="en-US" altLang="zh-CN"/>
+              <a:rPr lang="en-US" altLang="zh-CN" dirty="0"/>
               <a:t>into</a:t>
             </a:r>
             <a:r>
-              <a:rPr lang="zh-CN" altLang="en-US"/>
+              <a:rPr lang="zh-CN" altLang="en-US" dirty="0"/>
               <a:t> </a:t>
             </a:r>
             <a:r>
-              <a:rPr lang="en-US" altLang="zh-CN"/>
+              <a:rPr lang="en-US" altLang="zh-CN" dirty="0"/>
               <a:t>one.</a:t>
             </a:r>
-            <a:endParaRPr lang="en-US"/>
+            <a:endParaRPr lang="en-US" dirty="0"/>
           </a:p>
         </p:txBody>
       </p:sp>
@@ -16557,6 +12559,70 @@
           </a:fontRef>
         </p:style>
       </p:cxnSp>
+      <p:sp>
+        <p:nvSpPr>
+          <p:cNvPr id="13" name="Title 1">
+            <a:extLst>
+              <a:ext uri="{FF2B5EF4-FFF2-40B4-BE49-F238E27FC236}">
+                <a16:creationId xmlns:a16="http://schemas.microsoft.com/office/drawing/2014/main" id="{B29B8D1D-C9A2-4DF2-8385-789FB1AB2056}"/>
+              </a:ext>
+            </a:extLst>
+          </p:cNvPr>
+          <p:cNvSpPr>
+            <a:spLocks noGrp="1"/>
+          </p:cNvSpPr>
+          <p:nvPr>
+            <p:ph type="title"/>
+          </p:nvPr>
+        </p:nvSpPr>
+        <p:spPr>
+          <a:xfrm>
+            <a:off x="311150" y="444500"/>
+            <a:ext cx="8832850" cy="573088"/>
+          </a:xfrm>
+        </p:spPr>
+        <p:txBody>
+          <a:bodyPr>
+            <a:normAutofit fontScale="90000"/>
+          </a:bodyPr>
+          <a:lstStyle/>
+          <a:p>
+            <a:r>
+              <a:rPr lang="zh-CN" dirty="0"/>
+              <a:t>/ </a:t>
+            </a:r>
+            <a:r>
+              <a:rPr lang="en-GB" altLang="zh-CN" dirty="0"/>
+              <a:t>Feature Selection / Improvements </a:t>
+            </a:r>
+            <a:r>
+              <a:rPr lang="zh-CN" dirty="0"/>
+              <a:t>/ </a:t>
+            </a:r>
+            <a:r>
+              <a:rPr lang="en-US" altLang="zh-CN" dirty="0"/>
+              <a:t>Merge</a:t>
+            </a:r>
+            <a:r>
+              <a:rPr lang="zh-CN" altLang="en-US" dirty="0"/>
+              <a:t> </a:t>
+            </a:r>
+            <a:r>
+              <a:rPr lang="en-US" altLang="zh-CN" dirty="0"/>
+              <a:t>Library</a:t>
+            </a:r>
+            <a:r>
+              <a:rPr lang="zh-CN" altLang="en-US" dirty="0"/>
+              <a:t> </a:t>
+            </a:r>
+            <a:r>
+              <a:rPr lang="en-US" altLang="zh-CN" dirty="0"/>
+              <a:t>Features</a:t>
+            </a:r>
+            <a:endParaRPr lang="en-CN" dirty="0"/>
+          </a:p>
+        </p:txBody>
+      </p:sp>
     </p:spTree>
     <p:extLst>
       <p:ext uri="{BB962C8B-B14F-4D97-AF65-F5344CB8AC3E}">
@@ -16570,7 +12636,7 @@
 </p:sld>
 </file>
 
-<file path=ppt/slides/slide21.xml><?xml version="1.0" encoding="utf-8"?>
+<file path=ppt/slides/slide12.xml><?xml version="1.0" encoding="utf-8"?>
 <p:sld xmlns:a="http://schemas.openxmlformats.org/drawingml/2006/main" xmlns:r="http://schemas.openxmlformats.org/officeDocument/2006/relationships" xmlns:p="http://schemas.openxmlformats.org/presentationml/2006/main">
   <p:cSld>
     <p:spTree>
@@ -16603,7 +12669,12 @@
             <p:ph type="title"/>
           </p:nvPr>
         </p:nvSpPr>
-        <p:spPr/>
+        <p:spPr>
+          <a:xfrm>
+            <a:off x="311700" y="445025"/>
+            <a:ext cx="8832300" cy="572700"/>
+          </a:xfrm>
+        </p:spPr>
         <p:txBody>
           <a:bodyPr>
             <a:normAutofit fontScale="90000"/>
@@ -16611,30 +12682,38 @@
           <a:lstStyle/>
           <a:p>
             <a:r>
-              <a:rPr lang="zh-CN"/>
-              <a:t>/ Evaluations and Demo / </a:t>
-            </a:r>
-            <a:r>
-              <a:rPr lang="en-US" altLang="zh-CN"/>
+              <a:rPr lang="zh-CN" dirty="0"/>
+              <a:t>/ </a:t>
+            </a:r>
+            <a:r>
+              <a:rPr lang="en-GB" altLang="zh-CN" dirty="0"/>
+              <a:t>Feature Selection / Improvements </a:t>
+            </a:r>
+            <a:r>
+              <a:rPr lang="zh-CN" dirty="0"/>
+              <a:t>/ </a:t>
+            </a:r>
+            <a:r>
+              <a:rPr lang="en-US" altLang="zh-CN" dirty="0"/>
               <a:t>Merge</a:t>
             </a:r>
             <a:r>
-              <a:rPr lang="zh-CN" altLang="en-US"/>
+              <a:rPr lang="zh-CN" altLang="en-US" dirty="0"/>
               <a:t> </a:t>
             </a:r>
             <a:r>
-              <a:rPr lang="en-US" altLang="zh-CN"/>
+              <a:rPr lang="en-US" altLang="zh-CN" dirty="0"/>
               <a:t>Library</a:t>
             </a:r>
             <a:r>
-              <a:rPr lang="zh-CN" altLang="en-US"/>
+              <a:rPr lang="zh-CN" altLang="en-US" dirty="0"/>
               <a:t> </a:t>
             </a:r>
             <a:r>
-              <a:rPr lang="en-US" altLang="zh-CN"/>
+              <a:rPr lang="en-US" altLang="zh-CN" dirty="0"/>
               <a:t>Features</a:t>
             </a:r>
-            <a:endParaRPr lang="en-CN"/>
+            <a:endParaRPr lang="en-CN" dirty="0"/>
           </a:p>
         </p:txBody>
       </p:sp>
@@ -18477,7 +14556,4190 @@
 </p:sld>
 </file>
 
+<file path=ppt/slides/slide13.xml><?xml version="1.0" encoding="utf-8"?>
+<p:sld xmlns:a="http://schemas.openxmlformats.org/drawingml/2006/main" xmlns:r="http://schemas.openxmlformats.org/officeDocument/2006/relationships" xmlns:p="http://schemas.openxmlformats.org/presentationml/2006/main">
+  <p:cSld>
+    <p:spTree>
+      <p:nvGrpSpPr>
+        <p:cNvPr id="1" name="Shape 149"/>
+        <p:cNvGrpSpPr/>
+        <p:nvPr/>
+      </p:nvGrpSpPr>
+      <p:grpSpPr>
+        <a:xfrm>
+          <a:off x="0" y="0"/>
+          <a:ext cx="0" cy="0"/>
+          <a:chOff x="0" y="0"/>
+          <a:chExt cx="0" cy="0"/>
+        </a:xfrm>
+      </p:grpSpPr>
+      <p:grpSp>
+        <p:nvGrpSpPr>
+          <p:cNvPr id="150" name="Google Shape;150;p22"/>
+          <p:cNvGrpSpPr/>
+          <p:nvPr/>
+        </p:nvGrpSpPr>
+        <p:grpSpPr>
+          <a:xfrm>
+            <a:off x="3583700" y="1922175"/>
+            <a:ext cx="2033700" cy="1596600"/>
+            <a:chOff x="3555150" y="1914800"/>
+            <a:chExt cx="2033700" cy="1596600"/>
+          </a:xfrm>
+        </p:grpSpPr>
+        <p:pic>
+          <p:nvPicPr>
+            <p:cNvPr id="151" name="Google Shape;151;p22"/>
+            <p:cNvPicPr preferRelativeResize="0"/>
+            <p:nvPr/>
+          </p:nvPicPr>
+          <p:blipFill>
+            <a:blip r:embed="rId3">
+              <a:alphaModFix/>
+            </a:blip>
+            <a:stretch>
+              <a:fillRect/>
+            </a:stretch>
+          </p:blipFill>
+          <p:spPr>
+            <a:xfrm>
+              <a:off x="3887525" y="1914800"/>
+              <a:ext cx="1368950" cy="898375"/>
+            </a:xfrm>
+            <a:prstGeom prst="rect">
+              <a:avLst/>
+            </a:prstGeom>
+            <a:noFill/>
+            <a:ln>
+              <a:noFill/>
+            </a:ln>
+          </p:spPr>
+        </p:pic>
+        <p:sp>
+          <p:nvSpPr>
+            <p:cNvPr id="152" name="Google Shape;152;p22"/>
+            <p:cNvSpPr txBox="1"/>
+            <p:nvPr/>
+          </p:nvSpPr>
+          <p:spPr>
+            <a:xfrm>
+              <a:off x="3555150" y="2864900"/>
+              <a:ext cx="2033700" cy="646500"/>
+            </a:xfrm>
+            <a:prstGeom prst="rect">
+              <a:avLst/>
+            </a:prstGeom>
+            <a:noFill/>
+            <a:ln>
+              <a:noFill/>
+            </a:ln>
+          </p:spPr>
+          <p:txBody>
+            <a:bodyPr spcFirstLastPara="1" wrap="square" lIns="91425" tIns="91425" rIns="91425" bIns="91425" anchor="t" anchorCtr="0">
+              <a:spAutoFit/>
+            </a:bodyPr>
+            <a:lstStyle/>
+            <a:p>
+              <a:pPr marL="0" lvl="0" indent="0" algn="ctr" rtl="0">
+                <a:spcBef>
+                  <a:spcPts val="0"/>
+                </a:spcBef>
+                <a:spcAft>
+                  <a:spcPts val="0"/>
+                </a:spcAft>
+                <a:buNone/>
+              </a:pPr>
+              <a:r>
+                <a:rPr lang="zh-CN" sz="1500" b="1">
+                  <a:solidFill>
+                    <a:schemeClr val="dk1"/>
+                  </a:solidFill>
+                </a:rPr>
+                <a:t>Frontend-Server Model</a:t>
+              </a:r>
+              <a:endParaRPr sz="1500" b="1">
+                <a:solidFill>
+                  <a:schemeClr val="dk1"/>
+                </a:solidFill>
+              </a:endParaRPr>
+            </a:p>
+          </p:txBody>
+        </p:sp>
+      </p:grpSp>
+    </p:spTree>
+  </p:cSld>
+  <p:clrMapOvr>
+    <a:masterClrMapping/>
+  </p:clrMapOvr>
+  <mc:AlternateContent xmlns:mc="http://schemas.openxmlformats.org/markup-compatibility/2006" xmlns:p14="http://schemas.microsoft.com/office/powerpoint/2010/main">
+    <mc:Choice Requires="p14">
+      <p:transition spd="med">
+        <p14:prism/>
+      </p:transition>
+    </mc:Choice>
+    <mc:Fallback xmlns:ahyp="http://schemas.microsoft.com/office/drawing/2018/hyperlinkcolor" xmlns:p15="http://schemas.microsoft.com/office/powerpoint/2012/main" xmlns:com="http://schemas.openxmlformats.org/drawingml/2006/compatibility" xmlns:pvml="urn:schemas-microsoft-com:office:powerpoint" xmlns:v="urn:schemas-microsoft-com:vml" xmlns:o="urn:schemas-microsoft-com:office:office" xmlns:dgm="http://schemas.openxmlformats.org/drawingml/2006/diagram" xmlns:c="http://schemas.openxmlformats.org/drawingml/2006/chart" xmlns:mv="urn:schemas-microsoft-com:mac:vml" xmlns="">
+      <p:transition spd="med">
+        <p:fade/>
+      </p:transition>
+    </mc:Fallback>
+  </mc:AlternateContent>
+</p:sld>
+</file>
+
+<file path=ppt/slides/slide14.xml><?xml version="1.0" encoding="utf-8"?>
+<p:sld xmlns:a="http://schemas.openxmlformats.org/drawingml/2006/main" xmlns:r="http://schemas.openxmlformats.org/officeDocument/2006/relationships" xmlns:p="http://schemas.openxmlformats.org/presentationml/2006/main">
+  <p:cSld>
+    <p:spTree>
+      <p:nvGrpSpPr>
+        <p:cNvPr id="1" name="Shape 156"/>
+        <p:cNvGrpSpPr/>
+        <p:nvPr/>
+      </p:nvGrpSpPr>
+      <p:grpSpPr>
+        <a:xfrm>
+          <a:off x="0" y="0"/>
+          <a:ext cx="0" cy="0"/>
+          <a:chOff x="0" y="0"/>
+          <a:chExt cx="0" cy="0"/>
+        </a:xfrm>
+      </p:grpSpPr>
+      <p:sp>
+        <p:nvSpPr>
+          <p:cNvPr id="157" name="Google Shape;157;p23"/>
+          <p:cNvSpPr txBox="1">
+            <a:spLocks noGrp="1"/>
+          </p:cNvSpPr>
+          <p:nvPr>
+            <p:ph type="title"/>
+          </p:nvPr>
+        </p:nvSpPr>
+        <p:spPr>
+          <a:xfrm>
+            <a:off x="311700" y="445025"/>
+            <a:ext cx="8520600" cy="572700"/>
+          </a:xfrm>
+          <a:prstGeom prst="rect">
+            <a:avLst/>
+          </a:prstGeom>
+        </p:spPr>
+        <p:txBody>
+          <a:bodyPr spcFirstLastPara="1" wrap="square" lIns="91425" tIns="91425" rIns="91425" bIns="91425" anchor="t" anchorCtr="0">
+            <a:normAutofit fontScale="90000"/>
+          </a:bodyPr>
+          <a:lstStyle/>
+          <a:p>
+            <a:pPr marL="0" lvl="0" indent="0" algn="l" rtl="0">
+              <a:spcBef>
+                <a:spcPts val="0"/>
+              </a:spcBef>
+              <a:spcAft>
+                <a:spcPts val="0"/>
+              </a:spcAft>
+              <a:buNone/>
+            </a:pPr>
+            <a:r>
+              <a:rPr lang="zh-CN"/>
+              <a:t>/ Frontend-Server Model</a:t>
+            </a:r>
+            <a:endParaRPr/>
+          </a:p>
+        </p:txBody>
+      </p:sp>
+      <p:grpSp>
+        <p:nvGrpSpPr>
+          <p:cNvPr id="2" name="组合 1">
+            <a:extLst>
+              <a:ext uri="{FF2B5EF4-FFF2-40B4-BE49-F238E27FC236}">
+                <a16:creationId xmlns:a16="http://schemas.microsoft.com/office/drawing/2014/main" id="{3C5ED833-97D9-4AB9-DC7D-9050F9FC32B4}"/>
+              </a:ext>
+            </a:extLst>
+          </p:cNvPr>
+          <p:cNvGrpSpPr/>
+          <p:nvPr/>
+        </p:nvGrpSpPr>
+        <p:grpSpPr>
+          <a:xfrm>
+            <a:off x="1308150" y="1554200"/>
+            <a:ext cx="2146074" cy="2129588"/>
+            <a:chOff x="1308150" y="1554200"/>
+            <a:chExt cx="2146074" cy="2129588"/>
+          </a:xfrm>
+        </p:grpSpPr>
+        <p:sp>
+          <p:nvSpPr>
+            <p:cNvPr id="158" name="Google Shape;158;p23"/>
+            <p:cNvSpPr txBox="1"/>
+            <p:nvPr/>
+          </p:nvSpPr>
+          <p:spPr>
+            <a:xfrm>
+              <a:off x="1332088" y="3160588"/>
+              <a:ext cx="2098200" cy="523200"/>
+            </a:xfrm>
+            <a:prstGeom prst="rect">
+              <a:avLst/>
+            </a:prstGeom>
+            <a:noFill/>
+            <a:ln>
+              <a:noFill/>
+            </a:ln>
+          </p:spPr>
+          <p:txBody>
+            <a:bodyPr spcFirstLastPara="1" wrap="square" lIns="91425" tIns="91425" rIns="91425" bIns="91425" anchor="t" anchorCtr="0">
+              <a:spAutoFit/>
+            </a:bodyPr>
+            <a:lstStyle/>
+            <a:p>
+              <a:pPr marL="0" lvl="0" indent="0" algn="ctr" rtl="0">
+                <a:spcBef>
+                  <a:spcPts val="0"/>
+                </a:spcBef>
+                <a:spcAft>
+                  <a:spcPts val="0"/>
+                </a:spcAft>
+                <a:buNone/>
+              </a:pPr>
+              <a:r>
+                <a:rPr lang="zh-CN" sz="1300" b="1">
+                  <a:solidFill>
+                    <a:schemeClr val="dk1"/>
+                  </a:solidFill>
+                </a:rPr>
+                <a:t>Frontend Framework</a:t>
+              </a:r>
+              <a:endParaRPr sz="1300" b="1">
+                <a:solidFill>
+                  <a:schemeClr val="dk1"/>
+                </a:solidFill>
+              </a:endParaRPr>
+            </a:p>
+            <a:p>
+              <a:pPr marL="0" lvl="0" indent="0" algn="ctr" rtl="0">
+                <a:spcBef>
+                  <a:spcPts val="0"/>
+                </a:spcBef>
+                <a:spcAft>
+                  <a:spcPts val="0"/>
+                </a:spcAft>
+                <a:buNone/>
+              </a:pPr>
+              <a:r>
+                <a:rPr lang="zh-CN" sz="900">
+                  <a:solidFill>
+                    <a:schemeClr val="dk1"/>
+                  </a:solidFill>
+                </a:rPr>
+                <a:t>HTML + CSS + JS</a:t>
+              </a:r>
+              <a:endParaRPr sz="900">
+                <a:solidFill>
+                  <a:schemeClr val="dk1"/>
+                </a:solidFill>
+              </a:endParaRPr>
+            </a:p>
+          </p:txBody>
+        </p:sp>
+        <p:pic>
+          <p:nvPicPr>
+            <p:cNvPr id="159" name="Google Shape;159;p23"/>
+            <p:cNvPicPr preferRelativeResize="0"/>
+            <p:nvPr/>
+          </p:nvPicPr>
+          <p:blipFill>
+            <a:blip r:embed="rId3">
+              <a:alphaModFix/>
+            </a:blip>
+            <a:stretch>
+              <a:fillRect/>
+            </a:stretch>
+          </p:blipFill>
+          <p:spPr>
+            <a:xfrm>
+              <a:off x="1308150" y="1554200"/>
+              <a:ext cx="2146074" cy="1606400"/>
+            </a:xfrm>
+            <a:prstGeom prst="rect">
+              <a:avLst/>
+            </a:prstGeom>
+            <a:noFill/>
+            <a:ln>
+              <a:noFill/>
+            </a:ln>
+          </p:spPr>
+        </p:pic>
+      </p:grpSp>
+      <p:grpSp>
+        <p:nvGrpSpPr>
+          <p:cNvPr id="3" name="组合 2">
+            <a:extLst>
+              <a:ext uri="{FF2B5EF4-FFF2-40B4-BE49-F238E27FC236}">
+                <a16:creationId xmlns:a16="http://schemas.microsoft.com/office/drawing/2014/main" id="{1CF506D1-3730-50D1-B532-BC50C9DB7354}"/>
+              </a:ext>
+            </a:extLst>
+          </p:cNvPr>
+          <p:cNvGrpSpPr/>
+          <p:nvPr/>
+        </p:nvGrpSpPr>
+        <p:grpSpPr>
+          <a:xfrm>
+            <a:off x="5737650" y="1808471"/>
+            <a:ext cx="2098200" cy="1875317"/>
+            <a:chOff x="5737650" y="1808471"/>
+            <a:chExt cx="2098200" cy="1875317"/>
+          </a:xfrm>
+        </p:grpSpPr>
+        <p:sp>
+          <p:nvSpPr>
+            <p:cNvPr id="160" name="Google Shape;160;p23"/>
+            <p:cNvSpPr txBox="1"/>
+            <p:nvPr/>
+          </p:nvSpPr>
+          <p:spPr>
+            <a:xfrm>
+              <a:off x="5737650" y="3160588"/>
+              <a:ext cx="2098200" cy="523200"/>
+            </a:xfrm>
+            <a:prstGeom prst="rect">
+              <a:avLst/>
+            </a:prstGeom>
+            <a:noFill/>
+            <a:ln>
+              <a:noFill/>
+            </a:ln>
+          </p:spPr>
+          <p:txBody>
+            <a:bodyPr spcFirstLastPara="1" wrap="square" lIns="91425" tIns="91425" rIns="91425" bIns="91425" anchor="t" anchorCtr="0">
+              <a:spAutoFit/>
+            </a:bodyPr>
+            <a:lstStyle/>
+            <a:p>
+              <a:pPr marL="0" lvl="0" indent="0" algn="ctr" rtl="0">
+                <a:spcBef>
+                  <a:spcPts val="0"/>
+                </a:spcBef>
+                <a:spcAft>
+                  <a:spcPts val="0"/>
+                </a:spcAft>
+                <a:buNone/>
+              </a:pPr>
+              <a:r>
+                <a:rPr lang="zh-CN" sz="1300" b="1">
+                  <a:solidFill>
+                    <a:schemeClr val="dk1"/>
+                  </a:solidFill>
+                </a:rPr>
+                <a:t>Backend Framework</a:t>
+              </a:r>
+              <a:endParaRPr sz="1300" b="1">
+                <a:solidFill>
+                  <a:schemeClr val="dk1"/>
+                </a:solidFill>
+              </a:endParaRPr>
+            </a:p>
+            <a:p>
+              <a:pPr marL="0" lvl="0" indent="0" algn="ctr" rtl="0">
+                <a:spcBef>
+                  <a:spcPts val="0"/>
+                </a:spcBef>
+                <a:spcAft>
+                  <a:spcPts val="0"/>
+                </a:spcAft>
+                <a:buNone/>
+              </a:pPr>
+              <a:r>
+                <a:rPr lang="zh-CN" sz="900">
+                  <a:solidFill>
+                    <a:schemeClr val="dk1"/>
+                  </a:solidFill>
+                </a:rPr>
+                <a:t>Django + Python</a:t>
+              </a:r>
+              <a:endParaRPr sz="900">
+                <a:solidFill>
+                  <a:schemeClr val="dk1"/>
+                </a:solidFill>
+              </a:endParaRPr>
+            </a:p>
+          </p:txBody>
+        </p:sp>
+        <p:pic>
+          <p:nvPicPr>
+            <p:cNvPr id="161" name="Google Shape;161;p23"/>
+            <p:cNvPicPr preferRelativeResize="0"/>
+            <p:nvPr/>
+          </p:nvPicPr>
+          <p:blipFill>
+            <a:blip r:embed="rId4">
+              <a:alphaModFix/>
+            </a:blip>
+            <a:stretch>
+              <a:fillRect/>
+            </a:stretch>
+          </p:blipFill>
+          <p:spPr>
+            <a:xfrm>
+              <a:off x="5908474" y="1808471"/>
+              <a:ext cx="1756575" cy="1097875"/>
+            </a:xfrm>
+            <a:prstGeom prst="rect">
+              <a:avLst/>
+            </a:prstGeom>
+            <a:noFill/>
+            <a:ln>
+              <a:noFill/>
+            </a:ln>
+          </p:spPr>
+        </p:pic>
+      </p:grpSp>
+    </p:spTree>
+  </p:cSld>
+  <p:clrMapOvr>
+    <a:masterClrMapping/>
+  </p:clrMapOvr>
+  <p:transition spd="slow">
+    <p:push dir="u"/>
+  </p:transition>
+</p:sld>
+</file>
+
+<file path=ppt/slides/slide15.xml><?xml version="1.0" encoding="utf-8"?>
+<p:sld xmlns:a="http://schemas.openxmlformats.org/drawingml/2006/main" xmlns:r="http://schemas.openxmlformats.org/officeDocument/2006/relationships" xmlns:p="http://schemas.openxmlformats.org/presentationml/2006/main">
+  <p:cSld>
+    <p:spTree>
+      <p:nvGrpSpPr>
+        <p:cNvPr id="1" name="Shape 165"/>
+        <p:cNvGrpSpPr/>
+        <p:nvPr/>
+      </p:nvGrpSpPr>
+      <p:grpSpPr>
+        <a:xfrm>
+          <a:off x="0" y="0"/>
+          <a:ext cx="0" cy="0"/>
+          <a:chOff x="0" y="0"/>
+          <a:chExt cx="0" cy="0"/>
+        </a:xfrm>
+      </p:grpSpPr>
+      <p:sp>
+        <p:nvSpPr>
+          <p:cNvPr id="166" name="Google Shape;166;p24"/>
+          <p:cNvSpPr txBox="1">
+            <a:spLocks noGrp="1"/>
+          </p:cNvSpPr>
+          <p:nvPr>
+            <p:ph type="title"/>
+          </p:nvPr>
+        </p:nvSpPr>
+        <p:spPr>
+          <a:xfrm>
+            <a:off x="311700" y="445025"/>
+            <a:ext cx="8520600" cy="572700"/>
+          </a:xfrm>
+          <a:prstGeom prst="rect">
+            <a:avLst/>
+          </a:prstGeom>
+        </p:spPr>
+        <p:txBody>
+          <a:bodyPr spcFirstLastPara="1" wrap="square" lIns="91425" tIns="91425" rIns="91425" bIns="91425" anchor="t" anchorCtr="0">
+            <a:normAutofit fontScale="90000"/>
+          </a:bodyPr>
+          <a:lstStyle/>
+          <a:p>
+            <a:pPr marL="0" lvl="0" indent="0" algn="l" rtl="0">
+              <a:spcBef>
+                <a:spcPts val="0"/>
+              </a:spcBef>
+              <a:spcAft>
+                <a:spcPts val="0"/>
+              </a:spcAft>
+              <a:buNone/>
+            </a:pPr>
+            <a:r>
+              <a:rPr lang="zh-CN"/>
+              <a:t>/ Frontend-Server Model / Frontend Framework</a:t>
+            </a:r>
+            <a:endParaRPr/>
+          </a:p>
+        </p:txBody>
+      </p:sp>
+      <p:sp>
+        <p:nvSpPr>
+          <p:cNvPr id="170" name="Google Shape;170;p24"/>
+          <p:cNvSpPr txBox="1">
+            <a:spLocks noGrp="1"/>
+          </p:cNvSpPr>
+          <p:nvPr>
+            <p:ph type="body" idx="4294967295"/>
+          </p:nvPr>
+        </p:nvSpPr>
+        <p:spPr>
+          <a:xfrm>
+            <a:off x="2864300" y="1152475"/>
+            <a:ext cx="5967900" cy="3416400"/>
+          </a:xfrm>
+          <a:prstGeom prst="rect">
+            <a:avLst/>
+          </a:prstGeom>
+        </p:spPr>
+        <p:txBody>
+          <a:bodyPr spcFirstLastPara="1" wrap="square" lIns="91425" tIns="91425" rIns="91425" bIns="91425" anchor="t" anchorCtr="0">
+            <a:normAutofit/>
+          </a:bodyPr>
+          <a:lstStyle/>
+          <a:p>
+            <a:pPr marL="0" lvl="0" indent="0" algn="l" rtl="0">
+              <a:spcBef>
+                <a:spcPts val="0"/>
+              </a:spcBef>
+              <a:spcAft>
+                <a:spcPts val="0"/>
+              </a:spcAft>
+              <a:buNone/>
+            </a:pPr>
+            <a:r>
+              <a:rPr lang="zh-CN" b="1">
+                <a:solidFill>
+                  <a:schemeClr val="dk1"/>
+                </a:solidFill>
+              </a:rPr>
+              <a:t>HTML + CSS: </a:t>
+            </a:r>
+            <a:endParaRPr b="1">
+              <a:solidFill>
+                <a:schemeClr val="dk1"/>
+              </a:solidFill>
+            </a:endParaRPr>
+          </a:p>
+          <a:p>
+            <a:pPr marL="457200" lvl="0" indent="-342900" algn="l" rtl="0">
+              <a:spcBef>
+                <a:spcPts val="1200"/>
+              </a:spcBef>
+              <a:spcAft>
+                <a:spcPts val="0"/>
+              </a:spcAft>
+              <a:buClr>
+                <a:srgbClr val="9E9E9E"/>
+              </a:buClr>
+              <a:buSzPts val="1800"/>
+              <a:buChar char="-"/>
+            </a:pPr>
+            <a:r>
+              <a:rPr lang="zh-CN">
+                <a:solidFill>
+                  <a:srgbClr val="9E9E9E"/>
+                </a:solidFill>
+              </a:rPr>
+              <a:t>Structure &amp; Style of website.</a:t>
+            </a:r>
+            <a:endParaRPr>
+              <a:solidFill>
+                <a:srgbClr val="9E9E9E"/>
+              </a:solidFill>
+            </a:endParaRPr>
+          </a:p>
+          <a:p>
+            <a:pPr marL="0" lvl="0" indent="0" algn="l" rtl="0">
+              <a:spcBef>
+                <a:spcPts val="1200"/>
+              </a:spcBef>
+              <a:spcAft>
+                <a:spcPts val="0"/>
+              </a:spcAft>
+              <a:buNone/>
+            </a:pPr>
+            <a:r>
+              <a:rPr lang="zh-CN" b="1">
+                <a:solidFill>
+                  <a:schemeClr val="dk1"/>
+                </a:solidFill>
+              </a:rPr>
+              <a:t>JavaScript: </a:t>
+            </a:r>
+            <a:endParaRPr b="1">
+              <a:solidFill>
+                <a:schemeClr val="dk1"/>
+              </a:solidFill>
+            </a:endParaRPr>
+          </a:p>
+          <a:p>
+            <a:pPr marL="457200" lvl="0" indent="-342900" algn="l" rtl="0">
+              <a:spcBef>
+                <a:spcPts val="1200"/>
+              </a:spcBef>
+              <a:spcAft>
+                <a:spcPts val="0"/>
+              </a:spcAft>
+              <a:buClr>
+                <a:srgbClr val="9E9E9E"/>
+              </a:buClr>
+              <a:buSzPts val="1800"/>
+              <a:buChar char="-"/>
+            </a:pPr>
+            <a:r>
+              <a:rPr lang="zh-CN">
+                <a:solidFill>
+                  <a:srgbClr val="9E9E9E"/>
+                </a:solidFill>
+              </a:rPr>
+              <a:t>Defines how the input query is submitted to the backend (XMLHTTPRequest, etc).</a:t>
+            </a:r>
+            <a:endParaRPr>
+              <a:solidFill>
+                <a:srgbClr val="9E9E9E"/>
+              </a:solidFill>
+            </a:endParaRPr>
+          </a:p>
+          <a:p>
+            <a:pPr marL="457200" lvl="0" indent="-342900" algn="l" rtl="0">
+              <a:spcBef>
+                <a:spcPts val="0"/>
+              </a:spcBef>
+              <a:spcAft>
+                <a:spcPts val="0"/>
+              </a:spcAft>
+              <a:buClr>
+                <a:srgbClr val="9E9E9E"/>
+              </a:buClr>
+              <a:buSzPts val="1800"/>
+              <a:buChar char="-"/>
+            </a:pPr>
+            <a:r>
+              <a:rPr lang="zh-CN">
+                <a:solidFill>
+                  <a:srgbClr val="9E9E9E"/>
+                </a:solidFill>
+              </a:rPr>
+              <a:t>Define how the response from the server is handled.</a:t>
+            </a:r>
+            <a:endParaRPr>
+              <a:solidFill>
+                <a:srgbClr val="9E9E9E"/>
+              </a:solidFill>
+            </a:endParaRPr>
+          </a:p>
+        </p:txBody>
+      </p:sp>
+      <p:grpSp>
+        <p:nvGrpSpPr>
+          <p:cNvPr id="5" name="组合 4">
+            <a:extLst>
+              <a:ext uri="{FF2B5EF4-FFF2-40B4-BE49-F238E27FC236}">
+                <a16:creationId xmlns:a16="http://schemas.microsoft.com/office/drawing/2014/main" id="{C0E4A83D-1017-73D6-5E91-936B58A8941B}"/>
+              </a:ext>
+            </a:extLst>
+          </p:cNvPr>
+          <p:cNvGrpSpPr/>
+          <p:nvPr/>
+        </p:nvGrpSpPr>
+        <p:grpSpPr>
+          <a:xfrm>
+            <a:off x="311700" y="1554200"/>
+            <a:ext cx="2146074" cy="2129588"/>
+            <a:chOff x="1308150" y="1554200"/>
+            <a:chExt cx="2146074" cy="2129588"/>
+          </a:xfrm>
+        </p:grpSpPr>
+        <p:sp>
+          <p:nvSpPr>
+            <p:cNvPr id="6" name="Google Shape;158;p23">
+              <a:extLst>
+                <a:ext uri="{FF2B5EF4-FFF2-40B4-BE49-F238E27FC236}">
+                  <a16:creationId xmlns:a16="http://schemas.microsoft.com/office/drawing/2014/main" id="{DEA960A6-9D88-934A-8B08-6C60E47EF5C9}"/>
+                </a:ext>
+              </a:extLst>
+            </p:cNvPr>
+            <p:cNvSpPr txBox="1"/>
+            <p:nvPr/>
+          </p:nvSpPr>
+          <p:spPr>
+            <a:xfrm>
+              <a:off x="1332088" y="3160588"/>
+              <a:ext cx="2098200" cy="523200"/>
+            </a:xfrm>
+            <a:prstGeom prst="rect">
+              <a:avLst/>
+            </a:prstGeom>
+            <a:noFill/>
+            <a:ln>
+              <a:noFill/>
+            </a:ln>
+          </p:spPr>
+          <p:txBody>
+            <a:bodyPr spcFirstLastPara="1" wrap="square" lIns="91425" tIns="91425" rIns="91425" bIns="91425" anchor="t" anchorCtr="0">
+              <a:spAutoFit/>
+            </a:bodyPr>
+            <a:lstStyle/>
+            <a:p>
+              <a:pPr marL="0" lvl="0" indent="0" algn="ctr" rtl="0">
+                <a:spcBef>
+                  <a:spcPts val="0"/>
+                </a:spcBef>
+                <a:spcAft>
+                  <a:spcPts val="0"/>
+                </a:spcAft>
+                <a:buNone/>
+              </a:pPr>
+              <a:r>
+                <a:rPr lang="zh-CN" sz="1300" b="1">
+                  <a:solidFill>
+                    <a:schemeClr val="dk1"/>
+                  </a:solidFill>
+                </a:rPr>
+                <a:t>Frontend Framework</a:t>
+              </a:r>
+              <a:endParaRPr sz="1300" b="1">
+                <a:solidFill>
+                  <a:schemeClr val="dk1"/>
+                </a:solidFill>
+              </a:endParaRPr>
+            </a:p>
+            <a:p>
+              <a:pPr marL="0" lvl="0" indent="0" algn="ctr" rtl="0">
+                <a:spcBef>
+                  <a:spcPts val="0"/>
+                </a:spcBef>
+                <a:spcAft>
+                  <a:spcPts val="0"/>
+                </a:spcAft>
+                <a:buNone/>
+              </a:pPr>
+              <a:r>
+                <a:rPr lang="zh-CN" sz="900">
+                  <a:solidFill>
+                    <a:schemeClr val="dk1"/>
+                  </a:solidFill>
+                </a:rPr>
+                <a:t>HTML + CSS + JS</a:t>
+              </a:r>
+              <a:endParaRPr sz="900">
+                <a:solidFill>
+                  <a:schemeClr val="dk1"/>
+                </a:solidFill>
+              </a:endParaRPr>
+            </a:p>
+          </p:txBody>
+        </p:sp>
+        <p:pic>
+          <p:nvPicPr>
+            <p:cNvPr id="7" name="Google Shape;159;p23">
+              <a:extLst>
+                <a:ext uri="{FF2B5EF4-FFF2-40B4-BE49-F238E27FC236}">
+                  <a16:creationId xmlns:a16="http://schemas.microsoft.com/office/drawing/2014/main" id="{E44715E5-103C-9A83-C5BA-D9EA726D5A0F}"/>
+                </a:ext>
+              </a:extLst>
+            </p:cNvPr>
+            <p:cNvPicPr preferRelativeResize="0"/>
+            <p:nvPr/>
+          </p:nvPicPr>
+          <p:blipFill>
+            <a:blip r:embed="rId3">
+              <a:alphaModFix/>
+            </a:blip>
+            <a:stretch>
+              <a:fillRect/>
+            </a:stretch>
+          </p:blipFill>
+          <p:spPr>
+            <a:xfrm>
+              <a:off x="1308150" y="1554200"/>
+              <a:ext cx="2146074" cy="1606400"/>
+            </a:xfrm>
+            <a:prstGeom prst="rect">
+              <a:avLst/>
+            </a:prstGeom>
+            <a:noFill/>
+            <a:ln>
+              <a:noFill/>
+            </a:ln>
+          </p:spPr>
+        </p:pic>
+      </p:grpSp>
+    </p:spTree>
+  </p:cSld>
+  <p:clrMapOvr>
+    <a:masterClrMapping/>
+  </p:clrMapOvr>
+  <mc:AlternateContent xmlns:mc="http://schemas.openxmlformats.org/markup-compatibility/2006">
+    <mc:Choice xmlns:p159="http://schemas.microsoft.com/office/powerpoint/2015/09/main" Requires="p159">
+      <p:transition>
+        <p159:morph option="byObject"/>
+      </p:transition>
+    </mc:Choice>
+    <mc:Fallback>
+      <p:transition>
+        <p:fade/>
+      </p:transition>
+    </mc:Fallback>
+  </mc:AlternateContent>
+</p:sld>
+</file>
+
+<file path=ppt/slides/slide16.xml><?xml version="1.0" encoding="utf-8"?>
+<p:sld xmlns:a="http://schemas.openxmlformats.org/drawingml/2006/main" xmlns:r="http://schemas.openxmlformats.org/officeDocument/2006/relationships" xmlns:p="http://schemas.openxmlformats.org/presentationml/2006/main">
+  <p:cSld>
+    <p:spTree>
+      <p:nvGrpSpPr>
+        <p:cNvPr id="1" name="Shape 174"/>
+        <p:cNvGrpSpPr/>
+        <p:nvPr/>
+      </p:nvGrpSpPr>
+      <p:grpSpPr>
+        <a:xfrm>
+          <a:off x="0" y="0"/>
+          <a:ext cx="0" cy="0"/>
+          <a:chOff x="0" y="0"/>
+          <a:chExt cx="0" cy="0"/>
+        </a:xfrm>
+      </p:grpSpPr>
+      <p:sp>
+        <p:nvSpPr>
+          <p:cNvPr id="175" name="Google Shape;175;p25"/>
+          <p:cNvSpPr txBox="1">
+            <a:spLocks noGrp="1"/>
+          </p:cNvSpPr>
+          <p:nvPr>
+            <p:ph type="title"/>
+          </p:nvPr>
+        </p:nvSpPr>
+        <p:spPr>
+          <a:xfrm>
+            <a:off x="311700" y="445025"/>
+            <a:ext cx="8520600" cy="572700"/>
+          </a:xfrm>
+          <a:prstGeom prst="rect">
+            <a:avLst/>
+          </a:prstGeom>
+        </p:spPr>
+        <p:txBody>
+          <a:bodyPr spcFirstLastPara="1" wrap="square" lIns="91425" tIns="91425" rIns="91425" bIns="91425" anchor="t" anchorCtr="0">
+            <a:normAutofit fontScale="90000"/>
+          </a:bodyPr>
+          <a:lstStyle/>
+          <a:p>
+            <a:pPr marL="0" lvl="0" indent="0" algn="l" rtl="0">
+              <a:spcBef>
+                <a:spcPts val="0"/>
+              </a:spcBef>
+              <a:spcAft>
+                <a:spcPts val="0"/>
+              </a:spcAft>
+              <a:buNone/>
+            </a:pPr>
+            <a:r>
+              <a:rPr lang="zh-CN"/>
+              <a:t>/ Frontend-Server Model / Backend Framework</a:t>
+            </a:r>
+            <a:endParaRPr/>
+          </a:p>
+        </p:txBody>
+      </p:sp>
+      <p:grpSp>
+        <p:nvGrpSpPr>
+          <p:cNvPr id="176" name="Google Shape;176;p25"/>
+          <p:cNvGrpSpPr/>
+          <p:nvPr/>
+        </p:nvGrpSpPr>
+        <p:grpSpPr>
+          <a:xfrm>
+            <a:off x="335638" y="1761208"/>
+            <a:ext cx="2098200" cy="1875329"/>
+            <a:chOff x="1332100" y="1808458"/>
+            <a:chExt cx="2098200" cy="1875329"/>
+          </a:xfrm>
+        </p:grpSpPr>
+        <p:pic>
+          <p:nvPicPr>
+            <p:cNvPr id="177" name="Google Shape;177;p25"/>
+            <p:cNvPicPr preferRelativeResize="0"/>
+            <p:nvPr/>
+          </p:nvPicPr>
+          <p:blipFill>
+            <a:blip r:embed="rId3">
+              <a:alphaModFix/>
+            </a:blip>
+            <a:stretch>
+              <a:fillRect/>
+            </a:stretch>
+          </p:blipFill>
+          <p:spPr>
+            <a:xfrm>
+              <a:off x="1502912" y="1808458"/>
+              <a:ext cx="1756575" cy="1097875"/>
+            </a:xfrm>
+            <a:prstGeom prst="rect">
+              <a:avLst/>
+            </a:prstGeom>
+            <a:noFill/>
+            <a:ln>
+              <a:noFill/>
+            </a:ln>
+          </p:spPr>
+        </p:pic>
+        <p:sp>
+          <p:nvSpPr>
+            <p:cNvPr id="178" name="Google Shape;178;p25"/>
+            <p:cNvSpPr txBox="1"/>
+            <p:nvPr/>
+          </p:nvSpPr>
+          <p:spPr>
+            <a:xfrm>
+              <a:off x="1332100" y="3160588"/>
+              <a:ext cx="2098200" cy="523200"/>
+            </a:xfrm>
+            <a:prstGeom prst="rect">
+              <a:avLst/>
+            </a:prstGeom>
+            <a:noFill/>
+            <a:ln>
+              <a:noFill/>
+            </a:ln>
+          </p:spPr>
+          <p:txBody>
+            <a:bodyPr spcFirstLastPara="1" wrap="square" lIns="91425" tIns="91425" rIns="91425" bIns="91425" anchor="t" anchorCtr="0">
+              <a:spAutoFit/>
+            </a:bodyPr>
+            <a:lstStyle/>
+            <a:p>
+              <a:pPr marL="0" lvl="0" indent="0" algn="ctr" rtl="0">
+                <a:spcBef>
+                  <a:spcPts val="0"/>
+                </a:spcBef>
+                <a:spcAft>
+                  <a:spcPts val="0"/>
+                </a:spcAft>
+                <a:buNone/>
+              </a:pPr>
+              <a:r>
+                <a:rPr lang="zh-CN" sz="1300" b="1">
+                  <a:solidFill>
+                    <a:schemeClr val="dk1"/>
+                  </a:solidFill>
+                </a:rPr>
+                <a:t>Backend Framework</a:t>
+              </a:r>
+              <a:endParaRPr sz="1300" b="1">
+                <a:solidFill>
+                  <a:schemeClr val="dk1"/>
+                </a:solidFill>
+              </a:endParaRPr>
+            </a:p>
+            <a:p>
+              <a:pPr marL="0" lvl="0" indent="0" algn="ctr" rtl="0">
+                <a:spcBef>
+                  <a:spcPts val="0"/>
+                </a:spcBef>
+                <a:spcAft>
+                  <a:spcPts val="0"/>
+                </a:spcAft>
+                <a:buNone/>
+              </a:pPr>
+              <a:r>
+                <a:rPr lang="zh-CN" sz="900">
+                  <a:solidFill>
+                    <a:schemeClr val="dk1"/>
+                  </a:solidFill>
+                </a:rPr>
+                <a:t>Django + Python</a:t>
+              </a:r>
+              <a:endParaRPr sz="900">
+                <a:solidFill>
+                  <a:schemeClr val="dk1"/>
+                </a:solidFill>
+              </a:endParaRPr>
+            </a:p>
+          </p:txBody>
+        </p:sp>
+      </p:grpSp>
+      <p:sp>
+        <p:nvSpPr>
+          <p:cNvPr id="179" name="Google Shape;179;p25"/>
+          <p:cNvSpPr txBox="1">
+            <a:spLocks noGrp="1"/>
+          </p:cNvSpPr>
+          <p:nvPr>
+            <p:ph type="body" idx="4294967295"/>
+          </p:nvPr>
+        </p:nvSpPr>
+        <p:spPr>
+          <a:xfrm>
+            <a:off x="2864300" y="1152475"/>
+            <a:ext cx="5967900" cy="3416400"/>
+          </a:xfrm>
+          <a:prstGeom prst="rect">
+            <a:avLst/>
+          </a:prstGeom>
+        </p:spPr>
+        <p:txBody>
+          <a:bodyPr spcFirstLastPara="1" wrap="square" lIns="91425" tIns="91425" rIns="91425" bIns="91425" anchor="t" anchorCtr="0">
+            <a:normAutofit/>
+          </a:bodyPr>
+          <a:lstStyle/>
+          <a:p>
+            <a:pPr marL="0" lvl="0" indent="0" algn="l" rtl="0">
+              <a:spcBef>
+                <a:spcPts val="0"/>
+              </a:spcBef>
+              <a:spcAft>
+                <a:spcPts val="0"/>
+              </a:spcAft>
+              <a:buNone/>
+            </a:pPr>
+            <a:r>
+              <a:rPr lang="zh-CN"/>
+              <a:t>Django: Model-Template-View Framework</a:t>
+            </a:r>
+            <a:endParaRPr/>
+          </a:p>
+          <a:p>
+            <a:pPr marL="0" lvl="0" indent="0" algn="l" rtl="0">
+              <a:spcBef>
+                <a:spcPts val="1200"/>
+              </a:spcBef>
+              <a:spcAft>
+                <a:spcPts val="0"/>
+              </a:spcAft>
+              <a:buNone/>
+            </a:pPr>
+            <a:r>
+              <a:rPr lang="zh-CN"/>
+              <a:t>View: Defines how the backend respond to the frontend, facing some specific requests.</a:t>
+            </a:r>
+            <a:endParaRPr/>
+          </a:p>
+          <a:p>
+            <a:pPr marL="0" lvl="0" indent="0" algn="l" rtl="0">
+              <a:spcBef>
+                <a:spcPts val="1200"/>
+              </a:spcBef>
+              <a:spcAft>
+                <a:spcPts val="0"/>
+              </a:spcAft>
+              <a:buNone/>
+            </a:pPr>
+            <a:r>
+              <a:rPr lang="zh-CN"/>
+              <a:t>In this case: </a:t>
+            </a:r>
+            <a:endParaRPr/>
+          </a:p>
+          <a:p>
+            <a:pPr marL="457200" lvl="0" indent="-342900" algn="l" rtl="0">
+              <a:spcBef>
+                <a:spcPts val="1200"/>
+              </a:spcBef>
+              <a:spcAft>
+                <a:spcPts val="0"/>
+              </a:spcAft>
+              <a:buSzPts val="1800"/>
+              <a:buChar char="●"/>
+            </a:pPr>
+            <a:r>
+              <a:rPr lang="zh-CN"/>
+              <a:t>The predicted query of the MaxEnt Model is the response from the backend. </a:t>
+            </a:r>
+            <a:endParaRPr/>
+          </a:p>
+          <a:p>
+            <a:pPr marL="457200" lvl="0" indent="-342900" algn="l" rtl="0">
+              <a:spcBef>
+                <a:spcPts val="0"/>
+              </a:spcBef>
+              <a:spcAft>
+                <a:spcPts val="0"/>
+              </a:spcAft>
+              <a:buSzPts val="1800"/>
+              <a:buChar char="●"/>
+            </a:pPr>
+            <a:r>
+              <a:rPr lang="zh-CN"/>
+              <a:t>The backend responds the frontend in JSON format.</a:t>
+            </a:r>
+            <a:endParaRPr/>
+          </a:p>
+        </p:txBody>
+      </p:sp>
+    </p:spTree>
+  </p:cSld>
+  <p:clrMapOvr>
+    <a:masterClrMapping/>
+  </p:clrMapOvr>
+  <p:transition spd="slow">
+    <p:push dir="u"/>
+  </p:transition>
+</p:sld>
+</file>
+
+<file path=ppt/slides/slide17.xml><?xml version="1.0" encoding="utf-8"?>
+<p:sld xmlns:a="http://schemas.openxmlformats.org/drawingml/2006/main" xmlns:r="http://schemas.openxmlformats.org/officeDocument/2006/relationships" xmlns:p="http://schemas.openxmlformats.org/presentationml/2006/main">
+  <p:cSld>
+    <p:spTree>
+      <p:nvGrpSpPr>
+        <p:cNvPr id="1" name="Shape 183"/>
+        <p:cNvGrpSpPr/>
+        <p:nvPr/>
+      </p:nvGrpSpPr>
+      <p:grpSpPr>
+        <a:xfrm>
+          <a:off x="0" y="0"/>
+          <a:ext cx="0" cy="0"/>
+          <a:chOff x="0" y="0"/>
+          <a:chExt cx="0" cy="0"/>
+        </a:xfrm>
+      </p:grpSpPr>
+      <p:sp>
+        <p:nvSpPr>
+          <p:cNvPr id="184" name="Google Shape;184;p26"/>
+          <p:cNvSpPr txBox="1">
+            <a:spLocks noGrp="1"/>
+          </p:cNvSpPr>
+          <p:nvPr>
+            <p:ph type="title"/>
+          </p:nvPr>
+        </p:nvSpPr>
+        <p:spPr>
+          <a:xfrm>
+            <a:off x="311700" y="445025"/>
+            <a:ext cx="8520600" cy="572700"/>
+          </a:xfrm>
+          <a:prstGeom prst="rect">
+            <a:avLst/>
+          </a:prstGeom>
+        </p:spPr>
+        <p:txBody>
+          <a:bodyPr spcFirstLastPara="1" wrap="square" lIns="91425" tIns="91425" rIns="91425" bIns="91425" anchor="t" anchorCtr="0">
+            <a:normAutofit fontScale="90000"/>
+          </a:bodyPr>
+          <a:lstStyle/>
+          <a:p>
+            <a:pPr marL="0" lvl="0" indent="0" algn="l" rtl="0">
+              <a:spcBef>
+                <a:spcPts val="0"/>
+              </a:spcBef>
+              <a:spcAft>
+                <a:spcPts val="0"/>
+              </a:spcAft>
+              <a:buNone/>
+            </a:pPr>
+            <a:r>
+              <a:rPr lang="zh-CN"/>
+              <a:t>/ Frontend-Server Model / Backend Framework</a:t>
+            </a:r>
+            <a:endParaRPr/>
+          </a:p>
+        </p:txBody>
+      </p:sp>
+      <p:pic>
+        <p:nvPicPr>
+          <p:cNvPr id="185" name="Google Shape;185;p26"/>
+          <p:cNvPicPr preferRelativeResize="0"/>
+          <p:nvPr/>
+        </p:nvPicPr>
+        <p:blipFill>
+          <a:blip r:embed="rId3">
+            <a:alphaModFix/>
+          </a:blip>
+          <a:stretch>
+            <a:fillRect/>
+          </a:stretch>
+        </p:blipFill>
+        <p:spPr>
+          <a:xfrm>
+            <a:off x="2849175" y="1075438"/>
+            <a:ext cx="1532538" cy="3410250"/>
+          </a:xfrm>
+          <a:prstGeom prst="rect">
+            <a:avLst/>
+          </a:prstGeom>
+          <a:noFill/>
+          <a:ln>
+            <a:noFill/>
+          </a:ln>
+        </p:spPr>
+      </p:pic>
+      <p:grpSp>
+        <p:nvGrpSpPr>
+          <p:cNvPr id="186" name="Google Shape;186;p26"/>
+          <p:cNvGrpSpPr/>
+          <p:nvPr/>
+        </p:nvGrpSpPr>
+        <p:grpSpPr>
+          <a:xfrm>
+            <a:off x="335638" y="1761208"/>
+            <a:ext cx="2098200" cy="1875329"/>
+            <a:chOff x="1332100" y="1808458"/>
+            <a:chExt cx="2098200" cy="1875329"/>
+          </a:xfrm>
+        </p:grpSpPr>
+        <p:pic>
+          <p:nvPicPr>
+            <p:cNvPr id="187" name="Google Shape;187;p26"/>
+            <p:cNvPicPr preferRelativeResize="0"/>
+            <p:nvPr/>
+          </p:nvPicPr>
+          <p:blipFill>
+            <a:blip r:embed="rId4">
+              <a:alphaModFix/>
+            </a:blip>
+            <a:stretch>
+              <a:fillRect/>
+            </a:stretch>
+          </p:blipFill>
+          <p:spPr>
+            <a:xfrm>
+              <a:off x="1502912" y="1808458"/>
+              <a:ext cx="1756575" cy="1097875"/>
+            </a:xfrm>
+            <a:prstGeom prst="rect">
+              <a:avLst/>
+            </a:prstGeom>
+            <a:noFill/>
+            <a:ln>
+              <a:noFill/>
+            </a:ln>
+          </p:spPr>
+        </p:pic>
+        <p:sp>
+          <p:nvSpPr>
+            <p:cNvPr id="188" name="Google Shape;188;p26"/>
+            <p:cNvSpPr txBox="1"/>
+            <p:nvPr/>
+          </p:nvSpPr>
+          <p:spPr>
+            <a:xfrm>
+              <a:off x="1332100" y="3160588"/>
+              <a:ext cx="2098200" cy="523200"/>
+            </a:xfrm>
+            <a:prstGeom prst="rect">
+              <a:avLst/>
+            </a:prstGeom>
+            <a:noFill/>
+            <a:ln>
+              <a:noFill/>
+            </a:ln>
+          </p:spPr>
+          <p:txBody>
+            <a:bodyPr spcFirstLastPara="1" wrap="square" lIns="91425" tIns="91425" rIns="91425" bIns="91425" anchor="t" anchorCtr="0">
+              <a:spAutoFit/>
+            </a:bodyPr>
+            <a:lstStyle/>
+            <a:p>
+              <a:pPr marL="0" lvl="0" indent="0" algn="ctr" rtl="0">
+                <a:spcBef>
+                  <a:spcPts val="0"/>
+                </a:spcBef>
+                <a:spcAft>
+                  <a:spcPts val="0"/>
+                </a:spcAft>
+                <a:buNone/>
+              </a:pPr>
+              <a:r>
+                <a:rPr lang="zh-CN" sz="1300" b="1">
+                  <a:solidFill>
+                    <a:schemeClr val="dk1"/>
+                  </a:solidFill>
+                </a:rPr>
+                <a:t>Backend Framework</a:t>
+              </a:r>
+              <a:endParaRPr sz="1300" b="1">
+                <a:solidFill>
+                  <a:schemeClr val="dk1"/>
+                </a:solidFill>
+              </a:endParaRPr>
+            </a:p>
+            <a:p>
+              <a:pPr marL="0" lvl="0" indent="0" algn="ctr" rtl="0">
+                <a:spcBef>
+                  <a:spcPts val="0"/>
+                </a:spcBef>
+                <a:spcAft>
+                  <a:spcPts val="0"/>
+                </a:spcAft>
+                <a:buNone/>
+              </a:pPr>
+              <a:r>
+                <a:rPr lang="zh-CN" sz="900">
+                  <a:solidFill>
+                    <a:schemeClr val="dk1"/>
+                  </a:solidFill>
+                </a:rPr>
+                <a:t>Django + Python</a:t>
+              </a:r>
+              <a:endParaRPr sz="900">
+                <a:solidFill>
+                  <a:schemeClr val="dk1"/>
+                </a:solidFill>
+              </a:endParaRPr>
+            </a:p>
+          </p:txBody>
+        </p:sp>
+      </p:grpSp>
+      <p:pic>
+        <p:nvPicPr>
+          <p:cNvPr id="189" name="Google Shape;189;p26"/>
+          <p:cNvPicPr preferRelativeResize="0"/>
+          <p:nvPr/>
+        </p:nvPicPr>
+        <p:blipFill>
+          <a:blip r:embed="rId5">
+            <a:alphaModFix/>
+          </a:blip>
+          <a:stretch>
+            <a:fillRect/>
+          </a:stretch>
+        </p:blipFill>
+        <p:spPr>
+          <a:xfrm>
+            <a:off x="4658475" y="1761198"/>
+            <a:ext cx="4173849" cy="2038727"/>
+          </a:xfrm>
+          <a:prstGeom prst="rect">
+            <a:avLst/>
+          </a:prstGeom>
+          <a:noFill/>
+          <a:ln w="9525" cap="flat" cmpd="sng">
+            <a:solidFill>
+              <a:srgbClr val="666666"/>
+            </a:solidFill>
+            <a:prstDash val="solid"/>
+            <a:round/>
+            <a:headEnd type="none" w="sm" len="sm"/>
+            <a:tailEnd type="none" w="sm" len="sm"/>
+          </a:ln>
+        </p:spPr>
+      </p:pic>
+      <p:sp>
+        <p:nvSpPr>
+          <p:cNvPr id="190" name="Google Shape;190;p26"/>
+          <p:cNvSpPr/>
+          <p:nvPr/>
+        </p:nvSpPr>
+        <p:spPr>
+          <a:xfrm>
+            <a:off x="4797050" y="2650125"/>
+            <a:ext cx="2818200" cy="823500"/>
+          </a:xfrm>
+          <a:prstGeom prst="roundRect">
+            <a:avLst>
+              <a:gd name="adj" fmla="val 1961"/>
+            </a:avLst>
+          </a:prstGeom>
+          <a:noFill/>
+          <a:ln w="9525" cap="flat" cmpd="sng">
+            <a:solidFill>
+              <a:srgbClr val="B6D7A8"/>
+            </a:solidFill>
+            <a:prstDash val="solid"/>
+            <a:round/>
+            <a:headEnd type="none" w="sm" len="sm"/>
+            <a:tailEnd type="none" w="sm" len="sm"/>
+          </a:ln>
+        </p:spPr>
+        <p:txBody>
+          <a:bodyPr spcFirstLastPara="1" wrap="square" lIns="91425" tIns="91425" rIns="91425" bIns="91425" anchor="ctr" anchorCtr="0">
+            <a:noAutofit/>
+          </a:bodyPr>
+          <a:lstStyle/>
+          <a:p>
+            <a:pPr marL="0" lvl="0" indent="0" algn="ctr" rtl="0">
+              <a:spcBef>
+                <a:spcPts val="0"/>
+              </a:spcBef>
+              <a:spcAft>
+                <a:spcPts val="0"/>
+              </a:spcAft>
+              <a:buNone/>
+            </a:pPr>
+            <a:endParaRPr/>
+          </a:p>
+        </p:txBody>
+      </p:sp>
+      <p:sp>
+        <p:nvSpPr>
+          <p:cNvPr id="191" name="Google Shape;191;p26"/>
+          <p:cNvSpPr txBox="1"/>
+          <p:nvPr/>
+        </p:nvSpPr>
+        <p:spPr>
+          <a:xfrm>
+            <a:off x="7615250" y="3119625"/>
+            <a:ext cx="1190400" cy="354000"/>
+          </a:xfrm>
+          <a:prstGeom prst="rect">
+            <a:avLst/>
+          </a:prstGeom>
+          <a:noFill/>
+          <a:ln>
+            <a:noFill/>
+          </a:ln>
+        </p:spPr>
+        <p:txBody>
+          <a:bodyPr spcFirstLastPara="1" wrap="square" lIns="91425" tIns="91425" rIns="91425" bIns="91425" anchor="t" anchorCtr="0">
+            <a:spAutoFit/>
+          </a:bodyPr>
+          <a:lstStyle/>
+          <a:p>
+            <a:pPr marL="0" lvl="0" indent="0" algn="ctr" rtl="0">
+              <a:spcBef>
+                <a:spcPts val="0"/>
+              </a:spcBef>
+              <a:spcAft>
+                <a:spcPts val="0"/>
+              </a:spcAft>
+              <a:buNone/>
+            </a:pPr>
+            <a:r>
+              <a:rPr lang="zh-CN" sz="1100" b="1">
+                <a:solidFill>
+                  <a:srgbClr val="B6D7A8"/>
+                </a:solidFill>
+              </a:rPr>
+              <a:t>Invoke Model</a:t>
+            </a:r>
+            <a:endParaRPr sz="1100" b="1">
+              <a:solidFill>
+                <a:srgbClr val="B6D7A8"/>
+              </a:solidFill>
+            </a:endParaRPr>
+          </a:p>
+        </p:txBody>
+      </p:sp>
+      <p:pic>
+        <p:nvPicPr>
+          <p:cNvPr id="192" name="Google Shape;192;p26"/>
+          <p:cNvPicPr preferRelativeResize="0"/>
+          <p:nvPr/>
+        </p:nvPicPr>
+        <p:blipFill>
+          <a:blip r:embed="rId6">
+            <a:alphaModFix/>
+          </a:blip>
+          <a:stretch>
+            <a:fillRect/>
+          </a:stretch>
+        </p:blipFill>
+        <p:spPr>
+          <a:xfrm>
+            <a:off x="4658475" y="1062750"/>
+            <a:ext cx="3116714" cy="572700"/>
+          </a:xfrm>
+          <a:prstGeom prst="rect">
+            <a:avLst/>
+          </a:prstGeom>
+          <a:noFill/>
+          <a:ln w="9525" cap="flat" cmpd="sng">
+            <a:solidFill>
+              <a:srgbClr val="666666"/>
+            </a:solidFill>
+            <a:prstDash val="solid"/>
+            <a:round/>
+            <a:headEnd type="none" w="sm" len="sm"/>
+            <a:tailEnd type="none" w="sm" len="sm"/>
+          </a:ln>
+        </p:spPr>
+      </p:pic>
+      <p:pic>
+        <p:nvPicPr>
+          <p:cNvPr id="193" name="Google Shape;193;p26"/>
+          <p:cNvPicPr preferRelativeResize="0"/>
+          <p:nvPr/>
+        </p:nvPicPr>
+        <p:blipFill>
+          <a:blip r:embed="rId7">
+            <a:alphaModFix/>
+          </a:blip>
+          <a:stretch>
+            <a:fillRect/>
+          </a:stretch>
+        </p:blipFill>
+        <p:spPr>
+          <a:xfrm>
+            <a:off x="4658473" y="3879949"/>
+            <a:ext cx="3250425" cy="1005575"/>
+          </a:xfrm>
+          <a:prstGeom prst="rect">
+            <a:avLst/>
+          </a:prstGeom>
+          <a:noFill/>
+          <a:ln w="9525" cap="flat" cmpd="sng">
+            <a:solidFill>
+              <a:srgbClr val="666666"/>
+            </a:solidFill>
+            <a:prstDash val="solid"/>
+            <a:round/>
+            <a:headEnd type="none" w="sm" len="sm"/>
+            <a:tailEnd type="none" w="sm" len="sm"/>
+          </a:ln>
+        </p:spPr>
+      </p:pic>
+      <p:sp>
+        <p:nvSpPr>
+          <p:cNvPr id="194" name="Google Shape;194;p26"/>
+          <p:cNvSpPr txBox="1"/>
+          <p:nvPr/>
+        </p:nvSpPr>
+        <p:spPr>
+          <a:xfrm>
+            <a:off x="4314375" y="1149000"/>
+            <a:ext cx="344100" cy="400200"/>
+          </a:xfrm>
+          <a:prstGeom prst="rect">
+            <a:avLst/>
+          </a:prstGeom>
+          <a:noFill/>
+          <a:ln>
+            <a:noFill/>
+          </a:ln>
+        </p:spPr>
+        <p:txBody>
+          <a:bodyPr spcFirstLastPara="1" wrap="square" lIns="91425" tIns="91425" rIns="91425" bIns="91425" anchor="t" anchorCtr="0">
+            <a:spAutoFit/>
+          </a:bodyPr>
+          <a:lstStyle/>
+          <a:p>
+            <a:pPr marL="0" lvl="0" indent="0" algn="r" rtl="0">
+              <a:spcBef>
+                <a:spcPts val="0"/>
+              </a:spcBef>
+              <a:spcAft>
+                <a:spcPts val="0"/>
+              </a:spcAft>
+              <a:buNone/>
+            </a:pPr>
+            <a:r>
+              <a:rPr lang="zh-CN" b="1">
+                <a:solidFill>
+                  <a:srgbClr val="B6D7A8"/>
+                </a:solidFill>
+              </a:rPr>
+              <a:t>1</a:t>
+            </a:r>
+            <a:endParaRPr b="1">
+              <a:solidFill>
+                <a:srgbClr val="B6D7A8"/>
+              </a:solidFill>
+            </a:endParaRPr>
+          </a:p>
+        </p:txBody>
+      </p:sp>
+      <p:sp>
+        <p:nvSpPr>
+          <p:cNvPr id="195" name="Google Shape;195;p26"/>
+          <p:cNvSpPr txBox="1"/>
+          <p:nvPr/>
+        </p:nvSpPr>
+        <p:spPr>
+          <a:xfrm>
+            <a:off x="4314375" y="2580463"/>
+            <a:ext cx="344100" cy="400200"/>
+          </a:xfrm>
+          <a:prstGeom prst="rect">
+            <a:avLst/>
+          </a:prstGeom>
+          <a:noFill/>
+          <a:ln>
+            <a:noFill/>
+          </a:ln>
+        </p:spPr>
+        <p:txBody>
+          <a:bodyPr spcFirstLastPara="1" wrap="square" lIns="91425" tIns="91425" rIns="91425" bIns="91425" anchor="t" anchorCtr="0">
+            <a:spAutoFit/>
+          </a:bodyPr>
+          <a:lstStyle/>
+          <a:p>
+            <a:pPr marL="0" lvl="0" indent="0" algn="r" rtl="0">
+              <a:spcBef>
+                <a:spcPts val="0"/>
+              </a:spcBef>
+              <a:spcAft>
+                <a:spcPts val="0"/>
+              </a:spcAft>
+              <a:buNone/>
+            </a:pPr>
+            <a:r>
+              <a:rPr lang="zh-CN" b="1">
+                <a:solidFill>
+                  <a:srgbClr val="B6D7A8"/>
+                </a:solidFill>
+              </a:rPr>
+              <a:t>2</a:t>
+            </a:r>
+            <a:endParaRPr b="1">
+              <a:solidFill>
+                <a:srgbClr val="B6D7A8"/>
+              </a:solidFill>
+            </a:endParaRPr>
+          </a:p>
+        </p:txBody>
+      </p:sp>
+      <p:sp>
+        <p:nvSpPr>
+          <p:cNvPr id="196" name="Google Shape;196;p26"/>
+          <p:cNvSpPr txBox="1"/>
+          <p:nvPr/>
+        </p:nvSpPr>
+        <p:spPr>
+          <a:xfrm>
+            <a:off x="4314375" y="4182625"/>
+            <a:ext cx="344100" cy="400200"/>
+          </a:xfrm>
+          <a:prstGeom prst="rect">
+            <a:avLst/>
+          </a:prstGeom>
+          <a:noFill/>
+          <a:ln>
+            <a:noFill/>
+          </a:ln>
+        </p:spPr>
+        <p:txBody>
+          <a:bodyPr spcFirstLastPara="1" wrap="square" lIns="91425" tIns="91425" rIns="91425" bIns="91425" anchor="t" anchorCtr="0">
+            <a:spAutoFit/>
+          </a:bodyPr>
+          <a:lstStyle/>
+          <a:p>
+            <a:pPr marL="0" lvl="0" indent="0" algn="r" rtl="0">
+              <a:spcBef>
+                <a:spcPts val="0"/>
+              </a:spcBef>
+              <a:spcAft>
+                <a:spcPts val="0"/>
+              </a:spcAft>
+              <a:buNone/>
+            </a:pPr>
+            <a:r>
+              <a:rPr lang="zh-CN" b="1">
+                <a:solidFill>
+                  <a:srgbClr val="B6D7A8"/>
+                </a:solidFill>
+              </a:rPr>
+              <a:t>3</a:t>
+            </a:r>
+            <a:endParaRPr b="1">
+              <a:solidFill>
+                <a:srgbClr val="B6D7A8"/>
+              </a:solidFill>
+            </a:endParaRPr>
+          </a:p>
+        </p:txBody>
+      </p:sp>
+      <p:cxnSp>
+        <p:nvCxnSpPr>
+          <p:cNvPr id="197" name="Google Shape;197;p26"/>
+          <p:cNvCxnSpPr>
+            <a:stCxn id="192" idx="2"/>
+          </p:cNvCxnSpPr>
+          <p:nvPr/>
+        </p:nvCxnSpPr>
+        <p:spPr>
+          <a:xfrm flipH="1">
+            <a:off x="5395431" y="1635449"/>
+            <a:ext cx="821400" cy="327300"/>
+          </a:xfrm>
+          <a:prstGeom prst="straightConnector1">
+            <a:avLst/>
+          </a:prstGeom>
+          <a:noFill/>
+          <a:ln w="9525" cap="flat" cmpd="sng">
+            <a:solidFill>
+              <a:srgbClr val="B6D7A8"/>
+            </a:solidFill>
+            <a:prstDash val="solid"/>
+            <a:round/>
+            <a:headEnd type="none" w="med" len="med"/>
+            <a:tailEnd type="triangle" w="med" len="med"/>
+          </a:ln>
+        </p:spPr>
+      </p:cxnSp>
+      <p:cxnSp>
+        <p:nvCxnSpPr>
+          <p:cNvPr id="198" name="Google Shape;198;p26"/>
+          <p:cNvCxnSpPr/>
+          <p:nvPr/>
+        </p:nvCxnSpPr>
+        <p:spPr>
+          <a:xfrm flipH="1">
+            <a:off x="5355375" y="3779650"/>
+            <a:ext cx="768600" cy="520200"/>
+          </a:xfrm>
+          <a:prstGeom prst="straightConnector1">
+            <a:avLst/>
+          </a:prstGeom>
+          <a:noFill/>
+          <a:ln w="9525" cap="flat" cmpd="sng">
+            <a:solidFill>
+              <a:srgbClr val="B6D7A8"/>
+            </a:solidFill>
+            <a:prstDash val="solid"/>
+            <a:round/>
+            <a:headEnd type="none" w="med" len="med"/>
+            <a:tailEnd type="triangle" w="med" len="med"/>
+          </a:ln>
+        </p:spPr>
+      </p:cxnSp>
+      <p:cxnSp>
+        <p:nvCxnSpPr>
+          <p:cNvPr id="199" name="Google Shape;199;p26"/>
+          <p:cNvCxnSpPr>
+            <a:endCxn id="194" idx="3"/>
+          </p:cNvCxnSpPr>
+          <p:nvPr/>
+        </p:nvCxnSpPr>
+        <p:spPr>
+          <a:xfrm rot="10800000" flipH="1">
+            <a:off x="3914775" y="1349100"/>
+            <a:ext cx="743700" cy="1377300"/>
+          </a:xfrm>
+          <a:prstGeom prst="straightConnector1">
+            <a:avLst/>
+          </a:prstGeom>
+          <a:noFill/>
+          <a:ln w="9525" cap="flat" cmpd="sng">
+            <a:solidFill>
+              <a:srgbClr val="434343"/>
+            </a:solidFill>
+            <a:prstDash val="solid"/>
+            <a:round/>
+            <a:headEnd type="none" w="med" len="med"/>
+            <a:tailEnd type="none" w="med" len="med"/>
+          </a:ln>
+        </p:spPr>
+      </p:cxnSp>
+      <p:cxnSp>
+        <p:nvCxnSpPr>
+          <p:cNvPr id="200" name="Google Shape;200;p26"/>
+          <p:cNvCxnSpPr>
+            <a:endCxn id="195" idx="3"/>
+          </p:cNvCxnSpPr>
+          <p:nvPr/>
+        </p:nvCxnSpPr>
+        <p:spPr>
+          <a:xfrm rot="10800000" flipH="1">
+            <a:off x="3601875" y="2780563"/>
+            <a:ext cx="1056600" cy="762000"/>
+          </a:xfrm>
+          <a:prstGeom prst="straightConnector1">
+            <a:avLst/>
+          </a:prstGeom>
+          <a:noFill/>
+          <a:ln w="9525" cap="flat" cmpd="sng">
+            <a:solidFill>
+              <a:srgbClr val="434343"/>
+            </a:solidFill>
+            <a:prstDash val="solid"/>
+            <a:round/>
+            <a:headEnd type="none" w="med" len="med"/>
+            <a:tailEnd type="none" w="med" len="med"/>
+          </a:ln>
+        </p:spPr>
+      </p:cxnSp>
+      <p:cxnSp>
+        <p:nvCxnSpPr>
+          <p:cNvPr id="201" name="Google Shape;201;p26"/>
+          <p:cNvCxnSpPr>
+            <a:endCxn id="196" idx="3"/>
+          </p:cNvCxnSpPr>
+          <p:nvPr/>
+        </p:nvCxnSpPr>
+        <p:spPr>
+          <a:xfrm>
+            <a:off x="3917475" y="2722225"/>
+            <a:ext cx="741000" cy="1660500"/>
+          </a:xfrm>
+          <a:prstGeom prst="straightConnector1">
+            <a:avLst/>
+          </a:prstGeom>
+          <a:noFill/>
+          <a:ln w="9525" cap="flat" cmpd="sng">
+            <a:solidFill>
+              <a:srgbClr val="434343"/>
+            </a:solidFill>
+            <a:prstDash val="solid"/>
+            <a:round/>
+            <a:headEnd type="none" w="med" len="med"/>
+            <a:tailEnd type="none" w="med" len="med"/>
+          </a:ln>
+        </p:spPr>
+      </p:cxnSp>
+    </p:spTree>
+  </p:cSld>
+  <p:clrMapOvr>
+    <a:masterClrMapping/>
+  </p:clrMapOvr>
+  <p:transition spd="slow">
+    <p:push dir="u"/>
+  </p:transition>
+</p:sld>
+</file>
+
+<file path=ppt/slides/slide18.xml><?xml version="1.0" encoding="utf-8"?>
+<p:sld xmlns:a="http://schemas.openxmlformats.org/drawingml/2006/main" xmlns:r="http://schemas.openxmlformats.org/officeDocument/2006/relationships" xmlns:p="http://schemas.openxmlformats.org/presentationml/2006/main">
+  <p:cSld>
+    <p:spTree>
+      <p:nvGrpSpPr>
+        <p:cNvPr id="1" name="Shape 205"/>
+        <p:cNvGrpSpPr/>
+        <p:nvPr/>
+      </p:nvGrpSpPr>
+      <p:grpSpPr>
+        <a:xfrm>
+          <a:off x="0" y="0"/>
+          <a:ext cx="0" cy="0"/>
+          <a:chOff x="0" y="0"/>
+          <a:chExt cx="0" cy="0"/>
+        </a:xfrm>
+      </p:grpSpPr>
+      <p:sp>
+        <p:nvSpPr>
+          <p:cNvPr id="206" name="Google Shape;206;p27"/>
+          <p:cNvSpPr txBox="1">
+            <a:spLocks noGrp="1"/>
+          </p:cNvSpPr>
+          <p:nvPr>
+            <p:ph type="title"/>
+          </p:nvPr>
+        </p:nvSpPr>
+        <p:spPr>
+          <a:xfrm>
+            <a:off x="311700" y="445025"/>
+            <a:ext cx="8520600" cy="572700"/>
+          </a:xfrm>
+          <a:prstGeom prst="rect">
+            <a:avLst/>
+          </a:prstGeom>
+        </p:spPr>
+        <p:txBody>
+          <a:bodyPr spcFirstLastPara="1" wrap="square" lIns="91425" tIns="91425" rIns="91425" bIns="91425" anchor="t" anchorCtr="0">
+            <a:normAutofit fontScale="90000"/>
+          </a:bodyPr>
+          <a:lstStyle/>
+          <a:p>
+            <a:pPr marL="0" lvl="0" indent="0" algn="l" rtl="0">
+              <a:spcBef>
+                <a:spcPts val="0"/>
+              </a:spcBef>
+              <a:spcAft>
+                <a:spcPts val="0"/>
+              </a:spcAft>
+              <a:buNone/>
+            </a:pPr>
+            <a:r>
+              <a:rPr lang="zh-CN"/>
+              <a:t>/ Frontend-Server Model / Backend Framework</a:t>
+            </a:r>
+            <a:endParaRPr/>
+          </a:p>
+        </p:txBody>
+      </p:sp>
+      <p:grpSp>
+        <p:nvGrpSpPr>
+          <p:cNvPr id="207" name="Google Shape;207;p27"/>
+          <p:cNvGrpSpPr/>
+          <p:nvPr/>
+        </p:nvGrpSpPr>
+        <p:grpSpPr>
+          <a:xfrm>
+            <a:off x="335638" y="1761208"/>
+            <a:ext cx="2098200" cy="1875329"/>
+            <a:chOff x="1332100" y="1808458"/>
+            <a:chExt cx="2098200" cy="1875329"/>
+          </a:xfrm>
+        </p:grpSpPr>
+        <p:pic>
+          <p:nvPicPr>
+            <p:cNvPr id="208" name="Google Shape;208;p27"/>
+            <p:cNvPicPr preferRelativeResize="0"/>
+            <p:nvPr/>
+          </p:nvPicPr>
+          <p:blipFill>
+            <a:blip r:embed="rId3">
+              <a:alphaModFix/>
+            </a:blip>
+            <a:stretch>
+              <a:fillRect/>
+            </a:stretch>
+          </p:blipFill>
+          <p:spPr>
+            <a:xfrm>
+              <a:off x="1502912" y="1808458"/>
+              <a:ext cx="1756575" cy="1097875"/>
+            </a:xfrm>
+            <a:prstGeom prst="rect">
+              <a:avLst/>
+            </a:prstGeom>
+            <a:noFill/>
+            <a:ln>
+              <a:noFill/>
+            </a:ln>
+          </p:spPr>
+        </p:pic>
+        <p:sp>
+          <p:nvSpPr>
+            <p:cNvPr id="209" name="Google Shape;209;p27"/>
+            <p:cNvSpPr txBox="1"/>
+            <p:nvPr/>
+          </p:nvSpPr>
+          <p:spPr>
+            <a:xfrm>
+              <a:off x="1332100" y="3160588"/>
+              <a:ext cx="2098200" cy="523200"/>
+            </a:xfrm>
+            <a:prstGeom prst="rect">
+              <a:avLst/>
+            </a:prstGeom>
+            <a:noFill/>
+            <a:ln>
+              <a:noFill/>
+            </a:ln>
+          </p:spPr>
+          <p:txBody>
+            <a:bodyPr spcFirstLastPara="1" wrap="square" lIns="91425" tIns="91425" rIns="91425" bIns="91425" anchor="t" anchorCtr="0">
+              <a:spAutoFit/>
+            </a:bodyPr>
+            <a:lstStyle/>
+            <a:p>
+              <a:pPr marL="0" lvl="0" indent="0" algn="ctr" rtl="0">
+                <a:spcBef>
+                  <a:spcPts val="0"/>
+                </a:spcBef>
+                <a:spcAft>
+                  <a:spcPts val="0"/>
+                </a:spcAft>
+                <a:buNone/>
+              </a:pPr>
+              <a:r>
+                <a:rPr lang="zh-CN" sz="1300" b="1">
+                  <a:solidFill>
+                    <a:schemeClr val="dk1"/>
+                  </a:solidFill>
+                </a:rPr>
+                <a:t>Backend Framework</a:t>
+              </a:r>
+              <a:endParaRPr sz="1300" b="1">
+                <a:solidFill>
+                  <a:schemeClr val="dk1"/>
+                </a:solidFill>
+              </a:endParaRPr>
+            </a:p>
+            <a:p>
+              <a:pPr marL="0" lvl="0" indent="0" algn="ctr" rtl="0">
+                <a:spcBef>
+                  <a:spcPts val="0"/>
+                </a:spcBef>
+                <a:spcAft>
+                  <a:spcPts val="0"/>
+                </a:spcAft>
+                <a:buNone/>
+              </a:pPr>
+              <a:r>
+                <a:rPr lang="zh-CN" sz="900">
+                  <a:solidFill>
+                    <a:schemeClr val="dk1"/>
+                  </a:solidFill>
+                </a:rPr>
+                <a:t>Django + Python</a:t>
+              </a:r>
+              <a:endParaRPr sz="900">
+                <a:solidFill>
+                  <a:schemeClr val="dk1"/>
+                </a:solidFill>
+              </a:endParaRPr>
+            </a:p>
+          </p:txBody>
+        </p:sp>
+      </p:grpSp>
+      <p:sp>
+        <p:nvSpPr>
+          <p:cNvPr id="210" name="Google Shape;210;p27"/>
+          <p:cNvSpPr txBox="1">
+            <a:spLocks noGrp="1"/>
+          </p:cNvSpPr>
+          <p:nvPr>
+            <p:ph type="body" idx="4294967295"/>
+          </p:nvPr>
+        </p:nvSpPr>
+        <p:spPr>
+          <a:xfrm>
+            <a:off x="2864300" y="1152475"/>
+            <a:ext cx="5967900" cy="3416400"/>
+          </a:xfrm>
+          <a:prstGeom prst="rect">
+            <a:avLst/>
+          </a:prstGeom>
+        </p:spPr>
+        <p:txBody>
+          <a:bodyPr spcFirstLastPara="1" wrap="square" lIns="91425" tIns="91425" rIns="91425" bIns="91425" anchor="t" anchorCtr="0">
+            <a:normAutofit/>
+          </a:bodyPr>
+          <a:lstStyle/>
+          <a:p>
+            <a:pPr marL="0" lvl="0" indent="0" algn="l" rtl="0">
+              <a:spcBef>
+                <a:spcPts val="0"/>
+              </a:spcBef>
+              <a:spcAft>
+                <a:spcPts val="1200"/>
+              </a:spcAft>
+              <a:buNone/>
+            </a:pPr>
+            <a:endParaRPr/>
+          </a:p>
+        </p:txBody>
+      </p:sp>
+      <p:pic>
+        <p:nvPicPr>
+          <p:cNvPr id="211" name="Google Shape;211;p27"/>
+          <p:cNvPicPr preferRelativeResize="0"/>
+          <p:nvPr/>
+        </p:nvPicPr>
+        <p:blipFill>
+          <a:blip r:embed="rId4">
+            <a:alphaModFix/>
+          </a:blip>
+          <a:stretch>
+            <a:fillRect/>
+          </a:stretch>
+        </p:blipFill>
+        <p:spPr>
+          <a:xfrm>
+            <a:off x="3516618" y="1152475"/>
+            <a:ext cx="4663268" cy="3416401"/>
+          </a:xfrm>
+          <a:prstGeom prst="rect">
+            <a:avLst/>
+          </a:prstGeom>
+          <a:noFill/>
+          <a:ln>
+            <a:noFill/>
+          </a:ln>
+        </p:spPr>
+      </p:pic>
+    </p:spTree>
+  </p:cSld>
+  <p:clrMapOvr>
+    <a:masterClrMapping/>
+  </p:clrMapOvr>
+  <p:transition spd="slow">
+    <p:push dir="u"/>
+  </p:transition>
+</p:sld>
+</file>
+
+<file path=ppt/slides/slide19.xml><?xml version="1.0" encoding="utf-8"?>
+<p:sld xmlns:a="http://schemas.openxmlformats.org/drawingml/2006/main" xmlns:r="http://schemas.openxmlformats.org/officeDocument/2006/relationships" xmlns:p="http://schemas.openxmlformats.org/presentationml/2006/main">
+  <p:cSld>
+    <p:spTree>
+      <p:nvGrpSpPr>
+        <p:cNvPr id="1" name="Shape 215"/>
+        <p:cNvGrpSpPr/>
+        <p:nvPr/>
+      </p:nvGrpSpPr>
+      <p:grpSpPr>
+        <a:xfrm>
+          <a:off x="0" y="0"/>
+          <a:ext cx="0" cy="0"/>
+          <a:chOff x="0" y="0"/>
+          <a:chExt cx="0" cy="0"/>
+        </a:xfrm>
+      </p:grpSpPr>
+      <p:grpSp>
+        <p:nvGrpSpPr>
+          <p:cNvPr id="216" name="Google Shape;216;p28"/>
+          <p:cNvGrpSpPr/>
+          <p:nvPr/>
+        </p:nvGrpSpPr>
+        <p:grpSpPr>
+          <a:xfrm>
+            <a:off x="3555150" y="1799313"/>
+            <a:ext cx="2033700" cy="1544875"/>
+            <a:chOff x="6103750" y="1914800"/>
+            <a:chExt cx="2033700" cy="1544875"/>
+          </a:xfrm>
+        </p:grpSpPr>
+        <p:pic>
+          <p:nvPicPr>
+            <p:cNvPr id="217" name="Google Shape;217;p28"/>
+            <p:cNvPicPr preferRelativeResize="0"/>
+            <p:nvPr/>
+          </p:nvPicPr>
+          <p:blipFill>
+            <a:blip r:embed="rId3">
+              <a:alphaModFix/>
+            </a:blip>
+            <a:stretch>
+              <a:fillRect/>
+            </a:stretch>
+          </p:blipFill>
+          <p:spPr>
+            <a:xfrm>
+              <a:off x="6715863" y="1914800"/>
+              <a:ext cx="809473" cy="898375"/>
+            </a:xfrm>
+            <a:prstGeom prst="rect">
+              <a:avLst/>
+            </a:prstGeom>
+            <a:noFill/>
+            <a:ln>
+              <a:noFill/>
+            </a:ln>
+          </p:spPr>
+        </p:pic>
+        <p:sp>
+          <p:nvSpPr>
+            <p:cNvPr id="218" name="Google Shape;218;p28"/>
+            <p:cNvSpPr txBox="1"/>
+            <p:nvPr/>
+          </p:nvSpPr>
+          <p:spPr>
+            <a:xfrm>
+              <a:off x="6103750" y="2813175"/>
+              <a:ext cx="2033700" cy="646500"/>
+            </a:xfrm>
+            <a:prstGeom prst="rect">
+              <a:avLst/>
+            </a:prstGeom>
+            <a:noFill/>
+            <a:ln>
+              <a:noFill/>
+            </a:ln>
+          </p:spPr>
+          <p:txBody>
+            <a:bodyPr spcFirstLastPara="1" wrap="square" lIns="91425" tIns="91425" rIns="91425" bIns="91425" anchor="t" anchorCtr="0">
+              <a:spAutoFit/>
+            </a:bodyPr>
+            <a:lstStyle/>
+            <a:p>
+              <a:pPr marL="0" lvl="0" indent="0" algn="ctr" rtl="0">
+                <a:spcBef>
+                  <a:spcPts val="0"/>
+                </a:spcBef>
+                <a:spcAft>
+                  <a:spcPts val="0"/>
+                </a:spcAft>
+                <a:buNone/>
+              </a:pPr>
+              <a:r>
+                <a:rPr lang="zh-CN" sz="1500" b="1">
+                  <a:solidFill>
+                    <a:schemeClr val="dk1"/>
+                  </a:solidFill>
+                </a:rPr>
+                <a:t>Evaluations and Demo</a:t>
+              </a:r>
+              <a:endParaRPr sz="1500" b="1">
+                <a:solidFill>
+                  <a:schemeClr val="dk1"/>
+                </a:solidFill>
+              </a:endParaRPr>
+            </a:p>
+          </p:txBody>
+        </p:sp>
+      </p:grpSp>
+    </p:spTree>
+  </p:cSld>
+  <p:clrMapOvr>
+    <a:masterClrMapping/>
+  </p:clrMapOvr>
+  <mc:AlternateContent xmlns:mc="http://schemas.openxmlformats.org/markup-compatibility/2006" xmlns:p14="http://schemas.microsoft.com/office/powerpoint/2010/main">
+    <mc:Choice Requires="p14">
+      <p:transition spd="med">
+        <p14:prism/>
+      </p:transition>
+    </mc:Choice>
+    <mc:Fallback xmlns:ahyp="http://schemas.microsoft.com/office/drawing/2018/hyperlinkcolor" xmlns:p15="http://schemas.microsoft.com/office/powerpoint/2012/main" xmlns:com="http://schemas.openxmlformats.org/drawingml/2006/compatibility" xmlns:pvml="urn:schemas-microsoft-com:office:powerpoint" xmlns:v="urn:schemas-microsoft-com:vml" xmlns:o="urn:schemas-microsoft-com:office:office" xmlns:dgm="http://schemas.openxmlformats.org/drawingml/2006/diagram" xmlns:c="http://schemas.openxmlformats.org/drawingml/2006/chart" xmlns:mv="urn:schemas-microsoft-com:mac:vml" xmlns="">
+      <p:transition spd="med">
+        <p:fade/>
+      </p:transition>
+    </mc:Fallback>
+  </mc:AlternateContent>
+</p:sld>
+</file>
+
+<file path=ppt/slides/slide2.xml><?xml version="1.0" encoding="utf-8"?>
+<p:sld xmlns:a="http://schemas.openxmlformats.org/drawingml/2006/main" xmlns:r="http://schemas.openxmlformats.org/officeDocument/2006/relationships" xmlns:p="http://schemas.openxmlformats.org/presentationml/2006/main">
+  <p:cSld>
+    <p:spTree>
+      <p:nvGrpSpPr>
+        <p:cNvPr id="1" name="Shape 59"/>
+        <p:cNvGrpSpPr/>
+        <p:nvPr/>
+      </p:nvGrpSpPr>
+      <p:grpSpPr>
+        <a:xfrm>
+          <a:off x="0" y="0"/>
+          <a:ext cx="0" cy="0"/>
+          <a:chOff x="0" y="0"/>
+          <a:chExt cx="0" cy="0"/>
+        </a:xfrm>
+      </p:grpSpPr>
+      <p:sp>
+        <p:nvSpPr>
+          <p:cNvPr id="60" name="Google Shape;60;p14"/>
+          <p:cNvSpPr txBox="1">
+            <a:spLocks noGrp="1"/>
+          </p:cNvSpPr>
+          <p:nvPr>
+            <p:ph type="title"/>
+          </p:nvPr>
+        </p:nvSpPr>
+        <p:spPr>
+          <a:xfrm>
+            <a:off x="311700" y="445025"/>
+            <a:ext cx="8520600" cy="572700"/>
+          </a:xfrm>
+          <a:prstGeom prst="rect">
+            <a:avLst/>
+          </a:prstGeom>
+        </p:spPr>
+        <p:txBody>
+          <a:bodyPr spcFirstLastPara="1" wrap="square" lIns="91425" tIns="91425" rIns="91425" bIns="91425" anchor="t" anchorCtr="0">
+            <a:normAutofit fontScale="90000"/>
+          </a:bodyPr>
+          <a:lstStyle/>
+          <a:p>
+            <a:pPr marL="0" lvl="0" indent="0" algn="l" rtl="0">
+              <a:spcBef>
+                <a:spcPts val="0"/>
+              </a:spcBef>
+              <a:spcAft>
+                <a:spcPts val="0"/>
+              </a:spcAft>
+              <a:buNone/>
+            </a:pPr>
+            <a:r>
+              <a:rPr lang="en-US" altLang="zh-CN"/>
+              <a:t>Introduction:</a:t>
+            </a:r>
+            <a:r>
+              <a:rPr lang="zh-CN" altLang="en-US"/>
+              <a:t> </a:t>
+            </a:r>
+            <a:r>
+              <a:rPr lang="zh-CN"/>
+              <a:t>To build a MaxEnt Model</a:t>
+            </a:r>
+            <a:endParaRPr/>
+          </a:p>
+        </p:txBody>
+      </p:sp>
+      <p:grpSp>
+        <p:nvGrpSpPr>
+          <p:cNvPr id="61" name="Google Shape;61;p14"/>
+          <p:cNvGrpSpPr/>
+          <p:nvPr/>
+        </p:nvGrpSpPr>
+        <p:grpSpPr>
+          <a:xfrm>
+            <a:off x="731450" y="1587325"/>
+            <a:ext cx="2361300" cy="2301950"/>
+            <a:chOff x="377975" y="1577850"/>
+            <a:chExt cx="2361300" cy="2301950"/>
+          </a:xfrm>
+        </p:grpSpPr>
+        <p:sp>
+          <p:nvSpPr>
+            <p:cNvPr id="62" name="Google Shape;62;p14"/>
+            <p:cNvSpPr/>
+            <p:nvPr/>
+          </p:nvSpPr>
+          <p:spPr>
+            <a:xfrm>
+              <a:off x="377975" y="1577850"/>
+              <a:ext cx="2361300" cy="1987800"/>
+            </a:xfrm>
+            <a:prstGeom prst="roundRect">
+              <a:avLst>
+                <a:gd name="adj" fmla="val 4951"/>
+              </a:avLst>
+            </a:prstGeom>
+            <a:solidFill>
+              <a:srgbClr val="434343"/>
+            </a:solidFill>
+            <a:ln w="9525" cap="flat" cmpd="sng">
+              <a:solidFill>
+                <a:schemeClr val="dk2"/>
+              </a:solidFill>
+              <a:prstDash val="solid"/>
+              <a:round/>
+              <a:headEnd type="none" w="sm" len="sm"/>
+              <a:tailEnd type="none" w="sm" len="sm"/>
+            </a:ln>
+          </p:spPr>
+          <p:txBody>
+            <a:bodyPr spcFirstLastPara="1" wrap="square" lIns="91425" tIns="91425" rIns="91425" bIns="91425" anchor="t" anchorCtr="0">
+              <a:noAutofit/>
+            </a:bodyPr>
+            <a:lstStyle/>
+            <a:p>
+              <a:pPr marL="0" lvl="0" indent="0" algn="ctr" rtl="0">
+                <a:spcBef>
+                  <a:spcPts val="0"/>
+                </a:spcBef>
+                <a:spcAft>
+                  <a:spcPts val="0"/>
+                </a:spcAft>
+                <a:buNone/>
+              </a:pPr>
+              <a:r>
+                <a:rPr lang="zh-CN" sz="1800" b="1">
+                  <a:solidFill>
+                    <a:schemeClr val="dk1"/>
+                  </a:solidFill>
+                </a:rPr>
+                <a:t>Feature Selection</a:t>
+              </a:r>
+              <a:endParaRPr sz="1800" b="1">
+                <a:solidFill>
+                  <a:schemeClr val="dk1"/>
+                </a:solidFill>
+              </a:endParaRPr>
+            </a:p>
+            <a:p>
+              <a:pPr marL="0" lvl="0" indent="0" algn="ctr" rtl="0">
+                <a:spcBef>
+                  <a:spcPts val="0"/>
+                </a:spcBef>
+                <a:spcAft>
+                  <a:spcPts val="0"/>
+                </a:spcAft>
+                <a:buNone/>
+              </a:pPr>
+              <a:endParaRPr sz="800" b="1">
+                <a:solidFill>
+                  <a:schemeClr val="dk1"/>
+                </a:solidFill>
+              </a:endParaRPr>
+            </a:p>
+            <a:p>
+              <a:pPr marL="0" lvl="0" indent="0" algn="l" rtl="0">
+                <a:spcBef>
+                  <a:spcPts val="0"/>
+                </a:spcBef>
+                <a:spcAft>
+                  <a:spcPts val="0"/>
+                </a:spcAft>
+                <a:buNone/>
+              </a:pPr>
+              <a:r>
+                <a:rPr lang="zh-CN">
+                  <a:solidFill>
+                    <a:schemeClr val="dk1"/>
+                  </a:solidFill>
+                </a:rPr>
+                <a:t>    Select proper and precise features that can best help to distinguish a word entity from “others” and “name”.</a:t>
+              </a:r>
+              <a:endParaRPr>
+                <a:solidFill>
+                  <a:schemeClr val="dk1"/>
+                </a:solidFill>
+              </a:endParaRPr>
+            </a:p>
+          </p:txBody>
+        </p:sp>
+        <p:sp>
+          <p:nvSpPr>
+            <p:cNvPr id="63" name="Google Shape;63;p14"/>
+            <p:cNvSpPr txBox="1"/>
+            <p:nvPr/>
+          </p:nvSpPr>
+          <p:spPr>
+            <a:xfrm>
+              <a:off x="2063975" y="3171800"/>
+              <a:ext cx="675300" cy="708000"/>
+            </a:xfrm>
+            <a:prstGeom prst="rect">
+              <a:avLst/>
+            </a:prstGeom>
+            <a:noFill/>
+            <a:ln>
+              <a:noFill/>
+            </a:ln>
+            <a:effectLst>
+              <a:outerShdw blurRad="328613" dist="19050" dir="5400000" algn="bl" rotWithShape="0">
+                <a:srgbClr val="000000">
+                  <a:alpha val="50000"/>
+                </a:srgbClr>
+              </a:outerShdw>
+            </a:effectLst>
+          </p:spPr>
+          <p:txBody>
+            <a:bodyPr spcFirstLastPara="1" wrap="square" lIns="91425" tIns="91425" rIns="91425" bIns="91425" anchor="t" anchorCtr="0">
+              <a:spAutoFit/>
+            </a:bodyPr>
+            <a:lstStyle/>
+            <a:p>
+              <a:pPr marL="0" lvl="0" indent="0" algn="ctr" rtl="0">
+                <a:spcBef>
+                  <a:spcPts val="0"/>
+                </a:spcBef>
+                <a:spcAft>
+                  <a:spcPts val="0"/>
+                </a:spcAft>
+                <a:buNone/>
+              </a:pPr>
+              <a:r>
+                <a:rPr lang="zh-CN" sz="3400" b="1" i="1">
+                  <a:solidFill>
+                    <a:schemeClr val="dk1"/>
+                  </a:solidFill>
+                </a:rPr>
+                <a:t>1</a:t>
+              </a:r>
+              <a:endParaRPr sz="3400" b="1" i="1">
+                <a:solidFill>
+                  <a:schemeClr val="dk1"/>
+                </a:solidFill>
+              </a:endParaRPr>
+            </a:p>
+          </p:txBody>
+        </p:sp>
+      </p:grpSp>
+      <p:grpSp>
+        <p:nvGrpSpPr>
+          <p:cNvPr id="64" name="Google Shape;64;p14"/>
+          <p:cNvGrpSpPr/>
+          <p:nvPr/>
+        </p:nvGrpSpPr>
+        <p:grpSpPr>
+          <a:xfrm>
+            <a:off x="3391350" y="1587325"/>
+            <a:ext cx="2361300" cy="2301950"/>
+            <a:chOff x="3037875" y="1577850"/>
+            <a:chExt cx="2361300" cy="2301950"/>
+          </a:xfrm>
+        </p:grpSpPr>
+        <p:sp>
+          <p:nvSpPr>
+            <p:cNvPr id="65" name="Google Shape;65;p14"/>
+            <p:cNvSpPr/>
+            <p:nvPr/>
+          </p:nvSpPr>
+          <p:spPr>
+            <a:xfrm>
+              <a:off x="3037875" y="1577850"/>
+              <a:ext cx="2361300" cy="1987800"/>
+            </a:xfrm>
+            <a:prstGeom prst="roundRect">
+              <a:avLst>
+                <a:gd name="adj" fmla="val 4951"/>
+              </a:avLst>
+            </a:prstGeom>
+            <a:solidFill>
+              <a:srgbClr val="434343"/>
+            </a:solidFill>
+            <a:ln w="9525" cap="flat" cmpd="sng">
+              <a:solidFill>
+                <a:schemeClr val="dk2"/>
+              </a:solidFill>
+              <a:prstDash val="solid"/>
+              <a:round/>
+              <a:headEnd type="none" w="sm" len="sm"/>
+              <a:tailEnd type="none" w="sm" len="sm"/>
+            </a:ln>
+          </p:spPr>
+          <p:txBody>
+            <a:bodyPr spcFirstLastPara="1" wrap="square" lIns="91425" tIns="91425" rIns="91425" bIns="91425" anchor="t" anchorCtr="0">
+              <a:noAutofit/>
+            </a:bodyPr>
+            <a:lstStyle/>
+            <a:p>
+              <a:pPr marL="0" lvl="0" indent="0" algn="ctr" rtl="0">
+                <a:spcBef>
+                  <a:spcPts val="0"/>
+                </a:spcBef>
+                <a:spcAft>
+                  <a:spcPts val="0"/>
+                </a:spcAft>
+                <a:buNone/>
+              </a:pPr>
+              <a:r>
+                <a:rPr lang="zh-CN" sz="1800" b="1">
+                  <a:solidFill>
+                    <a:schemeClr val="dk1"/>
+                  </a:solidFill>
+                </a:rPr>
+                <a:t>Feature Weighting</a:t>
+              </a:r>
+              <a:endParaRPr sz="1800" b="1">
+                <a:solidFill>
+                  <a:schemeClr val="dk1"/>
+                </a:solidFill>
+              </a:endParaRPr>
+            </a:p>
+            <a:p>
+              <a:pPr marL="0" lvl="0" indent="0" algn="ctr" rtl="0">
+                <a:spcBef>
+                  <a:spcPts val="0"/>
+                </a:spcBef>
+                <a:spcAft>
+                  <a:spcPts val="0"/>
+                </a:spcAft>
+                <a:buNone/>
+              </a:pPr>
+              <a:endParaRPr sz="800" b="1">
+                <a:solidFill>
+                  <a:schemeClr val="dk1"/>
+                </a:solidFill>
+              </a:endParaRPr>
+            </a:p>
+            <a:p>
+              <a:pPr marL="0" lvl="0" indent="0" algn="l" rtl="0">
+                <a:spcBef>
+                  <a:spcPts val="0"/>
+                </a:spcBef>
+                <a:spcAft>
+                  <a:spcPts val="0"/>
+                </a:spcAft>
+                <a:buNone/>
+              </a:pPr>
+              <a:r>
+                <a:rPr lang="zh-CN">
+                  <a:solidFill>
+                    <a:schemeClr val="dk1"/>
+                  </a:solidFill>
+                </a:rPr>
+                <a:t>    Use the training methods to assign each feature an importance weight for further prediction.</a:t>
+              </a:r>
+              <a:endParaRPr>
+                <a:solidFill>
+                  <a:schemeClr val="dk1"/>
+                </a:solidFill>
+              </a:endParaRPr>
+            </a:p>
+          </p:txBody>
+        </p:sp>
+        <p:sp>
+          <p:nvSpPr>
+            <p:cNvPr id="66" name="Google Shape;66;p14"/>
+            <p:cNvSpPr txBox="1"/>
+            <p:nvPr/>
+          </p:nvSpPr>
+          <p:spPr>
+            <a:xfrm>
+              <a:off x="4723875" y="3171800"/>
+              <a:ext cx="675300" cy="708000"/>
+            </a:xfrm>
+            <a:prstGeom prst="rect">
+              <a:avLst/>
+            </a:prstGeom>
+            <a:noFill/>
+            <a:ln>
+              <a:noFill/>
+            </a:ln>
+            <a:effectLst>
+              <a:outerShdw blurRad="328613" dist="19050" dir="5400000" algn="bl" rotWithShape="0">
+                <a:srgbClr val="000000">
+                  <a:alpha val="50000"/>
+                </a:srgbClr>
+              </a:outerShdw>
+            </a:effectLst>
+          </p:spPr>
+          <p:txBody>
+            <a:bodyPr spcFirstLastPara="1" wrap="square" lIns="91425" tIns="91425" rIns="91425" bIns="91425" anchor="t" anchorCtr="0">
+              <a:spAutoFit/>
+            </a:bodyPr>
+            <a:lstStyle/>
+            <a:p>
+              <a:pPr marL="0" lvl="0" indent="0" algn="ctr" rtl="0">
+                <a:spcBef>
+                  <a:spcPts val="0"/>
+                </a:spcBef>
+                <a:spcAft>
+                  <a:spcPts val="0"/>
+                </a:spcAft>
+                <a:buNone/>
+              </a:pPr>
+              <a:r>
+                <a:rPr lang="zh-CN" sz="3400" b="1" i="1">
+                  <a:solidFill>
+                    <a:schemeClr val="dk1"/>
+                  </a:solidFill>
+                </a:rPr>
+                <a:t>2</a:t>
+              </a:r>
+              <a:endParaRPr sz="3400" b="1" i="1">
+                <a:solidFill>
+                  <a:schemeClr val="dk1"/>
+                </a:solidFill>
+              </a:endParaRPr>
+            </a:p>
+          </p:txBody>
+        </p:sp>
+      </p:grpSp>
+      <p:grpSp>
+        <p:nvGrpSpPr>
+          <p:cNvPr id="67" name="Google Shape;67;p14"/>
+          <p:cNvGrpSpPr/>
+          <p:nvPr/>
+        </p:nvGrpSpPr>
+        <p:grpSpPr>
+          <a:xfrm>
+            <a:off x="6051250" y="1587325"/>
+            <a:ext cx="2361300" cy="2301950"/>
+            <a:chOff x="5697775" y="1577850"/>
+            <a:chExt cx="2361300" cy="2301950"/>
+          </a:xfrm>
+        </p:grpSpPr>
+        <p:sp>
+          <p:nvSpPr>
+            <p:cNvPr id="68" name="Google Shape;68;p14"/>
+            <p:cNvSpPr/>
+            <p:nvPr/>
+          </p:nvSpPr>
+          <p:spPr>
+            <a:xfrm>
+              <a:off x="5697775" y="1577850"/>
+              <a:ext cx="2361300" cy="1987800"/>
+            </a:xfrm>
+            <a:prstGeom prst="roundRect">
+              <a:avLst>
+                <a:gd name="adj" fmla="val 4951"/>
+              </a:avLst>
+            </a:prstGeom>
+            <a:solidFill>
+              <a:srgbClr val="434343"/>
+            </a:solidFill>
+            <a:ln w="9525" cap="flat" cmpd="sng">
+              <a:solidFill>
+                <a:schemeClr val="dk2"/>
+              </a:solidFill>
+              <a:prstDash val="solid"/>
+              <a:round/>
+              <a:headEnd type="none" w="sm" len="sm"/>
+              <a:tailEnd type="none" w="sm" len="sm"/>
+            </a:ln>
+          </p:spPr>
+          <p:txBody>
+            <a:bodyPr spcFirstLastPara="1" wrap="square" lIns="91425" tIns="91425" rIns="91425" bIns="91425" anchor="t" anchorCtr="0">
+              <a:noAutofit/>
+            </a:bodyPr>
+            <a:lstStyle/>
+            <a:p>
+              <a:pPr marL="0" lvl="0" indent="0" algn="ctr" rtl="0">
+                <a:spcBef>
+                  <a:spcPts val="0"/>
+                </a:spcBef>
+                <a:spcAft>
+                  <a:spcPts val="0"/>
+                </a:spcAft>
+                <a:buNone/>
+              </a:pPr>
+              <a:r>
+                <a:rPr lang="zh-CN" sz="1800" b="1">
+                  <a:solidFill>
+                    <a:schemeClr val="dk1"/>
+                  </a:solidFill>
+                </a:rPr>
+                <a:t>Model Evaluation</a:t>
+              </a:r>
+              <a:endParaRPr sz="1800" b="1">
+                <a:solidFill>
+                  <a:schemeClr val="dk1"/>
+                </a:solidFill>
+              </a:endParaRPr>
+            </a:p>
+            <a:p>
+              <a:pPr marL="0" lvl="0" indent="0" algn="ctr" rtl="0">
+                <a:spcBef>
+                  <a:spcPts val="0"/>
+                </a:spcBef>
+                <a:spcAft>
+                  <a:spcPts val="0"/>
+                </a:spcAft>
+                <a:buNone/>
+              </a:pPr>
+              <a:endParaRPr sz="800" b="1">
+                <a:solidFill>
+                  <a:schemeClr val="dk1"/>
+                </a:solidFill>
+              </a:endParaRPr>
+            </a:p>
+            <a:p>
+              <a:pPr marL="0" lvl="0" indent="0" algn="l" rtl="0">
+                <a:spcBef>
+                  <a:spcPts val="0"/>
+                </a:spcBef>
+                <a:spcAft>
+                  <a:spcPts val="0"/>
+                </a:spcAft>
+                <a:buNone/>
+              </a:pPr>
+              <a:r>
+                <a:rPr lang="zh-CN">
+                  <a:solidFill>
+                    <a:schemeClr val="dk1"/>
+                  </a:solidFill>
+                </a:rPr>
+                <a:t>    The assigned values of weights determines the behavior of the model. The model predicts each word entity with the observed features and weights.</a:t>
+              </a:r>
+              <a:endParaRPr>
+                <a:solidFill>
+                  <a:schemeClr val="dk1"/>
+                </a:solidFill>
+              </a:endParaRPr>
+            </a:p>
+          </p:txBody>
+        </p:sp>
+        <p:sp>
+          <p:nvSpPr>
+            <p:cNvPr id="69" name="Google Shape;69;p14"/>
+            <p:cNvSpPr txBox="1"/>
+            <p:nvPr/>
+          </p:nvSpPr>
+          <p:spPr>
+            <a:xfrm>
+              <a:off x="7383775" y="3171800"/>
+              <a:ext cx="675300" cy="708000"/>
+            </a:xfrm>
+            <a:prstGeom prst="rect">
+              <a:avLst/>
+            </a:prstGeom>
+            <a:noFill/>
+            <a:ln>
+              <a:noFill/>
+            </a:ln>
+            <a:effectLst>
+              <a:outerShdw blurRad="328613" dist="19050" dir="5400000" algn="bl" rotWithShape="0">
+                <a:srgbClr val="000000">
+                  <a:alpha val="50000"/>
+                </a:srgbClr>
+              </a:outerShdw>
+            </a:effectLst>
+          </p:spPr>
+          <p:txBody>
+            <a:bodyPr spcFirstLastPara="1" wrap="square" lIns="91425" tIns="91425" rIns="91425" bIns="91425" anchor="t" anchorCtr="0">
+              <a:spAutoFit/>
+            </a:bodyPr>
+            <a:lstStyle/>
+            <a:p>
+              <a:pPr marL="0" lvl="0" indent="0" algn="ctr" rtl="0">
+                <a:spcBef>
+                  <a:spcPts val="0"/>
+                </a:spcBef>
+                <a:spcAft>
+                  <a:spcPts val="0"/>
+                </a:spcAft>
+                <a:buNone/>
+              </a:pPr>
+              <a:r>
+                <a:rPr lang="zh-CN" sz="3400" b="1" i="1">
+                  <a:solidFill>
+                    <a:schemeClr val="dk1"/>
+                  </a:solidFill>
+                </a:rPr>
+                <a:t>3</a:t>
+              </a:r>
+              <a:endParaRPr sz="3400" b="1" i="1">
+                <a:solidFill>
+                  <a:schemeClr val="dk1"/>
+                </a:solidFill>
+              </a:endParaRPr>
+            </a:p>
+          </p:txBody>
+        </p:sp>
+      </p:grpSp>
+      <p:sp>
+        <p:nvSpPr>
+          <p:cNvPr id="70" name="Google Shape;70;p14"/>
+          <p:cNvSpPr/>
+          <p:nvPr/>
+        </p:nvSpPr>
+        <p:spPr>
+          <a:xfrm>
+            <a:off x="3326250" y="1446425"/>
+            <a:ext cx="2514300" cy="2442900"/>
+          </a:xfrm>
+          <a:prstGeom prst="rect">
+            <a:avLst/>
+          </a:prstGeom>
+          <a:solidFill>
+            <a:srgbClr val="212121">
+              <a:alpha val="60380"/>
+            </a:srgbClr>
+          </a:solidFill>
+          <a:ln>
+            <a:noFill/>
+          </a:ln>
+        </p:spPr>
+        <p:txBody>
+          <a:bodyPr spcFirstLastPara="1" wrap="square" lIns="91425" tIns="91425" rIns="91425" bIns="91425" anchor="ctr" anchorCtr="0">
+            <a:noAutofit/>
+          </a:bodyPr>
+          <a:lstStyle/>
+          <a:p>
+            <a:pPr marL="0" lvl="0" indent="0" algn="ctr" rtl="0">
+              <a:spcBef>
+                <a:spcPts val="0"/>
+              </a:spcBef>
+              <a:spcAft>
+                <a:spcPts val="0"/>
+              </a:spcAft>
+              <a:buNone/>
+            </a:pPr>
+            <a:endParaRPr/>
+          </a:p>
+        </p:txBody>
+      </p:sp>
+    </p:spTree>
+  </p:cSld>
+  <p:clrMapOvr>
+    <a:masterClrMapping/>
+  </p:clrMapOvr>
+  <mc:AlternateContent xmlns:mc="http://schemas.openxmlformats.org/markup-compatibility/2006" xmlns:p15="http://schemas.microsoft.com/office/powerpoint/2012/main">
+    <mc:Choice Requires="p15">
+      <p:transition xmlns:p14="http://schemas.microsoft.com/office/powerpoint/2010/main" spd="slow" p14:dur="3000">
+        <p15:prstTrans prst="curtains"/>
+      </p:transition>
+    </mc:Choice>
+    <mc:Fallback xmlns="">
+      <p:transition spd="slow">
+        <p:fade/>
+      </p:transition>
+    </mc:Fallback>
+  </mc:AlternateContent>
+  <p:timing>
+    <p:tnLst>
+      <p:par>
+        <p:cTn id="1" dur="indefinite" restart="never" nodeType="tmRoot">
+          <p:childTnLst>
+            <p:seq concurrent="1" nextAc="seek">
+              <p:cTn id="2" dur="indefinite" nodeType="mainSeq">
+                <p:childTnLst>
+                  <p:par>
+                    <p:cTn id="3" fill="hold">
+                      <p:stCondLst>
+                        <p:cond delay="indefinite"/>
+                      </p:stCondLst>
+                      <p:childTnLst>
+                        <p:par>
+                          <p:cTn id="4" fill="hold">
+                            <p:stCondLst>
+                              <p:cond delay="0"/>
+                            </p:stCondLst>
+                            <p:childTnLst>
+                              <p:par>
+                                <p:cTn id="5" presetID="10" presetClass="entr" presetSubtype="0" fill="hold" nodeType="clickEffect">
+                                  <p:stCondLst>
+                                    <p:cond delay="0"/>
+                                  </p:stCondLst>
+                                  <p:childTnLst>
+                                    <p:set>
+                                      <p:cBhvr>
+                                        <p:cTn id="6" dur="1" fill="hold">
+                                          <p:stCondLst>
+                                            <p:cond delay="0"/>
+                                          </p:stCondLst>
+                                        </p:cTn>
+                                        <p:tgtEl>
+                                          <p:spTgt spid="70"/>
+                                        </p:tgtEl>
+                                        <p:attrNameLst>
+                                          <p:attrName>style.visibility</p:attrName>
+                                        </p:attrNameLst>
+                                      </p:cBhvr>
+                                      <p:to>
+                                        <p:strVal val="visible"/>
+                                      </p:to>
+                                    </p:set>
+                                    <p:animEffect transition="in" filter="fade">
+                                      <p:cBhvr>
+                                        <p:cTn id="7" dur="400"/>
+                                        <p:tgtEl>
+                                          <p:spTgt spid="70"/>
+                                        </p:tgtEl>
+                                      </p:cBhvr>
+                                    </p:animEffect>
+                                  </p:childTnLst>
+                                </p:cTn>
+                              </p:par>
+                            </p:childTnLst>
+                          </p:cTn>
+                        </p:par>
+                      </p:childTnLst>
+                    </p:cTn>
+                  </p:par>
+                </p:childTnLst>
+              </p:cTn>
+              <p:prevCondLst>
+                <p:cond evt="onPrev" delay="0">
+                  <p:tgtEl>
+                    <p:sldTgt/>
+                  </p:tgtEl>
+                </p:cond>
+              </p:prevCondLst>
+              <p:nextCondLst>
+                <p:cond evt="onNext" delay="0">
+                  <p:tgtEl>
+                    <p:sldTgt/>
+                  </p:tgtEl>
+                </p:cond>
+              </p:nextCondLst>
+            </p:seq>
+          </p:childTnLst>
+        </p:cTn>
+      </p:par>
+    </p:tnLst>
+  </p:timing>
+</p:sld>
+</file>
+
+<file path=ppt/slides/slide20.xml><?xml version="1.0" encoding="utf-8"?>
+<p:sld xmlns:a="http://schemas.openxmlformats.org/drawingml/2006/main" xmlns:r="http://schemas.openxmlformats.org/officeDocument/2006/relationships" xmlns:p="http://schemas.openxmlformats.org/presentationml/2006/main">
+  <p:cSld>
+    <p:spTree>
+      <p:nvGrpSpPr>
+        <p:cNvPr id="1" name=""/>
+        <p:cNvGrpSpPr/>
+        <p:nvPr/>
+      </p:nvGrpSpPr>
+      <p:grpSpPr>
+        <a:xfrm>
+          <a:off x="0" y="0"/>
+          <a:ext cx="0" cy="0"/>
+          <a:chOff x="0" y="0"/>
+          <a:chExt cx="0" cy="0"/>
+        </a:xfrm>
+      </p:grpSpPr>
+      <p:sp>
+        <p:nvSpPr>
+          <p:cNvPr id="2" name="标题 1">
+            <a:extLst>
+              <a:ext uri="{FF2B5EF4-FFF2-40B4-BE49-F238E27FC236}">
+                <a16:creationId xmlns:a16="http://schemas.microsoft.com/office/drawing/2014/main" id="{63877F76-9F18-0703-33A6-B223DDB4E99D}"/>
+              </a:ext>
+            </a:extLst>
+          </p:cNvPr>
+          <p:cNvSpPr>
+            <a:spLocks noGrp="1"/>
+          </p:cNvSpPr>
+          <p:nvPr>
+            <p:ph type="title"/>
+          </p:nvPr>
+        </p:nvSpPr>
+        <p:spPr/>
+        <p:txBody>
+          <a:bodyPr>
+            <a:normAutofit fontScale="90000"/>
+          </a:bodyPr>
+          <a:lstStyle/>
+          <a:p>
+            <a:r>
+              <a:rPr lang="en-GB" dirty="0"/>
+              <a:t>/ </a:t>
+            </a:r>
+            <a:r>
+              <a:rPr lang="en-US" altLang="zh-CN" dirty="0"/>
+              <a:t>Evaluations and Demo / Training &amp; Testing Results</a:t>
+            </a:r>
+            <a:endParaRPr lang="en-GB" dirty="0"/>
+          </a:p>
+        </p:txBody>
+      </p:sp>
+      <p:pic>
+        <p:nvPicPr>
+          <p:cNvPr id="1026" name="Picture 2">
+            <a:extLst>
+              <a:ext uri="{FF2B5EF4-FFF2-40B4-BE49-F238E27FC236}">
+                <a16:creationId xmlns:a16="http://schemas.microsoft.com/office/drawing/2014/main" id="{EEFDB69B-2909-E798-F580-A600B7A6F9B0}"/>
+              </a:ext>
+            </a:extLst>
+          </p:cNvPr>
+          <p:cNvPicPr>
+            <a:picLocks noChangeAspect="1" noChangeArrowheads="1"/>
+          </p:cNvPicPr>
+          <p:nvPr/>
+        </p:nvPicPr>
+        <p:blipFill rotWithShape="1">
+          <a:blip r:embed="rId2">
+            <a:extLst>
+              <a:ext uri="{28A0092B-C50C-407E-A947-70E740481C1C}">
+                <a14:useLocalDpi xmlns:a14="http://schemas.microsoft.com/office/drawing/2010/main" val="0"/>
+              </a:ext>
+            </a:extLst>
+          </a:blip>
+          <a:srcRect r="31047"/>
+          <a:stretch/>
+        </p:blipFill>
+        <p:spPr bwMode="auto">
+          <a:xfrm>
+            <a:off x="728086" y="1452008"/>
+            <a:ext cx="2806267" cy="1993477"/>
+          </a:xfrm>
+          <a:prstGeom prst="rect">
+            <a:avLst/>
+          </a:prstGeom>
+          <a:noFill/>
+          <a:ln>
+            <a:solidFill>
+              <a:schemeClr val="bg1">
+                <a:lumMod val="75000"/>
+                <a:lumOff val="25000"/>
+              </a:schemeClr>
+            </a:solidFill>
+          </a:ln>
+          <a:extLst>
+            <a:ext uri="{909E8E84-426E-40DD-AFC4-6F175D3DCCD1}">
+              <a14:hiddenFill xmlns:a14="http://schemas.microsoft.com/office/drawing/2010/main">
+                <a:solidFill>
+                  <a:srgbClr val="FFFFFF"/>
+                </a:solidFill>
+              </a14:hiddenFill>
+            </a:ext>
+          </a:extLst>
+        </p:spPr>
+      </p:pic>
+      <p:pic>
+        <p:nvPicPr>
+          <p:cNvPr id="1032" name="Picture 8">
+            <a:extLst>
+              <a:ext uri="{FF2B5EF4-FFF2-40B4-BE49-F238E27FC236}">
+                <a16:creationId xmlns:a16="http://schemas.microsoft.com/office/drawing/2014/main" id="{7432F3A3-824D-56AD-BDB1-2FFCB287DC14}"/>
+              </a:ext>
+            </a:extLst>
+          </p:cNvPr>
+          <p:cNvPicPr>
+            <a:picLocks noChangeAspect="1" noChangeArrowheads="1"/>
+          </p:cNvPicPr>
+          <p:nvPr/>
+        </p:nvPicPr>
+        <p:blipFill rotWithShape="1">
+          <a:blip r:embed="rId3">
+            <a:extLst>
+              <a:ext uri="{28A0092B-C50C-407E-A947-70E740481C1C}">
+                <a14:useLocalDpi xmlns:a14="http://schemas.microsoft.com/office/drawing/2010/main" val="0"/>
+              </a:ext>
+            </a:extLst>
+          </a:blip>
+          <a:srcRect r="62869"/>
+          <a:stretch/>
+        </p:blipFill>
+        <p:spPr bwMode="auto">
+          <a:xfrm>
+            <a:off x="728085" y="3565415"/>
+            <a:ext cx="1466929" cy="1188624"/>
+          </a:xfrm>
+          <a:prstGeom prst="rect">
+            <a:avLst/>
+          </a:prstGeom>
+          <a:noFill/>
+          <a:ln>
+            <a:solidFill>
+              <a:schemeClr val="bg1">
+                <a:lumMod val="75000"/>
+                <a:lumOff val="25000"/>
+              </a:schemeClr>
+            </a:solidFill>
+          </a:ln>
+          <a:extLst>
+            <a:ext uri="{909E8E84-426E-40DD-AFC4-6F175D3DCCD1}">
+              <a14:hiddenFill xmlns:a14="http://schemas.microsoft.com/office/drawing/2010/main">
+                <a:solidFill>
+                  <a:srgbClr val="FFFFFF"/>
+                </a:solidFill>
+              </a14:hiddenFill>
+            </a:ext>
+          </a:extLst>
+        </p:spPr>
+      </p:pic>
+      <p:pic>
+        <p:nvPicPr>
+          <p:cNvPr id="1034" name="Picture 10">
+            <a:extLst>
+              <a:ext uri="{FF2B5EF4-FFF2-40B4-BE49-F238E27FC236}">
+                <a16:creationId xmlns:a16="http://schemas.microsoft.com/office/drawing/2014/main" id="{A4CA3369-DAA9-2E24-1756-8CD3457B7E72}"/>
+              </a:ext>
+            </a:extLst>
+          </p:cNvPr>
+          <p:cNvPicPr>
+            <a:picLocks noChangeAspect="1" noChangeArrowheads="1"/>
+          </p:cNvPicPr>
+          <p:nvPr/>
+        </p:nvPicPr>
+        <p:blipFill rotWithShape="1">
+          <a:blip r:embed="rId4">
+            <a:extLst>
+              <a:ext uri="{28A0092B-C50C-407E-A947-70E740481C1C}">
+                <a14:useLocalDpi xmlns:a14="http://schemas.microsoft.com/office/drawing/2010/main" val="0"/>
+              </a:ext>
+            </a:extLst>
+          </a:blip>
+          <a:srcRect r="62264"/>
+          <a:stretch/>
+        </p:blipFill>
+        <p:spPr bwMode="auto">
+          <a:xfrm>
+            <a:off x="4786833" y="3565413"/>
+            <a:ext cx="1587867" cy="1188623"/>
+          </a:xfrm>
+          <a:prstGeom prst="rect">
+            <a:avLst/>
+          </a:prstGeom>
+          <a:noFill/>
+          <a:ln>
+            <a:solidFill>
+              <a:schemeClr val="bg1">
+                <a:lumMod val="75000"/>
+                <a:lumOff val="25000"/>
+              </a:schemeClr>
+            </a:solidFill>
+          </a:ln>
+          <a:extLst>
+            <a:ext uri="{909E8E84-426E-40DD-AFC4-6F175D3DCCD1}">
+              <a14:hiddenFill xmlns:a14="http://schemas.microsoft.com/office/drawing/2010/main">
+                <a:solidFill>
+                  <a:srgbClr val="FFFFFF"/>
+                </a:solidFill>
+              </a14:hiddenFill>
+            </a:ext>
+          </a:extLst>
+        </p:spPr>
+      </p:pic>
+      <p:sp>
+        <p:nvSpPr>
+          <p:cNvPr id="3" name="文本框 2">
+            <a:extLst>
+              <a:ext uri="{FF2B5EF4-FFF2-40B4-BE49-F238E27FC236}">
+                <a16:creationId xmlns:a16="http://schemas.microsoft.com/office/drawing/2014/main" id="{516DC191-809B-24C5-82D8-05B891F510D1}"/>
+              </a:ext>
+            </a:extLst>
+          </p:cNvPr>
+          <p:cNvSpPr txBox="1"/>
+          <p:nvPr/>
+        </p:nvSpPr>
+        <p:spPr>
+          <a:xfrm>
+            <a:off x="728084" y="1065885"/>
+            <a:ext cx="2806267" cy="307777"/>
+          </a:xfrm>
+          <a:prstGeom prst="rect">
+            <a:avLst/>
+          </a:prstGeom>
+          <a:noFill/>
+        </p:spPr>
+        <p:txBody>
+          <a:bodyPr wrap="square" rtlCol="0">
+            <a:spAutoFit/>
+          </a:bodyPr>
+          <a:lstStyle/>
+          <a:p>
+            <a:r>
+              <a:rPr lang="en-US" altLang="zh-CN" dirty="0">
+                <a:solidFill>
+                  <a:schemeClr val="tx1"/>
+                </a:solidFill>
+              </a:rPr>
+              <a:t>5 Iterations</a:t>
+            </a:r>
+            <a:endParaRPr lang="en-GB" dirty="0">
+              <a:solidFill>
+                <a:schemeClr val="tx1"/>
+              </a:solidFill>
+            </a:endParaRPr>
+          </a:p>
+        </p:txBody>
+      </p:sp>
+      <p:sp>
+        <p:nvSpPr>
+          <p:cNvPr id="4" name="文本框 3">
+            <a:extLst>
+              <a:ext uri="{FF2B5EF4-FFF2-40B4-BE49-F238E27FC236}">
+                <a16:creationId xmlns:a16="http://schemas.microsoft.com/office/drawing/2014/main" id="{03D10DE5-94E9-0537-ED05-4FF7022DA2C5}"/>
+              </a:ext>
+            </a:extLst>
+          </p:cNvPr>
+          <p:cNvSpPr txBox="1"/>
+          <p:nvPr/>
+        </p:nvSpPr>
+        <p:spPr>
+          <a:xfrm>
+            <a:off x="4786833" y="1068582"/>
+            <a:ext cx="2806267" cy="307777"/>
+          </a:xfrm>
+          <a:prstGeom prst="rect">
+            <a:avLst/>
+          </a:prstGeom>
+          <a:noFill/>
+        </p:spPr>
+        <p:txBody>
+          <a:bodyPr wrap="square" rtlCol="0">
+            <a:spAutoFit/>
+          </a:bodyPr>
+          <a:lstStyle/>
+          <a:p>
+            <a:r>
+              <a:rPr lang="en-US" altLang="zh-CN" dirty="0">
+                <a:solidFill>
+                  <a:schemeClr val="tx1"/>
+                </a:solidFill>
+              </a:rPr>
+              <a:t>10 Iterations</a:t>
+            </a:r>
+            <a:endParaRPr lang="en-GB" dirty="0">
+              <a:solidFill>
+                <a:schemeClr val="tx1"/>
+              </a:solidFill>
+            </a:endParaRPr>
+          </a:p>
+        </p:txBody>
+      </p:sp>
+      <p:pic>
+        <p:nvPicPr>
+          <p:cNvPr id="6" name="Picture 4">
+            <a:extLst>
+              <a:ext uri="{FF2B5EF4-FFF2-40B4-BE49-F238E27FC236}">
+                <a16:creationId xmlns:a16="http://schemas.microsoft.com/office/drawing/2014/main" id="{9979C165-2809-654D-2AA8-8913285BF5B3}"/>
+              </a:ext>
+            </a:extLst>
+          </p:cNvPr>
+          <p:cNvPicPr>
+            <a:picLocks noChangeAspect="1" noChangeArrowheads="1"/>
+          </p:cNvPicPr>
+          <p:nvPr/>
+        </p:nvPicPr>
+        <p:blipFill rotWithShape="1">
+          <a:blip r:embed="rId5">
+            <a:extLst>
+              <a:ext uri="{28A0092B-C50C-407E-A947-70E740481C1C}">
+                <a14:useLocalDpi xmlns:a14="http://schemas.microsoft.com/office/drawing/2010/main" val="0"/>
+              </a:ext>
+            </a:extLst>
+          </a:blip>
+          <a:srcRect r="333"/>
+          <a:stretch/>
+        </p:blipFill>
+        <p:spPr bwMode="auto">
+          <a:xfrm>
+            <a:off x="4786833" y="1452007"/>
+            <a:ext cx="2867482" cy="2023833"/>
+          </a:xfrm>
+          <a:prstGeom prst="rect">
+            <a:avLst/>
+          </a:prstGeom>
+          <a:noFill/>
+          <a:ln>
+            <a:solidFill>
+              <a:schemeClr val="bg1">
+                <a:lumMod val="75000"/>
+                <a:lumOff val="25000"/>
+              </a:schemeClr>
+            </a:solidFill>
+          </a:ln>
+          <a:extLst>
+            <a:ext uri="{909E8E84-426E-40DD-AFC4-6F175D3DCCD1}">
+              <a14:hiddenFill xmlns:a14="http://schemas.microsoft.com/office/drawing/2010/main">
+                <a:solidFill>
+                  <a:srgbClr val="FFFFFF"/>
+                </a:solidFill>
+              </a14:hiddenFill>
+            </a:ext>
+          </a:extLst>
+        </p:spPr>
+      </p:pic>
+    </p:spTree>
+    <p:extLst>
+      <p:ext uri="{BB962C8B-B14F-4D97-AF65-F5344CB8AC3E}">
+        <p14:creationId xmlns:p14="http://schemas.microsoft.com/office/powerpoint/2010/main" val="2135821553"/>
+      </p:ext>
+    </p:extLst>
+  </p:cSld>
+  <p:clrMapOvr>
+    <a:masterClrMapping/>
+  </p:clrMapOvr>
+</p:sld>
+</file>
+
+<file path=ppt/slides/slide21.xml><?xml version="1.0" encoding="utf-8"?>
+<p:sld xmlns:a="http://schemas.openxmlformats.org/drawingml/2006/main" xmlns:r="http://schemas.openxmlformats.org/officeDocument/2006/relationships" xmlns:p="http://schemas.openxmlformats.org/presentationml/2006/main">
+  <p:cSld>
+    <p:spTree>
+      <p:nvGrpSpPr>
+        <p:cNvPr id="1" name=""/>
+        <p:cNvGrpSpPr/>
+        <p:nvPr/>
+      </p:nvGrpSpPr>
+      <p:grpSpPr>
+        <a:xfrm>
+          <a:off x="0" y="0"/>
+          <a:ext cx="0" cy="0"/>
+          <a:chOff x="0" y="0"/>
+          <a:chExt cx="0" cy="0"/>
+        </a:xfrm>
+      </p:grpSpPr>
+      <p:sp>
+        <p:nvSpPr>
+          <p:cNvPr id="2" name="标题 1">
+            <a:extLst>
+              <a:ext uri="{FF2B5EF4-FFF2-40B4-BE49-F238E27FC236}">
+                <a16:creationId xmlns:a16="http://schemas.microsoft.com/office/drawing/2014/main" id="{63877F76-9F18-0703-33A6-B223DDB4E99D}"/>
+              </a:ext>
+            </a:extLst>
+          </p:cNvPr>
+          <p:cNvSpPr>
+            <a:spLocks noGrp="1"/>
+          </p:cNvSpPr>
+          <p:nvPr>
+            <p:ph type="title"/>
+          </p:nvPr>
+        </p:nvSpPr>
+        <p:spPr/>
+        <p:txBody>
+          <a:bodyPr>
+            <a:normAutofit fontScale="90000"/>
+          </a:bodyPr>
+          <a:lstStyle/>
+          <a:p>
+            <a:r>
+              <a:rPr lang="en-GB" dirty="0"/>
+              <a:t>/ </a:t>
+            </a:r>
+            <a:r>
+              <a:rPr lang="en-US" altLang="zh-CN" dirty="0"/>
+              <a:t>Evaluations and Demo / Performance Difference</a:t>
+            </a:r>
+            <a:endParaRPr lang="en-GB" dirty="0"/>
+          </a:p>
+        </p:txBody>
+      </p:sp>
+      <p:sp>
+        <p:nvSpPr>
+          <p:cNvPr id="3" name="AutoShape 4">
+            <a:extLst>
+              <a:ext uri="{FF2B5EF4-FFF2-40B4-BE49-F238E27FC236}">
+                <a16:creationId xmlns:a16="http://schemas.microsoft.com/office/drawing/2014/main" id="{EC273306-3097-8181-9D8F-8BC45E4D6698}"/>
+              </a:ext>
+            </a:extLst>
+          </p:cNvPr>
+          <p:cNvSpPr>
+            <a:spLocks noChangeAspect="1" noChangeArrowheads="1"/>
+          </p:cNvSpPr>
+          <p:nvPr/>
+        </p:nvSpPr>
+        <p:spPr bwMode="auto">
+          <a:xfrm>
+            <a:off x="4419600" y="2419350"/>
+            <a:ext cx="304800" cy="304800"/>
+          </a:xfrm>
+          <a:prstGeom prst="rect">
+            <a:avLst/>
+          </a:prstGeom>
+          <a:noFill/>
+          <a:extLst>
+            <a:ext uri="{909E8E84-426E-40DD-AFC4-6F175D3DCCD1}">
+              <a14:hiddenFill xmlns:a14="http://schemas.microsoft.com/office/drawing/2010/main">
+                <a:solidFill>
+                  <a:srgbClr val="FFFFFF"/>
+                </a:solidFill>
+              </a14:hiddenFill>
+            </a:ext>
+          </a:extLst>
+        </p:spPr>
+        <p:txBody>
+          <a:bodyPr vert="horz" wrap="square" lIns="91440" tIns="45720" rIns="91440" bIns="45720" numCol="1" anchor="t" anchorCtr="0" compatLnSpc="1">
+            <a:prstTxWarp prst="textNoShape">
+              <a:avLst/>
+            </a:prstTxWarp>
+          </a:bodyPr>
+          <a:lstStyle/>
+          <a:p>
+            <a:endParaRPr lang="en-GB"/>
+          </a:p>
+        </p:txBody>
+      </p:sp>
+      <p:pic>
+        <p:nvPicPr>
+          <p:cNvPr id="4" name="Picture 2">
+            <a:extLst>
+              <a:ext uri="{FF2B5EF4-FFF2-40B4-BE49-F238E27FC236}">
+                <a16:creationId xmlns:a16="http://schemas.microsoft.com/office/drawing/2014/main" id="{453B55B5-AD62-3CA7-5D21-75184E29B095}"/>
+              </a:ext>
+            </a:extLst>
+          </p:cNvPr>
+          <p:cNvPicPr>
+            <a:picLocks noChangeAspect="1" noChangeArrowheads="1"/>
+          </p:cNvPicPr>
+          <p:nvPr/>
+        </p:nvPicPr>
+        <p:blipFill>
+          <a:blip r:embed="rId2">
+            <a:extLst>
+              <a:ext uri="{28A0092B-C50C-407E-A947-70E740481C1C}">
+                <a14:useLocalDpi xmlns:a14="http://schemas.microsoft.com/office/drawing/2010/main" val="0"/>
+              </a:ext>
+            </a:extLst>
+          </a:blip>
+          <a:srcRect/>
+          <a:stretch>
+            <a:fillRect/>
+          </a:stretch>
+        </p:blipFill>
+        <p:spPr bwMode="auto">
+          <a:xfrm>
+            <a:off x="728084" y="1493593"/>
+            <a:ext cx="3629083" cy="1951892"/>
+          </a:xfrm>
+          <a:prstGeom prst="rect">
+            <a:avLst/>
+          </a:prstGeom>
+          <a:noFill/>
+          <a:extLst>
+            <a:ext uri="{909E8E84-426E-40DD-AFC4-6F175D3DCCD1}">
+              <a14:hiddenFill xmlns:a14="http://schemas.microsoft.com/office/drawing/2010/main">
+                <a:solidFill>
+                  <a:srgbClr val="FFFFFF"/>
+                </a:solidFill>
+              </a14:hiddenFill>
+            </a:ext>
+          </a:extLst>
+        </p:spPr>
+      </p:pic>
+      <p:pic>
+        <p:nvPicPr>
+          <p:cNvPr id="5" name="Picture 6">
+            <a:extLst>
+              <a:ext uri="{FF2B5EF4-FFF2-40B4-BE49-F238E27FC236}">
+                <a16:creationId xmlns:a16="http://schemas.microsoft.com/office/drawing/2014/main" id="{E2C8E072-438C-0668-088B-94D77E2E1FE4}"/>
+              </a:ext>
+            </a:extLst>
+          </p:cNvPr>
+          <p:cNvPicPr>
+            <a:picLocks noChangeAspect="1" noChangeArrowheads="1"/>
+          </p:cNvPicPr>
+          <p:nvPr/>
+        </p:nvPicPr>
+        <p:blipFill>
+          <a:blip r:embed="rId3">
+            <a:extLst>
+              <a:ext uri="{28A0092B-C50C-407E-A947-70E740481C1C}">
+                <a14:useLocalDpi xmlns:a14="http://schemas.microsoft.com/office/drawing/2010/main" val="0"/>
+              </a:ext>
+            </a:extLst>
+          </a:blip>
+          <a:srcRect/>
+          <a:stretch>
+            <a:fillRect/>
+          </a:stretch>
+        </p:blipFill>
+        <p:spPr bwMode="auto">
+          <a:xfrm>
+            <a:off x="4786833" y="1452007"/>
+            <a:ext cx="3653174" cy="2023833"/>
+          </a:xfrm>
+          <a:prstGeom prst="rect">
+            <a:avLst/>
+          </a:prstGeom>
+          <a:noFill/>
+          <a:extLst>
+            <a:ext uri="{909E8E84-426E-40DD-AFC4-6F175D3DCCD1}">
+              <a14:hiddenFill xmlns:a14="http://schemas.microsoft.com/office/drawing/2010/main">
+                <a:solidFill>
+                  <a:srgbClr val="FFFFFF"/>
+                </a:solidFill>
+              </a14:hiddenFill>
+            </a:ext>
+          </a:extLst>
+        </p:spPr>
+      </p:pic>
+      <p:sp>
+        <p:nvSpPr>
+          <p:cNvPr id="7" name="文本框 6">
+            <a:extLst>
+              <a:ext uri="{FF2B5EF4-FFF2-40B4-BE49-F238E27FC236}">
+                <a16:creationId xmlns:a16="http://schemas.microsoft.com/office/drawing/2014/main" id="{8825555C-A450-6594-02EB-B59A0031C2B0}"/>
+              </a:ext>
+            </a:extLst>
+          </p:cNvPr>
+          <p:cNvSpPr txBox="1"/>
+          <p:nvPr/>
+        </p:nvSpPr>
+        <p:spPr>
+          <a:xfrm>
+            <a:off x="728084" y="1065885"/>
+            <a:ext cx="2806267" cy="307777"/>
+          </a:xfrm>
+          <a:prstGeom prst="rect">
+            <a:avLst/>
+          </a:prstGeom>
+          <a:noFill/>
+        </p:spPr>
+        <p:txBody>
+          <a:bodyPr wrap="square" rtlCol="0">
+            <a:spAutoFit/>
+          </a:bodyPr>
+          <a:lstStyle/>
+          <a:p>
+            <a:r>
+              <a:rPr lang="en-US" altLang="zh-CN" dirty="0">
+                <a:solidFill>
+                  <a:schemeClr val="tx1"/>
+                </a:solidFill>
+              </a:rPr>
+              <a:t>5 Iterations</a:t>
+            </a:r>
+            <a:endParaRPr lang="en-GB" dirty="0">
+              <a:solidFill>
+                <a:schemeClr val="tx1"/>
+              </a:solidFill>
+            </a:endParaRPr>
+          </a:p>
+        </p:txBody>
+      </p:sp>
+      <p:sp>
+        <p:nvSpPr>
+          <p:cNvPr id="8" name="文本框 7">
+            <a:extLst>
+              <a:ext uri="{FF2B5EF4-FFF2-40B4-BE49-F238E27FC236}">
+                <a16:creationId xmlns:a16="http://schemas.microsoft.com/office/drawing/2014/main" id="{633DB711-D8CF-636B-8DAB-515FA2330742}"/>
+              </a:ext>
+            </a:extLst>
+          </p:cNvPr>
+          <p:cNvSpPr txBox="1"/>
+          <p:nvPr/>
+        </p:nvSpPr>
+        <p:spPr>
+          <a:xfrm>
+            <a:off x="4786833" y="1068582"/>
+            <a:ext cx="2806267" cy="307777"/>
+          </a:xfrm>
+          <a:prstGeom prst="rect">
+            <a:avLst/>
+          </a:prstGeom>
+          <a:noFill/>
+        </p:spPr>
+        <p:txBody>
+          <a:bodyPr wrap="square" rtlCol="0">
+            <a:spAutoFit/>
+          </a:bodyPr>
+          <a:lstStyle/>
+          <a:p>
+            <a:r>
+              <a:rPr lang="en-US" altLang="zh-CN" dirty="0">
+                <a:solidFill>
+                  <a:schemeClr val="tx1"/>
+                </a:solidFill>
+              </a:rPr>
+              <a:t>10 Iterations</a:t>
+            </a:r>
+            <a:endParaRPr lang="en-GB" dirty="0">
+              <a:solidFill>
+                <a:schemeClr val="tx1"/>
+              </a:solidFill>
+            </a:endParaRPr>
+          </a:p>
+        </p:txBody>
+      </p:sp>
+    </p:spTree>
+    <p:extLst>
+      <p:ext uri="{BB962C8B-B14F-4D97-AF65-F5344CB8AC3E}">
+        <p14:creationId xmlns:p14="http://schemas.microsoft.com/office/powerpoint/2010/main" val="2371782419"/>
+      </p:ext>
+    </p:extLst>
+  </p:cSld>
+  <p:clrMapOvr>
+    <a:masterClrMapping/>
+  </p:clrMapOvr>
+</p:sld>
+</file>
+
 <file path=ppt/slides/slide22.xml><?xml version="1.0" encoding="utf-8"?>
+<p:sld xmlns:a="http://schemas.openxmlformats.org/drawingml/2006/main" xmlns:r="http://schemas.openxmlformats.org/officeDocument/2006/relationships" xmlns:p="http://schemas.openxmlformats.org/presentationml/2006/main">
+  <p:cSld>
+    <p:spTree>
+      <p:nvGrpSpPr>
+        <p:cNvPr id="1" name=""/>
+        <p:cNvGrpSpPr/>
+        <p:nvPr/>
+      </p:nvGrpSpPr>
+      <p:grpSpPr>
+        <a:xfrm>
+          <a:off x="0" y="0"/>
+          <a:ext cx="0" cy="0"/>
+          <a:chOff x="0" y="0"/>
+          <a:chExt cx="0" cy="0"/>
+        </a:xfrm>
+      </p:grpSpPr>
+      <p:sp>
+        <p:nvSpPr>
+          <p:cNvPr id="2" name="Title 1">
+            <a:extLst>
+              <a:ext uri="{FF2B5EF4-FFF2-40B4-BE49-F238E27FC236}">
+                <a16:creationId xmlns:a16="http://schemas.microsoft.com/office/drawing/2014/main" id="{29648C70-99A1-C031-170B-8B1A5F2968F0}"/>
+              </a:ext>
+            </a:extLst>
+          </p:cNvPr>
+          <p:cNvSpPr>
+            <a:spLocks noGrp="1"/>
+          </p:cNvSpPr>
+          <p:nvPr>
+            <p:ph type="title"/>
+          </p:nvPr>
+        </p:nvSpPr>
+        <p:spPr/>
+        <p:txBody>
+          <a:bodyPr>
+            <a:normAutofit fontScale="90000"/>
+          </a:bodyPr>
+          <a:lstStyle/>
+          <a:p>
+            <a:r>
+              <a:rPr lang="zh-CN"/>
+              <a:t>/ Evaluations and Demo / </a:t>
+            </a:r>
+            <a:r>
+              <a:rPr lang="en-US" altLang="zh-CN"/>
+              <a:t>Eliminate</a:t>
+            </a:r>
+            <a:r>
+              <a:rPr lang="zh-CN" altLang="en-US"/>
+              <a:t> </a:t>
+            </a:r>
+            <a:r>
+              <a:rPr lang="en-US" altLang="zh-CN"/>
+              <a:t>Features</a:t>
+            </a:r>
+            <a:endParaRPr lang="en-CN"/>
+          </a:p>
+        </p:txBody>
+      </p:sp>
+      <p:sp>
+        <p:nvSpPr>
+          <p:cNvPr id="4" name="Google Shape;179;p25">
+            <a:extLst>
+              <a:ext uri="{FF2B5EF4-FFF2-40B4-BE49-F238E27FC236}">
+                <a16:creationId xmlns:a16="http://schemas.microsoft.com/office/drawing/2014/main" id="{8E6F6120-1DF0-02F9-ABB7-B81676C6CD56}"/>
+              </a:ext>
+            </a:extLst>
+          </p:cNvPr>
+          <p:cNvSpPr txBox="1">
+            <a:spLocks/>
+          </p:cNvSpPr>
+          <p:nvPr/>
+        </p:nvSpPr>
+        <p:spPr>
+          <a:xfrm>
+            <a:off x="311600" y="1152475"/>
+            <a:ext cx="8520600" cy="3416400"/>
+          </a:xfrm>
+          <a:prstGeom prst="rect">
+            <a:avLst/>
+          </a:prstGeom>
+          <a:noFill/>
+          <a:ln>
+            <a:noFill/>
+          </a:ln>
+        </p:spPr>
+        <p:txBody>
+          <a:bodyPr spcFirstLastPara="1" wrap="square" lIns="91425" tIns="91425" rIns="91425" bIns="91425" anchor="t" anchorCtr="0">
+            <a:normAutofit/>
+          </a:bodyPr>
+          <a:lstStyle>
+            <a:defPPr marR="0" lvl="0" algn="l" rtl="0">
+              <a:lnSpc>
+                <a:spcPct val="100000"/>
+              </a:lnSpc>
+              <a:spcBef>
+                <a:spcPts val="0"/>
+              </a:spcBef>
+              <a:spcAft>
+                <a:spcPts val="0"/>
+              </a:spcAft>
+            </a:defPPr>
+            <a:lvl1pPr marL="457200" marR="0" lvl="0" indent="-342900" algn="l" rtl="0">
+              <a:lnSpc>
+                <a:spcPct val="115000"/>
+              </a:lnSpc>
+              <a:spcBef>
+                <a:spcPts val="0"/>
+              </a:spcBef>
+              <a:spcAft>
+                <a:spcPts val="0"/>
+              </a:spcAft>
+              <a:buClr>
+                <a:schemeClr val="lt2"/>
+              </a:buClr>
+              <a:buSzPts val="1800"/>
+              <a:buFont typeface="Arial"/>
+              <a:buChar char="●"/>
+              <a:defRPr sz="1800" b="0" i="0" u="none" strike="noStrike" cap="none">
+                <a:solidFill>
+                  <a:schemeClr val="lt2"/>
+                </a:solidFill>
+                <a:latin typeface="Arial"/>
+                <a:ea typeface="Arial"/>
+                <a:cs typeface="Arial"/>
+                <a:sym typeface="Arial"/>
+              </a:defRPr>
+            </a:lvl1pPr>
+            <a:lvl2pPr marL="914400" marR="0" lvl="1" indent="-317500" algn="l" rtl="0">
+              <a:lnSpc>
+                <a:spcPct val="115000"/>
+              </a:lnSpc>
+              <a:spcBef>
+                <a:spcPts val="0"/>
+              </a:spcBef>
+              <a:spcAft>
+                <a:spcPts val="0"/>
+              </a:spcAft>
+              <a:buClr>
+                <a:schemeClr val="lt2"/>
+              </a:buClr>
+              <a:buSzPts val="1400"/>
+              <a:buFont typeface="Arial"/>
+              <a:buChar char="○"/>
+              <a:defRPr sz="1400" b="0" i="0" u="none" strike="noStrike" cap="none">
+                <a:solidFill>
+                  <a:schemeClr val="lt2"/>
+                </a:solidFill>
+                <a:latin typeface="Arial"/>
+                <a:ea typeface="Arial"/>
+                <a:cs typeface="Arial"/>
+                <a:sym typeface="Arial"/>
+              </a:defRPr>
+            </a:lvl2pPr>
+            <a:lvl3pPr marL="1371600" marR="0" lvl="2" indent="-317500" algn="l" rtl="0">
+              <a:lnSpc>
+                <a:spcPct val="115000"/>
+              </a:lnSpc>
+              <a:spcBef>
+                <a:spcPts val="0"/>
+              </a:spcBef>
+              <a:spcAft>
+                <a:spcPts val="0"/>
+              </a:spcAft>
+              <a:buClr>
+                <a:schemeClr val="lt2"/>
+              </a:buClr>
+              <a:buSzPts val="1400"/>
+              <a:buFont typeface="Arial"/>
+              <a:buChar char="■"/>
+              <a:defRPr sz="1400" b="0" i="0" u="none" strike="noStrike" cap="none">
+                <a:solidFill>
+                  <a:schemeClr val="lt2"/>
+                </a:solidFill>
+                <a:latin typeface="Arial"/>
+                <a:ea typeface="Arial"/>
+                <a:cs typeface="Arial"/>
+                <a:sym typeface="Arial"/>
+              </a:defRPr>
+            </a:lvl3pPr>
+            <a:lvl4pPr marL="1828800" marR="0" lvl="3" indent="-317500" algn="l" rtl="0">
+              <a:lnSpc>
+                <a:spcPct val="115000"/>
+              </a:lnSpc>
+              <a:spcBef>
+                <a:spcPts val="0"/>
+              </a:spcBef>
+              <a:spcAft>
+                <a:spcPts val="0"/>
+              </a:spcAft>
+              <a:buClr>
+                <a:schemeClr val="lt2"/>
+              </a:buClr>
+              <a:buSzPts val="1400"/>
+              <a:buFont typeface="Arial"/>
+              <a:buChar char="●"/>
+              <a:defRPr sz="1400" b="0" i="0" u="none" strike="noStrike" cap="none">
+                <a:solidFill>
+                  <a:schemeClr val="lt2"/>
+                </a:solidFill>
+                <a:latin typeface="Arial"/>
+                <a:ea typeface="Arial"/>
+                <a:cs typeface="Arial"/>
+                <a:sym typeface="Arial"/>
+              </a:defRPr>
+            </a:lvl4pPr>
+            <a:lvl5pPr marL="2286000" marR="0" lvl="4" indent="-317500" algn="l" rtl="0">
+              <a:lnSpc>
+                <a:spcPct val="115000"/>
+              </a:lnSpc>
+              <a:spcBef>
+                <a:spcPts val="0"/>
+              </a:spcBef>
+              <a:spcAft>
+                <a:spcPts val="0"/>
+              </a:spcAft>
+              <a:buClr>
+                <a:schemeClr val="lt2"/>
+              </a:buClr>
+              <a:buSzPts val="1400"/>
+              <a:buFont typeface="Arial"/>
+              <a:buChar char="○"/>
+              <a:defRPr sz="1400" b="0" i="0" u="none" strike="noStrike" cap="none">
+                <a:solidFill>
+                  <a:schemeClr val="lt2"/>
+                </a:solidFill>
+                <a:latin typeface="Arial"/>
+                <a:ea typeface="Arial"/>
+                <a:cs typeface="Arial"/>
+                <a:sym typeface="Arial"/>
+              </a:defRPr>
+            </a:lvl5pPr>
+            <a:lvl6pPr marL="2743200" marR="0" lvl="5" indent="-317500" algn="l" rtl="0">
+              <a:lnSpc>
+                <a:spcPct val="115000"/>
+              </a:lnSpc>
+              <a:spcBef>
+                <a:spcPts val="0"/>
+              </a:spcBef>
+              <a:spcAft>
+                <a:spcPts val="0"/>
+              </a:spcAft>
+              <a:buClr>
+                <a:schemeClr val="lt2"/>
+              </a:buClr>
+              <a:buSzPts val="1400"/>
+              <a:buFont typeface="Arial"/>
+              <a:buChar char="■"/>
+              <a:defRPr sz="1400" b="0" i="0" u="none" strike="noStrike" cap="none">
+                <a:solidFill>
+                  <a:schemeClr val="lt2"/>
+                </a:solidFill>
+                <a:latin typeface="Arial"/>
+                <a:ea typeface="Arial"/>
+                <a:cs typeface="Arial"/>
+                <a:sym typeface="Arial"/>
+              </a:defRPr>
+            </a:lvl6pPr>
+            <a:lvl7pPr marL="3200400" marR="0" lvl="6" indent="-317500" algn="l" rtl="0">
+              <a:lnSpc>
+                <a:spcPct val="115000"/>
+              </a:lnSpc>
+              <a:spcBef>
+                <a:spcPts val="0"/>
+              </a:spcBef>
+              <a:spcAft>
+                <a:spcPts val="0"/>
+              </a:spcAft>
+              <a:buClr>
+                <a:schemeClr val="lt2"/>
+              </a:buClr>
+              <a:buSzPts val="1400"/>
+              <a:buFont typeface="Arial"/>
+              <a:buChar char="●"/>
+              <a:defRPr sz="1400" b="0" i="0" u="none" strike="noStrike" cap="none">
+                <a:solidFill>
+                  <a:schemeClr val="lt2"/>
+                </a:solidFill>
+                <a:latin typeface="Arial"/>
+                <a:ea typeface="Arial"/>
+                <a:cs typeface="Arial"/>
+                <a:sym typeface="Arial"/>
+              </a:defRPr>
+            </a:lvl7pPr>
+            <a:lvl8pPr marL="3657600" marR="0" lvl="7" indent="-317500" algn="l" rtl="0">
+              <a:lnSpc>
+                <a:spcPct val="115000"/>
+              </a:lnSpc>
+              <a:spcBef>
+                <a:spcPts val="0"/>
+              </a:spcBef>
+              <a:spcAft>
+                <a:spcPts val="0"/>
+              </a:spcAft>
+              <a:buClr>
+                <a:schemeClr val="lt2"/>
+              </a:buClr>
+              <a:buSzPts val="1400"/>
+              <a:buFont typeface="Arial"/>
+              <a:buChar char="○"/>
+              <a:defRPr sz="1400" b="0" i="0" u="none" strike="noStrike" cap="none">
+                <a:solidFill>
+                  <a:schemeClr val="lt2"/>
+                </a:solidFill>
+                <a:latin typeface="Arial"/>
+                <a:ea typeface="Arial"/>
+                <a:cs typeface="Arial"/>
+                <a:sym typeface="Arial"/>
+              </a:defRPr>
+            </a:lvl8pPr>
+            <a:lvl9pPr marL="4114800" marR="0" lvl="8" indent="-317500" algn="l" rtl="0">
+              <a:lnSpc>
+                <a:spcPct val="115000"/>
+              </a:lnSpc>
+              <a:spcBef>
+                <a:spcPts val="0"/>
+              </a:spcBef>
+              <a:spcAft>
+                <a:spcPts val="0"/>
+              </a:spcAft>
+              <a:buClr>
+                <a:schemeClr val="lt2"/>
+              </a:buClr>
+              <a:buSzPts val="1400"/>
+              <a:buFont typeface="Arial"/>
+              <a:buChar char="■"/>
+              <a:defRPr sz="1400" b="0" i="0" u="none" strike="noStrike" cap="none">
+                <a:solidFill>
+                  <a:schemeClr val="lt2"/>
+                </a:solidFill>
+                <a:latin typeface="Arial"/>
+                <a:ea typeface="Arial"/>
+                <a:cs typeface="Arial"/>
+                <a:sym typeface="Arial"/>
+              </a:defRPr>
+            </a:lvl9pPr>
+          </a:lstStyle>
+          <a:p>
+            <a:pPr marL="0" indent="0">
+              <a:buFont typeface="Arial"/>
+              <a:buNone/>
+            </a:pPr>
+            <a:r>
+              <a:rPr lang="en-US" altLang="zh-CN" dirty="0"/>
+              <a:t>Too</a:t>
+            </a:r>
+            <a:r>
+              <a:rPr lang="zh-CN" altLang="en-US" dirty="0"/>
+              <a:t> </a:t>
+            </a:r>
+            <a:r>
+              <a:rPr lang="en-US" altLang="zh-CN" dirty="0"/>
+              <a:t>much</a:t>
+            </a:r>
+            <a:r>
+              <a:rPr lang="zh-CN" altLang="en-US" dirty="0"/>
+              <a:t> </a:t>
+            </a:r>
+            <a:r>
+              <a:rPr lang="en-US" altLang="zh-CN" dirty="0"/>
+              <a:t>Negative</a:t>
+            </a:r>
+            <a:r>
+              <a:rPr lang="zh-CN" altLang="en-US" dirty="0"/>
+              <a:t> </a:t>
+            </a:r>
+            <a:r>
+              <a:rPr lang="en-US" altLang="zh-CN" dirty="0"/>
+              <a:t>Internal</a:t>
+            </a:r>
+            <a:r>
+              <a:rPr lang="zh-CN" altLang="en-US" dirty="0"/>
+              <a:t> </a:t>
+            </a:r>
+            <a:r>
+              <a:rPr lang="en-US" altLang="zh-CN" dirty="0"/>
+              <a:t>Pattern</a:t>
+            </a:r>
+            <a:r>
+              <a:rPr lang="zh-CN" altLang="en-US" dirty="0"/>
+              <a:t> </a:t>
+            </a:r>
+            <a:r>
+              <a:rPr lang="en-US" altLang="zh-CN" dirty="0"/>
+              <a:t>Features.</a:t>
+            </a:r>
+          </a:p>
+          <a:p>
+            <a:pPr marL="285750" indent="-285750">
+              <a:buFontTx/>
+              <a:buChar char="-"/>
+            </a:pPr>
+            <a:r>
+              <a:rPr lang="en-US" altLang="zh-CN" dirty="0"/>
+              <a:t>Helps</a:t>
+            </a:r>
+            <a:r>
+              <a:rPr lang="zh-CN" altLang="en-US" dirty="0"/>
+              <a:t> </a:t>
+            </a:r>
+            <a:r>
+              <a:rPr lang="en-US" altLang="zh-CN" dirty="0"/>
+              <a:t>to</a:t>
+            </a:r>
+            <a:r>
+              <a:rPr lang="zh-CN" altLang="en-US" dirty="0"/>
+              <a:t> </a:t>
+            </a:r>
+            <a:r>
+              <a:rPr lang="en-US" altLang="zh-CN" dirty="0"/>
+              <a:t>improve</a:t>
+            </a:r>
+            <a:r>
+              <a:rPr lang="zh-CN" altLang="en-US" dirty="0"/>
+              <a:t> </a:t>
+            </a:r>
+            <a:r>
+              <a:rPr lang="en-US" altLang="zh-CN" dirty="0"/>
+              <a:t>F-Score,</a:t>
+            </a:r>
+            <a:r>
+              <a:rPr lang="zh-CN" altLang="en-US" dirty="0"/>
+              <a:t> </a:t>
+            </a:r>
+            <a:r>
+              <a:rPr lang="en-US" altLang="zh-CN" dirty="0"/>
+              <a:t>especially</a:t>
+            </a:r>
+            <a:r>
+              <a:rPr lang="zh-CN" altLang="en-US" dirty="0"/>
+              <a:t> </a:t>
+            </a:r>
+            <a:r>
+              <a:rPr lang="en-US" altLang="zh-CN" dirty="0"/>
+              <a:t>recall</a:t>
+            </a:r>
+          </a:p>
+          <a:p>
+            <a:pPr marL="285750" indent="-285750">
+              <a:buFontTx/>
+              <a:buChar char="-"/>
+            </a:pPr>
+            <a:r>
+              <a:rPr lang="en-US" altLang="zh-CN" dirty="0"/>
+              <a:t>However,</a:t>
+            </a:r>
+            <a:r>
+              <a:rPr lang="zh-CN" altLang="en-US" dirty="0"/>
+              <a:t> </a:t>
+            </a:r>
+            <a:r>
+              <a:rPr lang="en-US" altLang="zh-CN" dirty="0"/>
+              <a:t>causes</a:t>
+            </a:r>
+            <a:r>
+              <a:rPr lang="zh-CN" altLang="en-US" dirty="0"/>
+              <a:t> </a:t>
+            </a:r>
+            <a:r>
+              <a:rPr lang="en-US" altLang="zh-CN" dirty="0"/>
+              <a:t>over-fitting.</a:t>
+            </a:r>
+            <a:r>
+              <a:rPr lang="zh-CN" altLang="en-US" dirty="0"/>
+              <a:t> </a:t>
+            </a:r>
+            <a:endParaRPr lang="en-US" altLang="zh-CN" dirty="0"/>
+          </a:p>
+          <a:p>
+            <a:pPr marL="285750" indent="-285750">
+              <a:buFontTx/>
+              <a:buChar char="-"/>
+            </a:pPr>
+            <a:r>
+              <a:rPr lang="en-US" altLang="zh-CN" dirty="0" err="1"/>
+              <a:t>Disencourage</a:t>
+            </a:r>
+            <a:r>
+              <a:rPr lang="zh-CN" altLang="en-US" dirty="0"/>
+              <a:t> </a:t>
+            </a:r>
+            <a:r>
+              <a:rPr lang="en-US" altLang="zh-CN" dirty="0"/>
+              <a:t>innovation.</a:t>
+            </a:r>
+          </a:p>
+          <a:p>
+            <a:pPr marL="285750" indent="-285750">
+              <a:buFontTx/>
+              <a:buChar char="-"/>
+            </a:pPr>
+            <a:r>
+              <a:rPr lang="en-US" altLang="zh-CN" dirty="0"/>
+              <a:t>Synonym:</a:t>
+            </a:r>
+            <a:r>
+              <a:rPr lang="zh-CN" altLang="en-US" dirty="0"/>
+              <a:t> </a:t>
+            </a:r>
+            <a:r>
+              <a:rPr lang="en-US" altLang="zh-CN" dirty="0"/>
+              <a:t>You</a:t>
+            </a:r>
+            <a:r>
+              <a:rPr lang="zh-CN" altLang="en-US" dirty="0"/>
+              <a:t> </a:t>
+            </a:r>
+            <a:r>
+              <a:rPr lang="en-US" altLang="zh-CN" dirty="0"/>
+              <a:t>can’t</a:t>
+            </a:r>
+            <a:r>
+              <a:rPr lang="zh-CN" altLang="en-US" dirty="0"/>
+              <a:t> </a:t>
+            </a:r>
+            <a:r>
+              <a:rPr lang="en-US" altLang="zh-CN" dirty="0"/>
+              <a:t>make</a:t>
+            </a:r>
+            <a:r>
+              <a:rPr lang="zh-CN" altLang="en-US" dirty="0"/>
+              <a:t> </a:t>
+            </a:r>
+            <a:r>
+              <a:rPr lang="en-US" altLang="zh-CN" dirty="0"/>
+              <a:t>a</a:t>
+            </a:r>
+            <a:r>
+              <a:rPr lang="zh-CN" altLang="en-US" dirty="0"/>
+              <a:t> </a:t>
+            </a:r>
+            <a:r>
+              <a:rPr lang="en-US" altLang="zh-CN" dirty="0"/>
+              <a:t>child</a:t>
+            </a:r>
+            <a:r>
+              <a:rPr lang="zh-CN" altLang="en-US" dirty="0"/>
+              <a:t> </a:t>
+            </a:r>
+            <a:r>
+              <a:rPr lang="en-US" altLang="zh-CN" dirty="0"/>
+              <a:t>successful</a:t>
+            </a:r>
+            <a:r>
+              <a:rPr lang="zh-CN" altLang="en-US" dirty="0"/>
+              <a:t> </a:t>
+            </a:r>
+            <a:r>
+              <a:rPr lang="en-US" altLang="zh-CN" dirty="0"/>
+              <a:t>by</a:t>
+            </a:r>
+            <a:r>
+              <a:rPr lang="zh-CN" altLang="en-US" dirty="0"/>
+              <a:t> </a:t>
+            </a:r>
+            <a:r>
+              <a:rPr lang="en-US" altLang="zh-CN" dirty="0"/>
+              <a:t>regulating</a:t>
+            </a:r>
+            <a:r>
+              <a:rPr lang="zh-CN" altLang="en-US" dirty="0"/>
+              <a:t> </a:t>
+            </a:r>
+            <a:r>
+              <a:rPr lang="en-US" altLang="zh-CN" dirty="0"/>
+              <a:t>him</a:t>
+            </a:r>
+            <a:r>
+              <a:rPr lang="zh-CN" altLang="en-US" dirty="0"/>
+              <a:t> </a:t>
+            </a:r>
+            <a:r>
+              <a:rPr lang="en-US" altLang="zh-CN" dirty="0"/>
+              <a:t>too</a:t>
+            </a:r>
+            <a:r>
+              <a:rPr lang="zh-CN" altLang="en-US" dirty="0"/>
+              <a:t> </a:t>
+            </a:r>
+            <a:r>
+              <a:rPr lang="en-US" altLang="zh-CN" dirty="0"/>
+              <a:t>much.</a:t>
+            </a:r>
+            <a:endParaRPr lang="en-US" dirty="0"/>
+          </a:p>
+        </p:txBody>
+      </p:sp>
+    </p:spTree>
+    <p:extLst>
+      <p:ext uri="{BB962C8B-B14F-4D97-AF65-F5344CB8AC3E}">
+        <p14:creationId xmlns:p14="http://schemas.microsoft.com/office/powerpoint/2010/main" val="3904861656"/>
+      </p:ext>
+    </p:extLst>
+  </p:cSld>
+  <p:clrMapOvr>
+    <a:masterClrMapping/>
+  </p:clrMapOvr>
+</p:sld>
+</file>
+
+<file path=ppt/slides/slide23.xml><?xml version="1.0" encoding="utf-8"?>
 <p:sld xmlns:a="http://schemas.openxmlformats.org/drawingml/2006/main" xmlns:r="http://schemas.openxmlformats.org/officeDocument/2006/relationships" xmlns:p="http://schemas.openxmlformats.org/presentationml/2006/main">
   <p:cSld>
     <p:spTree>
@@ -18589,7 +18851,7 @@
 </p:sld>
 </file>
 
-<file path=ppt/slides/slide23.xml><?xml version="1.0" encoding="utf-8"?>
+<file path=ppt/slides/slide24.xml><?xml version="1.0" encoding="utf-8"?>
 <p:sld xmlns:a="http://schemas.openxmlformats.org/drawingml/2006/main" xmlns:r="http://schemas.openxmlformats.org/officeDocument/2006/relationships" xmlns:p="http://schemas.openxmlformats.org/presentationml/2006/main">
   <p:cSld>
     <p:spTree>
@@ -18975,7 +19237,7 @@
         <p14:prism/>
       </p:transition>
     </mc:Choice>
-    <mc:Fallback xmlns="" xmlns:mv="urn:schemas-microsoft-com:mac:vml" xmlns:c="http://schemas.openxmlformats.org/drawingml/2006/chart" xmlns:dgm="http://schemas.openxmlformats.org/drawingml/2006/diagram" xmlns:o="urn:schemas-microsoft-com:office:office" xmlns:v="urn:schemas-microsoft-com:vml" xmlns:pvml="urn:schemas-microsoft-com:office:powerpoint" xmlns:com="http://schemas.openxmlformats.org/drawingml/2006/compatibility" xmlns:p15="http://schemas.microsoft.com/office/powerpoint/2012/main" xmlns:ahyp="http://schemas.microsoft.com/office/drawing/2018/hyperlinkcolor">
+    <mc:Fallback xmlns:ahyp="http://schemas.microsoft.com/office/drawing/2018/hyperlinkcolor" xmlns:p15="http://schemas.microsoft.com/office/powerpoint/2012/main" xmlns:com="http://schemas.openxmlformats.org/drawingml/2006/compatibility" xmlns:pvml="urn:schemas-microsoft-com:office:powerpoint" xmlns:v="urn:schemas-microsoft-com:vml" xmlns:o="urn:schemas-microsoft-com:office:office" xmlns:dgm="http://schemas.openxmlformats.org/drawingml/2006/diagram" xmlns:c="http://schemas.openxmlformats.org/drawingml/2006/chart" xmlns:mv="urn:schemas-microsoft-com:mac:vml" xmlns="">
       <p:transition spd="med">
         <p:fade/>
       </p:transition>
@@ -19105,7 +19367,7 @@
         <p14:prism/>
       </p:transition>
     </mc:Choice>
-    <mc:Fallback xmlns="" xmlns:mv="urn:schemas-microsoft-com:mac:vml" xmlns:c="http://schemas.openxmlformats.org/drawingml/2006/chart" xmlns:dgm="http://schemas.openxmlformats.org/drawingml/2006/diagram" xmlns:o="urn:schemas-microsoft-com:office:office" xmlns:v="urn:schemas-microsoft-com:vml" xmlns:pvml="urn:schemas-microsoft-com:office:powerpoint" xmlns:com="http://schemas.openxmlformats.org/drawingml/2006/compatibility" xmlns:p15="http://schemas.microsoft.com/office/powerpoint/2012/main" xmlns:ahyp="http://schemas.microsoft.com/office/drawing/2018/hyperlinkcolor">
+    <mc:Fallback xmlns:ahyp="http://schemas.microsoft.com/office/drawing/2018/hyperlinkcolor" xmlns:p15="http://schemas.microsoft.com/office/powerpoint/2012/main" xmlns:com="http://schemas.openxmlformats.org/drawingml/2006/compatibility" xmlns:pvml="urn:schemas-microsoft-com:office:powerpoint" xmlns:v="urn:schemas-microsoft-com:vml" xmlns:o="urn:schemas-microsoft-com:office:office" xmlns:dgm="http://schemas.openxmlformats.org/drawingml/2006/diagram" xmlns:c="http://schemas.openxmlformats.org/drawingml/2006/chart" xmlns:mv="urn:schemas-microsoft-com:mac:vml" xmlns="">
       <p:transition spd="med">
         <p:fade/>
       </p:transition>

--- a/CISC3025-Project3-Presentation.pptx
+++ b/CISC3025-Project3-Presentation.pptx
@@ -28,8 +28,8 @@
     <p:sldId id="270" r:id="rId19"/>
     <p:sldId id="271" r:id="rId20"/>
     <p:sldId id="281" r:id="rId21"/>
-    <p:sldId id="282" r:id="rId22"/>
-    <p:sldId id="277" r:id="rId23"/>
+    <p:sldId id="277" r:id="rId22"/>
+    <p:sldId id="282" r:id="rId23"/>
     <p:sldId id="273" r:id="rId24"/>
     <p:sldId id="274" r:id="rId25"/>
   </p:sldIdLst>
@@ -796,118 +796,6 @@
           </a:bodyPr>
           <a:lstStyle/>
           <a:p>
-            <a:pPr rtl="0">
-              <a:spcBef>
-                <a:spcPts val="0"/>
-              </a:spcBef>
-              <a:spcAft>
-                <a:spcPts val="0"/>
-              </a:spcAft>
-            </a:pPr>
-            <a:r>
-              <a:rPr lang="en-GB" sz="1800" b="0" i="0" u="none" strike="noStrike" dirty="0">
-                <a:solidFill>
-                  <a:srgbClr val="000000"/>
-                </a:solidFill>
-                <a:effectLst/>
-                <a:latin typeface="Arial" panose="020B0604020202020204" pitchFamily="34" charset="0"/>
-              </a:rPr>
-              <a:t>There are three essential steps to build a maxent model.</a:t>
-            </a:r>
-            <a:endParaRPr lang="en-GB" b="0" dirty="0">
-              <a:effectLst/>
-            </a:endParaRPr>
-          </a:p>
-          <a:p>
-            <a:pPr rtl="0">
-              <a:spcBef>
-                <a:spcPts val="0"/>
-              </a:spcBef>
-              <a:spcAft>
-                <a:spcPts val="0"/>
-              </a:spcAft>
-            </a:pPr>
-            <a:r>
-              <a:rPr lang="en-GB" sz="1800" b="0" i="0" u="none" strike="noStrike" dirty="0">
-                <a:solidFill>
-                  <a:srgbClr val="000000"/>
-                </a:solidFill>
-                <a:effectLst/>
-                <a:latin typeface="Arial" panose="020B0604020202020204" pitchFamily="34" charset="0"/>
-              </a:rPr>
-              <a:t>First, we need to select </a:t>
-            </a:r>
-            <a:r>
-              <a:rPr lang="en-GB" sz="1800" b="0" i="0" u="none" strike="noStrike" dirty="0" err="1">
-                <a:solidFill>
-                  <a:srgbClr val="000000"/>
-                </a:solidFill>
-                <a:effectLst/>
-                <a:latin typeface="Arial" panose="020B0604020202020204" pitchFamily="34" charset="0"/>
-              </a:rPr>
-              <a:t>observatble</a:t>
-            </a:r>
-            <a:r>
-              <a:rPr lang="en-GB" sz="1800" b="0" i="0" u="none" strike="noStrike" dirty="0">
-                <a:solidFill>
-                  <a:srgbClr val="000000"/>
-                </a:solidFill>
-                <a:effectLst/>
-                <a:latin typeface="Arial" panose="020B0604020202020204" pitchFamily="34" charset="0"/>
-              </a:rPr>
-              <a:t> features with respects to each data points.</a:t>
-            </a:r>
-            <a:endParaRPr lang="en-GB" b="0" dirty="0">
-              <a:effectLst/>
-            </a:endParaRPr>
-          </a:p>
-          <a:p>
-            <a:pPr rtl="0">
-              <a:spcBef>
-                <a:spcPts val="0"/>
-              </a:spcBef>
-              <a:spcAft>
-                <a:spcPts val="0"/>
-              </a:spcAft>
-            </a:pPr>
-            <a:r>
-              <a:rPr lang="en-GB" sz="1800" b="0" i="0" u="none" strike="noStrike" dirty="0">
-                <a:solidFill>
-                  <a:srgbClr val="000000"/>
-                </a:solidFill>
-                <a:effectLst/>
-                <a:latin typeface="Arial" panose="020B0604020202020204" pitchFamily="34" charset="0"/>
-              </a:rPr>
-              <a:t>Then, we will weight the features using machine learning for discriminating the classes.</a:t>
-            </a:r>
-            <a:endParaRPr lang="en-GB" b="0" dirty="0">
-              <a:effectLst/>
-            </a:endParaRPr>
-          </a:p>
-          <a:p>
-            <a:pPr rtl="0">
-              <a:spcBef>
-                <a:spcPts val="0"/>
-              </a:spcBef>
-              <a:spcAft>
-                <a:spcPts val="0"/>
-              </a:spcAft>
-            </a:pPr>
-            <a:r>
-              <a:rPr lang="en-GB" sz="1800" b="0" i="0" u="none" strike="noStrike" dirty="0">
-                <a:solidFill>
-                  <a:srgbClr val="000000"/>
-                </a:solidFill>
-                <a:effectLst/>
-                <a:latin typeface="Arial" panose="020B0604020202020204" pitchFamily="34" charset="0"/>
-              </a:rPr>
-              <a:t>Lastly, we will evaluate the performance of the model, and see how the feature selected goes for doing </a:t>
-            </a:r>
-            <a:endParaRPr lang="en-GB" b="0" dirty="0">
-              <a:effectLst/>
-            </a:endParaRPr>
-          </a:p>
-          <a:p>
             <a:br>
               <a:rPr lang="en-GB" dirty="0"/>
             </a:br>
@@ -972,7 +860,13 @@
           <a:bodyPr/>
           <a:lstStyle/>
           <a:p>
-            <a:endParaRPr lang="en-CN" dirty="0"/>
+            <a:pPr marL="158750" indent="0">
+              <a:buNone/>
+            </a:pPr>
+            <a:r>
+              <a:rPr lang="en-GB" dirty="0"/>
+              <a:t>To prevent overfitting, we eliminated some negative features (including IPF and CF) that regulates the model too much.</a:t>
+            </a:r>
           </a:p>
         </p:txBody>
       </p:sp>
@@ -1038,7 +932,14 @@
           <a:bodyPr/>
           <a:lstStyle/>
           <a:p>
-            <a:endParaRPr lang="en-CN"/>
+            <a:pPr marL="158750" indent="0">
+              <a:buNone/>
+            </a:pPr>
+            <a:r>
+              <a:rPr lang="en-GB" dirty="0"/>
+              <a:t>Moreover, we would like to merge some library features.</a:t>
+            </a:r>
+            <a:endParaRPr lang="en-CN" dirty="0"/>
           </a:p>
         </p:txBody>
       </p:sp>
@@ -1150,7 +1051,7 @@
         </p:nvSpPr>
         <p:spPr>
           <a:xfrm>
-            <a:off x="381300" y="685800"/>
+            <a:off x="381000" y="685800"/>
             <a:ext cx="6096000" cy="3429000"/>
           </a:xfrm>
           <a:custGeom>
@@ -1213,7 +1114,11 @@
               </a:spcAft>
               <a:buNone/>
             </a:pPr>
-            <a:endParaRPr/>
+            <a:r>
+              <a:rPr lang="en-GB" dirty="0"/>
+              <a:t>Next, the web application.</a:t>
+            </a:r>
+            <a:endParaRPr dirty="0"/>
           </a:p>
         </p:txBody>
       </p:sp>
@@ -1317,7 +1222,11 @@
               </a:spcAft>
               <a:buNone/>
             </a:pPr>
-            <a:endParaRPr/>
+            <a:r>
+              <a:rPr lang="en-GB" dirty="0"/>
+              <a:t>We use plain HTML + CSS + JS as our frontend framework, and Django as a backend framework.</a:t>
+            </a:r>
+            <a:endParaRPr dirty="0"/>
           </a:p>
         </p:txBody>
       </p:sp>
@@ -1421,7 +1330,42 @@
               </a:spcAft>
               <a:buNone/>
             </a:pPr>
-            <a:endParaRPr/>
+            <a:r>
+              <a:rPr lang="en-GB" dirty="0"/>
+              <a:t>HTML and CSS are used for styling the website.</a:t>
+            </a:r>
+          </a:p>
+          <a:p>
+            <a:pPr marL="0" lvl="0" indent="0" algn="l" rtl="0">
+              <a:spcBef>
+                <a:spcPts val="0"/>
+              </a:spcBef>
+              <a:spcAft>
+                <a:spcPts val="0"/>
+              </a:spcAft>
+              <a:buNone/>
+            </a:pPr>
+            <a:endParaRPr lang="en-GB" dirty="0"/>
+          </a:p>
+          <a:p>
+            <a:pPr marL="0" lvl="0" indent="0" algn="l" rtl="0">
+              <a:spcBef>
+                <a:spcPts val="0"/>
+              </a:spcBef>
+              <a:spcAft>
+                <a:spcPts val="0"/>
+              </a:spcAft>
+              <a:buNone/>
+            </a:pPr>
+            <a:r>
+              <a:rPr lang="en-GB" dirty="0" err="1"/>
+              <a:t>Javascript</a:t>
+            </a:r>
+            <a:r>
+              <a:rPr lang="en-GB" dirty="0"/>
+              <a:t> is used to send asynchronous messages to the server, and fetch the response asynchronously.</a:t>
+            </a:r>
+            <a:endParaRPr dirty="0"/>
           </a:p>
         </p:txBody>
       </p:sp>
@@ -1462,7 +1406,7 @@
         </p:nvSpPr>
         <p:spPr>
           <a:xfrm>
-            <a:off x="381300" y="685800"/>
+            <a:off x="381000" y="685800"/>
             <a:ext cx="6096000" cy="3429000"/>
           </a:xfrm>
           <a:custGeom>
@@ -1525,7 +1469,73 @@
               </a:spcAft>
               <a:buNone/>
             </a:pPr>
-            <a:endParaRPr/>
+            <a:r>
+              <a:rPr lang="en-GB" dirty="0"/>
+              <a:t>Django is a Model-</a:t>
+            </a:r>
+            <a:r>
+              <a:rPr lang="en-GB" dirty="0" err="1"/>
+              <a:t>Templ</a:t>
+            </a:r>
+            <a:r>
+              <a:rPr lang="en-US" altLang="zh-CN" dirty="0"/>
+              <a:t>ate-View Framework.</a:t>
+            </a:r>
+          </a:p>
+          <a:p>
+            <a:pPr marL="0" lvl="0" indent="0" algn="l" rtl="0">
+              <a:spcBef>
+                <a:spcPts val="0"/>
+              </a:spcBef>
+              <a:spcAft>
+                <a:spcPts val="0"/>
+              </a:spcAft>
+              <a:buNone/>
+            </a:pPr>
+            <a:endParaRPr lang="en-US" dirty="0"/>
+          </a:p>
+          <a:p>
+            <a:pPr marL="0" lvl="0" indent="0" algn="l" rtl="0">
+              <a:spcBef>
+                <a:spcPts val="0"/>
+              </a:spcBef>
+              <a:spcAft>
+                <a:spcPts val="0"/>
+              </a:spcAft>
+              <a:buNone/>
+            </a:pPr>
+            <a:r>
+              <a:rPr lang="en-US" dirty="0"/>
+              <a:t>A view defines how the backend respond to the frontend when it is faced some specific requests.</a:t>
+            </a:r>
+          </a:p>
+          <a:p>
+            <a:pPr marL="0" lvl="0" indent="0" algn="l" rtl="0">
+              <a:spcBef>
+                <a:spcPts val="0"/>
+              </a:spcBef>
+              <a:spcAft>
+                <a:spcPts val="0"/>
+              </a:spcAft>
+              <a:buNone/>
+            </a:pPr>
+            <a:endParaRPr lang="en-US" dirty="0"/>
+          </a:p>
+          <a:p>
+            <a:pPr marL="0" lvl="0" indent="0" algn="l" rtl="0">
+              <a:spcBef>
+                <a:spcPts val="0"/>
+              </a:spcBef>
+              <a:spcAft>
+                <a:spcPts val="0"/>
+              </a:spcAft>
+              <a:buNone/>
+            </a:pPr>
+            <a:r>
+              <a:rPr lang="en-US" dirty="0"/>
+              <a:t>In this case, we want the backend to pass the processed input query, that is the tagged query, to the front-end.</a:t>
+            </a:r>
+            <a:endParaRPr dirty="0"/>
           </a:p>
         </p:txBody>
       </p:sp>
@@ -1566,7 +1576,7 @@
         </p:nvSpPr>
         <p:spPr>
           <a:xfrm>
-            <a:off x="381300" y="685800"/>
+            <a:off x="381000" y="685800"/>
             <a:ext cx="6096000" cy="3429000"/>
           </a:xfrm>
           <a:custGeom>
@@ -1629,7 +1639,11 @@
               </a:spcAft>
               <a:buNone/>
             </a:pPr>
-            <a:endParaRPr/>
+            <a:r>
+              <a:rPr lang="en-GB" dirty="0"/>
+              <a:t>This is a peak view of the code.</a:t>
+            </a:r>
+            <a:endParaRPr dirty="0"/>
           </a:p>
         </p:txBody>
       </p:sp>
@@ -1670,7 +1684,7 @@
         </p:nvSpPr>
         <p:spPr>
           <a:xfrm>
-            <a:off x="381300" y="685800"/>
+            <a:off x="381000" y="685800"/>
             <a:ext cx="6096000" cy="3429000"/>
           </a:xfrm>
           <a:custGeom>
@@ -1733,7 +1747,11 @@
               </a:spcAft>
               <a:buNone/>
             </a:pPr>
-            <a:endParaRPr/>
+            <a:r>
+              <a:rPr lang="en-GB" dirty="0"/>
+              <a:t>This is the UML of the cooperation of Front-end and Backend.</a:t>
+            </a:r>
+            <a:endParaRPr dirty="0"/>
           </a:p>
         </p:txBody>
       </p:sp>
@@ -1931,6 +1949,173 @@
             <a:noAutofit/>
           </a:bodyPr>
           <a:lstStyle/>
+          <a:p>
+            <a:pPr marL="158750" indent="0" rtl="0">
+              <a:spcBef>
+                <a:spcPts val="0"/>
+              </a:spcBef>
+              <a:spcAft>
+                <a:spcPts val="0"/>
+              </a:spcAft>
+              <a:buNone/>
+            </a:pPr>
+            <a:r>
+              <a:rPr lang="en-GB" sz="1100" b="0" i="0" u="none" strike="noStrike" dirty="0">
+                <a:solidFill>
+                  <a:srgbClr val="000000"/>
+                </a:solidFill>
+                <a:effectLst/>
+                <a:latin typeface="Arial" panose="020B0604020202020204" pitchFamily="34" charset="0"/>
+              </a:rPr>
+              <a:t>There are three essential steps to build a maxent model.</a:t>
+            </a:r>
+          </a:p>
+          <a:p>
+            <a:pPr marL="158750" indent="0" rtl="0">
+              <a:spcBef>
+                <a:spcPts val="0"/>
+              </a:spcBef>
+              <a:spcAft>
+                <a:spcPts val="0"/>
+              </a:spcAft>
+              <a:buNone/>
+            </a:pPr>
+            <a:endParaRPr lang="en-GB" b="0" dirty="0">
+              <a:effectLst/>
+            </a:endParaRPr>
+          </a:p>
+          <a:p>
+            <a:pPr marL="158750" indent="0" rtl="0">
+              <a:spcBef>
+                <a:spcPts val="0"/>
+              </a:spcBef>
+              <a:spcAft>
+                <a:spcPts val="0"/>
+              </a:spcAft>
+              <a:buNone/>
+            </a:pPr>
+            <a:r>
+              <a:rPr lang="en-GB" sz="1100" b="0" i="0" u="none" strike="noStrike" dirty="0">
+                <a:solidFill>
+                  <a:srgbClr val="000000"/>
+                </a:solidFill>
+                <a:effectLst/>
+                <a:latin typeface="Arial" panose="020B0604020202020204" pitchFamily="34" charset="0"/>
+              </a:rPr>
+              <a:t>First, we need to select observable features with respects to each data points.</a:t>
+            </a:r>
+            <a:endParaRPr lang="en-GB" b="0" dirty="0">
+              <a:effectLst/>
+            </a:endParaRPr>
+          </a:p>
+          <a:p>
+            <a:pPr marL="158750" indent="0" rtl="0">
+              <a:spcBef>
+                <a:spcPts val="0"/>
+              </a:spcBef>
+              <a:spcAft>
+                <a:spcPts val="0"/>
+              </a:spcAft>
+              <a:buNone/>
+            </a:pPr>
+            <a:r>
+              <a:rPr lang="en-GB" sz="1100" b="0" i="0" u="none" strike="noStrike" dirty="0">
+                <a:solidFill>
+                  <a:srgbClr val="000000"/>
+                </a:solidFill>
+                <a:effectLst/>
+                <a:latin typeface="Arial" panose="020B0604020202020204" pitchFamily="34" charset="0"/>
+              </a:rPr>
+              <a:t>Then, we will weight the features using machine learning for the</a:t>
+            </a:r>
+            <a:r>
+              <a:rPr lang="zh-CN" altLang="en-US" sz="1100" b="0" i="0" u="none" strike="noStrike" dirty="0">
+                <a:solidFill>
+                  <a:srgbClr val="000000"/>
+                </a:solidFill>
+                <a:effectLst/>
+                <a:latin typeface="Arial" panose="020B0604020202020204" pitchFamily="34" charset="0"/>
+              </a:rPr>
+              <a:t> </a:t>
+            </a:r>
+            <a:r>
+              <a:rPr lang="en-GB" altLang="zh-CN" sz="1100" b="0" i="0" u="none" strike="noStrike" dirty="0">
+                <a:solidFill>
+                  <a:srgbClr val="000000"/>
+                </a:solidFill>
+                <a:effectLst/>
+                <a:latin typeface="Arial" panose="020B0604020202020204" pitchFamily="34" charset="0"/>
+              </a:rPr>
+              <a:t>purpose</a:t>
+            </a:r>
+            <a:r>
+              <a:rPr lang="zh-CN" altLang="en-US" sz="1100" b="0" i="0" u="none" strike="noStrike" dirty="0">
+                <a:solidFill>
+                  <a:srgbClr val="000000"/>
+                </a:solidFill>
+                <a:effectLst/>
+                <a:latin typeface="Arial" panose="020B0604020202020204" pitchFamily="34" charset="0"/>
+              </a:rPr>
+              <a:t> </a:t>
+            </a:r>
+            <a:r>
+              <a:rPr lang="en-GB" altLang="zh-CN" sz="1100" b="0" i="0" u="none" strike="noStrike" dirty="0">
+                <a:solidFill>
+                  <a:srgbClr val="000000"/>
+                </a:solidFill>
+                <a:effectLst/>
+                <a:latin typeface="Arial" panose="020B0604020202020204" pitchFamily="34" charset="0"/>
+              </a:rPr>
+              <a:t>of</a:t>
+            </a:r>
+            <a:r>
+              <a:rPr lang="zh-CN" altLang="en-US" sz="1100" b="0" i="0" u="none" strike="noStrike" dirty="0">
+                <a:solidFill>
+                  <a:srgbClr val="000000"/>
+                </a:solidFill>
+                <a:effectLst/>
+                <a:latin typeface="Arial" panose="020B0604020202020204" pitchFamily="34" charset="0"/>
+              </a:rPr>
+              <a:t> </a:t>
+            </a:r>
+            <a:r>
+              <a:rPr lang="en-GB" sz="1100" b="0" i="0" u="none" strike="noStrike" dirty="0">
+                <a:solidFill>
+                  <a:srgbClr val="000000"/>
+                </a:solidFill>
+                <a:effectLst/>
+                <a:latin typeface="Arial" panose="020B0604020202020204" pitchFamily="34" charset="0"/>
+              </a:rPr>
+              <a:t>discriminating the classes.</a:t>
+            </a:r>
+            <a:endParaRPr lang="en-GB" b="0" dirty="0">
+              <a:effectLst/>
+            </a:endParaRPr>
+          </a:p>
+          <a:p>
+            <a:pPr marL="158750" indent="0" rtl="0">
+              <a:spcBef>
+                <a:spcPts val="0"/>
+              </a:spcBef>
+              <a:spcAft>
+                <a:spcPts val="0"/>
+              </a:spcAft>
+              <a:buNone/>
+            </a:pPr>
+            <a:r>
+              <a:rPr lang="en-GB" sz="1100" b="0" i="0" u="none" strike="noStrike" dirty="0">
+                <a:solidFill>
+                  <a:srgbClr val="000000"/>
+                </a:solidFill>
+                <a:effectLst/>
+                <a:latin typeface="Arial" panose="020B0604020202020204" pitchFamily="34" charset="0"/>
+              </a:rPr>
+              <a:t>Lastly, we will evaluate the performance of the model, and see how the feature selected goes for doing </a:t>
+            </a:r>
+            <a:endParaRPr lang="en-GB" b="0" dirty="0">
+              <a:effectLst/>
+            </a:endParaRPr>
+          </a:p>
           <a:p>
             <a:pPr marL="0" lvl="0" indent="0" algn="l" rtl="0">
               <a:spcBef>
@@ -2256,7 +2441,7 @@
         </p:nvSpPr>
         <p:spPr>
           <a:xfrm>
-            <a:off x="381300" y="685800"/>
+            <a:off x="381000" y="685800"/>
             <a:ext cx="6096000" cy="3429000"/>
           </a:xfrm>
           <a:custGeom>
@@ -2319,7 +2504,56 @@
               </a:spcAft>
               <a:buNone/>
             </a:pPr>
-            <a:endParaRPr/>
+            <a:r>
+              <a:rPr lang="en-GB" dirty="0"/>
+              <a:t>There are three essential sections of our presentation:</a:t>
+            </a:r>
+          </a:p>
+          <a:p>
+            <a:pPr marL="0" lvl="0" indent="0" algn="l" rtl="0">
+              <a:spcBef>
+                <a:spcPts val="0"/>
+              </a:spcBef>
+              <a:spcAft>
+                <a:spcPts val="0"/>
+              </a:spcAft>
+              <a:buNone/>
+            </a:pPr>
+            <a:r>
+              <a:rPr lang="en-GB" dirty="0"/>
+              <a:t>Feature Selection,</a:t>
+            </a:r>
+          </a:p>
+          <a:p>
+            <a:pPr marL="0" lvl="0" indent="0" algn="l" rtl="0">
+              <a:spcBef>
+                <a:spcPts val="0"/>
+              </a:spcBef>
+              <a:spcAft>
+                <a:spcPts val="0"/>
+              </a:spcAft>
+              <a:buNone/>
+            </a:pPr>
+            <a:r>
+              <a:rPr lang="en-GB" dirty="0"/>
+              <a:t>Frontend-Server Model, and</a:t>
+            </a:r>
+          </a:p>
+          <a:p>
+            <a:pPr marL="0" lvl="0" indent="0" algn="l" rtl="0">
+              <a:spcBef>
+                <a:spcPts val="0"/>
+              </a:spcBef>
+              <a:spcAft>
+                <a:spcPts val="0"/>
+              </a:spcAft>
+              <a:buNone/>
+            </a:pPr>
+            <a:r>
+              <a:rPr lang="en-GB" dirty="0"/>
+              <a:t>Evaluations and Demo.</a:t>
+            </a:r>
+            <a:endParaRPr dirty="0"/>
           </a:p>
         </p:txBody>
       </p:sp>
@@ -2360,7 +2594,7 @@
         </p:nvSpPr>
         <p:spPr>
           <a:xfrm>
-            <a:off x="381300" y="685800"/>
+            <a:off x="381000" y="685800"/>
             <a:ext cx="6096000" cy="3429000"/>
           </a:xfrm>
           <a:custGeom>
@@ -2423,7 +2657,11 @@
               </a:spcAft>
               <a:buNone/>
             </a:pPr>
-            <a:endParaRPr/>
+            <a:r>
+              <a:rPr lang="en-GB" dirty="0"/>
+              <a:t>First, Feature Selection.</a:t>
+            </a:r>
+            <a:endParaRPr dirty="0"/>
           </a:p>
         </p:txBody>
       </p:sp>
@@ -2527,7 +2765,94 @@
               </a:spcAft>
               <a:buNone/>
             </a:pPr>
-            <a:endParaRPr/>
+            <a:r>
+              <a:rPr lang="en-GB" dirty="0"/>
+              <a:t>Besides 3 baseline features, we have 8 custom features.</a:t>
+            </a:r>
+          </a:p>
+          <a:p>
+            <a:pPr marL="0" lvl="0" indent="0" algn="l" rtl="0">
+              <a:spcBef>
+                <a:spcPts val="0"/>
+              </a:spcBef>
+              <a:spcAft>
+                <a:spcPts val="0"/>
+              </a:spcAft>
+              <a:buNone/>
+            </a:pPr>
+            <a:r>
+              <a:rPr lang="en-GB" dirty="0"/>
+              <a:t>These features are divided into three essential classes: </a:t>
+            </a:r>
+          </a:p>
+          <a:p>
+            <a:pPr marL="171450" lvl="0" indent="-171450" algn="l" rtl="0">
+              <a:spcBef>
+                <a:spcPts val="0"/>
+              </a:spcBef>
+              <a:spcAft>
+                <a:spcPts val="0"/>
+              </a:spcAft>
+            </a:pPr>
+            <a:r>
+              <a:rPr lang="en-GB" dirty="0"/>
+              <a:t>Internal Pattern Features,</a:t>
+            </a:r>
+          </a:p>
+          <a:p>
+            <a:pPr marL="171450" lvl="0" indent="-171450" algn="l" rtl="0">
+              <a:spcBef>
+                <a:spcPts val="0"/>
+              </a:spcBef>
+              <a:spcAft>
+                <a:spcPts val="0"/>
+              </a:spcAft>
+            </a:pPr>
+            <a:r>
+              <a:rPr lang="en-GB" dirty="0"/>
+              <a:t>Library Features, and</a:t>
+            </a:r>
+          </a:p>
+          <a:p>
+            <a:pPr marL="171450" lvl="0" indent="-171450" algn="l" rtl="0">
+              <a:spcBef>
+                <a:spcPts val="0"/>
+              </a:spcBef>
+              <a:spcAft>
+                <a:spcPts val="0"/>
+              </a:spcAft>
+            </a:pPr>
+            <a:r>
+              <a:rPr lang="en-GB" dirty="0"/>
+              <a:t>Contextual Features.</a:t>
+            </a:r>
+          </a:p>
+          <a:p>
+            <a:pPr marL="171450" lvl="0" indent="-171450" algn="l" rtl="0">
+              <a:spcBef>
+                <a:spcPts val="0"/>
+              </a:spcBef>
+              <a:spcAft>
+                <a:spcPts val="0"/>
+              </a:spcAft>
+            </a:pPr>
+            <a:endParaRPr lang="en-GB" dirty="0"/>
+          </a:p>
+          <a:p>
+            <a:pPr marL="0" lvl="0" indent="0" algn="l" rtl="0">
+              <a:spcBef>
+                <a:spcPts val="0"/>
+              </a:spcBef>
+              <a:spcAft>
+                <a:spcPts val="0"/>
+              </a:spcAft>
+              <a:buNone/>
+            </a:pPr>
+            <a:r>
+              <a:rPr lang="en-GB" dirty="0"/>
+              <a:t>Each feature could be either positive or negative. Positive features indicates a likelihood to names, while negative features indicates an unlikelihood to names.</a:t>
+            </a:r>
+            <a:endParaRPr dirty="0"/>
           </a:p>
         </p:txBody>
       </p:sp>
@@ -2631,7 +2956,119 @@
               </a:spcAft>
               <a:buNone/>
             </a:pPr>
-            <a:endParaRPr/>
+            <a:r>
+              <a:rPr lang="en-GB" dirty="0"/>
+              <a:t>First, Internal Pattern Features.</a:t>
+            </a:r>
+          </a:p>
+          <a:p>
+            <a:pPr marL="0" lvl="0" indent="0" algn="l" rtl="0">
+              <a:spcBef>
+                <a:spcPts val="0"/>
+              </a:spcBef>
+              <a:spcAft>
+                <a:spcPts val="0"/>
+              </a:spcAft>
+              <a:buNone/>
+            </a:pPr>
+            <a:endParaRPr lang="en-GB" dirty="0"/>
+          </a:p>
+          <a:p>
+            <a:pPr marL="0" lvl="0" indent="0" algn="l" rtl="0">
+              <a:spcBef>
+                <a:spcPts val="0"/>
+              </a:spcBef>
+              <a:spcAft>
+                <a:spcPts val="0"/>
+              </a:spcAft>
+              <a:buNone/>
+            </a:pPr>
+            <a:r>
+              <a:rPr lang="en-GB" dirty="0"/>
+              <a:t>Internal Pattern Features analyse word patterns.</a:t>
+            </a:r>
+          </a:p>
+          <a:p>
+            <a:pPr marL="0" lvl="0" indent="0" algn="l" rtl="0">
+              <a:spcBef>
+                <a:spcPts val="0"/>
+              </a:spcBef>
+              <a:spcAft>
+                <a:spcPts val="0"/>
+              </a:spcAft>
+              <a:buNone/>
+            </a:pPr>
+            <a:endParaRPr lang="en-GB" dirty="0"/>
+          </a:p>
+          <a:p>
+            <a:pPr marL="0" lvl="0" indent="0" algn="l" rtl="0">
+              <a:spcBef>
+                <a:spcPts val="0"/>
+              </a:spcBef>
+              <a:spcAft>
+                <a:spcPts val="0"/>
+              </a:spcAft>
+              <a:buNone/>
+            </a:pPr>
+            <a:r>
+              <a:rPr lang="en-GB" dirty="0"/>
+              <a:t>It assumes that some specific pattern could help to distinguish person names from other words.</a:t>
+            </a:r>
+          </a:p>
+          <a:p>
+            <a:pPr marL="0" lvl="0" indent="0" algn="l" rtl="0">
+              <a:spcBef>
+                <a:spcPts val="0"/>
+              </a:spcBef>
+              <a:spcAft>
+                <a:spcPts val="0"/>
+              </a:spcAft>
+              <a:buNone/>
+            </a:pPr>
+            <a:endParaRPr lang="en-GB" dirty="0"/>
+          </a:p>
+          <a:p>
+            <a:pPr marL="171450" lvl="0" indent="-171450" algn="l" rtl="0">
+              <a:spcBef>
+                <a:spcPts val="0"/>
+              </a:spcBef>
+              <a:spcAft>
+                <a:spcPts val="0"/>
+              </a:spcAft>
+            </a:pPr>
+            <a:r>
+              <a:rPr lang="en-GB" dirty="0"/>
+              <a:t>Capital-Low, a word starts with a capital letter and the following letters are lowercase. Some special cases are included.</a:t>
+            </a:r>
+          </a:p>
+          <a:p>
+            <a:pPr marL="171450" lvl="0" indent="-171450" algn="l" rtl="0">
+              <a:spcBef>
+                <a:spcPts val="0"/>
+              </a:spcBef>
+              <a:spcAft>
+                <a:spcPts val="0"/>
+              </a:spcAft>
+            </a:pPr>
+            <a:r>
+              <a:rPr lang="en-GB" dirty="0"/>
+              <a:t>Capital-Period, person name initials in English.</a:t>
+            </a:r>
+          </a:p>
+          <a:p>
+            <a:pPr marL="171450" lvl="0" indent="-171450" algn="l" rtl="0">
+              <a:spcBef>
+                <a:spcPts val="0"/>
+              </a:spcBef>
+              <a:spcAft>
+                <a:spcPts val="0"/>
+              </a:spcAft>
+            </a:pPr>
+            <a:r>
+              <a:rPr lang="en-GB" dirty="0"/>
+              <a:t>Noun-like, a negative feature that indicates a word is probably a noun. These nouns have certain patterns because they are transformed from a word with another form. For example, the word “transformation” is derived from the verb “transform”, and the “T I O N” in the suffix is the evidence of these transformations. These nouns are highly likely not to be a name.</a:t>
+            </a:r>
+            <a:endParaRPr dirty="0"/>
           </a:p>
         </p:txBody>
       </p:sp>
@@ -2735,7 +3172,112 @@
               </a:spcAft>
               <a:buNone/>
             </a:pPr>
-            <a:endParaRPr/>
+            <a:r>
+              <a:rPr lang="en-GB" dirty="0"/>
+              <a:t>Library Features.</a:t>
+            </a:r>
+          </a:p>
+          <a:p>
+            <a:pPr marL="0" lvl="0" indent="0" algn="l" rtl="0">
+              <a:spcBef>
+                <a:spcPts val="0"/>
+              </a:spcBef>
+              <a:spcAft>
+                <a:spcPts val="0"/>
+              </a:spcAft>
+              <a:buNone/>
+            </a:pPr>
+            <a:endParaRPr lang="en-GB" dirty="0"/>
+          </a:p>
+          <a:p>
+            <a:pPr marL="0" lvl="0" indent="0" algn="l" rtl="0">
+              <a:spcBef>
+                <a:spcPts val="0"/>
+              </a:spcBef>
+              <a:spcAft>
+                <a:spcPts val="0"/>
+              </a:spcAft>
+              <a:buNone/>
+            </a:pPr>
+            <a:r>
+              <a:rPr lang="en-GB" dirty="0"/>
+              <a:t>Library Features analyses word based on the experience.</a:t>
+            </a:r>
+          </a:p>
+          <a:p>
+            <a:pPr marL="0" lvl="0" indent="0" algn="l" rtl="0">
+              <a:spcBef>
+                <a:spcPts val="0"/>
+              </a:spcBef>
+              <a:spcAft>
+                <a:spcPts val="0"/>
+              </a:spcAft>
+              <a:buNone/>
+            </a:pPr>
+            <a:endParaRPr lang="en-GB" dirty="0"/>
+          </a:p>
+          <a:p>
+            <a:pPr marL="0" lvl="0" indent="0" algn="l" rtl="0">
+              <a:spcBef>
+                <a:spcPts val="0"/>
+              </a:spcBef>
+              <a:spcAft>
+                <a:spcPts val="0"/>
+              </a:spcAft>
+              <a:buNone/>
+            </a:pPr>
+            <a:r>
+              <a:rPr lang="en-GB" dirty="0"/>
+              <a:t>It assumes that a word is highly likely to be a name, when it belongs to some certain corpuses, and it is highly likely NOT to be a name when it belongs to some other corpuses.</a:t>
+            </a:r>
+          </a:p>
+          <a:p>
+            <a:pPr marL="0" lvl="0" indent="0" algn="l" rtl="0">
+              <a:spcBef>
+                <a:spcPts val="0"/>
+              </a:spcBef>
+              <a:spcAft>
+                <a:spcPts val="0"/>
+              </a:spcAft>
+              <a:buNone/>
+            </a:pPr>
+            <a:endParaRPr lang="en-GB" dirty="0"/>
+          </a:p>
+          <a:p>
+            <a:pPr marL="171450" lvl="0" indent="-171450" algn="l" rtl="0">
+              <a:spcBef>
+                <a:spcPts val="0"/>
+              </a:spcBef>
+              <a:spcAft>
+                <a:spcPts val="0"/>
+              </a:spcAft>
+            </a:pPr>
+            <a:r>
+              <a:rPr lang="en-GB" dirty="0"/>
+              <a:t>The name corpus is the only positive library.</a:t>
+            </a:r>
+          </a:p>
+          <a:p>
+            <a:pPr marL="171450" lvl="0" indent="-171450" algn="l" rtl="0">
+              <a:spcBef>
+                <a:spcPts val="0"/>
+              </a:spcBef>
+              <a:spcAft>
+                <a:spcPts val="0"/>
+              </a:spcAft>
+            </a:pPr>
+            <a:r>
+              <a:rPr lang="en-GB" dirty="0"/>
+              <a:t>Week Names, Month Names, Country Names, City Names and </a:t>
+            </a:r>
+            <a:r>
+              <a:rPr lang="en-GB" dirty="0" err="1"/>
+              <a:t>Stopwords</a:t>
+            </a:r>
+            <a:r>
+              <a:rPr lang="en-GB" dirty="0"/>
+              <a:t> are highly likely not to be a person.</a:t>
+            </a:r>
           </a:p>
         </p:txBody>
       </p:sp>
@@ -2839,7 +3381,126 @@
               </a:spcAft>
               <a:buNone/>
             </a:pPr>
-            <a:endParaRPr/>
+            <a:r>
+              <a:rPr lang="en-GB" dirty="0"/>
+              <a:t>Contextual Features.</a:t>
+            </a:r>
+          </a:p>
+          <a:p>
+            <a:pPr marL="0" lvl="0" indent="0" algn="l" rtl="0">
+              <a:spcBef>
+                <a:spcPts val="0"/>
+              </a:spcBef>
+              <a:spcAft>
+                <a:spcPts val="0"/>
+              </a:spcAft>
+              <a:buNone/>
+            </a:pPr>
+            <a:endParaRPr lang="en-GB" dirty="0"/>
+          </a:p>
+          <a:p>
+            <a:pPr marL="0" lvl="0" indent="0" algn="l" rtl="0">
+              <a:spcBef>
+                <a:spcPts val="0"/>
+              </a:spcBef>
+              <a:spcAft>
+                <a:spcPts val="0"/>
+              </a:spcAft>
+              <a:buNone/>
+            </a:pPr>
+            <a:r>
+              <a:rPr lang="en-GB" dirty="0"/>
+              <a:t>Contextual Features analyses the environment in which the word entity is in. It is more grammar based.</a:t>
+            </a:r>
+          </a:p>
+          <a:p>
+            <a:pPr marL="0" lvl="0" indent="0" algn="l" rtl="0">
+              <a:spcBef>
+                <a:spcPts val="0"/>
+              </a:spcBef>
+              <a:spcAft>
+                <a:spcPts val="0"/>
+              </a:spcAft>
+              <a:buNone/>
+            </a:pPr>
+            <a:endParaRPr lang="en-GB" dirty="0"/>
+          </a:p>
+          <a:p>
+            <a:pPr marL="0" lvl="0" indent="0" algn="l" rtl="0">
+              <a:spcBef>
+                <a:spcPts val="0"/>
+              </a:spcBef>
+              <a:spcAft>
+                <a:spcPts val="0"/>
+              </a:spcAft>
+              <a:buNone/>
+            </a:pPr>
+            <a:r>
+              <a:rPr lang="en-GB" dirty="0"/>
+              <a:t>It assumes that a word with certain contextual environment is likely to be a name, and </a:t>
+            </a:r>
+            <a:r>
+              <a:rPr lang="en-GB" dirty="0" err="1"/>
+              <a:t>vise</a:t>
+            </a:r>
+            <a:r>
+              <a:rPr lang="en-GB" dirty="0"/>
+              <a:t> versa.</a:t>
+            </a:r>
+          </a:p>
+          <a:p>
+            <a:pPr marL="0" lvl="0" indent="0" algn="l" rtl="0">
+              <a:spcBef>
+                <a:spcPts val="0"/>
+              </a:spcBef>
+              <a:spcAft>
+                <a:spcPts val="0"/>
+              </a:spcAft>
+              <a:buNone/>
+            </a:pPr>
+            <a:endParaRPr lang="en-GB" dirty="0"/>
+          </a:p>
+          <a:p>
+            <a:pPr marL="171450" lvl="0" indent="-171450" algn="l" rtl="0">
+              <a:spcBef>
+                <a:spcPts val="0"/>
+              </a:spcBef>
+              <a:spcAft>
+                <a:spcPts val="0"/>
+              </a:spcAft>
+            </a:pPr>
+            <a:r>
+              <a:rPr lang="en-GB" dirty="0"/>
+              <a:t>A name is highly likely be at the start of the sentence</a:t>
+            </a:r>
+          </a:p>
+          <a:p>
+            <a:pPr marL="171450" lvl="0" indent="-171450" algn="l" rtl="0">
+              <a:spcBef>
+                <a:spcPts val="0"/>
+              </a:spcBef>
+              <a:spcAft>
+                <a:spcPts val="0"/>
+              </a:spcAft>
+            </a:pPr>
+            <a:r>
+              <a:rPr lang="en-GB" dirty="0"/>
+              <a:t>A name is highly likely to be the target of a restricted attributive clause,</a:t>
+            </a:r>
+          </a:p>
+          <a:p>
+            <a:pPr marL="171450" lvl="0" indent="-171450" algn="l" rtl="0">
+              <a:spcBef>
+                <a:spcPts val="0"/>
+              </a:spcBef>
+              <a:spcAft>
+                <a:spcPts val="0"/>
+              </a:spcAft>
+            </a:pPr>
+            <a:r>
+              <a:rPr lang="en-GB" dirty="0"/>
+              <a:t>A name is highly likely to be after a social status, like “Mr.” or “Ms.”</a:t>
+            </a:r>
           </a:p>
         </p:txBody>
       </p:sp>
@@ -2943,7 +3604,104 @@
               </a:spcAft>
               <a:buNone/>
             </a:pPr>
-            <a:endParaRPr/>
+            <a:r>
+              <a:rPr lang="en-GB" dirty="0"/>
+              <a:t>An attributive clause helps to specify details.</a:t>
+            </a:r>
+          </a:p>
+          <a:p>
+            <a:pPr marL="0" lvl="0" indent="0" algn="l" rtl="0">
+              <a:spcBef>
+                <a:spcPts val="0"/>
+              </a:spcBef>
+              <a:spcAft>
+                <a:spcPts val="0"/>
+              </a:spcAft>
+              <a:buNone/>
+            </a:pPr>
+            <a:endParaRPr lang="en-GB" dirty="0"/>
+          </a:p>
+          <a:p>
+            <a:pPr marL="0" lvl="0" indent="0" algn="l" rtl="0">
+              <a:spcBef>
+                <a:spcPts val="0"/>
+              </a:spcBef>
+              <a:spcAft>
+                <a:spcPts val="0"/>
+              </a:spcAft>
+              <a:buNone/>
+            </a:pPr>
+            <a:r>
+              <a:rPr lang="en-GB" dirty="0"/>
+              <a:t>For example, Donald J. Trump, who was a former US president, or</a:t>
+            </a:r>
+          </a:p>
+          <a:p>
+            <a:pPr marL="0" lvl="0" indent="0" algn="l" rtl="0">
+              <a:spcBef>
+                <a:spcPts val="0"/>
+              </a:spcBef>
+              <a:spcAft>
+                <a:spcPts val="0"/>
+              </a:spcAft>
+              <a:buNone/>
+            </a:pPr>
+            <a:endParaRPr lang="en-GB" dirty="0"/>
+          </a:p>
+          <a:p>
+            <a:pPr marL="0" lvl="0" indent="0" algn="l" rtl="0">
+              <a:spcBef>
+                <a:spcPts val="0"/>
+              </a:spcBef>
+              <a:spcAft>
+                <a:spcPts val="0"/>
+              </a:spcAft>
+              <a:buNone/>
+            </a:pPr>
+            <a:r>
+              <a:rPr lang="en-GB" dirty="0"/>
+              <a:t>Michael Rosen, whose son died before him, etc.</a:t>
+            </a:r>
+          </a:p>
+          <a:p>
+            <a:pPr marL="0" lvl="0" indent="0" algn="l" rtl="0">
+              <a:spcBef>
+                <a:spcPts val="0"/>
+              </a:spcBef>
+              <a:spcAft>
+                <a:spcPts val="0"/>
+              </a:spcAft>
+              <a:buNone/>
+            </a:pPr>
+            <a:endParaRPr lang="en-GB" dirty="0"/>
+          </a:p>
+          <a:p>
+            <a:pPr marL="0" lvl="0" indent="0" algn="l" rtl="0">
+              <a:spcBef>
+                <a:spcPts val="0"/>
+              </a:spcBef>
+              <a:spcAft>
+                <a:spcPts val="0"/>
+              </a:spcAft>
+              <a:buNone/>
+            </a:pPr>
+            <a:endParaRPr lang="en-GB" dirty="0"/>
+          </a:p>
+          <a:p>
+            <a:pPr marL="0" lvl="0" indent="0" algn="l" rtl="0">
+              <a:spcBef>
+                <a:spcPts val="0"/>
+              </a:spcBef>
+              <a:spcAft>
+                <a:spcPts val="0"/>
+              </a:spcAft>
+              <a:buNone/>
+            </a:pPr>
+            <a:r>
+              <a:rPr lang="en-GB" dirty="0"/>
+              <a:t>There are specific clauses to specify details about people. Thus, this kind of clause can be a great feature for recognizing person names.</a:t>
+            </a:r>
+            <a:endParaRPr dirty="0"/>
           </a:p>
         </p:txBody>
       </p:sp>
@@ -8328,23 +9086,11 @@
             </a:r>
             <a:r>
               <a:rPr lang="en-GB" altLang="zh-CN" dirty="0"/>
-              <a:t>Feature Selection / Improvements </a:t>
-            </a:r>
-            <a:r>
-              <a:rPr lang="zh-CN" dirty="0"/>
-              <a:t>/ </a:t>
+              <a:t>Feature Selection / </a:t>
             </a:r>
             <a:r>
               <a:rPr lang="en-US" altLang="zh-CN" dirty="0"/>
-              <a:t>Eliminate</a:t>
-            </a:r>
-            <a:r>
-              <a:rPr lang="zh-CN" altLang="en-US" dirty="0"/>
-              <a:t> </a:t>
-            </a:r>
-            <a:r>
-              <a:rPr lang="en-US" altLang="zh-CN" dirty="0"/>
-              <a:t>Features</a:t>
+              <a:t>Improvements / Branch Reduction</a:t>
             </a:r>
             <a:endParaRPr lang="en-CN" dirty="0"/>
           </a:p>
@@ -9977,14 +10723,14 @@
                         <a:buNone/>
                       </a:pPr>
                       <a:r>
-                        <a:rPr lang="en-US" altLang="zh-CN" sz="900" i="1">
+                        <a:rPr lang="en-US" altLang="zh-CN" sz="900" i="1" dirty="0" err="1">
                           <a:solidFill>
                             <a:schemeClr val="dk1"/>
                           </a:solidFill>
                         </a:rPr>
                         <a:t>is_after_name_prefix</a:t>
                       </a:r>
-                      <a:endParaRPr lang="en-CN" sz="900" i="1">
+                      <a:endParaRPr lang="en-CN" sz="900" i="1" dirty="0">
                         <a:solidFill>
                           <a:schemeClr val="dk1"/>
                         </a:solidFill>
@@ -11081,65 +11827,6 @@
               <a:rPr lang="en-US" altLang="zh-CN" dirty="0"/>
               <a:t>do.</a:t>
             </a:r>
-          </a:p>
-          <a:p>
-            <a:pPr marL="285750" indent="-285750">
-              <a:buFontTx/>
-              <a:buChar char="-"/>
-            </a:pPr>
-            <a:r>
-              <a:rPr lang="en-US" altLang="zh-CN" dirty="0"/>
-              <a:t>Therefore,</a:t>
-            </a:r>
-            <a:r>
-              <a:rPr lang="zh-CN" altLang="en-US" dirty="0"/>
-              <a:t> </a:t>
-            </a:r>
-            <a:r>
-              <a:rPr lang="en-US" altLang="zh-CN" dirty="0"/>
-              <a:t>these</a:t>
-            </a:r>
-            <a:r>
-              <a:rPr lang="zh-CN" altLang="en-US" dirty="0"/>
-              <a:t> </a:t>
-            </a:r>
-            <a:r>
-              <a:rPr lang="en-US" altLang="zh-CN" dirty="0"/>
-              <a:t>features</a:t>
-            </a:r>
-            <a:r>
-              <a:rPr lang="zh-CN" altLang="en-US" dirty="0"/>
-              <a:t> </a:t>
-            </a:r>
-            <a:r>
-              <a:rPr lang="en-US" altLang="zh-CN" dirty="0"/>
-              <a:t>are</a:t>
-            </a:r>
-            <a:r>
-              <a:rPr lang="zh-CN" altLang="en-US" dirty="0"/>
-              <a:t> </a:t>
-            </a:r>
-            <a:r>
-              <a:rPr lang="en-US" altLang="zh-CN" dirty="0"/>
-              <a:t>merged</a:t>
-            </a:r>
-            <a:r>
-              <a:rPr lang="zh-CN" altLang="en-US" dirty="0"/>
-              <a:t> </a:t>
-            </a:r>
-            <a:r>
-              <a:rPr lang="en-US" altLang="zh-CN" dirty="0"/>
-              <a:t>into</a:t>
-            </a:r>
-            <a:r>
-              <a:rPr lang="zh-CN" altLang="en-US" dirty="0"/>
-              <a:t> </a:t>
-            </a:r>
-            <a:r>
-              <a:rPr lang="en-US" altLang="zh-CN" dirty="0"/>
-              <a:t>one.</a:t>
-            </a:r>
-            <a:endParaRPr lang="en-US" dirty="0"/>
           </a:p>
         </p:txBody>
       </p:sp>
@@ -14677,7 +15364,7 @@
         <p14:prism/>
       </p:transition>
     </mc:Choice>
-    <mc:Fallback xmlns:ahyp="http://schemas.microsoft.com/office/drawing/2018/hyperlinkcolor" xmlns:p15="http://schemas.microsoft.com/office/powerpoint/2012/main" xmlns:com="http://schemas.openxmlformats.org/drawingml/2006/compatibility" xmlns:pvml="urn:schemas-microsoft-com:office:powerpoint" xmlns:v="urn:schemas-microsoft-com:vml" xmlns:o="urn:schemas-microsoft-com:office:office" xmlns:dgm="http://schemas.openxmlformats.org/drawingml/2006/diagram" xmlns:c="http://schemas.openxmlformats.org/drawingml/2006/chart" xmlns:mv="urn:schemas-microsoft-com:mac:vml" xmlns="">
+    <mc:Fallback xmlns="" xmlns:mv="urn:schemas-microsoft-com:mac:vml" xmlns:c="http://schemas.openxmlformats.org/drawingml/2006/chart" xmlns:dgm="http://schemas.openxmlformats.org/drawingml/2006/diagram" xmlns:o="urn:schemas-microsoft-com:office:office" xmlns:v="urn:schemas-microsoft-com:vml" xmlns:pvml="urn:schemas-microsoft-com:office:powerpoint" xmlns:com="http://schemas.openxmlformats.org/drawingml/2006/compatibility" xmlns:p15="http://schemas.microsoft.com/office/powerpoint/2012/main" xmlns:ahyp="http://schemas.microsoft.com/office/drawing/2018/hyperlinkcolor">
       <p:transition spd="med">
         <p:fade/>
       </p:transition>
@@ -15280,14 +15967,14 @@
                 <a:buNone/>
               </a:pPr>
               <a:r>
-                <a:rPr lang="zh-CN" sz="1300" b="1">
+                <a:rPr lang="zh-CN" sz="1300" b="1" dirty="0">
                   <a:solidFill>
                     <a:schemeClr val="dk1"/>
                   </a:solidFill>
                 </a:rPr>
                 <a:t>Frontend Framework</a:t>
               </a:r>
-              <a:endParaRPr sz="1300" b="1">
+              <a:endParaRPr sz="1300" b="1" dirty="0">
                 <a:solidFill>
                   <a:schemeClr val="dk1"/>
                 </a:solidFill>
@@ -15304,14 +15991,14 @@
                 <a:buNone/>
               </a:pPr>
               <a:r>
-                <a:rPr lang="zh-CN" sz="900">
+                <a:rPr lang="zh-CN" sz="900" dirty="0">
                   <a:solidFill>
                     <a:schemeClr val="dk1"/>
                   </a:solidFill>
                 </a:rPr>
                 <a:t>HTML + CSS + JS</a:t>
               </a:r>
-              <a:endParaRPr sz="900">
+              <a:endParaRPr sz="900" dirty="0">
                 <a:solidFill>
                   <a:schemeClr val="dk1"/>
                 </a:solidFill>
@@ -15359,13 +16046,13 @@
   <p:clrMapOvr>
     <a:masterClrMapping/>
   </p:clrMapOvr>
-  <mc:AlternateContent xmlns:mc="http://schemas.openxmlformats.org/markup-compatibility/2006">
-    <mc:Choice xmlns:p159="http://schemas.microsoft.com/office/powerpoint/2015/09/main" Requires="p159">
+  <mc:AlternateContent xmlns:mc="http://schemas.openxmlformats.org/markup-compatibility/2006" xmlns:p159="http://schemas.microsoft.com/office/powerpoint/2015/09/main">
+    <mc:Choice Requires="p159">
       <p:transition>
         <p159:morph option="byObject"/>
       </p:transition>
     </mc:Choice>
-    <mc:Fallback>
+    <mc:Fallback xmlns="">
       <p:transition>
         <p:fade/>
       </p:transition>
@@ -16437,10 +17124,10 @@
         </p:nvGrpSpPr>
         <p:grpSpPr>
           <a:xfrm>
-            <a:off x="335638" y="1761208"/>
-            <a:ext cx="2098200" cy="1875329"/>
-            <a:chOff x="1332100" y="1808458"/>
-            <a:chExt cx="2098200" cy="1875329"/>
+            <a:off x="335638" y="3337898"/>
+            <a:ext cx="2098200" cy="1360577"/>
+            <a:chOff x="1332100" y="2323211"/>
+            <a:chExt cx="2098200" cy="1360577"/>
           </a:xfrm>
         </p:grpSpPr>
         <p:pic>
@@ -16449,18 +17136,17 @@
             <p:cNvPicPr preferRelativeResize="0"/>
             <p:nvPr/>
           </p:nvPicPr>
-          <p:blipFill>
+          <p:blipFill rotWithShape="1">
             <a:blip r:embed="rId3">
               <a:alphaModFix/>
             </a:blip>
-            <a:stretch>
-              <a:fillRect/>
-            </a:stretch>
+            <a:srcRect t="12031" b="16782"/>
+            <a:stretch/>
           </p:blipFill>
           <p:spPr>
             <a:xfrm>
-              <a:off x="1502912" y="1808458"/>
-              <a:ext cx="1756575" cy="1097875"/>
+              <a:off x="1502912" y="2323211"/>
+              <a:ext cx="1756575" cy="781542"/>
             </a:xfrm>
             <a:prstGeom prst="rect">
               <a:avLst/>
@@ -16580,7 +17266,7 @@
               </a:spcAft>
               <a:buNone/>
             </a:pPr>
-            <a:endParaRPr/>
+            <a:endParaRPr dirty="0"/>
           </a:p>
         </p:txBody>
       </p:sp>
@@ -16612,6 +17298,141 @@
           </a:ln>
         </p:spPr>
       </p:pic>
+      <p:grpSp>
+        <p:nvGrpSpPr>
+          <p:cNvPr id="2" name="组合 1">
+            <a:extLst>
+              <a:ext uri="{FF2B5EF4-FFF2-40B4-BE49-F238E27FC236}">
+                <a16:creationId xmlns:a16="http://schemas.microsoft.com/office/drawing/2014/main" id="{F8BBE07D-0210-1702-39BB-02448E104BD4}"/>
+              </a:ext>
+            </a:extLst>
+          </p:cNvPr>
+          <p:cNvGrpSpPr/>
+          <p:nvPr/>
+        </p:nvGrpSpPr>
+        <p:grpSpPr>
+          <a:xfrm>
+            <a:off x="311700" y="1152475"/>
+            <a:ext cx="2146074" cy="2129588"/>
+            <a:chOff x="1308150" y="1554200"/>
+            <a:chExt cx="2146074" cy="2129588"/>
+          </a:xfrm>
+        </p:grpSpPr>
+        <p:sp>
+          <p:nvSpPr>
+            <p:cNvPr id="3" name="Google Shape;158;p23">
+              <a:extLst>
+                <a:ext uri="{FF2B5EF4-FFF2-40B4-BE49-F238E27FC236}">
+                  <a16:creationId xmlns:a16="http://schemas.microsoft.com/office/drawing/2014/main" id="{A59FE9EF-8545-F9D6-598D-C42E4F8C8BE9}"/>
+                </a:ext>
+              </a:extLst>
+            </p:cNvPr>
+            <p:cNvSpPr txBox="1"/>
+            <p:nvPr/>
+          </p:nvSpPr>
+          <p:spPr>
+            <a:xfrm>
+              <a:off x="1332088" y="3160588"/>
+              <a:ext cx="2098200" cy="523200"/>
+            </a:xfrm>
+            <a:prstGeom prst="rect">
+              <a:avLst/>
+            </a:prstGeom>
+            <a:noFill/>
+            <a:ln>
+              <a:noFill/>
+            </a:ln>
+          </p:spPr>
+          <p:txBody>
+            <a:bodyPr spcFirstLastPara="1" wrap="square" lIns="91425" tIns="91425" rIns="91425" bIns="91425" anchor="t" anchorCtr="0">
+              <a:spAutoFit/>
+            </a:bodyPr>
+            <a:lstStyle/>
+            <a:p>
+              <a:pPr marL="0" lvl="0" indent="0" algn="ctr" rtl="0">
+                <a:spcBef>
+                  <a:spcPts val="0"/>
+                </a:spcBef>
+                <a:spcAft>
+                  <a:spcPts val="0"/>
+                </a:spcAft>
+                <a:buNone/>
+              </a:pPr>
+              <a:r>
+                <a:rPr lang="zh-CN" sz="1300" b="1" dirty="0">
+                  <a:solidFill>
+                    <a:schemeClr val="dk1"/>
+                  </a:solidFill>
+                </a:rPr>
+                <a:t>Frontend Framework</a:t>
+              </a:r>
+              <a:endParaRPr sz="1300" b="1" dirty="0">
+                <a:solidFill>
+                  <a:schemeClr val="dk1"/>
+                </a:solidFill>
+              </a:endParaRPr>
+            </a:p>
+            <a:p>
+              <a:pPr marL="0" lvl="0" indent="0" algn="ctr" rtl="0">
+                <a:spcBef>
+                  <a:spcPts val="0"/>
+                </a:spcBef>
+                <a:spcAft>
+                  <a:spcPts val="0"/>
+                </a:spcAft>
+                <a:buNone/>
+              </a:pPr>
+              <a:r>
+                <a:rPr lang="zh-CN" sz="900" dirty="0">
+                  <a:solidFill>
+                    <a:schemeClr val="dk1"/>
+                  </a:solidFill>
+                </a:rPr>
+                <a:t>HTML + CSS + JS</a:t>
+              </a:r>
+              <a:endParaRPr sz="900" dirty="0">
+                <a:solidFill>
+                  <a:schemeClr val="dk1"/>
+                </a:solidFill>
+              </a:endParaRPr>
+            </a:p>
+          </p:txBody>
+        </p:sp>
+        <p:pic>
+          <p:nvPicPr>
+            <p:cNvPr id="4" name="Google Shape;159;p23">
+              <a:extLst>
+                <a:ext uri="{FF2B5EF4-FFF2-40B4-BE49-F238E27FC236}">
+                  <a16:creationId xmlns:a16="http://schemas.microsoft.com/office/drawing/2014/main" id="{88F6632F-1C91-EEDE-F53B-60B87EDB3EAB}"/>
+                </a:ext>
+              </a:extLst>
+            </p:cNvPr>
+            <p:cNvPicPr preferRelativeResize="0"/>
+            <p:nvPr/>
+          </p:nvPicPr>
+          <p:blipFill>
+            <a:blip r:embed="rId5">
+              <a:alphaModFix/>
+            </a:blip>
+            <a:stretch>
+              <a:fillRect/>
+            </a:stretch>
+          </p:blipFill>
+          <p:spPr>
+            <a:xfrm>
+              <a:off x="1308150" y="1554200"/>
+              <a:ext cx="2146074" cy="1606400"/>
+            </a:xfrm>
+            <a:prstGeom prst="rect">
+              <a:avLst/>
+            </a:prstGeom>
+            <a:noFill/>
+            <a:ln>
+              <a:noFill/>
+            </a:ln>
+          </p:spPr>
+        </p:pic>
+      </p:grpSp>
     </p:spTree>
   </p:cSld>
   <p:clrMapOvr>
@@ -16744,7 +17565,7 @@
         <p14:prism/>
       </p:transition>
     </mc:Choice>
-    <mc:Fallback xmlns:ahyp="http://schemas.microsoft.com/office/drawing/2018/hyperlinkcolor" xmlns:p15="http://schemas.microsoft.com/office/powerpoint/2012/main" xmlns:com="http://schemas.openxmlformats.org/drawingml/2006/compatibility" xmlns:pvml="urn:schemas-microsoft-com:office:powerpoint" xmlns:v="urn:schemas-microsoft-com:vml" xmlns:o="urn:schemas-microsoft-com:office:office" xmlns:dgm="http://schemas.openxmlformats.org/drawingml/2006/diagram" xmlns:c="http://schemas.openxmlformats.org/drawingml/2006/chart" xmlns:mv="urn:schemas-microsoft-com:mac:vml" xmlns="">
+    <mc:Fallback xmlns="" xmlns:mv="urn:schemas-microsoft-com:mac:vml" xmlns:c="http://schemas.openxmlformats.org/drawingml/2006/chart" xmlns:dgm="http://schemas.openxmlformats.org/drawingml/2006/diagram" xmlns:o="urn:schemas-microsoft-com:office:office" xmlns:v="urn:schemas-microsoft-com:vml" xmlns:pvml="urn:schemas-microsoft-com:office:powerpoint" xmlns:com="http://schemas.openxmlformats.org/drawingml/2006/compatibility" xmlns:p15="http://schemas.microsoft.com/office/powerpoint/2012/main" xmlns:ahyp="http://schemas.microsoft.com/office/drawing/2018/hyperlinkcolor">
       <p:transition spd="med">
         <p:fade/>
       </p:transition>
@@ -17865,6 +18686,575 @@
       </p:grpSpPr>
       <p:sp>
         <p:nvSpPr>
+          <p:cNvPr id="2" name="Title 1">
+            <a:extLst>
+              <a:ext uri="{FF2B5EF4-FFF2-40B4-BE49-F238E27FC236}">
+                <a16:creationId xmlns:a16="http://schemas.microsoft.com/office/drawing/2014/main" id="{29648C70-99A1-C031-170B-8B1A5F2968F0}"/>
+              </a:ext>
+            </a:extLst>
+          </p:cNvPr>
+          <p:cNvSpPr>
+            <a:spLocks noGrp="1"/>
+          </p:cNvSpPr>
+          <p:nvPr>
+            <p:ph type="title"/>
+          </p:nvPr>
+        </p:nvSpPr>
+        <p:spPr/>
+        <p:txBody>
+          <a:bodyPr>
+            <a:normAutofit fontScale="90000"/>
+          </a:bodyPr>
+          <a:lstStyle/>
+          <a:p>
+            <a:r>
+              <a:rPr lang="zh-CN" dirty="0"/>
+              <a:t>/ Evaluations and Demo / </a:t>
+            </a:r>
+            <a:r>
+              <a:rPr lang="en-GB" altLang="zh-CN" dirty="0"/>
+              <a:t>Ideas</a:t>
+            </a:r>
+            <a:endParaRPr lang="en-CN" dirty="0"/>
+          </a:p>
+        </p:txBody>
+      </p:sp>
+      <p:sp>
+        <p:nvSpPr>
+          <p:cNvPr id="4" name="Google Shape;179;p25">
+            <a:extLst>
+              <a:ext uri="{FF2B5EF4-FFF2-40B4-BE49-F238E27FC236}">
+                <a16:creationId xmlns:a16="http://schemas.microsoft.com/office/drawing/2014/main" id="{8E6F6120-1DF0-02F9-ABB7-B81676C6CD56}"/>
+              </a:ext>
+            </a:extLst>
+          </p:cNvPr>
+          <p:cNvSpPr txBox="1">
+            <a:spLocks/>
+          </p:cNvSpPr>
+          <p:nvPr/>
+        </p:nvSpPr>
+        <p:spPr>
+          <a:xfrm>
+            <a:off x="311600" y="1152475"/>
+            <a:ext cx="8520600" cy="3416400"/>
+          </a:xfrm>
+          <a:prstGeom prst="rect">
+            <a:avLst/>
+          </a:prstGeom>
+          <a:noFill/>
+          <a:ln>
+            <a:noFill/>
+          </a:ln>
+        </p:spPr>
+        <p:txBody>
+          <a:bodyPr spcFirstLastPara="1" wrap="square" lIns="91425" tIns="91425" rIns="91425" bIns="91425" anchor="t" anchorCtr="0">
+            <a:normAutofit/>
+          </a:bodyPr>
+          <a:lstStyle>
+            <a:defPPr marR="0" lvl="0" algn="l" rtl="0">
+              <a:lnSpc>
+                <a:spcPct val="100000"/>
+              </a:lnSpc>
+              <a:spcBef>
+                <a:spcPts val="0"/>
+              </a:spcBef>
+              <a:spcAft>
+                <a:spcPts val="0"/>
+              </a:spcAft>
+            </a:defPPr>
+            <a:lvl1pPr marL="457200" marR="0" lvl="0" indent="-342900" algn="l" rtl="0">
+              <a:lnSpc>
+                <a:spcPct val="115000"/>
+              </a:lnSpc>
+              <a:spcBef>
+                <a:spcPts val="0"/>
+              </a:spcBef>
+              <a:spcAft>
+                <a:spcPts val="0"/>
+              </a:spcAft>
+              <a:buClr>
+                <a:schemeClr val="lt2"/>
+              </a:buClr>
+              <a:buSzPts val="1800"/>
+              <a:buFont typeface="Arial"/>
+              <a:buChar char="●"/>
+              <a:defRPr sz="1800" b="0" i="0" u="none" strike="noStrike" cap="none">
+                <a:solidFill>
+                  <a:schemeClr val="lt2"/>
+                </a:solidFill>
+                <a:latin typeface="Arial"/>
+                <a:ea typeface="Arial"/>
+                <a:cs typeface="Arial"/>
+                <a:sym typeface="Arial"/>
+              </a:defRPr>
+            </a:lvl1pPr>
+            <a:lvl2pPr marL="914400" marR="0" lvl="1" indent="-317500" algn="l" rtl="0">
+              <a:lnSpc>
+                <a:spcPct val="115000"/>
+              </a:lnSpc>
+              <a:spcBef>
+                <a:spcPts val="0"/>
+              </a:spcBef>
+              <a:spcAft>
+                <a:spcPts val="0"/>
+              </a:spcAft>
+              <a:buClr>
+                <a:schemeClr val="lt2"/>
+              </a:buClr>
+              <a:buSzPts val="1400"/>
+              <a:buFont typeface="Arial"/>
+              <a:buChar char="○"/>
+              <a:defRPr sz="1400" b="0" i="0" u="none" strike="noStrike" cap="none">
+                <a:solidFill>
+                  <a:schemeClr val="lt2"/>
+                </a:solidFill>
+                <a:latin typeface="Arial"/>
+                <a:ea typeface="Arial"/>
+                <a:cs typeface="Arial"/>
+                <a:sym typeface="Arial"/>
+              </a:defRPr>
+            </a:lvl2pPr>
+            <a:lvl3pPr marL="1371600" marR="0" lvl="2" indent="-317500" algn="l" rtl="0">
+              <a:lnSpc>
+                <a:spcPct val="115000"/>
+              </a:lnSpc>
+              <a:spcBef>
+                <a:spcPts val="0"/>
+              </a:spcBef>
+              <a:spcAft>
+                <a:spcPts val="0"/>
+              </a:spcAft>
+              <a:buClr>
+                <a:schemeClr val="lt2"/>
+              </a:buClr>
+              <a:buSzPts val="1400"/>
+              <a:buFont typeface="Arial"/>
+              <a:buChar char="■"/>
+              <a:defRPr sz="1400" b="0" i="0" u="none" strike="noStrike" cap="none">
+                <a:solidFill>
+                  <a:schemeClr val="lt2"/>
+                </a:solidFill>
+                <a:latin typeface="Arial"/>
+                <a:ea typeface="Arial"/>
+                <a:cs typeface="Arial"/>
+                <a:sym typeface="Arial"/>
+              </a:defRPr>
+            </a:lvl3pPr>
+            <a:lvl4pPr marL="1828800" marR="0" lvl="3" indent="-317500" algn="l" rtl="0">
+              <a:lnSpc>
+                <a:spcPct val="115000"/>
+              </a:lnSpc>
+              <a:spcBef>
+                <a:spcPts val="0"/>
+              </a:spcBef>
+              <a:spcAft>
+                <a:spcPts val="0"/>
+              </a:spcAft>
+              <a:buClr>
+                <a:schemeClr val="lt2"/>
+              </a:buClr>
+              <a:buSzPts val="1400"/>
+              <a:buFont typeface="Arial"/>
+              <a:buChar char="●"/>
+              <a:defRPr sz="1400" b="0" i="0" u="none" strike="noStrike" cap="none">
+                <a:solidFill>
+                  <a:schemeClr val="lt2"/>
+                </a:solidFill>
+                <a:latin typeface="Arial"/>
+                <a:ea typeface="Arial"/>
+                <a:cs typeface="Arial"/>
+                <a:sym typeface="Arial"/>
+              </a:defRPr>
+            </a:lvl4pPr>
+            <a:lvl5pPr marL="2286000" marR="0" lvl="4" indent="-317500" algn="l" rtl="0">
+              <a:lnSpc>
+                <a:spcPct val="115000"/>
+              </a:lnSpc>
+              <a:spcBef>
+                <a:spcPts val="0"/>
+              </a:spcBef>
+              <a:spcAft>
+                <a:spcPts val="0"/>
+              </a:spcAft>
+              <a:buClr>
+                <a:schemeClr val="lt2"/>
+              </a:buClr>
+              <a:buSzPts val="1400"/>
+              <a:buFont typeface="Arial"/>
+              <a:buChar char="○"/>
+              <a:defRPr sz="1400" b="0" i="0" u="none" strike="noStrike" cap="none">
+                <a:solidFill>
+                  <a:schemeClr val="lt2"/>
+                </a:solidFill>
+                <a:latin typeface="Arial"/>
+                <a:ea typeface="Arial"/>
+                <a:cs typeface="Arial"/>
+                <a:sym typeface="Arial"/>
+              </a:defRPr>
+            </a:lvl5pPr>
+            <a:lvl6pPr marL="2743200" marR="0" lvl="5" indent="-317500" algn="l" rtl="0">
+              <a:lnSpc>
+                <a:spcPct val="115000"/>
+              </a:lnSpc>
+              <a:spcBef>
+                <a:spcPts val="0"/>
+              </a:spcBef>
+              <a:spcAft>
+                <a:spcPts val="0"/>
+              </a:spcAft>
+              <a:buClr>
+                <a:schemeClr val="lt2"/>
+              </a:buClr>
+              <a:buSzPts val="1400"/>
+              <a:buFont typeface="Arial"/>
+              <a:buChar char="■"/>
+              <a:defRPr sz="1400" b="0" i="0" u="none" strike="noStrike" cap="none">
+                <a:solidFill>
+                  <a:schemeClr val="lt2"/>
+                </a:solidFill>
+                <a:latin typeface="Arial"/>
+                <a:ea typeface="Arial"/>
+                <a:cs typeface="Arial"/>
+                <a:sym typeface="Arial"/>
+              </a:defRPr>
+            </a:lvl6pPr>
+            <a:lvl7pPr marL="3200400" marR="0" lvl="6" indent="-317500" algn="l" rtl="0">
+              <a:lnSpc>
+                <a:spcPct val="115000"/>
+              </a:lnSpc>
+              <a:spcBef>
+                <a:spcPts val="0"/>
+              </a:spcBef>
+              <a:spcAft>
+                <a:spcPts val="0"/>
+              </a:spcAft>
+              <a:buClr>
+                <a:schemeClr val="lt2"/>
+              </a:buClr>
+              <a:buSzPts val="1400"/>
+              <a:buFont typeface="Arial"/>
+              <a:buChar char="●"/>
+              <a:defRPr sz="1400" b="0" i="0" u="none" strike="noStrike" cap="none">
+                <a:solidFill>
+                  <a:schemeClr val="lt2"/>
+                </a:solidFill>
+                <a:latin typeface="Arial"/>
+                <a:ea typeface="Arial"/>
+                <a:cs typeface="Arial"/>
+                <a:sym typeface="Arial"/>
+              </a:defRPr>
+            </a:lvl7pPr>
+            <a:lvl8pPr marL="3657600" marR="0" lvl="7" indent="-317500" algn="l" rtl="0">
+              <a:lnSpc>
+                <a:spcPct val="115000"/>
+              </a:lnSpc>
+              <a:spcBef>
+                <a:spcPts val="0"/>
+              </a:spcBef>
+              <a:spcAft>
+                <a:spcPts val="0"/>
+              </a:spcAft>
+              <a:buClr>
+                <a:schemeClr val="lt2"/>
+              </a:buClr>
+              <a:buSzPts val="1400"/>
+              <a:buFont typeface="Arial"/>
+              <a:buChar char="○"/>
+              <a:defRPr sz="1400" b="0" i="0" u="none" strike="noStrike" cap="none">
+                <a:solidFill>
+                  <a:schemeClr val="lt2"/>
+                </a:solidFill>
+                <a:latin typeface="Arial"/>
+                <a:ea typeface="Arial"/>
+                <a:cs typeface="Arial"/>
+                <a:sym typeface="Arial"/>
+              </a:defRPr>
+            </a:lvl8pPr>
+            <a:lvl9pPr marL="4114800" marR="0" lvl="8" indent="-317500" algn="l" rtl="0">
+              <a:lnSpc>
+                <a:spcPct val="115000"/>
+              </a:lnSpc>
+              <a:spcBef>
+                <a:spcPts val="0"/>
+              </a:spcBef>
+              <a:spcAft>
+                <a:spcPts val="0"/>
+              </a:spcAft>
+              <a:buClr>
+                <a:schemeClr val="lt2"/>
+              </a:buClr>
+              <a:buSzPts val="1400"/>
+              <a:buFont typeface="Arial"/>
+              <a:buChar char="■"/>
+              <a:defRPr sz="1400" b="0" i="0" u="none" strike="noStrike" cap="none">
+                <a:solidFill>
+                  <a:schemeClr val="lt2"/>
+                </a:solidFill>
+                <a:latin typeface="Arial"/>
+                <a:ea typeface="Arial"/>
+                <a:cs typeface="Arial"/>
+                <a:sym typeface="Arial"/>
+              </a:defRPr>
+            </a:lvl9pPr>
+          </a:lstStyle>
+          <a:p>
+            <a:pPr marL="0" indent="0">
+              <a:buFont typeface="Arial"/>
+              <a:buNone/>
+            </a:pPr>
+            <a:r>
+              <a:rPr lang="en-US" altLang="zh-CN" dirty="0"/>
+              <a:t>Too</a:t>
+            </a:r>
+            <a:r>
+              <a:rPr lang="zh-CN" altLang="en-US" dirty="0"/>
+              <a:t> </a:t>
+            </a:r>
+            <a:r>
+              <a:rPr lang="en-US" altLang="zh-CN" dirty="0"/>
+              <a:t>much</a:t>
+            </a:r>
+            <a:r>
+              <a:rPr lang="zh-CN" altLang="en-US" dirty="0"/>
+              <a:t> </a:t>
+            </a:r>
+            <a:r>
+              <a:rPr lang="en-US" altLang="zh-CN" dirty="0"/>
+              <a:t>Training:</a:t>
+            </a:r>
+          </a:p>
+          <a:p>
+            <a:pPr marL="285750" indent="-285750">
+              <a:buFontTx/>
+              <a:buChar char="-"/>
+            </a:pPr>
+            <a:r>
+              <a:rPr lang="en-US" altLang="zh-CN" dirty="0"/>
+              <a:t>Helps</a:t>
+            </a:r>
+            <a:r>
+              <a:rPr lang="zh-CN" altLang="en-US" dirty="0"/>
+              <a:t> </a:t>
+            </a:r>
+            <a:r>
+              <a:rPr lang="en-US" altLang="zh-CN" dirty="0"/>
+              <a:t>to</a:t>
+            </a:r>
+            <a:r>
+              <a:rPr lang="zh-CN" altLang="en-US" dirty="0"/>
+              <a:t> </a:t>
+            </a:r>
+            <a:r>
+              <a:rPr lang="en-US" altLang="zh-CN" dirty="0"/>
+              <a:t>improve</a:t>
+            </a:r>
+            <a:r>
+              <a:rPr lang="zh-CN" altLang="en-US" dirty="0"/>
+              <a:t> </a:t>
+            </a:r>
+            <a:r>
+              <a:rPr lang="en-US" altLang="zh-CN" dirty="0"/>
+              <a:t>F-Score,</a:t>
+            </a:r>
+            <a:r>
+              <a:rPr lang="zh-CN" altLang="en-US" dirty="0"/>
+              <a:t> </a:t>
+            </a:r>
+            <a:r>
+              <a:rPr lang="en-US" altLang="zh-CN" dirty="0"/>
+              <a:t>especially</a:t>
+            </a:r>
+            <a:r>
+              <a:rPr lang="zh-CN" altLang="en-US" dirty="0"/>
+              <a:t> </a:t>
+            </a:r>
+            <a:r>
+              <a:rPr lang="en-US" altLang="zh-CN" dirty="0"/>
+              <a:t>recall</a:t>
+            </a:r>
+          </a:p>
+          <a:p>
+            <a:pPr marL="285750" indent="-285750">
+              <a:buFontTx/>
+              <a:buChar char="-"/>
+            </a:pPr>
+            <a:r>
+              <a:rPr lang="en-US" altLang="zh-CN" dirty="0"/>
+              <a:t>However,</a:t>
+            </a:r>
+            <a:r>
+              <a:rPr lang="zh-CN" altLang="en-US" dirty="0"/>
+              <a:t> </a:t>
+            </a:r>
+            <a:r>
+              <a:rPr lang="en-US" altLang="zh-CN" dirty="0"/>
+              <a:t>causes</a:t>
+            </a:r>
+            <a:r>
+              <a:rPr lang="zh-CN" altLang="en-US" dirty="0"/>
+              <a:t> </a:t>
+            </a:r>
+            <a:r>
+              <a:rPr lang="en-US" altLang="zh-CN" dirty="0"/>
+              <a:t>over-fitting.</a:t>
+            </a:r>
+            <a:r>
+              <a:rPr lang="zh-CN" altLang="en-US" dirty="0"/>
+              <a:t> </a:t>
+            </a:r>
+            <a:endParaRPr lang="en-US" altLang="zh-CN" dirty="0"/>
+          </a:p>
+          <a:p>
+            <a:pPr marL="285750" indent="-285750">
+              <a:buFontTx/>
+              <a:buChar char="-"/>
+            </a:pPr>
+            <a:r>
+              <a:rPr lang="en-US" altLang="zh-CN" dirty="0" err="1"/>
+              <a:t>Disencourage</a:t>
+            </a:r>
+            <a:r>
+              <a:rPr lang="zh-CN" altLang="en-US" dirty="0"/>
+              <a:t> </a:t>
+            </a:r>
+            <a:r>
+              <a:rPr lang="en-US" altLang="zh-CN" dirty="0"/>
+              <a:t>innovation.</a:t>
+            </a:r>
+          </a:p>
+          <a:p>
+            <a:pPr marL="285750" indent="-285750">
+              <a:buFontTx/>
+              <a:buChar char="-"/>
+            </a:pPr>
+            <a:r>
+              <a:rPr lang="en-US" altLang="zh-CN" dirty="0"/>
+              <a:t>Synonym:</a:t>
+            </a:r>
+            <a:r>
+              <a:rPr lang="zh-CN" altLang="en-US" dirty="0"/>
+              <a:t> </a:t>
+            </a:r>
+            <a:r>
+              <a:rPr lang="en-US" altLang="zh-CN" dirty="0"/>
+              <a:t>You</a:t>
+            </a:r>
+            <a:r>
+              <a:rPr lang="zh-CN" altLang="en-US" dirty="0"/>
+              <a:t> </a:t>
+            </a:r>
+            <a:r>
+              <a:rPr lang="en-US" altLang="zh-CN" dirty="0"/>
+              <a:t>can’t</a:t>
+            </a:r>
+            <a:r>
+              <a:rPr lang="zh-CN" altLang="en-US" dirty="0"/>
+              <a:t> </a:t>
+            </a:r>
+            <a:r>
+              <a:rPr lang="en-US" altLang="zh-CN" dirty="0"/>
+              <a:t>make</a:t>
+            </a:r>
+            <a:r>
+              <a:rPr lang="zh-CN" altLang="en-US" dirty="0"/>
+              <a:t> </a:t>
+            </a:r>
+            <a:r>
+              <a:rPr lang="en-US" altLang="zh-CN" dirty="0"/>
+              <a:t>a</a:t>
+            </a:r>
+            <a:r>
+              <a:rPr lang="zh-CN" altLang="en-US" dirty="0"/>
+              <a:t> </a:t>
+            </a:r>
+            <a:r>
+              <a:rPr lang="en-US" altLang="zh-CN" dirty="0"/>
+              <a:t>child</a:t>
+            </a:r>
+            <a:r>
+              <a:rPr lang="zh-CN" altLang="en-US" dirty="0"/>
+              <a:t> </a:t>
+            </a:r>
+            <a:r>
+              <a:rPr lang="en-US" altLang="zh-CN" dirty="0"/>
+              <a:t>successful</a:t>
+            </a:r>
+            <a:r>
+              <a:rPr lang="zh-CN" altLang="en-US" dirty="0"/>
+              <a:t> </a:t>
+            </a:r>
+            <a:r>
+              <a:rPr lang="en-US" altLang="zh-CN" dirty="0"/>
+              <a:t>by</a:t>
+            </a:r>
+            <a:r>
+              <a:rPr lang="zh-CN" altLang="en-US" dirty="0"/>
+              <a:t> </a:t>
+            </a:r>
+            <a:r>
+              <a:rPr lang="en-US" altLang="zh-CN" dirty="0"/>
+              <a:t>regulating</a:t>
+            </a:r>
+            <a:r>
+              <a:rPr lang="zh-CN" altLang="en-US" dirty="0"/>
+              <a:t> </a:t>
+            </a:r>
+            <a:r>
+              <a:rPr lang="en-US" altLang="zh-CN" dirty="0"/>
+              <a:t>him</a:t>
+            </a:r>
+            <a:r>
+              <a:rPr lang="zh-CN" altLang="en-US" dirty="0"/>
+              <a:t> </a:t>
+            </a:r>
+            <a:r>
+              <a:rPr lang="en-US" altLang="zh-CN" dirty="0"/>
+              <a:t>too</a:t>
+            </a:r>
+            <a:r>
+              <a:rPr lang="zh-CN" altLang="en-US" dirty="0"/>
+              <a:t> </a:t>
+            </a:r>
+            <a:r>
+              <a:rPr lang="en-US" altLang="zh-CN" dirty="0"/>
+              <a:t>much.</a:t>
+            </a:r>
+            <a:endParaRPr lang="en-US" dirty="0"/>
+          </a:p>
+        </p:txBody>
+      </p:sp>
+    </p:spTree>
+    <p:extLst>
+      <p:ext uri="{BB962C8B-B14F-4D97-AF65-F5344CB8AC3E}">
+        <p14:creationId xmlns:p14="http://schemas.microsoft.com/office/powerpoint/2010/main" val="3904861656"/>
+      </p:ext>
+    </p:extLst>
+  </p:cSld>
+  <p:clrMapOvr>
+    <a:masterClrMapping/>
+  </p:clrMapOvr>
+</p:sld>
+</file>
+
+<file path=ppt/slides/slide22.xml><?xml version="1.0" encoding="utf-8"?>
+<p:sld xmlns:a="http://schemas.openxmlformats.org/drawingml/2006/main" xmlns:r="http://schemas.openxmlformats.org/officeDocument/2006/relationships" xmlns:p="http://schemas.openxmlformats.org/presentationml/2006/main">
+  <p:cSld>
+    <p:spTree>
+      <p:nvGrpSpPr>
+        <p:cNvPr id="1" name=""/>
+        <p:cNvGrpSpPr/>
+        <p:nvPr/>
+      </p:nvGrpSpPr>
+      <p:grpSpPr>
+        <a:xfrm>
+          <a:off x="0" y="0"/>
+          <a:ext cx="0" cy="0"/>
+          <a:chOff x="0" y="0"/>
+          <a:chExt cx="0" cy="0"/>
+        </a:xfrm>
+      </p:grpSpPr>
+      <p:sp>
+        <p:nvSpPr>
           <p:cNvPr id="2" name="标题 1">
             <a:extLst>
               <a:ext uri="{FF2B5EF4-FFF2-40B4-BE49-F238E27FC236}">
@@ -18129,607 +19519,6 @@
     <p:extLst>
       <p:ext uri="{BB962C8B-B14F-4D97-AF65-F5344CB8AC3E}">
         <p14:creationId xmlns:p14="http://schemas.microsoft.com/office/powerpoint/2010/main" val="2371782419"/>
-      </p:ext>
-    </p:extLst>
-  </p:cSld>
-  <p:clrMapOvr>
-    <a:masterClrMapping/>
-  </p:clrMapOvr>
-</p:sld>
-</file>
-
-<file path=ppt/slides/slide22.xml><?xml version="1.0" encoding="utf-8"?>
-<p:sld xmlns:a="http://schemas.openxmlformats.org/drawingml/2006/main" xmlns:r="http://schemas.openxmlformats.org/officeDocument/2006/relationships" xmlns:p="http://schemas.openxmlformats.org/presentationml/2006/main">
-  <p:cSld>
-    <p:spTree>
-      <p:nvGrpSpPr>
-        <p:cNvPr id="1" name=""/>
-        <p:cNvGrpSpPr/>
-        <p:nvPr/>
-      </p:nvGrpSpPr>
-      <p:grpSpPr>
-        <a:xfrm>
-          <a:off x="0" y="0"/>
-          <a:ext cx="0" cy="0"/>
-          <a:chOff x="0" y="0"/>
-          <a:chExt cx="0" cy="0"/>
-        </a:xfrm>
-      </p:grpSpPr>
-      <p:sp>
-        <p:nvSpPr>
-          <p:cNvPr id="2" name="Title 1">
-            <a:extLst>
-              <a:ext uri="{FF2B5EF4-FFF2-40B4-BE49-F238E27FC236}">
-                <a16:creationId xmlns:a16="http://schemas.microsoft.com/office/drawing/2014/main" id="{29648C70-99A1-C031-170B-8B1A5F2968F0}"/>
-              </a:ext>
-            </a:extLst>
-          </p:cNvPr>
-          <p:cNvSpPr>
-            <a:spLocks noGrp="1"/>
-          </p:cNvSpPr>
-          <p:nvPr>
-            <p:ph type="title"/>
-          </p:nvPr>
-        </p:nvSpPr>
-        <p:spPr/>
-        <p:txBody>
-          <a:bodyPr>
-            <a:normAutofit fontScale="90000"/>
-          </a:bodyPr>
-          <a:lstStyle/>
-          <a:p>
-            <a:r>
-              <a:rPr lang="zh-CN"/>
-              <a:t>/ Evaluations and Demo / </a:t>
-            </a:r>
-            <a:r>
-              <a:rPr lang="en-US" altLang="zh-CN"/>
-              <a:t>Eliminate</a:t>
-            </a:r>
-            <a:r>
-              <a:rPr lang="zh-CN" altLang="en-US"/>
-              <a:t> </a:t>
-            </a:r>
-            <a:r>
-              <a:rPr lang="en-US" altLang="zh-CN"/>
-              <a:t>Features</a:t>
-            </a:r>
-            <a:endParaRPr lang="en-CN"/>
-          </a:p>
-        </p:txBody>
-      </p:sp>
-      <p:sp>
-        <p:nvSpPr>
-          <p:cNvPr id="4" name="Google Shape;179;p25">
-            <a:extLst>
-              <a:ext uri="{FF2B5EF4-FFF2-40B4-BE49-F238E27FC236}">
-                <a16:creationId xmlns:a16="http://schemas.microsoft.com/office/drawing/2014/main" id="{8E6F6120-1DF0-02F9-ABB7-B81676C6CD56}"/>
-              </a:ext>
-            </a:extLst>
-          </p:cNvPr>
-          <p:cNvSpPr txBox="1">
-            <a:spLocks/>
-          </p:cNvSpPr>
-          <p:nvPr/>
-        </p:nvSpPr>
-        <p:spPr>
-          <a:xfrm>
-            <a:off x="311600" y="1152475"/>
-            <a:ext cx="8520600" cy="3416400"/>
-          </a:xfrm>
-          <a:prstGeom prst="rect">
-            <a:avLst/>
-          </a:prstGeom>
-          <a:noFill/>
-          <a:ln>
-            <a:noFill/>
-          </a:ln>
-        </p:spPr>
-        <p:txBody>
-          <a:bodyPr spcFirstLastPara="1" wrap="square" lIns="91425" tIns="91425" rIns="91425" bIns="91425" anchor="t" anchorCtr="0">
-            <a:normAutofit/>
-          </a:bodyPr>
-          <a:lstStyle>
-            <a:defPPr marR="0" lvl="0" algn="l" rtl="0">
-              <a:lnSpc>
-                <a:spcPct val="100000"/>
-              </a:lnSpc>
-              <a:spcBef>
-                <a:spcPts val="0"/>
-              </a:spcBef>
-              <a:spcAft>
-                <a:spcPts val="0"/>
-              </a:spcAft>
-            </a:defPPr>
-            <a:lvl1pPr marL="457200" marR="0" lvl="0" indent="-342900" algn="l" rtl="0">
-              <a:lnSpc>
-                <a:spcPct val="115000"/>
-              </a:lnSpc>
-              <a:spcBef>
-                <a:spcPts val="0"/>
-              </a:spcBef>
-              <a:spcAft>
-                <a:spcPts val="0"/>
-              </a:spcAft>
-              <a:buClr>
-                <a:schemeClr val="lt2"/>
-              </a:buClr>
-              <a:buSzPts val="1800"/>
-              <a:buFont typeface="Arial"/>
-              <a:buChar char="●"/>
-              <a:defRPr sz="1800" b="0" i="0" u="none" strike="noStrike" cap="none">
-                <a:solidFill>
-                  <a:schemeClr val="lt2"/>
-                </a:solidFill>
-                <a:latin typeface="Arial"/>
-                <a:ea typeface="Arial"/>
-                <a:cs typeface="Arial"/>
-                <a:sym typeface="Arial"/>
-              </a:defRPr>
-            </a:lvl1pPr>
-            <a:lvl2pPr marL="914400" marR="0" lvl="1" indent="-317500" algn="l" rtl="0">
-              <a:lnSpc>
-                <a:spcPct val="115000"/>
-              </a:lnSpc>
-              <a:spcBef>
-                <a:spcPts val="0"/>
-              </a:spcBef>
-              <a:spcAft>
-                <a:spcPts val="0"/>
-              </a:spcAft>
-              <a:buClr>
-                <a:schemeClr val="lt2"/>
-              </a:buClr>
-              <a:buSzPts val="1400"/>
-              <a:buFont typeface="Arial"/>
-              <a:buChar char="○"/>
-              <a:defRPr sz="1400" b="0" i="0" u="none" strike="noStrike" cap="none">
-                <a:solidFill>
-                  <a:schemeClr val="lt2"/>
-                </a:solidFill>
-                <a:latin typeface="Arial"/>
-                <a:ea typeface="Arial"/>
-                <a:cs typeface="Arial"/>
-                <a:sym typeface="Arial"/>
-              </a:defRPr>
-            </a:lvl2pPr>
-            <a:lvl3pPr marL="1371600" marR="0" lvl="2" indent="-317500" algn="l" rtl="0">
-              <a:lnSpc>
-                <a:spcPct val="115000"/>
-              </a:lnSpc>
-              <a:spcBef>
-                <a:spcPts val="0"/>
-              </a:spcBef>
-              <a:spcAft>
-                <a:spcPts val="0"/>
-              </a:spcAft>
-              <a:buClr>
-                <a:schemeClr val="lt2"/>
-              </a:buClr>
-              <a:buSzPts val="1400"/>
-              <a:buFont typeface="Arial"/>
-              <a:buChar char="■"/>
-              <a:defRPr sz="1400" b="0" i="0" u="none" strike="noStrike" cap="none">
-                <a:solidFill>
-                  <a:schemeClr val="lt2"/>
-                </a:solidFill>
-                <a:latin typeface="Arial"/>
-                <a:ea typeface="Arial"/>
-                <a:cs typeface="Arial"/>
-                <a:sym typeface="Arial"/>
-              </a:defRPr>
-            </a:lvl3pPr>
-            <a:lvl4pPr marL="1828800" marR="0" lvl="3" indent="-317500" algn="l" rtl="0">
-              <a:lnSpc>
-                <a:spcPct val="115000"/>
-              </a:lnSpc>
-              <a:spcBef>
-                <a:spcPts val="0"/>
-              </a:spcBef>
-              <a:spcAft>
-                <a:spcPts val="0"/>
-              </a:spcAft>
-              <a:buClr>
-                <a:schemeClr val="lt2"/>
-              </a:buClr>
-              <a:buSzPts val="1400"/>
-              <a:buFont typeface="Arial"/>
-              <a:buChar char="●"/>
-              <a:defRPr sz="1400" b="0" i="0" u="none" strike="noStrike" cap="none">
-                <a:solidFill>
-                  <a:schemeClr val="lt2"/>
-                </a:solidFill>
-                <a:latin typeface="Arial"/>
-                <a:ea typeface="Arial"/>
-                <a:cs typeface="Arial"/>
-                <a:sym typeface="Arial"/>
-              </a:defRPr>
-            </a:lvl4pPr>
-            <a:lvl5pPr marL="2286000" marR="0" lvl="4" indent="-317500" algn="l" rtl="0">
-              <a:lnSpc>
-                <a:spcPct val="115000"/>
-              </a:lnSpc>
-              <a:spcBef>
-                <a:spcPts val="0"/>
-              </a:spcBef>
-              <a:spcAft>
-                <a:spcPts val="0"/>
-              </a:spcAft>
-              <a:buClr>
-                <a:schemeClr val="lt2"/>
-              </a:buClr>
-              <a:buSzPts val="1400"/>
-              <a:buFont typeface="Arial"/>
-              <a:buChar char="○"/>
-              <a:defRPr sz="1400" b="0" i="0" u="none" strike="noStrike" cap="none">
-                <a:solidFill>
-                  <a:schemeClr val="lt2"/>
-                </a:solidFill>
-                <a:latin typeface="Arial"/>
-                <a:ea typeface="Arial"/>
-                <a:cs typeface="Arial"/>
-                <a:sym typeface="Arial"/>
-              </a:defRPr>
-            </a:lvl5pPr>
-            <a:lvl6pPr marL="2743200" marR="0" lvl="5" indent="-317500" algn="l" rtl="0">
-              <a:lnSpc>
-                <a:spcPct val="115000"/>
-              </a:lnSpc>
-              <a:spcBef>
-                <a:spcPts val="0"/>
-              </a:spcBef>
-              <a:spcAft>
-                <a:spcPts val="0"/>
-              </a:spcAft>
-              <a:buClr>
-                <a:schemeClr val="lt2"/>
-              </a:buClr>
-              <a:buSzPts val="1400"/>
-              <a:buFont typeface="Arial"/>
-              <a:buChar char="■"/>
-              <a:defRPr sz="1400" b="0" i="0" u="none" strike="noStrike" cap="none">
-                <a:solidFill>
-                  <a:schemeClr val="lt2"/>
-                </a:solidFill>
-                <a:latin typeface="Arial"/>
-                <a:ea typeface="Arial"/>
-                <a:cs typeface="Arial"/>
-                <a:sym typeface="Arial"/>
-              </a:defRPr>
-            </a:lvl6pPr>
-            <a:lvl7pPr marL="3200400" marR="0" lvl="6" indent="-317500" algn="l" rtl="0">
-              <a:lnSpc>
-                <a:spcPct val="115000"/>
-              </a:lnSpc>
-              <a:spcBef>
-                <a:spcPts val="0"/>
-              </a:spcBef>
-              <a:spcAft>
-                <a:spcPts val="0"/>
-              </a:spcAft>
-              <a:buClr>
-                <a:schemeClr val="lt2"/>
-              </a:buClr>
-              <a:buSzPts val="1400"/>
-              <a:buFont typeface="Arial"/>
-              <a:buChar char="●"/>
-              <a:defRPr sz="1400" b="0" i="0" u="none" strike="noStrike" cap="none">
-                <a:solidFill>
-                  <a:schemeClr val="lt2"/>
-                </a:solidFill>
-                <a:latin typeface="Arial"/>
-                <a:ea typeface="Arial"/>
-                <a:cs typeface="Arial"/>
-                <a:sym typeface="Arial"/>
-              </a:defRPr>
-            </a:lvl7pPr>
-            <a:lvl8pPr marL="3657600" marR="0" lvl="7" indent="-317500" algn="l" rtl="0">
-              <a:lnSpc>
-                <a:spcPct val="115000"/>
-              </a:lnSpc>
-              <a:spcBef>
-                <a:spcPts val="0"/>
-              </a:spcBef>
-              <a:spcAft>
-                <a:spcPts val="0"/>
-              </a:spcAft>
-              <a:buClr>
-                <a:schemeClr val="lt2"/>
-              </a:buClr>
-              <a:buSzPts val="1400"/>
-              <a:buFont typeface="Arial"/>
-              <a:buChar char="○"/>
-              <a:defRPr sz="1400" b="0" i="0" u="none" strike="noStrike" cap="none">
-                <a:solidFill>
-                  <a:schemeClr val="lt2"/>
-                </a:solidFill>
-                <a:latin typeface="Arial"/>
-                <a:ea typeface="Arial"/>
-                <a:cs typeface="Arial"/>
-                <a:sym typeface="Arial"/>
-              </a:defRPr>
-            </a:lvl8pPr>
-            <a:lvl9pPr marL="4114800" marR="0" lvl="8" indent="-317500" algn="l" rtl="0">
-              <a:lnSpc>
-                <a:spcPct val="115000"/>
-              </a:lnSpc>
-              <a:spcBef>
-                <a:spcPts val="0"/>
-              </a:spcBef>
-              <a:spcAft>
-                <a:spcPts val="0"/>
-              </a:spcAft>
-              <a:buClr>
-                <a:schemeClr val="lt2"/>
-              </a:buClr>
-              <a:buSzPts val="1400"/>
-              <a:buFont typeface="Arial"/>
-              <a:buChar char="■"/>
-              <a:defRPr sz="1400" b="0" i="0" u="none" strike="noStrike" cap="none">
-                <a:solidFill>
-                  <a:schemeClr val="lt2"/>
-                </a:solidFill>
-                <a:latin typeface="Arial"/>
-                <a:ea typeface="Arial"/>
-                <a:cs typeface="Arial"/>
-                <a:sym typeface="Arial"/>
-              </a:defRPr>
-            </a:lvl9pPr>
-          </a:lstStyle>
-          <a:p>
-            <a:pPr marL="0" indent="0">
-              <a:buFont typeface="Arial"/>
-              <a:buNone/>
-            </a:pPr>
-            <a:r>
-              <a:rPr lang="en-US" altLang="zh-CN" dirty="0"/>
-              <a:t>Too</a:t>
-            </a:r>
-            <a:r>
-              <a:rPr lang="zh-CN" altLang="en-US" dirty="0"/>
-              <a:t> </a:t>
-            </a:r>
-            <a:r>
-              <a:rPr lang="en-US" altLang="zh-CN" dirty="0"/>
-              <a:t>much</a:t>
-            </a:r>
-            <a:r>
-              <a:rPr lang="zh-CN" altLang="en-US" dirty="0"/>
-              <a:t> </a:t>
-            </a:r>
-            <a:r>
-              <a:rPr lang="en-US" altLang="zh-CN" dirty="0"/>
-              <a:t>Negative</a:t>
-            </a:r>
-            <a:r>
-              <a:rPr lang="zh-CN" altLang="en-US" dirty="0"/>
-              <a:t> </a:t>
-            </a:r>
-            <a:r>
-              <a:rPr lang="en-US" altLang="zh-CN" dirty="0"/>
-              <a:t>Internal</a:t>
-            </a:r>
-            <a:r>
-              <a:rPr lang="zh-CN" altLang="en-US" dirty="0"/>
-              <a:t> </a:t>
-            </a:r>
-            <a:r>
-              <a:rPr lang="en-US" altLang="zh-CN" dirty="0"/>
-              <a:t>Pattern</a:t>
-            </a:r>
-            <a:r>
-              <a:rPr lang="zh-CN" altLang="en-US" dirty="0"/>
-              <a:t> </a:t>
-            </a:r>
-            <a:r>
-              <a:rPr lang="en-US" altLang="zh-CN" dirty="0"/>
-              <a:t>Features.</a:t>
-            </a:r>
-          </a:p>
-          <a:p>
-            <a:pPr marL="285750" indent="-285750">
-              <a:buFontTx/>
-              <a:buChar char="-"/>
-            </a:pPr>
-            <a:r>
-              <a:rPr lang="en-US" altLang="zh-CN" dirty="0"/>
-              <a:t>Helps</a:t>
-            </a:r>
-            <a:r>
-              <a:rPr lang="zh-CN" altLang="en-US" dirty="0"/>
-              <a:t> </a:t>
-            </a:r>
-            <a:r>
-              <a:rPr lang="en-US" altLang="zh-CN" dirty="0"/>
-              <a:t>to</a:t>
-            </a:r>
-            <a:r>
-              <a:rPr lang="zh-CN" altLang="en-US" dirty="0"/>
-              <a:t> </a:t>
-            </a:r>
-            <a:r>
-              <a:rPr lang="en-US" altLang="zh-CN" dirty="0"/>
-              <a:t>improve</a:t>
-            </a:r>
-            <a:r>
-              <a:rPr lang="zh-CN" altLang="en-US" dirty="0"/>
-              <a:t> </a:t>
-            </a:r>
-            <a:r>
-              <a:rPr lang="en-US" altLang="zh-CN" dirty="0"/>
-              <a:t>F-Score,</a:t>
-            </a:r>
-            <a:r>
-              <a:rPr lang="zh-CN" altLang="en-US" dirty="0"/>
-              <a:t> </a:t>
-            </a:r>
-            <a:r>
-              <a:rPr lang="en-US" altLang="zh-CN" dirty="0"/>
-              <a:t>especially</a:t>
-            </a:r>
-            <a:r>
-              <a:rPr lang="zh-CN" altLang="en-US" dirty="0"/>
-              <a:t> </a:t>
-            </a:r>
-            <a:r>
-              <a:rPr lang="en-US" altLang="zh-CN" dirty="0"/>
-              <a:t>recall</a:t>
-            </a:r>
-          </a:p>
-          <a:p>
-            <a:pPr marL="285750" indent="-285750">
-              <a:buFontTx/>
-              <a:buChar char="-"/>
-            </a:pPr>
-            <a:r>
-              <a:rPr lang="en-US" altLang="zh-CN" dirty="0"/>
-              <a:t>However,</a:t>
-            </a:r>
-            <a:r>
-              <a:rPr lang="zh-CN" altLang="en-US" dirty="0"/>
-              <a:t> </a:t>
-            </a:r>
-            <a:r>
-              <a:rPr lang="en-US" altLang="zh-CN" dirty="0"/>
-              <a:t>causes</a:t>
-            </a:r>
-            <a:r>
-              <a:rPr lang="zh-CN" altLang="en-US" dirty="0"/>
-              <a:t> </a:t>
-            </a:r>
-            <a:r>
-              <a:rPr lang="en-US" altLang="zh-CN" dirty="0"/>
-              <a:t>over-fitting.</a:t>
-            </a:r>
-            <a:r>
-              <a:rPr lang="zh-CN" altLang="en-US" dirty="0"/>
-              <a:t> </a:t>
-            </a:r>
-            <a:endParaRPr lang="en-US" altLang="zh-CN" dirty="0"/>
-          </a:p>
-          <a:p>
-            <a:pPr marL="285750" indent="-285750">
-              <a:buFontTx/>
-              <a:buChar char="-"/>
-            </a:pPr>
-            <a:r>
-              <a:rPr lang="en-US" altLang="zh-CN" dirty="0" err="1"/>
-              <a:t>Disencourage</a:t>
-            </a:r>
-            <a:r>
-              <a:rPr lang="zh-CN" altLang="en-US" dirty="0"/>
-              <a:t> </a:t>
-            </a:r>
-            <a:r>
-              <a:rPr lang="en-US" altLang="zh-CN" dirty="0"/>
-              <a:t>innovation.</a:t>
-            </a:r>
-          </a:p>
-          <a:p>
-            <a:pPr marL="285750" indent="-285750">
-              <a:buFontTx/>
-              <a:buChar char="-"/>
-            </a:pPr>
-            <a:r>
-              <a:rPr lang="en-US" altLang="zh-CN" dirty="0"/>
-              <a:t>Synonym:</a:t>
-            </a:r>
-            <a:r>
-              <a:rPr lang="zh-CN" altLang="en-US" dirty="0"/>
-              <a:t> </a:t>
-            </a:r>
-            <a:r>
-              <a:rPr lang="en-US" altLang="zh-CN" dirty="0"/>
-              <a:t>You</a:t>
-            </a:r>
-            <a:r>
-              <a:rPr lang="zh-CN" altLang="en-US" dirty="0"/>
-              <a:t> </a:t>
-            </a:r>
-            <a:r>
-              <a:rPr lang="en-US" altLang="zh-CN" dirty="0"/>
-              <a:t>can’t</a:t>
-            </a:r>
-            <a:r>
-              <a:rPr lang="zh-CN" altLang="en-US" dirty="0"/>
-              <a:t> </a:t>
-            </a:r>
-            <a:r>
-              <a:rPr lang="en-US" altLang="zh-CN" dirty="0"/>
-              <a:t>make</a:t>
-            </a:r>
-            <a:r>
-              <a:rPr lang="zh-CN" altLang="en-US" dirty="0"/>
-              <a:t> </a:t>
-            </a:r>
-            <a:r>
-              <a:rPr lang="en-US" altLang="zh-CN" dirty="0"/>
-              <a:t>a</a:t>
-            </a:r>
-            <a:r>
-              <a:rPr lang="zh-CN" altLang="en-US" dirty="0"/>
-              <a:t> </a:t>
-            </a:r>
-            <a:r>
-              <a:rPr lang="en-US" altLang="zh-CN" dirty="0"/>
-              <a:t>child</a:t>
-            </a:r>
-            <a:r>
-              <a:rPr lang="zh-CN" altLang="en-US" dirty="0"/>
-              <a:t> </a:t>
-            </a:r>
-            <a:r>
-              <a:rPr lang="en-US" altLang="zh-CN" dirty="0"/>
-              <a:t>successful</a:t>
-            </a:r>
-            <a:r>
-              <a:rPr lang="zh-CN" altLang="en-US" dirty="0"/>
-              <a:t> </a:t>
-            </a:r>
-            <a:r>
-              <a:rPr lang="en-US" altLang="zh-CN" dirty="0"/>
-              <a:t>by</a:t>
-            </a:r>
-            <a:r>
-              <a:rPr lang="zh-CN" altLang="en-US" dirty="0"/>
-              <a:t> </a:t>
-            </a:r>
-            <a:r>
-              <a:rPr lang="en-US" altLang="zh-CN" dirty="0"/>
-              <a:t>regulating</a:t>
-            </a:r>
-            <a:r>
-              <a:rPr lang="zh-CN" altLang="en-US" dirty="0"/>
-              <a:t> </a:t>
-            </a:r>
-            <a:r>
-              <a:rPr lang="en-US" altLang="zh-CN" dirty="0"/>
-              <a:t>him</a:t>
-            </a:r>
-            <a:r>
-              <a:rPr lang="zh-CN" altLang="en-US" dirty="0"/>
-              <a:t> </a:t>
-            </a:r>
-            <a:r>
-              <a:rPr lang="en-US" altLang="zh-CN" dirty="0"/>
-              <a:t>too</a:t>
-            </a:r>
-            <a:r>
-              <a:rPr lang="zh-CN" altLang="en-US" dirty="0"/>
-              <a:t> </a:t>
-            </a:r>
-            <a:r>
-              <a:rPr lang="en-US" altLang="zh-CN" dirty="0"/>
-              <a:t>much.</a:t>
-            </a:r>
-            <a:endParaRPr lang="en-US" dirty="0"/>
-          </a:p>
-        </p:txBody>
-      </p:sp>
-    </p:spTree>
-    <p:extLst>
-      <p:ext uri="{BB962C8B-B14F-4D97-AF65-F5344CB8AC3E}">
-        <p14:creationId xmlns:p14="http://schemas.microsoft.com/office/powerpoint/2010/main" val="3904861656"/>
       </p:ext>
     </p:extLst>
   </p:cSld>
@@ -19237,7 +20026,7 @@
         <p14:prism/>
       </p:transition>
     </mc:Choice>
-    <mc:Fallback xmlns:ahyp="http://schemas.microsoft.com/office/drawing/2018/hyperlinkcolor" xmlns:p15="http://schemas.microsoft.com/office/powerpoint/2012/main" xmlns:com="http://schemas.openxmlformats.org/drawingml/2006/compatibility" xmlns:pvml="urn:schemas-microsoft-com:office:powerpoint" xmlns:v="urn:schemas-microsoft-com:vml" xmlns:o="urn:schemas-microsoft-com:office:office" xmlns:dgm="http://schemas.openxmlformats.org/drawingml/2006/diagram" xmlns:c="http://schemas.openxmlformats.org/drawingml/2006/chart" xmlns:mv="urn:schemas-microsoft-com:mac:vml" xmlns="">
+    <mc:Fallback xmlns="" xmlns:mv="urn:schemas-microsoft-com:mac:vml" xmlns:c="http://schemas.openxmlformats.org/drawingml/2006/chart" xmlns:dgm="http://schemas.openxmlformats.org/drawingml/2006/diagram" xmlns:o="urn:schemas-microsoft-com:office:office" xmlns:v="urn:schemas-microsoft-com:vml" xmlns:pvml="urn:schemas-microsoft-com:office:powerpoint" xmlns:com="http://schemas.openxmlformats.org/drawingml/2006/compatibility" xmlns:p15="http://schemas.microsoft.com/office/powerpoint/2012/main" xmlns:ahyp="http://schemas.microsoft.com/office/drawing/2018/hyperlinkcolor">
       <p:transition spd="med">
         <p:fade/>
       </p:transition>
@@ -19367,7 +20156,7 @@
         <p14:prism/>
       </p:transition>
     </mc:Choice>
-    <mc:Fallback xmlns:ahyp="http://schemas.microsoft.com/office/drawing/2018/hyperlinkcolor" xmlns:p15="http://schemas.microsoft.com/office/powerpoint/2012/main" xmlns:com="http://schemas.openxmlformats.org/drawingml/2006/compatibility" xmlns:pvml="urn:schemas-microsoft-com:office:powerpoint" xmlns:v="urn:schemas-microsoft-com:vml" xmlns:o="urn:schemas-microsoft-com:office:office" xmlns:dgm="http://schemas.openxmlformats.org/drawingml/2006/diagram" xmlns:c="http://schemas.openxmlformats.org/drawingml/2006/chart" xmlns:mv="urn:schemas-microsoft-com:mac:vml" xmlns="">
+    <mc:Fallback xmlns="" xmlns:mv="urn:schemas-microsoft-com:mac:vml" xmlns:c="http://schemas.openxmlformats.org/drawingml/2006/chart" xmlns:dgm="http://schemas.openxmlformats.org/drawingml/2006/diagram" xmlns:o="urn:schemas-microsoft-com:office:office" xmlns:v="urn:schemas-microsoft-com:vml" xmlns:pvml="urn:schemas-microsoft-com:office:powerpoint" xmlns:com="http://schemas.openxmlformats.org/drawingml/2006/compatibility" xmlns:p15="http://schemas.microsoft.com/office/powerpoint/2012/main" xmlns:ahyp="http://schemas.microsoft.com/office/drawing/2018/hyperlinkcolor">
       <p:transition spd="med">
         <p:fade/>
       </p:transition>
@@ -23190,10 +23979,18 @@
               <a:buNone/>
             </a:pPr>
             <a:r>
-              <a:rPr lang="zh-CN"/>
-              <a:t>/ Feature Selection / Library Features</a:t>
-            </a:r>
-            <a:endParaRPr/>
+              <a:rPr lang="zh-CN" dirty="0"/>
+              <a:t>/ Feature Selection / </a:t>
+            </a:r>
+            <a:r>
+              <a:rPr lang="en-GB" altLang="zh-CN" dirty="0"/>
+              <a:t>Libraries for </a:t>
+            </a:r>
+            <a:r>
+              <a:rPr lang="zh-CN" dirty="0"/>
+              <a:t>Library Features</a:t>
+            </a:r>
+            <a:endParaRPr dirty="0"/>
           </a:p>
         </p:txBody>
       </p:sp>
@@ -24911,10 +25708,10 @@
               <a:buNone/>
             </a:pPr>
             <a:r>
-              <a:rPr lang="zh-CN"/>
+              <a:rPr lang="zh-CN" dirty="0"/>
               <a:t>/ Feature Selection / Contextual Features</a:t>
             </a:r>
-            <a:endParaRPr/>
+            <a:endParaRPr dirty="0"/>
           </a:p>
         </p:txBody>
       </p:sp>

--- a/CISC3025-Project3-Presentation.pptx
+++ b/CISC3025-Project3-Presentation.pptx
@@ -2205,6 +2205,72 @@
 </file>
 
 <file path=ppt/notesSlides/notesSlide21.xml><?xml version="1.0" encoding="utf-8"?>
+<p:notes xmlns:a="http://schemas.openxmlformats.org/drawingml/2006/main" xmlns:r="http://schemas.openxmlformats.org/officeDocument/2006/relationships" xmlns:p="http://schemas.openxmlformats.org/presentationml/2006/main">
+  <p:cSld>
+    <p:spTree>
+      <p:nvGrpSpPr>
+        <p:cNvPr id="1" name=""/>
+        <p:cNvGrpSpPr/>
+        <p:nvPr/>
+      </p:nvGrpSpPr>
+      <p:grpSpPr>
+        <a:xfrm>
+          <a:off x="0" y="0"/>
+          <a:ext cx="0" cy="0"/>
+          <a:chOff x="0" y="0"/>
+          <a:chExt cx="0" cy="0"/>
+        </a:xfrm>
+      </p:grpSpPr>
+      <p:sp>
+        <p:nvSpPr>
+          <p:cNvPr id="2" name="幻灯片图像占位符 1"/>
+          <p:cNvSpPr>
+            <a:spLocks noGrp="1" noRot="1" noChangeAspect="1"/>
+          </p:cNvSpPr>
+          <p:nvPr>
+            <p:ph type="sldImg"/>
+          </p:nvPr>
+        </p:nvSpPr>
+        <p:spPr>
+          <a:xfrm>
+            <a:off x="381000" y="685800"/>
+            <a:ext cx="6096000" cy="3429000"/>
+          </a:xfrm>
+        </p:spPr>
+      </p:sp>
+      <p:sp>
+        <p:nvSpPr>
+          <p:cNvPr id="3" name="备注占位符 2"/>
+          <p:cNvSpPr>
+            <a:spLocks noGrp="1"/>
+          </p:cNvSpPr>
+          <p:nvPr>
+            <p:ph type="body" idx="1"/>
+          </p:nvPr>
+        </p:nvSpPr>
+        <p:spPr/>
+        <p:txBody>
+          <a:bodyPr/>
+          <a:lstStyle/>
+          <a:p>
+            <a:endParaRPr lang="en-GB" dirty="0"/>
+          </a:p>
+        </p:txBody>
+      </p:sp>
+    </p:spTree>
+    <p:extLst>
+      <p:ext uri="{BB962C8B-B14F-4D97-AF65-F5344CB8AC3E}">
+        <p14:creationId xmlns:p14="http://schemas.microsoft.com/office/powerpoint/2010/main" val="1474705756"/>
+      </p:ext>
+    </p:extLst>
+  </p:cSld>
+  <p:clrMapOvr>
+    <a:masterClrMapping/>
+  </p:clrMapOvr>
+</p:notes>
+</file>
+
+<file path=ppt/notesSlides/notesSlide22.xml><?xml version="1.0" encoding="utf-8"?>
 <p:notes xmlns:a="http://schemas.openxmlformats.org/drawingml/2006/main" xmlns:r="http://schemas.openxmlformats.org/officeDocument/2006/relationships" xmlns:p="http://schemas.openxmlformats.org/presentationml/2006/main" showMasterSp="0" showMasterPhAnim="0">
   <p:cSld>
     <p:spTree>
@@ -2233,7 +2299,7 @@
         </p:nvSpPr>
         <p:spPr>
           <a:xfrm>
-            <a:off x="381300" y="685800"/>
+            <a:off x="381000" y="685800"/>
             <a:ext cx="6096000" cy="3429000"/>
           </a:xfrm>
           <a:custGeom>
@@ -2296,7 +2362,7 @@
               </a:spcAft>
               <a:buNone/>
             </a:pPr>
-            <a:endParaRPr/>
+            <a:endParaRPr dirty="0"/>
           </a:p>
         </p:txBody>
       </p:sp>
@@ -2308,7 +2374,7 @@
 </p:notes>
 </file>
 
-<file path=ppt/notesSlides/notesSlide22.xml><?xml version="1.0" encoding="utf-8"?>
+<file path=ppt/notesSlides/notesSlide23.xml><?xml version="1.0" encoding="utf-8"?>
 <p:notes xmlns:a="http://schemas.openxmlformats.org/drawingml/2006/main" xmlns:r="http://schemas.openxmlformats.org/officeDocument/2006/relationships" xmlns:p="http://schemas.openxmlformats.org/presentationml/2006/main" showMasterSp="0" showMasterPhAnim="0">
   <p:cSld>
     <p:spTree>
@@ -15364,7 +15430,7 @@
         <p14:prism/>
       </p:transition>
     </mc:Choice>
-    <mc:Fallback xmlns="" xmlns:mv="urn:schemas-microsoft-com:mac:vml" xmlns:c="http://schemas.openxmlformats.org/drawingml/2006/chart" xmlns:dgm="http://schemas.openxmlformats.org/drawingml/2006/diagram" xmlns:o="urn:schemas-microsoft-com:office:office" xmlns:v="urn:schemas-microsoft-com:vml" xmlns:pvml="urn:schemas-microsoft-com:office:powerpoint" xmlns:com="http://schemas.openxmlformats.org/drawingml/2006/compatibility" xmlns:p15="http://schemas.microsoft.com/office/powerpoint/2012/main" xmlns:ahyp="http://schemas.microsoft.com/office/drawing/2018/hyperlinkcolor">
+    <mc:Fallback xmlns:ahyp="http://schemas.microsoft.com/office/drawing/2018/hyperlinkcolor" xmlns:p15="http://schemas.microsoft.com/office/powerpoint/2012/main" xmlns:com="http://schemas.openxmlformats.org/drawingml/2006/compatibility" xmlns:pvml="urn:schemas-microsoft-com:office:powerpoint" xmlns:v="urn:schemas-microsoft-com:vml" xmlns:o="urn:schemas-microsoft-com:office:office" xmlns:dgm="http://schemas.openxmlformats.org/drawingml/2006/diagram" xmlns:c="http://schemas.openxmlformats.org/drawingml/2006/chart" xmlns:mv="urn:schemas-microsoft-com:mac:vml" xmlns="">
       <p:transition spd="med">
         <p:fade/>
       </p:transition>
@@ -17565,7 +17631,7 @@
         <p14:prism/>
       </p:transition>
     </mc:Choice>
-    <mc:Fallback xmlns="" xmlns:mv="urn:schemas-microsoft-com:mac:vml" xmlns:c="http://schemas.openxmlformats.org/drawingml/2006/chart" xmlns:dgm="http://schemas.openxmlformats.org/drawingml/2006/diagram" xmlns:o="urn:schemas-microsoft-com:office:office" xmlns:v="urn:schemas-microsoft-com:vml" xmlns:pvml="urn:schemas-microsoft-com:office:powerpoint" xmlns:com="http://schemas.openxmlformats.org/drawingml/2006/compatibility" xmlns:p15="http://schemas.microsoft.com/office/powerpoint/2012/main" xmlns:ahyp="http://schemas.microsoft.com/office/drawing/2018/hyperlinkcolor">
+    <mc:Fallback xmlns:ahyp="http://schemas.microsoft.com/office/drawing/2018/hyperlinkcolor" xmlns:p15="http://schemas.microsoft.com/office/powerpoint/2012/main" xmlns:com="http://schemas.openxmlformats.org/drawingml/2006/compatibility" xmlns:pvml="urn:schemas-microsoft-com:office:powerpoint" xmlns:v="urn:schemas-microsoft-com:vml" xmlns:o="urn:schemas-microsoft-com:office:office" xmlns:dgm="http://schemas.openxmlformats.org/drawingml/2006/diagram" xmlns:c="http://schemas.openxmlformats.org/drawingml/2006/chart" xmlns:mv="urn:schemas-microsoft-com:mac:vml" xmlns="">
       <p:transition spd="med">
         <p:fade/>
       </p:transition>
@@ -19110,8 +19176,8 @@
               <a:buChar char="-"/>
             </a:pPr>
             <a:r>
-              <a:rPr lang="en-US" altLang="zh-CN" dirty="0" err="1"/>
-              <a:t>Disencourage</a:t>
+              <a:rPr lang="en-US" altLang="zh-CN" dirty="0"/>
+              <a:t>Dis-encourage</a:t>
             </a:r>
             <a:r>
               <a:rPr lang="zh-CN" altLang="en-US" dirty="0"/>
@@ -19304,7 +19370,7 @@
         </p:nvSpPr>
         <p:spPr bwMode="auto">
           <a:xfrm>
-            <a:off x="4419600" y="2419350"/>
+            <a:off x="4419600" y="2661575"/>
             <a:ext cx="304800" cy="304800"/>
           </a:xfrm>
           <a:prstGeom prst="rect">
@@ -19333,100 +19399,6 @@
           </a:p>
         </p:txBody>
       </p:sp>
-      <p:pic>
-        <p:nvPicPr>
-          <p:cNvPr id="4" name="Picture 2">
-            <a:extLst>
-              <a:ext uri="{FF2B5EF4-FFF2-40B4-BE49-F238E27FC236}">
-                <a16:creationId xmlns:a16="http://schemas.microsoft.com/office/drawing/2014/main" id="{453B55B5-AD62-3CA7-5D21-75184E29B095}"/>
-              </a:ext>
-            </a:extLst>
-          </p:cNvPr>
-          <p:cNvPicPr>
-            <a:picLocks noChangeAspect="1" noChangeArrowheads="1"/>
-          </p:cNvPicPr>
-          <p:nvPr/>
-        </p:nvPicPr>
-        <p:blipFill>
-          <a:blip r:embed="rId2">
-            <a:extLst>
-              <a:ext uri="{28A0092B-C50C-407E-A947-70E740481C1C}">
-                <a14:useLocalDpi xmlns:a14="http://schemas.microsoft.com/office/drawing/2010/main" val="0"/>
-              </a:ext>
-            </a:extLst>
-          </a:blip>
-          <a:srcRect/>
-          <a:stretch>
-            <a:fillRect/>
-          </a:stretch>
-        </p:blipFill>
-        <p:spPr bwMode="auto">
-          <a:xfrm>
-            <a:off x="728084" y="1493593"/>
-            <a:ext cx="3629083" cy="1951892"/>
-          </a:xfrm>
-          <a:prstGeom prst="rect">
-            <a:avLst/>
-          </a:prstGeom>
-          <a:noFill/>
-          <a:extLst>
-            <a:ext uri="{909E8E84-426E-40DD-AFC4-6F175D3DCCD1}">
-              <a14:hiddenFill xmlns:a14="http://schemas.microsoft.com/office/drawing/2010/main">
-                <a:solidFill>
-                  <a:srgbClr val="FFFFFF"/>
-                </a:solidFill>
-              </a14:hiddenFill>
-            </a:ext>
-          </a:extLst>
-        </p:spPr>
-      </p:pic>
-      <p:pic>
-        <p:nvPicPr>
-          <p:cNvPr id="5" name="Picture 6">
-            <a:extLst>
-              <a:ext uri="{FF2B5EF4-FFF2-40B4-BE49-F238E27FC236}">
-                <a16:creationId xmlns:a16="http://schemas.microsoft.com/office/drawing/2014/main" id="{E2C8E072-438C-0668-088B-94D77E2E1FE4}"/>
-              </a:ext>
-            </a:extLst>
-          </p:cNvPr>
-          <p:cNvPicPr>
-            <a:picLocks noChangeAspect="1" noChangeArrowheads="1"/>
-          </p:cNvPicPr>
-          <p:nvPr/>
-        </p:nvPicPr>
-        <p:blipFill>
-          <a:blip r:embed="rId3">
-            <a:extLst>
-              <a:ext uri="{28A0092B-C50C-407E-A947-70E740481C1C}">
-                <a14:useLocalDpi xmlns:a14="http://schemas.microsoft.com/office/drawing/2010/main" val="0"/>
-              </a:ext>
-            </a:extLst>
-          </a:blip>
-          <a:srcRect/>
-          <a:stretch>
-            <a:fillRect/>
-          </a:stretch>
-        </p:blipFill>
-        <p:spPr bwMode="auto">
-          <a:xfrm>
-            <a:off x="4786833" y="1452007"/>
-            <a:ext cx="3653174" cy="2023833"/>
-          </a:xfrm>
-          <a:prstGeom prst="rect">
-            <a:avLst/>
-          </a:prstGeom>
-          <a:noFill/>
-          <a:extLst>
-            <a:ext uri="{909E8E84-426E-40DD-AFC4-6F175D3DCCD1}">
-              <a14:hiddenFill xmlns:a14="http://schemas.microsoft.com/office/drawing/2010/main">
-                <a:solidFill>
-                  <a:srgbClr val="FFFFFF"/>
-                </a:solidFill>
-              </a14:hiddenFill>
-            </a:ext>
-          </a:extLst>
-        </p:spPr>
-      </p:pic>
       <p:sp>
         <p:nvSpPr>
           <p:cNvPr id="7" name="文本框 6">
@@ -19441,7 +19413,7 @@
         </p:nvSpPr>
         <p:spPr>
           <a:xfrm>
-            <a:off x="728084" y="1065885"/>
+            <a:off x="647700" y="1353249"/>
             <a:ext cx="2806267" cy="307777"/>
           </a:xfrm>
           <a:prstGeom prst="rect">
@@ -19485,7 +19457,7 @@
         </p:nvSpPr>
         <p:spPr>
           <a:xfrm>
-            <a:off x="4786833" y="1068582"/>
+            <a:off x="4786833" y="1359199"/>
             <a:ext cx="2806267" cy="307777"/>
           </a:xfrm>
           <a:prstGeom prst="rect">
@@ -19512,6 +19484,761 @@
                 <a:schemeClr val="tx1"/>
               </a:solidFill>
             </a:endParaRPr>
+          </a:p>
+        </p:txBody>
+      </p:sp>
+      <p:pic>
+        <p:nvPicPr>
+          <p:cNvPr id="9" name="图片 8" descr="图形用户界面, 文本, 应用程序&#10;&#10;描述已自动生成">
+            <a:extLst>
+              <a:ext uri="{FF2B5EF4-FFF2-40B4-BE49-F238E27FC236}">
+                <a16:creationId xmlns:a16="http://schemas.microsoft.com/office/drawing/2014/main" id="{729372F8-C0B6-CDFD-CABC-97F3963D6475}"/>
+              </a:ext>
+            </a:extLst>
+          </p:cNvPr>
+          <p:cNvPicPr>
+            <a:picLocks noChangeAspect="1"/>
+          </p:cNvPicPr>
+          <p:nvPr/>
+        </p:nvPicPr>
+        <p:blipFill rotWithShape="1">
+          <a:blip r:embed="rId3">
+            <a:clrChange>
+              <a:clrFrom>
+                <a:srgbClr val="5C83B5"/>
+              </a:clrFrom>
+              <a:clrTo>
+                <a:srgbClr val="5C83B5">
+                  <a:alpha val="0"/>
+                </a:srgbClr>
+              </a:clrTo>
+            </a:clrChange>
+          </a:blip>
+          <a:srcRect t="5314"/>
+          <a:stretch/>
+        </p:blipFill>
+        <p:spPr>
+          <a:xfrm>
+            <a:off x="4786833" y="1615887"/>
+            <a:ext cx="3709467" cy="3404996"/>
+          </a:xfrm>
+          <a:prstGeom prst="rect">
+            <a:avLst/>
+          </a:prstGeom>
+        </p:spPr>
+      </p:pic>
+      <p:pic>
+        <p:nvPicPr>
+          <p:cNvPr id="10" name="图片 9">
+            <a:extLst>
+              <a:ext uri="{FF2B5EF4-FFF2-40B4-BE49-F238E27FC236}">
+                <a16:creationId xmlns:a16="http://schemas.microsoft.com/office/drawing/2014/main" id="{F038D2C3-A567-2AF5-3324-AB23FF607B4A}"/>
+              </a:ext>
+            </a:extLst>
+          </p:cNvPr>
+          <p:cNvPicPr>
+            <a:picLocks noChangeAspect="1"/>
+          </p:cNvPicPr>
+          <p:nvPr/>
+        </p:nvPicPr>
+        <p:blipFill rotWithShape="1">
+          <a:blip r:embed="rId4">
+            <a:clrChange>
+              <a:clrFrom>
+                <a:srgbClr val="5C83B5"/>
+              </a:clrFrom>
+              <a:clrTo>
+                <a:srgbClr val="5C83B5">
+                  <a:alpha val="0"/>
+                </a:srgbClr>
+              </a:clrTo>
+            </a:clrChange>
+          </a:blip>
+          <a:srcRect l="11335" t="8303" r="3114" b="7754"/>
+          <a:stretch/>
+        </p:blipFill>
+        <p:spPr>
+          <a:xfrm>
+            <a:off x="647700" y="1666976"/>
+            <a:ext cx="3554640" cy="2557494"/>
+          </a:xfrm>
+          <a:prstGeom prst="roundRect">
+            <a:avLst>
+              <a:gd name="adj" fmla="val 2768"/>
+            </a:avLst>
+          </a:prstGeom>
+          <a:ln w="38100">
+            <a:solidFill>
+              <a:srgbClr val="5B81B2"/>
+            </a:solidFill>
+          </a:ln>
+        </p:spPr>
+      </p:pic>
+      <p:sp>
+        <p:nvSpPr>
+          <p:cNvPr id="11" name="文本框 10">
+            <a:extLst>
+              <a:ext uri="{FF2B5EF4-FFF2-40B4-BE49-F238E27FC236}">
+                <a16:creationId xmlns:a16="http://schemas.microsoft.com/office/drawing/2014/main" id="{D3F14355-541E-9A1E-32BB-EBC2AB91F520}"/>
+              </a:ext>
+            </a:extLst>
+          </p:cNvPr>
+          <p:cNvSpPr txBox="1"/>
+          <p:nvPr/>
+        </p:nvSpPr>
+        <p:spPr>
+          <a:xfrm>
+            <a:off x="473060" y="1065885"/>
+            <a:ext cx="7768216" cy="307777"/>
+          </a:xfrm>
+          <a:prstGeom prst="rect">
+            <a:avLst/>
+          </a:prstGeom>
+          <a:noFill/>
+        </p:spPr>
+        <p:txBody>
+          <a:bodyPr wrap="square" rtlCol="0">
+            <a:spAutoFit/>
+          </a:bodyPr>
+          <a:lstStyle/>
+          <a:p>
+            <a:r>
+              <a:rPr lang="en-US" dirty="0">
+                <a:solidFill>
+                  <a:schemeClr val="tx1"/>
+                </a:solidFill>
+              </a:rPr>
+              <a:t>Model’s performance on JOJO movie names: Including English, Japanese, Italian, Greeks, …</a:t>
+            </a:r>
+            <a:endParaRPr lang="en-GB" dirty="0">
+              <a:solidFill>
+                <a:schemeClr val="tx1"/>
+              </a:solidFill>
+            </a:endParaRPr>
+          </a:p>
+        </p:txBody>
+      </p:sp>
+      <p:sp>
+        <p:nvSpPr>
+          <p:cNvPr id="12" name="矩形: 圆角 11">
+            <a:extLst>
+              <a:ext uri="{FF2B5EF4-FFF2-40B4-BE49-F238E27FC236}">
+                <a16:creationId xmlns:a16="http://schemas.microsoft.com/office/drawing/2014/main" id="{C9781D3E-27F8-A87C-13A8-FDBBDE8072DB}"/>
+              </a:ext>
+            </a:extLst>
+          </p:cNvPr>
+          <p:cNvSpPr/>
+          <p:nvPr/>
+        </p:nvSpPr>
+        <p:spPr>
+          <a:xfrm>
+            <a:off x="6794500" y="4077615"/>
+            <a:ext cx="601133" cy="87985"/>
+          </a:xfrm>
+          <a:prstGeom prst="roundRect">
+            <a:avLst/>
+          </a:prstGeom>
+          <a:noFill/>
+          <a:ln w="19050">
+            <a:solidFill>
+              <a:srgbClr val="FF0000"/>
+            </a:solidFill>
+          </a:ln>
+        </p:spPr>
+        <p:style>
+          <a:lnRef idx="2">
+            <a:schemeClr val="accent1">
+              <a:shade val="15000"/>
+            </a:schemeClr>
+          </a:lnRef>
+          <a:fillRef idx="1">
+            <a:schemeClr val="accent1"/>
+          </a:fillRef>
+          <a:effectRef idx="0">
+            <a:schemeClr val="accent1"/>
+          </a:effectRef>
+          <a:fontRef idx="minor">
+            <a:schemeClr val="lt1"/>
+          </a:fontRef>
+        </p:style>
+        <p:txBody>
+          <a:bodyPr rtlCol="0" anchor="ctr"/>
+          <a:lstStyle/>
+          <a:p>
+            <a:pPr algn="ctr"/>
+            <a:endParaRPr lang="en-GB"/>
+          </a:p>
+        </p:txBody>
+      </p:sp>
+      <p:sp>
+        <p:nvSpPr>
+          <p:cNvPr id="13" name="矩形: 圆角 12">
+            <a:extLst>
+              <a:ext uri="{FF2B5EF4-FFF2-40B4-BE49-F238E27FC236}">
+                <a16:creationId xmlns:a16="http://schemas.microsoft.com/office/drawing/2014/main" id="{0BF46127-17CA-284E-3B74-4DEB63396F7C}"/>
+              </a:ext>
+            </a:extLst>
+          </p:cNvPr>
+          <p:cNvSpPr/>
+          <p:nvPr/>
+        </p:nvSpPr>
+        <p:spPr>
+          <a:xfrm>
+            <a:off x="1223433" y="3671215"/>
+            <a:ext cx="601133" cy="87985"/>
+          </a:xfrm>
+          <a:prstGeom prst="roundRect">
+            <a:avLst/>
+          </a:prstGeom>
+          <a:noFill/>
+          <a:ln w="19050">
+            <a:solidFill>
+              <a:srgbClr val="FF0000"/>
+            </a:solidFill>
+          </a:ln>
+        </p:spPr>
+        <p:style>
+          <a:lnRef idx="2">
+            <a:schemeClr val="accent1">
+              <a:shade val="15000"/>
+            </a:schemeClr>
+          </a:lnRef>
+          <a:fillRef idx="1">
+            <a:schemeClr val="accent1"/>
+          </a:fillRef>
+          <a:effectRef idx="0">
+            <a:schemeClr val="accent1"/>
+          </a:effectRef>
+          <a:fontRef idx="minor">
+            <a:schemeClr val="lt1"/>
+          </a:fontRef>
+        </p:style>
+        <p:txBody>
+          <a:bodyPr rtlCol="0" anchor="ctr"/>
+          <a:lstStyle/>
+          <a:p>
+            <a:pPr algn="ctr"/>
+            <a:endParaRPr lang="en-GB" dirty="0"/>
+          </a:p>
+        </p:txBody>
+      </p:sp>
+      <p:sp>
+        <p:nvSpPr>
+          <p:cNvPr id="14" name="矩形: 圆角 13">
+            <a:extLst>
+              <a:ext uri="{FF2B5EF4-FFF2-40B4-BE49-F238E27FC236}">
+                <a16:creationId xmlns:a16="http://schemas.microsoft.com/office/drawing/2014/main" id="{92C4DEDF-FC0E-5B54-EFEA-8777DB519BC7}"/>
+              </a:ext>
+            </a:extLst>
+          </p:cNvPr>
+          <p:cNvSpPr/>
+          <p:nvPr/>
+        </p:nvSpPr>
+        <p:spPr>
+          <a:xfrm>
+            <a:off x="5226367" y="4170748"/>
+            <a:ext cx="380683" cy="87985"/>
+          </a:xfrm>
+          <a:prstGeom prst="roundRect">
+            <a:avLst/>
+          </a:prstGeom>
+          <a:noFill/>
+          <a:ln w="19050">
+            <a:solidFill>
+              <a:srgbClr val="FF0000"/>
+            </a:solidFill>
+          </a:ln>
+        </p:spPr>
+        <p:style>
+          <a:lnRef idx="2">
+            <a:schemeClr val="accent1">
+              <a:shade val="15000"/>
+            </a:schemeClr>
+          </a:lnRef>
+          <a:fillRef idx="1">
+            <a:schemeClr val="accent1"/>
+          </a:fillRef>
+          <a:effectRef idx="0">
+            <a:schemeClr val="accent1"/>
+          </a:effectRef>
+          <a:fontRef idx="minor">
+            <a:schemeClr val="lt1"/>
+          </a:fontRef>
+        </p:style>
+        <p:txBody>
+          <a:bodyPr rtlCol="0" anchor="ctr"/>
+          <a:lstStyle/>
+          <a:p>
+            <a:pPr algn="ctr"/>
+            <a:endParaRPr lang="en-GB"/>
+          </a:p>
+        </p:txBody>
+      </p:sp>
+      <p:sp>
+        <p:nvSpPr>
+          <p:cNvPr id="15" name="矩形: 圆角 14">
+            <a:extLst>
+              <a:ext uri="{FF2B5EF4-FFF2-40B4-BE49-F238E27FC236}">
+                <a16:creationId xmlns:a16="http://schemas.microsoft.com/office/drawing/2014/main" id="{21916B58-1F58-9A51-99BA-4F1498629A2B}"/>
+              </a:ext>
+            </a:extLst>
+          </p:cNvPr>
+          <p:cNvSpPr/>
+          <p:nvPr/>
+        </p:nvSpPr>
+        <p:spPr>
+          <a:xfrm>
+            <a:off x="2157201" y="3671214"/>
+            <a:ext cx="380683" cy="87985"/>
+          </a:xfrm>
+          <a:prstGeom prst="roundRect">
+            <a:avLst/>
+          </a:prstGeom>
+          <a:noFill/>
+          <a:ln w="19050">
+            <a:solidFill>
+              <a:srgbClr val="FF0000"/>
+            </a:solidFill>
+          </a:ln>
+        </p:spPr>
+        <p:style>
+          <a:lnRef idx="2">
+            <a:schemeClr val="accent1">
+              <a:shade val="15000"/>
+            </a:schemeClr>
+          </a:lnRef>
+          <a:fillRef idx="1">
+            <a:schemeClr val="accent1"/>
+          </a:fillRef>
+          <a:effectRef idx="0">
+            <a:schemeClr val="accent1"/>
+          </a:effectRef>
+          <a:fontRef idx="minor">
+            <a:schemeClr val="lt1"/>
+          </a:fontRef>
+        </p:style>
+        <p:txBody>
+          <a:bodyPr rtlCol="0" anchor="ctr"/>
+          <a:lstStyle/>
+          <a:p>
+            <a:pPr algn="ctr"/>
+            <a:endParaRPr lang="en-GB"/>
+          </a:p>
+        </p:txBody>
+      </p:sp>
+      <p:sp>
+        <p:nvSpPr>
+          <p:cNvPr id="16" name="矩形: 圆角 15">
+            <a:extLst>
+              <a:ext uri="{FF2B5EF4-FFF2-40B4-BE49-F238E27FC236}">
+                <a16:creationId xmlns:a16="http://schemas.microsoft.com/office/drawing/2014/main" id="{C3D42613-8669-677C-3E76-FD9CC2B4447F}"/>
+              </a:ext>
+            </a:extLst>
+          </p:cNvPr>
+          <p:cNvSpPr/>
+          <p:nvPr/>
+        </p:nvSpPr>
+        <p:spPr>
+          <a:xfrm>
+            <a:off x="6559550" y="4170748"/>
+            <a:ext cx="601133" cy="87985"/>
+          </a:xfrm>
+          <a:prstGeom prst="roundRect">
+            <a:avLst/>
+          </a:prstGeom>
+          <a:noFill/>
+          <a:ln w="19050">
+            <a:solidFill>
+              <a:srgbClr val="FF0000"/>
+            </a:solidFill>
+          </a:ln>
+        </p:spPr>
+        <p:style>
+          <a:lnRef idx="2">
+            <a:schemeClr val="accent1">
+              <a:shade val="15000"/>
+            </a:schemeClr>
+          </a:lnRef>
+          <a:fillRef idx="1">
+            <a:schemeClr val="accent1"/>
+          </a:fillRef>
+          <a:effectRef idx="0">
+            <a:schemeClr val="accent1"/>
+          </a:effectRef>
+          <a:fontRef idx="minor">
+            <a:schemeClr val="lt1"/>
+          </a:fontRef>
+        </p:style>
+        <p:txBody>
+          <a:bodyPr rtlCol="0" anchor="ctr"/>
+          <a:lstStyle/>
+          <a:p>
+            <a:pPr algn="ctr"/>
+            <a:endParaRPr lang="en-GB"/>
+          </a:p>
+        </p:txBody>
+      </p:sp>
+      <p:sp>
+        <p:nvSpPr>
+          <p:cNvPr id="17" name="矩形: 圆角 16">
+            <a:extLst>
+              <a:ext uri="{FF2B5EF4-FFF2-40B4-BE49-F238E27FC236}">
+                <a16:creationId xmlns:a16="http://schemas.microsoft.com/office/drawing/2014/main" id="{0E170390-7B07-A0E4-8C85-8EE4266FF6D4}"/>
+              </a:ext>
+            </a:extLst>
+          </p:cNvPr>
+          <p:cNvSpPr/>
+          <p:nvPr/>
+        </p:nvSpPr>
+        <p:spPr>
+          <a:xfrm>
+            <a:off x="3368676" y="3670583"/>
+            <a:ext cx="463550" cy="87985"/>
+          </a:xfrm>
+          <a:prstGeom prst="roundRect">
+            <a:avLst/>
+          </a:prstGeom>
+          <a:noFill/>
+          <a:ln w="19050">
+            <a:solidFill>
+              <a:srgbClr val="FF0000"/>
+            </a:solidFill>
+          </a:ln>
+        </p:spPr>
+        <p:style>
+          <a:lnRef idx="2">
+            <a:schemeClr val="accent1">
+              <a:shade val="15000"/>
+            </a:schemeClr>
+          </a:lnRef>
+          <a:fillRef idx="1">
+            <a:schemeClr val="accent1"/>
+          </a:fillRef>
+          <a:effectRef idx="0">
+            <a:schemeClr val="accent1"/>
+          </a:effectRef>
+          <a:fontRef idx="minor">
+            <a:schemeClr val="lt1"/>
+          </a:fontRef>
+        </p:style>
+        <p:txBody>
+          <a:bodyPr rtlCol="0" anchor="ctr"/>
+          <a:lstStyle/>
+          <a:p>
+            <a:pPr algn="ctr"/>
+            <a:endParaRPr lang="en-GB"/>
+          </a:p>
+        </p:txBody>
+      </p:sp>
+      <p:sp>
+        <p:nvSpPr>
+          <p:cNvPr id="18" name="矩形: 圆角 17">
+            <a:extLst>
+              <a:ext uri="{FF2B5EF4-FFF2-40B4-BE49-F238E27FC236}">
+                <a16:creationId xmlns:a16="http://schemas.microsoft.com/office/drawing/2014/main" id="{B1A27E42-52BB-2230-242C-3CB126D70F01}"/>
+              </a:ext>
+            </a:extLst>
+          </p:cNvPr>
+          <p:cNvSpPr/>
+          <p:nvPr/>
+        </p:nvSpPr>
+        <p:spPr>
+          <a:xfrm>
+            <a:off x="6085417" y="4279726"/>
+            <a:ext cx="429683" cy="80607"/>
+          </a:xfrm>
+          <a:prstGeom prst="roundRect">
+            <a:avLst/>
+          </a:prstGeom>
+          <a:noFill/>
+          <a:ln w="19050">
+            <a:solidFill>
+              <a:srgbClr val="FF0000"/>
+            </a:solidFill>
+          </a:ln>
+        </p:spPr>
+        <p:style>
+          <a:lnRef idx="2">
+            <a:schemeClr val="accent1">
+              <a:shade val="15000"/>
+            </a:schemeClr>
+          </a:lnRef>
+          <a:fillRef idx="1">
+            <a:schemeClr val="accent1"/>
+          </a:fillRef>
+          <a:effectRef idx="0">
+            <a:schemeClr val="accent1"/>
+          </a:effectRef>
+          <a:fontRef idx="minor">
+            <a:schemeClr val="lt1"/>
+          </a:fontRef>
+        </p:style>
+        <p:txBody>
+          <a:bodyPr rtlCol="0" anchor="ctr"/>
+          <a:lstStyle/>
+          <a:p>
+            <a:pPr algn="ctr"/>
+            <a:endParaRPr lang="en-GB"/>
+          </a:p>
+        </p:txBody>
+      </p:sp>
+      <p:sp>
+        <p:nvSpPr>
+          <p:cNvPr id="19" name="矩形: 圆角 18">
+            <a:extLst>
+              <a:ext uri="{FF2B5EF4-FFF2-40B4-BE49-F238E27FC236}">
+                <a16:creationId xmlns:a16="http://schemas.microsoft.com/office/drawing/2014/main" id="{71AF4A64-DEC8-7444-CB2E-BC557740198B}"/>
+              </a:ext>
+            </a:extLst>
+          </p:cNvPr>
+          <p:cNvSpPr/>
+          <p:nvPr/>
+        </p:nvSpPr>
+        <p:spPr>
+          <a:xfrm>
+            <a:off x="2446127" y="3758568"/>
+            <a:ext cx="429683" cy="80607"/>
+          </a:xfrm>
+          <a:prstGeom prst="roundRect">
+            <a:avLst/>
+          </a:prstGeom>
+          <a:noFill/>
+          <a:ln w="19050">
+            <a:solidFill>
+              <a:srgbClr val="FF0000"/>
+            </a:solidFill>
+          </a:ln>
+        </p:spPr>
+        <p:style>
+          <a:lnRef idx="2">
+            <a:schemeClr val="accent1">
+              <a:shade val="15000"/>
+            </a:schemeClr>
+          </a:lnRef>
+          <a:fillRef idx="1">
+            <a:schemeClr val="accent1"/>
+          </a:fillRef>
+          <a:effectRef idx="0">
+            <a:schemeClr val="accent1"/>
+          </a:effectRef>
+          <a:fontRef idx="minor">
+            <a:schemeClr val="lt1"/>
+          </a:fontRef>
+        </p:style>
+        <p:txBody>
+          <a:bodyPr rtlCol="0" anchor="ctr"/>
+          <a:lstStyle/>
+          <a:p>
+            <a:pPr algn="ctr"/>
+            <a:endParaRPr lang="en-GB"/>
+          </a:p>
+        </p:txBody>
+      </p:sp>
+      <p:sp>
+        <p:nvSpPr>
+          <p:cNvPr id="20" name="矩形: 圆角 19">
+            <a:extLst>
+              <a:ext uri="{FF2B5EF4-FFF2-40B4-BE49-F238E27FC236}">
+                <a16:creationId xmlns:a16="http://schemas.microsoft.com/office/drawing/2014/main" id="{3612FF6F-45DD-C130-1E83-A0C8C8ED0BE6}"/>
+              </a:ext>
+            </a:extLst>
+          </p:cNvPr>
+          <p:cNvSpPr/>
+          <p:nvPr/>
+        </p:nvSpPr>
+        <p:spPr>
+          <a:xfrm>
+            <a:off x="5760283" y="4360333"/>
+            <a:ext cx="610884" cy="118534"/>
+          </a:xfrm>
+          <a:prstGeom prst="roundRect">
+            <a:avLst/>
+          </a:prstGeom>
+          <a:noFill/>
+          <a:ln w="19050">
+            <a:solidFill>
+              <a:srgbClr val="FF0000"/>
+            </a:solidFill>
+          </a:ln>
+        </p:spPr>
+        <p:style>
+          <a:lnRef idx="2">
+            <a:schemeClr val="accent1">
+              <a:shade val="15000"/>
+            </a:schemeClr>
+          </a:lnRef>
+          <a:fillRef idx="1">
+            <a:schemeClr val="accent1"/>
+          </a:fillRef>
+          <a:effectRef idx="0">
+            <a:schemeClr val="accent1"/>
+          </a:effectRef>
+          <a:fontRef idx="minor">
+            <a:schemeClr val="lt1"/>
+          </a:fontRef>
+        </p:style>
+        <p:txBody>
+          <a:bodyPr rtlCol="0" anchor="ctr"/>
+          <a:lstStyle/>
+          <a:p>
+            <a:pPr algn="ctr"/>
+            <a:endParaRPr lang="en-GB"/>
+          </a:p>
+        </p:txBody>
+      </p:sp>
+      <p:sp>
+        <p:nvSpPr>
+          <p:cNvPr id="21" name="矩形: 圆角 20">
+            <a:extLst>
+              <a:ext uri="{FF2B5EF4-FFF2-40B4-BE49-F238E27FC236}">
+                <a16:creationId xmlns:a16="http://schemas.microsoft.com/office/drawing/2014/main" id="{E4CD8011-7C85-6B4B-2087-63D2E9006B5B}"/>
+              </a:ext>
+            </a:extLst>
+          </p:cNvPr>
+          <p:cNvSpPr/>
+          <p:nvPr/>
+        </p:nvSpPr>
+        <p:spPr>
+          <a:xfrm>
+            <a:off x="1851759" y="3832137"/>
+            <a:ext cx="514674" cy="87985"/>
+          </a:xfrm>
+          <a:prstGeom prst="roundRect">
+            <a:avLst/>
+          </a:prstGeom>
+          <a:noFill/>
+          <a:ln w="19050">
+            <a:solidFill>
+              <a:srgbClr val="FF0000"/>
+            </a:solidFill>
+          </a:ln>
+        </p:spPr>
+        <p:style>
+          <a:lnRef idx="2">
+            <a:schemeClr val="accent1">
+              <a:shade val="15000"/>
+            </a:schemeClr>
+          </a:lnRef>
+          <a:fillRef idx="1">
+            <a:schemeClr val="accent1"/>
+          </a:fillRef>
+          <a:effectRef idx="0">
+            <a:schemeClr val="accent1"/>
+          </a:effectRef>
+          <a:fontRef idx="minor">
+            <a:schemeClr val="lt1"/>
+          </a:fontRef>
+        </p:style>
+        <p:txBody>
+          <a:bodyPr rtlCol="0" anchor="ctr"/>
+          <a:lstStyle/>
+          <a:p>
+            <a:pPr algn="ctr"/>
+            <a:endParaRPr lang="en-GB"/>
+          </a:p>
+        </p:txBody>
+      </p:sp>
+      <p:sp>
+        <p:nvSpPr>
+          <p:cNvPr id="22" name="矩形: 圆角 21">
+            <a:extLst>
+              <a:ext uri="{FF2B5EF4-FFF2-40B4-BE49-F238E27FC236}">
+                <a16:creationId xmlns:a16="http://schemas.microsoft.com/office/drawing/2014/main" id="{F429B208-981A-AFB6-CEE3-E41A29F4D6A7}"/>
+              </a:ext>
+            </a:extLst>
+          </p:cNvPr>
+          <p:cNvSpPr/>
+          <p:nvPr/>
+        </p:nvSpPr>
+        <p:spPr>
+          <a:xfrm>
+            <a:off x="6289675" y="4478867"/>
+            <a:ext cx="382058" cy="87985"/>
+          </a:xfrm>
+          <a:prstGeom prst="roundRect">
+            <a:avLst/>
+          </a:prstGeom>
+          <a:noFill/>
+          <a:ln w="19050">
+            <a:solidFill>
+              <a:srgbClr val="FF0000"/>
+            </a:solidFill>
+          </a:ln>
+        </p:spPr>
+        <p:style>
+          <a:lnRef idx="2">
+            <a:schemeClr val="accent1">
+              <a:shade val="15000"/>
+            </a:schemeClr>
+          </a:lnRef>
+          <a:fillRef idx="1">
+            <a:schemeClr val="accent1"/>
+          </a:fillRef>
+          <a:effectRef idx="0">
+            <a:schemeClr val="accent1"/>
+          </a:effectRef>
+          <a:fontRef idx="minor">
+            <a:schemeClr val="lt1"/>
+          </a:fontRef>
+        </p:style>
+        <p:txBody>
+          <a:bodyPr rtlCol="0" anchor="ctr"/>
+          <a:lstStyle/>
+          <a:p>
+            <a:pPr algn="ctr"/>
+            <a:endParaRPr lang="en-GB"/>
+          </a:p>
+        </p:txBody>
+      </p:sp>
+      <p:sp>
+        <p:nvSpPr>
+          <p:cNvPr id="23" name="矩形: 圆角 22">
+            <a:extLst>
+              <a:ext uri="{FF2B5EF4-FFF2-40B4-BE49-F238E27FC236}">
+                <a16:creationId xmlns:a16="http://schemas.microsoft.com/office/drawing/2014/main" id="{895A184C-5363-0117-566F-6CB8C05FCF42}"/>
+              </a:ext>
+            </a:extLst>
+          </p:cNvPr>
+          <p:cNvSpPr/>
+          <p:nvPr/>
+        </p:nvSpPr>
+        <p:spPr>
+          <a:xfrm>
+            <a:off x="1851759" y="3932022"/>
+            <a:ext cx="382058" cy="87985"/>
+          </a:xfrm>
+          <a:prstGeom prst="roundRect">
+            <a:avLst/>
+          </a:prstGeom>
+          <a:noFill/>
+          <a:ln w="19050">
+            <a:solidFill>
+              <a:srgbClr val="FF0000"/>
+            </a:solidFill>
+          </a:ln>
+        </p:spPr>
+        <p:style>
+          <a:lnRef idx="2">
+            <a:schemeClr val="accent1">
+              <a:shade val="15000"/>
+            </a:schemeClr>
+          </a:lnRef>
+          <a:fillRef idx="1">
+            <a:schemeClr val="accent1"/>
+          </a:fillRef>
+          <a:effectRef idx="0">
+            <a:schemeClr val="accent1"/>
+          </a:effectRef>
+          <a:fontRef idx="minor">
+            <a:schemeClr val="lt1"/>
+          </a:fontRef>
+        </p:style>
+        <p:txBody>
+          <a:bodyPr rtlCol="0" anchor="ctr"/>
+          <a:lstStyle/>
+          <a:p>
+            <a:pPr algn="ctr"/>
+            <a:endParaRPr lang="en-GB"/>
           </a:p>
         </p:txBody>
       </p:sp>
@@ -19547,48 +20274,6 @@
       </p:grpSpPr>
       <p:sp>
         <p:nvSpPr>
-          <p:cNvPr id="236" name="Google Shape;236;p30"/>
-          <p:cNvSpPr txBox="1">
-            <a:spLocks noGrp="1"/>
-          </p:cNvSpPr>
-          <p:nvPr>
-            <p:ph type="title"/>
-          </p:nvPr>
-        </p:nvSpPr>
-        <p:spPr>
-          <a:xfrm>
-            <a:off x="311700" y="478000"/>
-            <a:ext cx="8520600" cy="572700"/>
-          </a:xfrm>
-          <a:prstGeom prst="rect">
-            <a:avLst/>
-          </a:prstGeom>
-        </p:spPr>
-        <p:txBody>
-          <a:bodyPr spcFirstLastPara="1" wrap="square" lIns="91425" tIns="91425" rIns="91425" bIns="91425" anchor="t" anchorCtr="0">
-            <a:normAutofit fontScale="90000"/>
-          </a:bodyPr>
-          <a:lstStyle/>
-          <a:p>
-            <a:pPr marL="0" lvl="0" indent="0" algn="l" rtl="0">
-              <a:spcBef>
-                <a:spcPts val="0"/>
-              </a:spcBef>
-              <a:spcAft>
-                <a:spcPts val="0"/>
-              </a:spcAft>
-              <a:buNone/>
-            </a:pPr>
-            <a:r>
-              <a:rPr lang="zh-CN"/>
-              <a:t>/ Evaluations and Demo / </a:t>
-            </a:r>
-            <a:endParaRPr/>
-          </a:p>
-        </p:txBody>
-      </p:sp>
-      <p:sp>
-        <p:nvSpPr>
           <p:cNvPr id="237" name="Google Shape;237;p30"/>
           <p:cNvSpPr txBox="1">
             <a:spLocks noGrp="1"/>
@@ -19626,6 +20311,46 @@
               <a:t>Live Demo</a:t>
             </a:r>
             <a:endParaRPr b="1"/>
+          </a:p>
+        </p:txBody>
+      </p:sp>
+      <p:sp>
+        <p:nvSpPr>
+          <p:cNvPr id="5" name="标题 1">
+            <a:extLst>
+              <a:ext uri="{FF2B5EF4-FFF2-40B4-BE49-F238E27FC236}">
+                <a16:creationId xmlns:a16="http://schemas.microsoft.com/office/drawing/2014/main" id="{ECED4667-5346-A36F-FC29-AFF894D0CED7}"/>
+              </a:ext>
+            </a:extLst>
+          </p:cNvPr>
+          <p:cNvSpPr>
+            <a:spLocks noGrp="1"/>
+          </p:cNvSpPr>
+          <p:nvPr>
+            <p:ph type="title"/>
+          </p:nvPr>
+        </p:nvSpPr>
+        <p:spPr>
+          <a:xfrm>
+            <a:off x="311150" y="444500"/>
+            <a:ext cx="8521700" cy="573088"/>
+          </a:xfrm>
+        </p:spPr>
+        <p:txBody>
+          <a:bodyPr>
+            <a:normAutofit fontScale="90000"/>
+          </a:bodyPr>
+          <a:lstStyle/>
+          <a:p>
+            <a:r>
+              <a:rPr lang="en-GB" dirty="0"/>
+              <a:t>/ </a:t>
+            </a:r>
+            <a:r>
+              <a:rPr lang="en-US" altLang="zh-CN" dirty="0"/>
+              <a:t>Evaluations and Demo / Live Demo</a:t>
+            </a:r>
+            <a:endParaRPr lang="en-GB" dirty="0"/>
           </a:p>
         </p:txBody>
       </p:sp>
@@ -20026,7 +20751,7 @@
         <p14:prism/>
       </p:transition>
     </mc:Choice>
-    <mc:Fallback xmlns="" xmlns:mv="urn:schemas-microsoft-com:mac:vml" xmlns:c="http://schemas.openxmlformats.org/drawingml/2006/chart" xmlns:dgm="http://schemas.openxmlformats.org/drawingml/2006/diagram" xmlns:o="urn:schemas-microsoft-com:office:office" xmlns:v="urn:schemas-microsoft-com:vml" xmlns:pvml="urn:schemas-microsoft-com:office:powerpoint" xmlns:com="http://schemas.openxmlformats.org/drawingml/2006/compatibility" xmlns:p15="http://schemas.microsoft.com/office/powerpoint/2012/main" xmlns:ahyp="http://schemas.microsoft.com/office/drawing/2018/hyperlinkcolor">
+    <mc:Fallback xmlns:ahyp="http://schemas.microsoft.com/office/drawing/2018/hyperlinkcolor" xmlns:p15="http://schemas.microsoft.com/office/powerpoint/2012/main" xmlns:com="http://schemas.openxmlformats.org/drawingml/2006/compatibility" xmlns:pvml="urn:schemas-microsoft-com:office:powerpoint" xmlns:v="urn:schemas-microsoft-com:vml" xmlns:o="urn:schemas-microsoft-com:office:office" xmlns:dgm="http://schemas.openxmlformats.org/drawingml/2006/diagram" xmlns:c="http://schemas.openxmlformats.org/drawingml/2006/chart" xmlns:mv="urn:schemas-microsoft-com:mac:vml" xmlns="">
       <p:transition spd="med">
         <p:fade/>
       </p:transition>
@@ -20156,7 +20881,7 @@
         <p14:prism/>
       </p:transition>
     </mc:Choice>
-    <mc:Fallback xmlns="" xmlns:mv="urn:schemas-microsoft-com:mac:vml" xmlns:c="http://schemas.openxmlformats.org/drawingml/2006/chart" xmlns:dgm="http://schemas.openxmlformats.org/drawingml/2006/diagram" xmlns:o="urn:schemas-microsoft-com:office:office" xmlns:v="urn:schemas-microsoft-com:vml" xmlns:pvml="urn:schemas-microsoft-com:office:powerpoint" xmlns:com="http://schemas.openxmlformats.org/drawingml/2006/compatibility" xmlns:p15="http://schemas.microsoft.com/office/powerpoint/2012/main" xmlns:ahyp="http://schemas.microsoft.com/office/drawing/2018/hyperlinkcolor">
+    <mc:Fallback xmlns:ahyp="http://schemas.microsoft.com/office/drawing/2018/hyperlinkcolor" xmlns:p15="http://schemas.microsoft.com/office/powerpoint/2012/main" xmlns:com="http://schemas.openxmlformats.org/drawingml/2006/compatibility" xmlns:pvml="urn:schemas-microsoft-com:office:powerpoint" xmlns:v="urn:schemas-microsoft-com:vml" xmlns:o="urn:schemas-microsoft-com:office:office" xmlns:dgm="http://schemas.openxmlformats.org/drawingml/2006/diagram" xmlns:c="http://schemas.openxmlformats.org/drawingml/2006/chart" xmlns:mv="urn:schemas-microsoft-com:mac:vml" xmlns="">
       <p:transition spd="med">
         <p:fade/>
       </p:transition>
